--- a/rankingwithLLM.pptx
+++ b/rankingwithLLM.pptx
@@ -5,7 +5,7 @@
     <p:sldMasterId id="2147483648" r:id="rId1"/>
   </p:sldMasterIdLst>
   <p:notesMasterIdLst>
-    <p:notesMasterId r:id="rId24"/>
+    <p:notesMasterId r:id="rId25"/>
   </p:notesMasterIdLst>
   <p:sldIdLst>
     <p:sldId id="256" r:id="rId2"/>
@@ -30,6 +30,7 @@
     <p:sldId id="275" r:id="rId21"/>
     <p:sldId id="277" r:id="rId22"/>
     <p:sldId id="276" r:id="rId23"/>
+    <p:sldId id="278" r:id="rId24"/>
   </p:sldIdLst>
   <p:sldSz cx="12192000" cy="6858000"/>
   <p:notesSz cx="6858000" cy="9144000"/>
@@ -218,7 +219,7 @@
           <a:p>
             <a:fld id="{DE9DA986-C197-2042-B476-BC36203B606C}" type="datetimeFigureOut">
               <a:rPr lang="en-US" smtClean="0"/>
-              <a:t>9/6/24</a:t>
+              <a:t>9/9/24</a:t>
             </a:fld>
             <a:endParaRPr lang="en-US"/>
           </a:p>
@@ -716,7 +717,7 @@
           <a:p>
             <a:fld id="{70F6711B-007C-4E47-B805-CF8F9D486DA3}" type="datetimeFigureOut">
               <a:rPr lang="en-US" smtClean="0"/>
-              <a:t>9/6/24</a:t>
+              <a:t>9/9/24</a:t>
             </a:fld>
             <a:endParaRPr lang="en-US"/>
           </a:p>
@@ -914,7 +915,7 @@
           <a:p>
             <a:fld id="{70F6711B-007C-4E47-B805-CF8F9D486DA3}" type="datetimeFigureOut">
               <a:rPr lang="en-US" smtClean="0"/>
-              <a:t>9/6/24</a:t>
+              <a:t>9/9/24</a:t>
             </a:fld>
             <a:endParaRPr lang="en-US"/>
           </a:p>
@@ -1122,7 +1123,7 @@
           <a:p>
             <a:fld id="{70F6711B-007C-4E47-B805-CF8F9D486DA3}" type="datetimeFigureOut">
               <a:rPr lang="en-US" smtClean="0"/>
-              <a:t>9/6/24</a:t>
+              <a:t>9/9/24</a:t>
             </a:fld>
             <a:endParaRPr lang="en-US"/>
           </a:p>
@@ -1320,7 +1321,7 @@
           <a:p>
             <a:fld id="{70F6711B-007C-4E47-B805-CF8F9D486DA3}" type="datetimeFigureOut">
               <a:rPr lang="en-US" smtClean="0"/>
-              <a:t>9/6/24</a:t>
+              <a:t>9/9/24</a:t>
             </a:fld>
             <a:endParaRPr lang="en-US"/>
           </a:p>
@@ -1595,7 +1596,7 @@
           <a:p>
             <a:fld id="{70F6711B-007C-4E47-B805-CF8F9D486DA3}" type="datetimeFigureOut">
               <a:rPr lang="en-US" smtClean="0"/>
-              <a:t>9/6/24</a:t>
+              <a:t>9/9/24</a:t>
             </a:fld>
             <a:endParaRPr lang="en-US"/>
           </a:p>
@@ -1860,7 +1861,7 @@
           <a:p>
             <a:fld id="{70F6711B-007C-4E47-B805-CF8F9D486DA3}" type="datetimeFigureOut">
               <a:rPr lang="en-US" smtClean="0"/>
-              <a:t>9/6/24</a:t>
+              <a:t>9/9/24</a:t>
             </a:fld>
             <a:endParaRPr lang="en-US"/>
           </a:p>
@@ -2272,7 +2273,7 @@
           <a:p>
             <a:fld id="{70F6711B-007C-4E47-B805-CF8F9D486DA3}" type="datetimeFigureOut">
               <a:rPr lang="en-US" smtClean="0"/>
-              <a:t>9/6/24</a:t>
+              <a:t>9/9/24</a:t>
             </a:fld>
             <a:endParaRPr lang="en-US"/>
           </a:p>
@@ -2413,7 +2414,7 @@
           <a:p>
             <a:fld id="{70F6711B-007C-4E47-B805-CF8F9D486DA3}" type="datetimeFigureOut">
               <a:rPr lang="en-US" smtClean="0"/>
-              <a:t>9/6/24</a:t>
+              <a:t>9/9/24</a:t>
             </a:fld>
             <a:endParaRPr lang="en-US"/>
           </a:p>
@@ -2526,7 +2527,7 @@
           <a:p>
             <a:fld id="{70F6711B-007C-4E47-B805-CF8F9D486DA3}" type="datetimeFigureOut">
               <a:rPr lang="en-US" smtClean="0"/>
-              <a:t>9/6/24</a:t>
+              <a:t>9/9/24</a:t>
             </a:fld>
             <a:endParaRPr lang="en-US"/>
           </a:p>
@@ -2837,7 +2838,7 @@
           <a:p>
             <a:fld id="{70F6711B-007C-4E47-B805-CF8F9D486DA3}" type="datetimeFigureOut">
               <a:rPr lang="en-US" smtClean="0"/>
-              <a:t>9/6/24</a:t>
+              <a:t>9/9/24</a:t>
             </a:fld>
             <a:endParaRPr lang="en-US"/>
           </a:p>
@@ -3125,7 +3126,7 @@
           <a:p>
             <a:fld id="{70F6711B-007C-4E47-B805-CF8F9D486DA3}" type="datetimeFigureOut">
               <a:rPr lang="en-US" smtClean="0"/>
-              <a:t>9/6/24</a:t>
+              <a:t>9/9/24</a:t>
             </a:fld>
             <a:endParaRPr lang="en-US"/>
           </a:p>
@@ -3366,7 +3367,7 @@
           <a:p>
             <a:fld id="{70F6711B-007C-4E47-B805-CF8F9D486DA3}" type="datetimeFigureOut">
               <a:rPr lang="en-US" smtClean="0"/>
-              <a:t>9/6/24</a:t>
+              <a:t>9/9/24</a:t>
             </a:fld>
             <a:endParaRPr lang="en-US"/>
           </a:p>
@@ -9223,7 +9224,7 @@
             </p:spPr>
             <p:txBody>
               <a:bodyPr>
-                <a:normAutofit/>
+                <a:normAutofit lnSpcReduction="10000"/>
               </a:bodyPr>
               <a:lstStyle/>
               <a:p>
@@ -9264,6 +9265,13 @@
                 <a:pPr lvl="1"/>
                 <a:r>
                   <a:rPr lang="en-US" dirty="0"/>
+                  <a:t>Where p is whether the winner is clear or not</a:t>
+                </a:r>
+              </a:p>
+              <a:p>
+                <a:pPr lvl="1"/>
+                <a:r>
+                  <a:rPr lang="en-US" dirty="0"/>
                   <a:t>Where p</a:t>
                 </a:r>
                 <a:r>
@@ -9276,14 +9284,29 @@
                 </a:r>
               </a:p>
               <a:p>
-                <a:pPr lvl="1"/>
-                <a:endParaRPr lang="en-US" dirty="0"/>
+                <a:pPr lvl="2"/>
+                <a:r>
+                  <a:rPr lang="en-US" dirty="0">
+                    <a:solidFill>
+                      <a:srgbClr val="FF0000"/>
+                    </a:solidFill>
+                  </a:rPr>
+                  <a:t>Independence assumption</a:t>
+                </a:r>
               </a:p>
               <a:p>
                 <a:pPr lvl="2"/>
                 <a:r>
                   <a:rPr lang="en-US" sz="2400" dirty="0"/>
-                  <a:t>Pi = </a:t>
+                  <a:t>P</a:t>
+                </a:r>
+                <a:r>
+                  <a:rPr lang="en-US" sz="2400" baseline="-25000" dirty="0"/>
+                  <a:t>i</a:t>
+                </a:r>
+                <a:r>
+                  <a:rPr lang="en-US" sz="2400" dirty="0"/>
+                  <a:t> = </a:t>
                 </a:r>
                 <a14:m>
                   <m:oMath xmlns:m="http://schemas.openxmlformats.org/officeDocument/2006/math">
@@ -9479,7 +9502,7 @@
               <a:blipFill>
                 <a:blip r:embed="rId2"/>
                 <a:stretch>
-                  <a:fillRect l="-785" t="-1667"/>
+                  <a:fillRect l="-785" t="-2143"/>
                 </a:stretch>
               </a:blipFill>
             </p:spPr>
@@ -9609,43 +9632,19 @@
         </p:nvSpPr>
         <p:spPr>
           <a:xfrm>
-            <a:off x="733097" y="1526080"/>
+            <a:off x="367221" y="1526080"/>
             <a:ext cx="10515600" cy="4351338"/>
           </a:xfrm>
         </p:spPr>
         <p:txBody>
           <a:bodyPr>
-            <a:normAutofit/>
+            <a:normAutofit fontScale="92500" lnSpcReduction="10000"/>
           </a:bodyPr>
           <a:lstStyle/>
           <a:p>
             <a:r>
               <a:rPr lang="en-US" dirty="0"/>
-              <a:t>An example of how to compute P(</a:t>
-            </a:r>
-            <a:r>
-              <a:rPr lang="en-US" dirty="0" err="1"/>
-              <a:t>score</a:t>
-            </a:r>
-            <a:r>
-              <a:rPr lang="en-US" baseline="-25000" dirty="0" err="1"/>
-              <a:t>i</a:t>
-            </a:r>
-            <a:r>
-              <a:rPr lang="en-US" dirty="0"/>
-              <a:t> &gt; </a:t>
-            </a:r>
-            <a:r>
-              <a:rPr lang="en-US" dirty="0" err="1"/>
-              <a:t>score</a:t>
-            </a:r>
-            <a:r>
-              <a:rPr lang="en-US" baseline="-25000" dirty="0" err="1"/>
-              <a:t>j</a:t>
-            </a:r>
-            <a:r>
-              <a:rPr lang="en-US" dirty="0"/>
-              <a:t>)</a:t>
+              <a:t>An example of how to compute P(c1 &gt; c2)</a:t>
             </a:r>
           </a:p>
           <a:p>
@@ -9698,7 +9697,28 @@
             <a:pPr lvl="1"/>
             <a:r>
               <a:rPr lang="en-US" dirty="0"/>
-              <a:t>P(c1 &gt;= c2) = p(1.5 &lt; c1 &lt; 2) + p(1 &lt; c1 &lt; 1.5) * p(1 &lt; c2 &lt; 1.5) * ½ + p(1 &lt; c1 &lt; 1.5) * p(0.5 &lt; c2 &lt; 1) </a:t>
+              <a:t>P(c1 &gt; c2) = </a:t>
+            </a:r>
+          </a:p>
+          <a:p>
+            <a:pPr lvl="2"/>
+            <a:r>
+              <a:rPr lang="en-US" dirty="0"/>
+              <a:t>p(1.5 &lt; c1 &lt; 2) + </a:t>
+            </a:r>
+          </a:p>
+          <a:p>
+            <a:pPr lvl="2"/>
+            <a:r>
+              <a:rPr lang="en-US" dirty="0"/>
+              <a:t>p(1 &lt; c1 &lt; 1.5) * p(1 &lt; c2 &lt; 1.5) * ½ + </a:t>
+            </a:r>
+          </a:p>
+          <a:p>
+            <a:pPr lvl="2"/>
+            <a:r>
+              <a:rPr lang="en-US" dirty="0"/>
+              <a:t>p(1 &lt; c1 &lt; 1.5) * p(0.5 &lt; c2 &lt; 1) </a:t>
             </a:r>
           </a:p>
           <a:p>
@@ -9707,14 +9727,544 @@
             </a:pPr>
             <a:r>
               <a:rPr lang="en-US" dirty="0"/>
-              <a:t>= ½ + ½ * ½ * ½ + ½ * ½ = 0.875</a:t>
-            </a:r>
+              <a:t>	= ½ + </a:t>
+            </a:r>
+          </a:p>
+          <a:p>
+            <a:pPr marL="457200" lvl="1" indent="0">
+              <a:buNone/>
+            </a:pPr>
+            <a:r>
+              <a:rPr lang="en-US" dirty="0"/>
+              <a:t>	½ * ½ * ½ +</a:t>
+            </a:r>
+          </a:p>
+          <a:p>
+            <a:pPr marL="457200" lvl="1" indent="0">
+              <a:buNone/>
+            </a:pPr>
+            <a:r>
+              <a:rPr lang="en-US" dirty="0"/>
+              <a:t>	 ½ * ½ = </a:t>
+            </a:r>
+          </a:p>
+          <a:p>
+            <a:pPr marL="457200" lvl="1" indent="0">
+              <a:buNone/>
+            </a:pPr>
+            <a:r>
+              <a:rPr lang="en-US" dirty="0"/>
+              <a:t>	 </a:t>
+            </a:r>
+            <a:r>
+              <a:rPr lang="en-US" sz="2200" dirty="0"/>
+              <a:t>0.875</a:t>
+            </a:r>
+          </a:p>
+          <a:p>
+            <a:pPr marL="457200" lvl="1" indent="0">
+              <a:buNone/>
+            </a:pPr>
+            <a:endParaRPr lang="en-US" dirty="0"/>
           </a:p>
           <a:p>
             <a:pPr lvl="1"/>
             <a:r>
               <a:rPr lang="en-US" dirty="0"/>
               <a:t>P(c1 &lt; c2) = 1 – 0.875 = 0.125</a:t>
+            </a:r>
+          </a:p>
+        </p:txBody>
+      </p:sp>
+      <p:graphicFrame>
+        <p:nvGraphicFramePr>
+          <p:cNvPr id="4" name="Table 3">
+            <a:extLst>
+              <a:ext uri="{FF2B5EF4-FFF2-40B4-BE49-F238E27FC236}">
+                <a16:creationId xmlns:a16="http://schemas.microsoft.com/office/drawing/2014/main" id="{FCF1F8B4-5568-20F1-C1C9-F994EAE191BF}"/>
+              </a:ext>
+            </a:extLst>
+          </p:cNvPr>
+          <p:cNvGraphicFramePr>
+            <a:graphicFrameLocks noGrp="1"/>
+          </p:cNvGraphicFramePr>
+          <p:nvPr>
+            <p:extLst>
+              <p:ext uri="{D42A27DB-BD31-4B8C-83A1-F6EECF244321}">
+                <p14:modId xmlns:p14="http://schemas.microsoft.com/office/powerpoint/2010/main" val="2215308518"/>
+              </p:ext>
+            </p:extLst>
+          </p:nvPr>
+        </p:nvGraphicFramePr>
+        <p:xfrm>
+          <a:off x="6229350" y="2774649"/>
+          <a:ext cx="5433685" cy="1854200"/>
+        </p:xfrm>
+        <a:graphic>
+          <a:graphicData uri="http://schemas.openxmlformats.org/drawingml/2006/table">
+            <a:tbl>
+              <a:tblPr firstRow="1" bandRow="1">
+                <a:tableStyleId>{5C22544A-7EE6-4342-B048-85BDC9FD1C3A}</a:tableStyleId>
+              </a:tblPr>
+              <a:tblGrid>
+                <a:gridCol w="1086737">
+                  <a:extLst>
+                    <a:ext uri="{9D8B030D-6E8A-4147-A177-3AD203B41FA5}">
+                      <a16:colId xmlns:a16="http://schemas.microsoft.com/office/drawing/2014/main" val="152265934"/>
+                    </a:ext>
+                  </a:extLst>
+                </a:gridCol>
+                <a:gridCol w="1086737">
+                  <a:extLst>
+                    <a:ext uri="{9D8B030D-6E8A-4147-A177-3AD203B41FA5}">
+                      <a16:colId xmlns:a16="http://schemas.microsoft.com/office/drawing/2014/main" val="4078968741"/>
+                    </a:ext>
+                  </a:extLst>
+                </a:gridCol>
+                <a:gridCol w="1086737">
+                  <a:extLst>
+                    <a:ext uri="{9D8B030D-6E8A-4147-A177-3AD203B41FA5}">
+                      <a16:colId xmlns:a16="http://schemas.microsoft.com/office/drawing/2014/main" val="1554198573"/>
+                    </a:ext>
+                  </a:extLst>
+                </a:gridCol>
+                <a:gridCol w="1086737">
+                  <a:extLst>
+                    <a:ext uri="{9D8B030D-6E8A-4147-A177-3AD203B41FA5}">
+                      <a16:colId xmlns:a16="http://schemas.microsoft.com/office/drawing/2014/main" val="3614642542"/>
+                    </a:ext>
+                  </a:extLst>
+                </a:gridCol>
+                <a:gridCol w="1086737">
+                  <a:extLst>
+                    <a:ext uri="{9D8B030D-6E8A-4147-A177-3AD203B41FA5}">
+                      <a16:colId xmlns:a16="http://schemas.microsoft.com/office/drawing/2014/main" val="423572014"/>
+                    </a:ext>
+                  </a:extLst>
+                </a:gridCol>
+              </a:tblGrid>
+              <a:tr h="370840">
+                <a:tc>
+                  <a:txBody>
+                    <a:bodyPr/>
+                    <a:lstStyle/>
+                    <a:p>
+                      <a:pPr algn="ctr"/>
+                      <a:endParaRPr lang="en-US" dirty="0"/>
+                    </a:p>
+                  </a:txBody>
+                  <a:tcPr/>
+                </a:tc>
+                <a:tc>
+                  <a:txBody>
+                    <a:bodyPr/>
+                    <a:lstStyle/>
+                    <a:p>
+                      <a:pPr algn="ctr"/>
+                      <a:r>
+                        <a:rPr lang="en-US" dirty="0"/>
+                        <a:t>0.5</a:t>
+                      </a:r>
+                    </a:p>
+                  </a:txBody>
+                  <a:tcPr/>
+                </a:tc>
+                <a:tc>
+                  <a:txBody>
+                    <a:bodyPr/>
+                    <a:lstStyle/>
+                    <a:p>
+                      <a:pPr algn="ctr"/>
+                      <a:r>
+                        <a:rPr lang="en-US" dirty="0"/>
+                        <a:t>1</a:t>
+                      </a:r>
+                    </a:p>
+                  </a:txBody>
+                  <a:tcPr/>
+                </a:tc>
+                <a:tc>
+                  <a:txBody>
+                    <a:bodyPr/>
+                    <a:lstStyle/>
+                    <a:p>
+                      <a:pPr algn="ctr"/>
+                      <a:r>
+                        <a:rPr lang="en-US" dirty="0"/>
+                        <a:t>1.5</a:t>
+                      </a:r>
+                    </a:p>
+                  </a:txBody>
+                  <a:tcPr/>
+                </a:tc>
+                <a:tc>
+                  <a:txBody>
+                    <a:bodyPr/>
+                    <a:lstStyle/>
+                    <a:p>
+                      <a:pPr algn="ctr"/>
+                      <a:r>
+                        <a:rPr lang="en-US" dirty="0"/>
+                        <a:t>2</a:t>
+                      </a:r>
+                    </a:p>
+                  </a:txBody>
+                  <a:tcPr/>
+                </a:tc>
+                <a:extLst>
+                  <a:ext uri="{0D108BD9-81ED-4DB2-BD59-A6C34878D82A}">
+                    <a16:rowId xmlns:a16="http://schemas.microsoft.com/office/drawing/2014/main" val="4191670207"/>
+                  </a:ext>
+                </a:extLst>
+              </a:tr>
+              <a:tr h="370840">
+                <a:tc>
+                  <a:txBody>
+                    <a:bodyPr/>
+                    <a:lstStyle/>
+                    <a:p>
+                      <a:pPr algn="ctr"/>
+                      <a:r>
+                        <a:rPr lang="en-US" dirty="0"/>
+                        <a:t>0.5</a:t>
+                      </a:r>
+                    </a:p>
+                  </a:txBody>
+                  <a:tcPr/>
+                </a:tc>
+                <a:tc>
+                  <a:txBody>
+                    <a:bodyPr/>
+                    <a:lstStyle/>
+                    <a:p>
+                      <a:pPr algn="ctr"/>
+                      <a:endParaRPr lang="en-US" dirty="0"/>
+                    </a:p>
+                  </a:txBody>
+                  <a:tcPr/>
+                </a:tc>
+                <a:tc>
+                  <a:txBody>
+                    <a:bodyPr/>
+                    <a:lstStyle/>
+                    <a:p>
+                      <a:pPr algn="ctr"/>
+                      <a:endParaRPr lang="en-US"/>
+                    </a:p>
+                  </a:txBody>
+                  <a:tcPr/>
+                </a:tc>
+                <a:tc>
+                  <a:txBody>
+                    <a:bodyPr/>
+                    <a:lstStyle/>
+                    <a:p>
+                      <a:pPr algn="ctr"/>
+                      <a:endParaRPr lang="en-US"/>
+                    </a:p>
+                  </a:txBody>
+                  <a:tcPr/>
+                </a:tc>
+                <a:tc>
+                  <a:txBody>
+                    <a:bodyPr/>
+                    <a:lstStyle/>
+                    <a:p>
+                      <a:pPr algn="ctr"/>
+                      <a:endParaRPr lang="en-US"/>
+                    </a:p>
+                  </a:txBody>
+                  <a:tcPr/>
+                </a:tc>
+                <a:extLst>
+                  <a:ext uri="{0D108BD9-81ED-4DB2-BD59-A6C34878D82A}">
+                    <a16:rowId xmlns:a16="http://schemas.microsoft.com/office/drawing/2014/main" val="2280411846"/>
+                  </a:ext>
+                </a:extLst>
+              </a:tr>
+              <a:tr h="370840">
+                <a:tc>
+                  <a:txBody>
+                    <a:bodyPr/>
+                    <a:lstStyle/>
+                    <a:p>
+                      <a:pPr algn="ctr"/>
+                      <a:r>
+                        <a:rPr lang="en-US" dirty="0"/>
+                        <a:t>1</a:t>
+                      </a:r>
+                    </a:p>
+                  </a:txBody>
+                  <a:tcPr/>
+                </a:tc>
+                <a:tc>
+                  <a:txBody>
+                    <a:bodyPr/>
+                    <a:lstStyle/>
+                    <a:p>
+                      <a:pPr algn="ctr"/>
+                      <a:r>
+                        <a:rPr lang="en-US" dirty="0"/>
+                        <a:t>*</a:t>
+                      </a:r>
+                    </a:p>
+                  </a:txBody>
+                  <a:tcPr/>
+                </a:tc>
+                <a:tc>
+                  <a:txBody>
+                    <a:bodyPr/>
+                    <a:lstStyle/>
+                    <a:p>
+                      <a:pPr algn="ctr"/>
+                      <a:endParaRPr lang="en-US"/>
+                    </a:p>
+                  </a:txBody>
+                  <a:tcPr/>
+                </a:tc>
+                <a:tc>
+                  <a:txBody>
+                    <a:bodyPr/>
+                    <a:lstStyle/>
+                    <a:p>
+                      <a:pPr algn="ctr"/>
+                      <a:endParaRPr lang="en-US" dirty="0"/>
+                    </a:p>
+                  </a:txBody>
+                  <a:tcPr/>
+                </a:tc>
+                <a:tc>
+                  <a:txBody>
+                    <a:bodyPr/>
+                    <a:lstStyle/>
+                    <a:p>
+                      <a:pPr algn="ctr"/>
+                      <a:endParaRPr lang="en-US" dirty="0"/>
+                    </a:p>
+                  </a:txBody>
+                  <a:tcPr/>
+                </a:tc>
+                <a:extLst>
+                  <a:ext uri="{0D108BD9-81ED-4DB2-BD59-A6C34878D82A}">
+                    <a16:rowId xmlns:a16="http://schemas.microsoft.com/office/drawing/2014/main" val="1530262547"/>
+                  </a:ext>
+                </a:extLst>
+              </a:tr>
+              <a:tr h="370840">
+                <a:tc>
+                  <a:txBody>
+                    <a:bodyPr/>
+                    <a:lstStyle/>
+                    <a:p>
+                      <a:pPr algn="ctr"/>
+                      <a:r>
+                        <a:rPr lang="en-US" dirty="0"/>
+                        <a:t>1.5</a:t>
+                      </a:r>
+                    </a:p>
+                  </a:txBody>
+                  <a:tcPr/>
+                </a:tc>
+                <a:tc>
+                  <a:txBody>
+                    <a:bodyPr/>
+                    <a:lstStyle/>
+                    <a:p>
+                      <a:pPr algn="ctr"/>
+                      <a:r>
+                        <a:rPr lang="en-US" dirty="0"/>
+                        <a:t>*</a:t>
+                      </a:r>
+                    </a:p>
+                  </a:txBody>
+                  <a:tcPr/>
+                </a:tc>
+                <a:tc>
+                  <a:txBody>
+                    <a:bodyPr/>
+                    <a:lstStyle/>
+                    <a:p>
+                      <a:pPr algn="ctr"/>
+                      <a:r>
+                        <a:rPr lang="en-US" dirty="0"/>
+                        <a:t>*</a:t>
+                      </a:r>
+                    </a:p>
+                  </a:txBody>
+                  <a:tcPr/>
+                </a:tc>
+                <a:tc>
+                  <a:txBody>
+                    <a:bodyPr/>
+                    <a:lstStyle/>
+                    <a:p>
+                      <a:pPr algn="ctr"/>
+                      <a:endParaRPr lang="en-US" dirty="0"/>
+                    </a:p>
+                  </a:txBody>
+                  <a:tcPr/>
+                </a:tc>
+                <a:tc>
+                  <a:txBody>
+                    <a:bodyPr/>
+                    <a:lstStyle/>
+                    <a:p>
+                      <a:pPr algn="ctr"/>
+                      <a:endParaRPr lang="en-US" dirty="0"/>
+                    </a:p>
+                  </a:txBody>
+                  <a:tcPr/>
+                </a:tc>
+                <a:extLst>
+                  <a:ext uri="{0D108BD9-81ED-4DB2-BD59-A6C34878D82A}">
+                    <a16:rowId xmlns:a16="http://schemas.microsoft.com/office/drawing/2014/main" val="1629365600"/>
+                  </a:ext>
+                </a:extLst>
+              </a:tr>
+              <a:tr h="370840">
+                <a:tc>
+                  <a:txBody>
+                    <a:bodyPr/>
+                    <a:lstStyle/>
+                    <a:p>
+                      <a:pPr algn="ctr"/>
+                      <a:r>
+                        <a:rPr lang="en-US" dirty="0"/>
+                        <a:t>2</a:t>
+                      </a:r>
+                    </a:p>
+                  </a:txBody>
+                  <a:tcPr/>
+                </a:tc>
+                <a:tc>
+                  <a:txBody>
+                    <a:bodyPr/>
+                    <a:lstStyle/>
+                    <a:p>
+                      <a:pPr algn="ctr"/>
+                      <a:r>
+                        <a:rPr lang="en-US" dirty="0"/>
+                        <a:t>*</a:t>
+                      </a:r>
+                    </a:p>
+                  </a:txBody>
+                  <a:tcPr/>
+                </a:tc>
+                <a:tc>
+                  <a:txBody>
+                    <a:bodyPr/>
+                    <a:lstStyle/>
+                    <a:p>
+                      <a:pPr algn="ctr"/>
+                      <a:r>
+                        <a:rPr lang="en-US" dirty="0"/>
+                        <a:t>*</a:t>
+                      </a:r>
+                    </a:p>
+                  </a:txBody>
+                  <a:tcPr/>
+                </a:tc>
+                <a:tc>
+                  <a:txBody>
+                    <a:bodyPr/>
+                    <a:lstStyle/>
+                    <a:p>
+                      <a:pPr algn="ctr"/>
+                      <a:r>
+                        <a:rPr lang="en-US" dirty="0"/>
+                        <a:t>*</a:t>
+                      </a:r>
+                    </a:p>
+                  </a:txBody>
+                  <a:tcPr/>
+                </a:tc>
+                <a:tc>
+                  <a:txBody>
+                    <a:bodyPr/>
+                    <a:lstStyle/>
+                    <a:p>
+                      <a:pPr algn="ctr"/>
+                      <a:endParaRPr lang="en-US" dirty="0"/>
+                    </a:p>
+                  </a:txBody>
+                  <a:tcPr/>
+                </a:tc>
+                <a:extLst>
+                  <a:ext uri="{0D108BD9-81ED-4DB2-BD59-A6C34878D82A}">
+                    <a16:rowId xmlns:a16="http://schemas.microsoft.com/office/drawing/2014/main" val="3209401911"/>
+                  </a:ext>
+                </a:extLst>
+              </a:tr>
+            </a:tbl>
+          </a:graphicData>
+        </a:graphic>
+      </p:graphicFrame>
+      <p:sp>
+        <p:nvSpPr>
+          <p:cNvPr id="6" name="TextBox 5">
+            <a:extLst>
+              <a:ext uri="{FF2B5EF4-FFF2-40B4-BE49-F238E27FC236}">
+                <a16:creationId xmlns:a16="http://schemas.microsoft.com/office/drawing/2014/main" id="{BAC2F0A9-38A2-180B-9AA2-EE75D985568E}"/>
+              </a:ext>
+            </a:extLst>
+          </p:cNvPr>
+          <p:cNvSpPr txBox="1"/>
+          <p:nvPr/>
+        </p:nvSpPr>
+        <p:spPr>
+          <a:xfrm>
+            <a:off x="7321840" y="2405317"/>
+            <a:ext cx="468398" cy="369332"/>
+          </a:xfrm>
+          <a:prstGeom prst="rect">
+            <a:avLst/>
+          </a:prstGeom>
+          <a:noFill/>
+        </p:spPr>
+        <p:txBody>
+          <a:bodyPr wrap="none" rtlCol="0">
+            <a:spAutoFit/>
+          </a:bodyPr>
+          <a:lstStyle/>
+          <a:p>
+            <a:r>
+              <a:rPr lang="en-US" dirty="0"/>
+              <a:t>C2</a:t>
+            </a:r>
+          </a:p>
+        </p:txBody>
+      </p:sp>
+      <p:sp>
+        <p:nvSpPr>
+          <p:cNvPr id="7" name="TextBox 6">
+            <a:extLst>
+              <a:ext uri="{FF2B5EF4-FFF2-40B4-BE49-F238E27FC236}">
+                <a16:creationId xmlns:a16="http://schemas.microsoft.com/office/drawing/2014/main" id="{7625CE6B-20B7-FB5E-7C55-360E2E783DAC}"/>
+              </a:ext>
+            </a:extLst>
+          </p:cNvPr>
+          <p:cNvSpPr txBox="1"/>
+          <p:nvPr/>
+        </p:nvSpPr>
+        <p:spPr>
+          <a:xfrm>
+            <a:off x="5756698" y="3059668"/>
+            <a:ext cx="468398" cy="369332"/>
+          </a:xfrm>
+          <a:prstGeom prst="rect">
+            <a:avLst/>
+          </a:prstGeom>
+          <a:noFill/>
+        </p:spPr>
+        <p:txBody>
+          <a:bodyPr wrap="none" rtlCol="0">
+            <a:spAutoFit/>
+          </a:bodyPr>
+          <a:lstStyle/>
+          <a:p>
+            <a:r>
+              <a:rPr lang="en-US" dirty="0"/>
+              <a:t>C1</a:t>
             </a:r>
           </a:p>
         </p:txBody>
@@ -10811,9 +11361,10 @@
           <a:bodyPr/>
           <a:lstStyle/>
           <a:p>
+            <a:pPr algn="ctr"/>
             <a:r>
               <a:rPr lang="en-US" dirty="0"/>
-              <a:t>Another heuristic to minimize entropy</a:t>
+              <a:t>heuristic to minimize entropy</a:t>
             </a:r>
           </a:p>
         </p:txBody>
@@ -10850,7 +11401,11 @@
               <a:buNone/>
             </a:pPr>
             <a:r>
-              <a:rPr lang="en-US" dirty="0"/>
+              <a:rPr lang="en-US" dirty="0">
+                <a:solidFill>
+                  <a:srgbClr val="FF0000"/>
+                </a:solidFill>
+              </a:rPr>
               <a:t>How to choose the LLM call that most likely reduces the entropy?</a:t>
             </a:r>
           </a:p>
@@ -10858,7 +11413,11 @@
             <a:pPr marL="0" indent="0">
               <a:buNone/>
             </a:pPr>
-            <a:endParaRPr lang="en-US" dirty="0"/>
+            <a:endParaRPr lang="en-US" dirty="0">
+              <a:solidFill>
+                <a:srgbClr val="FF0000"/>
+              </a:solidFill>
+            </a:endParaRPr>
           </a:p>
           <a:p>
             <a:pPr marL="0" indent="0">
@@ -10990,9 +11549,10 @@
           <a:bodyPr/>
           <a:lstStyle/>
           <a:p>
+            <a:pPr algn="ctr"/>
             <a:r>
               <a:rPr lang="en-US" dirty="0"/>
-              <a:t>Another heuristic to minimize entropy</a:t>
+              <a:t>heuristic to minimize entropy</a:t>
             </a:r>
           </a:p>
         </p:txBody>
@@ -11036,6 +11596,13 @@
           <a:p>
             <a:pPr lvl="1"/>
             <a:r>
+              <a:rPr lang="en-US" b="1" dirty="0"/>
+              <a:t>It means choosing the candidate that is currently most likely the winner</a:t>
+            </a:r>
+          </a:p>
+          <a:p>
+            <a:pPr lvl="1"/>
+            <a:r>
               <a:rPr lang="en-US" dirty="0">
                 <a:solidFill>
                   <a:srgbClr val="FF0000"/>
@@ -11045,14 +11612,61 @@
             </a:r>
           </a:p>
           <a:p>
-            <a:pPr lvl="2"/>
+            <a:pPr marL="1371600" lvl="2" indent="-457200">
+              <a:buFont typeface="+mj-lt"/>
+              <a:buAutoNum type="arabicPeriod"/>
+            </a:pPr>
             <a:r>
               <a:rPr lang="en-US" dirty="0">
                 <a:solidFill>
                   <a:srgbClr val="FF0000"/>
                 </a:solidFill>
               </a:rPr>
-              <a:t>We can use approach one to make this decision</a:t>
+              <a:t>Choose any</a:t>
+            </a:r>
+          </a:p>
+          <a:p>
+            <a:pPr marL="1371600" lvl="2" indent="-457200">
+              <a:buFont typeface="+mj-lt"/>
+              <a:buAutoNum type="arabicPeriod"/>
+            </a:pPr>
+            <a:r>
+              <a:rPr lang="en-US" dirty="0">
+                <a:solidFill>
+                  <a:srgbClr val="FF0000"/>
+                </a:solidFill>
+              </a:rPr>
+              <a:t>We can use heuristic one to make this decision</a:t>
+            </a:r>
+          </a:p>
+          <a:p>
+            <a:pPr marL="1371600" lvl="2" indent="-457200">
+              <a:buFont typeface="+mj-lt"/>
+              <a:buAutoNum type="arabicPeriod"/>
+            </a:pPr>
+            <a:r>
+              <a:rPr lang="en-US" dirty="0">
+                <a:solidFill>
+                  <a:srgbClr val="FF0000"/>
+                </a:solidFill>
+              </a:rPr>
+              <a:t>We can use the document tuple that is in the 2</a:t>
+            </a:r>
+            <a:r>
+              <a:rPr lang="en-US" baseline="30000" dirty="0">
+                <a:solidFill>
+                  <a:srgbClr val="FF0000"/>
+                </a:solidFill>
+              </a:rPr>
+              <a:t>nd</a:t>
+            </a:r>
+            <a:r>
+              <a:rPr lang="en-US" dirty="0">
+                <a:solidFill>
+                  <a:srgbClr val="FF0000"/>
+                </a:solidFill>
+              </a:rPr>
+              <a:t> potential winner</a:t>
             </a:r>
           </a:p>
           <a:p>
@@ -11065,19 +11679,11 @@
           </a:p>
           <a:p>
             <a:pPr lvl="2"/>
-            <a:endParaRPr lang="en-US" dirty="0">
-              <a:solidFill>
-                <a:srgbClr val="FF0000"/>
-              </a:solidFill>
-            </a:endParaRPr>
-          </a:p>
-          <a:p>
-            <a:pPr lvl="2"/>
             <a:r>
               <a:rPr lang="en-US" dirty="0">
                 <a:sym typeface="Wingdings" pitchFamily="2" charset="2"/>
               </a:rPr>
-              <a:t>----------------</a:t>
+              <a:t>---------------- C1</a:t>
             </a:r>
           </a:p>
           <a:p>
@@ -11086,7 +11692,7 @@
               <a:rPr lang="en-US" dirty="0">
                 <a:sym typeface="Wingdings" pitchFamily="2" charset="2"/>
               </a:rPr>
-              <a:t>-----</a:t>
+              <a:t>----- C2</a:t>
             </a:r>
           </a:p>
           <a:p>
@@ -11095,7 +11701,7 @@
               <a:rPr lang="en-US" dirty="0">
                 <a:sym typeface="Wingdings" pitchFamily="2" charset="2"/>
               </a:rPr>
-              <a:t>------------------------------</a:t>
+              <a:t>------------------------------ C3</a:t>
             </a:r>
           </a:p>
           <a:p>
@@ -11113,7 +11719,7 @@
                 </a:solidFill>
                 <a:sym typeface="Wingdings" pitchFamily="2" charset="2"/>
               </a:rPr>
-              <a:t>--------------------------------</a:t>
+              <a:t>-------------------------------- C4</a:t>
             </a:r>
           </a:p>
           <a:p>
@@ -11127,7 +11733,7 @@
                 </a:solidFill>
                 <a:sym typeface="Wingdings" pitchFamily="2" charset="2"/>
               </a:rPr>
-              <a:t>----------------------</a:t>
+              <a:t>---------------------- C5</a:t>
             </a:r>
           </a:p>
           <a:p>
@@ -11145,7 +11751,7 @@
                 </a:solidFill>
                 <a:sym typeface="Wingdings" pitchFamily="2" charset="2"/>
               </a:rPr>
-              <a:t>--------------------------------------------</a:t>
+              <a:t>-------------------------------------------- C6</a:t>
             </a:r>
           </a:p>
           <a:p>
@@ -11158,6 +11764,113 @@
     <p:extLst>
       <p:ext uri="{BB962C8B-B14F-4D97-AF65-F5344CB8AC3E}">
         <p14:creationId xmlns:p14="http://schemas.microsoft.com/office/powerpoint/2010/main" val="1127941491"/>
+      </p:ext>
+    </p:extLst>
+  </p:cSld>
+  <p:clrMapOvr>
+    <a:masterClrMapping/>
+  </p:clrMapOvr>
+</p:sld>
+</file>
+
+<file path=ppt/slides/slide23.xml><?xml version="1.0" encoding="utf-8"?>
+<p:sld xmlns:a="http://schemas.openxmlformats.org/drawingml/2006/main" xmlns:r="http://schemas.openxmlformats.org/officeDocument/2006/relationships" xmlns:p="http://schemas.openxmlformats.org/presentationml/2006/main">
+  <p:cSld>
+    <p:spTree>
+      <p:nvGrpSpPr>
+        <p:cNvPr id="1" name=""/>
+        <p:cNvGrpSpPr/>
+        <p:nvPr/>
+      </p:nvGrpSpPr>
+      <p:grpSpPr>
+        <a:xfrm>
+          <a:off x="0" y="0"/>
+          <a:ext cx="0" cy="0"/>
+          <a:chOff x="0" y="0"/>
+          <a:chExt cx="0" cy="0"/>
+        </a:xfrm>
+      </p:grpSpPr>
+      <p:sp>
+        <p:nvSpPr>
+          <p:cNvPr id="2" name="Title 1">
+            <a:extLst>
+              <a:ext uri="{FF2B5EF4-FFF2-40B4-BE49-F238E27FC236}">
+                <a16:creationId xmlns:a16="http://schemas.microsoft.com/office/drawing/2014/main" id="{3D269730-BACE-B473-7F45-3F6D6EC80C5F}"/>
+              </a:ext>
+            </a:extLst>
+          </p:cNvPr>
+          <p:cNvSpPr>
+            <a:spLocks noGrp="1"/>
+          </p:cNvSpPr>
+          <p:nvPr>
+            <p:ph type="title"/>
+          </p:nvPr>
+        </p:nvSpPr>
+        <p:spPr/>
+        <p:txBody>
+          <a:bodyPr/>
+          <a:lstStyle/>
+          <a:p>
+            <a:r>
+              <a:rPr lang="en-US" dirty="0"/>
+              <a:t>Next implementation steps</a:t>
+            </a:r>
+          </a:p>
+        </p:txBody>
+      </p:sp>
+      <p:sp>
+        <p:nvSpPr>
+          <p:cNvPr id="3" name="Content Placeholder 2">
+            <a:extLst>
+              <a:ext uri="{FF2B5EF4-FFF2-40B4-BE49-F238E27FC236}">
+                <a16:creationId xmlns:a16="http://schemas.microsoft.com/office/drawing/2014/main" id="{CC63D082-C953-8685-CD98-E3CB5071AB84}"/>
+              </a:ext>
+            </a:extLst>
+          </p:cNvPr>
+          <p:cNvSpPr>
+            <a:spLocks noGrp="1"/>
+          </p:cNvSpPr>
+          <p:nvPr>
+            <p:ph idx="1"/>
+          </p:nvPr>
+        </p:nvSpPr>
+        <p:spPr/>
+        <p:txBody>
+          <a:bodyPr/>
+          <a:lstStyle/>
+          <a:p>
+            <a:r>
+              <a:rPr lang="en-US" dirty="0"/>
+              <a:t>Uncertainty of a candidate set (Entropy)</a:t>
+            </a:r>
+          </a:p>
+          <a:p>
+            <a:r>
+              <a:rPr lang="en-US" dirty="0"/>
+              <a:t>The probability of a candidate winner</a:t>
+            </a:r>
+          </a:p>
+          <a:p>
+            <a:r>
+              <a:rPr lang="en-US" dirty="0"/>
+              <a:t>Heuristic 2</a:t>
+            </a:r>
+          </a:p>
+          <a:p>
+            <a:endParaRPr lang="en-US" dirty="0"/>
+          </a:p>
+          <a:p>
+            <a:r>
+              <a:rPr lang="en-US" dirty="0"/>
+              <a:t>No. calls heuristic vs baseline</a:t>
+            </a:r>
+          </a:p>
+        </p:txBody>
+      </p:sp>
+    </p:spTree>
+    <p:extLst>
+      <p:ext uri="{BB962C8B-B14F-4D97-AF65-F5344CB8AC3E}">
+        <p14:creationId xmlns:p14="http://schemas.microsoft.com/office/powerpoint/2010/main" val="1564271487"/>
       </p:ext>
     </p:extLst>
   </p:cSld>

--- a/rankingwithLLM.pptx
+++ b/rankingwithLLM.pptx
@@ -5,7 +5,7 @@
     <p:sldMasterId id="2147483648" r:id="rId1"/>
   </p:sldMasterIdLst>
   <p:notesMasterIdLst>
-    <p:notesMasterId r:id="rId25"/>
+    <p:notesMasterId r:id="rId24"/>
   </p:notesMasterIdLst>
   <p:sldIdLst>
     <p:sldId id="256" r:id="rId2"/>
@@ -17,20 +17,19 @@
     <p:sldId id="261" r:id="rId8"/>
     <p:sldId id="264" r:id="rId9"/>
     <p:sldId id="262" r:id="rId10"/>
-    <p:sldId id="271" r:id="rId11"/>
-    <p:sldId id="266" r:id="rId12"/>
-    <p:sldId id="267" r:id="rId13"/>
-    <p:sldId id="265" r:id="rId14"/>
-    <p:sldId id="268" r:id="rId15"/>
-    <p:sldId id="269" r:id="rId16"/>
-    <p:sldId id="270" r:id="rId17"/>
-    <p:sldId id="272" r:id="rId18"/>
-    <p:sldId id="273" r:id="rId19"/>
-    <p:sldId id="274" r:id="rId20"/>
-    <p:sldId id="275" r:id="rId21"/>
-    <p:sldId id="277" r:id="rId22"/>
-    <p:sldId id="276" r:id="rId23"/>
-    <p:sldId id="278" r:id="rId24"/>
+    <p:sldId id="266" r:id="rId11"/>
+    <p:sldId id="267" r:id="rId12"/>
+    <p:sldId id="265" r:id="rId13"/>
+    <p:sldId id="268" r:id="rId14"/>
+    <p:sldId id="269" r:id="rId15"/>
+    <p:sldId id="270" r:id="rId16"/>
+    <p:sldId id="272" r:id="rId17"/>
+    <p:sldId id="273" r:id="rId18"/>
+    <p:sldId id="274" r:id="rId19"/>
+    <p:sldId id="275" r:id="rId20"/>
+    <p:sldId id="277" r:id="rId21"/>
+    <p:sldId id="276" r:id="rId22"/>
+    <p:sldId id="278" r:id="rId23"/>
   </p:sldIdLst>
   <p:sldSz cx="12192000" cy="6858000"/>
   <p:notesSz cx="6858000" cy="9144000"/>
@@ -219,7 +218,7 @@
           <a:p>
             <a:fld id="{DE9DA986-C197-2042-B476-BC36203B606C}" type="datetimeFigureOut">
               <a:rPr lang="en-US" smtClean="0"/>
-              <a:t>9/9/24</a:t>
+              <a:t>9/10/24</a:t>
             </a:fld>
             <a:endParaRPr lang="en-US"/>
           </a:p>
@@ -717,7 +716,7 @@
           <a:p>
             <a:fld id="{70F6711B-007C-4E47-B805-CF8F9D486DA3}" type="datetimeFigureOut">
               <a:rPr lang="en-US" smtClean="0"/>
-              <a:t>9/9/24</a:t>
+              <a:t>9/10/24</a:t>
             </a:fld>
             <a:endParaRPr lang="en-US"/>
           </a:p>
@@ -915,7 +914,7 @@
           <a:p>
             <a:fld id="{70F6711B-007C-4E47-B805-CF8F9D486DA3}" type="datetimeFigureOut">
               <a:rPr lang="en-US" smtClean="0"/>
-              <a:t>9/9/24</a:t>
+              <a:t>9/10/24</a:t>
             </a:fld>
             <a:endParaRPr lang="en-US"/>
           </a:p>
@@ -1123,7 +1122,7 @@
           <a:p>
             <a:fld id="{70F6711B-007C-4E47-B805-CF8F9D486DA3}" type="datetimeFigureOut">
               <a:rPr lang="en-US" smtClean="0"/>
-              <a:t>9/9/24</a:t>
+              <a:t>9/10/24</a:t>
             </a:fld>
             <a:endParaRPr lang="en-US"/>
           </a:p>
@@ -1321,7 +1320,7 @@
           <a:p>
             <a:fld id="{70F6711B-007C-4E47-B805-CF8F9D486DA3}" type="datetimeFigureOut">
               <a:rPr lang="en-US" smtClean="0"/>
-              <a:t>9/9/24</a:t>
+              <a:t>9/10/24</a:t>
             </a:fld>
             <a:endParaRPr lang="en-US"/>
           </a:p>
@@ -1596,7 +1595,7 @@
           <a:p>
             <a:fld id="{70F6711B-007C-4E47-B805-CF8F9D486DA3}" type="datetimeFigureOut">
               <a:rPr lang="en-US" smtClean="0"/>
-              <a:t>9/9/24</a:t>
+              <a:t>9/10/24</a:t>
             </a:fld>
             <a:endParaRPr lang="en-US"/>
           </a:p>
@@ -1861,7 +1860,7 @@
           <a:p>
             <a:fld id="{70F6711B-007C-4E47-B805-CF8F9D486DA3}" type="datetimeFigureOut">
               <a:rPr lang="en-US" smtClean="0"/>
-              <a:t>9/9/24</a:t>
+              <a:t>9/10/24</a:t>
             </a:fld>
             <a:endParaRPr lang="en-US"/>
           </a:p>
@@ -2273,7 +2272,7 @@
           <a:p>
             <a:fld id="{70F6711B-007C-4E47-B805-CF8F9D486DA3}" type="datetimeFigureOut">
               <a:rPr lang="en-US" smtClean="0"/>
-              <a:t>9/9/24</a:t>
+              <a:t>9/10/24</a:t>
             </a:fld>
             <a:endParaRPr lang="en-US"/>
           </a:p>
@@ -2414,7 +2413,7 @@
           <a:p>
             <a:fld id="{70F6711B-007C-4E47-B805-CF8F9D486DA3}" type="datetimeFigureOut">
               <a:rPr lang="en-US" smtClean="0"/>
-              <a:t>9/9/24</a:t>
+              <a:t>9/10/24</a:t>
             </a:fld>
             <a:endParaRPr lang="en-US"/>
           </a:p>
@@ -2527,7 +2526,7 @@
           <a:p>
             <a:fld id="{70F6711B-007C-4E47-B805-CF8F9D486DA3}" type="datetimeFigureOut">
               <a:rPr lang="en-US" smtClean="0"/>
-              <a:t>9/9/24</a:t>
+              <a:t>9/10/24</a:t>
             </a:fld>
             <a:endParaRPr lang="en-US"/>
           </a:p>
@@ -2838,7 +2837,7 @@
           <a:p>
             <a:fld id="{70F6711B-007C-4E47-B805-CF8F9D486DA3}" type="datetimeFigureOut">
               <a:rPr lang="en-US" smtClean="0"/>
-              <a:t>9/9/24</a:t>
+              <a:t>9/10/24</a:t>
             </a:fld>
             <a:endParaRPr lang="en-US"/>
           </a:p>
@@ -3126,7 +3125,7 @@
           <a:p>
             <a:fld id="{70F6711B-007C-4E47-B805-CF8F9D486DA3}" type="datetimeFigureOut">
               <a:rPr lang="en-US" smtClean="0"/>
-              <a:t>9/9/24</a:t>
+              <a:t>9/10/24</a:t>
             </a:fld>
             <a:endParaRPr lang="en-US"/>
           </a:p>
@@ -3367,7 +3366,7 @@
           <a:p>
             <a:fld id="{70F6711B-007C-4E47-B805-CF8F9D486DA3}" type="datetimeFigureOut">
               <a:rPr lang="en-US" smtClean="0"/>
-              <a:t>9/9/24</a:t>
+              <a:t>9/10/24</a:t>
             </a:fld>
             <a:endParaRPr lang="en-US"/>
           </a:p>
@@ -3932,95 +3931,6 @@
           <a:chExt cx="0" cy="0"/>
         </a:xfrm>
       </p:grpSpPr>
-      <p:sp>
-        <p:nvSpPr>
-          <p:cNvPr id="2" name="Title 1">
-            <a:extLst>
-              <a:ext uri="{FF2B5EF4-FFF2-40B4-BE49-F238E27FC236}">
-                <a16:creationId xmlns:a16="http://schemas.microsoft.com/office/drawing/2014/main" id="{FCB83BCE-9762-7BEC-7781-45EFEA31A06A}"/>
-              </a:ext>
-            </a:extLst>
-          </p:cNvPr>
-          <p:cNvSpPr>
-            <a:spLocks noGrp="1"/>
-          </p:cNvSpPr>
-          <p:nvPr>
-            <p:ph type="title"/>
-          </p:nvPr>
-        </p:nvSpPr>
-        <p:spPr/>
-        <p:txBody>
-          <a:bodyPr/>
-          <a:lstStyle/>
-          <a:p>
-            <a:endParaRPr lang="en-US"/>
-          </a:p>
-        </p:txBody>
-      </p:sp>
-      <p:sp>
-        <p:nvSpPr>
-          <p:cNvPr id="3" name="Content Placeholder 2">
-            <a:extLst>
-              <a:ext uri="{FF2B5EF4-FFF2-40B4-BE49-F238E27FC236}">
-                <a16:creationId xmlns:a16="http://schemas.microsoft.com/office/drawing/2014/main" id="{49DDE33A-7D42-F6E6-013E-6CD58C204139}"/>
-              </a:ext>
-            </a:extLst>
-          </p:cNvPr>
-          <p:cNvSpPr>
-            <a:spLocks noGrp="1"/>
-          </p:cNvSpPr>
-          <p:nvPr>
-            <p:ph idx="1"/>
-          </p:nvPr>
-        </p:nvSpPr>
-        <p:spPr/>
-        <p:txBody>
-          <a:bodyPr/>
-          <a:lstStyle/>
-          <a:p>
-            <a:r>
-              <a:rPr lang="en-US" dirty="0"/>
-              <a:t>           [                                                  ]</a:t>
-            </a:r>
-          </a:p>
-          <a:p>
-            <a:r>
-              <a:rPr lang="en-US" dirty="0"/>
-              <a:t>[                   ]</a:t>
-            </a:r>
-          </a:p>
-        </p:txBody>
-      </p:sp>
-    </p:spTree>
-    <p:extLst>
-      <p:ext uri="{BB962C8B-B14F-4D97-AF65-F5344CB8AC3E}">
-        <p14:creationId xmlns:p14="http://schemas.microsoft.com/office/powerpoint/2010/main" val="834003697"/>
-      </p:ext>
-    </p:extLst>
-  </p:cSld>
-  <p:clrMapOvr>
-    <a:masterClrMapping/>
-  </p:clrMapOvr>
-</p:sld>
-</file>
-
-<file path=ppt/slides/slide11.xml><?xml version="1.0" encoding="utf-8"?>
-<p:sld xmlns:a="http://schemas.openxmlformats.org/drawingml/2006/main" xmlns:r="http://schemas.openxmlformats.org/officeDocument/2006/relationships" xmlns:p="http://schemas.openxmlformats.org/presentationml/2006/main">
-  <p:cSld>
-    <p:spTree>
-      <p:nvGrpSpPr>
-        <p:cNvPr id="1" name=""/>
-        <p:cNvGrpSpPr/>
-        <p:nvPr/>
-      </p:nvGrpSpPr>
-      <p:grpSpPr>
-        <a:xfrm>
-          <a:off x="0" y="0"/>
-          <a:ext cx="0" cy="0"/>
-          <a:chOff x="0" y="0"/>
-          <a:chExt cx="0" cy="0"/>
-        </a:xfrm>
-      </p:grpSpPr>
       <p:graphicFrame>
         <p:nvGraphicFramePr>
           <p:cNvPr id="2" name="Table 1">
@@ -5447,7 +5357,7 @@
 </p:sld>
 </file>
 
-<file path=ppt/slides/slide12.xml><?xml version="1.0" encoding="utf-8"?>
+<file path=ppt/slides/slide11.xml><?xml version="1.0" encoding="utf-8"?>
 <p:sld xmlns:a="http://schemas.openxmlformats.org/drawingml/2006/main" xmlns:r="http://schemas.openxmlformats.org/officeDocument/2006/relationships" xmlns:p="http://schemas.openxmlformats.org/presentationml/2006/main">
   <p:cSld>
     <p:spTree>
@@ -7000,7 +6910,7 @@
 </p:sld>
 </file>
 
-<file path=ppt/slides/slide13.xml><?xml version="1.0" encoding="utf-8"?>
+<file path=ppt/slides/slide12.xml><?xml version="1.0" encoding="utf-8"?>
 <p:sld xmlns:a="http://schemas.openxmlformats.org/drawingml/2006/main" xmlns:r="http://schemas.openxmlformats.org/officeDocument/2006/relationships" xmlns:p="http://schemas.openxmlformats.org/presentationml/2006/main">
   <p:cSld>
     <p:spTree>
@@ -8596,7 +8506,7 @@
 </p:sld>
 </file>
 
-<file path=ppt/slides/slide14.xml><?xml version="1.0" encoding="utf-8"?>
+<file path=ppt/slides/slide13.xml><?xml version="1.0" encoding="utf-8"?>
 <p:sld xmlns:a="http://schemas.openxmlformats.org/drawingml/2006/main" xmlns:r="http://schemas.openxmlformats.org/officeDocument/2006/relationships" xmlns:p="http://schemas.openxmlformats.org/presentationml/2006/main">
   <p:cSld>
     <p:spTree>
@@ -8651,6 +8561,204 @@
     <p:extLst>
       <p:ext uri="{BB962C8B-B14F-4D97-AF65-F5344CB8AC3E}">
         <p14:creationId xmlns:p14="http://schemas.microsoft.com/office/powerpoint/2010/main" val="1033464943"/>
+      </p:ext>
+    </p:extLst>
+  </p:cSld>
+  <p:clrMapOvr>
+    <a:masterClrMapping/>
+  </p:clrMapOvr>
+</p:sld>
+</file>
+
+<file path=ppt/slides/slide14.xml><?xml version="1.0" encoding="utf-8"?>
+<p:sld xmlns:a="http://schemas.openxmlformats.org/drawingml/2006/main" xmlns:r="http://schemas.openxmlformats.org/officeDocument/2006/relationships" xmlns:p="http://schemas.openxmlformats.org/presentationml/2006/main">
+  <p:cSld>
+    <p:spTree>
+      <p:nvGrpSpPr>
+        <p:cNvPr id="1" name=""/>
+        <p:cNvGrpSpPr/>
+        <p:nvPr/>
+      </p:nvGrpSpPr>
+      <p:grpSpPr>
+        <a:xfrm>
+          <a:off x="0" y="0"/>
+          <a:ext cx="0" cy="0"/>
+          <a:chOff x="0" y="0"/>
+          <a:chExt cx="0" cy="0"/>
+        </a:xfrm>
+      </p:grpSpPr>
+      <p:sp>
+        <p:nvSpPr>
+          <p:cNvPr id="2" name="Title 1">
+            <a:extLst>
+              <a:ext uri="{FF2B5EF4-FFF2-40B4-BE49-F238E27FC236}">
+                <a16:creationId xmlns:a16="http://schemas.microsoft.com/office/drawing/2014/main" id="{88ABCA84-F0B3-F083-35FC-6C2D94DF3B07}"/>
+              </a:ext>
+            </a:extLst>
+          </p:cNvPr>
+          <p:cNvSpPr>
+            <a:spLocks noGrp="1"/>
+          </p:cNvSpPr>
+          <p:nvPr>
+            <p:ph type="title"/>
+          </p:nvPr>
+        </p:nvSpPr>
+        <p:spPr>
+          <a:xfrm>
+            <a:off x="733097" y="0"/>
+            <a:ext cx="10515600" cy="1325563"/>
+          </a:xfrm>
+        </p:spPr>
+        <p:txBody>
+          <a:bodyPr/>
+          <a:lstStyle/>
+          <a:p>
+            <a:r>
+              <a:rPr lang="en-US" dirty="0"/>
+              <a:t>Description</a:t>
+            </a:r>
+          </a:p>
+        </p:txBody>
+      </p:sp>
+      <p:sp>
+        <p:nvSpPr>
+          <p:cNvPr id="3" name="Content Placeholder 2">
+            <a:extLst>
+              <a:ext uri="{FF2B5EF4-FFF2-40B4-BE49-F238E27FC236}">
+                <a16:creationId xmlns:a16="http://schemas.microsoft.com/office/drawing/2014/main" id="{5DF251DC-4F64-5D48-6C5F-F604B6F609CD}"/>
+              </a:ext>
+            </a:extLst>
+          </p:cNvPr>
+          <p:cNvSpPr>
+            <a:spLocks noGrp="1"/>
+          </p:cNvSpPr>
+          <p:nvPr>
+            <p:ph idx="1"/>
+          </p:nvPr>
+        </p:nvSpPr>
+        <p:spPr>
+          <a:xfrm>
+            <a:off x="733097" y="1526080"/>
+            <a:ext cx="10515600" cy="4351338"/>
+          </a:xfrm>
+        </p:spPr>
+        <p:txBody>
+          <a:bodyPr>
+            <a:normAutofit fontScale="77500" lnSpcReduction="20000"/>
+          </a:bodyPr>
+          <a:lstStyle/>
+          <a:p>
+            <a:r>
+              <a:rPr lang="en-US" dirty="0"/>
+              <a:t>Algorithms</a:t>
+            </a:r>
+          </a:p>
+          <a:p>
+            <a:pPr lvl="1"/>
+            <a:r>
+              <a:rPr lang="en-US" b="1" dirty="0"/>
+              <a:t>Exact baseline</a:t>
+            </a:r>
+            <a:r>
+              <a:rPr lang="en-US" dirty="0"/>
+              <a:t>: does all LLM calls, computes exact scores and select the max</a:t>
+            </a:r>
+          </a:p>
+          <a:p>
+            <a:pPr lvl="1"/>
+            <a:r>
+              <a:rPr lang="en-US" b="1" dirty="0"/>
+              <a:t>Naïve</a:t>
+            </a:r>
+            <a:r>
+              <a:rPr lang="en-US" dirty="0"/>
+              <a:t>: does all LLM calls, uses them one by one to adjust bounds, and selects the remaining one</a:t>
+            </a:r>
+          </a:p>
+          <a:p>
+            <a:pPr lvl="1"/>
+            <a:r>
+              <a:rPr lang="en-US" dirty="0"/>
+              <a:t> </a:t>
+            </a:r>
+            <a:r>
+              <a:rPr lang="en-US" b="1" dirty="0"/>
+              <a:t>Min Uncertainty</a:t>
+            </a:r>
+            <a:r>
+              <a:rPr lang="en-US" dirty="0"/>
+              <a:t>: In an iterative process, decides which LLM call to do next, updates bounds, and repeats it till the winner is clear. </a:t>
+            </a:r>
+          </a:p>
+          <a:p>
+            <a:pPr lvl="1"/>
+            <a:endParaRPr lang="en-US" dirty="0"/>
+          </a:p>
+          <a:p>
+            <a:r>
+              <a:rPr lang="en-US" dirty="0"/>
+              <a:t>LLM calls</a:t>
+            </a:r>
+          </a:p>
+          <a:p>
+            <a:pPr lvl="1"/>
+            <a:r>
+              <a:rPr lang="en-US" dirty="0"/>
+              <a:t>Actual calls using </a:t>
+            </a:r>
+            <a:r>
+              <a:rPr lang="en-US" dirty="0" err="1"/>
+              <a:t>Langchain</a:t>
+            </a:r>
+            <a:endParaRPr lang="en-US" dirty="0"/>
+          </a:p>
+          <a:p>
+            <a:pPr lvl="1"/>
+            <a:r>
+              <a:rPr lang="en-US" dirty="0"/>
+              <a:t>Mocked tables (test purposes)</a:t>
+            </a:r>
+          </a:p>
+          <a:p>
+            <a:endParaRPr lang="en-US" dirty="0"/>
+          </a:p>
+          <a:p>
+            <a:r>
+              <a:rPr lang="en-US" dirty="0"/>
+              <a:t>Metrics</a:t>
+            </a:r>
+          </a:p>
+          <a:p>
+            <a:pPr lvl="1"/>
+            <a:r>
+              <a:rPr lang="en-US" dirty="0"/>
+              <a:t>Time (duration)</a:t>
+            </a:r>
+          </a:p>
+          <a:p>
+            <a:pPr lvl="1"/>
+            <a:r>
+              <a:rPr lang="en-US" dirty="0"/>
+              <a:t>Cost (LLM calls)</a:t>
+            </a:r>
+          </a:p>
+          <a:p>
+            <a:pPr lvl="1"/>
+            <a:r>
+              <a:rPr lang="en-US" dirty="0"/>
+              <a:t>Quality (correct solution)</a:t>
+            </a:r>
+          </a:p>
+          <a:p>
+            <a:pPr lvl="1"/>
+            <a:endParaRPr lang="en-US" dirty="0"/>
+          </a:p>
+        </p:txBody>
+      </p:sp>
+    </p:spTree>
+    <p:extLst>
+      <p:ext uri="{BB962C8B-B14F-4D97-AF65-F5344CB8AC3E}">
+        <p14:creationId xmlns:p14="http://schemas.microsoft.com/office/powerpoint/2010/main" val="1346676779"/>
       </p:ext>
     </p:extLst>
   </p:cSld>
@@ -8705,7 +8813,7 @@
           <a:p>
             <a:r>
               <a:rPr lang="en-US" dirty="0"/>
-              <a:t>Description</a:t>
+              <a:t>Results</a:t>
             </a:r>
           </a:p>
         </p:txBody>
@@ -8728,7 +8836,7 @@
         </p:nvSpPr>
         <p:spPr>
           <a:xfrm>
-            <a:off x="733097" y="1526080"/>
+            <a:off x="733097" y="1540368"/>
             <a:ext cx="10515600" cy="4351338"/>
           </a:xfrm>
         </p:spPr>
@@ -8740,107 +8848,135 @@
           <a:p>
             <a:r>
               <a:rPr lang="en-US" dirty="0"/>
-              <a:t>Algorithms</a:t>
+              <a:t>Cost</a:t>
             </a:r>
           </a:p>
           <a:p>
             <a:pPr lvl="1"/>
             <a:r>
+              <a:rPr lang="en-US" dirty="0" err="1"/>
+              <a:t>Min_Uncertainty</a:t>
+            </a:r>
+            <a:r>
+              <a:rPr lang="en-US" dirty="0"/>
+              <a:t> &lt; Naïve = Baseline</a:t>
+            </a:r>
+          </a:p>
+          <a:p>
+            <a:endParaRPr lang="en-US" dirty="0"/>
+          </a:p>
+          <a:p>
+            <a:r>
+              <a:rPr lang="en-US" dirty="0"/>
+              <a:t>Time</a:t>
+            </a:r>
+          </a:p>
+          <a:p>
+            <a:pPr lvl="1"/>
+            <a:r>
+              <a:rPr lang="en-US" dirty="0"/>
+              <a:t>Mocked tables</a:t>
+            </a:r>
+          </a:p>
+          <a:p>
+            <a:pPr lvl="2"/>
+            <a:r>
+              <a:rPr lang="en-US" dirty="0"/>
+              <a:t>Min Uncertainty &gt; Baseline &gt; Naïve</a:t>
+            </a:r>
+          </a:p>
+          <a:p>
+            <a:pPr lvl="1"/>
+            <a:r>
+              <a:rPr lang="en-US" dirty="0"/>
+              <a:t>Actual LLMs</a:t>
+            </a:r>
+          </a:p>
+          <a:p>
+            <a:pPr lvl="2"/>
+            <a:r>
+              <a:rPr lang="en-US" dirty="0"/>
+              <a:t>Min Uncertainty &lt; Naive &lt; Baseline</a:t>
+            </a:r>
+          </a:p>
+          <a:p>
+            <a:r>
+              <a:rPr lang="en-US" dirty="0"/>
+              <a:t>Quality</a:t>
+            </a:r>
+          </a:p>
+          <a:p>
+            <a:pPr lvl="1"/>
+            <a:r>
+              <a:rPr lang="en-US" dirty="0"/>
+              <a:t>Mocked tables</a:t>
+            </a:r>
+          </a:p>
+          <a:p>
+            <a:pPr lvl="2"/>
+            <a:r>
+              <a:rPr lang="en-US" dirty="0"/>
+              <a:t>Min Uncertainty = Baseline = Naïve</a:t>
+            </a:r>
+          </a:p>
+          <a:p>
+            <a:pPr lvl="1"/>
+            <a:r>
+              <a:rPr lang="en-US" dirty="0"/>
+              <a:t>Actual LLMs</a:t>
+            </a:r>
+          </a:p>
+          <a:p>
+            <a:pPr lvl="2"/>
+            <a:r>
+              <a:rPr lang="en-US" dirty="0"/>
+              <a:t>No guarantee, but we expect to be still equal </a:t>
+            </a:r>
+          </a:p>
+          <a:p>
+            <a:pPr lvl="2"/>
+            <a:r>
               <a:rPr lang="en-US" b="1" dirty="0"/>
-              <a:t>Exact baseline</a:t>
-            </a:r>
+              <a:t>Second type of uncertainty</a:t>
+            </a:r>
+          </a:p>
+          <a:p>
+            <a:pPr lvl="3"/>
             <a:r>
               <a:rPr lang="en-US" dirty="0"/>
-              <a:t>: does all LLM calls, computes exact scores and select the max</a:t>
-            </a:r>
-          </a:p>
-          <a:p>
-            <a:pPr lvl="1"/>
-            <a:r>
-              <a:rPr lang="en-US" b="1" dirty="0"/>
-              <a:t>Naïve</a:t>
-            </a:r>
-            <a:r>
-              <a:rPr lang="en-US" dirty="0"/>
-              <a:t>: does all LLM calls, uses them one by one to adjust bounds, and selects the remaining one</a:t>
-            </a:r>
-          </a:p>
-          <a:p>
-            <a:pPr lvl="1"/>
-            <a:r>
-              <a:rPr lang="en-US" dirty="0"/>
-              <a:t> </a:t>
-            </a:r>
-            <a:r>
-              <a:rPr lang="en-US" b="1" dirty="0"/>
-              <a:t>Min Uncertainty</a:t>
-            </a:r>
-            <a:r>
-              <a:rPr lang="en-US" dirty="0"/>
-              <a:t>: In an iterative process, decides which LLM call to do next, updates bounds, and repeats it till the winner is clear. </a:t>
-            </a:r>
-          </a:p>
-          <a:p>
-            <a:pPr lvl="1"/>
-            <a:endParaRPr lang="en-US" dirty="0"/>
-          </a:p>
-          <a:p>
-            <a:r>
-              <a:rPr lang="en-US" dirty="0"/>
-              <a:t>LLM calls</a:t>
-            </a:r>
-          </a:p>
-          <a:p>
-            <a:pPr lvl="1"/>
-            <a:r>
-              <a:rPr lang="en-US" dirty="0"/>
-              <a:t>Actual calls using </a:t>
+              <a:t>Make use of </a:t>
             </a:r>
             <a:r>
               <a:rPr lang="en-US" dirty="0" err="1"/>
               <a:t>Langchain</a:t>
             </a:r>
+            <a:r>
+              <a:rPr lang="en-US" dirty="0"/>
+              <a:t> to reduce that</a:t>
+            </a:r>
+          </a:p>
+          <a:p>
+            <a:pPr lvl="3"/>
+            <a:r>
+              <a:rPr lang="en-US" dirty="0">
+                <a:solidFill>
+                  <a:srgbClr val="FF0000"/>
+                </a:solidFill>
+              </a:rPr>
+              <a:t>preference questions – categorized values </a:t>
+            </a:r>
+          </a:p>
+          <a:p>
+            <a:pPr lvl="3"/>
             <a:endParaRPr lang="en-US" dirty="0"/>
           </a:p>
           <a:p>
-            <a:pPr lvl="1"/>
-            <a:r>
-              <a:rPr lang="en-US" dirty="0"/>
-              <a:t>Mocked tables (test purposes)</a:t>
-            </a:r>
-          </a:p>
-          <a:p>
             <a:endParaRPr lang="en-US" dirty="0"/>
           </a:p>
           <a:p>
-            <a:r>
-              <a:rPr lang="en-US" dirty="0"/>
-              <a:t>Metrics</a:t>
-            </a:r>
-          </a:p>
-          <a:p>
-            <a:pPr lvl="1"/>
-            <a:r>
-              <a:rPr lang="en-US" dirty="0"/>
-              <a:t>Time (duration)</a:t>
-            </a:r>
-          </a:p>
-          <a:p>
-            <a:pPr lvl="1"/>
-            <a:r>
-              <a:rPr lang="en-US" dirty="0"/>
-              <a:t>Cost (LLM calls)</a:t>
-            </a:r>
-          </a:p>
-          <a:p>
-            <a:pPr lvl="1"/>
-            <a:r>
-              <a:rPr lang="en-US" dirty="0"/>
-              <a:t>Quality (correct solution)</a:t>
-            </a:r>
-          </a:p>
-          <a:p>
-            <a:pPr lvl="1"/>
+            <a:endParaRPr lang="en-US" dirty="0"/>
+          </a:p>
+          <a:p>
             <a:endParaRPr lang="en-US" dirty="0"/>
           </a:p>
         </p:txBody>
@@ -8848,7 +8984,7 @@
     </p:spTree>
     <p:extLst>
       <p:ext uri="{BB962C8B-B14F-4D97-AF65-F5344CB8AC3E}">
-        <p14:creationId xmlns:p14="http://schemas.microsoft.com/office/powerpoint/2010/main" val="1346676779"/>
+        <p14:creationId xmlns:p14="http://schemas.microsoft.com/office/powerpoint/2010/main" val="263402542"/>
       </p:ext>
     </p:extLst>
   </p:cSld>
@@ -8859,6 +8995,70 @@
 </file>
 
 <file path=ppt/slides/slide16.xml><?xml version="1.0" encoding="utf-8"?>
+<p:sld xmlns:a="http://schemas.openxmlformats.org/drawingml/2006/main" xmlns:r="http://schemas.openxmlformats.org/officeDocument/2006/relationships" xmlns:p="http://schemas.openxmlformats.org/presentationml/2006/main">
+  <p:cSld>
+    <p:spTree>
+      <p:nvGrpSpPr>
+        <p:cNvPr id="1" name=""/>
+        <p:cNvGrpSpPr/>
+        <p:nvPr/>
+      </p:nvGrpSpPr>
+      <p:grpSpPr>
+        <a:xfrm>
+          <a:off x="0" y="0"/>
+          <a:ext cx="0" cy="0"/>
+          <a:chOff x="0" y="0"/>
+          <a:chExt cx="0" cy="0"/>
+        </a:xfrm>
+      </p:grpSpPr>
+      <p:sp>
+        <p:nvSpPr>
+          <p:cNvPr id="2" name="Title 1">
+            <a:extLst>
+              <a:ext uri="{FF2B5EF4-FFF2-40B4-BE49-F238E27FC236}">
+                <a16:creationId xmlns:a16="http://schemas.microsoft.com/office/drawing/2014/main" id="{1CF1F4F0-1400-A7CC-80C6-72BE1DE9BE97}"/>
+              </a:ext>
+            </a:extLst>
+          </p:cNvPr>
+          <p:cNvSpPr>
+            <a:spLocks noGrp="1"/>
+          </p:cNvSpPr>
+          <p:nvPr>
+            <p:ph type="title"/>
+          </p:nvPr>
+        </p:nvSpPr>
+        <p:spPr>
+          <a:xfrm>
+            <a:off x="838200" y="2766218"/>
+            <a:ext cx="10515600" cy="1325563"/>
+          </a:xfrm>
+        </p:spPr>
+        <p:txBody>
+          <a:bodyPr/>
+          <a:lstStyle/>
+          <a:p>
+            <a:pPr algn="ctr"/>
+            <a:r>
+              <a:rPr lang="en-US" dirty="0"/>
+              <a:t>Uncertainty</a:t>
+            </a:r>
+          </a:p>
+        </p:txBody>
+      </p:sp>
+    </p:spTree>
+    <p:extLst>
+      <p:ext uri="{BB962C8B-B14F-4D97-AF65-F5344CB8AC3E}">
+        <p14:creationId xmlns:p14="http://schemas.microsoft.com/office/powerpoint/2010/main" val="2608024299"/>
+      </p:ext>
+    </p:extLst>
+  </p:cSld>
+  <p:clrMapOvr>
+    <a:masterClrMapping/>
+  </p:clrMapOvr>
+</p:sld>
+</file>
+
+<file path=ppt/slides/slide17.xml><?xml version="1.0" encoding="utf-8"?>
 <p:sld xmlns:a="http://schemas.openxmlformats.org/drawingml/2006/main" xmlns:r="http://schemas.openxmlformats.org/officeDocument/2006/relationships" xmlns:p="http://schemas.openxmlformats.org/presentationml/2006/main">
   <p:cSld>
     <p:spTree>
@@ -8903,303 +9103,13 @@
           <a:p>
             <a:r>
               <a:rPr lang="en-US" dirty="0"/>
-              <a:t>Results</a:t>
+              <a:t>Entropy</a:t>
             </a:r>
           </a:p>
         </p:txBody>
       </p:sp>
-      <p:sp>
-        <p:nvSpPr>
-          <p:cNvPr id="3" name="Content Placeholder 2">
-            <a:extLst>
-              <a:ext uri="{FF2B5EF4-FFF2-40B4-BE49-F238E27FC236}">
-                <a16:creationId xmlns:a16="http://schemas.microsoft.com/office/drawing/2014/main" id="{5DF251DC-4F64-5D48-6C5F-F604B6F609CD}"/>
-              </a:ext>
-            </a:extLst>
-          </p:cNvPr>
-          <p:cNvSpPr>
-            <a:spLocks noGrp="1"/>
-          </p:cNvSpPr>
-          <p:nvPr>
-            <p:ph idx="1"/>
-          </p:nvPr>
-        </p:nvSpPr>
-        <p:spPr>
-          <a:xfrm>
-            <a:off x="733097" y="1540368"/>
-            <a:ext cx="10515600" cy="4351338"/>
-          </a:xfrm>
-        </p:spPr>
-        <p:txBody>
-          <a:bodyPr>
-            <a:normAutofit fontScale="77500" lnSpcReduction="20000"/>
-          </a:bodyPr>
-          <a:lstStyle/>
-          <a:p>
-            <a:r>
-              <a:rPr lang="en-US" dirty="0"/>
-              <a:t>Cost</a:t>
-            </a:r>
-          </a:p>
-          <a:p>
-            <a:pPr lvl="1"/>
-            <a:r>
-              <a:rPr lang="en-US" dirty="0" err="1"/>
-              <a:t>Min_Uncertainty</a:t>
-            </a:r>
-            <a:r>
-              <a:rPr lang="en-US" dirty="0"/>
-              <a:t> &lt; Naïve = Baseline</a:t>
-            </a:r>
-          </a:p>
-          <a:p>
-            <a:endParaRPr lang="en-US" dirty="0"/>
-          </a:p>
-          <a:p>
-            <a:r>
-              <a:rPr lang="en-US" dirty="0"/>
-              <a:t>Time</a:t>
-            </a:r>
-          </a:p>
-          <a:p>
-            <a:pPr lvl="1"/>
-            <a:r>
-              <a:rPr lang="en-US" dirty="0"/>
-              <a:t>Mocked tables</a:t>
-            </a:r>
-          </a:p>
-          <a:p>
-            <a:pPr lvl="2"/>
-            <a:r>
-              <a:rPr lang="en-US" dirty="0"/>
-              <a:t>Min Uncertainty &gt; Baseline &gt; Naïve</a:t>
-            </a:r>
-          </a:p>
-          <a:p>
-            <a:pPr lvl="1"/>
-            <a:r>
-              <a:rPr lang="en-US" dirty="0"/>
-              <a:t>Actual LLMs</a:t>
-            </a:r>
-          </a:p>
-          <a:p>
-            <a:pPr lvl="2"/>
-            <a:r>
-              <a:rPr lang="en-US" dirty="0"/>
-              <a:t>Min Uncertainty &lt; Naive &lt; Baseline</a:t>
-            </a:r>
-          </a:p>
-          <a:p>
-            <a:r>
-              <a:rPr lang="en-US" dirty="0"/>
-              <a:t>Quality</a:t>
-            </a:r>
-          </a:p>
-          <a:p>
-            <a:pPr lvl="1"/>
-            <a:r>
-              <a:rPr lang="en-US" dirty="0"/>
-              <a:t>Mocked tables</a:t>
-            </a:r>
-          </a:p>
-          <a:p>
-            <a:pPr lvl="2"/>
-            <a:r>
-              <a:rPr lang="en-US" dirty="0"/>
-              <a:t>Min Uncertainty = Baseline = Naïve</a:t>
-            </a:r>
-          </a:p>
-          <a:p>
-            <a:pPr lvl="1"/>
-            <a:r>
-              <a:rPr lang="en-US" dirty="0"/>
-              <a:t>Actual LLMs</a:t>
-            </a:r>
-          </a:p>
-          <a:p>
-            <a:pPr lvl="2"/>
-            <a:r>
-              <a:rPr lang="en-US" dirty="0"/>
-              <a:t>No guarantee, but we expect to be still equal </a:t>
-            </a:r>
-          </a:p>
-          <a:p>
-            <a:pPr lvl="2"/>
-            <a:r>
-              <a:rPr lang="en-US" b="1" dirty="0"/>
-              <a:t>Second type of uncertainty</a:t>
-            </a:r>
-          </a:p>
-          <a:p>
-            <a:pPr lvl="3"/>
-            <a:r>
-              <a:rPr lang="en-US" dirty="0"/>
-              <a:t>Make use of </a:t>
-            </a:r>
-            <a:r>
-              <a:rPr lang="en-US" dirty="0" err="1"/>
-              <a:t>Langchain</a:t>
-            </a:r>
-            <a:r>
-              <a:rPr lang="en-US" dirty="0"/>
-              <a:t> to reduce that</a:t>
-            </a:r>
-          </a:p>
-          <a:p>
-            <a:pPr lvl="3"/>
-            <a:r>
-              <a:rPr lang="en-US" dirty="0">
-                <a:solidFill>
-                  <a:srgbClr val="FF0000"/>
-                </a:solidFill>
-              </a:rPr>
-              <a:t>preference questions – categorized values </a:t>
-            </a:r>
-          </a:p>
-          <a:p>
-            <a:pPr lvl="3"/>
-            <a:endParaRPr lang="en-US" dirty="0"/>
-          </a:p>
-          <a:p>
-            <a:endParaRPr lang="en-US" dirty="0"/>
-          </a:p>
-          <a:p>
-            <a:endParaRPr lang="en-US" dirty="0"/>
-          </a:p>
-          <a:p>
-            <a:endParaRPr lang="en-US" dirty="0"/>
-          </a:p>
-        </p:txBody>
-      </p:sp>
-    </p:spTree>
-    <p:extLst>
-      <p:ext uri="{BB962C8B-B14F-4D97-AF65-F5344CB8AC3E}">
-        <p14:creationId xmlns:p14="http://schemas.microsoft.com/office/powerpoint/2010/main" val="263402542"/>
-      </p:ext>
-    </p:extLst>
-  </p:cSld>
-  <p:clrMapOvr>
-    <a:masterClrMapping/>
-  </p:clrMapOvr>
-</p:sld>
-</file>
-
-<file path=ppt/slides/slide17.xml><?xml version="1.0" encoding="utf-8"?>
-<p:sld xmlns:a="http://schemas.openxmlformats.org/drawingml/2006/main" xmlns:r="http://schemas.openxmlformats.org/officeDocument/2006/relationships" xmlns:p="http://schemas.openxmlformats.org/presentationml/2006/main">
-  <p:cSld>
-    <p:spTree>
-      <p:nvGrpSpPr>
-        <p:cNvPr id="1" name=""/>
-        <p:cNvGrpSpPr/>
-        <p:nvPr/>
-      </p:nvGrpSpPr>
-      <p:grpSpPr>
-        <a:xfrm>
-          <a:off x="0" y="0"/>
-          <a:ext cx="0" cy="0"/>
-          <a:chOff x="0" y="0"/>
-          <a:chExt cx="0" cy="0"/>
-        </a:xfrm>
-      </p:grpSpPr>
-      <p:sp>
-        <p:nvSpPr>
-          <p:cNvPr id="2" name="Title 1">
-            <a:extLst>
-              <a:ext uri="{FF2B5EF4-FFF2-40B4-BE49-F238E27FC236}">
-                <a16:creationId xmlns:a16="http://schemas.microsoft.com/office/drawing/2014/main" id="{1CF1F4F0-1400-A7CC-80C6-72BE1DE9BE97}"/>
-              </a:ext>
-            </a:extLst>
-          </p:cNvPr>
-          <p:cNvSpPr>
-            <a:spLocks noGrp="1"/>
-          </p:cNvSpPr>
-          <p:nvPr>
-            <p:ph type="title"/>
-          </p:nvPr>
-        </p:nvSpPr>
-        <p:spPr>
-          <a:xfrm>
-            <a:off x="838200" y="2766218"/>
-            <a:ext cx="10515600" cy="1325563"/>
-          </a:xfrm>
-        </p:spPr>
-        <p:txBody>
-          <a:bodyPr/>
-          <a:lstStyle/>
-          <a:p>
-            <a:pPr algn="ctr"/>
-            <a:r>
-              <a:rPr lang="en-US" dirty="0"/>
-              <a:t>Uncertainty</a:t>
-            </a:r>
-          </a:p>
-        </p:txBody>
-      </p:sp>
-    </p:spTree>
-    <p:extLst>
-      <p:ext uri="{BB962C8B-B14F-4D97-AF65-F5344CB8AC3E}">
-        <p14:creationId xmlns:p14="http://schemas.microsoft.com/office/powerpoint/2010/main" val="2608024299"/>
-      </p:ext>
-    </p:extLst>
-  </p:cSld>
-  <p:clrMapOvr>
-    <a:masterClrMapping/>
-  </p:clrMapOvr>
-</p:sld>
-</file>
-
-<file path=ppt/slides/slide18.xml><?xml version="1.0" encoding="utf-8"?>
-<p:sld xmlns:a="http://schemas.openxmlformats.org/drawingml/2006/main" xmlns:r="http://schemas.openxmlformats.org/officeDocument/2006/relationships" xmlns:p="http://schemas.openxmlformats.org/presentationml/2006/main">
-  <p:cSld>
-    <p:spTree>
-      <p:nvGrpSpPr>
-        <p:cNvPr id="1" name=""/>
-        <p:cNvGrpSpPr/>
-        <p:nvPr/>
-      </p:nvGrpSpPr>
-      <p:grpSpPr>
-        <a:xfrm>
-          <a:off x="0" y="0"/>
-          <a:ext cx="0" cy="0"/>
-          <a:chOff x="0" y="0"/>
-          <a:chExt cx="0" cy="0"/>
-        </a:xfrm>
-      </p:grpSpPr>
-      <p:sp>
-        <p:nvSpPr>
-          <p:cNvPr id="2" name="Title 1">
-            <a:extLst>
-              <a:ext uri="{FF2B5EF4-FFF2-40B4-BE49-F238E27FC236}">
-                <a16:creationId xmlns:a16="http://schemas.microsoft.com/office/drawing/2014/main" id="{88ABCA84-F0B3-F083-35FC-6C2D94DF3B07}"/>
-              </a:ext>
-            </a:extLst>
-          </p:cNvPr>
-          <p:cNvSpPr>
-            <a:spLocks noGrp="1"/>
-          </p:cNvSpPr>
-          <p:nvPr>
-            <p:ph type="title"/>
-          </p:nvPr>
-        </p:nvSpPr>
-        <p:spPr>
-          <a:xfrm>
-            <a:off x="733097" y="0"/>
-            <a:ext cx="10515600" cy="1325563"/>
-          </a:xfrm>
-        </p:spPr>
-        <p:txBody>
-          <a:bodyPr/>
-          <a:lstStyle/>
-          <a:p>
-            <a:r>
-              <a:rPr lang="en-US" dirty="0"/>
-              <a:t>Entropy</a:t>
-            </a:r>
-          </a:p>
-        </p:txBody>
-      </p:sp>
-      <mc:AlternateContent xmlns:mc="http://schemas.openxmlformats.org/markup-compatibility/2006">
-        <mc:Choice xmlns:a14="http://schemas.microsoft.com/office/drawing/2010/main" Requires="a14">
+      <mc:AlternateContent xmlns:mc="http://schemas.openxmlformats.org/markup-compatibility/2006" xmlns:a14="http://schemas.microsoft.com/office/drawing/2010/main">
+        <mc:Choice Requires="a14">
           <p:sp>
             <p:nvSpPr>
               <p:cNvPr id="3" name="Content Placeholder 2">
@@ -9477,7 +9387,7 @@
             </p:txBody>
           </p:sp>
         </mc:Choice>
-        <mc:Fallback>
+        <mc:Fallback xmlns="">
           <p:sp>
             <p:nvSpPr>
               <p:cNvPr id="3" name="Content Placeholder 2">
@@ -9564,7 +9474,7 @@
 </p:sld>
 </file>
 
-<file path=ppt/slides/slide19.xml><?xml version="1.0" encoding="utf-8"?>
+<file path=ppt/slides/slide18.xml><?xml version="1.0" encoding="utf-8"?>
 <p:sld xmlns:a="http://schemas.openxmlformats.org/drawingml/2006/main" xmlns:r="http://schemas.openxmlformats.org/officeDocument/2006/relationships" xmlns:p="http://schemas.openxmlformats.org/presentationml/2006/main">
   <p:cSld>
     <p:spTree>
@@ -10273,6 +10183,238 @@
     <p:extLst>
       <p:ext uri="{BB962C8B-B14F-4D97-AF65-F5344CB8AC3E}">
         <p14:creationId xmlns:p14="http://schemas.microsoft.com/office/powerpoint/2010/main" val="548247747"/>
+      </p:ext>
+    </p:extLst>
+  </p:cSld>
+  <p:clrMapOvr>
+    <a:masterClrMapping/>
+  </p:clrMapOvr>
+</p:sld>
+</file>
+
+<file path=ppt/slides/slide19.xml><?xml version="1.0" encoding="utf-8"?>
+<p:sld xmlns:a="http://schemas.openxmlformats.org/drawingml/2006/main" xmlns:r="http://schemas.openxmlformats.org/officeDocument/2006/relationships" xmlns:p="http://schemas.openxmlformats.org/presentationml/2006/main">
+  <p:cSld>
+    <p:spTree>
+      <p:nvGrpSpPr>
+        <p:cNvPr id="1" name=""/>
+        <p:cNvGrpSpPr/>
+        <p:nvPr/>
+      </p:nvGrpSpPr>
+      <p:grpSpPr>
+        <a:xfrm>
+          <a:off x="0" y="0"/>
+          <a:ext cx="0" cy="0"/>
+          <a:chOff x="0" y="0"/>
+          <a:chExt cx="0" cy="0"/>
+        </a:xfrm>
+      </p:grpSpPr>
+      <p:sp>
+        <p:nvSpPr>
+          <p:cNvPr id="2" name="Title 1">
+            <a:extLst>
+              <a:ext uri="{FF2B5EF4-FFF2-40B4-BE49-F238E27FC236}">
+                <a16:creationId xmlns:a16="http://schemas.microsoft.com/office/drawing/2014/main" id="{88ABCA84-F0B3-F083-35FC-6C2D94DF3B07}"/>
+              </a:ext>
+            </a:extLst>
+          </p:cNvPr>
+          <p:cNvSpPr>
+            <a:spLocks noGrp="1"/>
+          </p:cNvSpPr>
+          <p:nvPr>
+            <p:ph type="title"/>
+          </p:nvPr>
+        </p:nvSpPr>
+        <p:spPr>
+          <a:xfrm>
+            <a:off x="733097" y="0"/>
+            <a:ext cx="10515600" cy="1325563"/>
+          </a:xfrm>
+        </p:spPr>
+        <p:txBody>
+          <a:bodyPr/>
+          <a:lstStyle/>
+          <a:p>
+            <a:r>
+              <a:rPr lang="en-US" dirty="0"/>
+              <a:t>Entropy</a:t>
+            </a:r>
+          </a:p>
+        </p:txBody>
+      </p:sp>
+      <p:sp>
+        <p:nvSpPr>
+          <p:cNvPr id="3" name="Content Placeholder 2">
+            <a:extLst>
+              <a:ext uri="{FF2B5EF4-FFF2-40B4-BE49-F238E27FC236}">
+                <a16:creationId xmlns:a16="http://schemas.microsoft.com/office/drawing/2014/main" id="{5DF251DC-4F64-5D48-6C5F-F604B6F609CD}"/>
+              </a:ext>
+            </a:extLst>
+          </p:cNvPr>
+          <p:cNvSpPr>
+            <a:spLocks noGrp="1"/>
+          </p:cNvSpPr>
+          <p:nvPr>
+            <p:ph idx="1"/>
+          </p:nvPr>
+        </p:nvSpPr>
+        <p:spPr>
+          <a:xfrm>
+            <a:off x="171450" y="1325562"/>
+            <a:ext cx="11730038" cy="5318125"/>
+          </a:xfrm>
+        </p:spPr>
+        <p:txBody>
+          <a:bodyPr>
+            <a:normAutofit/>
+          </a:bodyPr>
+          <a:lstStyle/>
+          <a:p>
+            <a:pPr marL="0" indent="0">
+              <a:buNone/>
+            </a:pPr>
+            <a:r>
+              <a:rPr lang="en-US" dirty="0">
+                <a:solidFill>
+                  <a:srgbClr val="002060"/>
+                </a:solidFill>
+              </a:rPr>
+              <a:t>Choosing an LLM call that most likely reduces entropy</a:t>
+            </a:r>
+          </a:p>
+          <a:p>
+            <a:pPr>
+              <a:buFont typeface="Symbol" pitchFamily="2" charset="2"/>
+              <a:buChar char="Þ"/>
+            </a:pPr>
+            <a:r>
+              <a:rPr lang="en-US" dirty="0">
+                <a:solidFill>
+                  <a:srgbClr val="002060"/>
+                </a:solidFill>
+              </a:rPr>
+              <a:t>minimizing the entropy </a:t>
+            </a:r>
+          </a:p>
+          <a:p>
+            <a:pPr>
+              <a:buFont typeface="Symbol" pitchFamily="2" charset="2"/>
+              <a:buChar char="Þ"/>
+            </a:pPr>
+            <a:r>
+              <a:rPr lang="en-US" dirty="0">
+                <a:solidFill>
+                  <a:srgbClr val="002060"/>
+                </a:solidFill>
+              </a:rPr>
+              <a:t> minimizing uncertainty</a:t>
+            </a:r>
+          </a:p>
+          <a:p>
+            <a:pPr lvl="2"/>
+            <a:endParaRPr lang="en-US" dirty="0"/>
+          </a:p>
+        </p:txBody>
+      </p:sp>
+      <p:pic>
+        <p:nvPicPr>
+          <p:cNvPr id="5" name="Picture 4" descr="A math equation with symbols&#10;&#10;Description automatically generated with medium confidence">
+            <a:extLst>
+              <a:ext uri="{FF2B5EF4-FFF2-40B4-BE49-F238E27FC236}">
+                <a16:creationId xmlns:a16="http://schemas.microsoft.com/office/drawing/2014/main" id="{CF0C983C-4493-BEC5-0954-5598B6140F87}"/>
+              </a:ext>
+            </a:extLst>
+          </p:cNvPr>
+          <p:cNvPicPr>
+            <a:picLocks noChangeAspect="1"/>
+          </p:cNvPicPr>
+          <p:nvPr/>
+        </p:nvPicPr>
+        <p:blipFill>
+          <a:blip r:embed="rId2"/>
+          <a:stretch>
+            <a:fillRect/>
+          </a:stretch>
+        </p:blipFill>
+        <p:spPr>
+          <a:xfrm>
+            <a:off x="290512" y="3186113"/>
+            <a:ext cx="4737100" cy="1219200"/>
+          </a:xfrm>
+          <a:prstGeom prst="rect">
+            <a:avLst/>
+          </a:prstGeom>
+        </p:spPr>
+      </p:pic>
+      <p:sp>
+        <p:nvSpPr>
+          <p:cNvPr id="4" name="TextBox 3">
+            <a:extLst>
+              <a:ext uri="{FF2B5EF4-FFF2-40B4-BE49-F238E27FC236}">
+                <a16:creationId xmlns:a16="http://schemas.microsoft.com/office/drawing/2014/main" id="{9A6B0F0A-64B9-7AEB-683D-3285B4E87B3E}"/>
+              </a:ext>
+            </a:extLst>
+          </p:cNvPr>
+          <p:cNvSpPr txBox="1"/>
+          <p:nvPr/>
+        </p:nvSpPr>
+        <p:spPr>
+          <a:xfrm>
+            <a:off x="290512" y="4516775"/>
+            <a:ext cx="11610976" cy="2031325"/>
+          </a:xfrm>
+          <a:prstGeom prst="rect">
+            <a:avLst/>
+          </a:prstGeom>
+          <a:noFill/>
+        </p:spPr>
+        <p:txBody>
+          <a:bodyPr wrap="square" rtlCol="0">
+            <a:spAutoFit/>
+          </a:bodyPr>
+          <a:lstStyle/>
+          <a:p>
+            <a:r>
+              <a:rPr lang="en-US" dirty="0"/>
+              <a:t>Let’s say we have 2 candidates:</a:t>
+            </a:r>
+          </a:p>
+          <a:p>
+            <a:r>
+              <a:rPr lang="en-US" dirty="0"/>
+              <a:t>C1 = (0, 2), C2 = (0, 2)</a:t>
+            </a:r>
+          </a:p>
+          <a:p>
+            <a:r>
+              <a:rPr lang="en-US" dirty="0"/>
+              <a:t>P(c3) = ½ , P(c1) = ½ =&gt; worst-case probability distribution =&gt; entropy = maximum</a:t>
+            </a:r>
+          </a:p>
+          <a:p>
+            <a:endParaRPr lang="en-US" dirty="0"/>
+          </a:p>
+          <a:p>
+            <a:r>
+              <a:rPr lang="en-US" dirty="0"/>
+              <a:t>C1 = (1.5, 2), C2 = (0.25, 0.75) </a:t>
+            </a:r>
+          </a:p>
+          <a:p>
+            <a:r>
+              <a:rPr lang="en-US" dirty="0"/>
+              <a:t>P(c1) = 1, P(c2) = 0=&gt; best-case probability distribution =&gt; entropy = 0</a:t>
+            </a:r>
+          </a:p>
+          <a:p>
+            <a:endParaRPr lang="en-US" dirty="0"/>
+          </a:p>
+        </p:txBody>
+      </p:sp>
+    </p:spTree>
+    <p:extLst>
+      <p:ext uri="{BB962C8B-B14F-4D97-AF65-F5344CB8AC3E}">
+        <p14:creationId xmlns:p14="http://schemas.microsoft.com/office/powerpoint/2010/main" val="1548376884"/>
       </p:ext>
     </p:extLst>
   </p:cSld>
@@ -11129,9 +11271,10 @@
           <a:bodyPr/>
           <a:lstStyle/>
           <a:p>
+            <a:pPr algn="ctr"/>
             <a:r>
               <a:rPr lang="en-US" dirty="0"/>
-              <a:t>Entropy</a:t>
+              <a:t>heuristic to minimize entropy</a:t>
             </a:r>
           </a:p>
         </p:txBody>
@@ -11170,145 +11313,100 @@
             <a:r>
               <a:rPr lang="en-US" dirty="0">
                 <a:solidFill>
-                  <a:srgbClr val="002060"/>
+                  <a:srgbClr val="FF0000"/>
                 </a:solidFill>
               </a:rPr>
-              <a:t>Choosing an LLM call that most likely reduces entropy</a:t>
-            </a:r>
-          </a:p>
-          <a:p>
-            <a:pPr>
-              <a:buFont typeface="Symbol" pitchFamily="2" charset="2"/>
-              <a:buChar char="Þ"/>
+              <a:t>How to choose the LLM call that most likely reduces the entropy?</a:t>
+            </a:r>
+          </a:p>
+          <a:p>
+            <a:pPr marL="0" indent="0">
+              <a:buNone/>
             </a:pPr>
+            <a:endParaRPr lang="en-US" dirty="0">
+              <a:solidFill>
+                <a:srgbClr val="FF0000"/>
+              </a:solidFill>
+            </a:endParaRPr>
+          </a:p>
+          <a:p>
+            <a:pPr marL="0" indent="0">
+              <a:buNone/>
+            </a:pPr>
+            <a:r>
+              <a:rPr lang="en-US" dirty="0"/>
+              <a:t>Heuristic 1) Choosing the </a:t>
+            </a:r>
+            <a:r>
+              <a:rPr lang="en-US" dirty="0" err="1"/>
+              <a:t>llm</a:t>
+            </a:r>
+            <a:r>
+              <a:rPr lang="en-US" dirty="0"/>
+              <a:t> call that most likely reduces the sum of common intervals between candidates (previously discussed)</a:t>
+            </a:r>
+          </a:p>
+          <a:p>
+            <a:pPr marL="914400" lvl="2" indent="0">
+              <a:buNone/>
+            </a:pPr>
+            <a:endParaRPr lang="en-US" dirty="0"/>
+          </a:p>
+          <a:p>
+            <a:pPr lvl="2"/>
             <a:r>
               <a:rPr lang="en-US" dirty="0">
-                <a:solidFill>
-                  <a:srgbClr val="002060"/>
-                </a:solidFill>
+                <a:sym typeface="Wingdings" pitchFamily="2" charset="2"/>
               </a:rPr>
-              <a:t>minimizing the entropy </a:t>
-            </a:r>
-          </a:p>
-          <a:p>
-            <a:pPr>
-              <a:buFont typeface="Symbol" pitchFamily="2" charset="2"/>
-              <a:buChar char="Þ"/>
-            </a:pPr>
+              <a:t>----------------</a:t>
+            </a:r>
+          </a:p>
+          <a:p>
+            <a:pPr lvl="4"/>
             <a:r>
               <a:rPr lang="en-US" dirty="0">
-                <a:solidFill>
-                  <a:srgbClr val="002060"/>
-                </a:solidFill>
+                <a:sym typeface="Wingdings" pitchFamily="2" charset="2"/>
               </a:rPr>
-              <a:t> minimizing uncertainty</a:t>
-            </a:r>
-          </a:p>
-          <a:p>
-            <a:pPr lvl="2"/>
-            <a:endParaRPr lang="en-US" dirty="0"/>
-          </a:p>
-        </p:txBody>
-      </p:sp>
-      <p:pic>
-        <p:nvPicPr>
-          <p:cNvPr id="5" name="Picture 4" descr="A math equation with symbols&#10;&#10;Description automatically generated with medium confidence">
-            <a:extLst>
-              <a:ext uri="{FF2B5EF4-FFF2-40B4-BE49-F238E27FC236}">
-                <a16:creationId xmlns:a16="http://schemas.microsoft.com/office/drawing/2014/main" id="{CF0C983C-4493-BEC5-0954-5598B6140F87}"/>
-              </a:ext>
-            </a:extLst>
-          </p:cNvPr>
-          <p:cNvPicPr>
-            <a:picLocks noChangeAspect="1"/>
-          </p:cNvPicPr>
-          <p:nvPr/>
-        </p:nvPicPr>
-        <p:blipFill>
-          <a:blip r:embed="rId2"/>
-          <a:stretch>
-            <a:fillRect/>
-          </a:stretch>
-        </p:blipFill>
-        <p:spPr>
-          <a:xfrm>
-            <a:off x="290512" y="3186113"/>
-            <a:ext cx="4737100" cy="1219200"/>
-          </a:xfrm>
-          <a:prstGeom prst="rect">
-            <a:avLst/>
-          </a:prstGeom>
-        </p:spPr>
-      </p:pic>
-      <p:sp>
-        <p:nvSpPr>
-          <p:cNvPr id="4" name="TextBox 3">
-            <a:extLst>
-              <a:ext uri="{FF2B5EF4-FFF2-40B4-BE49-F238E27FC236}">
-                <a16:creationId xmlns:a16="http://schemas.microsoft.com/office/drawing/2014/main" id="{9A6B0F0A-64B9-7AEB-683D-3285B4E87B3E}"/>
-              </a:ext>
-            </a:extLst>
-          </p:cNvPr>
-          <p:cNvSpPr txBox="1"/>
-          <p:nvPr/>
-        </p:nvSpPr>
-        <p:spPr>
-          <a:xfrm>
-            <a:off x="290512" y="4516775"/>
-            <a:ext cx="11610976" cy="2031325"/>
-          </a:xfrm>
-          <a:prstGeom prst="rect">
-            <a:avLst/>
-          </a:prstGeom>
-          <a:noFill/>
-        </p:spPr>
-        <p:txBody>
-          <a:bodyPr wrap="square" rtlCol="0">
-            <a:spAutoFit/>
-          </a:bodyPr>
-          <a:lstStyle/>
-          <a:p>
-            <a:r>
-              <a:rPr lang="en-US" dirty="0"/>
-              <a:t>Let’s say we have 2 candidates:</a:t>
-            </a:r>
-          </a:p>
-          <a:p>
-            <a:r>
-              <a:rPr lang="en-US" dirty="0"/>
-              <a:t>C1 = (0, 2), C2 = (0, 2)</a:t>
-            </a:r>
-          </a:p>
-          <a:p>
-            <a:r>
-              <a:rPr lang="en-US" dirty="0"/>
-              <a:t>P(c3) = ½ , P(c1) = ½ =&gt; worst-case probability distribution =&gt; entropy = maximum</a:t>
-            </a:r>
-          </a:p>
-          <a:p>
-            <a:endParaRPr lang="en-US" dirty="0"/>
-          </a:p>
-          <a:p>
-            <a:r>
-              <a:rPr lang="en-US" dirty="0"/>
-              <a:t>C1 = (1.5, 2), C2 = (0.25, 0.75) </a:t>
-            </a:r>
-          </a:p>
-          <a:p>
-            <a:r>
-              <a:rPr lang="en-US" dirty="0"/>
-              <a:t>P(c1) = 1, P(c2) = 0=&gt; best-case probability distribution =&gt; entropy = 0</a:t>
-            </a:r>
-          </a:p>
-          <a:p>
-            <a:endParaRPr lang="en-US" dirty="0"/>
+              <a:t>-----</a:t>
+            </a:r>
+          </a:p>
+          <a:p>
+            <a:pPr lvl="3"/>
+            <a:r>
+              <a:rPr lang="en-US" dirty="0">
+                <a:sym typeface="Wingdings" pitchFamily="2" charset="2"/>
+              </a:rPr>
+              <a:t>------------------------------</a:t>
+            </a:r>
+          </a:p>
+          <a:p>
+            <a:pPr lvl="4"/>
+            <a:r>
+              <a:rPr lang="en-US" dirty="0">
+                <a:sym typeface="Wingdings" pitchFamily="2" charset="2"/>
+              </a:rPr>
+              <a:t>--------------------------------</a:t>
+            </a:r>
+          </a:p>
+          <a:p>
+            <a:pPr lvl="4"/>
+            <a:endParaRPr lang="en-US" dirty="0">
+              <a:sym typeface="Wingdings" pitchFamily="2" charset="2"/>
+            </a:endParaRPr>
+          </a:p>
+          <a:p>
+            <a:pPr lvl="1"/>
+            <a:r>
+              <a:rPr lang="en-US" b="1" dirty="0"/>
+              <a:t>Tries to diverge the intervals as much as possible </a:t>
+            </a:r>
           </a:p>
         </p:txBody>
       </p:sp>
     </p:spTree>
     <p:extLst>
       <p:ext uri="{BB962C8B-B14F-4D97-AF65-F5344CB8AC3E}">
-        <p14:creationId xmlns:p14="http://schemas.microsoft.com/office/powerpoint/2010/main" val="1548376884"/>
+        <p14:creationId xmlns:p14="http://schemas.microsoft.com/office/powerpoint/2010/main" val="2856920569"/>
       </p:ext>
     </p:extLst>
   </p:cSld>
@@ -11401,194 +11499,6 @@
               <a:buNone/>
             </a:pPr>
             <a:r>
-              <a:rPr lang="en-US" dirty="0">
-                <a:solidFill>
-                  <a:srgbClr val="FF0000"/>
-                </a:solidFill>
-              </a:rPr>
-              <a:t>How to choose the LLM call that most likely reduces the entropy?</a:t>
-            </a:r>
-          </a:p>
-          <a:p>
-            <a:pPr marL="0" indent="0">
-              <a:buNone/>
-            </a:pPr>
-            <a:endParaRPr lang="en-US" dirty="0">
-              <a:solidFill>
-                <a:srgbClr val="FF0000"/>
-              </a:solidFill>
-            </a:endParaRPr>
-          </a:p>
-          <a:p>
-            <a:pPr marL="0" indent="0">
-              <a:buNone/>
-            </a:pPr>
-            <a:r>
-              <a:rPr lang="en-US" dirty="0"/>
-              <a:t>Heuristic 1) Choosing the </a:t>
-            </a:r>
-            <a:r>
-              <a:rPr lang="en-US" dirty="0" err="1"/>
-              <a:t>llm</a:t>
-            </a:r>
-            <a:r>
-              <a:rPr lang="en-US" dirty="0"/>
-              <a:t> call that most likely reduces the sum of common intervals between candidates (previously discussed)</a:t>
-            </a:r>
-          </a:p>
-          <a:p>
-            <a:pPr marL="914400" lvl="2" indent="0">
-              <a:buNone/>
-            </a:pPr>
-            <a:endParaRPr lang="en-US" dirty="0"/>
-          </a:p>
-          <a:p>
-            <a:pPr lvl="2"/>
-            <a:r>
-              <a:rPr lang="en-US" dirty="0">
-                <a:sym typeface="Wingdings" pitchFamily="2" charset="2"/>
-              </a:rPr>
-              <a:t>----------------</a:t>
-            </a:r>
-          </a:p>
-          <a:p>
-            <a:pPr lvl="4"/>
-            <a:r>
-              <a:rPr lang="en-US" dirty="0">
-                <a:sym typeface="Wingdings" pitchFamily="2" charset="2"/>
-              </a:rPr>
-              <a:t>-----</a:t>
-            </a:r>
-          </a:p>
-          <a:p>
-            <a:pPr lvl="3"/>
-            <a:r>
-              <a:rPr lang="en-US" dirty="0">
-                <a:sym typeface="Wingdings" pitchFamily="2" charset="2"/>
-              </a:rPr>
-              <a:t>------------------------------</a:t>
-            </a:r>
-          </a:p>
-          <a:p>
-            <a:pPr lvl="4"/>
-            <a:r>
-              <a:rPr lang="en-US" dirty="0">
-                <a:sym typeface="Wingdings" pitchFamily="2" charset="2"/>
-              </a:rPr>
-              <a:t>--------------------------------</a:t>
-            </a:r>
-          </a:p>
-          <a:p>
-            <a:pPr lvl="4"/>
-            <a:endParaRPr lang="en-US" dirty="0">
-              <a:sym typeface="Wingdings" pitchFamily="2" charset="2"/>
-            </a:endParaRPr>
-          </a:p>
-          <a:p>
-            <a:pPr lvl="1"/>
-            <a:r>
-              <a:rPr lang="en-US" b="1" dirty="0"/>
-              <a:t>Tries to diverge the intervals as much as possible </a:t>
-            </a:r>
-          </a:p>
-        </p:txBody>
-      </p:sp>
-    </p:spTree>
-    <p:extLst>
-      <p:ext uri="{BB962C8B-B14F-4D97-AF65-F5344CB8AC3E}">
-        <p14:creationId xmlns:p14="http://schemas.microsoft.com/office/powerpoint/2010/main" val="2856920569"/>
-      </p:ext>
-    </p:extLst>
-  </p:cSld>
-  <p:clrMapOvr>
-    <a:masterClrMapping/>
-  </p:clrMapOvr>
-</p:sld>
-</file>
-
-<file path=ppt/slides/slide22.xml><?xml version="1.0" encoding="utf-8"?>
-<p:sld xmlns:a="http://schemas.openxmlformats.org/drawingml/2006/main" xmlns:r="http://schemas.openxmlformats.org/officeDocument/2006/relationships" xmlns:p="http://schemas.openxmlformats.org/presentationml/2006/main">
-  <p:cSld>
-    <p:spTree>
-      <p:nvGrpSpPr>
-        <p:cNvPr id="1" name=""/>
-        <p:cNvGrpSpPr/>
-        <p:nvPr/>
-      </p:nvGrpSpPr>
-      <p:grpSpPr>
-        <a:xfrm>
-          <a:off x="0" y="0"/>
-          <a:ext cx="0" cy="0"/>
-          <a:chOff x="0" y="0"/>
-          <a:chExt cx="0" cy="0"/>
-        </a:xfrm>
-      </p:grpSpPr>
-      <p:sp>
-        <p:nvSpPr>
-          <p:cNvPr id="2" name="Title 1">
-            <a:extLst>
-              <a:ext uri="{FF2B5EF4-FFF2-40B4-BE49-F238E27FC236}">
-                <a16:creationId xmlns:a16="http://schemas.microsoft.com/office/drawing/2014/main" id="{88ABCA84-F0B3-F083-35FC-6C2D94DF3B07}"/>
-              </a:ext>
-            </a:extLst>
-          </p:cNvPr>
-          <p:cNvSpPr>
-            <a:spLocks noGrp="1"/>
-          </p:cNvSpPr>
-          <p:nvPr>
-            <p:ph type="title"/>
-          </p:nvPr>
-        </p:nvSpPr>
-        <p:spPr>
-          <a:xfrm>
-            <a:off x="733097" y="0"/>
-            <a:ext cx="10515600" cy="1325563"/>
-          </a:xfrm>
-        </p:spPr>
-        <p:txBody>
-          <a:bodyPr/>
-          <a:lstStyle/>
-          <a:p>
-            <a:pPr algn="ctr"/>
-            <a:r>
-              <a:rPr lang="en-US" dirty="0"/>
-              <a:t>heuristic to minimize entropy</a:t>
-            </a:r>
-          </a:p>
-        </p:txBody>
-      </p:sp>
-      <p:sp>
-        <p:nvSpPr>
-          <p:cNvPr id="3" name="Content Placeholder 2">
-            <a:extLst>
-              <a:ext uri="{FF2B5EF4-FFF2-40B4-BE49-F238E27FC236}">
-                <a16:creationId xmlns:a16="http://schemas.microsoft.com/office/drawing/2014/main" id="{5DF251DC-4F64-5D48-6C5F-F604B6F609CD}"/>
-              </a:ext>
-            </a:extLst>
-          </p:cNvPr>
-          <p:cNvSpPr>
-            <a:spLocks noGrp="1"/>
-          </p:cNvSpPr>
-          <p:nvPr>
-            <p:ph idx="1"/>
-          </p:nvPr>
-        </p:nvSpPr>
-        <p:spPr>
-          <a:xfrm>
-            <a:off x="171450" y="1325562"/>
-            <a:ext cx="11730038" cy="5318125"/>
-          </a:xfrm>
-        </p:spPr>
-        <p:txBody>
-          <a:bodyPr>
-            <a:normAutofit/>
-          </a:bodyPr>
-          <a:lstStyle/>
-          <a:p>
-            <a:pPr marL="0" indent="0">
-              <a:buNone/>
-            </a:pPr>
-            <a:r>
               <a:rPr lang="en-US" dirty="0"/>
               <a:t>Heuristic 2)  Choose a candidate where LB has the lowest overlap with the UB of others + largest non-overlapping area</a:t>
             </a:r>
@@ -11773,7 +11683,7 @@
 </p:sld>
 </file>
 
-<file path=ppt/slides/slide23.xml><?xml version="1.0" encoding="utf-8"?>
+<file path=ppt/slides/slide22.xml><?xml version="1.0" encoding="utf-8"?>
 <p:sld xmlns:a="http://schemas.openxmlformats.org/drawingml/2006/main" xmlns:r="http://schemas.openxmlformats.org/officeDocument/2006/relationships" xmlns:p="http://schemas.openxmlformats.org/presentationml/2006/main">
   <p:cSld>
     <p:spTree>
@@ -15203,7 +15113,7 @@
                   <a:srgbClr val="FF0000"/>
                 </a:solidFill>
               </a:rPr>
-              <a:t>U1 = 0.8 , U2 = 3.96</a:t>
+              <a:t>U1 = 0.8 , U2 = 5.3</a:t>
             </a:r>
           </a:p>
           <a:p>
@@ -15262,7 +15172,7 @@
                   <a:srgbClr val="FF0000"/>
                 </a:solidFill>
               </a:rPr>
-              <a:t>U1 = 0.56, U2 = 3.72</a:t>
+              <a:t>U1 = 0.56, U2 = 3.94</a:t>
             </a:r>
           </a:p>
           <a:p>

--- a/rankingwithLLM.pptx
+++ b/rankingwithLLM.pptx
@@ -5,7 +5,7 @@
     <p:sldMasterId id="2147483648" r:id="rId1"/>
   </p:sldMasterIdLst>
   <p:notesMasterIdLst>
-    <p:notesMasterId r:id="rId24"/>
+    <p:notesMasterId r:id="rId28"/>
   </p:notesMasterIdLst>
   <p:sldIdLst>
     <p:sldId id="256" r:id="rId2"/>
@@ -30,6 +30,10 @@
     <p:sldId id="277" r:id="rId21"/>
     <p:sldId id="276" r:id="rId22"/>
     <p:sldId id="278" r:id="rId23"/>
+    <p:sldId id="279" r:id="rId24"/>
+    <p:sldId id="280" r:id="rId25"/>
+    <p:sldId id="281" r:id="rId26"/>
+    <p:sldId id="283" r:id="rId27"/>
   </p:sldIdLst>
   <p:sldSz cx="12192000" cy="6858000"/>
   <p:notesSz cx="6858000" cy="9144000"/>
@@ -218,7 +222,7 @@
           <a:p>
             <a:fld id="{DE9DA986-C197-2042-B476-BC36203B606C}" type="datetimeFigureOut">
               <a:rPr lang="en-US" smtClean="0"/>
-              <a:t>9/10/24</a:t>
+              <a:t>9/13/24</a:t>
             </a:fld>
             <a:endParaRPr lang="en-US"/>
           </a:p>
@@ -716,7 +720,7 @@
           <a:p>
             <a:fld id="{70F6711B-007C-4E47-B805-CF8F9D486DA3}" type="datetimeFigureOut">
               <a:rPr lang="en-US" smtClean="0"/>
-              <a:t>9/10/24</a:t>
+              <a:t>9/13/24</a:t>
             </a:fld>
             <a:endParaRPr lang="en-US"/>
           </a:p>
@@ -914,7 +918,7 @@
           <a:p>
             <a:fld id="{70F6711B-007C-4E47-B805-CF8F9D486DA3}" type="datetimeFigureOut">
               <a:rPr lang="en-US" smtClean="0"/>
-              <a:t>9/10/24</a:t>
+              <a:t>9/13/24</a:t>
             </a:fld>
             <a:endParaRPr lang="en-US"/>
           </a:p>
@@ -1122,7 +1126,7 @@
           <a:p>
             <a:fld id="{70F6711B-007C-4E47-B805-CF8F9D486DA3}" type="datetimeFigureOut">
               <a:rPr lang="en-US" smtClean="0"/>
-              <a:t>9/10/24</a:t>
+              <a:t>9/13/24</a:t>
             </a:fld>
             <a:endParaRPr lang="en-US"/>
           </a:p>
@@ -1320,7 +1324,7 @@
           <a:p>
             <a:fld id="{70F6711B-007C-4E47-B805-CF8F9D486DA3}" type="datetimeFigureOut">
               <a:rPr lang="en-US" smtClean="0"/>
-              <a:t>9/10/24</a:t>
+              <a:t>9/13/24</a:t>
             </a:fld>
             <a:endParaRPr lang="en-US"/>
           </a:p>
@@ -1595,7 +1599,7 @@
           <a:p>
             <a:fld id="{70F6711B-007C-4E47-B805-CF8F9D486DA3}" type="datetimeFigureOut">
               <a:rPr lang="en-US" smtClean="0"/>
-              <a:t>9/10/24</a:t>
+              <a:t>9/13/24</a:t>
             </a:fld>
             <a:endParaRPr lang="en-US"/>
           </a:p>
@@ -1860,7 +1864,7 @@
           <a:p>
             <a:fld id="{70F6711B-007C-4E47-B805-CF8F9D486DA3}" type="datetimeFigureOut">
               <a:rPr lang="en-US" smtClean="0"/>
-              <a:t>9/10/24</a:t>
+              <a:t>9/13/24</a:t>
             </a:fld>
             <a:endParaRPr lang="en-US"/>
           </a:p>
@@ -2272,7 +2276,7 @@
           <a:p>
             <a:fld id="{70F6711B-007C-4E47-B805-CF8F9D486DA3}" type="datetimeFigureOut">
               <a:rPr lang="en-US" smtClean="0"/>
-              <a:t>9/10/24</a:t>
+              <a:t>9/13/24</a:t>
             </a:fld>
             <a:endParaRPr lang="en-US"/>
           </a:p>
@@ -2413,7 +2417,7 @@
           <a:p>
             <a:fld id="{70F6711B-007C-4E47-B805-CF8F9D486DA3}" type="datetimeFigureOut">
               <a:rPr lang="en-US" smtClean="0"/>
-              <a:t>9/10/24</a:t>
+              <a:t>9/13/24</a:t>
             </a:fld>
             <a:endParaRPr lang="en-US"/>
           </a:p>
@@ -2526,7 +2530,7 @@
           <a:p>
             <a:fld id="{70F6711B-007C-4E47-B805-CF8F9D486DA3}" type="datetimeFigureOut">
               <a:rPr lang="en-US" smtClean="0"/>
-              <a:t>9/10/24</a:t>
+              <a:t>9/13/24</a:t>
             </a:fld>
             <a:endParaRPr lang="en-US"/>
           </a:p>
@@ -2837,7 +2841,7 @@
           <a:p>
             <a:fld id="{70F6711B-007C-4E47-B805-CF8F9D486DA3}" type="datetimeFigureOut">
               <a:rPr lang="en-US" smtClean="0"/>
-              <a:t>9/10/24</a:t>
+              <a:t>9/13/24</a:t>
             </a:fld>
             <a:endParaRPr lang="en-US"/>
           </a:p>
@@ -3125,7 +3129,7 @@
           <a:p>
             <a:fld id="{70F6711B-007C-4E47-B805-CF8F9D486DA3}" type="datetimeFigureOut">
               <a:rPr lang="en-US" smtClean="0"/>
-              <a:t>9/10/24</a:t>
+              <a:t>9/13/24</a:t>
             </a:fld>
             <a:endParaRPr lang="en-US"/>
           </a:p>
@@ -3366,7 +3370,7 @@
           <a:p>
             <a:fld id="{70F6711B-007C-4E47-B805-CF8F9D486DA3}" type="datetimeFigureOut">
               <a:rPr lang="en-US" smtClean="0"/>
-              <a:t>9/10/24</a:t>
+              <a:t>9/13/24</a:t>
             </a:fld>
             <a:endParaRPr lang="en-US"/>
           </a:p>
@@ -9542,94 +9546,17 @@
         </p:nvSpPr>
         <p:spPr>
           <a:xfrm>
-            <a:off x="367221" y="1526080"/>
+            <a:off x="375911" y="1103675"/>
             <a:ext cx="10515600" cy="4351338"/>
           </a:xfrm>
         </p:spPr>
         <p:txBody>
           <a:bodyPr>
-            <a:normAutofit fontScale="92500" lnSpcReduction="10000"/>
+            <a:normAutofit fontScale="70000" lnSpcReduction="20000"/>
           </a:bodyPr>
           <a:lstStyle/>
           <a:p>
-            <a:r>
-              <a:rPr lang="en-US" dirty="0"/>
-              <a:t>An example of how to compute P(c1 &gt; c2)</a:t>
-            </a:r>
-          </a:p>
-          <a:p>
-            <a:pPr lvl="1"/>
-            <a:r>
-              <a:rPr lang="en-US" dirty="0"/>
-              <a:t>c1: (</a:t>
-            </a:r>
-            <a:r>
-              <a:rPr lang="en-US" dirty="0" err="1"/>
-              <a:t>lb</a:t>
-            </a:r>
-            <a:r>
-              <a:rPr lang="en-US" dirty="0"/>
-              <a:t>, </a:t>
-            </a:r>
-            <a:r>
-              <a:rPr lang="en-US" dirty="0" err="1"/>
-              <a:t>ub</a:t>
-            </a:r>
-            <a:r>
-              <a:rPr lang="en-US" dirty="0"/>
-              <a:t>) = (1, 2) </a:t>
-            </a:r>
-          </a:p>
-          <a:p>
-            <a:pPr lvl="1"/>
-            <a:r>
-              <a:rPr lang="en-US" dirty="0"/>
-              <a:t>c2 : (</a:t>
-            </a:r>
-            <a:r>
-              <a:rPr lang="en-US" dirty="0" err="1"/>
-              <a:t>lb</a:t>
-            </a:r>
-            <a:r>
-              <a:rPr lang="en-US" dirty="0"/>
-              <a:t>, </a:t>
-            </a:r>
-            <a:r>
-              <a:rPr lang="en-US" dirty="0" err="1"/>
-              <a:t>ub</a:t>
-            </a:r>
-            <a:r>
-              <a:rPr lang="en-US" dirty="0"/>
-              <a:t>) = (0.5, 1.5)</a:t>
-            </a:r>
-          </a:p>
-          <a:p>
-            <a:pPr lvl="1"/>
-            <a:r>
-              <a:rPr lang="en-US" dirty="0"/>
-              <a:t>P(c1 &gt; c2) = </a:t>
-            </a:r>
-          </a:p>
-          <a:p>
-            <a:pPr lvl="2"/>
-            <a:r>
-              <a:rPr lang="en-US" dirty="0"/>
-              <a:t>p(1.5 &lt; c1 &lt; 2) + </a:t>
-            </a:r>
-          </a:p>
-          <a:p>
-            <a:pPr lvl="2"/>
-            <a:r>
-              <a:rPr lang="en-US" dirty="0"/>
-              <a:t>p(1 &lt; c1 &lt; 1.5) * p(1 &lt; c2 &lt; 1.5) * ½ + </a:t>
-            </a:r>
-          </a:p>
-          <a:p>
-            <a:pPr lvl="2"/>
-            <a:r>
-              <a:rPr lang="en-US" dirty="0"/>
-              <a:t>p(1 &lt; c1 &lt; 1.5) * p(0.5 &lt; c2 &lt; 1) </a:t>
-            </a:r>
+            <a:endParaRPr lang="en-US" dirty="0"/>
           </a:p>
           <a:p>
             <a:pPr marL="457200" lvl="1" indent="0">
@@ -9637,25 +9564,93 @@
             </a:pPr>
             <a:r>
               <a:rPr lang="en-US" dirty="0"/>
-              <a:t>	= ½ + </a:t>
+              <a:t>		Continuous</a:t>
             </a:r>
           </a:p>
           <a:p>
             <a:pPr marL="457200" lvl="1" indent="0">
               <a:buNone/>
             </a:pPr>
-            <a:r>
-              <a:rPr lang="en-US" dirty="0"/>
-              <a:t>	½ * ½ * ½ +</a:t>
-            </a:r>
+            <a:endParaRPr lang="en-US" dirty="0"/>
           </a:p>
           <a:p>
             <a:pPr marL="457200" lvl="1" indent="0">
               <a:buNone/>
             </a:pPr>
+            <a:endParaRPr lang="en-US" dirty="0"/>
+          </a:p>
+          <a:p>
+            <a:pPr lvl="1"/>
             <a:r>
               <a:rPr lang="en-US" dirty="0"/>
-              <a:t>	 ½ * ½ = </a:t>
+              <a:t>c1: (</a:t>
+            </a:r>
+            <a:r>
+              <a:rPr lang="en-US" dirty="0" err="1"/>
+              <a:t>lb</a:t>
+            </a:r>
+            <a:r>
+              <a:rPr lang="en-US" dirty="0"/>
+              <a:t>, </a:t>
+            </a:r>
+            <a:r>
+              <a:rPr lang="en-US" dirty="0" err="1"/>
+              <a:t>ub</a:t>
+            </a:r>
+            <a:r>
+              <a:rPr lang="en-US" dirty="0"/>
+              <a:t>) = (1, 2) </a:t>
+            </a:r>
+          </a:p>
+          <a:p>
+            <a:pPr lvl="1"/>
+            <a:r>
+              <a:rPr lang="en-US" dirty="0"/>
+              <a:t>c2 : (</a:t>
+            </a:r>
+            <a:r>
+              <a:rPr lang="en-US" dirty="0" err="1"/>
+              <a:t>lb</a:t>
+            </a:r>
+            <a:r>
+              <a:rPr lang="en-US" dirty="0"/>
+              <a:t>, </a:t>
+            </a:r>
+            <a:r>
+              <a:rPr lang="en-US" dirty="0" err="1"/>
+              <a:t>ub</a:t>
+            </a:r>
+            <a:r>
+              <a:rPr lang="en-US" dirty="0"/>
+              <a:t>) = (0.5, 1.5)</a:t>
+            </a:r>
+          </a:p>
+          <a:p>
+            <a:pPr lvl="1"/>
+            <a:r>
+              <a:rPr lang="en-US" dirty="0"/>
+              <a:t>P(c1 &gt;= c2) = </a:t>
+            </a:r>
+          </a:p>
+          <a:p>
+            <a:pPr lvl="2"/>
+            <a:r>
+              <a:rPr lang="en-US" dirty="0"/>
+              <a:t>p(1.5 &lt; c1 &lt; 2) + </a:t>
+            </a:r>
+          </a:p>
+          <a:p>
+            <a:pPr lvl="2"/>
+            <a:r>
+              <a:rPr lang="en-US" dirty="0"/>
+              <a:t>p(1 &lt; c1 &lt; 1.5) * p(1 &lt; c2 &lt; 1.5) * ½ + </a:t>
+            </a:r>
+          </a:p>
+          <a:p>
+            <a:pPr lvl="2"/>
+            <a:r>
+              <a:rPr lang="en-US" dirty="0"/>
+              <a:t>p(1 &lt; c1 &lt; 1.5) * p(0.5 &lt; c2 &lt; 1) </a:t>
             </a:r>
           </a:p>
           <a:p>
@@ -9664,17 +9659,48 @@
             </a:pPr>
             <a:r>
               <a:rPr lang="en-US" dirty="0"/>
-              <a:t>	 </a:t>
-            </a:r>
-            <a:r>
-              <a:rPr lang="en-US" sz="2200" dirty="0"/>
-              <a:t>0.875</a:t>
+              <a:t>	= ½ + </a:t>
             </a:r>
           </a:p>
           <a:p>
             <a:pPr marL="457200" lvl="1" indent="0">
               <a:buNone/>
             </a:pPr>
+            <a:r>
+              <a:rPr lang="en-US" dirty="0"/>
+              <a:t>	½ * ½ * ½ +</a:t>
+            </a:r>
+          </a:p>
+          <a:p>
+            <a:pPr marL="457200" lvl="1" indent="0">
+              <a:buNone/>
+            </a:pPr>
+            <a:r>
+              <a:rPr lang="en-US" dirty="0"/>
+              <a:t>	 ½ * ½ = </a:t>
+            </a:r>
+          </a:p>
+          <a:p>
+            <a:pPr marL="457200" lvl="1" indent="0">
+              <a:buNone/>
+            </a:pPr>
+            <a:r>
+              <a:rPr lang="en-US" dirty="0"/>
+              <a:t>	 </a:t>
+            </a:r>
+            <a:r>
+              <a:rPr lang="en-US" sz="2200" dirty="0"/>
+              <a:t>0.875</a:t>
+            </a:r>
+          </a:p>
+          <a:p>
+            <a:pPr marL="457200" lvl="1" indent="0">
+              <a:buNone/>
+            </a:pPr>
+            <a:endParaRPr lang="en-US" dirty="0"/>
+          </a:p>
+          <a:p>
+            <a:pPr lvl="1"/>
             <a:endParaRPr lang="en-US" dirty="0"/>
           </a:p>
           <a:p>
@@ -9701,13 +9727,13 @@
           <p:nvPr>
             <p:extLst>
               <p:ext uri="{D42A27DB-BD31-4B8C-83A1-F6EECF244321}">
-                <p14:modId xmlns:p14="http://schemas.microsoft.com/office/powerpoint/2010/main" val="2215308518"/>
+                <p14:modId xmlns:p14="http://schemas.microsoft.com/office/powerpoint/2010/main" val="1944492823"/>
               </p:ext>
             </p:extLst>
           </p:nvPr>
         </p:nvGraphicFramePr>
         <p:xfrm>
-          <a:off x="6229350" y="2774649"/>
+          <a:off x="6382404" y="2120442"/>
           <a:ext cx="5433685" cy="1854200"/>
         </p:xfrm>
         <a:graphic>
@@ -9848,7 +9874,10 @@
                     <a:lstStyle/>
                     <a:p>
                       <a:pPr algn="ctr"/>
-                      <a:endParaRPr lang="en-US" dirty="0"/>
+                      <a:r>
+                        <a:rPr lang="en-US" dirty="0"/>
+                        <a:t>*</a:t>
+                      </a:r>
                     </a:p>
                   </a:txBody>
                   <a:tcPr/>
@@ -9919,7 +9948,14 @@
                       </a:r>
                     </a:p>
                   </a:txBody>
-                  <a:tcPr/>
+                  <a:tcPr>
+                    <a:solidFill>
+                      <a:schemeClr val="accent6">
+                        <a:lumMod val="40000"/>
+                        <a:lumOff val="60000"/>
+                      </a:schemeClr>
+                    </a:solidFill>
+                  </a:tcPr>
                 </a:tc>
                 <a:tc>
                   <a:txBody>
@@ -9927,10 +9963,20 @@
                     <a:lstStyle/>
                     <a:p>
                       <a:pPr algn="ctr"/>
-                      <a:endParaRPr lang="en-US"/>
-                    </a:p>
-                  </a:txBody>
-                  <a:tcPr/>
+                      <a:r>
+                        <a:rPr lang="en-US" dirty="0"/>
+                        <a:t>*</a:t>
+                      </a:r>
+                    </a:p>
+                  </a:txBody>
+                  <a:tcPr>
+                    <a:solidFill>
+                      <a:schemeClr val="accent6">
+                        <a:lumMod val="40000"/>
+                        <a:lumOff val="60000"/>
+                      </a:schemeClr>
+                    </a:solidFill>
+                  </a:tcPr>
                 </a:tc>
                 <a:tc>
                   <a:txBody>
@@ -9941,7 +9987,14 @@
                       <a:endParaRPr lang="en-US" dirty="0"/>
                     </a:p>
                   </a:txBody>
-                  <a:tcPr/>
+                  <a:tcPr>
+                    <a:solidFill>
+                      <a:schemeClr val="accent6">
+                        <a:lumMod val="40000"/>
+                        <a:lumOff val="60000"/>
+                      </a:schemeClr>
+                    </a:solidFill>
+                  </a:tcPr>
                 </a:tc>
                 <a:tc>
                   <a:txBody>
@@ -9987,7 +10040,14 @@
                       </a:r>
                     </a:p>
                   </a:txBody>
-                  <a:tcPr/>
+                  <a:tcPr>
+                    <a:solidFill>
+                      <a:schemeClr val="accent6">
+                        <a:lumMod val="40000"/>
+                        <a:lumOff val="60000"/>
+                      </a:schemeClr>
+                    </a:solidFill>
+                  </a:tcPr>
                 </a:tc>
                 <a:tc>
                   <a:txBody>
@@ -10001,7 +10061,14 @@
                       </a:r>
                     </a:p>
                   </a:txBody>
-                  <a:tcPr/>
+                  <a:tcPr>
+                    <a:solidFill>
+                      <a:schemeClr val="accent6">
+                        <a:lumMod val="40000"/>
+                        <a:lumOff val="60000"/>
+                      </a:schemeClr>
+                    </a:solidFill>
+                  </a:tcPr>
                 </a:tc>
                 <a:tc>
                   <a:txBody>
@@ -10009,10 +10076,20 @@
                     <a:lstStyle/>
                     <a:p>
                       <a:pPr algn="ctr"/>
-                      <a:endParaRPr lang="en-US" dirty="0"/>
-                    </a:p>
-                  </a:txBody>
-                  <a:tcPr/>
+                      <a:r>
+                        <a:rPr lang="en-US" dirty="0"/>
+                        <a:t>*</a:t>
+                      </a:r>
+                    </a:p>
+                  </a:txBody>
+                  <a:tcPr>
+                    <a:solidFill>
+                      <a:schemeClr val="accent6">
+                        <a:lumMod val="40000"/>
+                        <a:lumOff val="60000"/>
+                      </a:schemeClr>
+                    </a:solidFill>
+                  </a:tcPr>
                 </a:tc>
                 <a:tc>
                   <a:txBody>
@@ -10058,7 +10135,14 @@
                       </a:r>
                     </a:p>
                   </a:txBody>
-                  <a:tcPr/>
+                  <a:tcPr>
+                    <a:solidFill>
+                      <a:schemeClr val="accent6">
+                        <a:lumMod val="40000"/>
+                        <a:lumOff val="60000"/>
+                      </a:schemeClr>
+                    </a:solidFill>
+                  </a:tcPr>
                 </a:tc>
                 <a:tc>
                   <a:txBody>
@@ -10072,7 +10156,14 @@
                       </a:r>
                     </a:p>
                   </a:txBody>
-                  <a:tcPr/>
+                  <a:tcPr>
+                    <a:solidFill>
+                      <a:schemeClr val="accent6">
+                        <a:lumMod val="40000"/>
+                        <a:lumOff val="60000"/>
+                      </a:schemeClr>
+                    </a:solidFill>
+                  </a:tcPr>
                 </a:tc>
                 <a:tc>
                   <a:txBody>
@@ -10086,7 +10177,14 @@
                       </a:r>
                     </a:p>
                   </a:txBody>
-                  <a:tcPr/>
+                  <a:tcPr>
+                    <a:solidFill>
+                      <a:schemeClr val="accent6">
+                        <a:lumMod val="40000"/>
+                        <a:lumOff val="60000"/>
+                      </a:schemeClr>
+                    </a:solidFill>
+                  </a:tcPr>
                 </a:tc>
                 <a:tc>
                   <a:txBody>
@@ -10094,7 +10192,10 @@
                     <a:lstStyle/>
                     <a:p>
                       <a:pPr algn="ctr"/>
-                      <a:endParaRPr lang="en-US" dirty="0"/>
+                      <a:r>
+                        <a:rPr lang="en-US" dirty="0"/>
+                        <a:t>*</a:t>
+                      </a:r>
                     </a:p>
                   </a:txBody>
                   <a:tcPr/>
@@ -10123,7 +10224,7 @@
         </p:nvSpPr>
         <p:spPr>
           <a:xfrm>
-            <a:off x="7321840" y="2405317"/>
+            <a:off x="6660179" y="1762231"/>
             <a:ext cx="468398" cy="369332"/>
           </a:xfrm>
           <a:prstGeom prst="rect">
@@ -10158,7 +10259,7 @@
         </p:nvSpPr>
         <p:spPr>
           <a:xfrm>
-            <a:off x="5756698" y="3059668"/>
+            <a:off x="5861801" y="2131563"/>
             <a:ext cx="468398" cy="369332"/>
           </a:xfrm>
           <a:prstGeom prst="rect">
@@ -10179,6 +10280,197 @@
           </a:p>
         </p:txBody>
       </p:sp>
+      <p:sp>
+        <p:nvSpPr>
+          <p:cNvPr id="9" name="TextBox 8">
+            <a:extLst>
+              <a:ext uri="{FF2B5EF4-FFF2-40B4-BE49-F238E27FC236}">
+                <a16:creationId xmlns:a16="http://schemas.microsoft.com/office/drawing/2014/main" id="{3521714D-CE7F-20A7-BFC1-2234CC50C27A}"/>
+              </a:ext>
+            </a:extLst>
+          </p:cNvPr>
+          <p:cNvSpPr txBox="1"/>
+          <p:nvPr/>
+        </p:nvSpPr>
+        <p:spPr>
+          <a:xfrm>
+            <a:off x="8796664" y="1325563"/>
+            <a:ext cx="1023550" cy="369332"/>
+          </a:xfrm>
+          <a:prstGeom prst="rect">
+            <a:avLst/>
+          </a:prstGeom>
+          <a:noFill/>
+        </p:spPr>
+        <p:txBody>
+          <a:bodyPr wrap="none" rtlCol="0">
+            <a:spAutoFit/>
+          </a:bodyPr>
+          <a:lstStyle/>
+          <a:p>
+            <a:r>
+              <a:rPr lang="en-US" dirty="0"/>
+              <a:t>Discrete</a:t>
+            </a:r>
+          </a:p>
+        </p:txBody>
+      </p:sp>
+      <mc:AlternateContent xmlns:mc="http://schemas.openxmlformats.org/markup-compatibility/2006">
+        <mc:Choice xmlns:a14="http://schemas.microsoft.com/office/drawing/2010/main" Requires="a14">
+          <p:sp>
+            <p:nvSpPr>
+              <p:cNvPr id="10" name="TextBox 9">
+                <a:extLst>
+                  <a:ext uri="{FF2B5EF4-FFF2-40B4-BE49-F238E27FC236}">
+                    <a16:creationId xmlns:a16="http://schemas.microsoft.com/office/drawing/2014/main" id="{9E901366-1E2B-03D9-D1E2-CD06E1229AD7}"/>
+                  </a:ext>
+                </a:extLst>
+              </p:cNvPr>
+              <p:cNvSpPr txBox="1"/>
+              <p:nvPr/>
+            </p:nvSpPr>
+            <p:spPr>
+              <a:xfrm>
+                <a:off x="5633711" y="4317761"/>
+                <a:ext cx="6673302" cy="1877437"/>
+              </a:xfrm>
+              <a:prstGeom prst="rect">
+                <a:avLst/>
+              </a:prstGeom>
+              <a:noFill/>
+            </p:spPr>
+            <p:txBody>
+              <a:bodyPr wrap="none" rtlCol="0">
+                <a:spAutoFit/>
+              </a:bodyPr>
+              <a:lstStyle/>
+              <a:p>
+                <a:r>
+                  <a:rPr lang="en-US" dirty="0"/>
+                  <a:t>Green region = (LB, UB)</a:t>
+                </a:r>
+                <a:r>
+                  <a:rPr lang="en-US" baseline="-25000" dirty="0"/>
+                  <a:t>c1</a:t>
+                </a:r>
+                <a:r>
+                  <a:rPr lang="en-US" dirty="0"/>
+                  <a:t> </a:t>
+                </a:r>
+                <a14:m>
+                  <m:oMath xmlns:m="http://schemas.openxmlformats.org/officeDocument/2006/math">
+                    <m:r>
+                      <a:rPr lang="en-US" i="1" smtClean="0">
+                        <a:latin typeface="Cambria Math" panose="02040503050406030204" pitchFamily="18" charset="0"/>
+                        <a:ea typeface="Cambria Math" panose="02040503050406030204" pitchFamily="18" charset="0"/>
+                      </a:rPr>
+                      <m:t>∩</m:t>
+                    </m:r>
+                    <m:r>
+                      <a:rPr lang="en-US" b="0" i="1" smtClean="0">
+                        <a:latin typeface="Cambria Math" panose="02040503050406030204" pitchFamily="18" charset="0"/>
+                        <a:ea typeface="Cambria Math" panose="02040503050406030204" pitchFamily="18" charset="0"/>
+                      </a:rPr>
+                      <m:t> </m:t>
+                    </m:r>
+                  </m:oMath>
+                </a14:m>
+                <a:r>
+                  <a:rPr lang="en-US" dirty="0"/>
+                  <a:t>(LB, UB)</a:t>
+                </a:r>
+                <a:r>
+                  <a:rPr lang="en-US" baseline="-25000" dirty="0"/>
+                  <a:t>c2</a:t>
+                </a:r>
+              </a:p>
+              <a:p>
+                <a:r>
+                  <a:rPr lang="en-US" dirty="0"/>
+                  <a:t>Star region = c1 &gt;= c2 </a:t>
+                </a:r>
+              </a:p>
+              <a:p>
+                <a:r>
+                  <a:rPr lang="en-US" dirty="0"/>
+                  <a:t>Result = (Star region </a:t>
+                </a:r>
+                <a14:m>
+                  <m:oMath xmlns:m="http://schemas.openxmlformats.org/officeDocument/2006/math">
+                    <m:r>
+                      <a:rPr lang="en-US" i="1" smtClean="0">
+                        <a:latin typeface="Cambria Math" panose="02040503050406030204" pitchFamily="18" charset="0"/>
+                        <a:ea typeface="Cambria Math" panose="02040503050406030204" pitchFamily="18" charset="0"/>
+                      </a:rPr>
+                      <m:t>∩</m:t>
+                    </m:r>
+                  </m:oMath>
+                </a14:m>
+                <a:r>
+                  <a:rPr lang="en-US" dirty="0"/>
+                  <a:t> Green region) / Green region</a:t>
+                </a:r>
+              </a:p>
+              <a:p>
+                <a:endParaRPr lang="en-US" dirty="0"/>
+              </a:p>
+              <a:p>
+                <a:r>
+                  <a:rPr lang="en-US" dirty="0"/>
+                  <a:t>** Green region basically means table after applying assumptions</a:t>
+                </a:r>
+              </a:p>
+              <a:p>
+                <a:endParaRPr lang="en-US" sz="2600" dirty="0"/>
+              </a:p>
+            </p:txBody>
+          </p:sp>
+        </mc:Choice>
+        <mc:Fallback>
+          <p:sp>
+            <p:nvSpPr>
+              <p:cNvPr id="10" name="TextBox 9">
+                <a:extLst>
+                  <a:ext uri="{FF2B5EF4-FFF2-40B4-BE49-F238E27FC236}">
+                    <a16:creationId xmlns:a16="http://schemas.microsoft.com/office/drawing/2014/main" id="{9E901366-1E2B-03D9-D1E2-CD06E1229AD7}"/>
+                  </a:ext>
+                </a:extLst>
+              </p:cNvPr>
+              <p:cNvSpPr txBox="1">
+                <a:spLocks noRot="1" noChangeAspect="1" noMove="1" noResize="1" noEditPoints="1" noAdjustHandles="1" noChangeArrowheads="1" noChangeShapeType="1" noTextEdit="1"/>
+              </p:cNvSpPr>
+              <p:nvPr/>
+            </p:nvSpPr>
+            <p:spPr>
+              <a:xfrm>
+                <a:off x="5633711" y="4317761"/>
+                <a:ext cx="6673302" cy="1877437"/>
+              </a:xfrm>
+              <a:prstGeom prst="rect">
+                <a:avLst/>
+              </a:prstGeom>
+              <a:blipFill>
+                <a:blip r:embed="rId2"/>
+                <a:stretch>
+                  <a:fillRect l="-759" t="-1342"/>
+                </a:stretch>
+              </a:blipFill>
+            </p:spPr>
+            <p:txBody>
+              <a:bodyPr/>
+              <a:lstStyle/>
+              <a:p>
+                <a:r>
+                  <a:rPr lang="en-US">
+                    <a:noFill/>
+                  </a:rPr>
+                  <a:t> </a:t>
+                </a:r>
+              </a:p>
+            </p:txBody>
+          </p:sp>
+        </mc:Fallback>
+      </mc:AlternateContent>
     </p:spTree>
     <p:extLst>
       <p:ext uri="{BB962C8B-B14F-4D97-AF65-F5344CB8AC3E}">
@@ -11684,7 +11976,7 @@
 </file>
 
 <file path=ppt/slides/slide22.xml><?xml version="1.0" encoding="utf-8"?>
-<p:sld xmlns:a="http://schemas.openxmlformats.org/drawingml/2006/main" xmlns:r="http://schemas.openxmlformats.org/officeDocument/2006/relationships" xmlns:p="http://schemas.openxmlformats.org/presentationml/2006/main">
+<p:sld xmlns:a="http://schemas.openxmlformats.org/drawingml/2006/main" xmlns:r="http://schemas.openxmlformats.org/officeDocument/2006/relationships" xmlns:p="http://schemas.openxmlformats.org/presentationml/2006/main" show="0">
   <p:cSld>
     <p:spTree>
       <p:nvGrpSpPr>
@@ -11781,6 +12073,3557 @@
     <p:extLst>
       <p:ext uri="{BB962C8B-B14F-4D97-AF65-F5344CB8AC3E}">
         <p14:creationId xmlns:p14="http://schemas.microsoft.com/office/powerpoint/2010/main" val="1564271487"/>
+      </p:ext>
+    </p:extLst>
+  </p:cSld>
+  <p:clrMapOvr>
+    <a:masterClrMapping/>
+  </p:clrMapOvr>
+</p:sld>
+</file>
+
+<file path=ppt/slides/slide23.xml><?xml version="1.0" encoding="utf-8"?>
+<p:sld xmlns:a="http://schemas.openxmlformats.org/drawingml/2006/main" xmlns:r="http://schemas.openxmlformats.org/officeDocument/2006/relationships" xmlns:p="http://schemas.openxmlformats.org/presentationml/2006/main">
+  <p:cSld>
+    <p:spTree>
+      <p:nvGrpSpPr>
+        <p:cNvPr id="1" name=""/>
+        <p:cNvGrpSpPr/>
+        <p:nvPr/>
+      </p:nvGrpSpPr>
+      <p:grpSpPr>
+        <a:xfrm>
+          <a:off x="0" y="0"/>
+          <a:ext cx="0" cy="0"/>
+          <a:chOff x="0" y="0"/>
+          <a:chExt cx="0" cy="0"/>
+        </a:xfrm>
+      </p:grpSpPr>
+      <p:sp>
+        <p:nvSpPr>
+          <p:cNvPr id="2" name="Title 1">
+            <a:extLst>
+              <a:ext uri="{FF2B5EF4-FFF2-40B4-BE49-F238E27FC236}">
+                <a16:creationId xmlns:a16="http://schemas.microsoft.com/office/drawing/2014/main" id="{1CF1F4F0-1400-A7CC-80C6-72BE1DE9BE97}"/>
+              </a:ext>
+            </a:extLst>
+          </p:cNvPr>
+          <p:cNvSpPr>
+            <a:spLocks noGrp="1"/>
+          </p:cNvSpPr>
+          <p:nvPr>
+            <p:ph type="title"/>
+          </p:nvPr>
+        </p:nvSpPr>
+        <p:spPr>
+          <a:xfrm>
+            <a:off x="838200" y="2766218"/>
+            <a:ext cx="10515600" cy="1325563"/>
+          </a:xfrm>
+        </p:spPr>
+        <p:txBody>
+          <a:bodyPr/>
+          <a:lstStyle/>
+          <a:p>
+            <a:pPr algn="ctr"/>
+            <a:r>
+              <a:rPr lang="en-US" dirty="0"/>
+              <a:t>Entropy – No independence assumption</a:t>
+            </a:r>
+          </a:p>
+        </p:txBody>
+      </p:sp>
+    </p:spTree>
+    <p:extLst>
+      <p:ext uri="{BB962C8B-B14F-4D97-AF65-F5344CB8AC3E}">
+        <p14:creationId xmlns:p14="http://schemas.microsoft.com/office/powerpoint/2010/main" val="856757599"/>
+      </p:ext>
+    </p:extLst>
+  </p:cSld>
+  <p:clrMapOvr>
+    <a:masterClrMapping/>
+  </p:clrMapOvr>
+</p:sld>
+</file>
+
+<file path=ppt/slides/slide24.xml><?xml version="1.0" encoding="utf-8"?>
+<p:sld xmlns:a="http://schemas.openxmlformats.org/drawingml/2006/main" xmlns:r="http://schemas.openxmlformats.org/officeDocument/2006/relationships" xmlns:p="http://schemas.openxmlformats.org/presentationml/2006/main">
+  <p:cSld>
+    <p:spTree>
+      <p:nvGrpSpPr>
+        <p:cNvPr id="1" name=""/>
+        <p:cNvGrpSpPr/>
+        <p:nvPr/>
+      </p:nvGrpSpPr>
+      <p:grpSpPr>
+        <a:xfrm>
+          <a:off x="0" y="0"/>
+          <a:ext cx="0" cy="0"/>
+          <a:chOff x="0" y="0"/>
+          <a:chExt cx="0" cy="0"/>
+        </a:xfrm>
+      </p:grpSpPr>
+      <p:sp>
+        <p:nvSpPr>
+          <p:cNvPr id="2" name="Title 1">
+            <a:extLst>
+              <a:ext uri="{FF2B5EF4-FFF2-40B4-BE49-F238E27FC236}">
+                <a16:creationId xmlns:a16="http://schemas.microsoft.com/office/drawing/2014/main" id="{88ABCA84-F0B3-F083-35FC-6C2D94DF3B07}"/>
+              </a:ext>
+            </a:extLst>
+          </p:cNvPr>
+          <p:cNvSpPr>
+            <a:spLocks noGrp="1"/>
+          </p:cNvSpPr>
+          <p:nvPr>
+            <p:ph type="title"/>
+          </p:nvPr>
+        </p:nvSpPr>
+        <p:spPr>
+          <a:xfrm>
+            <a:off x="733097" y="0"/>
+            <a:ext cx="10515600" cy="1325563"/>
+          </a:xfrm>
+        </p:spPr>
+        <p:txBody>
+          <a:bodyPr/>
+          <a:lstStyle/>
+          <a:p>
+            <a:pPr algn="ctr"/>
+            <a:r>
+              <a:rPr lang="en-US" dirty="0"/>
+              <a:t>Entropy</a:t>
+            </a:r>
+          </a:p>
+        </p:txBody>
+      </p:sp>
+      <mc:AlternateContent xmlns:mc="http://schemas.openxmlformats.org/markup-compatibility/2006">
+        <mc:Choice xmlns:a14="http://schemas.microsoft.com/office/drawing/2010/main" Requires="a14">
+          <p:sp>
+            <p:nvSpPr>
+              <p:cNvPr id="3" name="Content Placeholder 2">
+                <a:extLst>
+                  <a:ext uri="{FF2B5EF4-FFF2-40B4-BE49-F238E27FC236}">
+                    <a16:creationId xmlns:a16="http://schemas.microsoft.com/office/drawing/2014/main" id="{5DF251DC-4F64-5D48-6C5F-F604B6F609CD}"/>
+                  </a:ext>
+                </a:extLst>
+              </p:cNvPr>
+              <p:cNvSpPr>
+                <a:spLocks noGrp="1"/>
+              </p:cNvSpPr>
+              <p:nvPr>
+                <p:ph idx="1"/>
+              </p:nvPr>
+            </p:nvSpPr>
+            <p:spPr>
+              <a:xfrm>
+                <a:off x="371475" y="1325562"/>
+                <a:ext cx="11315700" cy="5318125"/>
+              </a:xfrm>
+            </p:spPr>
+            <p:txBody>
+              <a:bodyPr>
+                <a:normAutofit/>
+              </a:bodyPr>
+              <a:lstStyle/>
+              <a:p>
+                <a:pPr lvl="2"/>
+                <a:endParaRPr lang="en-US" dirty="0"/>
+              </a:p>
+              <a:p>
+                <a:pPr lvl="2"/>
+                <a:endParaRPr lang="en-US" dirty="0"/>
+              </a:p>
+              <a:p>
+                <a:pPr marL="0" indent="0">
+                  <a:buNone/>
+                </a:pPr>
+                <a14:m>
+                  <m:oMath xmlns:m="http://schemas.openxmlformats.org/officeDocument/2006/math">
+                    <m:r>
+                      <a:rPr lang="en-US" i="1" dirty="0" smtClean="0">
+                        <a:latin typeface="Cambria Math" panose="02040503050406030204" pitchFamily="18" charset="0"/>
+                      </a:rPr>
+                      <m:t>𝑃</m:t>
+                    </m:r>
+                    <m:r>
+                      <a:rPr lang="en-US" i="1" baseline="-25000" dirty="0" smtClean="0">
+                        <a:latin typeface="Cambria Math" panose="02040503050406030204" pitchFamily="18" charset="0"/>
+                      </a:rPr>
+                      <m:t>𝑖</m:t>
+                    </m:r>
+                    <m:r>
+                      <a:rPr lang="en-US" i="1" dirty="0" smtClean="0">
+                        <a:latin typeface="Cambria Math" panose="02040503050406030204" pitchFamily="18" charset="0"/>
+                      </a:rPr>
+                      <m:t> = </m:t>
+                    </m:r>
+                    <m:r>
+                      <a:rPr lang="en-US" i="1" dirty="0" smtClean="0">
+                        <a:latin typeface="Cambria Math" panose="02040503050406030204" pitchFamily="18" charset="0"/>
+                      </a:rPr>
+                      <m:t>𝑝</m:t>
+                    </m:r>
+                    <m:d>
+                      <m:dPr>
+                        <m:ctrlPr>
+                          <a:rPr lang="en-US" i="1" dirty="0" smtClean="0">
+                            <a:latin typeface="Cambria Math" panose="02040503050406030204" pitchFamily="18" charset="0"/>
+                          </a:rPr>
+                        </m:ctrlPr>
+                      </m:dPr>
+                      <m:e>
+                        <m:r>
+                          <a:rPr lang="en-US" i="1" dirty="0" err="1" smtClean="0">
+                            <a:latin typeface="Cambria Math" panose="02040503050406030204" pitchFamily="18" charset="0"/>
+                          </a:rPr>
+                          <m:t>𝑐</m:t>
+                        </m:r>
+                        <m:r>
+                          <a:rPr lang="en-US" b="0" i="1" baseline="-25000" dirty="0" smtClean="0">
+                            <a:latin typeface="Cambria Math" panose="02040503050406030204" pitchFamily="18" charset="0"/>
+                          </a:rPr>
+                          <m:t>𝑖</m:t>
+                        </m:r>
+                        <m:r>
+                          <a:rPr lang="en-US" i="1" dirty="0" smtClean="0">
+                            <a:latin typeface="Cambria Math" panose="02040503050406030204" pitchFamily="18" charset="0"/>
+                          </a:rPr>
+                          <m:t>=</m:t>
+                        </m:r>
+                        <m:r>
+                          <a:rPr lang="en-US" i="1" dirty="0" smtClean="0">
+                            <a:latin typeface="Cambria Math" panose="02040503050406030204" pitchFamily="18" charset="0"/>
+                          </a:rPr>
+                          <m:t>𝑤𝑖𝑛𝑛𝑒𝑟</m:t>
+                        </m:r>
+                      </m:e>
+                    </m:d>
+                    <m:r>
+                      <a:rPr lang="en-US" i="1" dirty="0" smtClean="0">
+                        <a:latin typeface="Cambria Math" panose="02040503050406030204" pitchFamily="18" charset="0"/>
+                      </a:rPr>
+                      <m:t>= </m:t>
+                    </m:r>
+                    <m:r>
+                      <a:rPr lang="en-US" i="1" dirty="0" smtClean="0">
+                        <a:latin typeface="Cambria Math" panose="02040503050406030204" pitchFamily="18" charset="0"/>
+                      </a:rPr>
+                      <m:t>𝑃</m:t>
+                    </m:r>
+                    <m:d>
+                      <m:dPr>
+                        <m:ctrlPr>
+                          <a:rPr lang="en-US" i="1" dirty="0" smtClean="0">
+                            <a:latin typeface="Cambria Math" panose="02040503050406030204" pitchFamily="18" charset="0"/>
+                          </a:rPr>
+                        </m:ctrlPr>
+                      </m:dPr>
+                      <m:e>
+                        <m:r>
+                          <a:rPr lang="en-US" i="1" dirty="0" smtClean="0">
+                            <a:latin typeface="Cambria Math" panose="02040503050406030204" pitchFamily="18" charset="0"/>
+                          </a:rPr>
+                          <m:t>𝑐</m:t>
+                        </m:r>
+                        <m:r>
+                          <a:rPr lang="en-US" i="1" baseline="-25000" dirty="0" smtClean="0">
+                            <a:latin typeface="Cambria Math" panose="02040503050406030204" pitchFamily="18" charset="0"/>
+                          </a:rPr>
+                          <m:t>𝑖</m:t>
+                        </m:r>
+                        <m:r>
+                          <a:rPr lang="en-US" b="0" i="1" dirty="0" smtClean="0">
+                            <a:latin typeface="Cambria Math" panose="02040503050406030204" pitchFamily="18" charset="0"/>
+                          </a:rPr>
+                          <m:t>≥</m:t>
+                        </m:r>
+                        <m:r>
+                          <a:rPr lang="en-US" i="1" dirty="0" smtClean="0">
+                            <a:latin typeface="Cambria Math" panose="02040503050406030204" pitchFamily="18" charset="0"/>
+                          </a:rPr>
+                          <m:t> </m:t>
+                        </m:r>
+                        <m:r>
+                          <a:rPr lang="en-US" i="1" dirty="0" smtClean="0">
+                            <a:latin typeface="Cambria Math" panose="02040503050406030204" pitchFamily="18" charset="0"/>
+                          </a:rPr>
+                          <m:t>𝑐</m:t>
+                        </m:r>
+                        <m:r>
+                          <a:rPr lang="en-US" i="1" baseline="-25000" dirty="0" smtClean="0">
+                            <a:latin typeface="Cambria Math" panose="02040503050406030204" pitchFamily="18" charset="0"/>
+                          </a:rPr>
+                          <m:t>1</m:t>
+                        </m:r>
+                        <m:r>
+                          <a:rPr lang="en-US" i="1" dirty="0" smtClean="0">
+                            <a:latin typeface="Cambria Math" panose="02040503050406030204" pitchFamily="18" charset="0"/>
+                          </a:rPr>
+                          <m:t>, </m:t>
+                        </m:r>
+                        <m:r>
+                          <a:rPr lang="en-US" i="1" dirty="0" smtClean="0">
+                            <a:latin typeface="Cambria Math" panose="02040503050406030204" pitchFamily="18" charset="0"/>
+                          </a:rPr>
+                          <m:t>𝑐</m:t>
+                        </m:r>
+                        <m:r>
+                          <a:rPr lang="en-US" i="1" baseline="-25000" dirty="0" smtClean="0">
+                            <a:latin typeface="Cambria Math" panose="02040503050406030204" pitchFamily="18" charset="0"/>
+                          </a:rPr>
+                          <m:t>𝑖</m:t>
+                        </m:r>
+                        <m:r>
+                          <a:rPr lang="en-US" b="0" i="1" dirty="0" smtClean="0">
+                            <a:latin typeface="Cambria Math" panose="02040503050406030204" pitchFamily="18" charset="0"/>
+                          </a:rPr>
+                          <m:t>≥</m:t>
+                        </m:r>
+                        <m:r>
+                          <a:rPr lang="en-US" i="1" dirty="0" smtClean="0">
+                            <a:latin typeface="Cambria Math" panose="02040503050406030204" pitchFamily="18" charset="0"/>
+                          </a:rPr>
+                          <m:t> </m:t>
+                        </m:r>
+                        <m:r>
+                          <a:rPr lang="en-US" i="1" dirty="0" smtClean="0">
+                            <a:latin typeface="Cambria Math" panose="02040503050406030204" pitchFamily="18" charset="0"/>
+                          </a:rPr>
+                          <m:t>𝑐</m:t>
+                        </m:r>
+                        <m:r>
+                          <a:rPr lang="en-US" b="0" i="1" baseline="-25000" dirty="0" smtClean="0">
+                            <a:latin typeface="Cambria Math" panose="02040503050406030204" pitchFamily="18" charset="0"/>
+                          </a:rPr>
+                          <m:t>2</m:t>
+                        </m:r>
+                        <m:r>
+                          <a:rPr lang="en-US" i="1" dirty="0" smtClean="0">
+                            <a:latin typeface="Cambria Math" panose="02040503050406030204" pitchFamily="18" charset="0"/>
+                          </a:rPr>
+                          <m:t>, </m:t>
+                        </m:r>
+                        <m:r>
+                          <a:rPr lang="en-US" i="1" dirty="0" smtClean="0">
+                            <a:latin typeface="Cambria Math" panose="02040503050406030204" pitchFamily="18" charset="0"/>
+                          </a:rPr>
+                          <m:t>𝑐𝑖</m:t>
+                        </m:r>
+                        <m:r>
+                          <a:rPr lang="en-US" b="0" i="1" dirty="0" smtClean="0">
+                            <a:latin typeface="Cambria Math" panose="02040503050406030204" pitchFamily="18" charset="0"/>
+                          </a:rPr>
+                          <m:t>≥</m:t>
+                        </m:r>
+                        <m:r>
+                          <a:rPr lang="en-US" i="1" dirty="0" smtClean="0">
+                            <a:latin typeface="Cambria Math" panose="02040503050406030204" pitchFamily="18" charset="0"/>
+                          </a:rPr>
+                          <m:t> </m:t>
+                        </m:r>
+                        <m:r>
+                          <a:rPr lang="en-US" i="1" dirty="0" smtClean="0">
+                            <a:latin typeface="Cambria Math" panose="02040503050406030204" pitchFamily="18" charset="0"/>
+                          </a:rPr>
+                          <m:t>𝑐</m:t>
+                        </m:r>
+                        <m:r>
+                          <a:rPr lang="en-US" b="0" i="1" baseline="-25000" dirty="0" smtClean="0">
+                            <a:latin typeface="Cambria Math" panose="02040503050406030204" pitchFamily="18" charset="0"/>
+                          </a:rPr>
+                          <m:t>3</m:t>
+                        </m:r>
+                        <m:r>
+                          <a:rPr lang="en-US" i="1" dirty="0" smtClean="0">
+                            <a:latin typeface="Cambria Math" panose="02040503050406030204" pitchFamily="18" charset="0"/>
+                          </a:rPr>
+                          <m:t>, … </m:t>
+                        </m:r>
+                        <m:r>
+                          <a:rPr lang="en-US" i="1" dirty="0" smtClean="0">
+                            <a:latin typeface="Cambria Math" panose="02040503050406030204" pitchFamily="18" charset="0"/>
+                          </a:rPr>
+                          <m:t>𝑐𝑖</m:t>
+                        </m:r>
+                        <m:r>
+                          <a:rPr lang="en-US" b="0" i="1" dirty="0" smtClean="0">
+                            <a:latin typeface="Cambria Math" panose="02040503050406030204" pitchFamily="18" charset="0"/>
+                          </a:rPr>
+                          <m:t>≥</m:t>
+                        </m:r>
+                        <m:r>
+                          <a:rPr lang="en-US" i="1" dirty="0" smtClean="0">
+                            <a:latin typeface="Cambria Math" panose="02040503050406030204" pitchFamily="18" charset="0"/>
+                          </a:rPr>
+                          <m:t> </m:t>
+                        </m:r>
+                        <m:r>
+                          <a:rPr lang="en-US" i="1" dirty="0" err="1" smtClean="0">
+                            <a:latin typeface="Cambria Math" panose="02040503050406030204" pitchFamily="18" charset="0"/>
+                          </a:rPr>
+                          <m:t>𝑐</m:t>
+                        </m:r>
+                        <m:r>
+                          <a:rPr lang="en-US" i="1" baseline="-25000" dirty="0" err="1">
+                            <a:latin typeface="Cambria Math" panose="02040503050406030204" pitchFamily="18" charset="0"/>
+                          </a:rPr>
+                          <m:t>𝑛</m:t>
+                        </m:r>
+                      </m:e>
+                    </m:d>
+                    <m:r>
+                      <a:rPr lang="en-US" i="1" dirty="0" smtClean="0">
+                        <a:latin typeface="Cambria Math" panose="02040503050406030204" pitchFamily="18" charset="0"/>
+                      </a:rPr>
+                      <m:t>=</m:t>
+                    </m:r>
+                    <m:r>
+                      <a:rPr lang="en-US" b="0" i="1" dirty="0" smtClean="0">
+                        <a:latin typeface="Cambria Math" panose="02040503050406030204" pitchFamily="18" charset="0"/>
+                      </a:rPr>
+                      <m:t>𝑃</m:t>
+                    </m:r>
+                    <m:d>
+                      <m:dPr>
+                        <m:ctrlPr>
+                          <a:rPr lang="en-US" b="0" i="1" dirty="0" smtClean="0">
+                            <a:latin typeface="Cambria Math" panose="02040503050406030204" pitchFamily="18" charset="0"/>
+                          </a:rPr>
+                        </m:ctrlPr>
+                      </m:dPr>
+                      <m:e>
+                        <m:r>
+                          <a:rPr lang="en-US" b="0" i="1" dirty="0" smtClean="0">
+                            <a:latin typeface="Cambria Math" panose="02040503050406030204" pitchFamily="18" charset="0"/>
+                          </a:rPr>
+                          <m:t>𝑐</m:t>
+                        </m:r>
+                        <m:r>
+                          <a:rPr lang="en-US" b="0" i="1" baseline="-25000" dirty="0" smtClean="0">
+                            <a:latin typeface="Cambria Math" panose="02040503050406030204" pitchFamily="18" charset="0"/>
+                          </a:rPr>
+                          <m:t>𝑖</m:t>
+                        </m:r>
+                        <m:r>
+                          <a:rPr lang="en-US" b="0" i="1" dirty="0" smtClean="0">
+                            <a:latin typeface="Cambria Math" panose="02040503050406030204" pitchFamily="18" charset="0"/>
+                          </a:rPr>
+                          <m:t>&gt;</m:t>
+                        </m:r>
+                        <m:r>
+                          <a:rPr lang="en-US" b="0" i="1" dirty="0" smtClean="0">
+                            <a:latin typeface="Cambria Math" panose="02040503050406030204" pitchFamily="18" charset="0"/>
+                          </a:rPr>
+                          <m:t>𝑐</m:t>
+                        </m:r>
+                        <m:r>
+                          <a:rPr lang="en-US" b="0" i="1" baseline="-25000" dirty="0" smtClean="0">
+                            <a:latin typeface="Cambria Math" panose="02040503050406030204" pitchFamily="18" charset="0"/>
+                          </a:rPr>
+                          <m:t>1</m:t>
+                        </m:r>
+                        <m:r>
+                          <a:rPr lang="en-US" b="0" i="1" dirty="0" smtClean="0">
+                            <a:latin typeface="Cambria Math" panose="02040503050406030204" pitchFamily="18" charset="0"/>
+                          </a:rPr>
+                          <m:t> |</m:t>
+                        </m:r>
+                        <m:r>
+                          <a:rPr lang="en-US" i="1" dirty="0">
+                            <a:latin typeface="Cambria Math" panose="02040503050406030204" pitchFamily="18" charset="0"/>
+                          </a:rPr>
+                          <m:t>𝑐</m:t>
+                        </m:r>
+                        <m:r>
+                          <a:rPr lang="en-US" i="1" baseline="-25000" dirty="0">
+                            <a:latin typeface="Cambria Math" panose="02040503050406030204" pitchFamily="18" charset="0"/>
+                          </a:rPr>
+                          <m:t>𝑖</m:t>
+                        </m:r>
+                        <m:r>
+                          <a:rPr lang="en-US" i="1" dirty="0">
+                            <a:latin typeface="Cambria Math" panose="02040503050406030204" pitchFamily="18" charset="0"/>
+                          </a:rPr>
+                          <m:t>≥ </m:t>
+                        </m:r>
+                        <m:r>
+                          <a:rPr lang="en-US" i="1" dirty="0">
+                            <a:latin typeface="Cambria Math" panose="02040503050406030204" pitchFamily="18" charset="0"/>
+                          </a:rPr>
+                          <m:t>𝑐</m:t>
+                        </m:r>
+                        <m:r>
+                          <a:rPr lang="en-US" i="1" baseline="-25000" dirty="0">
+                            <a:latin typeface="Cambria Math" panose="02040503050406030204" pitchFamily="18" charset="0"/>
+                          </a:rPr>
+                          <m:t>2</m:t>
+                        </m:r>
+                        <m:r>
+                          <a:rPr lang="en-US" i="1" dirty="0">
+                            <a:latin typeface="Cambria Math" panose="02040503050406030204" pitchFamily="18" charset="0"/>
+                          </a:rPr>
+                          <m:t>, </m:t>
+                        </m:r>
+                        <m:r>
+                          <a:rPr lang="en-US" i="1" dirty="0">
+                            <a:latin typeface="Cambria Math" panose="02040503050406030204" pitchFamily="18" charset="0"/>
+                          </a:rPr>
+                          <m:t>𝑐𝑖</m:t>
+                        </m:r>
+                        <m:r>
+                          <a:rPr lang="en-US" i="1" dirty="0">
+                            <a:latin typeface="Cambria Math" panose="02040503050406030204" pitchFamily="18" charset="0"/>
+                          </a:rPr>
+                          <m:t>≥ </m:t>
+                        </m:r>
+                        <m:r>
+                          <a:rPr lang="en-US" i="1" dirty="0">
+                            <a:latin typeface="Cambria Math" panose="02040503050406030204" pitchFamily="18" charset="0"/>
+                          </a:rPr>
+                          <m:t>𝑐</m:t>
+                        </m:r>
+                        <m:r>
+                          <a:rPr lang="en-US" i="1" baseline="-25000" dirty="0">
+                            <a:latin typeface="Cambria Math" panose="02040503050406030204" pitchFamily="18" charset="0"/>
+                          </a:rPr>
+                          <m:t>3</m:t>
+                        </m:r>
+                        <m:r>
+                          <a:rPr lang="en-US" i="1" dirty="0">
+                            <a:latin typeface="Cambria Math" panose="02040503050406030204" pitchFamily="18" charset="0"/>
+                          </a:rPr>
+                          <m:t>, … </m:t>
+                        </m:r>
+                        <m:r>
+                          <a:rPr lang="en-US" i="1" dirty="0">
+                            <a:latin typeface="Cambria Math" panose="02040503050406030204" pitchFamily="18" charset="0"/>
+                          </a:rPr>
+                          <m:t>𝑐𝑖</m:t>
+                        </m:r>
+                        <m:r>
+                          <a:rPr lang="en-US" i="1" dirty="0">
+                            <a:latin typeface="Cambria Math" panose="02040503050406030204" pitchFamily="18" charset="0"/>
+                          </a:rPr>
+                          <m:t>≥ </m:t>
+                        </m:r>
+                        <m:r>
+                          <a:rPr lang="en-US" i="1" dirty="0" err="1">
+                            <a:latin typeface="Cambria Math" panose="02040503050406030204" pitchFamily="18" charset="0"/>
+                          </a:rPr>
+                          <m:t>𝑐</m:t>
+                        </m:r>
+                        <m:r>
+                          <a:rPr lang="en-US" i="1" baseline="-25000" dirty="0" err="1">
+                            <a:latin typeface="Cambria Math" panose="02040503050406030204" pitchFamily="18" charset="0"/>
+                          </a:rPr>
+                          <m:t>𝑛</m:t>
+                        </m:r>
+                      </m:e>
+                    </m:d>
+                    <m:r>
+                      <a:rPr lang="en-US" i="1" dirty="0">
+                        <a:latin typeface="Cambria Math" panose="02040503050406030204" pitchFamily="18" charset="0"/>
+                      </a:rPr>
+                      <m:t> ∗</m:t>
+                    </m:r>
+                    <m:r>
+                      <a:rPr lang="en-US" i="1" dirty="0">
+                        <a:latin typeface="Cambria Math" panose="02040503050406030204" pitchFamily="18" charset="0"/>
+                      </a:rPr>
+                      <m:t>𝑃</m:t>
+                    </m:r>
+                    <m:d>
+                      <m:dPr>
+                        <m:ctrlPr>
+                          <a:rPr lang="en-US" i="1" dirty="0">
+                            <a:latin typeface="Cambria Math" panose="02040503050406030204" pitchFamily="18" charset="0"/>
+                          </a:rPr>
+                        </m:ctrlPr>
+                      </m:dPr>
+                      <m:e>
+                        <m:r>
+                          <a:rPr lang="en-US" i="1" dirty="0">
+                            <a:latin typeface="Cambria Math" panose="02040503050406030204" pitchFamily="18" charset="0"/>
+                          </a:rPr>
+                          <m:t>𝑐</m:t>
+                        </m:r>
+                        <m:r>
+                          <a:rPr lang="en-US" i="1" baseline="-25000" dirty="0">
+                            <a:latin typeface="Cambria Math" panose="02040503050406030204" pitchFamily="18" charset="0"/>
+                          </a:rPr>
+                          <m:t>𝑖</m:t>
+                        </m:r>
+                        <m:r>
+                          <a:rPr lang="en-US" i="1" dirty="0">
+                            <a:latin typeface="Cambria Math" panose="02040503050406030204" pitchFamily="18" charset="0"/>
+                          </a:rPr>
+                          <m:t>&gt;</m:t>
+                        </m:r>
+                        <m:r>
+                          <a:rPr lang="en-US" i="1" dirty="0">
+                            <a:latin typeface="Cambria Math" panose="02040503050406030204" pitchFamily="18" charset="0"/>
+                          </a:rPr>
+                          <m:t>𝑐</m:t>
+                        </m:r>
+                        <m:r>
+                          <a:rPr lang="en-US" b="0" i="1" baseline="-25000" dirty="0" smtClean="0">
+                            <a:latin typeface="Cambria Math" panose="02040503050406030204" pitchFamily="18" charset="0"/>
+                          </a:rPr>
+                          <m:t>2</m:t>
+                        </m:r>
+                        <m:r>
+                          <a:rPr lang="en-US" i="1" dirty="0">
+                            <a:latin typeface="Cambria Math" panose="02040503050406030204" pitchFamily="18" charset="0"/>
+                          </a:rPr>
+                          <m:t> |</m:t>
+                        </m:r>
+                        <m:r>
+                          <a:rPr lang="en-US" i="1" dirty="0">
+                            <a:latin typeface="Cambria Math" panose="02040503050406030204" pitchFamily="18" charset="0"/>
+                          </a:rPr>
+                          <m:t>𝑐</m:t>
+                        </m:r>
+                        <m:r>
+                          <a:rPr lang="en-US" i="1" baseline="-25000" dirty="0">
+                            <a:latin typeface="Cambria Math" panose="02040503050406030204" pitchFamily="18" charset="0"/>
+                          </a:rPr>
+                          <m:t>𝑖</m:t>
+                        </m:r>
+                        <m:r>
+                          <a:rPr lang="en-US" i="1" dirty="0">
+                            <a:latin typeface="Cambria Math" panose="02040503050406030204" pitchFamily="18" charset="0"/>
+                          </a:rPr>
+                          <m:t>≥ </m:t>
+                        </m:r>
+                        <m:r>
+                          <a:rPr lang="en-US" i="1" dirty="0">
+                            <a:latin typeface="Cambria Math" panose="02040503050406030204" pitchFamily="18" charset="0"/>
+                          </a:rPr>
+                          <m:t>𝑐</m:t>
+                        </m:r>
+                        <m:r>
+                          <a:rPr lang="en-US" b="0" i="1" baseline="-25000" dirty="0" smtClean="0">
+                            <a:latin typeface="Cambria Math" panose="02040503050406030204" pitchFamily="18" charset="0"/>
+                          </a:rPr>
+                          <m:t>3</m:t>
+                        </m:r>
+                        <m:r>
+                          <a:rPr lang="en-US" i="1" dirty="0">
+                            <a:latin typeface="Cambria Math" panose="02040503050406030204" pitchFamily="18" charset="0"/>
+                          </a:rPr>
+                          <m:t>, </m:t>
+                        </m:r>
+                        <m:r>
+                          <a:rPr lang="en-US" i="1" dirty="0">
+                            <a:latin typeface="Cambria Math" panose="02040503050406030204" pitchFamily="18" charset="0"/>
+                          </a:rPr>
+                          <m:t>𝑐𝑖</m:t>
+                        </m:r>
+                        <m:r>
+                          <a:rPr lang="en-US" i="1" dirty="0">
+                            <a:latin typeface="Cambria Math" panose="02040503050406030204" pitchFamily="18" charset="0"/>
+                          </a:rPr>
+                          <m:t>≥ </m:t>
+                        </m:r>
+                        <m:r>
+                          <a:rPr lang="en-US" i="1" dirty="0">
+                            <a:latin typeface="Cambria Math" panose="02040503050406030204" pitchFamily="18" charset="0"/>
+                          </a:rPr>
+                          <m:t>𝑐</m:t>
+                        </m:r>
+                        <m:r>
+                          <a:rPr lang="en-US" b="0" i="1" baseline="-25000" dirty="0" smtClean="0">
+                            <a:latin typeface="Cambria Math" panose="02040503050406030204" pitchFamily="18" charset="0"/>
+                          </a:rPr>
+                          <m:t>4</m:t>
+                        </m:r>
+                        <m:r>
+                          <a:rPr lang="en-US" i="1" dirty="0">
+                            <a:latin typeface="Cambria Math" panose="02040503050406030204" pitchFamily="18" charset="0"/>
+                          </a:rPr>
+                          <m:t>, … </m:t>
+                        </m:r>
+                        <m:r>
+                          <a:rPr lang="en-US" i="1" dirty="0">
+                            <a:latin typeface="Cambria Math" panose="02040503050406030204" pitchFamily="18" charset="0"/>
+                          </a:rPr>
+                          <m:t>𝑐𝑖</m:t>
+                        </m:r>
+                        <m:r>
+                          <a:rPr lang="en-US" i="1" dirty="0">
+                            <a:latin typeface="Cambria Math" panose="02040503050406030204" pitchFamily="18" charset="0"/>
+                          </a:rPr>
+                          <m:t>≥ </m:t>
+                        </m:r>
+                        <m:r>
+                          <a:rPr lang="en-US" i="1" dirty="0" err="1">
+                            <a:latin typeface="Cambria Math" panose="02040503050406030204" pitchFamily="18" charset="0"/>
+                          </a:rPr>
+                          <m:t>𝑐</m:t>
+                        </m:r>
+                        <m:r>
+                          <a:rPr lang="en-US" i="1" baseline="-25000" dirty="0" err="1">
+                            <a:latin typeface="Cambria Math" panose="02040503050406030204" pitchFamily="18" charset="0"/>
+                          </a:rPr>
+                          <m:t>𝑛</m:t>
+                        </m:r>
+                      </m:e>
+                    </m:d>
+                  </m:oMath>
+                </a14:m>
+                <a:r>
+                  <a:rPr lang="en-US" i="1" dirty="0">
+                    <a:latin typeface="Cambria Math" panose="02040503050406030204" pitchFamily="18" charset="0"/>
+                  </a:rPr>
+                  <a:t> * … * P(c</a:t>
+                </a:r>
+                <a:r>
+                  <a:rPr lang="en-US" i="1" baseline="-25000" dirty="0">
+                    <a:latin typeface="Cambria Math" panose="02040503050406030204" pitchFamily="18" charset="0"/>
+                  </a:rPr>
+                  <a:t>i</a:t>
+                </a:r>
+                <a:r>
+                  <a:rPr lang="en-US" i="1" dirty="0">
+                    <a:latin typeface="Cambria Math" panose="02040503050406030204" pitchFamily="18" charset="0"/>
+                  </a:rPr>
+                  <a:t> &gt; </a:t>
+                </a:r>
+                <a:r>
+                  <a:rPr lang="en-US" i="1" dirty="0" err="1">
+                    <a:latin typeface="Cambria Math" panose="02040503050406030204" pitchFamily="18" charset="0"/>
+                  </a:rPr>
+                  <a:t>c</a:t>
+                </a:r>
+                <a:r>
+                  <a:rPr lang="en-US" i="1" baseline="-25000" dirty="0" err="1">
+                    <a:latin typeface="Cambria Math" panose="02040503050406030204" pitchFamily="18" charset="0"/>
+                  </a:rPr>
+                  <a:t>n</a:t>
+                </a:r>
+                <a:r>
+                  <a:rPr lang="en-US" i="1" dirty="0">
+                    <a:latin typeface="Cambria Math" panose="02040503050406030204" pitchFamily="18" charset="0"/>
+                  </a:rPr>
+                  <a:t>)</a:t>
+                </a:r>
+              </a:p>
+              <a:p>
+                <a:pPr marL="0" indent="0">
+                  <a:buNone/>
+                </a:pPr>
+                <a:endParaRPr lang="en-US" i="1" dirty="0">
+                  <a:latin typeface="Cambria Math" panose="02040503050406030204" pitchFamily="18" charset="0"/>
+                </a:endParaRPr>
+              </a:p>
+              <a:p>
+                <a:pPr marL="0" indent="0">
+                  <a:buNone/>
+                </a:pPr>
+                <a:r>
+                  <a:rPr lang="en-US" dirty="0">
+                    <a:latin typeface="Cambria Math" panose="02040503050406030204" pitchFamily="18" charset="0"/>
+                  </a:rPr>
+                  <a:t>1) How to compute P(c</a:t>
+                </a:r>
+                <a:r>
+                  <a:rPr lang="en-US" baseline="-25000" dirty="0">
+                    <a:latin typeface="Cambria Math" panose="02040503050406030204" pitchFamily="18" charset="0"/>
+                  </a:rPr>
+                  <a:t>i</a:t>
+                </a:r>
+                <a:r>
+                  <a:rPr lang="en-US" dirty="0">
+                    <a:latin typeface="Cambria Math" panose="02040503050406030204" pitchFamily="18" charset="0"/>
+                  </a:rPr>
+                  <a:t> </a:t>
+                </a:r>
+                <a14:m>
+                  <m:oMath xmlns:m="http://schemas.openxmlformats.org/officeDocument/2006/math">
+                    <m:r>
+                      <a:rPr lang="en-US" i="1" dirty="0" smtClean="0">
+                        <a:latin typeface="Cambria Math" panose="02040503050406030204" pitchFamily="18" charset="0"/>
+                        <a:ea typeface="Cambria Math" panose="02040503050406030204" pitchFamily="18" charset="0"/>
+                      </a:rPr>
+                      <m:t>≥</m:t>
+                    </m:r>
+                  </m:oMath>
+                </a14:m>
+                <a:r>
+                  <a:rPr lang="en-US" dirty="0">
+                    <a:latin typeface="Cambria Math" panose="02040503050406030204" pitchFamily="18" charset="0"/>
+                  </a:rPr>
+                  <a:t> </a:t>
+                </a:r>
+                <a:r>
+                  <a:rPr lang="en-US" dirty="0" err="1">
+                    <a:latin typeface="Cambria Math" panose="02040503050406030204" pitchFamily="18" charset="0"/>
+                  </a:rPr>
+                  <a:t>c</a:t>
+                </a:r>
+                <a:r>
+                  <a:rPr lang="en-US" baseline="-25000" dirty="0" err="1">
+                    <a:latin typeface="Cambria Math" panose="02040503050406030204" pitchFamily="18" charset="0"/>
+                  </a:rPr>
+                  <a:t>j</a:t>
+                </a:r>
+                <a:r>
+                  <a:rPr lang="en-US" baseline="-25000" dirty="0">
+                    <a:latin typeface="Cambria Math" panose="02040503050406030204" pitchFamily="18" charset="0"/>
+                  </a:rPr>
+                  <a:t> </a:t>
+                </a:r>
+                <a:r>
+                  <a:rPr lang="en-US" dirty="0">
+                    <a:latin typeface="Cambria Math" panose="02040503050406030204" pitchFamily="18" charset="0"/>
+                  </a:rPr>
+                  <a:t>| c</a:t>
+                </a:r>
+                <a:r>
+                  <a:rPr lang="en-US" baseline="-25000" dirty="0">
+                    <a:latin typeface="Cambria Math" panose="02040503050406030204" pitchFamily="18" charset="0"/>
+                  </a:rPr>
+                  <a:t>i</a:t>
+                </a:r>
+                <a:r>
+                  <a:rPr lang="en-US" dirty="0">
+                    <a:latin typeface="Cambria Math" panose="02040503050406030204" pitchFamily="18" charset="0"/>
+                  </a:rPr>
+                  <a:t> </a:t>
+                </a:r>
+                <a14:m>
+                  <m:oMath xmlns:m="http://schemas.openxmlformats.org/officeDocument/2006/math">
+                    <m:r>
+                      <a:rPr lang="en-US" i="1" dirty="0">
+                        <a:latin typeface="Cambria Math" panose="02040503050406030204" pitchFamily="18" charset="0"/>
+                        <a:ea typeface="Cambria Math" panose="02040503050406030204" pitchFamily="18" charset="0"/>
+                      </a:rPr>
+                      <m:t>≥</m:t>
+                    </m:r>
+                  </m:oMath>
+                </a14:m>
+                <a:r>
+                  <a:rPr lang="en-US" dirty="0">
+                    <a:latin typeface="Cambria Math" panose="02040503050406030204" pitchFamily="18" charset="0"/>
+                  </a:rPr>
+                  <a:t> c</a:t>
+                </a:r>
+                <a:r>
+                  <a:rPr lang="en-US" baseline="-25000" dirty="0">
+                    <a:latin typeface="Cambria Math" panose="02040503050406030204" pitchFamily="18" charset="0"/>
+                  </a:rPr>
+                  <a:t>j+1</a:t>
+                </a:r>
+                <a:r>
+                  <a:rPr lang="en-US" dirty="0">
+                    <a:latin typeface="Cambria Math" panose="02040503050406030204" pitchFamily="18" charset="0"/>
+                  </a:rPr>
+                  <a:t>, c</a:t>
+                </a:r>
+                <a:r>
+                  <a:rPr lang="en-US" baseline="-25000" dirty="0">
+                    <a:latin typeface="Cambria Math" panose="02040503050406030204" pitchFamily="18" charset="0"/>
+                  </a:rPr>
+                  <a:t>i</a:t>
+                </a:r>
+                <a:r>
+                  <a:rPr lang="en-US" dirty="0">
+                    <a:latin typeface="Cambria Math" panose="02040503050406030204" pitchFamily="18" charset="0"/>
+                  </a:rPr>
+                  <a:t> </a:t>
+                </a:r>
+                <a14:m>
+                  <m:oMath xmlns:m="http://schemas.openxmlformats.org/officeDocument/2006/math">
+                    <m:r>
+                      <a:rPr lang="en-US" i="1" dirty="0">
+                        <a:latin typeface="Cambria Math" panose="02040503050406030204" pitchFamily="18" charset="0"/>
+                        <a:ea typeface="Cambria Math" panose="02040503050406030204" pitchFamily="18" charset="0"/>
+                      </a:rPr>
+                      <m:t>≥</m:t>
+                    </m:r>
+                  </m:oMath>
+                </a14:m>
+                <a:r>
+                  <a:rPr lang="en-US" dirty="0">
+                    <a:latin typeface="Cambria Math" panose="02040503050406030204" pitchFamily="18" charset="0"/>
+                  </a:rPr>
+                  <a:t> </a:t>
+                </a:r>
+                <a:r>
+                  <a:rPr lang="en-US" dirty="0" err="1">
+                    <a:latin typeface="Cambria Math" panose="02040503050406030204" pitchFamily="18" charset="0"/>
+                  </a:rPr>
+                  <a:t>c</a:t>
+                </a:r>
+                <a:r>
+                  <a:rPr lang="en-US" baseline="-25000" dirty="0" err="1">
+                    <a:latin typeface="Cambria Math" panose="02040503050406030204" pitchFamily="18" charset="0"/>
+                  </a:rPr>
+                  <a:t>j</a:t>
+                </a:r>
+                <a:r>
+                  <a:rPr lang="en-US" baseline="-25000" dirty="0">
+                    <a:latin typeface="Cambria Math" panose="02040503050406030204" pitchFamily="18" charset="0"/>
+                  </a:rPr>
+                  <a:t> + 2</a:t>
+                </a:r>
+                <a:r>
+                  <a:rPr lang="en-US" dirty="0">
+                    <a:latin typeface="Cambria Math" panose="02040503050406030204" pitchFamily="18" charset="0"/>
+                  </a:rPr>
+                  <a:t>, … c</a:t>
+                </a:r>
+                <a:r>
+                  <a:rPr lang="en-US" baseline="-25000" dirty="0">
+                    <a:latin typeface="Cambria Math" panose="02040503050406030204" pitchFamily="18" charset="0"/>
+                  </a:rPr>
+                  <a:t>i</a:t>
+                </a:r>
+                <a:r>
+                  <a:rPr lang="en-US" dirty="0">
+                    <a:latin typeface="Cambria Math" panose="02040503050406030204" pitchFamily="18" charset="0"/>
+                  </a:rPr>
+                  <a:t> </a:t>
+                </a:r>
+                <a14:m>
+                  <m:oMath xmlns:m="http://schemas.openxmlformats.org/officeDocument/2006/math">
+                    <m:r>
+                      <a:rPr lang="en-US" i="1" dirty="0">
+                        <a:latin typeface="Cambria Math" panose="02040503050406030204" pitchFamily="18" charset="0"/>
+                        <a:ea typeface="Cambria Math" panose="02040503050406030204" pitchFamily="18" charset="0"/>
+                      </a:rPr>
+                      <m:t>≥</m:t>
+                    </m:r>
+                  </m:oMath>
+                </a14:m>
+                <a:r>
+                  <a:rPr lang="en-US" dirty="0">
+                    <a:latin typeface="Cambria Math" panose="02040503050406030204" pitchFamily="18" charset="0"/>
+                  </a:rPr>
+                  <a:t> </a:t>
+                </a:r>
+                <a:r>
+                  <a:rPr lang="en-US" dirty="0" err="1">
+                    <a:latin typeface="Cambria Math" panose="02040503050406030204" pitchFamily="18" charset="0"/>
+                  </a:rPr>
+                  <a:t>c</a:t>
+                </a:r>
+                <a:r>
+                  <a:rPr lang="en-US" baseline="-25000" dirty="0" err="1">
+                    <a:latin typeface="Cambria Math" panose="02040503050406030204" pitchFamily="18" charset="0"/>
+                  </a:rPr>
+                  <a:t>n</a:t>
+                </a:r>
+                <a:r>
+                  <a:rPr lang="en-US" dirty="0">
+                    <a:latin typeface="Cambria Math" panose="02040503050406030204" pitchFamily="18" charset="0"/>
+                  </a:rPr>
+                  <a:t>)?</a:t>
+                </a:r>
+              </a:p>
+              <a:p>
+                <a:pPr marL="0" indent="0">
+                  <a:buNone/>
+                </a:pPr>
+                <a:r>
+                  <a:rPr lang="en-US" dirty="0">
+                    <a:latin typeface="Cambria Math" panose="02040503050406030204" pitchFamily="18" charset="0"/>
+                  </a:rPr>
+                  <a:t>2) How to compute P(c</a:t>
+                </a:r>
+                <a:r>
+                  <a:rPr lang="en-US" baseline="-25000" dirty="0">
+                    <a:latin typeface="Cambria Math" panose="02040503050406030204" pitchFamily="18" charset="0"/>
+                  </a:rPr>
+                  <a:t>i</a:t>
+                </a:r>
+                <a:r>
+                  <a:rPr lang="en-US" dirty="0">
+                    <a:latin typeface="Cambria Math" panose="02040503050406030204" pitchFamily="18" charset="0"/>
+                  </a:rPr>
+                  <a:t> </a:t>
+                </a:r>
+                <a14:m>
+                  <m:oMath xmlns:m="http://schemas.openxmlformats.org/officeDocument/2006/math">
+                    <m:r>
+                      <a:rPr lang="en-US" i="1" dirty="0" smtClean="0">
+                        <a:latin typeface="Cambria Math" panose="02040503050406030204" pitchFamily="18" charset="0"/>
+                        <a:ea typeface="Cambria Math" panose="02040503050406030204" pitchFamily="18" charset="0"/>
+                      </a:rPr>
+                      <m:t>≥</m:t>
+                    </m:r>
+                  </m:oMath>
+                </a14:m>
+                <a:r>
+                  <a:rPr lang="en-US" dirty="0">
+                    <a:latin typeface="Cambria Math" panose="02040503050406030204" pitchFamily="18" charset="0"/>
+                  </a:rPr>
+                  <a:t> </a:t>
+                </a:r>
+                <a:r>
+                  <a:rPr lang="en-US" dirty="0" err="1">
+                    <a:latin typeface="Cambria Math" panose="02040503050406030204" pitchFamily="18" charset="0"/>
+                  </a:rPr>
+                  <a:t>c</a:t>
+                </a:r>
+                <a:r>
+                  <a:rPr lang="en-US" baseline="-25000" dirty="0" err="1">
+                    <a:latin typeface="Cambria Math" panose="02040503050406030204" pitchFamily="18" charset="0"/>
+                  </a:rPr>
+                  <a:t>j</a:t>
+                </a:r>
+                <a:r>
+                  <a:rPr lang="en-US" baseline="-25000" dirty="0">
+                    <a:latin typeface="Cambria Math" panose="02040503050406030204" pitchFamily="18" charset="0"/>
+                  </a:rPr>
+                  <a:t> </a:t>
+                </a:r>
+                <a:r>
+                  <a:rPr lang="en-US" dirty="0">
+                    <a:latin typeface="Cambria Math" panose="02040503050406030204" pitchFamily="18" charset="0"/>
+                  </a:rPr>
+                  <a:t>)?</a:t>
+                </a:r>
+              </a:p>
+              <a:p>
+                <a:pPr marL="0" indent="0">
+                  <a:buNone/>
+                </a:pPr>
+                <a14:m>
+                  <m:oMathPara xmlns:m="http://schemas.openxmlformats.org/officeDocument/2006/math">
+                    <m:oMathParaPr>
+                      <m:jc m:val="centerGroup"/>
+                    </m:oMathParaPr>
+                    <m:oMath xmlns:m="http://schemas.openxmlformats.org/officeDocument/2006/math">
+                      <m:r>
+                        <a:rPr lang="en-US" i="1" dirty="0" smtClean="0">
+                          <a:latin typeface="Cambria Math" panose="02040503050406030204" pitchFamily="18" charset="0"/>
+                        </a:rPr>
+                        <m:t> </m:t>
+                      </m:r>
+                      <m:r>
+                        <a:rPr lang="en-US" i="1" dirty="0" smtClean="0">
+                          <a:latin typeface="Cambria Math" panose="02040503050406030204" pitchFamily="18" charset="0"/>
+                        </a:rPr>
+                        <m:t> </m:t>
+                      </m:r>
+                    </m:oMath>
+                  </m:oMathPara>
+                </a14:m>
+                <a:endParaRPr lang="en-US" dirty="0"/>
+              </a:p>
+            </p:txBody>
+          </p:sp>
+        </mc:Choice>
+        <mc:Fallback>
+          <p:sp>
+            <p:nvSpPr>
+              <p:cNvPr id="3" name="Content Placeholder 2">
+                <a:extLst>
+                  <a:ext uri="{FF2B5EF4-FFF2-40B4-BE49-F238E27FC236}">
+                    <a16:creationId xmlns:a16="http://schemas.microsoft.com/office/drawing/2014/main" id="{5DF251DC-4F64-5D48-6C5F-F604B6F609CD}"/>
+                  </a:ext>
+                </a:extLst>
+              </p:cNvPr>
+              <p:cNvSpPr>
+                <a:spLocks noGrp="1" noRot="1" noChangeAspect="1" noMove="1" noResize="1" noEditPoints="1" noAdjustHandles="1" noChangeArrowheads="1" noChangeShapeType="1" noTextEdit="1"/>
+              </p:cNvSpPr>
+              <p:nvPr>
+                <p:ph idx="1"/>
+              </p:nvPr>
+            </p:nvSpPr>
+            <p:spPr>
+              <a:xfrm>
+                <a:off x="371475" y="1325562"/>
+                <a:ext cx="11315700" cy="5318125"/>
+              </a:xfrm>
+              <a:blipFill>
+                <a:blip r:embed="rId2"/>
+                <a:stretch>
+                  <a:fillRect l="-1682" r="-112"/>
+                </a:stretch>
+              </a:blipFill>
+            </p:spPr>
+            <p:txBody>
+              <a:bodyPr/>
+              <a:lstStyle/>
+              <a:p>
+                <a:r>
+                  <a:rPr lang="en-US">
+                    <a:noFill/>
+                  </a:rPr>
+                  <a:t> </a:t>
+                </a:r>
+              </a:p>
+            </p:txBody>
+          </p:sp>
+        </mc:Fallback>
+      </mc:AlternateContent>
+      <p:pic>
+        <p:nvPicPr>
+          <p:cNvPr id="5" name="Picture 4" descr="A math equation with symbols&#10;&#10;Description automatically generated with medium confidence">
+            <a:extLst>
+              <a:ext uri="{FF2B5EF4-FFF2-40B4-BE49-F238E27FC236}">
+                <a16:creationId xmlns:a16="http://schemas.microsoft.com/office/drawing/2014/main" id="{CF0C983C-4493-BEC5-0954-5598B6140F87}"/>
+              </a:ext>
+            </a:extLst>
+          </p:cNvPr>
+          <p:cNvPicPr>
+            <a:picLocks noChangeAspect="1"/>
+          </p:cNvPicPr>
+          <p:nvPr/>
+        </p:nvPicPr>
+        <p:blipFill>
+          <a:blip r:embed="rId3"/>
+          <a:stretch>
+            <a:fillRect/>
+          </a:stretch>
+        </p:blipFill>
+        <p:spPr>
+          <a:xfrm>
+            <a:off x="371475" y="927101"/>
+            <a:ext cx="4737100" cy="1219200"/>
+          </a:xfrm>
+          <a:prstGeom prst="rect">
+            <a:avLst/>
+          </a:prstGeom>
+        </p:spPr>
+      </p:pic>
+    </p:spTree>
+    <p:extLst>
+      <p:ext uri="{BB962C8B-B14F-4D97-AF65-F5344CB8AC3E}">
+        <p14:creationId xmlns:p14="http://schemas.microsoft.com/office/powerpoint/2010/main" val="3313022365"/>
+      </p:ext>
+    </p:extLst>
+  </p:cSld>
+  <p:clrMapOvr>
+    <a:masterClrMapping/>
+  </p:clrMapOvr>
+</p:sld>
+</file>
+
+<file path=ppt/slides/slide25.xml><?xml version="1.0" encoding="utf-8"?>
+<p:sld xmlns:a="http://schemas.openxmlformats.org/drawingml/2006/main" xmlns:r="http://schemas.openxmlformats.org/officeDocument/2006/relationships" xmlns:p="http://schemas.openxmlformats.org/presentationml/2006/main">
+  <p:cSld>
+    <p:spTree>
+      <p:nvGrpSpPr>
+        <p:cNvPr id="1" name=""/>
+        <p:cNvGrpSpPr/>
+        <p:nvPr/>
+      </p:nvGrpSpPr>
+      <p:grpSpPr>
+        <a:xfrm>
+          <a:off x="0" y="0"/>
+          <a:ext cx="0" cy="0"/>
+          <a:chOff x="0" y="0"/>
+          <a:chExt cx="0" cy="0"/>
+        </a:xfrm>
+      </p:grpSpPr>
+      <p:sp>
+        <p:nvSpPr>
+          <p:cNvPr id="2" name="Title 1">
+            <a:extLst>
+              <a:ext uri="{FF2B5EF4-FFF2-40B4-BE49-F238E27FC236}">
+                <a16:creationId xmlns:a16="http://schemas.microsoft.com/office/drawing/2014/main" id="{88ABCA84-F0B3-F083-35FC-6C2D94DF3B07}"/>
+              </a:ext>
+            </a:extLst>
+          </p:cNvPr>
+          <p:cNvSpPr>
+            <a:spLocks noGrp="1"/>
+          </p:cNvSpPr>
+          <p:nvPr>
+            <p:ph type="title"/>
+          </p:nvPr>
+        </p:nvSpPr>
+        <p:spPr>
+          <a:xfrm>
+            <a:off x="838199" y="-205582"/>
+            <a:ext cx="10515600" cy="1325563"/>
+          </a:xfrm>
+        </p:spPr>
+        <p:txBody>
+          <a:bodyPr/>
+          <a:lstStyle/>
+          <a:p>
+            <a:pPr algn="ctr"/>
+            <a:r>
+              <a:rPr lang="en-US" dirty="0"/>
+              <a:t>Entropy</a:t>
+            </a:r>
+          </a:p>
+        </p:txBody>
+      </p:sp>
+      <mc:AlternateContent xmlns:mc="http://schemas.openxmlformats.org/markup-compatibility/2006">
+        <mc:Choice xmlns:a14="http://schemas.microsoft.com/office/drawing/2010/main" Requires="a14">
+          <p:sp>
+            <p:nvSpPr>
+              <p:cNvPr id="3" name="Content Placeholder 2">
+                <a:extLst>
+                  <a:ext uri="{FF2B5EF4-FFF2-40B4-BE49-F238E27FC236}">
+                    <a16:creationId xmlns:a16="http://schemas.microsoft.com/office/drawing/2014/main" id="{5DF251DC-4F64-5D48-6C5F-F604B6F609CD}"/>
+                  </a:ext>
+                </a:extLst>
+              </p:cNvPr>
+              <p:cNvSpPr>
+                <a:spLocks noGrp="1"/>
+              </p:cNvSpPr>
+              <p:nvPr>
+                <p:ph idx="1"/>
+              </p:nvPr>
+            </p:nvSpPr>
+            <p:spPr>
+              <a:xfrm>
+                <a:off x="185738" y="882650"/>
+                <a:ext cx="12006262" cy="5318125"/>
+              </a:xfrm>
+            </p:spPr>
+            <p:txBody>
+              <a:bodyPr>
+                <a:normAutofit/>
+              </a:bodyPr>
+              <a:lstStyle/>
+              <a:p>
+                <a:pPr marL="0" indent="0">
+                  <a:buNone/>
+                </a:pPr>
+                <a:endParaRPr lang="en-US" i="1" dirty="0">
+                  <a:latin typeface="Cambria Math" panose="02040503050406030204" pitchFamily="18" charset="0"/>
+                </a:endParaRPr>
+              </a:p>
+              <a:p>
+                <a:pPr marL="514350" indent="-514350">
+                  <a:buAutoNum type="arabicParenR"/>
+                </a:pPr>
+                <a:r>
+                  <a:rPr lang="en-US" dirty="0">
+                    <a:latin typeface="Cambria Math" panose="02040503050406030204" pitchFamily="18" charset="0"/>
+                  </a:rPr>
+                  <a:t>How to compute P(c</a:t>
+                </a:r>
+                <a:r>
+                  <a:rPr lang="en-US" baseline="-25000" dirty="0">
+                    <a:latin typeface="Cambria Math" panose="02040503050406030204" pitchFamily="18" charset="0"/>
+                  </a:rPr>
+                  <a:t>i</a:t>
+                </a:r>
+                <a:r>
+                  <a:rPr lang="en-US" dirty="0">
+                    <a:latin typeface="Cambria Math" panose="02040503050406030204" pitchFamily="18" charset="0"/>
+                  </a:rPr>
+                  <a:t> </a:t>
+                </a:r>
+                <a14:m>
+                  <m:oMath xmlns:m="http://schemas.openxmlformats.org/officeDocument/2006/math">
+                    <m:r>
+                      <a:rPr lang="en-US" i="1" dirty="0" smtClean="0">
+                        <a:latin typeface="Cambria Math" panose="02040503050406030204" pitchFamily="18" charset="0"/>
+                        <a:ea typeface="Cambria Math" panose="02040503050406030204" pitchFamily="18" charset="0"/>
+                      </a:rPr>
+                      <m:t>≥</m:t>
+                    </m:r>
+                  </m:oMath>
+                </a14:m>
+                <a:r>
+                  <a:rPr lang="en-US" dirty="0">
+                    <a:latin typeface="Cambria Math" panose="02040503050406030204" pitchFamily="18" charset="0"/>
+                  </a:rPr>
+                  <a:t> </a:t>
+                </a:r>
+                <a:r>
+                  <a:rPr lang="en-US" dirty="0" err="1">
+                    <a:latin typeface="Cambria Math" panose="02040503050406030204" pitchFamily="18" charset="0"/>
+                  </a:rPr>
+                  <a:t>c</a:t>
+                </a:r>
+                <a:r>
+                  <a:rPr lang="en-US" baseline="-25000" dirty="0" err="1">
+                    <a:latin typeface="Cambria Math" panose="02040503050406030204" pitchFamily="18" charset="0"/>
+                  </a:rPr>
+                  <a:t>j</a:t>
+                </a:r>
+                <a:r>
+                  <a:rPr lang="en-US" baseline="-25000" dirty="0">
+                    <a:latin typeface="Cambria Math" panose="02040503050406030204" pitchFamily="18" charset="0"/>
+                  </a:rPr>
+                  <a:t> </a:t>
+                </a:r>
+                <a:r>
+                  <a:rPr lang="en-US" dirty="0">
+                    <a:latin typeface="Cambria Math" panose="02040503050406030204" pitchFamily="18" charset="0"/>
+                  </a:rPr>
+                  <a:t>| c</a:t>
+                </a:r>
+                <a:r>
+                  <a:rPr lang="en-US" baseline="-25000" dirty="0">
+                    <a:latin typeface="Cambria Math" panose="02040503050406030204" pitchFamily="18" charset="0"/>
+                  </a:rPr>
+                  <a:t>i</a:t>
+                </a:r>
+                <a:r>
+                  <a:rPr lang="en-US" dirty="0">
+                    <a:latin typeface="Cambria Math" panose="02040503050406030204" pitchFamily="18" charset="0"/>
+                  </a:rPr>
+                  <a:t> </a:t>
+                </a:r>
+                <a14:m>
+                  <m:oMath xmlns:m="http://schemas.openxmlformats.org/officeDocument/2006/math">
+                    <m:r>
+                      <a:rPr lang="en-US" i="1" dirty="0">
+                        <a:latin typeface="Cambria Math" panose="02040503050406030204" pitchFamily="18" charset="0"/>
+                        <a:ea typeface="Cambria Math" panose="02040503050406030204" pitchFamily="18" charset="0"/>
+                      </a:rPr>
+                      <m:t>≥</m:t>
+                    </m:r>
+                  </m:oMath>
+                </a14:m>
+                <a:r>
+                  <a:rPr lang="en-US" dirty="0">
+                    <a:latin typeface="Cambria Math" panose="02040503050406030204" pitchFamily="18" charset="0"/>
+                  </a:rPr>
+                  <a:t> c</a:t>
+                </a:r>
+                <a:r>
+                  <a:rPr lang="en-US" baseline="-25000" dirty="0">
+                    <a:latin typeface="Cambria Math" panose="02040503050406030204" pitchFamily="18" charset="0"/>
+                  </a:rPr>
+                  <a:t>j+1</a:t>
+                </a:r>
+                <a:r>
+                  <a:rPr lang="en-US" dirty="0">
+                    <a:latin typeface="Cambria Math" panose="02040503050406030204" pitchFamily="18" charset="0"/>
+                  </a:rPr>
+                  <a:t>, c</a:t>
+                </a:r>
+                <a:r>
+                  <a:rPr lang="en-US" baseline="-25000" dirty="0">
+                    <a:latin typeface="Cambria Math" panose="02040503050406030204" pitchFamily="18" charset="0"/>
+                  </a:rPr>
+                  <a:t>i</a:t>
+                </a:r>
+                <a:r>
+                  <a:rPr lang="en-US" dirty="0">
+                    <a:latin typeface="Cambria Math" panose="02040503050406030204" pitchFamily="18" charset="0"/>
+                  </a:rPr>
+                  <a:t> </a:t>
+                </a:r>
+                <a14:m>
+                  <m:oMath xmlns:m="http://schemas.openxmlformats.org/officeDocument/2006/math">
+                    <m:r>
+                      <a:rPr lang="en-US" i="1" dirty="0">
+                        <a:latin typeface="Cambria Math" panose="02040503050406030204" pitchFamily="18" charset="0"/>
+                        <a:ea typeface="Cambria Math" panose="02040503050406030204" pitchFamily="18" charset="0"/>
+                      </a:rPr>
+                      <m:t>≥</m:t>
+                    </m:r>
+                  </m:oMath>
+                </a14:m>
+                <a:r>
+                  <a:rPr lang="en-US" dirty="0">
+                    <a:latin typeface="Cambria Math" panose="02040503050406030204" pitchFamily="18" charset="0"/>
+                  </a:rPr>
+                  <a:t> </a:t>
+                </a:r>
+                <a:r>
+                  <a:rPr lang="en-US" dirty="0" err="1">
+                    <a:latin typeface="Cambria Math" panose="02040503050406030204" pitchFamily="18" charset="0"/>
+                  </a:rPr>
+                  <a:t>c</a:t>
+                </a:r>
+                <a:r>
+                  <a:rPr lang="en-US" baseline="-25000" dirty="0" err="1">
+                    <a:latin typeface="Cambria Math" panose="02040503050406030204" pitchFamily="18" charset="0"/>
+                  </a:rPr>
+                  <a:t>j</a:t>
+                </a:r>
+                <a:r>
+                  <a:rPr lang="en-US" baseline="-25000" dirty="0">
+                    <a:latin typeface="Cambria Math" panose="02040503050406030204" pitchFamily="18" charset="0"/>
+                  </a:rPr>
+                  <a:t> + 2</a:t>
+                </a:r>
+                <a:r>
+                  <a:rPr lang="en-US" dirty="0">
+                    <a:latin typeface="Cambria Math" panose="02040503050406030204" pitchFamily="18" charset="0"/>
+                  </a:rPr>
+                  <a:t>, … c</a:t>
+                </a:r>
+                <a:r>
+                  <a:rPr lang="en-US" baseline="-25000" dirty="0">
+                    <a:latin typeface="Cambria Math" panose="02040503050406030204" pitchFamily="18" charset="0"/>
+                  </a:rPr>
+                  <a:t>i</a:t>
+                </a:r>
+                <a:r>
+                  <a:rPr lang="en-US" dirty="0">
+                    <a:latin typeface="Cambria Math" panose="02040503050406030204" pitchFamily="18" charset="0"/>
+                  </a:rPr>
+                  <a:t> </a:t>
+                </a:r>
+                <a14:m>
+                  <m:oMath xmlns:m="http://schemas.openxmlformats.org/officeDocument/2006/math">
+                    <m:r>
+                      <a:rPr lang="en-US" i="1" dirty="0">
+                        <a:latin typeface="Cambria Math" panose="02040503050406030204" pitchFamily="18" charset="0"/>
+                        <a:ea typeface="Cambria Math" panose="02040503050406030204" pitchFamily="18" charset="0"/>
+                      </a:rPr>
+                      <m:t>≥</m:t>
+                    </m:r>
+                  </m:oMath>
+                </a14:m>
+                <a:r>
+                  <a:rPr lang="en-US" dirty="0">
+                    <a:latin typeface="Cambria Math" panose="02040503050406030204" pitchFamily="18" charset="0"/>
+                  </a:rPr>
+                  <a:t> </a:t>
+                </a:r>
+                <a:r>
+                  <a:rPr lang="en-US" dirty="0" err="1">
+                    <a:latin typeface="Cambria Math" panose="02040503050406030204" pitchFamily="18" charset="0"/>
+                  </a:rPr>
+                  <a:t>c</a:t>
+                </a:r>
+                <a:r>
+                  <a:rPr lang="en-US" baseline="-25000" dirty="0" err="1">
+                    <a:latin typeface="Cambria Math" panose="02040503050406030204" pitchFamily="18" charset="0"/>
+                  </a:rPr>
+                  <a:t>n</a:t>
+                </a:r>
+                <a:r>
+                  <a:rPr lang="en-US" dirty="0">
+                    <a:latin typeface="Cambria Math" panose="02040503050406030204" pitchFamily="18" charset="0"/>
+                  </a:rPr>
+                  <a:t>)?</a:t>
+                </a:r>
+              </a:p>
+              <a:p>
+                <a:pPr marL="457200" lvl="1" indent="0">
+                  <a:buNone/>
+                </a:pPr>
+                <a:r>
+                  <a:rPr lang="en-US" dirty="0">
+                    <a:latin typeface="Cambria Math" panose="02040503050406030204" pitchFamily="18" charset="0"/>
+                  </a:rPr>
+                  <a:t>N*m*m table (N dimensional)</a:t>
+                </a:r>
+              </a:p>
+              <a:p>
+                <a:pPr marL="457200" lvl="1" indent="0">
+                  <a:buNone/>
+                </a:pPr>
+                <a:r>
+                  <a:rPr lang="en-US" dirty="0">
+                    <a:latin typeface="Cambria Math" panose="02040503050406030204" pitchFamily="18" charset="0"/>
+                  </a:rPr>
+                  <a:t>Green region = (LB, UB)</a:t>
+                </a:r>
+                <a:r>
+                  <a:rPr lang="en-US" baseline="-25000" dirty="0">
+                    <a:latin typeface="Cambria Math" panose="02040503050406030204" pitchFamily="18" charset="0"/>
+                  </a:rPr>
+                  <a:t>c1</a:t>
+                </a:r>
+                <a:r>
+                  <a:rPr lang="en-US" dirty="0">
+                    <a:latin typeface="Cambria Math" panose="02040503050406030204" pitchFamily="18" charset="0"/>
+                  </a:rPr>
+                  <a:t> </a:t>
+                </a:r>
+                <a14:m>
+                  <m:oMath xmlns:m="http://schemas.openxmlformats.org/officeDocument/2006/math">
+                    <m:r>
+                      <a:rPr lang="en-US" i="1" smtClean="0">
+                        <a:latin typeface="Cambria Math" panose="02040503050406030204" pitchFamily="18" charset="0"/>
+                        <a:ea typeface="Cambria Math" panose="02040503050406030204" pitchFamily="18" charset="0"/>
+                      </a:rPr>
+                      <m:t>∩</m:t>
+                    </m:r>
+                    <m:r>
+                      <a:rPr lang="en-US" b="0" i="1" smtClean="0">
+                        <a:latin typeface="Cambria Math" panose="02040503050406030204" pitchFamily="18" charset="0"/>
+                        <a:ea typeface="Cambria Math" panose="02040503050406030204" pitchFamily="18" charset="0"/>
+                      </a:rPr>
+                      <m:t> </m:t>
+                    </m:r>
+                  </m:oMath>
+                </a14:m>
+                <a:r>
+                  <a:rPr lang="en-US" dirty="0">
+                    <a:latin typeface="Cambria Math" panose="02040503050406030204" pitchFamily="18" charset="0"/>
+                  </a:rPr>
+                  <a:t>(LB, UB)</a:t>
+                </a:r>
+                <a:r>
+                  <a:rPr lang="en-US" baseline="-25000" dirty="0">
+                    <a:latin typeface="Cambria Math" panose="02040503050406030204" pitchFamily="18" charset="0"/>
+                  </a:rPr>
+                  <a:t>c2</a:t>
+                </a:r>
+                <a:r>
+                  <a:rPr lang="en-US" dirty="0">
+                    <a:latin typeface="Cambria Math" panose="02040503050406030204" pitchFamily="18" charset="0"/>
+                  </a:rPr>
+                  <a:t> </a:t>
+                </a:r>
+                <a14:m>
+                  <m:oMath xmlns:m="http://schemas.openxmlformats.org/officeDocument/2006/math">
+                    <m:r>
+                      <a:rPr lang="en-US" i="1">
+                        <a:latin typeface="Cambria Math" panose="02040503050406030204" pitchFamily="18" charset="0"/>
+                        <a:ea typeface="Cambria Math" panose="02040503050406030204" pitchFamily="18" charset="0"/>
+                      </a:rPr>
+                      <m:t>∩</m:t>
+                    </m:r>
+                    <m:r>
+                      <a:rPr lang="en-US" b="0" i="1" smtClean="0">
+                        <a:latin typeface="Cambria Math" panose="02040503050406030204" pitchFamily="18" charset="0"/>
+                        <a:ea typeface="Cambria Math" panose="02040503050406030204" pitchFamily="18" charset="0"/>
+                      </a:rPr>
+                      <m:t>…</m:t>
+                    </m:r>
+                    <m:r>
+                      <a:rPr lang="en-US" i="1">
+                        <a:latin typeface="Cambria Math" panose="02040503050406030204" pitchFamily="18" charset="0"/>
+                        <a:ea typeface="Cambria Math" panose="02040503050406030204" pitchFamily="18" charset="0"/>
+                      </a:rPr>
+                      <m:t>∩</m:t>
+                    </m:r>
+                    <m:r>
+                      <m:rPr>
+                        <m:nor/>
+                      </m:rPr>
+                      <a:rPr lang="en-US" dirty="0">
+                        <a:latin typeface="Cambria Math" panose="02040503050406030204" pitchFamily="18" charset="0"/>
+                      </a:rPr>
+                      <m:t>(</m:t>
+                    </m:r>
+                    <m:r>
+                      <m:rPr>
+                        <m:nor/>
+                      </m:rPr>
+                      <a:rPr lang="en-US" dirty="0">
+                        <a:latin typeface="Cambria Math" panose="02040503050406030204" pitchFamily="18" charset="0"/>
+                      </a:rPr>
+                      <m:t>LB</m:t>
+                    </m:r>
+                    <m:r>
+                      <m:rPr>
+                        <m:nor/>
+                      </m:rPr>
+                      <a:rPr lang="en-US" dirty="0">
+                        <a:latin typeface="Cambria Math" panose="02040503050406030204" pitchFamily="18" charset="0"/>
+                      </a:rPr>
+                      <m:t>, </m:t>
+                    </m:r>
+                    <m:r>
+                      <m:rPr>
+                        <m:nor/>
+                      </m:rPr>
+                      <a:rPr lang="en-US" dirty="0">
+                        <a:latin typeface="Cambria Math" panose="02040503050406030204" pitchFamily="18" charset="0"/>
+                      </a:rPr>
+                      <m:t>UB</m:t>
+                    </m:r>
+                    <m:r>
+                      <m:rPr>
+                        <m:nor/>
+                      </m:rPr>
+                      <a:rPr lang="en-US" dirty="0">
+                        <a:latin typeface="Cambria Math" panose="02040503050406030204" pitchFamily="18" charset="0"/>
+                      </a:rPr>
+                      <m:t>)</m:t>
+                    </m:r>
+                    <m:r>
+                      <m:rPr>
+                        <m:nor/>
+                      </m:rPr>
+                      <a:rPr lang="en-US" baseline="-25000" dirty="0">
+                        <a:latin typeface="Cambria Math" panose="02040503050406030204" pitchFamily="18" charset="0"/>
+                      </a:rPr>
+                      <m:t>c</m:t>
+                    </m:r>
+                    <m:r>
+                      <m:rPr>
+                        <m:nor/>
+                      </m:rPr>
+                      <a:rPr lang="en-US" b="0" i="0" baseline="-25000" dirty="0" smtClean="0">
+                        <a:latin typeface="Cambria Math" panose="02040503050406030204" pitchFamily="18" charset="0"/>
+                      </a:rPr>
+                      <m:t>n</m:t>
+                    </m:r>
+                  </m:oMath>
+                </a14:m>
+                <a:r>
+                  <a:rPr lang="en-US" dirty="0">
+                    <a:latin typeface="Cambria Math" panose="02040503050406030204" pitchFamily="18" charset="0"/>
+                  </a:rPr>
+                  <a:t> </a:t>
+                </a:r>
+                <a14:m>
+                  <m:oMath xmlns:m="http://schemas.openxmlformats.org/officeDocument/2006/math">
+                    <m:r>
+                      <a:rPr lang="en-US" i="1">
+                        <a:latin typeface="Cambria Math" panose="02040503050406030204" pitchFamily="18" charset="0"/>
+                        <a:ea typeface="Cambria Math" panose="02040503050406030204" pitchFamily="18" charset="0"/>
+                      </a:rPr>
+                      <m:t>∩ </m:t>
+                    </m:r>
+                  </m:oMath>
+                </a14:m>
+                <a:r>
+                  <a:rPr lang="en-US" dirty="0">
+                    <a:latin typeface="Cambria Math" panose="02040503050406030204" pitchFamily="18" charset="0"/>
+                  </a:rPr>
+                  <a:t> </a:t>
+                </a:r>
+                <a:r>
+                  <a:rPr lang="en-US" dirty="0">
+                    <a:solidFill>
+                      <a:schemeClr val="accent6">
+                        <a:lumMod val="75000"/>
+                      </a:schemeClr>
+                    </a:solidFill>
+                    <a:latin typeface="Cambria Math" panose="02040503050406030204" pitchFamily="18" charset="0"/>
+                  </a:rPr>
+                  <a:t>c</a:t>
+                </a:r>
+                <a:r>
+                  <a:rPr lang="en-US" baseline="-25000" dirty="0">
+                    <a:solidFill>
+                      <a:schemeClr val="accent6">
+                        <a:lumMod val="75000"/>
+                      </a:schemeClr>
+                    </a:solidFill>
+                    <a:latin typeface="Cambria Math" panose="02040503050406030204" pitchFamily="18" charset="0"/>
+                  </a:rPr>
+                  <a:t>i</a:t>
+                </a:r>
+                <a:r>
+                  <a:rPr lang="en-US" dirty="0">
+                    <a:solidFill>
+                      <a:schemeClr val="accent6">
+                        <a:lumMod val="75000"/>
+                      </a:schemeClr>
+                    </a:solidFill>
+                    <a:latin typeface="Cambria Math" panose="02040503050406030204" pitchFamily="18" charset="0"/>
+                  </a:rPr>
+                  <a:t> </a:t>
+                </a:r>
+                <a14:m>
+                  <m:oMath xmlns:m="http://schemas.openxmlformats.org/officeDocument/2006/math">
+                    <m:r>
+                      <a:rPr lang="en-US" i="1" dirty="0">
+                        <a:solidFill>
+                          <a:schemeClr val="accent6">
+                            <a:lumMod val="75000"/>
+                          </a:schemeClr>
+                        </a:solidFill>
+                        <a:latin typeface="Cambria Math" panose="02040503050406030204" pitchFamily="18" charset="0"/>
+                        <a:ea typeface="Cambria Math" panose="02040503050406030204" pitchFamily="18" charset="0"/>
+                      </a:rPr>
+                      <m:t>≥</m:t>
+                    </m:r>
+                  </m:oMath>
+                </a14:m>
+                <a:r>
+                  <a:rPr lang="en-US" dirty="0">
+                    <a:solidFill>
+                      <a:schemeClr val="accent6">
+                        <a:lumMod val="75000"/>
+                      </a:schemeClr>
+                    </a:solidFill>
+                    <a:latin typeface="Cambria Math" panose="02040503050406030204" pitchFamily="18" charset="0"/>
+                  </a:rPr>
+                  <a:t> c</a:t>
+                </a:r>
+                <a:r>
+                  <a:rPr lang="en-US" baseline="-25000" dirty="0">
+                    <a:solidFill>
+                      <a:schemeClr val="accent6">
+                        <a:lumMod val="75000"/>
+                      </a:schemeClr>
+                    </a:solidFill>
+                    <a:latin typeface="Cambria Math" panose="02040503050406030204" pitchFamily="18" charset="0"/>
+                  </a:rPr>
+                  <a:t>j+1</a:t>
+                </a:r>
+                <a:r>
+                  <a:rPr lang="en-US" dirty="0">
+                    <a:solidFill>
+                      <a:schemeClr val="accent6">
+                        <a:lumMod val="75000"/>
+                      </a:schemeClr>
+                    </a:solidFill>
+                    <a:latin typeface="Cambria Math" panose="02040503050406030204" pitchFamily="18" charset="0"/>
+                  </a:rPr>
+                  <a:t>, c</a:t>
+                </a:r>
+                <a:r>
+                  <a:rPr lang="en-US" baseline="-25000" dirty="0">
+                    <a:solidFill>
+                      <a:schemeClr val="accent6">
+                        <a:lumMod val="75000"/>
+                      </a:schemeClr>
+                    </a:solidFill>
+                    <a:latin typeface="Cambria Math" panose="02040503050406030204" pitchFamily="18" charset="0"/>
+                  </a:rPr>
+                  <a:t>i</a:t>
+                </a:r>
+                <a:r>
+                  <a:rPr lang="en-US" dirty="0">
+                    <a:solidFill>
+                      <a:schemeClr val="accent6">
+                        <a:lumMod val="75000"/>
+                      </a:schemeClr>
+                    </a:solidFill>
+                    <a:latin typeface="Cambria Math" panose="02040503050406030204" pitchFamily="18" charset="0"/>
+                  </a:rPr>
+                  <a:t> </a:t>
+                </a:r>
+                <a14:m>
+                  <m:oMath xmlns:m="http://schemas.openxmlformats.org/officeDocument/2006/math">
+                    <m:r>
+                      <a:rPr lang="en-US" i="1" dirty="0">
+                        <a:solidFill>
+                          <a:schemeClr val="accent6">
+                            <a:lumMod val="75000"/>
+                          </a:schemeClr>
+                        </a:solidFill>
+                        <a:latin typeface="Cambria Math" panose="02040503050406030204" pitchFamily="18" charset="0"/>
+                        <a:ea typeface="Cambria Math" panose="02040503050406030204" pitchFamily="18" charset="0"/>
+                      </a:rPr>
+                      <m:t>≥</m:t>
+                    </m:r>
+                  </m:oMath>
+                </a14:m>
+                <a:r>
+                  <a:rPr lang="en-US" dirty="0">
+                    <a:solidFill>
+                      <a:schemeClr val="accent6">
+                        <a:lumMod val="75000"/>
+                      </a:schemeClr>
+                    </a:solidFill>
+                    <a:latin typeface="Cambria Math" panose="02040503050406030204" pitchFamily="18" charset="0"/>
+                  </a:rPr>
+                  <a:t> </a:t>
+                </a:r>
+                <a:r>
+                  <a:rPr lang="en-US" dirty="0" err="1">
+                    <a:solidFill>
+                      <a:schemeClr val="accent6">
+                        <a:lumMod val="75000"/>
+                      </a:schemeClr>
+                    </a:solidFill>
+                    <a:latin typeface="Cambria Math" panose="02040503050406030204" pitchFamily="18" charset="0"/>
+                  </a:rPr>
+                  <a:t>c</a:t>
+                </a:r>
+                <a:r>
+                  <a:rPr lang="en-US" baseline="-25000" dirty="0" err="1">
+                    <a:solidFill>
+                      <a:schemeClr val="accent6">
+                        <a:lumMod val="75000"/>
+                      </a:schemeClr>
+                    </a:solidFill>
+                    <a:latin typeface="Cambria Math" panose="02040503050406030204" pitchFamily="18" charset="0"/>
+                  </a:rPr>
+                  <a:t>j</a:t>
+                </a:r>
+                <a:r>
+                  <a:rPr lang="en-US" baseline="-25000" dirty="0">
+                    <a:solidFill>
+                      <a:schemeClr val="accent6">
+                        <a:lumMod val="75000"/>
+                      </a:schemeClr>
+                    </a:solidFill>
+                    <a:latin typeface="Cambria Math" panose="02040503050406030204" pitchFamily="18" charset="0"/>
+                  </a:rPr>
+                  <a:t> + 2</a:t>
+                </a:r>
+                <a:r>
+                  <a:rPr lang="en-US" dirty="0">
+                    <a:solidFill>
+                      <a:schemeClr val="accent6">
+                        <a:lumMod val="75000"/>
+                      </a:schemeClr>
+                    </a:solidFill>
+                    <a:latin typeface="Cambria Math" panose="02040503050406030204" pitchFamily="18" charset="0"/>
+                  </a:rPr>
+                  <a:t>, … c</a:t>
+                </a:r>
+                <a:r>
+                  <a:rPr lang="en-US" baseline="-25000" dirty="0">
+                    <a:solidFill>
+                      <a:schemeClr val="accent6">
+                        <a:lumMod val="75000"/>
+                      </a:schemeClr>
+                    </a:solidFill>
+                    <a:latin typeface="Cambria Math" panose="02040503050406030204" pitchFamily="18" charset="0"/>
+                  </a:rPr>
+                  <a:t>i</a:t>
+                </a:r>
+                <a:r>
+                  <a:rPr lang="en-US" dirty="0">
+                    <a:solidFill>
+                      <a:schemeClr val="accent6">
+                        <a:lumMod val="75000"/>
+                      </a:schemeClr>
+                    </a:solidFill>
+                    <a:latin typeface="Cambria Math" panose="02040503050406030204" pitchFamily="18" charset="0"/>
+                  </a:rPr>
+                  <a:t> </a:t>
+                </a:r>
+                <a14:m>
+                  <m:oMath xmlns:m="http://schemas.openxmlformats.org/officeDocument/2006/math">
+                    <m:r>
+                      <a:rPr lang="en-US" i="1" dirty="0">
+                        <a:solidFill>
+                          <a:schemeClr val="accent6">
+                            <a:lumMod val="75000"/>
+                          </a:schemeClr>
+                        </a:solidFill>
+                        <a:latin typeface="Cambria Math" panose="02040503050406030204" pitchFamily="18" charset="0"/>
+                        <a:ea typeface="Cambria Math" panose="02040503050406030204" pitchFamily="18" charset="0"/>
+                      </a:rPr>
+                      <m:t>≥</m:t>
+                    </m:r>
+                  </m:oMath>
+                </a14:m>
+                <a:r>
+                  <a:rPr lang="en-US" dirty="0">
+                    <a:solidFill>
+                      <a:schemeClr val="accent6">
+                        <a:lumMod val="75000"/>
+                      </a:schemeClr>
+                    </a:solidFill>
+                    <a:latin typeface="Cambria Math" panose="02040503050406030204" pitchFamily="18" charset="0"/>
+                  </a:rPr>
+                  <a:t> </a:t>
+                </a:r>
+                <a:r>
+                  <a:rPr lang="en-US" dirty="0" err="1">
+                    <a:solidFill>
+                      <a:schemeClr val="accent6">
+                        <a:lumMod val="75000"/>
+                      </a:schemeClr>
+                    </a:solidFill>
+                    <a:latin typeface="Cambria Math" panose="02040503050406030204" pitchFamily="18" charset="0"/>
+                  </a:rPr>
+                  <a:t>c</a:t>
+                </a:r>
+                <a:r>
+                  <a:rPr lang="en-US" baseline="-25000" dirty="0" err="1">
+                    <a:solidFill>
+                      <a:schemeClr val="accent6">
+                        <a:lumMod val="75000"/>
+                      </a:schemeClr>
+                    </a:solidFill>
+                    <a:latin typeface="Cambria Math" panose="02040503050406030204" pitchFamily="18" charset="0"/>
+                  </a:rPr>
+                  <a:t>n</a:t>
+                </a:r>
+                <a:endParaRPr lang="en-US" baseline="-25000" dirty="0">
+                  <a:solidFill>
+                    <a:schemeClr val="accent6">
+                      <a:lumMod val="75000"/>
+                    </a:schemeClr>
+                  </a:solidFill>
+                  <a:latin typeface="Cambria Math" panose="02040503050406030204" pitchFamily="18" charset="0"/>
+                </a:endParaRPr>
+              </a:p>
+              <a:p>
+                <a:pPr marL="457200" lvl="1" indent="0">
+                  <a:buNone/>
+                </a:pPr>
+                <a:r>
+                  <a:rPr lang="en-US" sz="2200" dirty="0">
+                    <a:latin typeface="Cambria Math" panose="02040503050406030204" pitchFamily="18" charset="0"/>
+                    <a:ea typeface="Cambria Math" panose="02040503050406030204" pitchFamily="18" charset="0"/>
+                  </a:rPr>
+                  <a:t>Star region = c</a:t>
+                </a:r>
+                <a:r>
+                  <a:rPr lang="en-US" sz="2200" baseline="-25000" dirty="0">
+                    <a:latin typeface="Cambria Math" panose="02040503050406030204" pitchFamily="18" charset="0"/>
+                    <a:ea typeface="Cambria Math" panose="02040503050406030204" pitchFamily="18" charset="0"/>
+                  </a:rPr>
+                  <a:t>i</a:t>
+                </a:r>
+                <a:r>
+                  <a:rPr lang="en-US" sz="2200" dirty="0">
+                    <a:latin typeface="Cambria Math" panose="02040503050406030204" pitchFamily="18" charset="0"/>
+                    <a:ea typeface="Cambria Math" panose="02040503050406030204" pitchFamily="18" charset="0"/>
+                  </a:rPr>
+                  <a:t> </a:t>
+                </a:r>
+                <a14:m>
+                  <m:oMath xmlns:m="http://schemas.openxmlformats.org/officeDocument/2006/math">
+                    <m:r>
+                      <a:rPr lang="en-US" sz="2200" i="1" dirty="0" smtClean="0">
+                        <a:latin typeface="Cambria Math" panose="02040503050406030204" pitchFamily="18" charset="0"/>
+                        <a:ea typeface="Cambria Math" panose="02040503050406030204" pitchFamily="18" charset="0"/>
+                      </a:rPr>
+                      <m:t>≥</m:t>
+                    </m:r>
+                  </m:oMath>
+                </a14:m>
+                <a:r>
+                  <a:rPr lang="en-US" sz="2200" dirty="0">
+                    <a:latin typeface="Cambria Math" panose="02040503050406030204" pitchFamily="18" charset="0"/>
+                    <a:ea typeface="Cambria Math" panose="02040503050406030204" pitchFamily="18" charset="0"/>
+                  </a:rPr>
+                  <a:t> </a:t>
+                </a:r>
+                <a:r>
+                  <a:rPr lang="en-US" sz="2200" dirty="0" err="1">
+                    <a:latin typeface="Cambria Math" panose="02040503050406030204" pitchFamily="18" charset="0"/>
+                    <a:ea typeface="Cambria Math" panose="02040503050406030204" pitchFamily="18" charset="0"/>
+                  </a:rPr>
+                  <a:t>c</a:t>
+                </a:r>
+                <a:r>
+                  <a:rPr lang="en-US" sz="2200" baseline="-25000" dirty="0" err="1">
+                    <a:latin typeface="Cambria Math" panose="02040503050406030204" pitchFamily="18" charset="0"/>
+                    <a:ea typeface="Cambria Math" panose="02040503050406030204" pitchFamily="18" charset="0"/>
+                  </a:rPr>
+                  <a:t>j</a:t>
+                </a:r>
+                <a:endParaRPr lang="en-US" sz="2200" baseline="-25000" dirty="0">
+                  <a:latin typeface="Cambria Math" panose="02040503050406030204" pitchFamily="18" charset="0"/>
+                  <a:ea typeface="Cambria Math" panose="02040503050406030204" pitchFamily="18" charset="0"/>
+                </a:endParaRPr>
+              </a:p>
+              <a:p>
+                <a:pPr marL="457200" lvl="1" indent="0">
+                  <a:buNone/>
+                </a:pPr>
+                <a:r>
+                  <a:rPr lang="en-US" sz="2200" dirty="0">
+                    <a:latin typeface="Cambria Math" panose="02040503050406030204" pitchFamily="18" charset="0"/>
+                    <a:ea typeface="Cambria Math" panose="02040503050406030204" pitchFamily="18" charset="0"/>
+                  </a:rPr>
+                  <a:t>Result = (Star region </a:t>
+                </a:r>
+                <a14:m>
+                  <m:oMath xmlns:m="http://schemas.openxmlformats.org/officeDocument/2006/math">
+                    <m:r>
+                      <a:rPr lang="en-US" sz="2200" i="1">
+                        <a:latin typeface="Cambria Math" panose="02040503050406030204" pitchFamily="18" charset="0"/>
+                        <a:ea typeface="Cambria Math" panose="02040503050406030204" pitchFamily="18" charset="0"/>
+                      </a:rPr>
+                      <m:t>∩</m:t>
+                    </m:r>
+                  </m:oMath>
+                </a14:m>
+                <a:r>
+                  <a:rPr lang="en-US" sz="2200" dirty="0">
+                    <a:latin typeface="Cambria Math" panose="02040503050406030204" pitchFamily="18" charset="0"/>
+                    <a:ea typeface="Cambria Math" panose="02040503050406030204" pitchFamily="18" charset="0"/>
+                  </a:rPr>
+                  <a:t> Green region) / Green region</a:t>
+                </a:r>
+              </a:p>
+              <a:p>
+                <a:pPr marL="457200" lvl="1" indent="0">
+                  <a:buNone/>
+                </a:pPr>
+                <a:endParaRPr lang="en-US" sz="2200" dirty="0">
+                  <a:latin typeface="Cambria Math" panose="02040503050406030204" pitchFamily="18" charset="0"/>
+                  <a:ea typeface="Cambria Math" panose="02040503050406030204" pitchFamily="18" charset="0"/>
+                </a:endParaRPr>
+              </a:p>
+              <a:p>
+                <a:pPr marL="457200" lvl="1" indent="0">
+                  <a:buNone/>
+                </a:pPr>
+                <a:r>
+                  <a:rPr lang="en-US" sz="2200" dirty="0">
+                    <a:latin typeface="Cambria Math" panose="02040503050406030204" pitchFamily="18" charset="0"/>
+                    <a:ea typeface="Cambria Math" panose="02040503050406030204" pitchFamily="18" charset="0"/>
+                  </a:rPr>
+                  <a:t>** This table is just a simplified 2D visualization</a:t>
+                </a:r>
+                <a:endParaRPr lang="en-US" sz="2200" dirty="0"/>
+              </a:p>
+            </p:txBody>
+          </p:sp>
+        </mc:Choice>
+        <mc:Fallback>
+          <p:sp>
+            <p:nvSpPr>
+              <p:cNvPr id="3" name="Content Placeholder 2">
+                <a:extLst>
+                  <a:ext uri="{FF2B5EF4-FFF2-40B4-BE49-F238E27FC236}">
+                    <a16:creationId xmlns:a16="http://schemas.microsoft.com/office/drawing/2014/main" id="{5DF251DC-4F64-5D48-6C5F-F604B6F609CD}"/>
+                  </a:ext>
+                </a:extLst>
+              </p:cNvPr>
+              <p:cNvSpPr>
+                <a:spLocks noGrp="1" noRot="1" noChangeAspect="1" noMove="1" noResize="1" noEditPoints="1" noAdjustHandles="1" noChangeArrowheads="1" noChangeShapeType="1" noTextEdit="1"/>
+              </p:cNvSpPr>
+              <p:nvPr>
+                <p:ph idx="1"/>
+              </p:nvPr>
+            </p:nvSpPr>
+            <p:spPr>
+              <a:xfrm>
+                <a:off x="185738" y="882650"/>
+                <a:ext cx="12006262" cy="5318125"/>
+              </a:xfrm>
+              <a:blipFill>
+                <a:blip r:embed="rId2"/>
+                <a:stretch>
+                  <a:fillRect l="-739"/>
+                </a:stretch>
+              </a:blipFill>
+            </p:spPr>
+            <p:txBody>
+              <a:bodyPr/>
+              <a:lstStyle/>
+              <a:p>
+                <a:r>
+                  <a:rPr lang="en-US">
+                    <a:noFill/>
+                  </a:rPr>
+                  <a:t> </a:t>
+                </a:r>
+              </a:p>
+            </p:txBody>
+          </p:sp>
+        </mc:Fallback>
+      </mc:AlternateContent>
+      <p:graphicFrame>
+        <p:nvGraphicFramePr>
+          <p:cNvPr id="4" name="Table 3">
+            <a:extLst>
+              <a:ext uri="{FF2B5EF4-FFF2-40B4-BE49-F238E27FC236}">
+                <a16:creationId xmlns:a16="http://schemas.microsoft.com/office/drawing/2014/main" id="{1524D826-103C-D069-B991-28C549E293B6}"/>
+              </a:ext>
+            </a:extLst>
+          </p:cNvPr>
+          <p:cNvGraphicFramePr>
+            <a:graphicFrameLocks noGrp="1"/>
+          </p:cNvGraphicFramePr>
+          <p:nvPr>
+            <p:extLst>
+              <p:ext uri="{D42A27DB-BD31-4B8C-83A1-F6EECF244321}">
+                <p14:modId xmlns:p14="http://schemas.microsoft.com/office/powerpoint/2010/main" val="1184386802"/>
+              </p:ext>
+            </p:extLst>
+          </p:nvPr>
+        </p:nvGraphicFramePr>
+        <p:xfrm>
+          <a:off x="3379157" y="4721226"/>
+          <a:ext cx="5433685" cy="1854200"/>
+        </p:xfrm>
+        <a:graphic>
+          <a:graphicData uri="http://schemas.openxmlformats.org/drawingml/2006/table">
+            <a:tbl>
+              <a:tblPr firstRow="1" bandRow="1">
+                <a:tableStyleId>{5C22544A-7EE6-4342-B048-85BDC9FD1C3A}</a:tableStyleId>
+              </a:tblPr>
+              <a:tblGrid>
+                <a:gridCol w="1086737">
+                  <a:extLst>
+                    <a:ext uri="{9D8B030D-6E8A-4147-A177-3AD203B41FA5}">
+                      <a16:colId xmlns:a16="http://schemas.microsoft.com/office/drawing/2014/main" val="152265934"/>
+                    </a:ext>
+                  </a:extLst>
+                </a:gridCol>
+                <a:gridCol w="1086737">
+                  <a:extLst>
+                    <a:ext uri="{9D8B030D-6E8A-4147-A177-3AD203B41FA5}">
+                      <a16:colId xmlns:a16="http://schemas.microsoft.com/office/drawing/2014/main" val="4078968741"/>
+                    </a:ext>
+                  </a:extLst>
+                </a:gridCol>
+                <a:gridCol w="1086737">
+                  <a:extLst>
+                    <a:ext uri="{9D8B030D-6E8A-4147-A177-3AD203B41FA5}">
+                      <a16:colId xmlns:a16="http://schemas.microsoft.com/office/drawing/2014/main" val="1554198573"/>
+                    </a:ext>
+                  </a:extLst>
+                </a:gridCol>
+                <a:gridCol w="1086737">
+                  <a:extLst>
+                    <a:ext uri="{9D8B030D-6E8A-4147-A177-3AD203B41FA5}">
+                      <a16:colId xmlns:a16="http://schemas.microsoft.com/office/drawing/2014/main" val="3614642542"/>
+                    </a:ext>
+                  </a:extLst>
+                </a:gridCol>
+                <a:gridCol w="1086737">
+                  <a:extLst>
+                    <a:ext uri="{9D8B030D-6E8A-4147-A177-3AD203B41FA5}">
+                      <a16:colId xmlns:a16="http://schemas.microsoft.com/office/drawing/2014/main" val="423572014"/>
+                    </a:ext>
+                  </a:extLst>
+                </a:gridCol>
+              </a:tblGrid>
+              <a:tr h="370840">
+                <a:tc>
+                  <a:txBody>
+                    <a:bodyPr/>
+                    <a:lstStyle/>
+                    <a:p>
+                      <a:pPr algn="ctr"/>
+                      <a:endParaRPr lang="en-US" dirty="0"/>
+                    </a:p>
+                  </a:txBody>
+                  <a:tcPr/>
+                </a:tc>
+                <a:tc>
+                  <a:txBody>
+                    <a:bodyPr/>
+                    <a:lstStyle/>
+                    <a:p>
+                      <a:pPr algn="ctr"/>
+                      <a:r>
+                        <a:rPr lang="en-US" dirty="0"/>
+                        <a:t>0.5</a:t>
+                      </a:r>
+                    </a:p>
+                  </a:txBody>
+                  <a:tcPr/>
+                </a:tc>
+                <a:tc>
+                  <a:txBody>
+                    <a:bodyPr/>
+                    <a:lstStyle/>
+                    <a:p>
+                      <a:pPr algn="ctr"/>
+                      <a:r>
+                        <a:rPr lang="en-US" dirty="0"/>
+                        <a:t>1</a:t>
+                      </a:r>
+                    </a:p>
+                  </a:txBody>
+                  <a:tcPr/>
+                </a:tc>
+                <a:tc>
+                  <a:txBody>
+                    <a:bodyPr/>
+                    <a:lstStyle/>
+                    <a:p>
+                      <a:pPr algn="ctr"/>
+                      <a:r>
+                        <a:rPr lang="en-US" dirty="0"/>
+                        <a:t>1.5</a:t>
+                      </a:r>
+                    </a:p>
+                  </a:txBody>
+                  <a:tcPr/>
+                </a:tc>
+                <a:tc>
+                  <a:txBody>
+                    <a:bodyPr/>
+                    <a:lstStyle/>
+                    <a:p>
+                      <a:pPr algn="ctr"/>
+                      <a:r>
+                        <a:rPr lang="en-US" dirty="0"/>
+                        <a:t>2</a:t>
+                      </a:r>
+                    </a:p>
+                  </a:txBody>
+                  <a:tcPr/>
+                </a:tc>
+                <a:extLst>
+                  <a:ext uri="{0D108BD9-81ED-4DB2-BD59-A6C34878D82A}">
+                    <a16:rowId xmlns:a16="http://schemas.microsoft.com/office/drawing/2014/main" val="4191670207"/>
+                  </a:ext>
+                </a:extLst>
+              </a:tr>
+              <a:tr h="370840">
+                <a:tc>
+                  <a:txBody>
+                    <a:bodyPr/>
+                    <a:lstStyle/>
+                    <a:p>
+                      <a:pPr algn="ctr"/>
+                      <a:r>
+                        <a:rPr lang="en-US" dirty="0"/>
+                        <a:t>0.5</a:t>
+                      </a:r>
+                    </a:p>
+                  </a:txBody>
+                  <a:tcPr/>
+                </a:tc>
+                <a:tc>
+                  <a:txBody>
+                    <a:bodyPr/>
+                    <a:lstStyle/>
+                    <a:p>
+                      <a:pPr algn="ctr"/>
+                      <a:r>
+                        <a:rPr lang="en-US" dirty="0"/>
+                        <a:t>*</a:t>
+                      </a:r>
+                    </a:p>
+                  </a:txBody>
+                  <a:tcPr/>
+                </a:tc>
+                <a:tc>
+                  <a:txBody>
+                    <a:bodyPr/>
+                    <a:lstStyle/>
+                    <a:p>
+                      <a:pPr algn="ctr"/>
+                      <a:endParaRPr lang="en-US"/>
+                    </a:p>
+                  </a:txBody>
+                  <a:tcPr/>
+                </a:tc>
+                <a:tc>
+                  <a:txBody>
+                    <a:bodyPr/>
+                    <a:lstStyle/>
+                    <a:p>
+                      <a:pPr algn="ctr"/>
+                      <a:endParaRPr lang="en-US"/>
+                    </a:p>
+                  </a:txBody>
+                  <a:tcPr/>
+                </a:tc>
+                <a:tc>
+                  <a:txBody>
+                    <a:bodyPr/>
+                    <a:lstStyle/>
+                    <a:p>
+                      <a:pPr algn="ctr"/>
+                      <a:endParaRPr lang="en-US"/>
+                    </a:p>
+                  </a:txBody>
+                  <a:tcPr/>
+                </a:tc>
+                <a:extLst>
+                  <a:ext uri="{0D108BD9-81ED-4DB2-BD59-A6C34878D82A}">
+                    <a16:rowId xmlns:a16="http://schemas.microsoft.com/office/drawing/2014/main" val="2280411846"/>
+                  </a:ext>
+                </a:extLst>
+              </a:tr>
+              <a:tr h="370840">
+                <a:tc>
+                  <a:txBody>
+                    <a:bodyPr/>
+                    <a:lstStyle/>
+                    <a:p>
+                      <a:pPr algn="ctr"/>
+                      <a:r>
+                        <a:rPr lang="en-US" dirty="0"/>
+                        <a:t>1</a:t>
+                      </a:r>
+                    </a:p>
+                  </a:txBody>
+                  <a:tcPr/>
+                </a:tc>
+                <a:tc>
+                  <a:txBody>
+                    <a:bodyPr/>
+                    <a:lstStyle/>
+                    <a:p>
+                      <a:pPr algn="ctr"/>
+                      <a:r>
+                        <a:rPr lang="en-US" dirty="0"/>
+                        <a:t>*</a:t>
+                      </a:r>
+                    </a:p>
+                  </a:txBody>
+                  <a:tcPr>
+                    <a:solidFill>
+                      <a:schemeClr val="accent6">
+                        <a:lumMod val="40000"/>
+                        <a:lumOff val="60000"/>
+                      </a:schemeClr>
+                    </a:solidFill>
+                  </a:tcPr>
+                </a:tc>
+                <a:tc>
+                  <a:txBody>
+                    <a:bodyPr/>
+                    <a:lstStyle/>
+                    <a:p>
+                      <a:pPr algn="ctr"/>
+                      <a:r>
+                        <a:rPr lang="en-US" dirty="0"/>
+                        <a:t>*</a:t>
+                      </a:r>
+                    </a:p>
+                  </a:txBody>
+                  <a:tcPr>
+                    <a:solidFill>
+                      <a:schemeClr val="accent6">
+                        <a:lumMod val="40000"/>
+                        <a:lumOff val="60000"/>
+                      </a:schemeClr>
+                    </a:solidFill>
+                  </a:tcPr>
+                </a:tc>
+                <a:tc>
+                  <a:txBody>
+                    <a:bodyPr/>
+                    <a:lstStyle/>
+                    <a:p>
+                      <a:pPr algn="ctr"/>
+                      <a:endParaRPr lang="en-US" dirty="0"/>
+                    </a:p>
+                  </a:txBody>
+                  <a:tcPr>
+                    <a:solidFill>
+                      <a:schemeClr val="accent6">
+                        <a:lumMod val="40000"/>
+                        <a:lumOff val="60000"/>
+                      </a:schemeClr>
+                    </a:solidFill>
+                  </a:tcPr>
+                </a:tc>
+                <a:tc>
+                  <a:txBody>
+                    <a:bodyPr/>
+                    <a:lstStyle/>
+                    <a:p>
+                      <a:pPr algn="ctr"/>
+                      <a:endParaRPr lang="en-US" dirty="0"/>
+                    </a:p>
+                  </a:txBody>
+                  <a:tcPr/>
+                </a:tc>
+                <a:extLst>
+                  <a:ext uri="{0D108BD9-81ED-4DB2-BD59-A6C34878D82A}">
+                    <a16:rowId xmlns:a16="http://schemas.microsoft.com/office/drawing/2014/main" val="1530262547"/>
+                  </a:ext>
+                </a:extLst>
+              </a:tr>
+              <a:tr h="370840">
+                <a:tc>
+                  <a:txBody>
+                    <a:bodyPr/>
+                    <a:lstStyle/>
+                    <a:p>
+                      <a:pPr algn="ctr"/>
+                      <a:r>
+                        <a:rPr lang="en-US" dirty="0"/>
+                        <a:t>1.5</a:t>
+                      </a:r>
+                    </a:p>
+                  </a:txBody>
+                  <a:tcPr/>
+                </a:tc>
+                <a:tc>
+                  <a:txBody>
+                    <a:bodyPr/>
+                    <a:lstStyle/>
+                    <a:p>
+                      <a:pPr algn="ctr"/>
+                      <a:r>
+                        <a:rPr lang="en-US" dirty="0"/>
+                        <a:t>*</a:t>
+                      </a:r>
+                    </a:p>
+                  </a:txBody>
+                  <a:tcPr>
+                    <a:solidFill>
+                      <a:schemeClr val="accent6">
+                        <a:lumMod val="40000"/>
+                        <a:lumOff val="60000"/>
+                      </a:schemeClr>
+                    </a:solidFill>
+                  </a:tcPr>
+                </a:tc>
+                <a:tc>
+                  <a:txBody>
+                    <a:bodyPr/>
+                    <a:lstStyle/>
+                    <a:p>
+                      <a:pPr algn="ctr"/>
+                      <a:r>
+                        <a:rPr lang="en-US" dirty="0"/>
+                        <a:t>*</a:t>
+                      </a:r>
+                    </a:p>
+                  </a:txBody>
+                  <a:tcPr>
+                    <a:solidFill>
+                      <a:schemeClr val="accent6">
+                        <a:lumMod val="40000"/>
+                        <a:lumOff val="60000"/>
+                      </a:schemeClr>
+                    </a:solidFill>
+                  </a:tcPr>
+                </a:tc>
+                <a:tc>
+                  <a:txBody>
+                    <a:bodyPr/>
+                    <a:lstStyle/>
+                    <a:p>
+                      <a:pPr algn="ctr"/>
+                      <a:r>
+                        <a:rPr lang="en-US" dirty="0"/>
+                        <a:t>*</a:t>
+                      </a:r>
+                    </a:p>
+                  </a:txBody>
+                  <a:tcPr>
+                    <a:solidFill>
+                      <a:schemeClr val="accent6">
+                        <a:lumMod val="40000"/>
+                        <a:lumOff val="60000"/>
+                      </a:schemeClr>
+                    </a:solidFill>
+                  </a:tcPr>
+                </a:tc>
+                <a:tc>
+                  <a:txBody>
+                    <a:bodyPr/>
+                    <a:lstStyle/>
+                    <a:p>
+                      <a:pPr algn="ctr"/>
+                      <a:endParaRPr lang="en-US" dirty="0"/>
+                    </a:p>
+                  </a:txBody>
+                  <a:tcPr/>
+                </a:tc>
+                <a:extLst>
+                  <a:ext uri="{0D108BD9-81ED-4DB2-BD59-A6C34878D82A}">
+                    <a16:rowId xmlns:a16="http://schemas.microsoft.com/office/drawing/2014/main" val="1629365600"/>
+                  </a:ext>
+                </a:extLst>
+              </a:tr>
+              <a:tr h="370840">
+                <a:tc>
+                  <a:txBody>
+                    <a:bodyPr/>
+                    <a:lstStyle/>
+                    <a:p>
+                      <a:pPr algn="ctr"/>
+                      <a:r>
+                        <a:rPr lang="en-US" dirty="0"/>
+                        <a:t>2</a:t>
+                      </a:r>
+                    </a:p>
+                  </a:txBody>
+                  <a:tcPr/>
+                </a:tc>
+                <a:tc>
+                  <a:txBody>
+                    <a:bodyPr/>
+                    <a:lstStyle/>
+                    <a:p>
+                      <a:pPr algn="ctr"/>
+                      <a:r>
+                        <a:rPr lang="en-US" dirty="0"/>
+                        <a:t>*</a:t>
+                      </a:r>
+                    </a:p>
+                  </a:txBody>
+                  <a:tcPr>
+                    <a:solidFill>
+                      <a:schemeClr val="accent6">
+                        <a:lumMod val="40000"/>
+                        <a:lumOff val="60000"/>
+                      </a:schemeClr>
+                    </a:solidFill>
+                  </a:tcPr>
+                </a:tc>
+                <a:tc>
+                  <a:txBody>
+                    <a:bodyPr/>
+                    <a:lstStyle/>
+                    <a:p>
+                      <a:pPr algn="ctr"/>
+                      <a:r>
+                        <a:rPr lang="en-US" dirty="0"/>
+                        <a:t>*</a:t>
+                      </a:r>
+                    </a:p>
+                  </a:txBody>
+                  <a:tcPr>
+                    <a:solidFill>
+                      <a:schemeClr val="accent6">
+                        <a:lumMod val="40000"/>
+                        <a:lumOff val="60000"/>
+                      </a:schemeClr>
+                    </a:solidFill>
+                  </a:tcPr>
+                </a:tc>
+                <a:tc>
+                  <a:txBody>
+                    <a:bodyPr/>
+                    <a:lstStyle/>
+                    <a:p>
+                      <a:pPr algn="ctr"/>
+                      <a:r>
+                        <a:rPr lang="en-US" dirty="0"/>
+                        <a:t>*</a:t>
+                      </a:r>
+                    </a:p>
+                  </a:txBody>
+                  <a:tcPr>
+                    <a:solidFill>
+                      <a:schemeClr val="accent6">
+                        <a:lumMod val="40000"/>
+                        <a:lumOff val="60000"/>
+                      </a:schemeClr>
+                    </a:solidFill>
+                  </a:tcPr>
+                </a:tc>
+                <a:tc>
+                  <a:txBody>
+                    <a:bodyPr/>
+                    <a:lstStyle/>
+                    <a:p>
+                      <a:pPr algn="ctr"/>
+                      <a:r>
+                        <a:rPr lang="en-US" dirty="0"/>
+                        <a:t>*</a:t>
+                      </a:r>
+                    </a:p>
+                  </a:txBody>
+                  <a:tcPr/>
+                </a:tc>
+                <a:extLst>
+                  <a:ext uri="{0D108BD9-81ED-4DB2-BD59-A6C34878D82A}">
+                    <a16:rowId xmlns:a16="http://schemas.microsoft.com/office/drawing/2014/main" val="3209401911"/>
+                  </a:ext>
+                </a:extLst>
+              </a:tr>
+            </a:tbl>
+          </a:graphicData>
+        </a:graphic>
+      </p:graphicFrame>
+      <p:sp>
+        <p:nvSpPr>
+          <p:cNvPr id="6" name="TextBox 5">
+            <a:extLst>
+              <a:ext uri="{FF2B5EF4-FFF2-40B4-BE49-F238E27FC236}">
+                <a16:creationId xmlns:a16="http://schemas.microsoft.com/office/drawing/2014/main" id="{875B93E0-4F6B-6AD7-CAC7-613AB3F4019F}"/>
+              </a:ext>
+            </a:extLst>
+          </p:cNvPr>
+          <p:cNvSpPr txBox="1"/>
+          <p:nvPr/>
+        </p:nvSpPr>
+        <p:spPr>
+          <a:xfrm>
+            <a:off x="3671220" y="4351894"/>
+            <a:ext cx="468398" cy="369332"/>
+          </a:xfrm>
+          <a:prstGeom prst="rect">
+            <a:avLst/>
+          </a:prstGeom>
+          <a:noFill/>
+        </p:spPr>
+        <p:txBody>
+          <a:bodyPr wrap="none" rtlCol="0">
+            <a:spAutoFit/>
+          </a:bodyPr>
+          <a:lstStyle/>
+          <a:p>
+            <a:r>
+              <a:rPr lang="en-US" dirty="0"/>
+              <a:t>C2</a:t>
+            </a:r>
+          </a:p>
+        </p:txBody>
+      </p:sp>
+      <p:sp>
+        <p:nvSpPr>
+          <p:cNvPr id="7" name="TextBox 6">
+            <a:extLst>
+              <a:ext uri="{FF2B5EF4-FFF2-40B4-BE49-F238E27FC236}">
+                <a16:creationId xmlns:a16="http://schemas.microsoft.com/office/drawing/2014/main" id="{386AEC42-251A-A974-74FC-3DB1A405E1B3}"/>
+              </a:ext>
+            </a:extLst>
+          </p:cNvPr>
+          <p:cNvSpPr txBox="1"/>
+          <p:nvPr/>
+        </p:nvSpPr>
+        <p:spPr>
+          <a:xfrm>
+            <a:off x="2827034" y="4845073"/>
+            <a:ext cx="468398" cy="369332"/>
+          </a:xfrm>
+          <a:prstGeom prst="rect">
+            <a:avLst/>
+          </a:prstGeom>
+          <a:noFill/>
+        </p:spPr>
+        <p:txBody>
+          <a:bodyPr wrap="none" rtlCol="0">
+            <a:spAutoFit/>
+          </a:bodyPr>
+          <a:lstStyle/>
+          <a:p>
+            <a:r>
+              <a:rPr lang="en-US" dirty="0"/>
+              <a:t>C1</a:t>
+            </a:r>
+          </a:p>
+        </p:txBody>
+      </p:sp>
+    </p:spTree>
+    <p:extLst>
+      <p:ext uri="{BB962C8B-B14F-4D97-AF65-F5344CB8AC3E}">
+        <p14:creationId xmlns:p14="http://schemas.microsoft.com/office/powerpoint/2010/main" val="3649740676"/>
+      </p:ext>
+    </p:extLst>
+  </p:cSld>
+  <p:clrMapOvr>
+    <a:masterClrMapping/>
+  </p:clrMapOvr>
+</p:sld>
+</file>
+
+<file path=ppt/slides/slide26.xml><?xml version="1.0" encoding="utf-8"?>
+<p:sld xmlns:a="http://schemas.openxmlformats.org/drawingml/2006/main" xmlns:r="http://schemas.openxmlformats.org/officeDocument/2006/relationships" xmlns:p="http://schemas.openxmlformats.org/presentationml/2006/main">
+  <p:cSld>
+    <p:spTree>
+      <p:nvGrpSpPr>
+        <p:cNvPr id="1" name=""/>
+        <p:cNvGrpSpPr/>
+        <p:nvPr/>
+      </p:nvGrpSpPr>
+      <p:grpSpPr>
+        <a:xfrm>
+          <a:off x="0" y="0"/>
+          <a:ext cx="0" cy="0"/>
+          <a:chOff x="0" y="0"/>
+          <a:chExt cx="0" cy="0"/>
+        </a:xfrm>
+      </p:grpSpPr>
+      <p:sp>
+        <p:nvSpPr>
+          <p:cNvPr id="2" name="Title 1">
+            <a:extLst>
+              <a:ext uri="{FF2B5EF4-FFF2-40B4-BE49-F238E27FC236}">
+                <a16:creationId xmlns:a16="http://schemas.microsoft.com/office/drawing/2014/main" id="{88ABCA84-F0B3-F083-35FC-6C2D94DF3B07}"/>
+              </a:ext>
+            </a:extLst>
+          </p:cNvPr>
+          <p:cNvSpPr>
+            <a:spLocks noGrp="1"/>
+          </p:cNvSpPr>
+          <p:nvPr>
+            <p:ph type="title"/>
+          </p:nvPr>
+        </p:nvSpPr>
+        <p:spPr>
+          <a:xfrm>
+            <a:off x="838199" y="0"/>
+            <a:ext cx="10515600" cy="1325563"/>
+          </a:xfrm>
+        </p:spPr>
+        <p:txBody>
+          <a:bodyPr/>
+          <a:lstStyle/>
+          <a:p>
+            <a:pPr algn="ctr"/>
+            <a:r>
+              <a:rPr lang="en-US" dirty="0"/>
+              <a:t>Entropy</a:t>
+            </a:r>
+          </a:p>
+        </p:txBody>
+      </p:sp>
+      <mc:AlternateContent xmlns:mc="http://schemas.openxmlformats.org/markup-compatibility/2006">
+        <mc:Choice xmlns:a14="http://schemas.microsoft.com/office/drawing/2010/main" Requires="a14">
+          <p:sp>
+            <p:nvSpPr>
+              <p:cNvPr id="3" name="Content Placeholder 2">
+                <a:extLst>
+                  <a:ext uri="{FF2B5EF4-FFF2-40B4-BE49-F238E27FC236}">
+                    <a16:creationId xmlns:a16="http://schemas.microsoft.com/office/drawing/2014/main" id="{5DF251DC-4F64-5D48-6C5F-F604B6F609CD}"/>
+                  </a:ext>
+                </a:extLst>
+              </p:cNvPr>
+              <p:cNvSpPr>
+                <a:spLocks noGrp="1"/>
+              </p:cNvSpPr>
+              <p:nvPr>
+                <p:ph idx="1"/>
+              </p:nvPr>
+            </p:nvSpPr>
+            <p:spPr>
+              <a:xfrm>
+                <a:off x="185738" y="769937"/>
+                <a:ext cx="12006262" cy="5318125"/>
+              </a:xfrm>
+            </p:spPr>
+            <p:txBody>
+              <a:bodyPr>
+                <a:normAutofit/>
+              </a:bodyPr>
+              <a:lstStyle/>
+              <a:p>
+                <a:pPr marL="0" indent="0">
+                  <a:buNone/>
+                </a:pPr>
+                <a:endParaRPr lang="en-US" i="1" dirty="0">
+                  <a:latin typeface="Cambria Math" panose="02040503050406030204" pitchFamily="18" charset="0"/>
+                </a:endParaRPr>
+              </a:p>
+              <a:p>
+                <a:pPr marL="0" indent="0">
+                  <a:buNone/>
+                </a:pPr>
+                <a:r>
+                  <a:rPr lang="en-US" dirty="0">
+                    <a:latin typeface="Cambria Math" panose="02040503050406030204" pitchFamily="18" charset="0"/>
+                  </a:rPr>
+                  <a:t>2) How to compute P(c</a:t>
+                </a:r>
+                <a:r>
+                  <a:rPr lang="en-US" baseline="-25000" dirty="0">
+                    <a:latin typeface="Cambria Math" panose="02040503050406030204" pitchFamily="18" charset="0"/>
+                  </a:rPr>
+                  <a:t>i</a:t>
+                </a:r>
+                <a:r>
+                  <a:rPr lang="en-US" dirty="0">
+                    <a:latin typeface="Cambria Math" panose="02040503050406030204" pitchFamily="18" charset="0"/>
+                  </a:rPr>
+                  <a:t> </a:t>
+                </a:r>
+                <a14:m>
+                  <m:oMath xmlns:m="http://schemas.openxmlformats.org/officeDocument/2006/math">
+                    <m:r>
+                      <a:rPr lang="en-US" i="1" dirty="0">
+                        <a:latin typeface="Cambria Math" panose="02040503050406030204" pitchFamily="18" charset="0"/>
+                        <a:ea typeface="Cambria Math" panose="02040503050406030204" pitchFamily="18" charset="0"/>
+                      </a:rPr>
+                      <m:t>≥</m:t>
+                    </m:r>
+                  </m:oMath>
+                </a14:m>
+                <a:r>
+                  <a:rPr lang="en-US" dirty="0">
+                    <a:latin typeface="Cambria Math" panose="02040503050406030204" pitchFamily="18" charset="0"/>
+                  </a:rPr>
+                  <a:t> </a:t>
+                </a:r>
+                <a:r>
+                  <a:rPr lang="en-US" dirty="0" err="1">
+                    <a:latin typeface="Cambria Math" panose="02040503050406030204" pitchFamily="18" charset="0"/>
+                  </a:rPr>
+                  <a:t>c</a:t>
+                </a:r>
+                <a:r>
+                  <a:rPr lang="en-US" baseline="-25000" dirty="0" err="1">
+                    <a:latin typeface="Cambria Math" panose="02040503050406030204" pitchFamily="18" charset="0"/>
+                  </a:rPr>
+                  <a:t>j</a:t>
+                </a:r>
+                <a:r>
+                  <a:rPr lang="en-US" baseline="-25000" dirty="0">
+                    <a:latin typeface="Cambria Math" panose="02040503050406030204" pitchFamily="18" charset="0"/>
+                  </a:rPr>
+                  <a:t> </a:t>
+                </a:r>
+                <a:r>
+                  <a:rPr lang="en-US" dirty="0">
+                    <a:latin typeface="Cambria Math" panose="02040503050406030204" pitchFamily="18" charset="0"/>
+                  </a:rPr>
+                  <a:t>)?</a:t>
+                </a:r>
+              </a:p>
+              <a:p>
+                <a:pPr marL="457200" lvl="1" indent="0">
+                  <a:buNone/>
+                </a:pPr>
+                <a:r>
+                  <a:rPr lang="en-US" dirty="0">
+                    <a:latin typeface="Cambria Math" panose="02040503050406030204" pitchFamily="18" charset="0"/>
+                  </a:rPr>
+                  <a:t>2*m*m Dimensional table (2 Dimensional)</a:t>
+                </a:r>
+              </a:p>
+              <a:p>
+                <a:pPr marL="457200" lvl="1" indent="0">
+                  <a:buNone/>
+                </a:pPr>
+                <a:r>
+                  <a:rPr lang="en-US" dirty="0">
+                    <a:latin typeface="Cambria Math" panose="02040503050406030204" pitchFamily="18" charset="0"/>
+                  </a:rPr>
+                  <a:t>Green region = (LB, UB)</a:t>
+                </a:r>
+                <a:r>
+                  <a:rPr lang="en-US" baseline="-25000" dirty="0">
+                    <a:latin typeface="Cambria Math" panose="02040503050406030204" pitchFamily="18" charset="0"/>
+                  </a:rPr>
+                  <a:t>c1</a:t>
+                </a:r>
+                <a:r>
+                  <a:rPr lang="en-US" dirty="0">
+                    <a:latin typeface="Cambria Math" panose="02040503050406030204" pitchFamily="18" charset="0"/>
+                  </a:rPr>
+                  <a:t> </a:t>
+                </a:r>
+                <a14:m>
+                  <m:oMath xmlns:m="http://schemas.openxmlformats.org/officeDocument/2006/math">
+                    <m:r>
+                      <a:rPr lang="en-US" i="1" smtClean="0">
+                        <a:latin typeface="Cambria Math" panose="02040503050406030204" pitchFamily="18" charset="0"/>
+                        <a:ea typeface="Cambria Math" panose="02040503050406030204" pitchFamily="18" charset="0"/>
+                      </a:rPr>
+                      <m:t>∩</m:t>
+                    </m:r>
+                    <m:r>
+                      <a:rPr lang="en-US" b="0" i="1" smtClean="0">
+                        <a:latin typeface="Cambria Math" panose="02040503050406030204" pitchFamily="18" charset="0"/>
+                        <a:ea typeface="Cambria Math" panose="02040503050406030204" pitchFamily="18" charset="0"/>
+                      </a:rPr>
+                      <m:t> </m:t>
+                    </m:r>
+                  </m:oMath>
+                </a14:m>
+                <a:r>
+                  <a:rPr lang="en-US" dirty="0">
+                    <a:latin typeface="Cambria Math" panose="02040503050406030204" pitchFamily="18" charset="0"/>
+                  </a:rPr>
+                  <a:t>(LB, UB)</a:t>
+                </a:r>
+                <a:r>
+                  <a:rPr lang="en-US" baseline="-25000" dirty="0">
+                    <a:latin typeface="Cambria Math" panose="02040503050406030204" pitchFamily="18" charset="0"/>
+                  </a:rPr>
+                  <a:t>c2</a:t>
+                </a:r>
+                <a:endParaRPr lang="en-US" baseline="-25000" dirty="0">
+                  <a:solidFill>
+                    <a:schemeClr val="accent6">
+                      <a:lumMod val="75000"/>
+                    </a:schemeClr>
+                  </a:solidFill>
+                  <a:latin typeface="Cambria Math" panose="02040503050406030204" pitchFamily="18" charset="0"/>
+                </a:endParaRPr>
+              </a:p>
+              <a:p>
+                <a:pPr marL="457200" lvl="1" indent="0">
+                  <a:buNone/>
+                </a:pPr>
+                <a:r>
+                  <a:rPr lang="en-US" sz="2200" dirty="0">
+                    <a:latin typeface="Cambria Math" panose="02040503050406030204" pitchFamily="18" charset="0"/>
+                    <a:ea typeface="Cambria Math" panose="02040503050406030204" pitchFamily="18" charset="0"/>
+                  </a:rPr>
+                  <a:t>Star region = c</a:t>
+                </a:r>
+                <a:r>
+                  <a:rPr lang="en-US" sz="2200" baseline="-25000" dirty="0">
+                    <a:latin typeface="Cambria Math" panose="02040503050406030204" pitchFamily="18" charset="0"/>
+                    <a:ea typeface="Cambria Math" panose="02040503050406030204" pitchFamily="18" charset="0"/>
+                  </a:rPr>
+                  <a:t>i</a:t>
+                </a:r>
+                <a:r>
+                  <a:rPr lang="en-US" sz="2200" dirty="0">
+                    <a:latin typeface="Cambria Math" panose="02040503050406030204" pitchFamily="18" charset="0"/>
+                    <a:ea typeface="Cambria Math" panose="02040503050406030204" pitchFamily="18" charset="0"/>
+                  </a:rPr>
+                  <a:t> </a:t>
+                </a:r>
+                <a14:m>
+                  <m:oMath xmlns:m="http://schemas.openxmlformats.org/officeDocument/2006/math">
+                    <m:r>
+                      <a:rPr lang="en-US" sz="2200" i="1" dirty="0" smtClean="0">
+                        <a:latin typeface="Cambria Math" panose="02040503050406030204" pitchFamily="18" charset="0"/>
+                        <a:ea typeface="Cambria Math" panose="02040503050406030204" pitchFamily="18" charset="0"/>
+                      </a:rPr>
+                      <m:t>≥</m:t>
+                    </m:r>
+                  </m:oMath>
+                </a14:m>
+                <a:r>
+                  <a:rPr lang="en-US" sz="2200" dirty="0">
+                    <a:latin typeface="Cambria Math" panose="02040503050406030204" pitchFamily="18" charset="0"/>
+                    <a:ea typeface="Cambria Math" panose="02040503050406030204" pitchFamily="18" charset="0"/>
+                  </a:rPr>
+                  <a:t> </a:t>
+                </a:r>
+                <a:r>
+                  <a:rPr lang="en-US" sz="2200" dirty="0" err="1">
+                    <a:latin typeface="Cambria Math" panose="02040503050406030204" pitchFamily="18" charset="0"/>
+                    <a:ea typeface="Cambria Math" panose="02040503050406030204" pitchFamily="18" charset="0"/>
+                  </a:rPr>
+                  <a:t>c</a:t>
+                </a:r>
+                <a:r>
+                  <a:rPr lang="en-US" sz="2200" baseline="-25000" dirty="0" err="1">
+                    <a:latin typeface="Cambria Math" panose="02040503050406030204" pitchFamily="18" charset="0"/>
+                    <a:ea typeface="Cambria Math" panose="02040503050406030204" pitchFamily="18" charset="0"/>
+                  </a:rPr>
+                  <a:t>j</a:t>
+                </a:r>
+                <a:endParaRPr lang="en-US" sz="2200" baseline="-25000" dirty="0">
+                  <a:latin typeface="Cambria Math" panose="02040503050406030204" pitchFamily="18" charset="0"/>
+                  <a:ea typeface="Cambria Math" panose="02040503050406030204" pitchFamily="18" charset="0"/>
+                </a:endParaRPr>
+              </a:p>
+              <a:p>
+                <a:pPr marL="457200" lvl="1" indent="0">
+                  <a:buNone/>
+                </a:pPr>
+                <a:r>
+                  <a:rPr lang="en-US" sz="2200" dirty="0">
+                    <a:latin typeface="Cambria Math" panose="02040503050406030204" pitchFamily="18" charset="0"/>
+                    <a:ea typeface="Cambria Math" panose="02040503050406030204" pitchFamily="18" charset="0"/>
+                  </a:rPr>
+                  <a:t>Result = (Star region </a:t>
+                </a:r>
+                <a14:m>
+                  <m:oMath xmlns:m="http://schemas.openxmlformats.org/officeDocument/2006/math">
+                    <m:r>
+                      <a:rPr lang="en-US" sz="2200" i="1">
+                        <a:latin typeface="Cambria Math" panose="02040503050406030204" pitchFamily="18" charset="0"/>
+                        <a:ea typeface="Cambria Math" panose="02040503050406030204" pitchFamily="18" charset="0"/>
+                      </a:rPr>
+                      <m:t>∩</m:t>
+                    </m:r>
+                  </m:oMath>
+                </a14:m>
+                <a:r>
+                  <a:rPr lang="en-US" sz="2200" dirty="0">
+                    <a:latin typeface="Cambria Math" panose="02040503050406030204" pitchFamily="18" charset="0"/>
+                    <a:ea typeface="Cambria Math" panose="02040503050406030204" pitchFamily="18" charset="0"/>
+                  </a:rPr>
+                  <a:t> Green region) / Green region</a:t>
+                </a:r>
+              </a:p>
+              <a:p>
+                <a:pPr marL="457200" lvl="1" indent="0">
+                  <a:buNone/>
+                </a:pPr>
+                <a:endParaRPr lang="en-US" sz="2200" dirty="0">
+                  <a:latin typeface="Cambria Math" panose="02040503050406030204" pitchFamily="18" charset="0"/>
+                  <a:ea typeface="Cambria Math" panose="02040503050406030204" pitchFamily="18" charset="0"/>
+                </a:endParaRPr>
+              </a:p>
+              <a:p>
+                <a:pPr marL="457200" lvl="1" indent="0">
+                  <a:buNone/>
+                </a:pPr>
+                <a:r>
+                  <a:rPr lang="en-US" sz="2200" dirty="0">
+                    <a:latin typeface="Cambria Math" panose="02040503050406030204" pitchFamily="18" charset="0"/>
+                    <a:ea typeface="Cambria Math" panose="02040503050406030204" pitchFamily="18" charset="0"/>
+                  </a:rPr>
+                  <a:t>** This table is just an example 2D table</a:t>
+                </a:r>
+                <a:endParaRPr lang="en-US" sz="2200" dirty="0"/>
+              </a:p>
+            </p:txBody>
+          </p:sp>
+        </mc:Choice>
+        <mc:Fallback>
+          <p:sp>
+            <p:nvSpPr>
+              <p:cNvPr id="3" name="Content Placeholder 2">
+                <a:extLst>
+                  <a:ext uri="{FF2B5EF4-FFF2-40B4-BE49-F238E27FC236}">
+                    <a16:creationId xmlns:a16="http://schemas.microsoft.com/office/drawing/2014/main" id="{5DF251DC-4F64-5D48-6C5F-F604B6F609CD}"/>
+                  </a:ext>
+                </a:extLst>
+              </p:cNvPr>
+              <p:cNvSpPr>
+                <a:spLocks noGrp="1" noRot="1" noChangeAspect="1" noMove="1" noResize="1" noEditPoints="1" noAdjustHandles="1" noChangeArrowheads="1" noChangeShapeType="1" noTextEdit="1"/>
+              </p:cNvSpPr>
+              <p:nvPr>
+                <p:ph idx="1"/>
+              </p:nvPr>
+            </p:nvSpPr>
+            <p:spPr>
+              <a:xfrm>
+                <a:off x="185738" y="769937"/>
+                <a:ext cx="12006262" cy="5318125"/>
+              </a:xfrm>
+              <a:blipFill>
+                <a:blip r:embed="rId2"/>
+                <a:stretch>
+                  <a:fillRect l="-1056"/>
+                </a:stretch>
+              </a:blipFill>
+            </p:spPr>
+            <p:txBody>
+              <a:bodyPr/>
+              <a:lstStyle/>
+              <a:p>
+                <a:r>
+                  <a:rPr lang="en-US">
+                    <a:noFill/>
+                  </a:rPr>
+                  <a:t> </a:t>
+                </a:r>
+              </a:p>
+            </p:txBody>
+          </p:sp>
+        </mc:Fallback>
+      </mc:AlternateContent>
+      <p:graphicFrame>
+        <p:nvGraphicFramePr>
+          <p:cNvPr id="4" name="Table 3">
+            <a:extLst>
+              <a:ext uri="{FF2B5EF4-FFF2-40B4-BE49-F238E27FC236}">
+                <a16:creationId xmlns:a16="http://schemas.microsoft.com/office/drawing/2014/main" id="{1524D826-103C-D069-B991-28C549E293B6}"/>
+              </a:ext>
+            </a:extLst>
+          </p:cNvPr>
+          <p:cNvGraphicFramePr>
+            <a:graphicFrameLocks noGrp="1"/>
+          </p:cNvGraphicFramePr>
+          <p:nvPr/>
+        </p:nvGraphicFramePr>
+        <p:xfrm>
+          <a:off x="3379157" y="4721226"/>
+          <a:ext cx="5433685" cy="1854200"/>
+        </p:xfrm>
+        <a:graphic>
+          <a:graphicData uri="http://schemas.openxmlformats.org/drawingml/2006/table">
+            <a:tbl>
+              <a:tblPr firstRow="1" bandRow="1">
+                <a:tableStyleId>{5C22544A-7EE6-4342-B048-85BDC9FD1C3A}</a:tableStyleId>
+              </a:tblPr>
+              <a:tblGrid>
+                <a:gridCol w="1086737">
+                  <a:extLst>
+                    <a:ext uri="{9D8B030D-6E8A-4147-A177-3AD203B41FA5}">
+                      <a16:colId xmlns:a16="http://schemas.microsoft.com/office/drawing/2014/main" val="152265934"/>
+                    </a:ext>
+                  </a:extLst>
+                </a:gridCol>
+                <a:gridCol w="1086737">
+                  <a:extLst>
+                    <a:ext uri="{9D8B030D-6E8A-4147-A177-3AD203B41FA5}">
+                      <a16:colId xmlns:a16="http://schemas.microsoft.com/office/drawing/2014/main" val="4078968741"/>
+                    </a:ext>
+                  </a:extLst>
+                </a:gridCol>
+                <a:gridCol w="1086737">
+                  <a:extLst>
+                    <a:ext uri="{9D8B030D-6E8A-4147-A177-3AD203B41FA5}">
+                      <a16:colId xmlns:a16="http://schemas.microsoft.com/office/drawing/2014/main" val="1554198573"/>
+                    </a:ext>
+                  </a:extLst>
+                </a:gridCol>
+                <a:gridCol w="1086737">
+                  <a:extLst>
+                    <a:ext uri="{9D8B030D-6E8A-4147-A177-3AD203B41FA5}">
+                      <a16:colId xmlns:a16="http://schemas.microsoft.com/office/drawing/2014/main" val="3614642542"/>
+                    </a:ext>
+                  </a:extLst>
+                </a:gridCol>
+                <a:gridCol w="1086737">
+                  <a:extLst>
+                    <a:ext uri="{9D8B030D-6E8A-4147-A177-3AD203B41FA5}">
+                      <a16:colId xmlns:a16="http://schemas.microsoft.com/office/drawing/2014/main" val="423572014"/>
+                    </a:ext>
+                  </a:extLst>
+                </a:gridCol>
+              </a:tblGrid>
+              <a:tr h="370840">
+                <a:tc>
+                  <a:txBody>
+                    <a:bodyPr/>
+                    <a:lstStyle/>
+                    <a:p>
+                      <a:pPr algn="ctr"/>
+                      <a:endParaRPr lang="en-US" dirty="0"/>
+                    </a:p>
+                  </a:txBody>
+                  <a:tcPr/>
+                </a:tc>
+                <a:tc>
+                  <a:txBody>
+                    <a:bodyPr/>
+                    <a:lstStyle/>
+                    <a:p>
+                      <a:pPr algn="ctr"/>
+                      <a:r>
+                        <a:rPr lang="en-US" dirty="0"/>
+                        <a:t>0.5</a:t>
+                      </a:r>
+                    </a:p>
+                  </a:txBody>
+                  <a:tcPr/>
+                </a:tc>
+                <a:tc>
+                  <a:txBody>
+                    <a:bodyPr/>
+                    <a:lstStyle/>
+                    <a:p>
+                      <a:pPr algn="ctr"/>
+                      <a:r>
+                        <a:rPr lang="en-US" dirty="0"/>
+                        <a:t>1</a:t>
+                      </a:r>
+                    </a:p>
+                  </a:txBody>
+                  <a:tcPr/>
+                </a:tc>
+                <a:tc>
+                  <a:txBody>
+                    <a:bodyPr/>
+                    <a:lstStyle/>
+                    <a:p>
+                      <a:pPr algn="ctr"/>
+                      <a:r>
+                        <a:rPr lang="en-US" dirty="0"/>
+                        <a:t>1.5</a:t>
+                      </a:r>
+                    </a:p>
+                  </a:txBody>
+                  <a:tcPr/>
+                </a:tc>
+                <a:tc>
+                  <a:txBody>
+                    <a:bodyPr/>
+                    <a:lstStyle/>
+                    <a:p>
+                      <a:pPr algn="ctr"/>
+                      <a:r>
+                        <a:rPr lang="en-US" dirty="0"/>
+                        <a:t>2</a:t>
+                      </a:r>
+                    </a:p>
+                  </a:txBody>
+                  <a:tcPr/>
+                </a:tc>
+                <a:extLst>
+                  <a:ext uri="{0D108BD9-81ED-4DB2-BD59-A6C34878D82A}">
+                    <a16:rowId xmlns:a16="http://schemas.microsoft.com/office/drawing/2014/main" val="4191670207"/>
+                  </a:ext>
+                </a:extLst>
+              </a:tr>
+              <a:tr h="370840">
+                <a:tc>
+                  <a:txBody>
+                    <a:bodyPr/>
+                    <a:lstStyle/>
+                    <a:p>
+                      <a:pPr algn="ctr"/>
+                      <a:r>
+                        <a:rPr lang="en-US" dirty="0"/>
+                        <a:t>0.5</a:t>
+                      </a:r>
+                    </a:p>
+                  </a:txBody>
+                  <a:tcPr/>
+                </a:tc>
+                <a:tc>
+                  <a:txBody>
+                    <a:bodyPr/>
+                    <a:lstStyle/>
+                    <a:p>
+                      <a:pPr algn="ctr"/>
+                      <a:r>
+                        <a:rPr lang="en-US" dirty="0"/>
+                        <a:t>*</a:t>
+                      </a:r>
+                    </a:p>
+                  </a:txBody>
+                  <a:tcPr/>
+                </a:tc>
+                <a:tc>
+                  <a:txBody>
+                    <a:bodyPr/>
+                    <a:lstStyle/>
+                    <a:p>
+                      <a:pPr algn="ctr"/>
+                      <a:endParaRPr lang="en-US"/>
+                    </a:p>
+                  </a:txBody>
+                  <a:tcPr/>
+                </a:tc>
+                <a:tc>
+                  <a:txBody>
+                    <a:bodyPr/>
+                    <a:lstStyle/>
+                    <a:p>
+                      <a:pPr algn="ctr"/>
+                      <a:endParaRPr lang="en-US"/>
+                    </a:p>
+                  </a:txBody>
+                  <a:tcPr/>
+                </a:tc>
+                <a:tc>
+                  <a:txBody>
+                    <a:bodyPr/>
+                    <a:lstStyle/>
+                    <a:p>
+                      <a:pPr algn="ctr"/>
+                      <a:endParaRPr lang="en-US"/>
+                    </a:p>
+                  </a:txBody>
+                  <a:tcPr/>
+                </a:tc>
+                <a:extLst>
+                  <a:ext uri="{0D108BD9-81ED-4DB2-BD59-A6C34878D82A}">
+                    <a16:rowId xmlns:a16="http://schemas.microsoft.com/office/drawing/2014/main" val="2280411846"/>
+                  </a:ext>
+                </a:extLst>
+              </a:tr>
+              <a:tr h="370840">
+                <a:tc>
+                  <a:txBody>
+                    <a:bodyPr/>
+                    <a:lstStyle/>
+                    <a:p>
+                      <a:pPr algn="ctr"/>
+                      <a:r>
+                        <a:rPr lang="en-US" dirty="0"/>
+                        <a:t>1</a:t>
+                      </a:r>
+                    </a:p>
+                  </a:txBody>
+                  <a:tcPr/>
+                </a:tc>
+                <a:tc>
+                  <a:txBody>
+                    <a:bodyPr/>
+                    <a:lstStyle/>
+                    <a:p>
+                      <a:pPr algn="ctr"/>
+                      <a:r>
+                        <a:rPr lang="en-US" dirty="0"/>
+                        <a:t>*</a:t>
+                      </a:r>
+                    </a:p>
+                  </a:txBody>
+                  <a:tcPr>
+                    <a:solidFill>
+                      <a:schemeClr val="accent6">
+                        <a:lumMod val="40000"/>
+                        <a:lumOff val="60000"/>
+                      </a:schemeClr>
+                    </a:solidFill>
+                  </a:tcPr>
+                </a:tc>
+                <a:tc>
+                  <a:txBody>
+                    <a:bodyPr/>
+                    <a:lstStyle/>
+                    <a:p>
+                      <a:pPr algn="ctr"/>
+                      <a:r>
+                        <a:rPr lang="en-US" dirty="0"/>
+                        <a:t>*</a:t>
+                      </a:r>
+                    </a:p>
+                  </a:txBody>
+                  <a:tcPr>
+                    <a:solidFill>
+                      <a:schemeClr val="accent6">
+                        <a:lumMod val="40000"/>
+                        <a:lumOff val="60000"/>
+                      </a:schemeClr>
+                    </a:solidFill>
+                  </a:tcPr>
+                </a:tc>
+                <a:tc>
+                  <a:txBody>
+                    <a:bodyPr/>
+                    <a:lstStyle/>
+                    <a:p>
+                      <a:pPr algn="ctr"/>
+                      <a:endParaRPr lang="en-US" dirty="0"/>
+                    </a:p>
+                  </a:txBody>
+                  <a:tcPr>
+                    <a:solidFill>
+                      <a:schemeClr val="accent6">
+                        <a:lumMod val="40000"/>
+                        <a:lumOff val="60000"/>
+                      </a:schemeClr>
+                    </a:solidFill>
+                  </a:tcPr>
+                </a:tc>
+                <a:tc>
+                  <a:txBody>
+                    <a:bodyPr/>
+                    <a:lstStyle/>
+                    <a:p>
+                      <a:pPr algn="ctr"/>
+                      <a:endParaRPr lang="en-US" dirty="0"/>
+                    </a:p>
+                  </a:txBody>
+                  <a:tcPr/>
+                </a:tc>
+                <a:extLst>
+                  <a:ext uri="{0D108BD9-81ED-4DB2-BD59-A6C34878D82A}">
+                    <a16:rowId xmlns:a16="http://schemas.microsoft.com/office/drawing/2014/main" val="1530262547"/>
+                  </a:ext>
+                </a:extLst>
+              </a:tr>
+              <a:tr h="370840">
+                <a:tc>
+                  <a:txBody>
+                    <a:bodyPr/>
+                    <a:lstStyle/>
+                    <a:p>
+                      <a:pPr algn="ctr"/>
+                      <a:r>
+                        <a:rPr lang="en-US" dirty="0"/>
+                        <a:t>1.5</a:t>
+                      </a:r>
+                    </a:p>
+                  </a:txBody>
+                  <a:tcPr/>
+                </a:tc>
+                <a:tc>
+                  <a:txBody>
+                    <a:bodyPr/>
+                    <a:lstStyle/>
+                    <a:p>
+                      <a:pPr algn="ctr"/>
+                      <a:r>
+                        <a:rPr lang="en-US" dirty="0"/>
+                        <a:t>*</a:t>
+                      </a:r>
+                    </a:p>
+                  </a:txBody>
+                  <a:tcPr>
+                    <a:solidFill>
+                      <a:schemeClr val="accent6">
+                        <a:lumMod val="40000"/>
+                        <a:lumOff val="60000"/>
+                      </a:schemeClr>
+                    </a:solidFill>
+                  </a:tcPr>
+                </a:tc>
+                <a:tc>
+                  <a:txBody>
+                    <a:bodyPr/>
+                    <a:lstStyle/>
+                    <a:p>
+                      <a:pPr algn="ctr"/>
+                      <a:r>
+                        <a:rPr lang="en-US" dirty="0"/>
+                        <a:t>*</a:t>
+                      </a:r>
+                    </a:p>
+                  </a:txBody>
+                  <a:tcPr>
+                    <a:solidFill>
+                      <a:schemeClr val="accent6">
+                        <a:lumMod val="40000"/>
+                        <a:lumOff val="60000"/>
+                      </a:schemeClr>
+                    </a:solidFill>
+                  </a:tcPr>
+                </a:tc>
+                <a:tc>
+                  <a:txBody>
+                    <a:bodyPr/>
+                    <a:lstStyle/>
+                    <a:p>
+                      <a:pPr algn="ctr"/>
+                      <a:r>
+                        <a:rPr lang="en-US" dirty="0"/>
+                        <a:t>*</a:t>
+                      </a:r>
+                    </a:p>
+                  </a:txBody>
+                  <a:tcPr>
+                    <a:solidFill>
+                      <a:schemeClr val="accent6">
+                        <a:lumMod val="40000"/>
+                        <a:lumOff val="60000"/>
+                      </a:schemeClr>
+                    </a:solidFill>
+                  </a:tcPr>
+                </a:tc>
+                <a:tc>
+                  <a:txBody>
+                    <a:bodyPr/>
+                    <a:lstStyle/>
+                    <a:p>
+                      <a:pPr algn="ctr"/>
+                      <a:endParaRPr lang="en-US" dirty="0"/>
+                    </a:p>
+                  </a:txBody>
+                  <a:tcPr/>
+                </a:tc>
+                <a:extLst>
+                  <a:ext uri="{0D108BD9-81ED-4DB2-BD59-A6C34878D82A}">
+                    <a16:rowId xmlns:a16="http://schemas.microsoft.com/office/drawing/2014/main" val="1629365600"/>
+                  </a:ext>
+                </a:extLst>
+              </a:tr>
+              <a:tr h="370840">
+                <a:tc>
+                  <a:txBody>
+                    <a:bodyPr/>
+                    <a:lstStyle/>
+                    <a:p>
+                      <a:pPr algn="ctr"/>
+                      <a:r>
+                        <a:rPr lang="en-US" dirty="0"/>
+                        <a:t>2</a:t>
+                      </a:r>
+                    </a:p>
+                  </a:txBody>
+                  <a:tcPr/>
+                </a:tc>
+                <a:tc>
+                  <a:txBody>
+                    <a:bodyPr/>
+                    <a:lstStyle/>
+                    <a:p>
+                      <a:pPr algn="ctr"/>
+                      <a:r>
+                        <a:rPr lang="en-US" dirty="0"/>
+                        <a:t>*</a:t>
+                      </a:r>
+                    </a:p>
+                  </a:txBody>
+                  <a:tcPr>
+                    <a:solidFill>
+                      <a:schemeClr val="accent6">
+                        <a:lumMod val="40000"/>
+                        <a:lumOff val="60000"/>
+                      </a:schemeClr>
+                    </a:solidFill>
+                  </a:tcPr>
+                </a:tc>
+                <a:tc>
+                  <a:txBody>
+                    <a:bodyPr/>
+                    <a:lstStyle/>
+                    <a:p>
+                      <a:pPr algn="ctr"/>
+                      <a:r>
+                        <a:rPr lang="en-US" dirty="0"/>
+                        <a:t>*</a:t>
+                      </a:r>
+                    </a:p>
+                  </a:txBody>
+                  <a:tcPr>
+                    <a:solidFill>
+                      <a:schemeClr val="accent6">
+                        <a:lumMod val="40000"/>
+                        <a:lumOff val="60000"/>
+                      </a:schemeClr>
+                    </a:solidFill>
+                  </a:tcPr>
+                </a:tc>
+                <a:tc>
+                  <a:txBody>
+                    <a:bodyPr/>
+                    <a:lstStyle/>
+                    <a:p>
+                      <a:pPr algn="ctr"/>
+                      <a:r>
+                        <a:rPr lang="en-US" dirty="0"/>
+                        <a:t>*</a:t>
+                      </a:r>
+                    </a:p>
+                  </a:txBody>
+                  <a:tcPr>
+                    <a:solidFill>
+                      <a:schemeClr val="accent6">
+                        <a:lumMod val="40000"/>
+                        <a:lumOff val="60000"/>
+                      </a:schemeClr>
+                    </a:solidFill>
+                  </a:tcPr>
+                </a:tc>
+                <a:tc>
+                  <a:txBody>
+                    <a:bodyPr/>
+                    <a:lstStyle/>
+                    <a:p>
+                      <a:pPr algn="ctr"/>
+                      <a:r>
+                        <a:rPr lang="en-US" dirty="0"/>
+                        <a:t>*</a:t>
+                      </a:r>
+                    </a:p>
+                  </a:txBody>
+                  <a:tcPr/>
+                </a:tc>
+                <a:extLst>
+                  <a:ext uri="{0D108BD9-81ED-4DB2-BD59-A6C34878D82A}">
+                    <a16:rowId xmlns:a16="http://schemas.microsoft.com/office/drawing/2014/main" val="3209401911"/>
+                  </a:ext>
+                </a:extLst>
+              </a:tr>
+            </a:tbl>
+          </a:graphicData>
+        </a:graphic>
+      </p:graphicFrame>
+      <p:sp>
+        <p:nvSpPr>
+          <p:cNvPr id="6" name="TextBox 5">
+            <a:extLst>
+              <a:ext uri="{FF2B5EF4-FFF2-40B4-BE49-F238E27FC236}">
+                <a16:creationId xmlns:a16="http://schemas.microsoft.com/office/drawing/2014/main" id="{875B93E0-4F6B-6AD7-CAC7-613AB3F4019F}"/>
+              </a:ext>
+            </a:extLst>
+          </p:cNvPr>
+          <p:cNvSpPr txBox="1"/>
+          <p:nvPr/>
+        </p:nvSpPr>
+        <p:spPr>
+          <a:xfrm>
+            <a:off x="3671220" y="4351894"/>
+            <a:ext cx="468398" cy="369332"/>
+          </a:xfrm>
+          <a:prstGeom prst="rect">
+            <a:avLst/>
+          </a:prstGeom>
+          <a:noFill/>
+        </p:spPr>
+        <p:txBody>
+          <a:bodyPr wrap="none" rtlCol="0">
+            <a:spAutoFit/>
+          </a:bodyPr>
+          <a:lstStyle/>
+          <a:p>
+            <a:r>
+              <a:rPr lang="en-US" dirty="0"/>
+              <a:t>C2</a:t>
+            </a:r>
+          </a:p>
+        </p:txBody>
+      </p:sp>
+      <p:sp>
+        <p:nvSpPr>
+          <p:cNvPr id="7" name="TextBox 6">
+            <a:extLst>
+              <a:ext uri="{FF2B5EF4-FFF2-40B4-BE49-F238E27FC236}">
+                <a16:creationId xmlns:a16="http://schemas.microsoft.com/office/drawing/2014/main" id="{386AEC42-251A-A974-74FC-3DB1A405E1B3}"/>
+              </a:ext>
+            </a:extLst>
+          </p:cNvPr>
+          <p:cNvSpPr txBox="1"/>
+          <p:nvPr/>
+        </p:nvSpPr>
+        <p:spPr>
+          <a:xfrm>
+            <a:off x="2827034" y="4845073"/>
+            <a:ext cx="468398" cy="369332"/>
+          </a:xfrm>
+          <a:prstGeom prst="rect">
+            <a:avLst/>
+          </a:prstGeom>
+          <a:noFill/>
+        </p:spPr>
+        <p:txBody>
+          <a:bodyPr wrap="none" rtlCol="0">
+            <a:spAutoFit/>
+          </a:bodyPr>
+          <a:lstStyle/>
+          <a:p>
+            <a:r>
+              <a:rPr lang="en-US" dirty="0"/>
+              <a:t>C1</a:t>
+            </a:r>
+          </a:p>
+        </p:txBody>
+      </p:sp>
+    </p:spTree>
+    <p:extLst>
+      <p:ext uri="{BB962C8B-B14F-4D97-AF65-F5344CB8AC3E}">
+        <p14:creationId xmlns:p14="http://schemas.microsoft.com/office/powerpoint/2010/main" val="2811716955"/>
       </p:ext>
     </p:extLst>
   </p:cSld>

--- a/rankingwithLLM.pptx
+++ b/rankingwithLLM.pptx
@@ -10315,8 +10315,8 @@
           </a:p>
         </p:txBody>
       </p:sp>
-      <mc:AlternateContent xmlns:mc="http://schemas.openxmlformats.org/markup-compatibility/2006">
-        <mc:Choice xmlns:a14="http://schemas.microsoft.com/office/drawing/2010/main" Requires="a14">
+      <mc:AlternateContent xmlns:mc="http://schemas.openxmlformats.org/markup-compatibility/2006" xmlns:a14="http://schemas.microsoft.com/office/drawing/2010/main">
+        <mc:Choice Requires="a14">
           <p:sp>
             <p:nvSpPr>
               <p:cNvPr id="10" name="TextBox 9">
@@ -10426,7 +10426,7 @@
             </p:txBody>
           </p:sp>
         </mc:Choice>
-        <mc:Fallback>
+        <mc:Fallback xmlns="">
           <p:sp>
             <p:nvSpPr>
               <p:cNvPr id="10" name="TextBox 9">
@@ -12197,8 +12197,8 @@
           </a:p>
         </p:txBody>
       </p:sp>
-      <mc:AlternateContent xmlns:mc="http://schemas.openxmlformats.org/markup-compatibility/2006">
-        <mc:Choice xmlns:a14="http://schemas.microsoft.com/office/drawing/2010/main" Requires="a14">
+      <mc:AlternateContent xmlns:mc="http://schemas.openxmlformats.org/markup-compatibility/2006" xmlns:a14="http://schemas.microsoft.com/office/drawing/2010/main">
+        <mc:Choice Requires="a14">
           <p:sp>
             <p:nvSpPr>
               <p:cNvPr id="3" name="Content Placeholder 2">
@@ -12366,13 +12366,7 @@
                           <a:rPr lang="en-US" i="1" dirty="0" smtClean="0">
                             <a:latin typeface="Cambria Math" panose="02040503050406030204" pitchFamily="18" charset="0"/>
                           </a:rPr>
-                          <m:t>𝑐</m:t>
-                        </m:r>
-                        <m:r>
-                          <a:rPr lang="en-US" i="1" baseline="-25000" dirty="0" smtClean="0">
-                            <a:latin typeface="Cambria Math" panose="02040503050406030204" pitchFamily="18" charset="0"/>
-                          </a:rPr>
-                          <m:t>𝑖</m:t>
+                          <m:t>𝑐𝑖</m:t>
                         </m:r>
                         <m:r>
                           <a:rPr lang="en-US" b="0" i="1" dirty="0" smtClean="0">
@@ -12682,13 +12676,7 @@
                           <a:rPr lang="en-US" i="1" dirty="0">
                             <a:latin typeface="Cambria Math" panose="02040503050406030204" pitchFamily="18" charset="0"/>
                           </a:rPr>
-                          <m:t>𝑐</m:t>
-                        </m:r>
-                        <m:r>
-                          <a:rPr lang="en-US" i="1" baseline="-25000" dirty="0">
-                            <a:latin typeface="Cambria Math" panose="02040503050406030204" pitchFamily="18" charset="0"/>
-                          </a:rPr>
-                          <m:t>𝑖</m:t>
+                          <m:t>𝑐𝑖</m:t>
                         </m:r>
                         <m:r>
                           <a:rPr lang="en-US" i="1" dirty="0">
@@ -13100,13 +13088,7 @@
                         <a:rPr lang="en-US" i="1" dirty="0" smtClean="0">
                           <a:latin typeface="Cambria Math" panose="02040503050406030204" pitchFamily="18" charset="0"/>
                         </a:rPr>
-                        <m:t> </m:t>
-                      </m:r>
-                      <m:r>
-                        <a:rPr lang="en-US" i="1" dirty="0" smtClean="0">
-                          <a:latin typeface="Cambria Math" panose="02040503050406030204" pitchFamily="18" charset="0"/>
-                        </a:rPr>
-                        <m:t> </m:t>
+                        <m:t>  </m:t>
                       </m:r>
                     </m:oMath>
                   </m:oMathPara>
@@ -13116,7 +13098,7 @@
             </p:txBody>
           </p:sp>
         </mc:Choice>
-        <mc:Fallback>
+        <mc:Fallback xmlns="">
           <p:sp>
             <p:nvSpPr>
               <p:cNvPr id="3" name="Content Placeholder 2">
@@ -13254,8 +13236,8 @@
           </a:p>
         </p:txBody>
       </p:sp>
-      <mc:AlternateContent xmlns:mc="http://schemas.openxmlformats.org/markup-compatibility/2006">
-        <mc:Choice xmlns:a14="http://schemas.microsoft.com/office/drawing/2010/main" Requires="a14">
+      <mc:AlternateContent xmlns:mc="http://schemas.openxmlformats.org/markup-compatibility/2006" xmlns:a14="http://schemas.microsoft.com/office/drawing/2010/main">
+        <mc:Choice Requires="a14">
           <p:sp>
             <p:nvSpPr>
               <p:cNvPr id="3" name="Content Placeholder 2">
@@ -14048,7 +14030,7 @@
             </p:txBody>
           </p:sp>
         </mc:Choice>
-        <mc:Fallback>
+        <mc:Fallback xmlns="">
           <p:sp>
             <p:nvSpPr>
               <p:cNvPr id="3" name="Content Placeholder 2">
@@ -14660,6 +14642,41 @@
           </a:p>
         </p:txBody>
       </p:sp>
+      <p:sp>
+        <p:nvSpPr>
+          <p:cNvPr id="5" name="TextBox 4">
+            <a:extLst>
+              <a:ext uri="{FF2B5EF4-FFF2-40B4-BE49-F238E27FC236}">
+                <a16:creationId xmlns:a16="http://schemas.microsoft.com/office/drawing/2014/main" id="{F3FE3099-855A-EE22-A87C-FF7EA0149DE8}"/>
+              </a:ext>
+            </a:extLst>
+          </p:cNvPr>
+          <p:cNvSpPr txBox="1"/>
+          <p:nvPr/>
+        </p:nvSpPr>
+        <p:spPr>
+          <a:xfrm>
+            <a:off x="9047215" y="5606018"/>
+            <a:ext cx="970137" cy="369332"/>
+          </a:xfrm>
+          <a:prstGeom prst="rect">
+            <a:avLst/>
+          </a:prstGeom>
+          <a:noFill/>
+        </p:spPr>
+        <p:txBody>
+          <a:bodyPr wrap="none" rtlCol="0">
+            <a:spAutoFit/>
+          </a:bodyPr>
+          <a:lstStyle/>
+          <a:p>
+            <a:r>
+              <a:rPr lang="en-US" dirty="0"/>
+              <a:t>P = 0.88</a:t>
+            </a:r>
+          </a:p>
+        </p:txBody>
+      </p:sp>
     </p:spTree>
     <p:extLst>
       <p:ext uri="{BB962C8B-B14F-4D97-AF65-F5344CB8AC3E}">
@@ -14750,7 +14767,7 @@
             </p:spPr>
             <p:txBody>
               <a:bodyPr>
-                <a:normAutofit/>
+                <a:normAutofit lnSpcReduction="10000"/>
               </a:bodyPr>
               <a:lstStyle/>
               <a:p>
@@ -14902,6 +14919,57 @@
                   <a:buNone/>
                 </a:pPr>
                 <a:r>
+                  <a:rPr lang="en-US" sz="2400" dirty="0">
+                    <a:latin typeface="Cambria Math" panose="02040503050406030204" pitchFamily="18" charset="0"/>
+                  </a:rPr>
+                  <a:t>Orange region</a:t>
+                </a:r>
+              </a:p>
+              <a:p>
+                <a:pPr lvl="2"/>
+                <a:r>
+                  <a:rPr lang="en-US" dirty="0">
+                    <a:latin typeface="Cambria Math" panose="02040503050406030204" pitchFamily="18" charset="0"/>
+                  </a:rPr>
+                  <a:t>New constraint = Assuming all questions from x’ </a:t>
+                </a:r>
+                <a14:m>
+                  <m:oMath xmlns:m="http://schemas.openxmlformats.org/officeDocument/2006/math">
+                    <m:r>
+                      <a:rPr lang="en-US" i="1" smtClean="0">
+                        <a:latin typeface="Cambria Math" panose="02040503050406030204" pitchFamily="18" charset="0"/>
+                        <a:ea typeface="Cambria Math" panose="02040503050406030204" pitchFamily="18" charset="0"/>
+                      </a:rPr>
+                      <m:t>∩</m:t>
+                    </m:r>
+                  </m:oMath>
+                </a14:m>
+                <a:r>
+                  <a:rPr lang="en-US" dirty="0">
+                    <a:latin typeface="Cambria Math" panose="02040503050406030204" pitchFamily="18" charset="0"/>
+                  </a:rPr>
+                  <a:t> y’ result in 0</a:t>
+                </a:r>
+              </a:p>
+              <a:p>
+                <a:pPr lvl="2"/>
+                <a:r>
+                  <a:rPr lang="en-US" dirty="0">
+                    <a:latin typeface="Cambria Math" panose="02040503050406030204" pitchFamily="18" charset="0"/>
+                    <a:ea typeface="Cambria Math" panose="02040503050406030204" pitchFamily="18" charset="0"/>
+                  </a:rPr>
+                  <a:t>Orange region = Green region after applying new constraint 	</a:t>
+                </a:r>
+                <a:endParaRPr lang="en-US" sz="1800" dirty="0">
+                  <a:latin typeface="Cambria Math" panose="02040503050406030204" pitchFamily="18" charset="0"/>
+                  <a:ea typeface="Cambria Math" panose="02040503050406030204" pitchFamily="18" charset="0"/>
+                </a:endParaRPr>
+              </a:p>
+              <a:p>
+                <a:pPr marL="457200" lvl="1" indent="0">
+                  <a:buNone/>
+                </a:pPr>
+                <a:r>
                   <a:rPr lang="en-US" sz="2200" dirty="0">
                     <a:latin typeface="Cambria Math" panose="02040503050406030204" pitchFamily="18" charset="0"/>
                     <a:ea typeface="Cambria Math" panose="02040503050406030204" pitchFamily="18" charset="0"/>
@@ -14986,7 +15054,7 @@
                     <a:latin typeface="Cambria Math" panose="02040503050406030204" pitchFamily="18" charset="0"/>
                     <a:ea typeface="Cambria Math" panose="02040503050406030204" pitchFamily="18" charset="0"/>
                   </a:rPr>
-                  <a:t> Green region) / Green region</a:t>
+                  <a:t> Orange region) / Orange region</a:t>
                 </a:r>
               </a:p>
               <a:p>
@@ -15009,6 +15077,60 @@
                   </a:rPr>
                   <a:t>** This table is just an example 2D table</a:t>
                 </a:r>
+              </a:p>
+              <a:p>
+                <a:pPr marL="457200" lvl="1" indent="0">
+                  <a:buNone/>
+                </a:pPr>
+                <a:r>
+                  <a:rPr lang="en-US" sz="2200" dirty="0">
+                    <a:latin typeface="Cambria Math" panose="02040503050406030204" pitchFamily="18" charset="0"/>
+                    <a:ea typeface="Cambria Math" panose="02040503050406030204" pitchFamily="18" charset="0"/>
+                  </a:rPr>
+                  <a:t>** x’ = set of all questions that are </a:t>
+                </a:r>
+              </a:p>
+              <a:p>
+                <a:pPr marL="457200" lvl="1" indent="0">
+                  <a:buNone/>
+                </a:pPr>
+                <a:r>
+                  <a:rPr lang="en-US" sz="2200" dirty="0">
+                    <a:latin typeface="Cambria Math" panose="02040503050406030204" pitchFamily="18" charset="0"/>
+                    <a:ea typeface="Cambria Math" panose="02040503050406030204" pitchFamily="18" charset="0"/>
+                  </a:rPr>
+                  <a:t>	not called yet and are included in c1</a:t>
+                </a:r>
+              </a:p>
+              <a:p>
+                <a:pPr marL="457200" lvl="1" indent="0">
+                  <a:buNone/>
+                </a:pPr>
+                <a:r>
+                  <a:rPr lang="en-US" sz="2200" dirty="0">
+                    <a:latin typeface="Cambria Math" panose="02040503050406030204" pitchFamily="18" charset="0"/>
+                    <a:ea typeface="Cambria Math" panose="02040503050406030204" pitchFamily="18" charset="0"/>
+                  </a:rPr>
+                  <a:t>**y’ = set of all questions that are </a:t>
+                </a:r>
+              </a:p>
+              <a:p>
+                <a:pPr marL="457200" lvl="1" indent="0">
+                  <a:buNone/>
+                </a:pPr>
+                <a:r>
+                  <a:rPr lang="en-US" sz="2200" dirty="0">
+                    <a:latin typeface="Cambria Math" panose="02040503050406030204" pitchFamily="18" charset="0"/>
+                    <a:ea typeface="Cambria Math" panose="02040503050406030204" pitchFamily="18" charset="0"/>
+                  </a:rPr>
+                  <a:t>	not called yet and are included in c2</a:t>
+                </a:r>
+                <a:endParaRPr lang="en-US" sz="2200" dirty="0"/>
+              </a:p>
+              <a:p>
+                <a:pPr marL="457200" lvl="1" indent="0">
+                  <a:buNone/>
+                </a:pPr>
                 <a:endParaRPr lang="en-US" sz="2200" dirty="0"/>
               </a:p>
             </p:txBody>
@@ -15039,7 +15161,7 @@
               <a:blipFill>
                 <a:blip r:embed="rId2"/>
                 <a:stretch>
-                  <a:fillRect l="-1056"/>
+                  <a:fillRect l="-1056" b="-952"/>
                 </a:stretch>
               </a:blipFill>
             </p:spPr>
@@ -15070,10 +15192,16 @@
           <p:cNvGraphicFramePr>
             <a:graphicFrameLocks noGrp="1"/>
           </p:cNvGraphicFramePr>
-          <p:nvPr/>
+          <p:nvPr>
+            <p:extLst>
+              <p:ext uri="{D42A27DB-BD31-4B8C-83A1-F6EECF244321}">
+                <p14:modId xmlns:p14="http://schemas.microsoft.com/office/powerpoint/2010/main" val="1675331629"/>
+              </p:ext>
+            </p:extLst>
+          </p:nvPr>
         </p:nvGraphicFramePr>
         <p:xfrm>
-          <a:off x="3379157" y="4721226"/>
+          <a:off x="6293807" y="4778376"/>
           <a:ext cx="5433685" cy="1854200"/>
         </p:xfrm>
         <a:graphic>
@@ -15290,10 +15418,7 @@
                   </a:txBody>
                   <a:tcPr>
                     <a:solidFill>
-                      <a:schemeClr val="accent6">
-                        <a:lumMod val="40000"/>
-                        <a:lumOff val="60000"/>
-                      </a:schemeClr>
+                      <a:srgbClr val="FFC000"/>
                     </a:solidFill>
                   </a:tcPr>
                 </a:tc>
@@ -15307,6 +15432,21 @@
                         <a:rPr lang="en-US" dirty="0"/>
                         <a:t>*</a:t>
                       </a:r>
+                    </a:p>
+                  </a:txBody>
+                  <a:tcPr>
+                    <a:solidFill>
+                      <a:srgbClr val="FFC000"/>
+                    </a:solidFill>
+                  </a:tcPr>
+                </a:tc>
+                <a:tc>
+                  <a:txBody>
+                    <a:bodyPr/>
+                    <a:lstStyle/>
+                    <a:p>
+                      <a:pPr algn="ctr"/>
+                      <a:endParaRPr lang="en-US" dirty="0"/>
                     </a:p>
                   </a:txBody>
                   <a:tcPr>
@@ -15327,6 +15467,77 @@
                       <a:endParaRPr lang="en-US" dirty="0"/>
                     </a:p>
                   </a:txBody>
+                  <a:tcPr/>
+                </a:tc>
+                <a:extLst>
+                  <a:ext uri="{0D108BD9-81ED-4DB2-BD59-A6C34878D82A}">
+                    <a16:rowId xmlns:a16="http://schemas.microsoft.com/office/drawing/2014/main" val="1530262547"/>
+                  </a:ext>
+                </a:extLst>
+              </a:tr>
+              <a:tr h="370840">
+                <a:tc>
+                  <a:txBody>
+                    <a:bodyPr/>
+                    <a:lstStyle/>
+                    <a:p>
+                      <a:pPr algn="ctr"/>
+                      <a:r>
+                        <a:rPr lang="en-US" dirty="0"/>
+                        <a:t>1.5</a:t>
+                      </a:r>
+                    </a:p>
+                  </a:txBody>
+                  <a:tcPr/>
+                </a:tc>
+                <a:tc>
+                  <a:txBody>
+                    <a:bodyPr/>
+                    <a:lstStyle/>
+                    <a:p>
+                      <a:pPr algn="ctr"/>
+                      <a:r>
+                        <a:rPr lang="en-US" dirty="0"/>
+                        <a:t>*</a:t>
+                      </a:r>
+                    </a:p>
+                  </a:txBody>
+                  <a:tcPr>
+                    <a:solidFill>
+                      <a:srgbClr val="FFC000"/>
+                    </a:solidFill>
+                  </a:tcPr>
+                </a:tc>
+                <a:tc>
+                  <a:txBody>
+                    <a:bodyPr/>
+                    <a:lstStyle/>
+                    <a:p>
+                      <a:pPr algn="ctr"/>
+                      <a:r>
+                        <a:rPr lang="en-US" dirty="0"/>
+                        <a:t>*</a:t>
+                      </a:r>
+                    </a:p>
+                  </a:txBody>
+                  <a:tcPr>
+                    <a:solidFill>
+                      <a:srgbClr val="FFC000"/>
+                    </a:solidFill>
+                  </a:tcPr>
+                </a:tc>
+                <a:tc>
+                  <a:txBody>
+                    <a:bodyPr/>
+                    <a:lstStyle/>
+                    <a:p>
+                      <a:pPr algn="ctr"/>
+                      <a:r>
+                        <a:rPr lang="en-US" dirty="0"/>
+                        <a:t>*</a:t>
+                      </a:r>
+                    </a:p>
+                  </a:txBody>
                   <a:tcPr>
                     <a:solidFill>
                       <a:schemeClr val="accent6">
@@ -15349,101 +15560,6 @@
                 </a:tc>
                 <a:extLst>
                   <a:ext uri="{0D108BD9-81ED-4DB2-BD59-A6C34878D82A}">
-                    <a16:rowId xmlns:a16="http://schemas.microsoft.com/office/drawing/2014/main" val="1530262547"/>
-                  </a:ext>
-                </a:extLst>
-              </a:tr>
-              <a:tr h="370840">
-                <a:tc>
-                  <a:txBody>
-                    <a:bodyPr/>
-                    <a:lstStyle/>
-                    <a:p>
-                      <a:pPr algn="ctr"/>
-                      <a:r>
-                        <a:rPr lang="en-US" dirty="0"/>
-                        <a:t>1.5</a:t>
-                      </a:r>
-                    </a:p>
-                  </a:txBody>
-                  <a:tcPr/>
-                </a:tc>
-                <a:tc>
-                  <a:txBody>
-                    <a:bodyPr/>
-                    <a:lstStyle/>
-                    <a:p>
-                      <a:pPr algn="ctr"/>
-                      <a:r>
-                        <a:rPr lang="en-US" dirty="0"/>
-                        <a:t>*</a:t>
-                      </a:r>
-                    </a:p>
-                  </a:txBody>
-                  <a:tcPr>
-                    <a:solidFill>
-                      <a:schemeClr val="accent6">
-                        <a:lumMod val="40000"/>
-                        <a:lumOff val="60000"/>
-                      </a:schemeClr>
-                    </a:solidFill>
-                  </a:tcPr>
-                </a:tc>
-                <a:tc>
-                  <a:txBody>
-                    <a:bodyPr/>
-                    <a:lstStyle/>
-                    <a:p>
-                      <a:pPr algn="ctr"/>
-                      <a:r>
-                        <a:rPr lang="en-US" dirty="0"/>
-                        <a:t>*</a:t>
-                      </a:r>
-                    </a:p>
-                  </a:txBody>
-                  <a:tcPr>
-                    <a:solidFill>
-                      <a:schemeClr val="accent6">
-                        <a:lumMod val="40000"/>
-                        <a:lumOff val="60000"/>
-                      </a:schemeClr>
-                    </a:solidFill>
-                  </a:tcPr>
-                </a:tc>
-                <a:tc>
-                  <a:txBody>
-                    <a:bodyPr/>
-                    <a:lstStyle/>
-                    <a:p>
-                      <a:pPr algn="ctr"/>
-                      <a:r>
-                        <a:rPr lang="en-US" dirty="0"/>
-                        <a:t>*</a:t>
-                      </a:r>
-                    </a:p>
-                  </a:txBody>
-                  <a:tcPr>
-                    <a:solidFill>
-                      <a:schemeClr val="accent6">
-                        <a:lumMod val="40000"/>
-                        <a:lumOff val="60000"/>
-                      </a:schemeClr>
-                    </a:solidFill>
-                  </a:tcPr>
-                </a:tc>
-                <a:tc>
-                  <a:txBody>
-                    <a:bodyPr/>
-                    <a:lstStyle/>
-                    <a:p>
-                      <a:pPr algn="ctr"/>
-                      <a:endParaRPr lang="en-US" dirty="0"/>
-                    </a:p>
-                  </a:txBody>
-                  <a:tcPr/>
-                </a:tc>
-                <a:extLst>
-                  <a:ext uri="{0D108BD9-81ED-4DB2-BD59-A6C34878D82A}">
                     <a16:rowId xmlns:a16="http://schemas.microsoft.com/office/drawing/2014/main" val="1629365600"/>
                   </a:ext>
                 </a:extLst>
@@ -15477,10 +15593,7 @@
                   </a:txBody>
                   <a:tcPr>
                     <a:solidFill>
-                      <a:schemeClr val="accent6">
-                        <a:lumMod val="40000"/>
-                        <a:lumOff val="60000"/>
-                      </a:schemeClr>
+                      <a:srgbClr val="FFC000"/>
                     </a:solidFill>
                   </a:tcPr>
                 </a:tc>
@@ -15498,10 +15611,7 @@
                   </a:txBody>
                   <a:tcPr>
                     <a:solidFill>
-                      <a:schemeClr val="accent6">
-                        <a:lumMod val="40000"/>
-                        <a:lumOff val="60000"/>
-                      </a:schemeClr>
+                      <a:srgbClr val="FFC000"/>
                     </a:solidFill>
                   </a:tcPr>
                 </a:tc>
@@ -15564,7 +15674,7 @@
         </p:nvSpPr>
         <p:spPr>
           <a:xfrm>
-            <a:off x="3671220" y="4351894"/>
+            <a:off x="6585870" y="4409044"/>
             <a:ext cx="468398" cy="369332"/>
           </a:xfrm>
           <a:prstGeom prst="rect">
@@ -15599,7 +15709,7 @@
         </p:nvSpPr>
         <p:spPr>
           <a:xfrm>
-            <a:off x="2827034" y="4845073"/>
+            <a:off x="5741684" y="4902223"/>
             <a:ext cx="468398" cy="369332"/>
           </a:xfrm>
           <a:prstGeom prst="rect">
@@ -15616,6 +15726,41 @@
             <a:r>
               <a:rPr lang="en-US" dirty="0"/>
               <a:t>C1</a:t>
+            </a:r>
+          </a:p>
+        </p:txBody>
+      </p:sp>
+      <p:sp>
+        <p:nvSpPr>
+          <p:cNvPr id="8" name="TextBox 7">
+            <a:extLst>
+              <a:ext uri="{FF2B5EF4-FFF2-40B4-BE49-F238E27FC236}">
+                <a16:creationId xmlns:a16="http://schemas.microsoft.com/office/drawing/2014/main" id="{4B0047AF-780B-93AC-9874-E40C85793549}"/>
+              </a:ext>
+            </a:extLst>
+          </p:cNvPr>
+          <p:cNvSpPr txBox="1"/>
+          <p:nvPr/>
+        </p:nvSpPr>
+        <p:spPr>
+          <a:xfrm>
+            <a:off x="8733328" y="4409044"/>
+            <a:ext cx="657552" cy="369332"/>
+          </a:xfrm>
+          <a:prstGeom prst="rect">
+            <a:avLst/>
+          </a:prstGeom>
+          <a:noFill/>
+        </p:spPr>
+        <p:txBody>
+          <a:bodyPr wrap="none" rtlCol="0">
+            <a:spAutoFit/>
+          </a:bodyPr>
+          <a:lstStyle/>
+          <a:p>
+            <a:r>
+              <a:rPr lang="en-US" dirty="0"/>
+              <a:t>P = 1</a:t>
             </a:r>
           </a:p>
         </p:txBody>

--- a/rankingwithLLM.pptx
+++ b/rankingwithLLM.pptx
@@ -5,7 +5,7 @@
     <p:sldMasterId id="2147483648" r:id="rId1"/>
   </p:sldMasterIdLst>
   <p:notesMasterIdLst>
-    <p:notesMasterId r:id="rId28"/>
+    <p:notesMasterId r:id="rId31"/>
   </p:notesMasterIdLst>
   <p:sldIdLst>
     <p:sldId id="256" r:id="rId2"/>
@@ -34,6 +34,9 @@
     <p:sldId id="280" r:id="rId25"/>
     <p:sldId id="281" r:id="rId26"/>
     <p:sldId id="283" r:id="rId27"/>
+    <p:sldId id="284" r:id="rId28"/>
+    <p:sldId id="285" r:id="rId29"/>
+    <p:sldId id="286" r:id="rId30"/>
   </p:sldIdLst>
   <p:sldSz cx="12192000" cy="6858000"/>
   <p:notesSz cx="6858000" cy="9144000"/>
@@ -222,7 +225,7 @@
           <a:p>
             <a:fld id="{DE9DA986-C197-2042-B476-BC36203B606C}" type="datetimeFigureOut">
               <a:rPr lang="en-US" smtClean="0"/>
-              <a:t>9/13/24</a:t>
+              <a:t>9/15/24</a:t>
             </a:fld>
             <a:endParaRPr lang="en-US"/>
           </a:p>
@@ -720,7 +723,7 @@
           <a:p>
             <a:fld id="{70F6711B-007C-4E47-B805-CF8F9D486DA3}" type="datetimeFigureOut">
               <a:rPr lang="en-US" smtClean="0"/>
-              <a:t>9/13/24</a:t>
+              <a:t>9/15/24</a:t>
             </a:fld>
             <a:endParaRPr lang="en-US"/>
           </a:p>
@@ -918,7 +921,7 @@
           <a:p>
             <a:fld id="{70F6711B-007C-4E47-B805-CF8F9D486DA3}" type="datetimeFigureOut">
               <a:rPr lang="en-US" smtClean="0"/>
-              <a:t>9/13/24</a:t>
+              <a:t>9/15/24</a:t>
             </a:fld>
             <a:endParaRPr lang="en-US"/>
           </a:p>
@@ -1126,7 +1129,7 @@
           <a:p>
             <a:fld id="{70F6711B-007C-4E47-B805-CF8F9D486DA3}" type="datetimeFigureOut">
               <a:rPr lang="en-US" smtClean="0"/>
-              <a:t>9/13/24</a:t>
+              <a:t>9/15/24</a:t>
             </a:fld>
             <a:endParaRPr lang="en-US"/>
           </a:p>
@@ -1324,7 +1327,7 @@
           <a:p>
             <a:fld id="{70F6711B-007C-4E47-B805-CF8F9D486DA3}" type="datetimeFigureOut">
               <a:rPr lang="en-US" smtClean="0"/>
-              <a:t>9/13/24</a:t>
+              <a:t>9/15/24</a:t>
             </a:fld>
             <a:endParaRPr lang="en-US"/>
           </a:p>
@@ -1599,7 +1602,7 @@
           <a:p>
             <a:fld id="{70F6711B-007C-4E47-B805-CF8F9D486DA3}" type="datetimeFigureOut">
               <a:rPr lang="en-US" smtClean="0"/>
-              <a:t>9/13/24</a:t>
+              <a:t>9/15/24</a:t>
             </a:fld>
             <a:endParaRPr lang="en-US"/>
           </a:p>
@@ -1864,7 +1867,7 @@
           <a:p>
             <a:fld id="{70F6711B-007C-4E47-B805-CF8F9D486DA3}" type="datetimeFigureOut">
               <a:rPr lang="en-US" smtClean="0"/>
-              <a:t>9/13/24</a:t>
+              <a:t>9/15/24</a:t>
             </a:fld>
             <a:endParaRPr lang="en-US"/>
           </a:p>
@@ -2276,7 +2279,7 @@
           <a:p>
             <a:fld id="{70F6711B-007C-4E47-B805-CF8F9D486DA3}" type="datetimeFigureOut">
               <a:rPr lang="en-US" smtClean="0"/>
-              <a:t>9/13/24</a:t>
+              <a:t>9/15/24</a:t>
             </a:fld>
             <a:endParaRPr lang="en-US"/>
           </a:p>
@@ -2417,7 +2420,7 @@
           <a:p>
             <a:fld id="{70F6711B-007C-4E47-B805-CF8F9D486DA3}" type="datetimeFigureOut">
               <a:rPr lang="en-US" smtClean="0"/>
-              <a:t>9/13/24</a:t>
+              <a:t>9/15/24</a:t>
             </a:fld>
             <a:endParaRPr lang="en-US"/>
           </a:p>
@@ -2530,7 +2533,7 @@
           <a:p>
             <a:fld id="{70F6711B-007C-4E47-B805-CF8F9D486DA3}" type="datetimeFigureOut">
               <a:rPr lang="en-US" smtClean="0"/>
-              <a:t>9/13/24</a:t>
+              <a:t>9/15/24</a:t>
             </a:fld>
             <a:endParaRPr lang="en-US"/>
           </a:p>
@@ -2841,7 +2844,7 @@
           <a:p>
             <a:fld id="{70F6711B-007C-4E47-B805-CF8F9D486DA3}" type="datetimeFigureOut">
               <a:rPr lang="en-US" smtClean="0"/>
-              <a:t>9/13/24</a:t>
+              <a:t>9/15/24</a:t>
             </a:fld>
             <a:endParaRPr lang="en-US"/>
           </a:p>
@@ -3129,7 +3132,7 @@
           <a:p>
             <a:fld id="{70F6711B-007C-4E47-B805-CF8F9D486DA3}" type="datetimeFigureOut">
               <a:rPr lang="en-US" smtClean="0"/>
-              <a:t>9/13/24</a:t>
+              <a:t>9/15/24</a:t>
             </a:fld>
             <a:endParaRPr lang="en-US"/>
           </a:p>
@@ -3370,7 +3373,7 @@
           <a:p>
             <a:fld id="{70F6711B-007C-4E47-B805-CF8F9D486DA3}" type="datetimeFigureOut">
               <a:rPr lang="en-US" smtClean="0"/>
-              <a:t>9/13/24</a:t>
+              <a:t>9/15/24</a:t>
             </a:fld>
             <a:endParaRPr lang="en-US"/>
           </a:p>
@@ -12192,7 +12195,7 @@
             <a:pPr algn="ctr"/>
             <a:r>
               <a:rPr lang="en-US" dirty="0"/>
-              <a:t>Entropy</a:t>
+              <a:t>Probability modeling</a:t>
             </a:r>
           </a:p>
         </p:txBody>
@@ -12226,10 +12229,6 @@
                 <a:normAutofit/>
               </a:bodyPr>
               <a:lstStyle/>
-              <a:p>
-                <a:pPr lvl="2"/>
-                <a:endParaRPr lang="en-US" dirty="0"/>
-              </a:p>
               <a:p>
                 <a:pPr lvl="2"/>
                 <a:endParaRPr lang="en-US" dirty="0"/>
@@ -13123,7 +13122,7 @@
               <a:blipFill>
                 <a:blip r:embed="rId2"/>
                 <a:stretch>
-                  <a:fillRect l="-1682" r="-112"/>
+                  <a:fillRect l="-1121"/>
                 </a:stretch>
               </a:blipFill>
             </p:spPr>
@@ -13142,36 +13141,6 @@
           </p:sp>
         </mc:Fallback>
       </mc:AlternateContent>
-      <p:pic>
-        <p:nvPicPr>
-          <p:cNvPr id="5" name="Picture 4" descr="A math equation with symbols&#10;&#10;Description automatically generated with medium confidence">
-            <a:extLst>
-              <a:ext uri="{FF2B5EF4-FFF2-40B4-BE49-F238E27FC236}">
-                <a16:creationId xmlns:a16="http://schemas.microsoft.com/office/drawing/2014/main" id="{CF0C983C-4493-BEC5-0954-5598B6140F87}"/>
-              </a:ext>
-            </a:extLst>
-          </p:cNvPr>
-          <p:cNvPicPr>
-            <a:picLocks noChangeAspect="1"/>
-          </p:cNvPicPr>
-          <p:nvPr/>
-        </p:nvPicPr>
-        <p:blipFill>
-          <a:blip r:embed="rId3"/>
-          <a:stretch>
-            <a:fillRect/>
-          </a:stretch>
-        </p:blipFill>
-        <p:spPr>
-          <a:xfrm>
-            <a:off x="371475" y="927101"/>
-            <a:ext cx="4737100" cy="1219200"/>
-          </a:xfrm>
-          <a:prstGeom prst="rect">
-            <a:avLst/>
-          </a:prstGeom>
-        </p:spPr>
-      </p:pic>
     </p:spTree>
     <p:extLst>
       <p:ext uri="{BB962C8B-B14F-4D97-AF65-F5344CB8AC3E}">
@@ -14741,8 +14710,8 @@
           </a:p>
         </p:txBody>
       </p:sp>
-      <mc:AlternateContent xmlns:mc="http://schemas.openxmlformats.org/markup-compatibility/2006">
-        <mc:Choice xmlns:a14="http://schemas.microsoft.com/office/drawing/2010/main" Requires="a14">
+      <mc:AlternateContent xmlns:mc="http://schemas.openxmlformats.org/markup-compatibility/2006" xmlns:a14="http://schemas.microsoft.com/office/drawing/2010/main">
+        <mc:Choice Requires="a14">
           <p:sp>
             <p:nvSpPr>
               <p:cNvPr id="3" name="Content Placeholder 2">
@@ -14936,7 +14905,7 @@
                 <a14:m>
                   <m:oMath xmlns:m="http://schemas.openxmlformats.org/officeDocument/2006/math">
                     <m:r>
-                      <a:rPr lang="en-US" i="1" smtClean="0">
+                      <a:rPr lang="en-US" i="1">
                         <a:latin typeface="Cambria Math" panose="02040503050406030204" pitchFamily="18" charset="0"/>
                         <a:ea typeface="Cambria Math" panose="02040503050406030204" pitchFamily="18" charset="0"/>
                       </a:rPr>
@@ -14948,7 +14917,7 @@
                   <a:rPr lang="en-US" dirty="0">
                     <a:latin typeface="Cambria Math" panose="02040503050406030204" pitchFamily="18" charset="0"/>
                   </a:rPr>
-                  <a:t> y’ result in 0</a:t>
+                  <a:t> y’  result in 0</a:t>
                 </a:r>
               </a:p>
               <a:p>
@@ -15136,7 +15105,7 @@
             </p:txBody>
           </p:sp>
         </mc:Choice>
-        <mc:Fallback>
+        <mc:Fallback xmlns="">
           <p:sp>
             <p:nvSpPr>
               <p:cNvPr id="3" name="Content Placeholder 2">
@@ -15356,7 +15325,7 @@
                     <a:lstStyle/>
                     <a:p>
                       <a:pPr algn="ctr"/>
-                      <a:endParaRPr lang="en-US"/>
+                      <a:endParaRPr lang="en-US" dirty="0"/>
                     </a:p>
                   </a:txBody>
                   <a:tcPr/>
@@ -15367,7 +15336,7 @@
                     <a:lstStyle/>
                     <a:p>
                       <a:pPr algn="ctr"/>
-                      <a:endParaRPr lang="en-US"/>
+                      <a:endParaRPr lang="en-US" dirty="0"/>
                     </a:p>
                   </a:txBody>
                   <a:tcPr/>
@@ -15378,7 +15347,7 @@
                     <a:lstStyle/>
                     <a:p>
                       <a:pPr algn="ctr"/>
-                      <a:endParaRPr lang="en-US"/>
+                      <a:endParaRPr lang="en-US" dirty="0"/>
                     </a:p>
                   </a:txBody>
                   <a:tcPr/>
@@ -15769,6 +15738,773 @@
     <p:extLst>
       <p:ext uri="{BB962C8B-B14F-4D97-AF65-F5344CB8AC3E}">
         <p14:creationId xmlns:p14="http://schemas.microsoft.com/office/powerpoint/2010/main" val="2811716955"/>
+      </p:ext>
+    </p:extLst>
+  </p:cSld>
+  <p:clrMapOvr>
+    <a:masterClrMapping/>
+  </p:clrMapOvr>
+</p:sld>
+</file>
+
+<file path=ppt/slides/slide27.xml><?xml version="1.0" encoding="utf-8"?>
+<p:sld xmlns:a="http://schemas.openxmlformats.org/drawingml/2006/main" xmlns:r="http://schemas.openxmlformats.org/officeDocument/2006/relationships" xmlns:p="http://schemas.openxmlformats.org/presentationml/2006/main">
+  <p:cSld>
+    <p:spTree>
+      <p:nvGrpSpPr>
+        <p:cNvPr id="1" name=""/>
+        <p:cNvGrpSpPr/>
+        <p:nvPr/>
+      </p:nvGrpSpPr>
+      <p:grpSpPr>
+        <a:xfrm>
+          <a:off x="0" y="0"/>
+          <a:ext cx="0" cy="0"/>
+          <a:chOff x="0" y="0"/>
+          <a:chExt cx="0" cy="0"/>
+        </a:xfrm>
+      </p:grpSpPr>
+      <p:sp>
+        <p:nvSpPr>
+          <p:cNvPr id="2" name="Title 1">
+            <a:extLst>
+              <a:ext uri="{FF2B5EF4-FFF2-40B4-BE49-F238E27FC236}">
+                <a16:creationId xmlns:a16="http://schemas.microsoft.com/office/drawing/2014/main" id="{1CF1F4F0-1400-A7CC-80C6-72BE1DE9BE97}"/>
+              </a:ext>
+            </a:extLst>
+          </p:cNvPr>
+          <p:cNvSpPr>
+            <a:spLocks noGrp="1"/>
+          </p:cNvSpPr>
+          <p:nvPr>
+            <p:ph type="title"/>
+          </p:nvPr>
+        </p:nvSpPr>
+        <p:spPr>
+          <a:xfrm>
+            <a:off x="838200" y="2451893"/>
+            <a:ext cx="10515600" cy="1325563"/>
+          </a:xfrm>
+        </p:spPr>
+        <p:txBody>
+          <a:bodyPr/>
+          <a:lstStyle/>
+          <a:p>
+            <a:pPr algn="ctr"/>
+            <a:r>
+              <a:rPr lang="en-US" dirty="0"/>
+              <a:t>Results</a:t>
+            </a:r>
+          </a:p>
+        </p:txBody>
+      </p:sp>
+    </p:spTree>
+    <p:extLst>
+      <p:ext uri="{BB962C8B-B14F-4D97-AF65-F5344CB8AC3E}">
+        <p14:creationId xmlns:p14="http://schemas.microsoft.com/office/powerpoint/2010/main" val="2268642246"/>
+      </p:ext>
+    </p:extLst>
+  </p:cSld>
+  <p:clrMapOvr>
+    <a:masterClrMapping/>
+  </p:clrMapOvr>
+</p:sld>
+</file>
+
+<file path=ppt/slides/slide28.xml><?xml version="1.0" encoding="utf-8"?>
+<p:sld xmlns:a="http://schemas.openxmlformats.org/drawingml/2006/main" xmlns:r="http://schemas.openxmlformats.org/officeDocument/2006/relationships" xmlns:p="http://schemas.openxmlformats.org/presentationml/2006/main">
+  <p:cSld>
+    <p:spTree>
+      <p:nvGrpSpPr>
+        <p:cNvPr id="1" name=""/>
+        <p:cNvGrpSpPr/>
+        <p:nvPr/>
+      </p:nvGrpSpPr>
+      <p:grpSpPr>
+        <a:xfrm>
+          <a:off x="0" y="0"/>
+          <a:ext cx="0" cy="0"/>
+          <a:chOff x="0" y="0"/>
+          <a:chExt cx="0" cy="0"/>
+        </a:xfrm>
+      </p:grpSpPr>
+      <p:sp>
+        <p:nvSpPr>
+          <p:cNvPr id="2" name="Title 1">
+            <a:extLst>
+              <a:ext uri="{FF2B5EF4-FFF2-40B4-BE49-F238E27FC236}">
+                <a16:creationId xmlns:a16="http://schemas.microsoft.com/office/drawing/2014/main" id="{88ABCA84-F0B3-F083-35FC-6C2D94DF3B07}"/>
+              </a:ext>
+            </a:extLst>
+          </p:cNvPr>
+          <p:cNvSpPr>
+            <a:spLocks noGrp="1"/>
+          </p:cNvSpPr>
+          <p:nvPr>
+            <p:ph type="title"/>
+          </p:nvPr>
+        </p:nvSpPr>
+        <p:spPr>
+          <a:xfrm>
+            <a:off x="733097" y="0"/>
+            <a:ext cx="10515600" cy="1325563"/>
+          </a:xfrm>
+        </p:spPr>
+        <p:txBody>
+          <a:bodyPr/>
+          <a:lstStyle/>
+          <a:p>
+            <a:pPr algn="ctr"/>
+            <a:r>
+              <a:rPr lang="en-US" dirty="0"/>
+              <a:t>Description</a:t>
+            </a:r>
+          </a:p>
+        </p:txBody>
+      </p:sp>
+      <mc:AlternateContent xmlns:mc="http://schemas.openxmlformats.org/markup-compatibility/2006">
+        <mc:Choice xmlns:a14="http://schemas.microsoft.com/office/drawing/2010/main" Requires="a14">
+          <p:sp>
+            <p:nvSpPr>
+              <p:cNvPr id="3" name="Content Placeholder 2">
+                <a:extLst>
+                  <a:ext uri="{FF2B5EF4-FFF2-40B4-BE49-F238E27FC236}">
+                    <a16:creationId xmlns:a16="http://schemas.microsoft.com/office/drawing/2014/main" id="{5DF251DC-4F64-5D48-6C5F-F604B6F609CD}"/>
+                  </a:ext>
+                </a:extLst>
+              </p:cNvPr>
+              <p:cNvSpPr>
+                <a:spLocks noGrp="1"/>
+              </p:cNvSpPr>
+              <p:nvPr>
+                <p:ph idx="1"/>
+              </p:nvPr>
+            </p:nvSpPr>
+            <p:spPr>
+              <a:xfrm>
+                <a:off x="371475" y="1325562"/>
+                <a:ext cx="11315700" cy="5318125"/>
+              </a:xfrm>
+            </p:spPr>
+            <p:txBody>
+              <a:bodyPr>
+                <a:normAutofit/>
+              </a:bodyPr>
+              <a:lstStyle/>
+              <a:p>
+                <a:pPr lvl="2"/>
+                <a:endParaRPr lang="en-US" dirty="0"/>
+              </a:p>
+              <a:p>
+                <a:pPr marL="0" indent="0">
+                  <a:buNone/>
+                </a:pPr>
+                <a:endParaRPr lang="en-US" i="1" dirty="0">
+                  <a:latin typeface="Cambria Math" panose="02040503050406030204" pitchFamily="18" charset="0"/>
+                </a:endParaRPr>
+              </a:p>
+              <a:p>
+                <a:pPr marL="0" indent="0">
+                  <a:buNone/>
+                </a:pPr>
+                <a14:m>
+                  <m:oMathPara xmlns:m="http://schemas.openxmlformats.org/officeDocument/2006/math">
+                    <m:oMathParaPr>
+                      <m:jc m:val="centerGroup"/>
+                    </m:oMathParaPr>
+                    <m:oMath xmlns:m="http://schemas.openxmlformats.org/officeDocument/2006/math">
+                      <m:r>
+                        <a:rPr lang="en-US" i="1" dirty="0" smtClean="0">
+                          <a:latin typeface="Cambria Math" panose="02040503050406030204" pitchFamily="18" charset="0"/>
+                        </a:rPr>
+                        <m:t>  </m:t>
+                      </m:r>
+                    </m:oMath>
+                  </m:oMathPara>
+                </a14:m>
+                <a:endParaRPr lang="en-US" dirty="0"/>
+              </a:p>
+            </p:txBody>
+          </p:sp>
+        </mc:Choice>
+        <mc:Fallback>
+          <p:sp>
+            <p:nvSpPr>
+              <p:cNvPr id="3" name="Content Placeholder 2">
+                <a:extLst>
+                  <a:ext uri="{FF2B5EF4-FFF2-40B4-BE49-F238E27FC236}">
+                    <a16:creationId xmlns:a16="http://schemas.microsoft.com/office/drawing/2014/main" id="{5DF251DC-4F64-5D48-6C5F-F604B6F609CD}"/>
+                  </a:ext>
+                </a:extLst>
+              </p:cNvPr>
+              <p:cNvSpPr>
+                <a:spLocks noGrp="1" noRot="1" noChangeAspect="1" noMove="1" noResize="1" noEditPoints="1" noAdjustHandles="1" noChangeArrowheads="1" noChangeShapeType="1" noTextEdit="1"/>
+              </p:cNvSpPr>
+              <p:nvPr>
+                <p:ph idx="1"/>
+              </p:nvPr>
+            </p:nvSpPr>
+            <p:spPr>
+              <a:xfrm>
+                <a:off x="371475" y="1325562"/>
+                <a:ext cx="11315700" cy="5318125"/>
+              </a:xfrm>
+              <a:blipFill>
+                <a:blip r:embed="rId2"/>
+                <a:stretch>
+                  <a:fillRect/>
+                </a:stretch>
+              </a:blipFill>
+            </p:spPr>
+            <p:txBody>
+              <a:bodyPr/>
+              <a:lstStyle/>
+              <a:p>
+                <a:r>
+                  <a:rPr lang="en-US">
+                    <a:noFill/>
+                  </a:rPr>
+                  <a:t> </a:t>
+                </a:r>
+              </a:p>
+            </p:txBody>
+          </p:sp>
+        </mc:Fallback>
+      </mc:AlternateContent>
+      <p:sp>
+        <p:nvSpPr>
+          <p:cNvPr id="5" name="TextBox 4">
+            <a:extLst>
+              <a:ext uri="{FF2B5EF4-FFF2-40B4-BE49-F238E27FC236}">
+                <a16:creationId xmlns:a16="http://schemas.microsoft.com/office/drawing/2014/main" id="{C9A8E3C0-1C2E-BEB4-5967-D6C085FEEED1}"/>
+              </a:ext>
+            </a:extLst>
+          </p:cNvPr>
+          <p:cNvSpPr txBox="1"/>
+          <p:nvPr/>
+        </p:nvSpPr>
+        <p:spPr>
+          <a:xfrm>
+            <a:off x="504825" y="1166843"/>
+            <a:ext cx="10954078" cy="4801314"/>
+          </a:xfrm>
+          <a:prstGeom prst="rect">
+            <a:avLst/>
+          </a:prstGeom>
+          <a:noFill/>
+        </p:spPr>
+        <p:txBody>
+          <a:bodyPr wrap="square">
+            <a:spAutoFit/>
+          </a:bodyPr>
+          <a:lstStyle/>
+          <a:p>
+            <a:r>
+              <a:rPr lang="en-US" dirty="0"/>
+              <a:t>Algorithms</a:t>
+            </a:r>
+          </a:p>
+          <a:p>
+            <a:pPr marL="800100" lvl="1" indent="-342900">
+              <a:buFont typeface="+mj-lt"/>
+              <a:buAutoNum type="arabicPeriod"/>
+            </a:pPr>
+            <a:r>
+              <a:rPr lang="en-US" b="1" dirty="0"/>
+              <a:t>Exact baseline</a:t>
+            </a:r>
+            <a:r>
+              <a:rPr lang="en-US" dirty="0"/>
+              <a:t>: does all LLM calls, computes exact scores and select the max</a:t>
+            </a:r>
+          </a:p>
+          <a:p>
+            <a:pPr marL="800100" lvl="1" indent="-342900">
+              <a:buFont typeface="+mj-lt"/>
+              <a:buAutoNum type="arabicPeriod"/>
+            </a:pPr>
+            <a:r>
+              <a:rPr lang="en-US" b="1" dirty="0"/>
+              <a:t>Naïve</a:t>
+            </a:r>
+            <a:r>
+              <a:rPr lang="en-US" dirty="0"/>
+              <a:t>: does all LLM calls, uses them one by one to adjust bounds, and selects the remaining one</a:t>
+            </a:r>
+          </a:p>
+          <a:p>
+            <a:pPr marL="800100" lvl="1" indent="-342900">
+              <a:buFont typeface="+mj-lt"/>
+              <a:buAutoNum type="arabicPeriod"/>
+            </a:pPr>
+            <a:r>
+              <a:rPr lang="en-US" dirty="0"/>
+              <a:t> </a:t>
+            </a:r>
+            <a:r>
+              <a:rPr lang="en-US" b="1" dirty="0"/>
+              <a:t>Min Uncertainty</a:t>
+            </a:r>
+            <a:r>
+              <a:rPr lang="en-US" dirty="0"/>
+              <a:t>: In an iterative process, decides which LLM call to do next, updates bounds, and repeats it till the winner is clear. </a:t>
+            </a:r>
+          </a:p>
+          <a:p>
+            <a:pPr marL="800100" lvl="1" indent="-342900">
+              <a:buFont typeface="+mj-lt"/>
+              <a:buAutoNum type="arabicPeriod"/>
+            </a:pPr>
+            <a:r>
+              <a:rPr lang="en-US" b="1" dirty="0"/>
+              <a:t>Lowest Overlap: </a:t>
+            </a:r>
+            <a:r>
+              <a:rPr lang="en-US" dirty="0"/>
+              <a:t>Choose a candidate where LB has the lowest overlap with the UB of others + largest non-overlapping area</a:t>
+            </a:r>
+          </a:p>
+          <a:p>
+            <a:pPr lvl="1"/>
+            <a:endParaRPr lang="en-US" dirty="0"/>
+          </a:p>
+          <a:p>
+            <a:r>
+              <a:rPr lang="en-US" dirty="0"/>
+              <a:t>LLM calls</a:t>
+            </a:r>
+          </a:p>
+          <a:p>
+            <a:pPr lvl="1"/>
+            <a:r>
+              <a:rPr lang="en-US" dirty="0"/>
+              <a:t>Actual calls using </a:t>
+            </a:r>
+            <a:r>
+              <a:rPr lang="en-US" dirty="0" err="1"/>
+              <a:t>Langchain</a:t>
+            </a:r>
+            <a:endParaRPr lang="en-US" dirty="0"/>
+          </a:p>
+          <a:p>
+            <a:pPr lvl="1"/>
+            <a:r>
+              <a:rPr lang="en-US" dirty="0"/>
+              <a:t>Mocked tables (test purposes)</a:t>
+            </a:r>
+          </a:p>
+          <a:p>
+            <a:endParaRPr lang="en-US" dirty="0"/>
+          </a:p>
+          <a:p>
+            <a:r>
+              <a:rPr lang="en-US" dirty="0"/>
+              <a:t>Metrics</a:t>
+            </a:r>
+          </a:p>
+          <a:p>
+            <a:pPr lvl="1"/>
+            <a:r>
+              <a:rPr lang="en-US" dirty="0"/>
+              <a:t>Time (duration)</a:t>
+            </a:r>
+          </a:p>
+          <a:p>
+            <a:pPr lvl="1"/>
+            <a:r>
+              <a:rPr lang="en-US" dirty="0"/>
+              <a:t>Cost (LLM calls)</a:t>
+            </a:r>
+          </a:p>
+          <a:p>
+            <a:pPr lvl="1"/>
+            <a:r>
+              <a:rPr lang="en-US" dirty="0"/>
+              <a:t>Quality (correct solution)</a:t>
+            </a:r>
+          </a:p>
+          <a:p>
+            <a:pPr lvl="1"/>
+            <a:r>
+              <a:rPr lang="en-US" dirty="0"/>
+              <a:t>Entropy</a:t>
+            </a:r>
+          </a:p>
+        </p:txBody>
+      </p:sp>
+    </p:spTree>
+    <p:extLst>
+      <p:ext uri="{BB962C8B-B14F-4D97-AF65-F5344CB8AC3E}">
+        <p14:creationId xmlns:p14="http://schemas.microsoft.com/office/powerpoint/2010/main" val="2842589031"/>
+      </p:ext>
+    </p:extLst>
+  </p:cSld>
+  <p:clrMapOvr>
+    <a:masterClrMapping/>
+  </p:clrMapOvr>
+</p:sld>
+</file>
+
+<file path=ppt/slides/slide29.xml><?xml version="1.0" encoding="utf-8"?>
+<p:sld xmlns:a="http://schemas.openxmlformats.org/drawingml/2006/main" xmlns:r="http://schemas.openxmlformats.org/officeDocument/2006/relationships" xmlns:p="http://schemas.openxmlformats.org/presentationml/2006/main">
+  <p:cSld>
+    <p:spTree>
+      <p:nvGrpSpPr>
+        <p:cNvPr id="1" name=""/>
+        <p:cNvGrpSpPr/>
+        <p:nvPr/>
+      </p:nvGrpSpPr>
+      <p:grpSpPr>
+        <a:xfrm>
+          <a:off x="0" y="0"/>
+          <a:ext cx="0" cy="0"/>
+          <a:chOff x="0" y="0"/>
+          <a:chExt cx="0" cy="0"/>
+        </a:xfrm>
+      </p:grpSpPr>
+      <p:sp>
+        <p:nvSpPr>
+          <p:cNvPr id="2" name="Title 1">
+            <a:extLst>
+              <a:ext uri="{FF2B5EF4-FFF2-40B4-BE49-F238E27FC236}">
+                <a16:creationId xmlns:a16="http://schemas.microsoft.com/office/drawing/2014/main" id="{88ABCA84-F0B3-F083-35FC-6C2D94DF3B07}"/>
+              </a:ext>
+            </a:extLst>
+          </p:cNvPr>
+          <p:cNvSpPr>
+            <a:spLocks noGrp="1"/>
+          </p:cNvSpPr>
+          <p:nvPr>
+            <p:ph type="title"/>
+          </p:nvPr>
+        </p:nvSpPr>
+        <p:spPr>
+          <a:xfrm>
+            <a:off x="724064" y="-238080"/>
+            <a:ext cx="10515600" cy="1325563"/>
+          </a:xfrm>
+        </p:spPr>
+        <p:txBody>
+          <a:bodyPr/>
+          <a:lstStyle/>
+          <a:p>
+            <a:pPr algn="ctr"/>
+            <a:r>
+              <a:rPr lang="en-US" dirty="0"/>
+              <a:t>Results</a:t>
+            </a:r>
+          </a:p>
+        </p:txBody>
+      </p:sp>
+      <mc:AlternateContent xmlns:mc="http://schemas.openxmlformats.org/markup-compatibility/2006">
+        <mc:Choice xmlns:a14="http://schemas.microsoft.com/office/drawing/2010/main" Requires="a14">
+          <p:sp>
+            <p:nvSpPr>
+              <p:cNvPr id="3" name="Content Placeholder 2">
+                <a:extLst>
+                  <a:ext uri="{FF2B5EF4-FFF2-40B4-BE49-F238E27FC236}">
+                    <a16:creationId xmlns:a16="http://schemas.microsoft.com/office/drawing/2014/main" id="{5DF251DC-4F64-5D48-6C5F-F604B6F609CD}"/>
+                  </a:ext>
+                </a:extLst>
+              </p:cNvPr>
+              <p:cNvSpPr>
+                <a:spLocks noGrp="1"/>
+              </p:cNvSpPr>
+              <p:nvPr>
+                <p:ph idx="1"/>
+              </p:nvPr>
+            </p:nvSpPr>
+            <p:spPr>
+              <a:xfrm>
+                <a:off x="371475" y="1325562"/>
+                <a:ext cx="11315700" cy="5318125"/>
+              </a:xfrm>
+            </p:spPr>
+            <p:txBody>
+              <a:bodyPr>
+                <a:normAutofit/>
+              </a:bodyPr>
+              <a:lstStyle/>
+              <a:p>
+                <a:pPr lvl="2"/>
+                <a:endParaRPr lang="en-US" dirty="0"/>
+              </a:p>
+              <a:p>
+                <a:pPr marL="0" indent="0">
+                  <a:buNone/>
+                </a:pPr>
+                <a:endParaRPr lang="en-US" i="1" dirty="0">
+                  <a:latin typeface="Cambria Math" panose="02040503050406030204" pitchFamily="18" charset="0"/>
+                </a:endParaRPr>
+              </a:p>
+              <a:p>
+                <a:pPr marL="0" indent="0">
+                  <a:buNone/>
+                </a:pPr>
+                <a14:m>
+                  <m:oMathPara xmlns:m="http://schemas.openxmlformats.org/officeDocument/2006/math">
+                    <m:oMathParaPr>
+                      <m:jc m:val="centerGroup"/>
+                    </m:oMathParaPr>
+                    <m:oMath xmlns:m="http://schemas.openxmlformats.org/officeDocument/2006/math">
+                      <m:r>
+                        <a:rPr lang="en-US" i="1" dirty="0" smtClean="0">
+                          <a:latin typeface="Cambria Math" panose="02040503050406030204" pitchFamily="18" charset="0"/>
+                        </a:rPr>
+                        <m:t>  </m:t>
+                      </m:r>
+                    </m:oMath>
+                  </m:oMathPara>
+                </a14:m>
+                <a:endParaRPr lang="en-US" dirty="0"/>
+              </a:p>
+            </p:txBody>
+          </p:sp>
+        </mc:Choice>
+        <mc:Fallback>
+          <p:sp>
+            <p:nvSpPr>
+              <p:cNvPr id="3" name="Content Placeholder 2">
+                <a:extLst>
+                  <a:ext uri="{FF2B5EF4-FFF2-40B4-BE49-F238E27FC236}">
+                    <a16:creationId xmlns:a16="http://schemas.microsoft.com/office/drawing/2014/main" id="{5DF251DC-4F64-5D48-6C5F-F604B6F609CD}"/>
+                  </a:ext>
+                </a:extLst>
+              </p:cNvPr>
+              <p:cNvSpPr>
+                <a:spLocks noGrp="1" noRot="1" noChangeAspect="1" noMove="1" noResize="1" noEditPoints="1" noAdjustHandles="1" noChangeArrowheads="1" noChangeShapeType="1" noTextEdit="1"/>
+              </p:cNvSpPr>
+              <p:nvPr>
+                <p:ph idx="1"/>
+              </p:nvPr>
+            </p:nvSpPr>
+            <p:spPr>
+              <a:xfrm>
+                <a:off x="371475" y="1325562"/>
+                <a:ext cx="11315700" cy="5318125"/>
+              </a:xfrm>
+              <a:blipFill>
+                <a:blip r:embed="rId2"/>
+                <a:stretch>
+                  <a:fillRect/>
+                </a:stretch>
+              </a:blipFill>
+            </p:spPr>
+            <p:txBody>
+              <a:bodyPr/>
+              <a:lstStyle/>
+              <a:p>
+                <a:r>
+                  <a:rPr lang="en-US">
+                    <a:noFill/>
+                  </a:rPr>
+                  <a:t> </a:t>
+                </a:r>
+              </a:p>
+            </p:txBody>
+          </p:sp>
+        </mc:Fallback>
+      </mc:AlternateContent>
+      <p:sp>
+        <p:nvSpPr>
+          <p:cNvPr id="5" name="TextBox 4">
+            <a:extLst>
+              <a:ext uri="{FF2B5EF4-FFF2-40B4-BE49-F238E27FC236}">
+                <a16:creationId xmlns:a16="http://schemas.microsoft.com/office/drawing/2014/main" id="{C9A8E3C0-1C2E-BEB4-5967-D6C085FEEED1}"/>
+              </a:ext>
+            </a:extLst>
+          </p:cNvPr>
+          <p:cNvSpPr txBox="1"/>
+          <p:nvPr/>
+        </p:nvSpPr>
+        <p:spPr>
+          <a:xfrm>
+            <a:off x="504825" y="893173"/>
+            <a:ext cx="10954078" cy="5909310"/>
+          </a:xfrm>
+          <a:prstGeom prst="rect">
+            <a:avLst/>
+          </a:prstGeom>
+          <a:noFill/>
+        </p:spPr>
+        <p:txBody>
+          <a:bodyPr wrap="square">
+            <a:spAutoFit/>
+          </a:bodyPr>
+          <a:lstStyle/>
+          <a:p>
+            <a:r>
+              <a:rPr lang="en-US" dirty="0"/>
+              <a:t>Cost</a:t>
+            </a:r>
+          </a:p>
+          <a:p>
+            <a:pPr lvl="1"/>
+            <a:r>
+              <a:rPr lang="en-US" dirty="0"/>
+              <a:t>Lowest overlap &lt; </a:t>
+            </a:r>
+            <a:r>
+              <a:rPr lang="en-US" dirty="0" err="1"/>
+              <a:t>Min_Uncertainty</a:t>
+            </a:r>
+            <a:r>
+              <a:rPr lang="en-US" dirty="0"/>
+              <a:t> &lt; Naïve = Baseline</a:t>
+            </a:r>
+          </a:p>
+          <a:p>
+            <a:endParaRPr lang="en-US" dirty="0"/>
+          </a:p>
+          <a:p>
+            <a:r>
+              <a:rPr lang="en-US" dirty="0"/>
+              <a:t>Time</a:t>
+            </a:r>
+          </a:p>
+          <a:p>
+            <a:pPr lvl="1"/>
+            <a:r>
+              <a:rPr lang="en-US" dirty="0"/>
+              <a:t>Mocked tables</a:t>
+            </a:r>
+          </a:p>
+          <a:p>
+            <a:pPr lvl="2"/>
+            <a:r>
+              <a:rPr lang="en-US" dirty="0"/>
+              <a:t>Lowest overlap &gt; Min Uncertainty &gt; Baseline &gt; Naïve</a:t>
+            </a:r>
+          </a:p>
+          <a:p>
+            <a:pPr lvl="1"/>
+            <a:r>
+              <a:rPr lang="en-US" dirty="0"/>
+              <a:t>Actual LLMs</a:t>
+            </a:r>
+          </a:p>
+          <a:p>
+            <a:pPr lvl="2"/>
+            <a:r>
+              <a:rPr lang="en-US" dirty="0"/>
+              <a:t>Min Uncertainty </a:t>
+            </a:r>
+            <a:r>
+              <a:rPr lang="en-US" dirty="0">
+                <a:solidFill>
+                  <a:srgbClr val="FF0000"/>
+                </a:solidFill>
+              </a:rPr>
+              <a:t>&lt;=</a:t>
+            </a:r>
+            <a:r>
+              <a:rPr lang="en-US" dirty="0"/>
+              <a:t> Lowest overlap &lt; Naive &lt; Baseline</a:t>
+            </a:r>
+          </a:p>
+          <a:p>
+            <a:pPr lvl="2"/>
+            <a:endParaRPr lang="en-US" dirty="0"/>
+          </a:p>
+          <a:p>
+            <a:r>
+              <a:rPr lang="en-US" dirty="0"/>
+              <a:t>Entropy</a:t>
+            </a:r>
+          </a:p>
+          <a:p>
+            <a:pPr marL="742950" lvl="1" indent="-285750">
+              <a:buFont typeface="Arial" panose="020B0604020202020204" pitchFamily="34" charset="0"/>
+              <a:buChar char="•"/>
+            </a:pPr>
+            <a:r>
+              <a:rPr lang="en-US" dirty="0"/>
+              <a:t>The entropy over time ends with zero for all Lowest overlap, min uncertainty, and naïve</a:t>
+            </a:r>
+          </a:p>
+          <a:p>
+            <a:pPr marL="742950" lvl="1" indent="-285750">
+              <a:buFont typeface="Arial" panose="020B0604020202020204" pitchFamily="34" charset="0"/>
+              <a:buChar char="•"/>
+            </a:pPr>
+            <a:r>
+              <a:rPr lang="en-US" dirty="0"/>
+              <a:t>The entropy over time is not monotonic for any of them</a:t>
+            </a:r>
+          </a:p>
+          <a:p>
+            <a:endParaRPr lang="en-US" dirty="0"/>
+          </a:p>
+          <a:p>
+            <a:r>
+              <a:rPr lang="en-US" dirty="0"/>
+              <a:t>Quality</a:t>
+            </a:r>
+          </a:p>
+          <a:p>
+            <a:pPr lvl="1"/>
+            <a:r>
+              <a:rPr lang="en-US" dirty="0"/>
+              <a:t>Mocked tables</a:t>
+            </a:r>
+          </a:p>
+          <a:p>
+            <a:pPr lvl="2"/>
+            <a:r>
+              <a:rPr lang="en-US" dirty="0"/>
+              <a:t>Min Uncertainty = Baseline = Naïve = Lowest Overlap</a:t>
+            </a:r>
+          </a:p>
+          <a:p>
+            <a:pPr lvl="2"/>
+            <a:endParaRPr lang="en-US" dirty="0"/>
+          </a:p>
+          <a:p>
+            <a:pPr lvl="1"/>
+            <a:r>
+              <a:rPr lang="en-US" dirty="0"/>
+              <a:t>Actual LLMs</a:t>
+            </a:r>
+          </a:p>
+          <a:p>
+            <a:pPr lvl="2"/>
+            <a:r>
+              <a:rPr lang="en-US" dirty="0"/>
+              <a:t>No guarantee, but we expect to be still equal </a:t>
+            </a:r>
+          </a:p>
+          <a:p>
+            <a:pPr lvl="2"/>
+            <a:r>
+              <a:rPr lang="en-US" b="1" dirty="0">
+                <a:solidFill>
+                  <a:srgbClr val="FF0000"/>
+                </a:solidFill>
+              </a:rPr>
+              <a:t>Second type of uncertainty</a:t>
+            </a:r>
+          </a:p>
+          <a:p>
+            <a:pPr lvl="3"/>
+            <a:r>
+              <a:rPr lang="en-US" dirty="0"/>
+              <a:t>Make use of </a:t>
+            </a:r>
+            <a:r>
+              <a:rPr lang="en-US" dirty="0" err="1"/>
+              <a:t>Langchain</a:t>
+            </a:r>
+            <a:r>
+              <a:rPr lang="en-US" dirty="0"/>
+              <a:t> to reduce that</a:t>
+            </a:r>
+          </a:p>
+        </p:txBody>
+      </p:sp>
+    </p:spTree>
+    <p:extLst>
+      <p:ext uri="{BB962C8B-B14F-4D97-AF65-F5344CB8AC3E}">
+        <p14:creationId xmlns:p14="http://schemas.microsoft.com/office/powerpoint/2010/main" val="1758416127"/>
       </p:ext>
     </p:extLst>
   </p:cSld>

--- a/rankingwithLLM.pptx
+++ b/rankingwithLLM.pptx
@@ -225,7 +225,7 @@
           <a:p>
             <a:fld id="{DE9DA986-C197-2042-B476-BC36203B606C}" type="datetimeFigureOut">
               <a:rPr lang="en-US" smtClean="0"/>
-              <a:t>9/15/24</a:t>
+              <a:t>9/16/24</a:t>
             </a:fld>
             <a:endParaRPr lang="en-US"/>
           </a:p>
@@ -723,7 +723,7 @@
           <a:p>
             <a:fld id="{70F6711B-007C-4E47-B805-CF8F9D486DA3}" type="datetimeFigureOut">
               <a:rPr lang="en-US" smtClean="0"/>
-              <a:t>9/15/24</a:t>
+              <a:t>9/16/24</a:t>
             </a:fld>
             <a:endParaRPr lang="en-US"/>
           </a:p>
@@ -921,7 +921,7 @@
           <a:p>
             <a:fld id="{70F6711B-007C-4E47-B805-CF8F9D486DA3}" type="datetimeFigureOut">
               <a:rPr lang="en-US" smtClean="0"/>
-              <a:t>9/15/24</a:t>
+              <a:t>9/16/24</a:t>
             </a:fld>
             <a:endParaRPr lang="en-US"/>
           </a:p>
@@ -1129,7 +1129,7 @@
           <a:p>
             <a:fld id="{70F6711B-007C-4E47-B805-CF8F9D486DA3}" type="datetimeFigureOut">
               <a:rPr lang="en-US" smtClean="0"/>
-              <a:t>9/15/24</a:t>
+              <a:t>9/16/24</a:t>
             </a:fld>
             <a:endParaRPr lang="en-US"/>
           </a:p>
@@ -1327,7 +1327,7 @@
           <a:p>
             <a:fld id="{70F6711B-007C-4E47-B805-CF8F9D486DA3}" type="datetimeFigureOut">
               <a:rPr lang="en-US" smtClean="0"/>
-              <a:t>9/15/24</a:t>
+              <a:t>9/16/24</a:t>
             </a:fld>
             <a:endParaRPr lang="en-US"/>
           </a:p>
@@ -1602,7 +1602,7 @@
           <a:p>
             <a:fld id="{70F6711B-007C-4E47-B805-CF8F9D486DA3}" type="datetimeFigureOut">
               <a:rPr lang="en-US" smtClean="0"/>
-              <a:t>9/15/24</a:t>
+              <a:t>9/16/24</a:t>
             </a:fld>
             <a:endParaRPr lang="en-US"/>
           </a:p>
@@ -1867,7 +1867,7 @@
           <a:p>
             <a:fld id="{70F6711B-007C-4E47-B805-CF8F9D486DA3}" type="datetimeFigureOut">
               <a:rPr lang="en-US" smtClean="0"/>
-              <a:t>9/15/24</a:t>
+              <a:t>9/16/24</a:t>
             </a:fld>
             <a:endParaRPr lang="en-US"/>
           </a:p>
@@ -2279,7 +2279,7 @@
           <a:p>
             <a:fld id="{70F6711B-007C-4E47-B805-CF8F9D486DA3}" type="datetimeFigureOut">
               <a:rPr lang="en-US" smtClean="0"/>
-              <a:t>9/15/24</a:t>
+              <a:t>9/16/24</a:t>
             </a:fld>
             <a:endParaRPr lang="en-US"/>
           </a:p>
@@ -2420,7 +2420,7 @@
           <a:p>
             <a:fld id="{70F6711B-007C-4E47-B805-CF8F9D486DA3}" type="datetimeFigureOut">
               <a:rPr lang="en-US" smtClean="0"/>
-              <a:t>9/15/24</a:t>
+              <a:t>9/16/24</a:t>
             </a:fld>
             <a:endParaRPr lang="en-US"/>
           </a:p>
@@ -2533,7 +2533,7 @@
           <a:p>
             <a:fld id="{70F6711B-007C-4E47-B805-CF8F9D486DA3}" type="datetimeFigureOut">
               <a:rPr lang="en-US" smtClean="0"/>
-              <a:t>9/15/24</a:t>
+              <a:t>9/16/24</a:t>
             </a:fld>
             <a:endParaRPr lang="en-US"/>
           </a:p>
@@ -2844,7 +2844,7 @@
           <a:p>
             <a:fld id="{70F6711B-007C-4E47-B805-CF8F9D486DA3}" type="datetimeFigureOut">
               <a:rPr lang="en-US" smtClean="0"/>
-              <a:t>9/15/24</a:t>
+              <a:t>9/16/24</a:t>
             </a:fld>
             <a:endParaRPr lang="en-US"/>
           </a:p>
@@ -3132,7 +3132,7 @@
           <a:p>
             <a:fld id="{70F6711B-007C-4E47-B805-CF8F9D486DA3}" type="datetimeFigureOut">
               <a:rPr lang="en-US" smtClean="0"/>
-              <a:t>9/15/24</a:t>
+              <a:t>9/16/24</a:t>
             </a:fld>
             <a:endParaRPr lang="en-US"/>
           </a:p>
@@ -3373,7 +3373,7 @@
           <a:p>
             <a:fld id="{70F6711B-007C-4E47-B805-CF8F9D486DA3}" type="datetimeFigureOut">
               <a:rPr lang="en-US" smtClean="0"/>
-              <a:t>9/15/24</a:t>
+              <a:t>9/16/24</a:t>
             </a:fld>
             <a:endParaRPr lang="en-US"/>
           </a:p>
@@ -15862,8 +15862,8 @@
           </a:p>
         </p:txBody>
       </p:sp>
-      <mc:AlternateContent xmlns:mc="http://schemas.openxmlformats.org/markup-compatibility/2006">
-        <mc:Choice xmlns:a14="http://schemas.microsoft.com/office/drawing/2010/main" Requires="a14">
+      <mc:AlternateContent xmlns:mc="http://schemas.openxmlformats.org/markup-compatibility/2006" xmlns:a14="http://schemas.microsoft.com/office/drawing/2010/main">
+        <mc:Choice Requires="a14">
           <p:sp>
             <p:nvSpPr>
               <p:cNvPr id="3" name="Content Placeholder 2">
@@ -15927,7 +15927,7 @@
             </p:txBody>
           </p:sp>
         </mc:Choice>
-        <mc:Fallback>
+        <mc:Fallback xmlns="">
           <p:sp>
             <p:nvSpPr>
               <p:cNvPr id="3" name="Content Placeholder 2">
@@ -15986,7 +15986,7 @@
         <p:spPr>
           <a:xfrm>
             <a:off x="504825" y="1166843"/>
-            <a:ext cx="10954078" cy="4801314"/>
+            <a:ext cx="10954078" cy="5078313"/>
           </a:xfrm>
           <a:prstGeom prst="rect">
             <a:avLst/>
@@ -16062,6 +16062,16 @@
             <a:r>
               <a:rPr lang="en-US" dirty="0"/>
               <a:t>Choose a candidate where LB has the lowest overlap with the UB of others + largest non-overlapping area</a:t>
+            </a:r>
+          </a:p>
+          <a:p>
+            <a:pPr marL="1257300" lvl="2" indent="-342900">
+              <a:buFont typeface="Arial" panose="020B0604020202020204" pitchFamily="34" charset="0"/>
+              <a:buChar char="•"/>
+            </a:pPr>
+            <a:r>
+              <a:rPr lang="en-US" b="1" dirty="0"/>
+              <a:t>Inside a candidate, it chooses the tuple based on Min Uncertainty approach (Heuristic 1)</a:t>
             </a:r>
           </a:p>
           <a:p>
@@ -16162,42 +16172,8 @@
           <a:chExt cx="0" cy="0"/>
         </a:xfrm>
       </p:grpSpPr>
-      <p:sp>
-        <p:nvSpPr>
-          <p:cNvPr id="2" name="Title 1">
-            <a:extLst>
-              <a:ext uri="{FF2B5EF4-FFF2-40B4-BE49-F238E27FC236}">
-                <a16:creationId xmlns:a16="http://schemas.microsoft.com/office/drawing/2014/main" id="{88ABCA84-F0B3-F083-35FC-6C2D94DF3B07}"/>
-              </a:ext>
-            </a:extLst>
-          </p:cNvPr>
-          <p:cNvSpPr>
-            <a:spLocks noGrp="1"/>
-          </p:cNvSpPr>
-          <p:nvPr>
-            <p:ph type="title"/>
-          </p:nvPr>
-        </p:nvSpPr>
-        <p:spPr>
-          <a:xfrm>
-            <a:off x="724064" y="-238080"/>
-            <a:ext cx="10515600" cy="1325563"/>
-          </a:xfrm>
-        </p:spPr>
-        <p:txBody>
-          <a:bodyPr/>
-          <a:lstStyle/>
-          <a:p>
-            <a:pPr algn="ctr"/>
-            <a:r>
-              <a:rPr lang="en-US" dirty="0"/>
-              <a:t>Results</a:t>
-            </a:r>
-          </a:p>
-        </p:txBody>
-      </p:sp>
-      <mc:AlternateContent xmlns:mc="http://schemas.openxmlformats.org/markup-compatibility/2006">
-        <mc:Choice xmlns:a14="http://schemas.microsoft.com/office/drawing/2010/main" Requires="a14">
+      <mc:AlternateContent xmlns:mc="http://schemas.openxmlformats.org/markup-compatibility/2006" xmlns:a14="http://schemas.microsoft.com/office/drawing/2010/main">
+        <mc:Choice Requires="a14">
           <p:sp>
             <p:nvSpPr>
               <p:cNvPr id="3" name="Content Placeholder 2">
@@ -16261,7 +16237,7 @@
             </p:txBody>
           </p:sp>
         </mc:Choice>
-        <mc:Fallback>
+        <mc:Fallback xmlns="">
           <p:sp>
             <p:nvSpPr>
               <p:cNvPr id="3" name="Content Placeholder 2">
@@ -16319,8 +16295,8 @@
         </p:nvSpPr>
         <p:spPr>
           <a:xfrm>
-            <a:off x="504825" y="893173"/>
-            <a:ext cx="10954078" cy="5909310"/>
+            <a:off x="504825" y="394692"/>
+            <a:ext cx="10954078" cy="6463308"/>
           </a:xfrm>
           <a:prstGeom prst="rect">
             <a:avLst/>
@@ -16351,6 +16327,20 @@
             <a:r>
               <a:rPr lang="en-US" dirty="0"/>
               <a:t> &lt; Naïve = Baseline</a:t>
+            </a:r>
+          </a:p>
+          <a:p>
+            <a:pPr lvl="1"/>
+            <a:r>
+              <a:rPr lang="en-US" dirty="0"/>
+              <a:t>10 &lt; 20 &lt; 28 &lt; 28</a:t>
+            </a:r>
+            <a:br>
+              <a:rPr lang="en-US" dirty="0"/>
+            </a:br>
+            <a:r>
+              <a:rPr lang="en-US" dirty="0"/>
+              <a:t>24 &lt; 25 &lt; 28 &lt; 28</a:t>
             </a:r>
           </a:p>
           <a:p>

--- a/rankingwithLLM.pptx
+++ b/rankingwithLLM.pptx
@@ -5,7 +5,7 @@
     <p:sldMasterId id="2147483648" r:id="rId1"/>
   </p:sldMasterIdLst>
   <p:notesMasterIdLst>
-    <p:notesMasterId r:id="rId31"/>
+    <p:notesMasterId r:id="rId32"/>
   </p:notesMasterIdLst>
   <p:sldIdLst>
     <p:sldId id="256" r:id="rId2"/>
@@ -37,6 +37,7 @@
     <p:sldId id="284" r:id="rId28"/>
     <p:sldId id="285" r:id="rId29"/>
     <p:sldId id="286" r:id="rId30"/>
+    <p:sldId id="287" r:id="rId31"/>
   </p:sldIdLst>
   <p:sldSz cx="12192000" cy="6858000"/>
   <p:notesSz cx="6858000" cy="9144000"/>
@@ -16295,8 +16296,8 @@
         </p:nvSpPr>
         <p:spPr>
           <a:xfrm>
-            <a:off x="504825" y="394692"/>
-            <a:ext cx="10954078" cy="6463308"/>
+            <a:off x="504825" y="117693"/>
+            <a:ext cx="10954078" cy="6740307"/>
           </a:xfrm>
           <a:prstGeom prst="rect">
             <a:avLst/>
@@ -16341,6 +16342,13 @@
             <a:r>
               <a:rPr lang="en-US" dirty="0"/>
               <a:t>24 &lt; 25 &lt; 28 &lt; 28</a:t>
+            </a:r>
+          </a:p>
+          <a:p>
+            <a:pPr lvl="1"/>
+            <a:r>
+              <a:rPr lang="en-US" dirty="0"/>
+              <a:t>8 &lt; 18 &lt; 28 &lt; 28</a:t>
             </a:r>
           </a:p>
           <a:p>
@@ -16635,6 +16643,281 @@
     <p:extLst>
       <p:ext uri="{BB962C8B-B14F-4D97-AF65-F5344CB8AC3E}">
         <p14:creationId xmlns:p14="http://schemas.microsoft.com/office/powerpoint/2010/main" val="339062245"/>
+      </p:ext>
+    </p:extLst>
+  </p:cSld>
+  <p:clrMapOvr>
+    <a:masterClrMapping/>
+  </p:clrMapOvr>
+</p:sld>
+</file>
+
+<file path=ppt/slides/slide30.xml><?xml version="1.0" encoding="utf-8"?>
+<p:sld xmlns:a="http://schemas.openxmlformats.org/drawingml/2006/main" xmlns:r="http://schemas.openxmlformats.org/officeDocument/2006/relationships" xmlns:p="http://schemas.openxmlformats.org/presentationml/2006/main">
+  <p:cSld>
+    <p:spTree>
+      <p:nvGrpSpPr>
+        <p:cNvPr id="1" name=""/>
+        <p:cNvGrpSpPr/>
+        <p:nvPr/>
+      </p:nvGrpSpPr>
+      <p:grpSpPr>
+        <a:xfrm>
+          <a:off x="0" y="0"/>
+          <a:ext cx="0" cy="0"/>
+          <a:chOff x="0" y="0"/>
+          <a:chExt cx="0" cy="0"/>
+        </a:xfrm>
+      </p:grpSpPr>
+      <mc:AlternateContent xmlns:mc="http://schemas.openxmlformats.org/markup-compatibility/2006" xmlns:a14="http://schemas.microsoft.com/office/drawing/2010/main">
+        <mc:Choice Requires="a14">
+          <p:sp>
+            <p:nvSpPr>
+              <p:cNvPr id="3" name="Content Placeholder 2">
+                <a:extLst>
+                  <a:ext uri="{FF2B5EF4-FFF2-40B4-BE49-F238E27FC236}">
+                    <a16:creationId xmlns:a16="http://schemas.microsoft.com/office/drawing/2014/main" id="{5DF251DC-4F64-5D48-6C5F-F604B6F609CD}"/>
+                  </a:ext>
+                </a:extLst>
+              </p:cNvPr>
+              <p:cNvSpPr>
+                <a:spLocks noGrp="1"/>
+              </p:cNvSpPr>
+              <p:nvPr>
+                <p:ph idx="1"/>
+              </p:nvPr>
+            </p:nvSpPr>
+            <p:spPr>
+              <a:xfrm>
+                <a:off x="371475" y="1325562"/>
+                <a:ext cx="11315700" cy="5318125"/>
+              </a:xfrm>
+            </p:spPr>
+            <p:txBody>
+              <a:bodyPr>
+                <a:normAutofit/>
+              </a:bodyPr>
+              <a:lstStyle/>
+              <a:p>
+                <a:pPr lvl="2"/>
+                <a:endParaRPr lang="en-US" dirty="0"/>
+              </a:p>
+              <a:p>
+                <a:pPr marL="0" indent="0">
+                  <a:buNone/>
+                </a:pPr>
+                <a:endParaRPr lang="en-US" i="1" dirty="0">
+                  <a:latin typeface="Cambria Math" panose="02040503050406030204" pitchFamily="18" charset="0"/>
+                </a:endParaRPr>
+              </a:p>
+              <a:p>
+                <a:pPr marL="0" indent="0">
+                  <a:buNone/>
+                </a:pPr>
+                <a14:m>
+                  <m:oMathPara xmlns:m="http://schemas.openxmlformats.org/officeDocument/2006/math">
+                    <m:oMathParaPr>
+                      <m:jc m:val="centerGroup"/>
+                    </m:oMathParaPr>
+                    <m:oMath xmlns:m="http://schemas.openxmlformats.org/officeDocument/2006/math">
+                      <m:r>
+                        <a:rPr lang="en-US" i="1" dirty="0" smtClean="0">
+                          <a:latin typeface="Cambria Math" panose="02040503050406030204" pitchFamily="18" charset="0"/>
+                        </a:rPr>
+                        <m:t>  </m:t>
+                      </m:r>
+                    </m:oMath>
+                  </m:oMathPara>
+                </a14:m>
+                <a:endParaRPr lang="en-US" dirty="0"/>
+              </a:p>
+            </p:txBody>
+          </p:sp>
+        </mc:Choice>
+        <mc:Fallback xmlns="">
+          <p:sp>
+            <p:nvSpPr>
+              <p:cNvPr id="3" name="Content Placeholder 2">
+                <a:extLst>
+                  <a:ext uri="{FF2B5EF4-FFF2-40B4-BE49-F238E27FC236}">
+                    <a16:creationId xmlns:a16="http://schemas.microsoft.com/office/drawing/2014/main" id="{5DF251DC-4F64-5D48-6C5F-F604B6F609CD}"/>
+                  </a:ext>
+                </a:extLst>
+              </p:cNvPr>
+              <p:cNvSpPr>
+                <a:spLocks noGrp="1" noRot="1" noChangeAspect="1" noMove="1" noResize="1" noEditPoints="1" noAdjustHandles="1" noChangeArrowheads="1" noChangeShapeType="1" noTextEdit="1"/>
+              </p:cNvSpPr>
+              <p:nvPr>
+                <p:ph idx="1"/>
+              </p:nvPr>
+            </p:nvSpPr>
+            <p:spPr>
+              <a:xfrm>
+                <a:off x="371475" y="1325562"/>
+                <a:ext cx="11315700" cy="5318125"/>
+              </a:xfrm>
+              <a:blipFill>
+                <a:blip r:embed="rId2"/>
+                <a:stretch>
+                  <a:fillRect/>
+                </a:stretch>
+              </a:blipFill>
+            </p:spPr>
+            <p:txBody>
+              <a:bodyPr/>
+              <a:lstStyle/>
+              <a:p>
+                <a:r>
+                  <a:rPr lang="en-US">
+                    <a:noFill/>
+                  </a:rPr>
+                  <a:t> </a:t>
+                </a:r>
+              </a:p>
+            </p:txBody>
+          </p:sp>
+        </mc:Fallback>
+      </mc:AlternateContent>
+      <p:sp>
+        <p:nvSpPr>
+          <p:cNvPr id="5" name="TextBox 4">
+            <a:extLst>
+              <a:ext uri="{FF2B5EF4-FFF2-40B4-BE49-F238E27FC236}">
+                <a16:creationId xmlns:a16="http://schemas.microsoft.com/office/drawing/2014/main" id="{C9A8E3C0-1C2E-BEB4-5967-D6C085FEEED1}"/>
+              </a:ext>
+            </a:extLst>
+          </p:cNvPr>
+          <p:cNvSpPr txBox="1"/>
+          <p:nvPr/>
+        </p:nvSpPr>
+        <p:spPr>
+          <a:xfrm>
+            <a:off x="504825" y="509617"/>
+            <a:ext cx="10954078" cy="3693319"/>
+          </a:xfrm>
+          <a:prstGeom prst="rect">
+            <a:avLst/>
+          </a:prstGeom>
+          <a:noFill/>
+        </p:spPr>
+        <p:txBody>
+          <a:bodyPr wrap="square">
+            <a:spAutoFit/>
+          </a:bodyPr>
+          <a:lstStyle/>
+          <a:p>
+            <a:pPr marL="285750" indent="-285750">
+              <a:buFont typeface="Arial" panose="020B0604020202020204" pitchFamily="34" charset="0"/>
+              <a:buChar char="•"/>
+            </a:pPr>
+            <a:endParaRPr lang="en-US" dirty="0"/>
+          </a:p>
+          <a:p>
+            <a:pPr marL="285750" indent="-285750">
+              <a:buFont typeface="Arial" panose="020B0604020202020204" pitchFamily="34" charset="0"/>
+              <a:buChar char="•"/>
+            </a:pPr>
+            <a:r>
+              <a:rPr lang="en-US" dirty="0"/>
+              <a:t>Next steps:</a:t>
+            </a:r>
+          </a:p>
+          <a:p>
+            <a:pPr marL="285750" indent="-285750">
+              <a:buFont typeface="Arial" panose="020B0604020202020204" pitchFamily="34" charset="0"/>
+              <a:buChar char="•"/>
+            </a:pPr>
+            <a:endParaRPr lang="en-US" dirty="0"/>
+          </a:p>
+          <a:p>
+            <a:pPr marL="342900" indent="-342900">
+              <a:buFont typeface="+mj-lt"/>
+              <a:buAutoNum type="arabicPeriod"/>
+            </a:pPr>
+            <a:r>
+              <a:rPr lang="en-US" dirty="0"/>
+              <a:t>Probability implementation</a:t>
+            </a:r>
+          </a:p>
+          <a:p>
+            <a:pPr marL="342900" indent="-342900">
+              <a:buFont typeface="+mj-lt"/>
+              <a:buAutoNum type="arabicPeriod"/>
+            </a:pPr>
+            <a:r>
+              <a:rPr lang="en-US" dirty="0"/>
+              <a:t>Actual dataset</a:t>
+            </a:r>
+          </a:p>
+          <a:p>
+            <a:pPr marL="342900" indent="-342900">
+              <a:buFont typeface="+mj-lt"/>
+              <a:buAutoNum type="arabicPeriod"/>
+            </a:pPr>
+            <a:r>
+              <a:rPr lang="en-US" dirty="0"/>
+              <a:t>Implement a few ranking functions</a:t>
+            </a:r>
+          </a:p>
+          <a:p>
+            <a:endParaRPr lang="en-US" dirty="0"/>
+          </a:p>
+          <a:p>
+            <a:pPr marL="342900" indent="-342900">
+              <a:buFont typeface="+mj-lt"/>
+              <a:buAutoNum type="arabicPeriod"/>
+            </a:pPr>
+            <a:endParaRPr lang="en-US" dirty="0"/>
+          </a:p>
+          <a:p>
+            <a:r>
+              <a:rPr lang="en-US" dirty="0"/>
+              <a:t>Ranking functions:</a:t>
+            </a:r>
+          </a:p>
+          <a:p>
+            <a:pPr marL="285750" indent="-285750">
+              <a:buFont typeface="Arial" panose="020B0604020202020204" pitchFamily="34" charset="0"/>
+              <a:buChar char="•"/>
+            </a:pPr>
+            <a:r>
+              <a:rPr lang="en-US" dirty="0"/>
+              <a:t>MMR</a:t>
+            </a:r>
+          </a:p>
+          <a:p>
+            <a:pPr marL="285750" indent="-285750">
+              <a:buFont typeface="Arial" panose="020B0604020202020204" pitchFamily="34" charset="0"/>
+              <a:buChar char="•"/>
+            </a:pPr>
+            <a:r>
+              <a:rPr lang="en-US" dirty="0"/>
+              <a:t>GMM</a:t>
+            </a:r>
+            <a:br>
+              <a:rPr lang="en-US" dirty="0"/>
+            </a:br>
+            <a:r>
+              <a:rPr lang="en-US" dirty="0">
+                <a:hlinkClick r:id="rId3"/>
+              </a:rPr>
+              <a:t>https://link.springer.com/article/10.1007/s00778-022-00770-0</a:t>
+            </a:r>
+            <a:endParaRPr lang="en-US" dirty="0"/>
+          </a:p>
+          <a:p>
+            <a:pPr marL="342900" indent="-342900">
+              <a:buFont typeface="+mj-lt"/>
+              <a:buAutoNum type="arabicPeriod"/>
+            </a:pPr>
+            <a:endParaRPr lang="en-US" dirty="0"/>
+          </a:p>
+        </p:txBody>
+      </p:sp>
+    </p:spTree>
+    <p:extLst>
+      <p:ext uri="{BB962C8B-B14F-4D97-AF65-F5344CB8AC3E}">
+        <p14:creationId xmlns:p14="http://schemas.microsoft.com/office/powerpoint/2010/main" val="530679093"/>
       </p:ext>
     </p:extLst>
   </p:cSld>

--- a/rankingwithLLM.pptx
+++ b/rankingwithLLM.pptx
@@ -226,7 +226,7 @@
           <a:p>
             <a:fld id="{DE9DA986-C197-2042-B476-BC36203B606C}" type="datetimeFigureOut">
               <a:rPr lang="en-US" smtClean="0"/>
-              <a:t>9/16/24</a:t>
+              <a:t>9/18/24</a:t>
             </a:fld>
             <a:endParaRPr lang="en-US"/>
           </a:p>
@@ -724,7 +724,7 @@
           <a:p>
             <a:fld id="{70F6711B-007C-4E47-B805-CF8F9D486DA3}" type="datetimeFigureOut">
               <a:rPr lang="en-US" smtClean="0"/>
-              <a:t>9/16/24</a:t>
+              <a:t>9/18/24</a:t>
             </a:fld>
             <a:endParaRPr lang="en-US"/>
           </a:p>
@@ -922,7 +922,7 @@
           <a:p>
             <a:fld id="{70F6711B-007C-4E47-B805-CF8F9D486DA3}" type="datetimeFigureOut">
               <a:rPr lang="en-US" smtClean="0"/>
-              <a:t>9/16/24</a:t>
+              <a:t>9/18/24</a:t>
             </a:fld>
             <a:endParaRPr lang="en-US"/>
           </a:p>
@@ -1130,7 +1130,7 @@
           <a:p>
             <a:fld id="{70F6711B-007C-4E47-B805-CF8F9D486DA3}" type="datetimeFigureOut">
               <a:rPr lang="en-US" smtClean="0"/>
-              <a:t>9/16/24</a:t>
+              <a:t>9/18/24</a:t>
             </a:fld>
             <a:endParaRPr lang="en-US"/>
           </a:p>
@@ -1328,7 +1328,7 @@
           <a:p>
             <a:fld id="{70F6711B-007C-4E47-B805-CF8F9D486DA3}" type="datetimeFigureOut">
               <a:rPr lang="en-US" smtClean="0"/>
-              <a:t>9/16/24</a:t>
+              <a:t>9/18/24</a:t>
             </a:fld>
             <a:endParaRPr lang="en-US"/>
           </a:p>
@@ -1603,7 +1603,7 @@
           <a:p>
             <a:fld id="{70F6711B-007C-4E47-B805-CF8F9D486DA3}" type="datetimeFigureOut">
               <a:rPr lang="en-US" smtClean="0"/>
-              <a:t>9/16/24</a:t>
+              <a:t>9/18/24</a:t>
             </a:fld>
             <a:endParaRPr lang="en-US"/>
           </a:p>
@@ -1868,7 +1868,7 @@
           <a:p>
             <a:fld id="{70F6711B-007C-4E47-B805-CF8F9D486DA3}" type="datetimeFigureOut">
               <a:rPr lang="en-US" smtClean="0"/>
-              <a:t>9/16/24</a:t>
+              <a:t>9/18/24</a:t>
             </a:fld>
             <a:endParaRPr lang="en-US"/>
           </a:p>
@@ -2280,7 +2280,7 @@
           <a:p>
             <a:fld id="{70F6711B-007C-4E47-B805-CF8F9D486DA3}" type="datetimeFigureOut">
               <a:rPr lang="en-US" smtClean="0"/>
-              <a:t>9/16/24</a:t>
+              <a:t>9/18/24</a:t>
             </a:fld>
             <a:endParaRPr lang="en-US"/>
           </a:p>
@@ -2421,7 +2421,7 @@
           <a:p>
             <a:fld id="{70F6711B-007C-4E47-B805-CF8F9D486DA3}" type="datetimeFigureOut">
               <a:rPr lang="en-US" smtClean="0"/>
-              <a:t>9/16/24</a:t>
+              <a:t>9/18/24</a:t>
             </a:fld>
             <a:endParaRPr lang="en-US"/>
           </a:p>
@@ -2534,7 +2534,7 @@
           <a:p>
             <a:fld id="{70F6711B-007C-4E47-B805-CF8F9D486DA3}" type="datetimeFigureOut">
               <a:rPr lang="en-US" smtClean="0"/>
-              <a:t>9/16/24</a:t>
+              <a:t>9/18/24</a:t>
             </a:fld>
             <a:endParaRPr lang="en-US"/>
           </a:p>
@@ -2845,7 +2845,7 @@
           <a:p>
             <a:fld id="{70F6711B-007C-4E47-B805-CF8F9D486DA3}" type="datetimeFigureOut">
               <a:rPr lang="en-US" smtClean="0"/>
-              <a:t>9/16/24</a:t>
+              <a:t>9/18/24</a:t>
             </a:fld>
             <a:endParaRPr lang="en-US"/>
           </a:p>
@@ -3133,7 +3133,7 @@
           <a:p>
             <a:fld id="{70F6711B-007C-4E47-B805-CF8F9D486DA3}" type="datetimeFigureOut">
               <a:rPr lang="en-US" smtClean="0"/>
-              <a:t>9/16/24</a:t>
+              <a:t>9/18/24</a:t>
             </a:fld>
             <a:endParaRPr lang="en-US"/>
           </a:p>
@@ -3374,7 +3374,7 @@
           <a:p>
             <a:fld id="{70F6711B-007C-4E47-B805-CF8F9D486DA3}" type="datetimeFigureOut">
               <a:rPr lang="en-US" smtClean="0"/>
-              <a:t>9/16/24</a:t>
+              <a:t>9/18/24</a:t>
             </a:fld>
             <a:endParaRPr lang="en-US"/>
           </a:p>
@@ -16793,7 +16793,7 @@
         <p:spPr>
           <a:xfrm>
             <a:off x="504825" y="509617"/>
-            <a:ext cx="10954078" cy="3693319"/>
+            <a:ext cx="10954078" cy="4524315"/>
           </a:xfrm>
           <a:prstGeom prst="rect">
             <a:avLst/>
@@ -16840,6 +16840,31 @@
             </a:r>
           </a:p>
           <a:p>
+            <a:pPr marL="800100" lvl="1" indent="-342900">
+              <a:buFont typeface="+mj-lt"/>
+              <a:buAutoNum type="arabicPeriod"/>
+            </a:pPr>
+            <a:r>
+              <a:rPr lang="en-US" dirty="0"/>
+              <a:t>Discrete with the independence assumption</a:t>
+            </a:r>
+          </a:p>
+          <a:p>
+            <a:pPr marL="800100" lvl="1" indent="-342900">
+              <a:buFont typeface="+mj-lt"/>
+              <a:buAutoNum type="arabicPeriod"/>
+            </a:pPr>
+            <a:r>
+              <a:rPr lang="en-US" dirty="0"/>
+              <a:t>Generate discrete values for LLM/fake </a:t>
+            </a:r>
+            <a:r>
+              <a:rPr lang="en-US"/>
+              <a:t>apis</a:t>
+            </a:r>
+            <a:endParaRPr lang="en-US" dirty="0"/>
+          </a:p>
+          <a:p>
             <a:pPr marL="342900" indent="-342900">
               <a:buFont typeface="+mj-lt"/>
               <a:buAutoNum type="arabicPeriod"/>
@@ -16850,6 +16875,30 @@
             </a:r>
           </a:p>
           <a:p>
+            <a:pPr marL="800100" lvl="1" indent="-342900">
+              <a:buFont typeface="+mj-lt"/>
+              <a:buAutoNum type="arabicPeriod"/>
+            </a:pPr>
+            <a:r>
+              <a:rPr lang="en-US" dirty="0"/>
+              <a:t>Be able to run with hotel dataset</a:t>
+            </a:r>
+          </a:p>
+          <a:p>
+            <a:pPr marL="800100" lvl="1" indent="-342900">
+              <a:buFont typeface="+mj-lt"/>
+              <a:buAutoNum type="arabicPeriod"/>
+            </a:pPr>
+            <a:endParaRPr lang="en-US" dirty="0"/>
+          </a:p>
+          <a:p>
+            <a:pPr marL="800100" lvl="1" indent="-342900">
+              <a:buFont typeface="+mj-lt"/>
+              <a:buAutoNum type="arabicPeriod"/>
+            </a:pPr>
+            <a:endParaRPr lang="en-US" dirty="0"/>
+          </a:p>
+          <a:p>
             <a:pPr marL="342900" indent="-342900">
               <a:buFont typeface="+mj-lt"/>
               <a:buAutoNum type="arabicPeriod"/>
@@ -16858,16 +16907,6 @@
               <a:rPr lang="en-US" dirty="0"/>
               <a:t>Implement a few ranking functions</a:t>
             </a:r>
-          </a:p>
-          <a:p>
-            <a:endParaRPr lang="en-US" dirty="0"/>
-          </a:p>
-          <a:p>
-            <a:pPr marL="342900" indent="-342900">
-              <a:buFont typeface="+mj-lt"/>
-              <a:buAutoNum type="arabicPeriod"/>
-            </a:pPr>
-            <a:endParaRPr lang="en-US" dirty="0"/>
           </a:p>
           <a:p>
             <a:r>

--- a/rankingwithLLM.pptx
+++ b/rankingwithLLM.pptx
@@ -16859,7 +16859,7 @@
               <a:t>Generate discrete values for LLM/fake </a:t>
             </a:r>
             <a:r>
-              <a:rPr lang="en-US"/>
+              <a:rPr lang="en-US" dirty="0" err="1"/>
               <a:t>apis</a:t>
             </a:r>
             <a:endParaRPr lang="en-US" dirty="0"/>

--- a/rankingwithLLM.pptx
+++ b/rankingwithLLM.pptx
@@ -5,7 +5,7 @@
     <p:sldMasterId id="2147483648" r:id="rId1"/>
   </p:sldMasterIdLst>
   <p:notesMasterIdLst>
-    <p:notesMasterId r:id="rId32"/>
+    <p:notesMasterId r:id="rId42"/>
   </p:notesMasterIdLst>
   <p:sldIdLst>
     <p:sldId id="256" r:id="rId2"/>
@@ -38,6 +38,16 @@
     <p:sldId id="285" r:id="rId29"/>
     <p:sldId id="286" r:id="rId30"/>
     <p:sldId id="287" r:id="rId31"/>
+    <p:sldId id="288" r:id="rId32"/>
+    <p:sldId id="289" r:id="rId33"/>
+    <p:sldId id="290" r:id="rId34"/>
+    <p:sldId id="291" r:id="rId35"/>
+    <p:sldId id="292" r:id="rId36"/>
+    <p:sldId id="296" r:id="rId37"/>
+    <p:sldId id="293" r:id="rId38"/>
+    <p:sldId id="294" r:id="rId39"/>
+    <p:sldId id="295" r:id="rId40"/>
+    <p:sldId id="297" r:id="rId41"/>
   </p:sldIdLst>
   <p:sldSz cx="12192000" cy="6858000"/>
   <p:notesSz cx="6858000" cy="9144000"/>
@@ -226,7 +236,7 @@
           <a:p>
             <a:fld id="{DE9DA986-C197-2042-B476-BC36203B606C}" type="datetimeFigureOut">
               <a:rPr lang="en-US" smtClean="0"/>
-              <a:t>9/18/24</a:t>
+              <a:t>9/21/24</a:t>
             </a:fld>
             <a:endParaRPr lang="en-US"/>
           </a:p>
@@ -724,7 +734,7 @@
           <a:p>
             <a:fld id="{70F6711B-007C-4E47-B805-CF8F9D486DA3}" type="datetimeFigureOut">
               <a:rPr lang="en-US" smtClean="0"/>
-              <a:t>9/18/24</a:t>
+              <a:t>9/21/24</a:t>
             </a:fld>
             <a:endParaRPr lang="en-US"/>
           </a:p>
@@ -922,7 +932,7 @@
           <a:p>
             <a:fld id="{70F6711B-007C-4E47-B805-CF8F9D486DA3}" type="datetimeFigureOut">
               <a:rPr lang="en-US" smtClean="0"/>
-              <a:t>9/18/24</a:t>
+              <a:t>9/21/24</a:t>
             </a:fld>
             <a:endParaRPr lang="en-US"/>
           </a:p>
@@ -1130,7 +1140,7 @@
           <a:p>
             <a:fld id="{70F6711B-007C-4E47-B805-CF8F9D486DA3}" type="datetimeFigureOut">
               <a:rPr lang="en-US" smtClean="0"/>
-              <a:t>9/18/24</a:t>
+              <a:t>9/21/24</a:t>
             </a:fld>
             <a:endParaRPr lang="en-US"/>
           </a:p>
@@ -1328,7 +1338,7 @@
           <a:p>
             <a:fld id="{70F6711B-007C-4E47-B805-CF8F9D486DA3}" type="datetimeFigureOut">
               <a:rPr lang="en-US" smtClean="0"/>
-              <a:t>9/18/24</a:t>
+              <a:t>9/21/24</a:t>
             </a:fld>
             <a:endParaRPr lang="en-US"/>
           </a:p>
@@ -1603,7 +1613,7 @@
           <a:p>
             <a:fld id="{70F6711B-007C-4E47-B805-CF8F9D486DA3}" type="datetimeFigureOut">
               <a:rPr lang="en-US" smtClean="0"/>
-              <a:t>9/18/24</a:t>
+              <a:t>9/21/24</a:t>
             </a:fld>
             <a:endParaRPr lang="en-US"/>
           </a:p>
@@ -1868,7 +1878,7 @@
           <a:p>
             <a:fld id="{70F6711B-007C-4E47-B805-CF8F9D486DA3}" type="datetimeFigureOut">
               <a:rPr lang="en-US" smtClean="0"/>
-              <a:t>9/18/24</a:t>
+              <a:t>9/21/24</a:t>
             </a:fld>
             <a:endParaRPr lang="en-US"/>
           </a:p>
@@ -2280,7 +2290,7 @@
           <a:p>
             <a:fld id="{70F6711B-007C-4E47-B805-CF8F9D486DA3}" type="datetimeFigureOut">
               <a:rPr lang="en-US" smtClean="0"/>
-              <a:t>9/18/24</a:t>
+              <a:t>9/21/24</a:t>
             </a:fld>
             <a:endParaRPr lang="en-US"/>
           </a:p>
@@ -2421,7 +2431,7 @@
           <a:p>
             <a:fld id="{70F6711B-007C-4E47-B805-CF8F9D486DA3}" type="datetimeFigureOut">
               <a:rPr lang="en-US" smtClean="0"/>
-              <a:t>9/18/24</a:t>
+              <a:t>9/21/24</a:t>
             </a:fld>
             <a:endParaRPr lang="en-US"/>
           </a:p>
@@ -2534,7 +2544,7 @@
           <a:p>
             <a:fld id="{70F6711B-007C-4E47-B805-CF8F9D486DA3}" type="datetimeFigureOut">
               <a:rPr lang="en-US" smtClean="0"/>
-              <a:t>9/18/24</a:t>
+              <a:t>9/21/24</a:t>
             </a:fld>
             <a:endParaRPr lang="en-US"/>
           </a:p>
@@ -2845,7 +2855,7 @@
           <a:p>
             <a:fld id="{70F6711B-007C-4E47-B805-CF8F9D486DA3}" type="datetimeFigureOut">
               <a:rPr lang="en-US" smtClean="0"/>
-              <a:t>9/18/24</a:t>
+              <a:t>9/21/24</a:t>
             </a:fld>
             <a:endParaRPr lang="en-US"/>
           </a:p>
@@ -3133,7 +3143,7 @@
           <a:p>
             <a:fld id="{70F6711B-007C-4E47-B805-CF8F9D486DA3}" type="datetimeFigureOut">
               <a:rPr lang="en-US" smtClean="0"/>
-              <a:t>9/18/24</a:t>
+              <a:t>9/21/24</a:t>
             </a:fld>
             <a:endParaRPr lang="en-US"/>
           </a:p>
@@ -3374,7 +3384,7 @@
           <a:p>
             <a:fld id="{70F6711B-007C-4E47-B805-CF8F9D486DA3}" type="datetimeFigureOut">
               <a:rPr lang="en-US" smtClean="0"/>
-              <a:t>9/18/24</a:t>
+              <a:t>9/21/24</a:t>
             </a:fld>
             <a:endParaRPr lang="en-US"/>
           </a:p>
@@ -15847,7 +15857,7 @@
         </p:nvSpPr>
         <p:spPr>
           <a:xfrm>
-            <a:off x="733097" y="0"/>
+            <a:off x="771525" y="-238080"/>
             <a:ext cx="10515600" cy="1325563"/>
           </a:xfrm>
         </p:spPr>
@@ -15986,8 +15996,8 @@
         </p:nvSpPr>
         <p:spPr>
           <a:xfrm>
-            <a:off x="504825" y="1166843"/>
-            <a:ext cx="10954078" cy="5078313"/>
+            <a:off x="504825" y="891469"/>
+            <a:ext cx="10954078" cy="6186309"/>
           </a:xfrm>
           <a:prstGeom prst="rect">
             <a:avLst/>
@@ -16001,7 +16011,7 @@
           <a:lstStyle/>
           <a:p>
             <a:r>
-              <a:rPr lang="en-US" dirty="0"/>
+              <a:rPr lang="en-US" b="1" dirty="0"/>
               <a:t>Algorithms</a:t>
             </a:r>
           </a:p>
@@ -16076,70 +16086,105 @@
             </a:r>
           </a:p>
           <a:p>
+            <a:pPr marL="1257300" lvl="2" indent="-342900">
+              <a:buFont typeface="Arial" panose="020B0604020202020204" pitchFamily="34" charset="0"/>
+              <a:buChar char="•"/>
+            </a:pPr>
+            <a:endParaRPr lang="en-US" dirty="0"/>
+          </a:p>
+          <a:p>
+            <a:r>
+              <a:rPr lang="en-US" b="1" dirty="0"/>
+              <a:t>LLM calls</a:t>
+            </a:r>
+          </a:p>
+          <a:p>
+            <a:pPr lvl="1"/>
+            <a:r>
+              <a:rPr lang="en-US" dirty="0"/>
+              <a:t>Actual calls using </a:t>
+            </a:r>
+            <a:r>
+              <a:rPr lang="en-US" dirty="0" err="1"/>
+              <a:t>Langchain</a:t>
+            </a:r>
+            <a:endParaRPr lang="en-US" dirty="0"/>
+          </a:p>
+          <a:p>
+            <a:pPr lvl="1"/>
+            <a:r>
+              <a:rPr lang="en-US" dirty="0"/>
+              <a:t>Mocked tables (test purposes)</a:t>
+            </a:r>
+          </a:p>
+          <a:p>
+            <a:endParaRPr lang="en-US" dirty="0"/>
+          </a:p>
+          <a:p>
+            <a:r>
+              <a:rPr lang="en-US" b="1" dirty="0"/>
+              <a:t>Metrics</a:t>
+            </a:r>
+          </a:p>
+          <a:p>
+            <a:pPr lvl="1"/>
+            <a:r>
+              <a:rPr lang="en-US" dirty="0"/>
+              <a:t>Time (duration)</a:t>
+            </a:r>
+          </a:p>
+          <a:p>
+            <a:pPr lvl="1"/>
+            <a:r>
+              <a:rPr lang="en-US" dirty="0"/>
+              <a:t>Cost (LLM calls)</a:t>
+            </a:r>
+          </a:p>
+          <a:p>
+            <a:pPr lvl="1"/>
+            <a:r>
+              <a:rPr lang="en-US" dirty="0"/>
+              <a:t>Quality (correct solution)</a:t>
+            </a:r>
+          </a:p>
+          <a:p>
+            <a:pPr lvl="1"/>
+            <a:r>
+              <a:rPr lang="en-US" dirty="0"/>
+              <a:t>Entropy</a:t>
+            </a:r>
+          </a:p>
+          <a:p>
+            <a:r>
+              <a:rPr lang="en-US" b="1" dirty="0"/>
+              <a:t>Dataset</a:t>
+            </a:r>
+          </a:p>
+          <a:p>
+            <a:pPr lvl="1"/>
+            <a:r>
+              <a:rPr lang="en-US" dirty="0"/>
+              <a:t>Hotel reviews (code implemented – not executed yet)</a:t>
+            </a:r>
+          </a:p>
+          <a:p>
+            <a:pPr lvl="1"/>
+            <a:r>
+              <a:rPr lang="en-US" dirty="0"/>
+              <a:t>Mocked </a:t>
+            </a:r>
+            <a:r>
+              <a:rPr lang="en-US" dirty="0" err="1"/>
+              <a:t>api</a:t>
+            </a:r>
+            <a:r>
+              <a:rPr lang="en-US" dirty="0"/>
+              <a:t> calls</a:t>
+            </a:r>
+          </a:p>
+          <a:p>
             <a:pPr lvl="1"/>
             <a:endParaRPr lang="en-US" dirty="0"/>
-          </a:p>
-          <a:p>
-            <a:r>
-              <a:rPr lang="en-US" dirty="0"/>
-              <a:t>LLM calls</a:t>
-            </a:r>
-          </a:p>
-          <a:p>
-            <a:pPr lvl="1"/>
-            <a:r>
-              <a:rPr lang="en-US" dirty="0"/>
-              <a:t>Actual calls using </a:t>
-            </a:r>
-            <a:r>
-              <a:rPr lang="en-US" dirty="0" err="1"/>
-              <a:t>Langchain</a:t>
-            </a:r>
-            <a:endParaRPr lang="en-US" dirty="0"/>
-          </a:p>
-          <a:p>
-            <a:pPr lvl="1"/>
-            <a:r>
-              <a:rPr lang="en-US" dirty="0"/>
-              <a:t>Mocked tables (test purposes)</a:t>
-            </a:r>
-          </a:p>
-          <a:p>
-            <a:endParaRPr lang="en-US" dirty="0"/>
-          </a:p>
-          <a:p>
-            <a:r>
-              <a:rPr lang="en-US" dirty="0"/>
-              <a:t>Metrics</a:t>
-            </a:r>
-          </a:p>
-          <a:p>
-            <a:pPr lvl="1"/>
-            <a:r>
-              <a:rPr lang="en-US" dirty="0"/>
-              <a:t>Time (duration)</a:t>
-            </a:r>
-          </a:p>
-          <a:p>
-            <a:pPr lvl="1"/>
-            <a:r>
-              <a:rPr lang="en-US" dirty="0"/>
-              <a:t>Cost (LLM calls)</a:t>
-            </a:r>
-          </a:p>
-          <a:p>
-            <a:pPr lvl="1"/>
-            <a:r>
-              <a:rPr lang="en-US" dirty="0"/>
-              <a:t>Quality (correct solution)</a:t>
-            </a:r>
-          </a:p>
-          <a:p>
-            <a:pPr lvl="1"/>
-            <a:r>
-              <a:rPr lang="en-US" dirty="0"/>
-              <a:t>Entropy</a:t>
-            </a:r>
           </a:p>
         </p:txBody>
       </p:sp>
@@ -16311,7 +16356,7 @@
           <a:lstStyle/>
           <a:p>
             <a:r>
-              <a:rPr lang="en-US" dirty="0"/>
+              <a:rPr lang="en-US" b="1" dirty="0"/>
               <a:t>Cost</a:t>
             </a:r>
           </a:p>
@@ -16356,7 +16401,7 @@
           </a:p>
           <a:p>
             <a:r>
-              <a:rPr lang="en-US" dirty="0"/>
+              <a:rPr lang="en-US" b="1" dirty="0"/>
               <a:t>Time</a:t>
             </a:r>
           </a:p>
@@ -16393,7 +16438,7 @@
                   <a:srgbClr val="FF0000"/>
                 </a:solidFill>
               </a:rPr>
-              <a:t>&lt;=</a:t>
+              <a:t>=</a:t>
             </a:r>
             <a:r>
               <a:rPr lang="en-US" dirty="0"/>
@@ -16406,7 +16451,7 @@
           </a:p>
           <a:p>
             <a:r>
-              <a:rPr lang="en-US" dirty="0"/>
+              <a:rPr lang="en-US" b="1" dirty="0"/>
               <a:t>Entropy</a:t>
             </a:r>
           </a:p>
@@ -16435,7 +16480,7 @@
           </a:p>
           <a:p>
             <a:r>
-              <a:rPr lang="en-US" dirty="0"/>
+              <a:rPr lang="en-US" b="1" dirty="0"/>
               <a:t>Quality</a:t>
             </a:r>
           </a:p>
@@ -16653,6 +16698,6325 @@
 </file>
 
 <file path=ppt/slides/slide30.xml><?xml version="1.0" encoding="utf-8"?>
+<p:sld xmlns:a="http://schemas.openxmlformats.org/drawingml/2006/main" xmlns:r="http://schemas.openxmlformats.org/officeDocument/2006/relationships" xmlns:p="http://schemas.openxmlformats.org/presentationml/2006/main" show="0">
+  <p:cSld>
+    <p:spTree>
+      <p:nvGrpSpPr>
+        <p:cNvPr id="1" name=""/>
+        <p:cNvGrpSpPr/>
+        <p:nvPr/>
+      </p:nvGrpSpPr>
+      <p:grpSpPr>
+        <a:xfrm>
+          <a:off x="0" y="0"/>
+          <a:ext cx="0" cy="0"/>
+          <a:chOff x="0" y="0"/>
+          <a:chExt cx="0" cy="0"/>
+        </a:xfrm>
+      </p:grpSpPr>
+      <mc:AlternateContent xmlns:mc="http://schemas.openxmlformats.org/markup-compatibility/2006" xmlns:a14="http://schemas.microsoft.com/office/drawing/2010/main">
+        <mc:Choice Requires="a14">
+          <p:sp>
+            <p:nvSpPr>
+              <p:cNvPr id="3" name="Content Placeholder 2">
+                <a:extLst>
+                  <a:ext uri="{FF2B5EF4-FFF2-40B4-BE49-F238E27FC236}">
+                    <a16:creationId xmlns:a16="http://schemas.microsoft.com/office/drawing/2014/main" id="{5DF251DC-4F64-5D48-6C5F-F604B6F609CD}"/>
+                  </a:ext>
+                </a:extLst>
+              </p:cNvPr>
+              <p:cNvSpPr>
+                <a:spLocks noGrp="1"/>
+              </p:cNvSpPr>
+              <p:nvPr>
+                <p:ph idx="1"/>
+              </p:nvPr>
+            </p:nvSpPr>
+            <p:spPr>
+              <a:xfrm>
+                <a:off x="371475" y="1325562"/>
+                <a:ext cx="11315700" cy="5318125"/>
+              </a:xfrm>
+            </p:spPr>
+            <p:txBody>
+              <a:bodyPr>
+                <a:normAutofit/>
+              </a:bodyPr>
+              <a:lstStyle/>
+              <a:p>
+                <a:pPr lvl="2"/>
+                <a:endParaRPr lang="en-US" dirty="0"/>
+              </a:p>
+              <a:p>
+                <a:pPr marL="0" indent="0">
+                  <a:buNone/>
+                </a:pPr>
+                <a:endParaRPr lang="en-US" i="1" dirty="0">
+                  <a:latin typeface="Cambria Math" panose="02040503050406030204" pitchFamily="18" charset="0"/>
+                </a:endParaRPr>
+              </a:p>
+              <a:p>
+                <a:pPr marL="0" indent="0">
+                  <a:buNone/>
+                </a:pPr>
+                <a14:m>
+                  <m:oMathPara xmlns:m="http://schemas.openxmlformats.org/officeDocument/2006/math">
+                    <m:oMathParaPr>
+                      <m:jc m:val="centerGroup"/>
+                    </m:oMathParaPr>
+                    <m:oMath xmlns:m="http://schemas.openxmlformats.org/officeDocument/2006/math">
+                      <m:r>
+                        <a:rPr lang="en-US" i="1" dirty="0" smtClean="0">
+                          <a:latin typeface="Cambria Math" panose="02040503050406030204" pitchFamily="18" charset="0"/>
+                        </a:rPr>
+                        <m:t>  </m:t>
+                      </m:r>
+                    </m:oMath>
+                  </m:oMathPara>
+                </a14:m>
+                <a:endParaRPr lang="en-US" dirty="0"/>
+              </a:p>
+            </p:txBody>
+          </p:sp>
+        </mc:Choice>
+        <mc:Fallback xmlns="">
+          <p:sp>
+            <p:nvSpPr>
+              <p:cNvPr id="3" name="Content Placeholder 2">
+                <a:extLst>
+                  <a:ext uri="{FF2B5EF4-FFF2-40B4-BE49-F238E27FC236}">
+                    <a16:creationId xmlns:a16="http://schemas.microsoft.com/office/drawing/2014/main" id="{5DF251DC-4F64-5D48-6C5F-F604B6F609CD}"/>
+                  </a:ext>
+                </a:extLst>
+              </p:cNvPr>
+              <p:cNvSpPr>
+                <a:spLocks noGrp="1" noRot="1" noChangeAspect="1" noMove="1" noResize="1" noEditPoints="1" noAdjustHandles="1" noChangeArrowheads="1" noChangeShapeType="1" noTextEdit="1"/>
+              </p:cNvSpPr>
+              <p:nvPr>
+                <p:ph idx="1"/>
+              </p:nvPr>
+            </p:nvSpPr>
+            <p:spPr>
+              <a:xfrm>
+                <a:off x="371475" y="1325562"/>
+                <a:ext cx="11315700" cy="5318125"/>
+              </a:xfrm>
+              <a:blipFill>
+                <a:blip r:embed="rId2"/>
+                <a:stretch>
+                  <a:fillRect/>
+                </a:stretch>
+              </a:blipFill>
+            </p:spPr>
+            <p:txBody>
+              <a:bodyPr/>
+              <a:lstStyle/>
+              <a:p>
+                <a:r>
+                  <a:rPr lang="en-US">
+                    <a:noFill/>
+                  </a:rPr>
+                  <a:t> </a:t>
+                </a:r>
+              </a:p>
+            </p:txBody>
+          </p:sp>
+        </mc:Fallback>
+      </mc:AlternateContent>
+      <p:sp>
+        <p:nvSpPr>
+          <p:cNvPr id="5" name="TextBox 4">
+            <a:extLst>
+              <a:ext uri="{FF2B5EF4-FFF2-40B4-BE49-F238E27FC236}">
+                <a16:creationId xmlns:a16="http://schemas.microsoft.com/office/drawing/2014/main" id="{C9A8E3C0-1C2E-BEB4-5967-D6C085FEEED1}"/>
+              </a:ext>
+            </a:extLst>
+          </p:cNvPr>
+          <p:cNvSpPr txBox="1"/>
+          <p:nvPr/>
+        </p:nvSpPr>
+        <p:spPr>
+          <a:xfrm>
+            <a:off x="504825" y="509617"/>
+            <a:ext cx="10954078" cy="4524315"/>
+          </a:xfrm>
+          <a:prstGeom prst="rect">
+            <a:avLst/>
+          </a:prstGeom>
+          <a:noFill/>
+        </p:spPr>
+        <p:txBody>
+          <a:bodyPr wrap="square">
+            <a:spAutoFit/>
+          </a:bodyPr>
+          <a:lstStyle/>
+          <a:p>
+            <a:pPr marL="285750" indent="-285750">
+              <a:buFont typeface="Arial" panose="020B0604020202020204" pitchFamily="34" charset="0"/>
+              <a:buChar char="•"/>
+            </a:pPr>
+            <a:endParaRPr lang="en-US" dirty="0"/>
+          </a:p>
+          <a:p>
+            <a:pPr marL="285750" indent="-285750">
+              <a:buFont typeface="Arial" panose="020B0604020202020204" pitchFamily="34" charset="0"/>
+              <a:buChar char="•"/>
+            </a:pPr>
+            <a:r>
+              <a:rPr lang="en-US" dirty="0"/>
+              <a:t>Next steps:</a:t>
+            </a:r>
+          </a:p>
+          <a:p>
+            <a:pPr marL="285750" indent="-285750">
+              <a:buFont typeface="Arial" panose="020B0604020202020204" pitchFamily="34" charset="0"/>
+              <a:buChar char="•"/>
+            </a:pPr>
+            <a:endParaRPr lang="en-US" dirty="0"/>
+          </a:p>
+          <a:p>
+            <a:pPr marL="342900" indent="-342900">
+              <a:buFont typeface="+mj-lt"/>
+              <a:buAutoNum type="arabicPeriod"/>
+            </a:pPr>
+            <a:r>
+              <a:rPr lang="en-US" dirty="0"/>
+              <a:t>Probability implementation</a:t>
+            </a:r>
+          </a:p>
+          <a:p>
+            <a:pPr marL="800100" lvl="1" indent="-342900">
+              <a:buFont typeface="+mj-lt"/>
+              <a:buAutoNum type="arabicPeriod"/>
+            </a:pPr>
+            <a:r>
+              <a:rPr lang="en-US" dirty="0"/>
+              <a:t>Discrete with the independence assumption</a:t>
+            </a:r>
+          </a:p>
+          <a:p>
+            <a:pPr marL="800100" lvl="1" indent="-342900">
+              <a:buFont typeface="+mj-lt"/>
+              <a:buAutoNum type="arabicPeriod"/>
+            </a:pPr>
+            <a:r>
+              <a:rPr lang="en-US" dirty="0"/>
+              <a:t>Generate discrete values for LLM/fake APIs</a:t>
+            </a:r>
+          </a:p>
+          <a:p>
+            <a:pPr marL="342900" indent="-342900">
+              <a:buFont typeface="+mj-lt"/>
+              <a:buAutoNum type="arabicPeriod"/>
+            </a:pPr>
+            <a:r>
+              <a:rPr lang="en-US" dirty="0"/>
+              <a:t>Actual dataset</a:t>
+            </a:r>
+          </a:p>
+          <a:p>
+            <a:pPr marL="800100" lvl="1" indent="-342900">
+              <a:buFont typeface="+mj-lt"/>
+              <a:buAutoNum type="arabicPeriod"/>
+            </a:pPr>
+            <a:r>
+              <a:rPr lang="en-US" dirty="0"/>
+              <a:t>Be able to run with hotel dataset</a:t>
+            </a:r>
+          </a:p>
+          <a:p>
+            <a:pPr marL="800100" lvl="1" indent="-342900">
+              <a:buFont typeface="+mj-lt"/>
+              <a:buAutoNum type="arabicPeriod"/>
+            </a:pPr>
+            <a:endParaRPr lang="en-US" dirty="0"/>
+          </a:p>
+          <a:p>
+            <a:pPr marL="800100" lvl="1" indent="-342900">
+              <a:buFont typeface="+mj-lt"/>
+              <a:buAutoNum type="arabicPeriod"/>
+            </a:pPr>
+            <a:endParaRPr lang="en-US" dirty="0"/>
+          </a:p>
+          <a:p>
+            <a:pPr marL="342900" indent="-342900">
+              <a:buFont typeface="+mj-lt"/>
+              <a:buAutoNum type="arabicPeriod"/>
+            </a:pPr>
+            <a:r>
+              <a:rPr lang="en-US" dirty="0"/>
+              <a:t>Implement a few ranking functions</a:t>
+            </a:r>
+          </a:p>
+          <a:p>
+            <a:r>
+              <a:rPr lang="en-US" dirty="0"/>
+              <a:t>Ranking functions:</a:t>
+            </a:r>
+          </a:p>
+          <a:p>
+            <a:pPr marL="285750" indent="-285750">
+              <a:buFont typeface="Arial" panose="020B0604020202020204" pitchFamily="34" charset="0"/>
+              <a:buChar char="•"/>
+            </a:pPr>
+            <a:r>
+              <a:rPr lang="en-US" dirty="0"/>
+              <a:t>MMR</a:t>
+            </a:r>
+          </a:p>
+          <a:p>
+            <a:pPr marL="285750" indent="-285750">
+              <a:buFont typeface="Arial" panose="020B0604020202020204" pitchFamily="34" charset="0"/>
+              <a:buChar char="•"/>
+            </a:pPr>
+            <a:r>
+              <a:rPr lang="en-US" dirty="0"/>
+              <a:t>GMM</a:t>
+            </a:r>
+            <a:br>
+              <a:rPr lang="en-US" dirty="0"/>
+            </a:br>
+            <a:r>
+              <a:rPr lang="en-US" dirty="0">
+                <a:hlinkClick r:id="rId3"/>
+              </a:rPr>
+              <a:t>https://link.springer.com/article/10.1007/s00778-022-00770-0</a:t>
+            </a:r>
+            <a:endParaRPr lang="en-US" dirty="0"/>
+          </a:p>
+          <a:p>
+            <a:pPr marL="342900" indent="-342900">
+              <a:buFont typeface="+mj-lt"/>
+              <a:buAutoNum type="arabicPeriod"/>
+            </a:pPr>
+            <a:endParaRPr lang="en-US" dirty="0"/>
+          </a:p>
+        </p:txBody>
+      </p:sp>
+    </p:spTree>
+    <p:extLst>
+      <p:ext uri="{BB962C8B-B14F-4D97-AF65-F5344CB8AC3E}">
+        <p14:creationId xmlns:p14="http://schemas.microsoft.com/office/powerpoint/2010/main" val="530679093"/>
+      </p:ext>
+    </p:extLst>
+  </p:cSld>
+  <p:clrMapOvr>
+    <a:masterClrMapping/>
+  </p:clrMapOvr>
+</p:sld>
+</file>
+
+<file path=ppt/slides/slide31.xml><?xml version="1.0" encoding="utf-8"?>
+<p:sld xmlns:a="http://schemas.openxmlformats.org/drawingml/2006/main" xmlns:r="http://schemas.openxmlformats.org/officeDocument/2006/relationships" xmlns:p="http://schemas.openxmlformats.org/presentationml/2006/main">
+  <p:cSld>
+    <p:spTree>
+      <p:nvGrpSpPr>
+        <p:cNvPr id="1" name=""/>
+        <p:cNvGrpSpPr/>
+        <p:nvPr/>
+      </p:nvGrpSpPr>
+      <p:grpSpPr>
+        <a:xfrm>
+          <a:off x="0" y="0"/>
+          <a:ext cx="0" cy="0"/>
+          <a:chOff x="0" y="0"/>
+          <a:chExt cx="0" cy="0"/>
+        </a:xfrm>
+      </p:grpSpPr>
+      <p:sp>
+        <p:nvSpPr>
+          <p:cNvPr id="2" name="Title 1">
+            <a:extLst>
+              <a:ext uri="{FF2B5EF4-FFF2-40B4-BE49-F238E27FC236}">
+                <a16:creationId xmlns:a16="http://schemas.microsoft.com/office/drawing/2014/main" id="{1CF1F4F0-1400-A7CC-80C6-72BE1DE9BE97}"/>
+              </a:ext>
+            </a:extLst>
+          </p:cNvPr>
+          <p:cNvSpPr>
+            <a:spLocks noGrp="1"/>
+          </p:cNvSpPr>
+          <p:nvPr>
+            <p:ph type="title"/>
+          </p:nvPr>
+        </p:nvSpPr>
+        <p:spPr>
+          <a:xfrm>
+            <a:off x="838200" y="2451893"/>
+            <a:ext cx="10515600" cy="1325563"/>
+          </a:xfrm>
+        </p:spPr>
+        <p:txBody>
+          <a:bodyPr/>
+          <a:lstStyle/>
+          <a:p>
+            <a:pPr algn="ctr"/>
+            <a:r>
+              <a:rPr lang="en-US" dirty="0"/>
+              <a:t>Meeting </a:t>
+            </a:r>
+            <a:br>
+              <a:rPr lang="en-US" dirty="0"/>
+            </a:br>
+            <a:r>
+              <a:rPr lang="en-US" sz="2200" dirty="0"/>
+              <a:t>September 23</a:t>
+            </a:r>
+          </a:p>
+        </p:txBody>
+      </p:sp>
+    </p:spTree>
+    <p:extLst>
+      <p:ext uri="{BB962C8B-B14F-4D97-AF65-F5344CB8AC3E}">
+        <p14:creationId xmlns:p14="http://schemas.microsoft.com/office/powerpoint/2010/main" val="845695717"/>
+      </p:ext>
+    </p:extLst>
+  </p:cSld>
+  <p:clrMapOvr>
+    <a:masterClrMapping/>
+  </p:clrMapOvr>
+</p:sld>
+</file>
+
+<file path=ppt/slides/slide32.xml><?xml version="1.0" encoding="utf-8"?>
+<p:sld xmlns:a="http://schemas.openxmlformats.org/drawingml/2006/main" xmlns:r="http://schemas.openxmlformats.org/officeDocument/2006/relationships" xmlns:p="http://schemas.openxmlformats.org/presentationml/2006/main">
+  <p:cSld>
+    <p:spTree>
+      <p:nvGrpSpPr>
+        <p:cNvPr id="1" name=""/>
+        <p:cNvGrpSpPr/>
+        <p:nvPr/>
+      </p:nvGrpSpPr>
+      <p:grpSpPr>
+        <a:xfrm>
+          <a:off x="0" y="0"/>
+          <a:ext cx="0" cy="0"/>
+          <a:chOff x="0" y="0"/>
+          <a:chExt cx="0" cy="0"/>
+        </a:xfrm>
+      </p:grpSpPr>
+      <p:sp>
+        <p:nvSpPr>
+          <p:cNvPr id="2" name="Title 1">
+            <a:extLst>
+              <a:ext uri="{FF2B5EF4-FFF2-40B4-BE49-F238E27FC236}">
+                <a16:creationId xmlns:a16="http://schemas.microsoft.com/office/drawing/2014/main" id="{88ABCA84-F0B3-F083-35FC-6C2D94DF3B07}"/>
+              </a:ext>
+            </a:extLst>
+          </p:cNvPr>
+          <p:cNvSpPr>
+            <a:spLocks noGrp="1"/>
+          </p:cNvSpPr>
+          <p:nvPr>
+            <p:ph type="title"/>
+          </p:nvPr>
+        </p:nvSpPr>
+        <p:spPr>
+          <a:xfrm>
+            <a:off x="733097" y="0"/>
+            <a:ext cx="10515600" cy="1325563"/>
+          </a:xfrm>
+        </p:spPr>
+        <p:txBody>
+          <a:bodyPr/>
+          <a:lstStyle/>
+          <a:p>
+            <a:pPr algn="ctr"/>
+            <a:r>
+              <a:rPr lang="en-US" dirty="0"/>
+              <a:t>Uncertainty</a:t>
+            </a:r>
+          </a:p>
+        </p:txBody>
+      </p:sp>
+      <mc:AlternateContent xmlns:mc="http://schemas.openxmlformats.org/markup-compatibility/2006">
+        <mc:Choice xmlns:a14="http://schemas.microsoft.com/office/drawing/2010/main" Requires="a14">
+          <p:sp>
+            <p:nvSpPr>
+              <p:cNvPr id="3" name="Content Placeholder 2">
+                <a:extLst>
+                  <a:ext uri="{FF2B5EF4-FFF2-40B4-BE49-F238E27FC236}">
+                    <a16:creationId xmlns:a16="http://schemas.microsoft.com/office/drawing/2014/main" id="{5DF251DC-4F64-5D48-6C5F-F604B6F609CD}"/>
+                  </a:ext>
+                </a:extLst>
+              </p:cNvPr>
+              <p:cNvSpPr>
+                <a:spLocks noGrp="1"/>
+              </p:cNvSpPr>
+              <p:nvPr>
+                <p:ph idx="1"/>
+              </p:nvPr>
+            </p:nvSpPr>
+            <p:spPr>
+              <a:xfrm>
+                <a:off x="371475" y="1325562"/>
+                <a:ext cx="11315700" cy="5318125"/>
+              </a:xfrm>
+            </p:spPr>
+            <p:txBody>
+              <a:bodyPr>
+                <a:normAutofit/>
+              </a:bodyPr>
+              <a:lstStyle/>
+              <a:p>
+                <a:pPr lvl="1"/>
+                <a:endParaRPr lang="en-US" dirty="0"/>
+              </a:p>
+              <a:p>
+                <a:pPr lvl="1"/>
+                <a:endParaRPr lang="en-US" dirty="0"/>
+              </a:p>
+              <a:p>
+                <a:pPr marL="457200" lvl="1" indent="0">
+                  <a:buNone/>
+                </a:pPr>
+                <a:endParaRPr lang="en-US" dirty="0"/>
+              </a:p>
+              <a:p>
+                <a:pPr lvl="1"/>
+                <a:r>
+                  <a:rPr lang="en-US" dirty="0"/>
+                  <a:t>Where p is whether the winner is clear or not</a:t>
+                </a:r>
+              </a:p>
+              <a:p>
+                <a:pPr lvl="1"/>
+                <a:r>
+                  <a:rPr lang="en-US" dirty="0"/>
+                  <a:t>Where p</a:t>
+                </a:r>
+                <a:r>
+                  <a:rPr lang="en-US" baseline="-25000" dirty="0"/>
+                  <a:t>i</a:t>
+                </a:r>
+                <a:r>
+                  <a:rPr lang="en-US" dirty="0"/>
+                  <a:t> is the probability of a candidate being the winner which is:</a:t>
+                </a:r>
+              </a:p>
+              <a:p>
+                <a:pPr lvl="1"/>
+                <a:endParaRPr lang="en-US" dirty="0"/>
+              </a:p>
+              <a:p>
+                <a:pPr lvl="2"/>
+                <a:r>
+                  <a:rPr lang="en-US" sz="2400" b="1" dirty="0"/>
+                  <a:t>Independence assumption</a:t>
+                </a:r>
+              </a:p>
+              <a:p>
+                <a:pPr lvl="3"/>
+                <a:r>
+                  <a:rPr lang="en-US" sz="2000" dirty="0"/>
+                  <a:t>P</a:t>
+                </a:r>
+                <a:r>
+                  <a:rPr lang="en-US" sz="2000" baseline="-25000" dirty="0"/>
+                  <a:t>i</a:t>
+                </a:r>
+                <a:r>
+                  <a:rPr lang="en-US" sz="2000" dirty="0"/>
+                  <a:t> = </a:t>
+                </a:r>
+                <a14:m>
+                  <m:oMath xmlns:m="http://schemas.openxmlformats.org/officeDocument/2006/math">
+                    <m:nary>
+                      <m:naryPr>
+                        <m:chr m:val="∏"/>
+                        <m:ctrlPr>
+                          <a:rPr lang="en-US" sz="2000" i="1" smtClean="0">
+                            <a:latin typeface="Cambria Math" panose="02040503050406030204" pitchFamily="18" charset="0"/>
+                          </a:rPr>
+                        </m:ctrlPr>
+                      </m:naryPr>
+                      <m:sub>
+                        <m:r>
+                          <m:rPr>
+                            <m:brk m:alnAt="23"/>
+                          </m:rPr>
+                          <a:rPr lang="en-US" sz="2000" b="0" i="1" smtClean="0">
+                            <a:latin typeface="Cambria Math" panose="02040503050406030204" pitchFamily="18" charset="0"/>
+                          </a:rPr>
+                          <m:t>𝑗</m:t>
+                        </m:r>
+                        <m:r>
+                          <a:rPr lang="en-US" sz="2000" b="0" i="1" smtClean="0">
+                            <a:latin typeface="Cambria Math" panose="02040503050406030204" pitchFamily="18" charset="0"/>
+                          </a:rPr>
+                          <m:t>=1</m:t>
+                        </m:r>
+                      </m:sub>
+                      <m:sup>
+                        <m:r>
+                          <a:rPr lang="en-US" sz="2000" b="0" i="1" smtClean="0">
+                            <a:latin typeface="Cambria Math" panose="02040503050406030204" pitchFamily="18" charset="0"/>
+                          </a:rPr>
+                          <m:t>𝑛</m:t>
+                        </m:r>
+                      </m:sup>
+                      <m:e>
+                        <m:r>
+                          <a:rPr lang="en-US" sz="2000" b="0" i="1" smtClean="0">
+                            <a:latin typeface="Cambria Math" panose="02040503050406030204" pitchFamily="18" charset="0"/>
+                          </a:rPr>
+                          <m:t>𝑃</m:t>
+                        </m:r>
+                        <m:r>
+                          <a:rPr lang="en-US" sz="2000" b="0" i="1" smtClean="0">
+                            <a:latin typeface="Cambria Math" panose="02040503050406030204" pitchFamily="18" charset="0"/>
+                          </a:rPr>
+                          <m:t>(</m:t>
+                        </m:r>
+                        <m:r>
+                          <a:rPr lang="en-US" sz="2000" b="0" i="1" smtClean="0">
+                            <a:latin typeface="Cambria Math" panose="02040503050406030204" pitchFamily="18" charset="0"/>
+                          </a:rPr>
+                          <m:t>𝐶</m:t>
+                        </m:r>
+                        <m:r>
+                          <a:rPr lang="en-US" sz="2000" b="0" i="1" baseline="-25000" smtClean="0">
+                            <a:latin typeface="Cambria Math" panose="02040503050406030204" pitchFamily="18" charset="0"/>
+                          </a:rPr>
+                          <m:t>𝑖</m:t>
+                        </m:r>
+                        <m:r>
+                          <a:rPr lang="en-US" sz="2000" b="0" i="1" smtClean="0">
+                            <a:latin typeface="Cambria Math" panose="02040503050406030204" pitchFamily="18" charset="0"/>
+                          </a:rPr>
+                          <m:t>≥</m:t>
+                        </m:r>
+                        <m:r>
+                          <a:rPr lang="en-US" sz="2000" b="0" i="1" smtClean="0">
+                            <a:latin typeface="Cambria Math" panose="02040503050406030204" pitchFamily="18" charset="0"/>
+                          </a:rPr>
+                          <m:t>𝐶</m:t>
+                        </m:r>
+                        <m:r>
+                          <a:rPr lang="en-US" sz="2000" b="0" i="1" baseline="-25000" smtClean="0">
+                            <a:latin typeface="Cambria Math" panose="02040503050406030204" pitchFamily="18" charset="0"/>
+                          </a:rPr>
+                          <m:t>𝑗</m:t>
+                        </m:r>
+                        <m:r>
+                          <a:rPr lang="en-US" sz="2000" b="0" i="1" smtClean="0">
+                            <a:latin typeface="Cambria Math" panose="02040503050406030204" pitchFamily="18" charset="0"/>
+                          </a:rPr>
+                          <m:t>)</m:t>
+                        </m:r>
+                      </m:e>
+                    </m:nary>
+                  </m:oMath>
+                </a14:m>
+                <a:endParaRPr lang="en-US" sz="2200" b="1" dirty="0"/>
+              </a:p>
+              <a:p>
+                <a:pPr lvl="3"/>
+                <a:endParaRPr lang="en-US" sz="2200" b="1" dirty="0"/>
+              </a:p>
+              <a:p>
+                <a:pPr lvl="2"/>
+                <a:r>
+                  <a:rPr lang="en-US" sz="2400" b="1" dirty="0"/>
+                  <a:t>No assumption</a:t>
+                </a:r>
+                <a:endParaRPr lang="en-US" sz="2800" b="1" dirty="0"/>
+              </a:p>
+              <a:p>
+                <a:pPr lvl="3"/>
+                <a14:m>
+                  <m:oMath xmlns:m="http://schemas.openxmlformats.org/officeDocument/2006/math">
+                    <m:r>
+                      <a:rPr lang="en-US" sz="2200" i="1" dirty="0" smtClean="0">
+                        <a:latin typeface="Cambria Math" panose="02040503050406030204" pitchFamily="18" charset="0"/>
+                      </a:rPr>
+                      <m:t>𝑃</m:t>
+                    </m:r>
+                    <m:r>
+                      <a:rPr lang="en-US" sz="2200" i="1" baseline="-25000" dirty="0" smtClean="0">
+                        <a:latin typeface="Cambria Math" panose="02040503050406030204" pitchFamily="18" charset="0"/>
+                      </a:rPr>
+                      <m:t>𝑖</m:t>
+                    </m:r>
+                    <m:r>
+                      <a:rPr lang="en-US" sz="2200" i="1" dirty="0" smtClean="0">
+                        <a:latin typeface="Cambria Math" panose="02040503050406030204" pitchFamily="18" charset="0"/>
+                      </a:rPr>
+                      <m:t> = </m:t>
+                    </m:r>
+                    <m:r>
+                      <a:rPr lang="en-US" sz="2200" i="1" dirty="0" smtClean="0">
+                        <a:latin typeface="Cambria Math" panose="02040503050406030204" pitchFamily="18" charset="0"/>
+                      </a:rPr>
+                      <m:t>𝑝</m:t>
+                    </m:r>
+                    <m:d>
+                      <m:dPr>
+                        <m:ctrlPr>
+                          <a:rPr lang="en-US" sz="2200" i="1" dirty="0" smtClean="0">
+                            <a:latin typeface="Cambria Math" panose="02040503050406030204" pitchFamily="18" charset="0"/>
+                          </a:rPr>
+                        </m:ctrlPr>
+                      </m:dPr>
+                      <m:e>
+                        <m:r>
+                          <a:rPr lang="en-US" sz="2200" i="1" dirty="0" err="1" smtClean="0">
+                            <a:latin typeface="Cambria Math" panose="02040503050406030204" pitchFamily="18" charset="0"/>
+                          </a:rPr>
+                          <m:t>𝑐</m:t>
+                        </m:r>
+                        <m:r>
+                          <a:rPr lang="en-US" sz="2200" b="0" i="1" baseline="-25000" dirty="0" smtClean="0">
+                            <a:latin typeface="Cambria Math" panose="02040503050406030204" pitchFamily="18" charset="0"/>
+                          </a:rPr>
+                          <m:t>𝑖</m:t>
+                        </m:r>
+                        <m:r>
+                          <a:rPr lang="en-US" sz="2200" i="1" dirty="0" smtClean="0">
+                            <a:latin typeface="Cambria Math" panose="02040503050406030204" pitchFamily="18" charset="0"/>
+                          </a:rPr>
+                          <m:t>=</m:t>
+                        </m:r>
+                        <m:r>
+                          <a:rPr lang="en-US" sz="2200" i="1" dirty="0" smtClean="0">
+                            <a:latin typeface="Cambria Math" panose="02040503050406030204" pitchFamily="18" charset="0"/>
+                          </a:rPr>
+                          <m:t>𝑤𝑖𝑛𝑛𝑒𝑟</m:t>
+                        </m:r>
+                      </m:e>
+                    </m:d>
+                    <m:r>
+                      <a:rPr lang="en-US" sz="2200" i="1" dirty="0" smtClean="0">
+                        <a:latin typeface="Cambria Math" panose="02040503050406030204" pitchFamily="18" charset="0"/>
+                      </a:rPr>
+                      <m:t>= </m:t>
+                    </m:r>
+                    <m:r>
+                      <a:rPr lang="en-US" sz="2200" i="1" dirty="0" smtClean="0">
+                        <a:latin typeface="Cambria Math" panose="02040503050406030204" pitchFamily="18" charset="0"/>
+                      </a:rPr>
+                      <m:t>𝑃</m:t>
+                    </m:r>
+                    <m:d>
+                      <m:dPr>
+                        <m:ctrlPr>
+                          <a:rPr lang="en-US" sz="2200" i="1" dirty="0" smtClean="0">
+                            <a:latin typeface="Cambria Math" panose="02040503050406030204" pitchFamily="18" charset="0"/>
+                          </a:rPr>
+                        </m:ctrlPr>
+                      </m:dPr>
+                      <m:e>
+                        <m:r>
+                          <a:rPr lang="en-US" sz="2200" i="1" dirty="0" smtClean="0">
+                            <a:latin typeface="Cambria Math" panose="02040503050406030204" pitchFamily="18" charset="0"/>
+                          </a:rPr>
+                          <m:t>𝑐</m:t>
+                        </m:r>
+                        <m:r>
+                          <a:rPr lang="en-US" sz="2200" i="1" baseline="-25000" dirty="0" smtClean="0">
+                            <a:latin typeface="Cambria Math" panose="02040503050406030204" pitchFamily="18" charset="0"/>
+                          </a:rPr>
+                          <m:t>𝑖</m:t>
+                        </m:r>
+                        <m:r>
+                          <a:rPr lang="en-US" sz="2200" b="0" i="1" dirty="0" smtClean="0">
+                            <a:latin typeface="Cambria Math" panose="02040503050406030204" pitchFamily="18" charset="0"/>
+                          </a:rPr>
+                          <m:t>≥</m:t>
+                        </m:r>
+                        <m:r>
+                          <a:rPr lang="en-US" sz="2200" i="1" dirty="0" smtClean="0">
+                            <a:latin typeface="Cambria Math" panose="02040503050406030204" pitchFamily="18" charset="0"/>
+                          </a:rPr>
+                          <m:t> </m:t>
+                        </m:r>
+                        <m:r>
+                          <a:rPr lang="en-US" sz="2200" i="1" dirty="0" smtClean="0">
+                            <a:latin typeface="Cambria Math" panose="02040503050406030204" pitchFamily="18" charset="0"/>
+                          </a:rPr>
+                          <m:t>𝑐</m:t>
+                        </m:r>
+                        <m:r>
+                          <a:rPr lang="en-US" sz="2200" i="1" baseline="-25000" dirty="0" smtClean="0">
+                            <a:latin typeface="Cambria Math" panose="02040503050406030204" pitchFamily="18" charset="0"/>
+                          </a:rPr>
+                          <m:t>1</m:t>
+                        </m:r>
+                        <m:r>
+                          <a:rPr lang="en-US" sz="2200" i="1" dirty="0" smtClean="0">
+                            <a:latin typeface="Cambria Math" panose="02040503050406030204" pitchFamily="18" charset="0"/>
+                          </a:rPr>
+                          <m:t>, </m:t>
+                        </m:r>
+                        <m:r>
+                          <a:rPr lang="en-US" sz="2200" i="1" dirty="0" smtClean="0">
+                            <a:latin typeface="Cambria Math" panose="02040503050406030204" pitchFamily="18" charset="0"/>
+                          </a:rPr>
+                          <m:t>𝑐𝑖</m:t>
+                        </m:r>
+                        <m:r>
+                          <a:rPr lang="en-US" sz="2200" b="0" i="1" dirty="0" smtClean="0">
+                            <a:latin typeface="Cambria Math" panose="02040503050406030204" pitchFamily="18" charset="0"/>
+                          </a:rPr>
+                          <m:t>≥</m:t>
+                        </m:r>
+                        <m:r>
+                          <a:rPr lang="en-US" sz="2200" i="1" dirty="0" smtClean="0">
+                            <a:latin typeface="Cambria Math" panose="02040503050406030204" pitchFamily="18" charset="0"/>
+                          </a:rPr>
+                          <m:t> </m:t>
+                        </m:r>
+                        <m:r>
+                          <a:rPr lang="en-US" sz="2200" i="1" dirty="0" smtClean="0">
+                            <a:latin typeface="Cambria Math" panose="02040503050406030204" pitchFamily="18" charset="0"/>
+                          </a:rPr>
+                          <m:t>𝑐</m:t>
+                        </m:r>
+                        <m:r>
+                          <a:rPr lang="en-US" sz="2200" b="0" i="1" baseline="-25000" dirty="0" smtClean="0">
+                            <a:latin typeface="Cambria Math" panose="02040503050406030204" pitchFamily="18" charset="0"/>
+                          </a:rPr>
+                          <m:t>2</m:t>
+                        </m:r>
+                        <m:r>
+                          <a:rPr lang="en-US" sz="2200" i="1" dirty="0" smtClean="0">
+                            <a:latin typeface="Cambria Math" panose="02040503050406030204" pitchFamily="18" charset="0"/>
+                          </a:rPr>
+                          <m:t>, </m:t>
+                        </m:r>
+                        <m:r>
+                          <a:rPr lang="en-US" sz="2200" i="1" dirty="0" smtClean="0">
+                            <a:latin typeface="Cambria Math" panose="02040503050406030204" pitchFamily="18" charset="0"/>
+                          </a:rPr>
+                          <m:t>𝑐𝑖</m:t>
+                        </m:r>
+                        <m:r>
+                          <a:rPr lang="en-US" sz="2200" b="0" i="1" dirty="0" smtClean="0">
+                            <a:latin typeface="Cambria Math" panose="02040503050406030204" pitchFamily="18" charset="0"/>
+                          </a:rPr>
+                          <m:t>≥</m:t>
+                        </m:r>
+                        <m:r>
+                          <a:rPr lang="en-US" sz="2200" i="1" dirty="0" smtClean="0">
+                            <a:latin typeface="Cambria Math" panose="02040503050406030204" pitchFamily="18" charset="0"/>
+                          </a:rPr>
+                          <m:t> </m:t>
+                        </m:r>
+                        <m:r>
+                          <a:rPr lang="en-US" sz="2200" i="1" dirty="0" smtClean="0">
+                            <a:latin typeface="Cambria Math" panose="02040503050406030204" pitchFamily="18" charset="0"/>
+                          </a:rPr>
+                          <m:t>𝑐</m:t>
+                        </m:r>
+                        <m:r>
+                          <a:rPr lang="en-US" sz="2200" b="0" i="1" baseline="-25000" dirty="0" smtClean="0">
+                            <a:latin typeface="Cambria Math" panose="02040503050406030204" pitchFamily="18" charset="0"/>
+                          </a:rPr>
+                          <m:t>3</m:t>
+                        </m:r>
+                        <m:r>
+                          <a:rPr lang="en-US" sz="2200" i="1" dirty="0" smtClean="0">
+                            <a:latin typeface="Cambria Math" panose="02040503050406030204" pitchFamily="18" charset="0"/>
+                          </a:rPr>
+                          <m:t>, … </m:t>
+                        </m:r>
+                        <m:r>
+                          <a:rPr lang="en-US" sz="2200" i="1" dirty="0" smtClean="0">
+                            <a:latin typeface="Cambria Math" panose="02040503050406030204" pitchFamily="18" charset="0"/>
+                          </a:rPr>
+                          <m:t>𝑐𝑖</m:t>
+                        </m:r>
+                        <m:r>
+                          <a:rPr lang="en-US" sz="2200" b="0" i="1" dirty="0" smtClean="0">
+                            <a:latin typeface="Cambria Math" panose="02040503050406030204" pitchFamily="18" charset="0"/>
+                          </a:rPr>
+                          <m:t>≥</m:t>
+                        </m:r>
+                        <m:r>
+                          <a:rPr lang="en-US" sz="2200" i="1" dirty="0" smtClean="0">
+                            <a:latin typeface="Cambria Math" panose="02040503050406030204" pitchFamily="18" charset="0"/>
+                          </a:rPr>
+                          <m:t> </m:t>
+                        </m:r>
+                        <m:r>
+                          <a:rPr lang="en-US" sz="2200" i="1" dirty="0" err="1" smtClean="0">
+                            <a:latin typeface="Cambria Math" panose="02040503050406030204" pitchFamily="18" charset="0"/>
+                          </a:rPr>
+                          <m:t>𝑐</m:t>
+                        </m:r>
+                        <m:r>
+                          <a:rPr lang="en-US" sz="2200" i="1" baseline="-25000" dirty="0" err="1">
+                            <a:latin typeface="Cambria Math" panose="02040503050406030204" pitchFamily="18" charset="0"/>
+                          </a:rPr>
+                          <m:t>𝑛</m:t>
+                        </m:r>
+                      </m:e>
+                    </m:d>
+                    <m:r>
+                      <a:rPr lang="en-US" sz="2200" i="1" dirty="0" smtClean="0">
+                        <a:latin typeface="Cambria Math" panose="02040503050406030204" pitchFamily="18" charset="0"/>
+                      </a:rPr>
+                      <m:t>=</m:t>
+                    </m:r>
+                    <m:r>
+                      <a:rPr lang="en-US" sz="2200" b="0" i="1" dirty="0" smtClean="0">
+                        <a:latin typeface="Cambria Math" panose="02040503050406030204" pitchFamily="18" charset="0"/>
+                      </a:rPr>
+                      <m:t>𝑃</m:t>
+                    </m:r>
+                    <m:d>
+                      <m:dPr>
+                        <m:ctrlPr>
+                          <a:rPr lang="en-US" sz="2200" b="0" i="1" dirty="0" smtClean="0">
+                            <a:latin typeface="Cambria Math" panose="02040503050406030204" pitchFamily="18" charset="0"/>
+                          </a:rPr>
+                        </m:ctrlPr>
+                      </m:dPr>
+                      <m:e>
+                        <m:r>
+                          <a:rPr lang="en-US" sz="2200" b="0" i="1" dirty="0" smtClean="0">
+                            <a:latin typeface="Cambria Math" panose="02040503050406030204" pitchFamily="18" charset="0"/>
+                          </a:rPr>
+                          <m:t>𝑐</m:t>
+                        </m:r>
+                        <m:r>
+                          <a:rPr lang="en-US" sz="2200" b="0" i="1" baseline="-25000" dirty="0" smtClean="0">
+                            <a:latin typeface="Cambria Math" panose="02040503050406030204" pitchFamily="18" charset="0"/>
+                          </a:rPr>
+                          <m:t>𝑖</m:t>
+                        </m:r>
+                        <m:r>
+                          <a:rPr lang="en-US" sz="2200" b="0" i="1" dirty="0" smtClean="0">
+                            <a:latin typeface="Cambria Math" panose="02040503050406030204" pitchFamily="18" charset="0"/>
+                          </a:rPr>
+                          <m:t>≥</m:t>
+                        </m:r>
+                        <m:r>
+                          <a:rPr lang="en-US" sz="2200" b="0" i="1" dirty="0" smtClean="0">
+                            <a:latin typeface="Cambria Math" panose="02040503050406030204" pitchFamily="18" charset="0"/>
+                          </a:rPr>
+                          <m:t>𝑐</m:t>
+                        </m:r>
+                        <m:r>
+                          <a:rPr lang="en-US" sz="2200" b="0" i="1" baseline="-25000" dirty="0" smtClean="0">
+                            <a:latin typeface="Cambria Math" panose="02040503050406030204" pitchFamily="18" charset="0"/>
+                          </a:rPr>
+                          <m:t>1</m:t>
+                        </m:r>
+                        <m:r>
+                          <a:rPr lang="en-US" sz="2200" b="0" i="1" dirty="0" smtClean="0">
+                            <a:latin typeface="Cambria Math" panose="02040503050406030204" pitchFamily="18" charset="0"/>
+                          </a:rPr>
+                          <m:t> |</m:t>
+                        </m:r>
+                        <m:r>
+                          <a:rPr lang="en-US" sz="2200" i="1" dirty="0">
+                            <a:latin typeface="Cambria Math" panose="02040503050406030204" pitchFamily="18" charset="0"/>
+                          </a:rPr>
+                          <m:t>𝑐</m:t>
+                        </m:r>
+                        <m:r>
+                          <a:rPr lang="en-US" sz="2200" i="1" baseline="-25000" dirty="0">
+                            <a:latin typeface="Cambria Math" panose="02040503050406030204" pitchFamily="18" charset="0"/>
+                          </a:rPr>
+                          <m:t>𝑖</m:t>
+                        </m:r>
+                        <m:r>
+                          <a:rPr lang="en-US" sz="2200" i="1" dirty="0">
+                            <a:latin typeface="Cambria Math" panose="02040503050406030204" pitchFamily="18" charset="0"/>
+                          </a:rPr>
+                          <m:t>≥ </m:t>
+                        </m:r>
+                        <m:r>
+                          <a:rPr lang="en-US" sz="2200" i="1" dirty="0">
+                            <a:latin typeface="Cambria Math" panose="02040503050406030204" pitchFamily="18" charset="0"/>
+                          </a:rPr>
+                          <m:t>𝑐</m:t>
+                        </m:r>
+                        <m:r>
+                          <a:rPr lang="en-US" sz="2200" i="1" baseline="-25000" dirty="0">
+                            <a:latin typeface="Cambria Math" panose="02040503050406030204" pitchFamily="18" charset="0"/>
+                          </a:rPr>
+                          <m:t>2</m:t>
+                        </m:r>
+                        <m:r>
+                          <a:rPr lang="en-US" sz="2200" i="1" dirty="0">
+                            <a:latin typeface="Cambria Math" panose="02040503050406030204" pitchFamily="18" charset="0"/>
+                          </a:rPr>
+                          <m:t>, </m:t>
+                        </m:r>
+                        <m:r>
+                          <a:rPr lang="en-US" sz="2200" i="1" dirty="0">
+                            <a:latin typeface="Cambria Math" panose="02040503050406030204" pitchFamily="18" charset="0"/>
+                          </a:rPr>
+                          <m:t>𝑐𝑖</m:t>
+                        </m:r>
+                        <m:r>
+                          <a:rPr lang="en-US" sz="2200" i="1" dirty="0">
+                            <a:latin typeface="Cambria Math" panose="02040503050406030204" pitchFamily="18" charset="0"/>
+                          </a:rPr>
+                          <m:t>≥ </m:t>
+                        </m:r>
+                        <m:r>
+                          <a:rPr lang="en-US" sz="2200" i="1" dirty="0">
+                            <a:latin typeface="Cambria Math" panose="02040503050406030204" pitchFamily="18" charset="0"/>
+                          </a:rPr>
+                          <m:t>𝑐</m:t>
+                        </m:r>
+                        <m:r>
+                          <a:rPr lang="en-US" sz="2200" i="1" baseline="-25000" dirty="0">
+                            <a:latin typeface="Cambria Math" panose="02040503050406030204" pitchFamily="18" charset="0"/>
+                          </a:rPr>
+                          <m:t>3</m:t>
+                        </m:r>
+                        <m:r>
+                          <a:rPr lang="en-US" sz="2200" i="1" dirty="0">
+                            <a:latin typeface="Cambria Math" panose="02040503050406030204" pitchFamily="18" charset="0"/>
+                          </a:rPr>
+                          <m:t>, … </m:t>
+                        </m:r>
+                        <m:r>
+                          <a:rPr lang="en-US" sz="2200" i="1" dirty="0">
+                            <a:latin typeface="Cambria Math" panose="02040503050406030204" pitchFamily="18" charset="0"/>
+                          </a:rPr>
+                          <m:t>𝑐𝑖</m:t>
+                        </m:r>
+                        <m:r>
+                          <a:rPr lang="en-US" sz="2200" i="1" dirty="0">
+                            <a:latin typeface="Cambria Math" panose="02040503050406030204" pitchFamily="18" charset="0"/>
+                          </a:rPr>
+                          <m:t>≥ </m:t>
+                        </m:r>
+                        <m:r>
+                          <a:rPr lang="en-US" sz="2200" i="1" dirty="0" err="1">
+                            <a:latin typeface="Cambria Math" panose="02040503050406030204" pitchFamily="18" charset="0"/>
+                          </a:rPr>
+                          <m:t>𝑐</m:t>
+                        </m:r>
+                        <m:r>
+                          <a:rPr lang="en-US" sz="2200" i="1" baseline="-25000" dirty="0" err="1">
+                            <a:latin typeface="Cambria Math" panose="02040503050406030204" pitchFamily="18" charset="0"/>
+                          </a:rPr>
+                          <m:t>𝑛</m:t>
+                        </m:r>
+                      </m:e>
+                    </m:d>
+                    <m:r>
+                      <a:rPr lang="en-US" sz="2200" i="1" dirty="0">
+                        <a:latin typeface="Cambria Math" panose="02040503050406030204" pitchFamily="18" charset="0"/>
+                      </a:rPr>
+                      <m:t> ∗</m:t>
+                    </m:r>
+                    <m:r>
+                      <a:rPr lang="en-US" sz="2200" i="1" dirty="0">
+                        <a:latin typeface="Cambria Math" panose="02040503050406030204" pitchFamily="18" charset="0"/>
+                      </a:rPr>
+                      <m:t>𝑃</m:t>
+                    </m:r>
+                    <m:d>
+                      <m:dPr>
+                        <m:ctrlPr>
+                          <a:rPr lang="en-US" sz="2200" i="1" dirty="0">
+                            <a:latin typeface="Cambria Math" panose="02040503050406030204" pitchFamily="18" charset="0"/>
+                          </a:rPr>
+                        </m:ctrlPr>
+                      </m:dPr>
+                      <m:e>
+                        <m:r>
+                          <a:rPr lang="en-US" sz="2200" i="1" dirty="0">
+                            <a:latin typeface="Cambria Math" panose="02040503050406030204" pitchFamily="18" charset="0"/>
+                          </a:rPr>
+                          <m:t>𝑐</m:t>
+                        </m:r>
+                        <m:r>
+                          <a:rPr lang="en-US" sz="2200" i="1" baseline="-25000" dirty="0">
+                            <a:latin typeface="Cambria Math" panose="02040503050406030204" pitchFamily="18" charset="0"/>
+                          </a:rPr>
+                          <m:t>𝑖</m:t>
+                        </m:r>
+                        <m:r>
+                          <a:rPr lang="en-US" sz="2200" i="1" dirty="0">
+                            <a:latin typeface="Cambria Math" panose="02040503050406030204" pitchFamily="18" charset="0"/>
+                          </a:rPr>
+                          <m:t>≥</m:t>
+                        </m:r>
+                        <m:r>
+                          <a:rPr lang="en-US" sz="2200" i="1" dirty="0">
+                            <a:latin typeface="Cambria Math" panose="02040503050406030204" pitchFamily="18" charset="0"/>
+                          </a:rPr>
+                          <m:t>𝑐</m:t>
+                        </m:r>
+                        <m:r>
+                          <a:rPr lang="en-US" sz="2200" b="0" i="1" baseline="-25000" dirty="0" smtClean="0">
+                            <a:latin typeface="Cambria Math" panose="02040503050406030204" pitchFamily="18" charset="0"/>
+                          </a:rPr>
+                          <m:t>2</m:t>
+                        </m:r>
+                        <m:r>
+                          <a:rPr lang="en-US" sz="2200" i="1" dirty="0">
+                            <a:latin typeface="Cambria Math" panose="02040503050406030204" pitchFamily="18" charset="0"/>
+                          </a:rPr>
+                          <m:t> |</m:t>
+                        </m:r>
+                        <m:r>
+                          <a:rPr lang="en-US" sz="2200" i="1" dirty="0">
+                            <a:latin typeface="Cambria Math" panose="02040503050406030204" pitchFamily="18" charset="0"/>
+                          </a:rPr>
+                          <m:t>𝑐𝑖</m:t>
+                        </m:r>
+                        <m:r>
+                          <a:rPr lang="en-US" sz="2200" i="1" dirty="0">
+                            <a:latin typeface="Cambria Math" panose="02040503050406030204" pitchFamily="18" charset="0"/>
+                          </a:rPr>
+                          <m:t>≥ </m:t>
+                        </m:r>
+                        <m:r>
+                          <a:rPr lang="en-US" sz="2200" i="1" dirty="0">
+                            <a:latin typeface="Cambria Math" panose="02040503050406030204" pitchFamily="18" charset="0"/>
+                          </a:rPr>
+                          <m:t>𝑐</m:t>
+                        </m:r>
+                        <m:r>
+                          <a:rPr lang="en-US" sz="2200" b="0" i="1" baseline="-25000" dirty="0" smtClean="0">
+                            <a:latin typeface="Cambria Math" panose="02040503050406030204" pitchFamily="18" charset="0"/>
+                          </a:rPr>
+                          <m:t>3</m:t>
+                        </m:r>
+                        <m:r>
+                          <a:rPr lang="en-US" sz="2200" i="1" dirty="0">
+                            <a:latin typeface="Cambria Math" panose="02040503050406030204" pitchFamily="18" charset="0"/>
+                          </a:rPr>
+                          <m:t>, </m:t>
+                        </m:r>
+                        <m:r>
+                          <a:rPr lang="en-US" sz="2200" i="1" dirty="0">
+                            <a:latin typeface="Cambria Math" panose="02040503050406030204" pitchFamily="18" charset="0"/>
+                          </a:rPr>
+                          <m:t>𝑐𝑖</m:t>
+                        </m:r>
+                        <m:r>
+                          <a:rPr lang="en-US" sz="2200" i="1" dirty="0">
+                            <a:latin typeface="Cambria Math" panose="02040503050406030204" pitchFamily="18" charset="0"/>
+                          </a:rPr>
+                          <m:t>≥ </m:t>
+                        </m:r>
+                        <m:r>
+                          <a:rPr lang="en-US" sz="2200" i="1" dirty="0">
+                            <a:latin typeface="Cambria Math" panose="02040503050406030204" pitchFamily="18" charset="0"/>
+                          </a:rPr>
+                          <m:t>𝑐</m:t>
+                        </m:r>
+                        <m:r>
+                          <a:rPr lang="en-US" sz="2200" b="0" i="1" baseline="-25000" dirty="0" smtClean="0">
+                            <a:latin typeface="Cambria Math" panose="02040503050406030204" pitchFamily="18" charset="0"/>
+                          </a:rPr>
+                          <m:t>4</m:t>
+                        </m:r>
+                        <m:r>
+                          <a:rPr lang="en-US" sz="2200" i="1" dirty="0">
+                            <a:latin typeface="Cambria Math" panose="02040503050406030204" pitchFamily="18" charset="0"/>
+                          </a:rPr>
+                          <m:t>, … </m:t>
+                        </m:r>
+                        <m:r>
+                          <a:rPr lang="en-US" sz="2200" i="1" dirty="0">
+                            <a:latin typeface="Cambria Math" panose="02040503050406030204" pitchFamily="18" charset="0"/>
+                          </a:rPr>
+                          <m:t>𝑐𝑖</m:t>
+                        </m:r>
+                        <m:r>
+                          <a:rPr lang="en-US" sz="2200" i="1" dirty="0">
+                            <a:latin typeface="Cambria Math" panose="02040503050406030204" pitchFamily="18" charset="0"/>
+                          </a:rPr>
+                          <m:t>≥ </m:t>
+                        </m:r>
+                        <m:r>
+                          <a:rPr lang="en-US" sz="2200" i="1" dirty="0" err="1">
+                            <a:latin typeface="Cambria Math" panose="02040503050406030204" pitchFamily="18" charset="0"/>
+                          </a:rPr>
+                          <m:t>𝑐</m:t>
+                        </m:r>
+                        <m:r>
+                          <a:rPr lang="en-US" sz="2200" i="1" baseline="-25000" dirty="0" err="1">
+                            <a:latin typeface="Cambria Math" panose="02040503050406030204" pitchFamily="18" charset="0"/>
+                          </a:rPr>
+                          <m:t>𝑛</m:t>
+                        </m:r>
+                      </m:e>
+                    </m:d>
+                  </m:oMath>
+                </a14:m>
+                <a:r>
+                  <a:rPr lang="en-US" sz="2200" i="1" dirty="0">
+                    <a:latin typeface="Cambria Math" panose="02040503050406030204" pitchFamily="18" charset="0"/>
+                  </a:rPr>
+                  <a:t> * … * P(c</a:t>
+                </a:r>
+                <a:r>
+                  <a:rPr lang="en-US" sz="2200" i="1" baseline="-25000" dirty="0">
+                    <a:latin typeface="Cambria Math" panose="02040503050406030204" pitchFamily="18" charset="0"/>
+                  </a:rPr>
+                  <a:t>i</a:t>
+                </a:r>
+                <a:r>
+                  <a:rPr lang="en-US" sz="2200" i="1" dirty="0">
+                    <a:latin typeface="Cambria Math" panose="02040503050406030204" pitchFamily="18" charset="0"/>
+                  </a:rPr>
+                  <a:t> &gt;= </a:t>
+                </a:r>
+                <a:r>
+                  <a:rPr lang="en-US" sz="2200" i="1" dirty="0" err="1">
+                    <a:latin typeface="Cambria Math" panose="02040503050406030204" pitchFamily="18" charset="0"/>
+                  </a:rPr>
+                  <a:t>c</a:t>
+                </a:r>
+                <a:r>
+                  <a:rPr lang="en-US" sz="2200" i="1" baseline="-25000" dirty="0" err="1">
+                    <a:latin typeface="Cambria Math" panose="02040503050406030204" pitchFamily="18" charset="0"/>
+                  </a:rPr>
+                  <a:t>n</a:t>
+                </a:r>
+                <a:r>
+                  <a:rPr lang="en-US" sz="2200" i="1" dirty="0">
+                    <a:latin typeface="Cambria Math" panose="02040503050406030204" pitchFamily="18" charset="0"/>
+                  </a:rPr>
+                  <a:t>)</a:t>
+                </a:r>
+              </a:p>
+              <a:p>
+                <a:pPr lvl="2"/>
+                <a:endParaRPr lang="en-US" sz="2400" dirty="0"/>
+              </a:p>
+              <a:p>
+                <a:pPr lvl="2"/>
+                <a:endParaRPr lang="en-US" sz="2400" dirty="0"/>
+              </a:p>
+              <a:p>
+                <a:endParaRPr lang="en-US" dirty="0"/>
+              </a:p>
+              <a:p>
+                <a:endParaRPr lang="en-US" dirty="0">
+                  <a:solidFill>
+                    <a:srgbClr val="FF0000"/>
+                  </a:solidFill>
+                </a:endParaRPr>
+              </a:p>
+              <a:p>
+                <a:pPr lvl="2"/>
+                <a:endParaRPr lang="en-US" dirty="0"/>
+              </a:p>
+            </p:txBody>
+          </p:sp>
+        </mc:Choice>
+        <mc:Fallback>
+          <p:sp>
+            <p:nvSpPr>
+              <p:cNvPr id="3" name="Content Placeholder 2">
+                <a:extLst>
+                  <a:ext uri="{FF2B5EF4-FFF2-40B4-BE49-F238E27FC236}">
+                    <a16:creationId xmlns:a16="http://schemas.microsoft.com/office/drawing/2014/main" id="{5DF251DC-4F64-5D48-6C5F-F604B6F609CD}"/>
+                  </a:ext>
+                </a:extLst>
+              </p:cNvPr>
+              <p:cNvSpPr>
+                <a:spLocks noGrp="1" noRot="1" noChangeAspect="1" noMove="1" noResize="1" noEditPoints="1" noAdjustHandles="1" noChangeArrowheads="1" noChangeShapeType="1" noTextEdit="1"/>
+              </p:cNvSpPr>
+              <p:nvPr>
+                <p:ph idx="1"/>
+              </p:nvPr>
+            </p:nvSpPr>
+            <p:spPr>
+              <a:xfrm>
+                <a:off x="371475" y="1325562"/>
+                <a:ext cx="11315700" cy="5318125"/>
+              </a:xfrm>
+              <a:blipFill>
+                <a:blip r:embed="rId2"/>
+                <a:stretch>
+                  <a:fillRect b="-952"/>
+                </a:stretch>
+              </a:blipFill>
+            </p:spPr>
+            <p:txBody>
+              <a:bodyPr/>
+              <a:lstStyle/>
+              <a:p>
+                <a:r>
+                  <a:rPr lang="en-US">
+                    <a:noFill/>
+                  </a:rPr>
+                  <a:t> </a:t>
+                </a:r>
+              </a:p>
+            </p:txBody>
+          </p:sp>
+        </mc:Fallback>
+      </mc:AlternateContent>
+      <p:pic>
+        <p:nvPicPr>
+          <p:cNvPr id="5" name="Picture 4" descr="A math equation with symbols&#10;&#10;Description automatically generated with medium confidence">
+            <a:extLst>
+              <a:ext uri="{FF2B5EF4-FFF2-40B4-BE49-F238E27FC236}">
+                <a16:creationId xmlns:a16="http://schemas.microsoft.com/office/drawing/2014/main" id="{CF0C983C-4493-BEC5-0954-5598B6140F87}"/>
+              </a:ext>
+            </a:extLst>
+          </p:cNvPr>
+          <p:cNvPicPr>
+            <a:picLocks noChangeAspect="1"/>
+          </p:cNvPicPr>
+          <p:nvPr/>
+        </p:nvPicPr>
+        <p:blipFill>
+          <a:blip r:embed="rId3"/>
+          <a:stretch>
+            <a:fillRect/>
+          </a:stretch>
+        </p:blipFill>
+        <p:spPr>
+          <a:xfrm>
+            <a:off x="3622347" y="1325561"/>
+            <a:ext cx="4737100" cy="903287"/>
+          </a:xfrm>
+          <a:prstGeom prst="rect">
+            <a:avLst/>
+          </a:prstGeom>
+        </p:spPr>
+      </p:pic>
+    </p:spTree>
+    <p:extLst>
+      <p:ext uri="{BB962C8B-B14F-4D97-AF65-F5344CB8AC3E}">
+        <p14:creationId xmlns:p14="http://schemas.microsoft.com/office/powerpoint/2010/main" val="2159526047"/>
+      </p:ext>
+    </p:extLst>
+  </p:cSld>
+  <p:clrMapOvr>
+    <a:masterClrMapping/>
+  </p:clrMapOvr>
+</p:sld>
+</file>
+
+<file path=ppt/slides/slide33.xml><?xml version="1.0" encoding="utf-8"?>
+<p:sld xmlns:a="http://schemas.openxmlformats.org/drawingml/2006/main" xmlns:r="http://schemas.openxmlformats.org/officeDocument/2006/relationships" xmlns:p="http://schemas.openxmlformats.org/presentationml/2006/main">
+  <p:cSld>
+    <p:spTree>
+      <p:nvGrpSpPr>
+        <p:cNvPr id="1" name=""/>
+        <p:cNvGrpSpPr/>
+        <p:nvPr/>
+      </p:nvGrpSpPr>
+      <p:grpSpPr>
+        <a:xfrm>
+          <a:off x="0" y="0"/>
+          <a:ext cx="0" cy="0"/>
+          <a:chOff x="0" y="0"/>
+          <a:chExt cx="0" cy="0"/>
+        </a:xfrm>
+      </p:grpSpPr>
+      <p:sp>
+        <p:nvSpPr>
+          <p:cNvPr id="2" name="Title 1">
+            <a:extLst>
+              <a:ext uri="{FF2B5EF4-FFF2-40B4-BE49-F238E27FC236}">
+                <a16:creationId xmlns:a16="http://schemas.microsoft.com/office/drawing/2014/main" id="{88ABCA84-F0B3-F083-35FC-6C2D94DF3B07}"/>
+              </a:ext>
+            </a:extLst>
+          </p:cNvPr>
+          <p:cNvSpPr>
+            <a:spLocks noGrp="1"/>
+          </p:cNvSpPr>
+          <p:nvPr>
+            <p:ph type="title"/>
+          </p:nvPr>
+        </p:nvSpPr>
+        <p:spPr>
+          <a:xfrm>
+            <a:off x="838199" y="-114673"/>
+            <a:ext cx="10515600" cy="1325563"/>
+          </a:xfrm>
+        </p:spPr>
+        <p:txBody>
+          <a:bodyPr>
+            <a:normAutofit/>
+          </a:bodyPr>
+          <a:lstStyle/>
+          <a:p>
+            <a:pPr algn="ctr"/>
+            <a:r>
+              <a:rPr lang="en-US" sz="3000" dirty="0"/>
+              <a:t>Example: Entropy with Independence assumption</a:t>
+            </a:r>
+          </a:p>
+        </p:txBody>
+      </p:sp>
+      <p:graphicFrame>
+        <p:nvGraphicFramePr>
+          <p:cNvPr id="4" name="Table 3">
+            <a:extLst>
+              <a:ext uri="{FF2B5EF4-FFF2-40B4-BE49-F238E27FC236}">
+                <a16:creationId xmlns:a16="http://schemas.microsoft.com/office/drawing/2014/main" id="{FCF1F8B4-5568-20F1-C1C9-F994EAE191BF}"/>
+              </a:ext>
+            </a:extLst>
+          </p:cNvPr>
+          <p:cNvGraphicFramePr>
+            <a:graphicFrameLocks noGrp="1"/>
+          </p:cNvGraphicFramePr>
+          <p:nvPr>
+            <p:extLst>
+              <p:ext uri="{D42A27DB-BD31-4B8C-83A1-F6EECF244321}">
+                <p14:modId xmlns:p14="http://schemas.microsoft.com/office/powerpoint/2010/main" val="2466691063"/>
+              </p:ext>
+            </p:extLst>
+          </p:nvPr>
+        </p:nvGraphicFramePr>
+        <p:xfrm>
+          <a:off x="3169965" y="2203261"/>
+          <a:ext cx="5433685" cy="1854200"/>
+        </p:xfrm>
+        <a:graphic>
+          <a:graphicData uri="http://schemas.openxmlformats.org/drawingml/2006/table">
+            <a:tbl>
+              <a:tblPr firstRow="1" bandRow="1">
+                <a:tableStyleId>{5C22544A-7EE6-4342-B048-85BDC9FD1C3A}</a:tableStyleId>
+              </a:tblPr>
+              <a:tblGrid>
+                <a:gridCol w="1086737">
+                  <a:extLst>
+                    <a:ext uri="{9D8B030D-6E8A-4147-A177-3AD203B41FA5}">
+                      <a16:colId xmlns:a16="http://schemas.microsoft.com/office/drawing/2014/main" val="152265934"/>
+                    </a:ext>
+                  </a:extLst>
+                </a:gridCol>
+                <a:gridCol w="1086737">
+                  <a:extLst>
+                    <a:ext uri="{9D8B030D-6E8A-4147-A177-3AD203B41FA5}">
+                      <a16:colId xmlns:a16="http://schemas.microsoft.com/office/drawing/2014/main" val="4078968741"/>
+                    </a:ext>
+                  </a:extLst>
+                </a:gridCol>
+                <a:gridCol w="1086737">
+                  <a:extLst>
+                    <a:ext uri="{9D8B030D-6E8A-4147-A177-3AD203B41FA5}">
+                      <a16:colId xmlns:a16="http://schemas.microsoft.com/office/drawing/2014/main" val="1554198573"/>
+                    </a:ext>
+                  </a:extLst>
+                </a:gridCol>
+                <a:gridCol w="1086737">
+                  <a:extLst>
+                    <a:ext uri="{9D8B030D-6E8A-4147-A177-3AD203B41FA5}">
+                      <a16:colId xmlns:a16="http://schemas.microsoft.com/office/drawing/2014/main" val="3614642542"/>
+                    </a:ext>
+                  </a:extLst>
+                </a:gridCol>
+                <a:gridCol w="1086737">
+                  <a:extLst>
+                    <a:ext uri="{9D8B030D-6E8A-4147-A177-3AD203B41FA5}">
+                      <a16:colId xmlns:a16="http://schemas.microsoft.com/office/drawing/2014/main" val="423572014"/>
+                    </a:ext>
+                  </a:extLst>
+                </a:gridCol>
+              </a:tblGrid>
+              <a:tr h="370840">
+                <a:tc>
+                  <a:txBody>
+                    <a:bodyPr/>
+                    <a:lstStyle/>
+                    <a:p>
+                      <a:pPr algn="ctr"/>
+                      <a:endParaRPr lang="en-US" dirty="0"/>
+                    </a:p>
+                  </a:txBody>
+                  <a:tcPr/>
+                </a:tc>
+                <a:tc>
+                  <a:txBody>
+                    <a:bodyPr/>
+                    <a:lstStyle/>
+                    <a:p>
+                      <a:pPr algn="ctr"/>
+                      <a:r>
+                        <a:rPr lang="en-US" dirty="0"/>
+                        <a:t>0.5</a:t>
+                      </a:r>
+                    </a:p>
+                  </a:txBody>
+                  <a:tcPr/>
+                </a:tc>
+                <a:tc>
+                  <a:txBody>
+                    <a:bodyPr/>
+                    <a:lstStyle/>
+                    <a:p>
+                      <a:pPr algn="ctr"/>
+                      <a:r>
+                        <a:rPr lang="en-US" dirty="0"/>
+                        <a:t>1</a:t>
+                      </a:r>
+                    </a:p>
+                  </a:txBody>
+                  <a:tcPr/>
+                </a:tc>
+                <a:tc>
+                  <a:txBody>
+                    <a:bodyPr/>
+                    <a:lstStyle/>
+                    <a:p>
+                      <a:pPr algn="ctr"/>
+                      <a:r>
+                        <a:rPr lang="en-US" dirty="0"/>
+                        <a:t>1.5</a:t>
+                      </a:r>
+                    </a:p>
+                  </a:txBody>
+                  <a:tcPr/>
+                </a:tc>
+                <a:tc>
+                  <a:txBody>
+                    <a:bodyPr/>
+                    <a:lstStyle/>
+                    <a:p>
+                      <a:pPr algn="ctr"/>
+                      <a:r>
+                        <a:rPr lang="en-US" dirty="0"/>
+                        <a:t>2</a:t>
+                      </a:r>
+                    </a:p>
+                  </a:txBody>
+                  <a:tcPr/>
+                </a:tc>
+                <a:extLst>
+                  <a:ext uri="{0D108BD9-81ED-4DB2-BD59-A6C34878D82A}">
+                    <a16:rowId xmlns:a16="http://schemas.microsoft.com/office/drawing/2014/main" val="4191670207"/>
+                  </a:ext>
+                </a:extLst>
+              </a:tr>
+              <a:tr h="370840">
+                <a:tc>
+                  <a:txBody>
+                    <a:bodyPr/>
+                    <a:lstStyle/>
+                    <a:p>
+                      <a:pPr algn="ctr"/>
+                      <a:r>
+                        <a:rPr lang="en-US" dirty="0"/>
+                        <a:t>0.5</a:t>
+                      </a:r>
+                    </a:p>
+                  </a:txBody>
+                  <a:tcPr/>
+                </a:tc>
+                <a:tc>
+                  <a:txBody>
+                    <a:bodyPr/>
+                    <a:lstStyle/>
+                    <a:p>
+                      <a:pPr algn="ctr"/>
+                      <a:r>
+                        <a:rPr lang="en-US" dirty="0"/>
+                        <a:t>*</a:t>
+                      </a:r>
+                    </a:p>
+                  </a:txBody>
+                  <a:tcPr/>
+                </a:tc>
+                <a:tc>
+                  <a:txBody>
+                    <a:bodyPr/>
+                    <a:lstStyle/>
+                    <a:p>
+                      <a:pPr algn="ctr"/>
+                      <a:endParaRPr lang="en-US"/>
+                    </a:p>
+                  </a:txBody>
+                  <a:tcPr/>
+                </a:tc>
+                <a:tc>
+                  <a:txBody>
+                    <a:bodyPr/>
+                    <a:lstStyle/>
+                    <a:p>
+                      <a:pPr algn="ctr"/>
+                      <a:endParaRPr lang="en-US"/>
+                    </a:p>
+                  </a:txBody>
+                  <a:tcPr/>
+                </a:tc>
+                <a:tc>
+                  <a:txBody>
+                    <a:bodyPr/>
+                    <a:lstStyle/>
+                    <a:p>
+                      <a:pPr algn="ctr"/>
+                      <a:endParaRPr lang="en-US"/>
+                    </a:p>
+                  </a:txBody>
+                  <a:tcPr/>
+                </a:tc>
+                <a:extLst>
+                  <a:ext uri="{0D108BD9-81ED-4DB2-BD59-A6C34878D82A}">
+                    <a16:rowId xmlns:a16="http://schemas.microsoft.com/office/drawing/2014/main" val="2280411846"/>
+                  </a:ext>
+                </a:extLst>
+              </a:tr>
+              <a:tr h="370840">
+                <a:tc>
+                  <a:txBody>
+                    <a:bodyPr/>
+                    <a:lstStyle/>
+                    <a:p>
+                      <a:pPr algn="ctr"/>
+                      <a:r>
+                        <a:rPr lang="en-US" dirty="0"/>
+                        <a:t>1</a:t>
+                      </a:r>
+                    </a:p>
+                  </a:txBody>
+                  <a:tcPr/>
+                </a:tc>
+                <a:tc>
+                  <a:txBody>
+                    <a:bodyPr/>
+                    <a:lstStyle/>
+                    <a:p>
+                      <a:pPr algn="ctr"/>
+                      <a:r>
+                        <a:rPr lang="en-US" dirty="0"/>
+                        <a:t>*</a:t>
+                      </a:r>
+                    </a:p>
+                  </a:txBody>
+                  <a:tcPr>
+                    <a:solidFill>
+                      <a:schemeClr val="accent6">
+                        <a:lumMod val="40000"/>
+                        <a:lumOff val="60000"/>
+                      </a:schemeClr>
+                    </a:solidFill>
+                  </a:tcPr>
+                </a:tc>
+                <a:tc>
+                  <a:txBody>
+                    <a:bodyPr/>
+                    <a:lstStyle/>
+                    <a:p>
+                      <a:pPr algn="ctr"/>
+                      <a:r>
+                        <a:rPr lang="en-US" dirty="0"/>
+                        <a:t>*</a:t>
+                      </a:r>
+                    </a:p>
+                  </a:txBody>
+                  <a:tcPr>
+                    <a:solidFill>
+                      <a:schemeClr val="accent6">
+                        <a:lumMod val="40000"/>
+                        <a:lumOff val="60000"/>
+                      </a:schemeClr>
+                    </a:solidFill>
+                  </a:tcPr>
+                </a:tc>
+                <a:tc>
+                  <a:txBody>
+                    <a:bodyPr/>
+                    <a:lstStyle/>
+                    <a:p>
+                      <a:pPr algn="ctr"/>
+                      <a:endParaRPr lang="en-US" dirty="0"/>
+                    </a:p>
+                  </a:txBody>
+                  <a:tcPr>
+                    <a:solidFill>
+                      <a:schemeClr val="accent6">
+                        <a:lumMod val="40000"/>
+                        <a:lumOff val="60000"/>
+                      </a:schemeClr>
+                    </a:solidFill>
+                  </a:tcPr>
+                </a:tc>
+                <a:tc>
+                  <a:txBody>
+                    <a:bodyPr/>
+                    <a:lstStyle/>
+                    <a:p>
+                      <a:pPr algn="ctr"/>
+                      <a:endParaRPr lang="en-US" dirty="0"/>
+                    </a:p>
+                  </a:txBody>
+                  <a:tcPr/>
+                </a:tc>
+                <a:extLst>
+                  <a:ext uri="{0D108BD9-81ED-4DB2-BD59-A6C34878D82A}">
+                    <a16:rowId xmlns:a16="http://schemas.microsoft.com/office/drawing/2014/main" val="1530262547"/>
+                  </a:ext>
+                </a:extLst>
+              </a:tr>
+              <a:tr h="370840">
+                <a:tc>
+                  <a:txBody>
+                    <a:bodyPr/>
+                    <a:lstStyle/>
+                    <a:p>
+                      <a:pPr algn="ctr"/>
+                      <a:r>
+                        <a:rPr lang="en-US" dirty="0"/>
+                        <a:t>1.5</a:t>
+                      </a:r>
+                    </a:p>
+                  </a:txBody>
+                  <a:tcPr/>
+                </a:tc>
+                <a:tc>
+                  <a:txBody>
+                    <a:bodyPr/>
+                    <a:lstStyle/>
+                    <a:p>
+                      <a:pPr algn="ctr"/>
+                      <a:r>
+                        <a:rPr lang="en-US" dirty="0"/>
+                        <a:t>*</a:t>
+                      </a:r>
+                    </a:p>
+                  </a:txBody>
+                  <a:tcPr>
+                    <a:solidFill>
+                      <a:schemeClr val="accent6">
+                        <a:lumMod val="40000"/>
+                        <a:lumOff val="60000"/>
+                      </a:schemeClr>
+                    </a:solidFill>
+                  </a:tcPr>
+                </a:tc>
+                <a:tc>
+                  <a:txBody>
+                    <a:bodyPr/>
+                    <a:lstStyle/>
+                    <a:p>
+                      <a:pPr algn="ctr"/>
+                      <a:r>
+                        <a:rPr lang="en-US" dirty="0"/>
+                        <a:t>*</a:t>
+                      </a:r>
+                    </a:p>
+                  </a:txBody>
+                  <a:tcPr>
+                    <a:solidFill>
+                      <a:schemeClr val="accent6">
+                        <a:lumMod val="40000"/>
+                        <a:lumOff val="60000"/>
+                      </a:schemeClr>
+                    </a:solidFill>
+                  </a:tcPr>
+                </a:tc>
+                <a:tc>
+                  <a:txBody>
+                    <a:bodyPr/>
+                    <a:lstStyle/>
+                    <a:p>
+                      <a:pPr algn="ctr"/>
+                      <a:r>
+                        <a:rPr lang="en-US" dirty="0"/>
+                        <a:t>*</a:t>
+                      </a:r>
+                    </a:p>
+                  </a:txBody>
+                  <a:tcPr>
+                    <a:solidFill>
+                      <a:schemeClr val="accent6">
+                        <a:lumMod val="40000"/>
+                        <a:lumOff val="60000"/>
+                      </a:schemeClr>
+                    </a:solidFill>
+                  </a:tcPr>
+                </a:tc>
+                <a:tc>
+                  <a:txBody>
+                    <a:bodyPr/>
+                    <a:lstStyle/>
+                    <a:p>
+                      <a:pPr algn="ctr"/>
+                      <a:endParaRPr lang="en-US" dirty="0"/>
+                    </a:p>
+                  </a:txBody>
+                  <a:tcPr/>
+                </a:tc>
+                <a:extLst>
+                  <a:ext uri="{0D108BD9-81ED-4DB2-BD59-A6C34878D82A}">
+                    <a16:rowId xmlns:a16="http://schemas.microsoft.com/office/drawing/2014/main" val="1629365600"/>
+                  </a:ext>
+                </a:extLst>
+              </a:tr>
+              <a:tr h="370840">
+                <a:tc>
+                  <a:txBody>
+                    <a:bodyPr/>
+                    <a:lstStyle/>
+                    <a:p>
+                      <a:pPr algn="ctr"/>
+                      <a:r>
+                        <a:rPr lang="en-US" dirty="0"/>
+                        <a:t>2</a:t>
+                      </a:r>
+                    </a:p>
+                  </a:txBody>
+                  <a:tcPr/>
+                </a:tc>
+                <a:tc>
+                  <a:txBody>
+                    <a:bodyPr/>
+                    <a:lstStyle/>
+                    <a:p>
+                      <a:pPr algn="ctr"/>
+                      <a:r>
+                        <a:rPr lang="en-US" dirty="0"/>
+                        <a:t>*</a:t>
+                      </a:r>
+                    </a:p>
+                  </a:txBody>
+                  <a:tcPr>
+                    <a:solidFill>
+                      <a:schemeClr val="accent6">
+                        <a:lumMod val="40000"/>
+                        <a:lumOff val="60000"/>
+                      </a:schemeClr>
+                    </a:solidFill>
+                  </a:tcPr>
+                </a:tc>
+                <a:tc>
+                  <a:txBody>
+                    <a:bodyPr/>
+                    <a:lstStyle/>
+                    <a:p>
+                      <a:pPr algn="ctr"/>
+                      <a:r>
+                        <a:rPr lang="en-US" dirty="0"/>
+                        <a:t>*</a:t>
+                      </a:r>
+                    </a:p>
+                  </a:txBody>
+                  <a:tcPr>
+                    <a:solidFill>
+                      <a:schemeClr val="accent6">
+                        <a:lumMod val="40000"/>
+                        <a:lumOff val="60000"/>
+                      </a:schemeClr>
+                    </a:solidFill>
+                  </a:tcPr>
+                </a:tc>
+                <a:tc>
+                  <a:txBody>
+                    <a:bodyPr/>
+                    <a:lstStyle/>
+                    <a:p>
+                      <a:pPr algn="ctr"/>
+                      <a:r>
+                        <a:rPr lang="en-US" dirty="0"/>
+                        <a:t>*</a:t>
+                      </a:r>
+                    </a:p>
+                  </a:txBody>
+                  <a:tcPr>
+                    <a:solidFill>
+                      <a:schemeClr val="accent6">
+                        <a:lumMod val="40000"/>
+                        <a:lumOff val="60000"/>
+                      </a:schemeClr>
+                    </a:solidFill>
+                  </a:tcPr>
+                </a:tc>
+                <a:tc>
+                  <a:txBody>
+                    <a:bodyPr/>
+                    <a:lstStyle/>
+                    <a:p>
+                      <a:pPr algn="ctr"/>
+                      <a:r>
+                        <a:rPr lang="en-US" dirty="0"/>
+                        <a:t>*</a:t>
+                      </a:r>
+                    </a:p>
+                  </a:txBody>
+                  <a:tcPr/>
+                </a:tc>
+                <a:extLst>
+                  <a:ext uri="{0D108BD9-81ED-4DB2-BD59-A6C34878D82A}">
+                    <a16:rowId xmlns:a16="http://schemas.microsoft.com/office/drawing/2014/main" val="3209401911"/>
+                  </a:ext>
+                </a:extLst>
+              </a:tr>
+            </a:tbl>
+          </a:graphicData>
+        </a:graphic>
+      </p:graphicFrame>
+      <p:sp>
+        <p:nvSpPr>
+          <p:cNvPr id="6" name="TextBox 5">
+            <a:extLst>
+              <a:ext uri="{FF2B5EF4-FFF2-40B4-BE49-F238E27FC236}">
+                <a16:creationId xmlns:a16="http://schemas.microsoft.com/office/drawing/2014/main" id="{BAC2F0A9-38A2-180B-9AA2-EE75D985568E}"/>
+              </a:ext>
+            </a:extLst>
+          </p:cNvPr>
+          <p:cNvSpPr txBox="1"/>
+          <p:nvPr/>
+        </p:nvSpPr>
+        <p:spPr>
+          <a:xfrm>
+            <a:off x="3447740" y="1845050"/>
+            <a:ext cx="468398" cy="369332"/>
+          </a:xfrm>
+          <a:prstGeom prst="rect">
+            <a:avLst/>
+          </a:prstGeom>
+          <a:noFill/>
+        </p:spPr>
+        <p:txBody>
+          <a:bodyPr wrap="none" rtlCol="0">
+            <a:spAutoFit/>
+          </a:bodyPr>
+          <a:lstStyle/>
+          <a:p>
+            <a:r>
+              <a:rPr lang="en-US" dirty="0"/>
+              <a:t>C2</a:t>
+            </a:r>
+          </a:p>
+        </p:txBody>
+      </p:sp>
+      <p:sp>
+        <p:nvSpPr>
+          <p:cNvPr id="7" name="TextBox 6">
+            <a:extLst>
+              <a:ext uri="{FF2B5EF4-FFF2-40B4-BE49-F238E27FC236}">
+                <a16:creationId xmlns:a16="http://schemas.microsoft.com/office/drawing/2014/main" id="{7625CE6B-20B7-FB5E-7C55-360E2E783DAC}"/>
+              </a:ext>
+            </a:extLst>
+          </p:cNvPr>
+          <p:cNvSpPr txBox="1"/>
+          <p:nvPr/>
+        </p:nvSpPr>
+        <p:spPr>
+          <a:xfrm>
+            <a:off x="2649362" y="2214382"/>
+            <a:ext cx="468398" cy="369332"/>
+          </a:xfrm>
+          <a:prstGeom prst="rect">
+            <a:avLst/>
+          </a:prstGeom>
+          <a:noFill/>
+        </p:spPr>
+        <p:txBody>
+          <a:bodyPr wrap="none" rtlCol="0">
+            <a:spAutoFit/>
+          </a:bodyPr>
+          <a:lstStyle/>
+          <a:p>
+            <a:r>
+              <a:rPr lang="en-US" dirty="0"/>
+              <a:t>C1</a:t>
+            </a:r>
+          </a:p>
+        </p:txBody>
+      </p:sp>
+      <p:sp>
+        <p:nvSpPr>
+          <p:cNvPr id="9" name="TextBox 8">
+            <a:extLst>
+              <a:ext uri="{FF2B5EF4-FFF2-40B4-BE49-F238E27FC236}">
+                <a16:creationId xmlns:a16="http://schemas.microsoft.com/office/drawing/2014/main" id="{3521714D-CE7F-20A7-BFC1-2234CC50C27A}"/>
+              </a:ext>
+            </a:extLst>
+          </p:cNvPr>
+          <p:cNvSpPr txBox="1"/>
+          <p:nvPr/>
+        </p:nvSpPr>
+        <p:spPr>
+          <a:xfrm>
+            <a:off x="5137243" y="1470158"/>
+            <a:ext cx="1917513" cy="369332"/>
+          </a:xfrm>
+          <a:prstGeom prst="rect">
+            <a:avLst/>
+          </a:prstGeom>
+          <a:noFill/>
+        </p:spPr>
+        <p:txBody>
+          <a:bodyPr wrap="none" rtlCol="0">
+            <a:spAutoFit/>
+          </a:bodyPr>
+          <a:lstStyle/>
+          <a:p>
+            <a:r>
+              <a:rPr lang="en-US" dirty="0"/>
+              <a:t>P(c1 &gt;= c2) = 8 / 9</a:t>
+            </a:r>
+          </a:p>
+        </p:txBody>
+      </p:sp>
+      <mc:AlternateContent xmlns:mc="http://schemas.openxmlformats.org/markup-compatibility/2006">
+        <mc:Choice xmlns:a14="http://schemas.microsoft.com/office/drawing/2010/main" Requires="a14">
+          <p:sp>
+            <p:nvSpPr>
+              <p:cNvPr id="10" name="TextBox 9">
+                <a:extLst>
+                  <a:ext uri="{FF2B5EF4-FFF2-40B4-BE49-F238E27FC236}">
+                    <a16:creationId xmlns:a16="http://schemas.microsoft.com/office/drawing/2014/main" id="{9E901366-1E2B-03D9-D1E2-CD06E1229AD7}"/>
+                  </a:ext>
+                </a:extLst>
+              </p:cNvPr>
+              <p:cNvSpPr txBox="1"/>
+              <p:nvPr/>
+            </p:nvSpPr>
+            <p:spPr>
+              <a:xfrm>
+                <a:off x="2759349" y="4415672"/>
+                <a:ext cx="6673302" cy="1877437"/>
+              </a:xfrm>
+              <a:prstGeom prst="rect">
+                <a:avLst/>
+              </a:prstGeom>
+              <a:noFill/>
+            </p:spPr>
+            <p:txBody>
+              <a:bodyPr wrap="none" rtlCol="0">
+                <a:spAutoFit/>
+              </a:bodyPr>
+              <a:lstStyle/>
+              <a:p>
+                <a:r>
+                  <a:rPr lang="en-US" dirty="0"/>
+                  <a:t>Green region = (LB, UB)</a:t>
+                </a:r>
+                <a:r>
+                  <a:rPr lang="en-US" baseline="-25000" dirty="0"/>
+                  <a:t>c1</a:t>
+                </a:r>
+                <a:r>
+                  <a:rPr lang="en-US" dirty="0"/>
+                  <a:t> </a:t>
+                </a:r>
+                <a14:m>
+                  <m:oMath xmlns:m="http://schemas.openxmlformats.org/officeDocument/2006/math">
+                    <m:r>
+                      <a:rPr lang="en-US" i="1" smtClean="0">
+                        <a:latin typeface="Cambria Math" panose="02040503050406030204" pitchFamily="18" charset="0"/>
+                        <a:ea typeface="Cambria Math" panose="02040503050406030204" pitchFamily="18" charset="0"/>
+                      </a:rPr>
+                      <m:t>∩</m:t>
+                    </m:r>
+                    <m:r>
+                      <a:rPr lang="en-US" b="0" i="1" smtClean="0">
+                        <a:latin typeface="Cambria Math" panose="02040503050406030204" pitchFamily="18" charset="0"/>
+                        <a:ea typeface="Cambria Math" panose="02040503050406030204" pitchFamily="18" charset="0"/>
+                      </a:rPr>
+                      <m:t> </m:t>
+                    </m:r>
+                  </m:oMath>
+                </a14:m>
+                <a:r>
+                  <a:rPr lang="en-US" dirty="0"/>
+                  <a:t>(LB, UB)</a:t>
+                </a:r>
+                <a:r>
+                  <a:rPr lang="en-US" baseline="-25000" dirty="0"/>
+                  <a:t>c2</a:t>
+                </a:r>
+              </a:p>
+              <a:p>
+                <a:r>
+                  <a:rPr lang="en-US" dirty="0"/>
+                  <a:t>Star region = c1 &gt;= c2 </a:t>
+                </a:r>
+              </a:p>
+              <a:p>
+                <a:r>
+                  <a:rPr lang="en-US" dirty="0"/>
+                  <a:t>Result = (Star region </a:t>
+                </a:r>
+                <a14:m>
+                  <m:oMath xmlns:m="http://schemas.openxmlformats.org/officeDocument/2006/math">
+                    <m:r>
+                      <a:rPr lang="en-US" i="1" smtClean="0">
+                        <a:latin typeface="Cambria Math" panose="02040503050406030204" pitchFamily="18" charset="0"/>
+                        <a:ea typeface="Cambria Math" panose="02040503050406030204" pitchFamily="18" charset="0"/>
+                      </a:rPr>
+                      <m:t>∩</m:t>
+                    </m:r>
+                  </m:oMath>
+                </a14:m>
+                <a:r>
+                  <a:rPr lang="en-US" dirty="0"/>
+                  <a:t> Green region) / Green region</a:t>
+                </a:r>
+              </a:p>
+              <a:p>
+                <a:endParaRPr lang="en-US" dirty="0"/>
+              </a:p>
+              <a:p>
+                <a:r>
+                  <a:rPr lang="en-US" dirty="0"/>
+                  <a:t>** Green region basically means table after applying assumptions</a:t>
+                </a:r>
+              </a:p>
+              <a:p>
+                <a:endParaRPr lang="en-US" sz="2600" dirty="0"/>
+              </a:p>
+            </p:txBody>
+          </p:sp>
+        </mc:Choice>
+        <mc:Fallback>
+          <p:sp>
+            <p:nvSpPr>
+              <p:cNvPr id="10" name="TextBox 9">
+                <a:extLst>
+                  <a:ext uri="{FF2B5EF4-FFF2-40B4-BE49-F238E27FC236}">
+                    <a16:creationId xmlns:a16="http://schemas.microsoft.com/office/drawing/2014/main" id="{9E901366-1E2B-03D9-D1E2-CD06E1229AD7}"/>
+                  </a:ext>
+                </a:extLst>
+              </p:cNvPr>
+              <p:cNvSpPr txBox="1">
+                <a:spLocks noRot="1" noChangeAspect="1" noMove="1" noResize="1" noEditPoints="1" noAdjustHandles="1" noChangeArrowheads="1" noChangeShapeType="1" noTextEdit="1"/>
+              </p:cNvSpPr>
+              <p:nvPr/>
+            </p:nvSpPr>
+            <p:spPr>
+              <a:xfrm>
+                <a:off x="2759349" y="4415672"/>
+                <a:ext cx="6673302" cy="1877437"/>
+              </a:xfrm>
+              <a:prstGeom prst="rect">
+                <a:avLst/>
+              </a:prstGeom>
+              <a:blipFill>
+                <a:blip r:embed="rId2"/>
+                <a:stretch>
+                  <a:fillRect l="-760" t="-1342"/>
+                </a:stretch>
+              </a:blipFill>
+            </p:spPr>
+            <p:txBody>
+              <a:bodyPr/>
+              <a:lstStyle/>
+              <a:p>
+                <a:r>
+                  <a:rPr lang="en-US">
+                    <a:noFill/>
+                  </a:rPr>
+                  <a:t> </a:t>
+                </a:r>
+              </a:p>
+            </p:txBody>
+          </p:sp>
+        </mc:Fallback>
+      </mc:AlternateContent>
+    </p:spTree>
+    <p:extLst>
+      <p:ext uri="{BB962C8B-B14F-4D97-AF65-F5344CB8AC3E}">
+        <p14:creationId xmlns:p14="http://schemas.microsoft.com/office/powerpoint/2010/main" val="1083799060"/>
+      </p:ext>
+    </p:extLst>
+  </p:cSld>
+  <p:clrMapOvr>
+    <a:masterClrMapping/>
+  </p:clrMapOvr>
+</p:sld>
+</file>
+
+<file path=ppt/slides/slide34.xml><?xml version="1.0" encoding="utf-8"?>
+<p:sld xmlns:a="http://schemas.openxmlformats.org/drawingml/2006/main" xmlns:r="http://schemas.openxmlformats.org/officeDocument/2006/relationships" xmlns:p="http://schemas.openxmlformats.org/presentationml/2006/main">
+  <p:cSld>
+    <p:spTree>
+      <p:nvGrpSpPr>
+        <p:cNvPr id="1" name=""/>
+        <p:cNvGrpSpPr/>
+        <p:nvPr/>
+      </p:nvGrpSpPr>
+      <p:grpSpPr>
+        <a:xfrm>
+          <a:off x="0" y="0"/>
+          <a:ext cx="0" cy="0"/>
+          <a:chOff x="0" y="0"/>
+          <a:chExt cx="0" cy="0"/>
+        </a:xfrm>
+      </p:grpSpPr>
+      <p:sp>
+        <p:nvSpPr>
+          <p:cNvPr id="2" name="Title 1">
+            <a:extLst>
+              <a:ext uri="{FF2B5EF4-FFF2-40B4-BE49-F238E27FC236}">
+                <a16:creationId xmlns:a16="http://schemas.microsoft.com/office/drawing/2014/main" id="{88ABCA84-F0B3-F083-35FC-6C2D94DF3B07}"/>
+              </a:ext>
+            </a:extLst>
+          </p:cNvPr>
+          <p:cNvSpPr>
+            <a:spLocks noGrp="1"/>
+          </p:cNvSpPr>
+          <p:nvPr>
+            <p:ph type="title"/>
+          </p:nvPr>
+        </p:nvSpPr>
+        <p:spPr>
+          <a:xfrm>
+            <a:off x="838199" y="-205582"/>
+            <a:ext cx="10515600" cy="1325563"/>
+          </a:xfrm>
+        </p:spPr>
+        <p:txBody>
+          <a:bodyPr>
+            <a:normAutofit/>
+          </a:bodyPr>
+          <a:lstStyle/>
+          <a:p>
+            <a:pPr algn="ctr"/>
+            <a:r>
+              <a:rPr lang="en-US" sz="3000" dirty="0"/>
+              <a:t>Example – Entropy with no assumption</a:t>
+            </a:r>
+          </a:p>
+        </p:txBody>
+      </p:sp>
+      <mc:AlternateContent xmlns:mc="http://schemas.openxmlformats.org/markup-compatibility/2006" xmlns:a14="http://schemas.microsoft.com/office/drawing/2010/main">
+        <mc:Choice Requires="a14">
+          <p:sp>
+            <p:nvSpPr>
+              <p:cNvPr id="3" name="Content Placeholder 2">
+                <a:extLst>
+                  <a:ext uri="{FF2B5EF4-FFF2-40B4-BE49-F238E27FC236}">
+                    <a16:creationId xmlns:a16="http://schemas.microsoft.com/office/drawing/2014/main" id="{5DF251DC-4F64-5D48-6C5F-F604B6F609CD}"/>
+                  </a:ext>
+                </a:extLst>
+              </p:cNvPr>
+              <p:cNvSpPr>
+                <a:spLocks noGrp="1"/>
+              </p:cNvSpPr>
+              <p:nvPr>
+                <p:ph idx="1"/>
+              </p:nvPr>
+            </p:nvSpPr>
+            <p:spPr>
+              <a:xfrm>
+                <a:off x="185738" y="882650"/>
+                <a:ext cx="12006262" cy="5318125"/>
+              </a:xfrm>
+            </p:spPr>
+            <p:txBody>
+              <a:bodyPr>
+                <a:normAutofit/>
+              </a:bodyPr>
+              <a:lstStyle/>
+              <a:p>
+                <a:pPr marL="0" indent="0">
+                  <a:buNone/>
+                </a:pPr>
+                <a:endParaRPr lang="en-US" i="1" dirty="0">
+                  <a:latin typeface="Cambria Math" panose="02040503050406030204" pitchFamily="18" charset="0"/>
+                </a:endParaRPr>
+              </a:p>
+              <a:p>
+                <a:pPr marL="514350" indent="-514350">
+                  <a:buAutoNum type="arabicParenR"/>
+                </a:pPr>
+                <a:r>
+                  <a:rPr lang="en-US" dirty="0">
+                    <a:latin typeface="Cambria Math" panose="02040503050406030204" pitchFamily="18" charset="0"/>
+                  </a:rPr>
+                  <a:t>How to compute P(c</a:t>
+                </a:r>
+                <a:r>
+                  <a:rPr lang="en-US" baseline="-25000" dirty="0">
+                    <a:latin typeface="Cambria Math" panose="02040503050406030204" pitchFamily="18" charset="0"/>
+                  </a:rPr>
+                  <a:t>i</a:t>
+                </a:r>
+                <a:r>
+                  <a:rPr lang="en-US" dirty="0">
+                    <a:latin typeface="Cambria Math" panose="02040503050406030204" pitchFamily="18" charset="0"/>
+                  </a:rPr>
+                  <a:t> </a:t>
+                </a:r>
+                <a14:m>
+                  <m:oMath xmlns:m="http://schemas.openxmlformats.org/officeDocument/2006/math">
+                    <m:r>
+                      <a:rPr lang="en-US" i="1" dirty="0" smtClean="0">
+                        <a:latin typeface="Cambria Math" panose="02040503050406030204" pitchFamily="18" charset="0"/>
+                        <a:ea typeface="Cambria Math" panose="02040503050406030204" pitchFamily="18" charset="0"/>
+                      </a:rPr>
+                      <m:t>≥</m:t>
+                    </m:r>
+                  </m:oMath>
+                </a14:m>
+                <a:r>
+                  <a:rPr lang="en-US" dirty="0">
+                    <a:latin typeface="Cambria Math" panose="02040503050406030204" pitchFamily="18" charset="0"/>
+                  </a:rPr>
+                  <a:t> </a:t>
+                </a:r>
+                <a:r>
+                  <a:rPr lang="en-US" dirty="0" err="1">
+                    <a:latin typeface="Cambria Math" panose="02040503050406030204" pitchFamily="18" charset="0"/>
+                  </a:rPr>
+                  <a:t>c</a:t>
+                </a:r>
+                <a:r>
+                  <a:rPr lang="en-US" baseline="-25000" dirty="0" err="1">
+                    <a:latin typeface="Cambria Math" panose="02040503050406030204" pitchFamily="18" charset="0"/>
+                  </a:rPr>
+                  <a:t>j</a:t>
+                </a:r>
+                <a:r>
+                  <a:rPr lang="en-US" baseline="-25000" dirty="0">
+                    <a:latin typeface="Cambria Math" panose="02040503050406030204" pitchFamily="18" charset="0"/>
+                  </a:rPr>
+                  <a:t> </a:t>
+                </a:r>
+                <a:r>
+                  <a:rPr lang="en-US" dirty="0">
+                    <a:latin typeface="Cambria Math" panose="02040503050406030204" pitchFamily="18" charset="0"/>
+                  </a:rPr>
+                  <a:t>| c</a:t>
+                </a:r>
+                <a:r>
+                  <a:rPr lang="en-US" baseline="-25000" dirty="0">
+                    <a:latin typeface="Cambria Math" panose="02040503050406030204" pitchFamily="18" charset="0"/>
+                  </a:rPr>
+                  <a:t>i</a:t>
+                </a:r>
+                <a:r>
+                  <a:rPr lang="en-US" dirty="0">
+                    <a:latin typeface="Cambria Math" panose="02040503050406030204" pitchFamily="18" charset="0"/>
+                  </a:rPr>
+                  <a:t> </a:t>
+                </a:r>
+                <a14:m>
+                  <m:oMath xmlns:m="http://schemas.openxmlformats.org/officeDocument/2006/math">
+                    <m:r>
+                      <a:rPr lang="en-US" i="1" dirty="0">
+                        <a:latin typeface="Cambria Math" panose="02040503050406030204" pitchFamily="18" charset="0"/>
+                        <a:ea typeface="Cambria Math" panose="02040503050406030204" pitchFamily="18" charset="0"/>
+                      </a:rPr>
+                      <m:t>≥</m:t>
+                    </m:r>
+                  </m:oMath>
+                </a14:m>
+                <a:r>
+                  <a:rPr lang="en-US" dirty="0">
+                    <a:latin typeface="Cambria Math" panose="02040503050406030204" pitchFamily="18" charset="0"/>
+                  </a:rPr>
+                  <a:t> c</a:t>
+                </a:r>
+                <a:r>
+                  <a:rPr lang="en-US" baseline="-25000" dirty="0">
+                    <a:latin typeface="Cambria Math" panose="02040503050406030204" pitchFamily="18" charset="0"/>
+                  </a:rPr>
+                  <a:t>j+1</a:t>
+                </a:r>
+                <a:r>
+                  <a:rPr lang="en-US" dirty="0">
+                    <a:latin typeface="Cambria Math" panose="02040503050406030204" pitchFamily="18" charset="0"/>
+                  </a:rPr>
+                  <a:t>, c</a:t>
+                </a:r>
+                <a:r>
+                  <a:rPr lang="en-US" baseline="-25000" dirty="0">
+                    <a:latin typeface="Cambria Math" panose="02040503050406030204" pitchFamily="18" charset="0"/>
+                  </a:rPr>
+                  <a:t>i</a:t>
+                </a:r>
+                <a:r>
+                  <a:rPr lang="en-US" dirty="0">
+                    <a:latin typeface="Cambria Math" panose="02040503050406030204" pitchFamily="18" charset="0"/>
+                  </a:rPr>
+                  <a:t> </a:t>
+                </a:r>
+                <a14:m>
+                  <m:oMath xmlns:m="http://schemas.openxmlformats.org/officeDocument/2006/math">
+                    <m:r>
+                      <a:rPr lang="en-US" i="1" dirty="0">
+                        <a:latin typeface="Cambria Math" panose="02040503050406030204" pitchFamily="18" charset="0"/>
+                        <a:ea typeface="Cambria Math" panose="02040503050406030204" pitchFamily="18" charset="0"/>
+                      </a:rPr>
+                      <m:t>≥</m:t>
+                    </m:r>
+                  </m:oMath>
+                </a14:m>
+                <a:r>
+                  <a:rPr lang="en-US" dirty="0">
+                    <a:latin typeface="Cambria Math" panose="02040503050406030204" pitchFamily="18" charset="0"/>
+                  </a:rPr>
+                  <a:t> </a:t>
+                </a:r>
+                <a:r>
+                  <a:rPr lang="en-US" dirty="0" err="1">
+                    <a:latin typeface="Cambria Math" panose="02040503050406030204" pitchFamily="18" charset="0"/>
+                  </a:rPr>
+                  <a:t>c</a:t>
+                </a:r>
+                <a:r>
+                  <a:rPr lang="en-US" baseline="-25000" dirty="0" err="1">
+                    <a:latin typeface="Cambria Math" panose="02040503050406030204" pitchFamily="18" charset="0"/>
+                  </a:rPr>
+                  <a:t>j</a:t>
+                </a:r>
+                <a:r>
+                  <a:rPr lang="en-US" baseline="-25000" dirty="0">
+                    <a:latin typeface="Cambria Math" panose="02040503050406030204" pitchFamily="18" charset="0"/>
+                  </a:rPr>
+                  <a:t> + 2</a:t>
+                </a:r>
+                <a:r>
+                  <a:rPr lang="en-US" dirty="0">
+                    <a:latin typeface="Cambria Math" panose="02040503050406030204" pitchFamily="18" charset="0"/>
+                  </a:rPr>
+                  <a:t>, … c</a:t>
+                </a:r>
+                <a:r>
+                  <a:rPr lang="en-US" baseline="-25000" dirty="0">
+                    <a:latin typeface="Cambria Math" panose="02040503050406030204" pitchFamily="18" charset="0"/>
+                  </a:rPr>
+                  <a:t>i</a:t>
+                </a:r>
+                <a:r>
+                  <a:rPr lang="en-US" dirty="0">
+                    <a:latin typeface="Cambria Math" panose="02040503050406030204" pitchFamily="18" charset="0"/>
+                  </a:rPr>
+                  <a:t> </a:t>
+                </a:r>
+                <a14:m>
+                  <m:oMath xmlns:m="http://schemas.openxmlformats.org/officeDocument/2006/math">
+                    <m:r>
+                      <a:rPr lang="en-US" i="1" dirty="0">
+                        <a:latin typeface="Cambria Math" panose="02040503050406030204" pitchFamily="18" charset="0"/>
+                        <a:ea typeface="Cambria Math" panose="02040503050406030204" pitchFamily="18" charset="0"/>
+                      </a:rPr>
+                      <m:t>≥</m:t>
+                    </m:r>
+                  </m:oMath>
+                </a14:m>
+                <a:r>
+                  <a:rPr lang="en-US" dirty="0">
+                    <a:latin typeface="Cambria Math" panose="02040503050406030204" pitchFamily="18" charset="0"/>
+                  </a:rPr>
+                  <a:t> </a:t>
+                </a:r>
+                <a:r>
+                  <a:rPr lang="en-US" dirty="0" err="1">
+                    <a:latin typeface="Cambria Math" panose="02040503050406030204" pitchFamily="18" charset="0"/>
+                  </a:rPr>
+                  <a:t>c</a:t>
+                </a:r>
+                <a:r>
+                  <a:rPr lang="en-US" baseline="-25000" dirty="0" err="1">
+                    <a:latin typeface="Cambria Math" panose="02040503050406030204" pitchFamily="18" charset="0"/>
+                  </a:rPr>
+                  <a:t>n</a:t>
+                </a:r>
+                <a:r>
+                  <a:rPr lang="en-US" dirty="0">
+                    <a:latin typeface="Cambria Math" panose="02040503050406030204" pitchFamily="18" charset="0"/>
+                  </a:rPr>
+                  <a:t>)?</a:t>
+                </a:r>
+              </a:p>
+              <a:p>
+                <a:pPr marL="457200" lvl="1" indent="0">
+                  <a:buNone/>
+                </a:pPr>
+                <a:r>
+                  <a:rPr lang="en-US" dirty="0">
+                    <a:latin typeface="Cambria Math" panose="02040503050406030204" pitchFamily="18" charset="0"/>
+                  </a:rPr>
+                  <a:t>N*m*m table (N dimensional)</a:t>
+                </a:r>
+              </a:p>
+              <a:p>
+                <a:pPr marL="457200" lvl="1" indent="0">
+                  <a:buNone/>
+                </a:pPr>
+                <a:r>
+                  <a:rPr lang="en-US" dirty="0">
+                    <a:latin typeface="Cambria Math" panose="02040503050406030204" pitchFamily="18" charset="0"/>
+                  </a:rPr>
+                  <a:t>Green region = (LB, UB)</a:t>
+                </a:r>
+                <a:r>
+                  <a:rPr lang="en-US" baseline="-25000" dirty="0">
+                    <a:latin typeface="Cambria Math" panose="02040503050406030204" pitchFamily="18" charset="0"/>
+                  </a:rPr>
+                  <a:t>c1</a:t>
+                </a:r>
+                <a:r>
+                  <a:rPr lang="en-US" dirty="0">
+                    <a:latin typeface="Cambria Math" panose="02040503050406030204" pitchFamily="18" charset="0"/>
+                  </a:rPr>
+                  <a:t> </a:t>
+                </a:r>
+                <a14:m>
+                  <m:oMath xmlns:m="http://schemas.openxmlformats.org/officeDocument/2006/math">
+                    <m:r>
+                      <a:rPr lang="en-US" i="1" smtClean="0">
+                        <a:latin typeface="Cambria Math" panose="02040503050406030204" pitchFamily="18" charset="0"/>
+                        <a:ea typeface="Cambria Math" panose="02040503050406030204" pitchFamily="18" charset="0"/>
+                      </a:rPr>
+                      <m:t>∩</m:t>
+                    </m:r>
+                    <m:r>
+                      <a:rPr lang="en-US" b="0" i="1" smtClean="0">
+                        <a:latin typeface="Cambria Math" panose="02040503050406030204" pitchFamily="18" charset="0"/>
+                        <a:ea typeface="Cambria Math" panose="02040503050406030204" pitchFamily="18" charset="0"/>
+                      </a:rPr>
+                      <m:t> </m:t>
+                    </m:r>
+                  </m:oMath>
+                </a14:m>
+                <a:r>
+                  <a:rPr lang="en-US" dirty="0">
+                    <a:latin typeface="Cambria Math" panose="02040503050406030204" pitchFamily="18" charset="0"/>
+                  </a:rPr>
+                  <a:t>(LB, UB)</a:t>
+                </a:r>
+                <a:r>
+                  <a:rPr lang="en-US" baseline="-25000" dirty="0">
+                    <a:latin typeface="Cambria Math" panose="02040503050406030204" pitchFamily="18" charset="0"/>
+                  </a:rPr>
+                  <a:t>c2</a:t>
+                </a:r>
+                <a:r>
+                  <a:rPr lang="en-US" dirty="0">
+                    <a:latin typeface="Cambria Math" panose="02040503050406030204" pitchFamily="18" charset="0"/>
+                  </a:rPr>
+                  <a:t> </a:t>
+                </a:r>
+                <a14:m>
+                  <m:oMath xmlns:m="http://schemas.openxmlformats.org/officeDocument/2006/math">
+                    <m:r>
+                      <a:rPr lang="en-US" i="1">
+                        <a:latin typeface="Cambria Math" panose="02040503050406030204" pitchFamily="18" charset="0"/>
+                        <a:ea typeface="Cambria Math" panose="02040503050406030204" pitchFamily="18" charset="0"/>
+                      </a:rPr>
+                      <m:t>∩</m:t>
+                    </m:r>
+                    <m:r>
+                      <a:rPr lang="en-US" b="0" i="1" smtClean="0">
+                        <a:latin typeface="Cambria Math" panose="02040503050406030204" pitchFamily="18" charset="0"/>
+                        <a:ea typeface="Cambria Math" panose="02040503050406030204" pitchFamily="18" charset="0"/>
+                      </a:rPr>
+                      <m:t>…</m:t>
+                    </m:r>
+                    <m:r>
+                      <a:rPr lang="en-US" i="1">
+                        <a:latin typeface="Cambria Math" panose="02040503050406030204" pitchFamily="18" charset="0"/>
+                        <a:ea typeface="Cambria Math" panose="02040503050406030204" pitchFamily="18" charset="0"/>
+                      </a:rPr>
+                      <m:t>∩</m:t>
+                    </m:r>
+                    <m:r>
+                      <m:rPr>
+                        <m:nor/>
+                      </m:rPr>
+                      <a:rPr lang="en-US" dirty="0">
+                        <a:latin typeface="Cambria Math" panose="02040503050406030204" pitchFamily="18" charset="0"/>
+                      </a:rPr>
+                      <m:t>(</m:t>
+                    </m:r>
+                    <m:r>
+                      <m:rPr>
+                        <m:nor/>
+                      </m:rPr>
+                      <a:rPr lang="en-US" dirty="0">
+                        <a:latin typeface="Cambria Math" panose="02040503050406030204" pitchFamily="18" charset="0"/>
+                      </a:rPr>
+                      <m:t>LB</m:t>
+                    </m:r>
+                    <m:r>
+                      <m:rPr>
+                        <m:nor/>
+                      </m:rPr>
+                      <a:rPr lang="en-US" dirty="0">
+                        <a:latin typeface="Cambria Math" panose="02040503050406030204" pitchFamily="18" charset="0"/>
+                      </a:rPr>
+                      <m:t>, </m:t>
+                    </m:r>
+                    <m:r>
+                      <m:rPr>
+                        <m:nor/>
+                      </m:rPr>
+                      <a:rPr lang="en-US" dirty="0">
+                        <a:latin typeface="Cambria Math" panose="02040503050406030204" pitchFamily="18" charset="0"/>
+                      </a:rPr>
+                      <m:t>UB</m:t>
+                    </m:r>
+                    <m:r>
+                      <m:rPr>
+                        <m:nor/>
+                      </m:rPr>
+                      <a:rPr lang="en-US" dirty="0">
+                        <a:latin typeface="Cambria Math" panose="02040503050406030204" pitchFamily="18" charset="0"/>
+                      </a:rPr>
+                      <m:t>)</m:t>
+                    </m:r>
+                    <m:r>
+                      <m:rPr>
+                        <m:nor/>
+                      </m:rPr>
+                      <a:rPr lang="en-US" baseline="-25000" dirty="0">
+                        <a:latin typeface="Cambria Math" panose="02040503050406030204" pitchFamily="18" charset="0"/>
+                      </a:rPr>
+                      <m:t>c</m:t>
+                    </m:r>
+                    <m:r>
+                      <m:rPr>
+                        <m:nor/>
+                      </m:rPr>
+                      <a:rPr lang="en-US" b="0" i="0" baseline="-25000" dirty="0" smtClean="0">
+                        <a:latin typeface="Cambria Math" panose="02040503050406030204" pitchFamily="18" charset="0"/>
+                      </a:rPr>
+                      <m:t>n</m:t>
+                    </m:r>
+                  </m:oMath>
+                </a14:m>
+                <a:r>
+                  <a:rPr lang="en-US" dirty="0">
+                    <a:latin typeface="Cambria Math" panose="02040503050406030204" pitchFamily="18" charset="0"/>
+                  </a:rPr>
+                  <a:t> </a:t>
+                </a:r>
+                <a14:m>
+                  <m:oMath xmlns:m="http://schemas.openxmlformats.org/officeDocument/2006/math">
+                    <m:r>
+                      <a:rPr lang="en-US" i="1">
+                        <a:latin typeface="Cambria Math" panose="02040503050406030204" pitchFamily="18" charset="0"/>
+                        <a:ea typeface="Cambria Math" panose="02040503050406030204" pitchFamily="18" charset="0"/>
+                      </a:rPr>
+                      <m:t>∩ </m:t>
+                    </m:r>
+                  </m:oMath>
+                </a14:m>
+                <a:r>
+                  <a:rPr lang="en-US" dirty="0">
+                    <a:latin typeface="Cambria Math" panose="02040503050406030204" pitchFamily="18" charset="0"/>
+                  </a:rPr>
+                  <a:t> </a:t>
+                </a:r>
+                <a:r>
+                  <a:rPr lang="en-US" dirty="0">
+                    <a:solidFill>
+                      <a:schemeClr val="accent6">
+                        <a:lumMod val="75000"/>
+                      </a:schemeClr>
+                    </a:solidFill>
+                    <a:latin typeface="Cambria Math" panose="02040503050406030204" pitchFamily="18" charset="0"/>
+                  </a:rPr>
+                  <a:t>c</a:t>
+                </a:r>
+                <a:r>
+                  <a:rPr lang="en-US" baseline="-25000" dirty="0">
+                    <a:solidFill>
+                      <a:schemeClr val="accent6">
+                        <a:lumMod val="75000"/>
+                      </a:schemeClr>
+                    </a:solidFill>
+                    <a:latin typeface="Cambria Math" panose="02040503050406030204" pitchFamily="18" charset="0"/>
+                  </a:rPr>
+                  <a:t>i</a:t>
+                </a:r>
+                <a:r>
+                  <a:rPr lang="en-US" dirty="0">
+                    <a:solidFill>
+                      <a:schemeClr val="accent6">
+                        <a:lumMod val="75000"/>
+                      </a:schemeClr>
+                    </a:solidFill>
+                    <a:latin typeface="Cambria Math" panose="02040503050406030204" pitchFamily="18" charset="0"/>
+                  </a:rPr>
+                  <a:t> </a:t>
+                </a:r>
+                <a14:m>
+                  <m:oMath xmlns:m="http://schemas.openxmlformats.org/officeDocument/2006/math">
+                    <m:r>
+                      <a:rPr lang="en-US" i="1" dirty="0">
+                        <a:solidFill>
+                          <a:schemeClr val="accent6">
+                            <a:lumMod val="75000"/>
+                          </a:schemeClr>
+                        </a:solidFill>
+                        <a:latin typeface="Cambria Math" panose="02040503050406030204" pitchFamily="18" charset="0"/>
+                        <a:ea typeface="Cambria Math" panose="02040503050406030204" pitchFamily="18" charset="0"/>
+                      </a:rPr>
+                      <m:t>≥</m:t>
+                    </m:r>
+                  </m:oMath>
+                </a14:m>
+                <a:r>
+                  <a:rPr lang="en-US" dirty="0">
+                    <a:solidFill>
+                      <a:schemeClr val="accent6">
+                        <a:lumMod val="75000"/>
+                      </a:schemeClr>
+                    </a:solidFill>
+                    <a:latin typeface="Cambria Math" panose="02040503050406030204" pitchFamily="18" charset="0"/>
+                  </a:rPr>
+                  <a:t> c</a:t>
+                </a:r>
+                <a:r>
+                  <a:rPr lang="en-US" baseline="-25000" dirty="0">
+                    <a:solidFill>
+                      <a:schemeClr val="accent6">
+                        <a:lumMod val="75000"/>
+                      </a:schemeClr>
+                    </a:solidFill>
+                    <a:latin typeface="Cambria Math" panose="02040503050406030204" pitchFamily="18" charset="0"/>
+                  </a:rPr>
+                  <a:t>j+1</a:t>
+                </a:r>
+                <a:r>
+                  <a:rPr lang="en-US" dirty="0">
+                    <a:solidFill>
+                      <a:schemeClr val="accent6">
+                        <a:lumMod val="75000"/>
+                      </a:schemeClr>
+                    </a:solidFill>
+                    <a:latin typeface="Cambria Math" panose="02040503050406030204" pitchFamily="18" charset="0"/>
+                  </a:rPr>
+                  <a:t>, c</a:t>
+                </a:r>
+                <a:r>
+                  <a:rPr lang="en-US" baseline="-25000" dirty="0">
+                    <a:solidFill>
+                      <a:schemeClr val="accent6">
+                        <a:lumMod val="75000"/>
+                      </a:schemeClr>
+                    </a:solidFill>
+                    <a:latin typeface="Cambria Math" panose="02040503050406030204" pitchFamily="18" charset="0"/>
+                  </a:rPr>
+                  <a:t>i</a:t>
+                </a:r>
+                <a:r>
+                  <a:rPr lang="en-US" dirty="0">
+                    <a:solidFill>
+                      <a:schemeClr val="accent6">
+                        <a:lumMod val="75000"/>
+                      </a:schemeClr>
+                    </a:solidFill>
+                    <a:latin typeface="Cambria Math" panose="02040503050406030204" pitchFamily="18" charset="0"/>
+                  </a:rPr>
+                  <a:t> </a:t>
+                </a:r>
+                <a14:m>
+                  <m:oMath xmlns:m="http://schemas.openxmlformats.org/officeDocument/2006/math">
+                    <m:r>
+                      <a:rPr lang="en-US" i="1" dirty="0">
+                        <a:solidFill>
+                          <a:schemeClr val="accent6">
+                            <a:lumMod val="75000"/>
+                          </a:schemeClr>
+                        </a:solidFill>
+                        <a:latin typeface="Cambria Math" panose="02040503050406030204" pitchFamily="18" charset="0"/>
+                        <a:ea typeface="Cambria Math" panose="02040503050406030204" pitchFamily="18" charset="0"/>
+                      </a:rPr>
+                      <m:t>≥</m:t>
+                    </m:r>
+                  </m:oMath>
+                </a14:m>
+                <a:r>
+                  <a:rPr lang="en-US" dirty="0">
+                    <a:solidFill>
+                      <a:schemeClr val="accent6">
+                        <a:lumMod val="75000"/>
+                      </a:schemeClr>
+                    </a:solidFill>
+                    <a:latin typeface="Cambria Math" panose="02040503050406030204" pitchFamily="18" charset="0"/>
+                  </a:rPr>
+                  <a:t> </a:t>
+                </a:r>
+                <a:r>
+                  <a:rPr lang="en-US" dirty="0" err="1">
+                    <a:solidFill>
+                      <a:schemeClr val="accent6">
+                        <a:lumMod val="75000"/>
+                      </a:schemeClr>
+                    </a:solidFill>
+                    <a:latin typeface="Cambria Math" panose="02040503050406030204" pitchFamily="18" charset="0"/>
+                  </a:rPr>
+                  <a:t>c</a:t>
+                </a:r>
+                <a:r>
+                  <a:rPr lang="en-US" baseline="-25000" dirty="0" err="1">
+                    <a:solidFill>
+                      <a:schemeClr val="accent6">
+                        <a:lumMod val="75000"/>
+                      </a:schemeClr>
+                    </a:solidFill>
+                    <a:latin typeface="Cambria Math" panose="02040503050406030204" pitchFamily="18" charset="0"/>
+                  </a:rPr>
+                  <a:t>j</a:t>
+                </a:r>
+                <a:r>
+                  <a:rPr lang="en-US" baseline="-25000" dirty="0">
+                    <a:solidFill>
+                      <a:schemeClr val="accent6">
+                        <a:lumMod val="75000"/>
+                      </a:schemeClr>
+                    </a:solidFill>
+                    <a:latin typeface="Cambria Math" panose="02040503050406030204" pitchFamily="18" charset="0"/>
+                  </a:rPr>
+                  <a:t> + 2</a:t>
+                </a:r>
+                <a:r>
+                  <a:rPr lang="en-US" dirty="0">
+                    <a:solidFill>
+                      <a:schemeClr val="accent6">
+                        <a:lumMod val="75000"/>
+                      </a:schemeClr>
+                    </a:solidFill>
+                    <a:latin typeface="Cambria Math" panose="02040503050406030204" pitchFamily="18" charset="0"/>
+                  </a:rPr>
+                  <a:t>, … c</a:t>
+                </a:r>
+                <a:r>
+                  <a:rPr lang="en-US" baseline="-25000" dirty="0">
+                    <a:solidFill>
+                      <a:schemeClr val="accent6">
+                        <a:lumMod val="75000"/>
+                      </a:schemeClr>
+                    </a:solidFill>
+                    <a:latin typeface="Cambria Math" panose="02040503050406030204" pitchFamily="18" charset="0"/>
+                  </a:rPr>
+                  <a:t>i</a:t>
+                </a:r>
+                <a:r>
+                  <a:rPr lang="en-US" dirty="0">
+                    <a:solidFill>
+                      <a:schemeClr val="accent6">
+                        <a:lumMod val="75000"/>
+                      </a:schemeClr>
+                    </a:solidFill>
+                    <a:latin typeface="Cambria Math" panose="02040503050406030204" pitchFamily="18" charset="0"/>
+                  </a:rPr>
+                  <a:t> </a:t>
+                </a:r>
+                <a14:m>
+                  <m:oMath xmlns:m="http://schemas.openxmlformats.org/officeDocument/2006/math">
+                    <m:r>
+                      <a:rPr lang="en-US" i="1" dirty="0">
+                        <a:solidFill>
+                          <a:schemeClr val="accent6">
+                            <a:lumMod val="75000"/>
+                          </a:schemeClr>
+                        </a:solidFill>
+                        <a:latin typeface="Cambria Math" panose="02040503050406030204" pitchFamily="18" charset="0"/>
+                        <a:ea typeface="Cambria Math" panose="02040503050406030204" pitchFamily="18" charset="0"/>
+                      </a:rPr>
+                      <m:t>≥</m:t>
+                    </m:r>
+                  </m:oMath>
+                </a14:m>
+                <a:r>
+                  <a:rPr lang="en-US" dirty="0">
+                    <a:solidFill>
+                      <a:schemeClr val="accent6">
+                        <a:lumMod val="75000"/>
+                      </a:schemeClr>
+                    </a:solidFill>
+                    <a:latin typeface="Cambria Math" panose="02040503050406030204" pitchFamily="18" charset="0"/>
+                  </a:rPr>
+                  <a:t> </a:t>
+                </a:r>
+                <a:r>
+                  <a:rPr lang="en-US" dirty="0" err="1">
+                    <a:solidFill>
+                      <a:schemeClr val="accent6">
+                        <a:lumMod val="75000"/>
+                      </a:schemeClr>
+                    </a:solidFill>
+                    <a:latin typeface="Cambria Math" panose="02040503050406030204" pitchFamily="18" charset="0"/>
+                  </a:rPr>
+                  <a:t>c</a:t>
+                </a:r>
+                <a:r>
+                  <a:rPr lang="en-US" baseline="-25000" dirty="0" err="1">
+                    <a:solidFill>
+                      <a:schemeClr val="accent6">
+                        <a:lumMod val="75000"/>
+                      </a:schemeClr>
+                    </a:solidFill>
+                    <a:latin typeface="Cambria Math" panose="02040503050406030204" pitchFamily="18" charset="0"/>
+                  </a:rPr>
+                  <a:t>n</a:t>
+                </a:r>
+                <a:endParaRPr lang="en-US" baseline="-25000" dirty="0">
+                  <a:solidFill>
+                    <a:schemeClr val="accent6">
+                      <a:lumMod val="75000"/>
+                    </a:schemeClr>
+                  </a:solidFill>
+                  <a:latin typeface="Cambria Math" panose="02040503050406030204" pitchFamily="18" charset="0"/>
+                </a:endParaRPr>
+              </a:p>
+              <a:p>
+                <a:pPr marL="457200" lvl="1" indent="0">
+                  <a:buNone/>
+                </a:pPr>
+                <a:r>
+                  <a:rPr lang="en-US" sz="2200" dirty="0">
+                    <a:latin typeface="Cambria Math" panose="02040503050406030204" pitchFamily="18" charset="0"/>
+                    <a:ea typeface="Cambria Math" panose="02040503050406030204" pitchFamily="18" charset="0"/>
+                  </a:rPr>
+                  <a:t>Star region = c</a:t>
+                </a:r>
+                <a:r>
+                  <a:rPr lang="en-US" sz="2200" baseline="-25000" dirty="0">
+                    <a:latin typeface="Cambria Math" panose="02040503050406030204" pitchFamily="18" charset="0"/>
+                    <a:ea typeface="Cambria Math" panose="02040503050406030204" pitchFamily="18" charset="0"/>
+                  </a:rPr>
+                  <a:t>i</a:t>
+                </a:r>
+                <a:r>
+                  <a:rPr lang="en-US" sz="2200" dirty="0">
+                    <a:latin typeface="Cambria Math" panose="02040503050406030204" pitchFamily="18" charset="0"/>
+                    <a:ea typeface="Cambria Math" panose="02040503050406030204" pitchFamily="18" charset="0"/>
+                  </a:rPr>
+                  <a:t> </a:t>
+                </a:r>
+                <a14:m>
+                  <m:oMath xmlns:m="http://schemas.openxmlformats.org/officeDocument/2006/math">
+                    <m:r>
+                      <a:rPr lang="en-US" sz="2200" i="1" dirty="0" smtClean="0">
+                        <a:latin typeface="Cambria Math" panose="02040503050406030204" pitchFamily="18" charset="0"/>
+                        <a:ea typeface="Cambria Math" panose="02040503050406030204" pitchFamily="18" charset="0"/>
+                      </a:rPr>
+                      <m:t>≥</m:t>
+                    </m:r>
+                  </m:oMath>
+                </a14:m>
+                <a:r>
+                  <a:rPr lang="en-US" sz="2200" dirty="0">
+                    <a:latin typeface="Cambria Math" panose="02040503050406030204" pitchFamily="18" charset="0"/>
+                    <a:ea typeface="Cambria Math" panose="02040503050406030204" pitchFamily="18" charset="0"/>
+                  </a:rPr>
+                  <a:t> </a:t>
+                </a:r>
+                <a:r>
+                  <a:rPr lang="en-US" sz="2200" dirty="0" err="1">
+                    <a:latin typeface="Cambria Math" panose="02040503050406030204" pitchFamily="18" charset="0"/>
+                    <a:ea typeface="Cambria Math" panose="02040503050406030204" pitchFamily="18" charset="0"/>
+                  </a:rPr>
+                  <a:t>c</a:t>
+                </a:r>
+                <a:r>
+                  <a:rPr lang="en-US" sz="2200" baseline="-25000" dirty="0" err="1">
+                    <a:latin typeface="Cambria Math" panose="02040503050406030204" pitchFamily="18" charset="0"/>
+                    <a:ea typeface="Cambria Math" panose="02040503050406030204" pitchFamily="18" charset="0"/>
+                  </a:rPr>
+                  <a:t>j</a:t>
+                </a:r>
+                <a:endParaRPr lang="en-US" sz="2200" baseline="-25000" dirty="0">
+                  <a:latin typeface="Cambria Math" panose="02040503050406030204" pitchFamily="18" charset="0"/>
+                  <a:ea typeface="Cambria Math" panose="02040503050406030204" pitchFamily="18" charset="0"/>
+                </a:endParaRPr>
+              </a:p>
+              <a:p>
+                <a:pPr marL="457200" lvl="1" indent="0">
+                  <a:buNone/>
+                </a:pPr>
+                <a:r>
+                  <a:rPr lang="en-US" sz="2200" dirty="0">
+                    <a:latin typeface="Cambria Math" panose="02040503050406030204" pitchFamily="18" charset="0"/>
+                    <a:ea typeface="Cambria Math" panose="02040503050406030204" pitchFamily="18" charset="0"/>
+                  </a:rPr>
+                  <a:t>Result = (Star region </a:t>
+                </a:r>
+                <a14:m>
+                  <m:oMath xmlns:m="http://schemas.openxmlformats.org/officeDocument/2006/math">
+                    <m:r>
+                      <a:rPr lang="en-US" sz="2200" i="1">
+                        <a:latin typeface="Cambria Math" panose="02040503050406030204" pitchFamily="18" charset="0"/>
+                        <a:ea typeface="Cambria Math" panose="02040503050406030204" pitchFamily="18" charset="0"/>
+                      </a:rPr>
+                      <m:t>∩</m:t>
+                    </m:r>
+                  </m:oMath>
+                </a14:m>
+                <a:r>
+                  <a:rPr lang="en-US" sz="2200" dirty="0">
+                    <a:latin typeface="Cambria Math" panose="02040503050406030204" pitchFamily="18" charset="0"/>
+                    <a:ea typeface="Cambria Math" panose="02040503050406030204" pitchFamily="18" charset="0"/>
+                  </a:rPr>
+                  <a:t> Green region) / Green region</a:t>
+                </a:r>
+              </a:p>
+              <a:p>
+                <a:pPr marL="457200" lvl="1" indent="0">
+                  <a:buNone/>
+                </a:pPr>
+                <a:endParaRPr lang="en-US" sz="2200" dirty="0">
+                  <a:latin typeface="Cambria Math" panose="02040503050406030204" pitchFamily="18" charset="0"/>
+                  <a:ea typeface="Cambria Math" panose="02040503050406030204" pitchFamily="18" charset="0"/>
+                </a:endParaRPr>
+              </a:p>
+              <a:p>
+                <a:pPr marL="457200" lvl="1" indent="0">
+                  <a:buNone/>
+                </a:pPr>
+                <a:r>
+                  <a:rPr lang="en-US" sz="2200" dirty="0">
+                    <a:latin typeface="Cambria Math" panose="02040503050406030204" pitchFamily="18" charset="0"/>
+                    <a:ea typeface="Cambria Math" panose="02040503050406030204" pitchFamily="18" charset="0"/>
+                  </a:rPr>
+                  <a:t>** This table is just a simplified 2D visualization</a:t>
+                </a:r>
+                <a:endParaRPr lang="en-US" sz="2200" dirty="0"/>
+              </a:p>
+            </p:txBody>
+          </p:sp>
+        </mc:Choice>
+        <mc:Fallback xmlns="">
+          <p:sp>
+            <p:nvSpPr>
+              <p:cNvPr id="3" name="Content Placeholder 2">
+                <a:extLst>
+                  <a:ext uri="{FF2B5EF4-FFF2-40B4-BE49-F238E27FC236}">
+                    <a16:creationId xmlns:a16="http://schemas.microsoft.com/office/drawing/2014/main" id="{5DF251DC-4F64-5D48-6C5F-F604B6F609CD}"/>
+                  </a:ext>
+                </a:extLst>
+              </p:cNvPr>
+              <p:cNvSpPr>
+                <a:spLocks noGrp="1" noRot="1" noChangeAspect="1" noMove="1" noResize="1" noEditPoints="1" noAdjustHandles="1" noChangeArrowheads="1" noChangeShapeType="1" noTextEdit="1"/>
+              </p:cNvSpPr>
+              <p:nvPr>
+                <p:ph idx="1"/>
+              </p:nvPr>
+            </p:nvSpPr>
+            <p:spPr>
+              <a:xfrm>
+                <a:off x="185738" y="882650"/>
+                <a:ext cx="12006262" cy="5318125"/>
+              </a:xfrm>
+              <a:blipFill>
+                <a:blip r:embed="rId2"/>
+                <a:stretch>
+                  <a:fillRect l="-739"/>
+                </a:stretch>
+              </a:blipFill>
+            </p:spPr>
+            <p:txBody>
+              <a:bodyPr/>
+              <a:lstStyle/>
+              <a:p>
+                <a:r>
+                  <a:rPr lang="en-US">
+                    <a:noFill/>
+                  </a:rPr>
+                  <a:t> </a:t>
+                </a:r>
+              </a:p>
+            </p:txBody>
+          </p:sp>
+        </mc:Fallback>
+      </mc:AlternateContent>
+      <p:graphicFrame>
+        <p:nvGraphicFramePr>
+          <p:cNvPr id="4" name="Table 3">
+            <a:extLst>
+              <a:ext uri="{FF2B5EF4-FFF2-40B4-BE49-F238E27FC236}">
+                <a16:creationId xmlns:a16="http://schemas.microsoft.com/office/drawing/2014/main" id="{1524D826-103C-D069-B991-28C549E293B6}"/>
+              </a:ext>
+            </a:extLst>
+          </p:cNvPr>
+          <p:cNvGraphicFramePr>
+            <a:graphicFrameLocks noGrp="1"/>
+          </p:cNvGraphicFramePr>
+          <p:nvPr/>
+        </p:nvGraphicFramePr>
+        <p:xfrm>
+          <a:off x="3379157" y="4721226"/>
+          <a:ext cx="5433685" cy="1854200"/>
+        </p:xfrm>
+        <a:graphic>
+          <a:graphicData uri="http://schemas.openxmlformats.org/drawingml/2006/table">
+            <a:tbl>
+              <a:tblPr firstRow="1" bandRow="1">
+                <a:tableStyleId>{5C22544A-7EE6-4342-B048-85BDC9FD1C3A}</a:tableStyleId>
+              </a:tblPr>
+              <a:tblGrid>
+                <a:gridCol w="1086737">
+                  <a:extLst>
+                    <a:ext uri="{9D8B030D-6E8A-4147-A177-3AD203B41FA5}">
+                      <a16:colId xmlns:a16="http://schemas.microsoft.com/office/drawing/2014/main" val="152265934"/>
+                    </a:ext>
+                  </a:extLst>
+                </a:gridCol>
+                <a:gridCol w="1086737">
+                  <a:extLst>
+                    <a:ext uri="{9D8B030D-6E8A-4147-A177-3AD203B41FA5}">
+                      <a16:colId xmlns:a16="http://schemas.microsoft.com/office/drawing/2014/main" val="4078968741"/>
+                    </a:ext>
+                  </a:extLst>
+                </a:gridCol>
+                <a:gridCol w="1086737">
+                  <a:extLst>
+                    <a:ext uri="{9D8B030D-6E8A-4147-A177-3AD203B41FA5}">
+                      <a16:colId xmlns:a16="http://schemas.microsoft.com/office/drawing/2014/main" val="1554198573"/>
+                    </a:ext>
+                  </a:extLst>
+                </a:gridCol>
+                <a:gridCol w="1086737">
+                  <a:extLst>
+                    <a:ext uri="{9D8B030D-6E8A-4147-A177-3AD203B41FA5}">
+                      <a16:colId xmlns:a16="http://schemas.microsoft.com/office/drawing/2014/main" val="3614642542"/>
+                    </a:ext>
+                  </a:extLst>
+                </a:gridCol>
+                <a:gridCol w="1086737">
+                  <a:extLst>
+                    <a:ext uri="{9D8B030D-6E8A-4147-A177-3AD203B41FA5}">
+                      <a16:colId xmlns:a16="http://schemas.microsoft.com/office/drawing/2014/main" val="423572014"/>
+                    </a:ext>
+                  </a:extLst>
+                </a:gridCol>
+              </a:tblGrid>
+              <a:tr h="370840">
+                <a:tc>
+                  <a:txBody>
+                    <a:bodyPr/>
+                    <a:lstStyle/>
+                    <a:p>
+                      <a:pPr algn="ctr"/>
+                      <a:endParaRPr lang="en-US" dirty="0"/>
+                    </a:p>
+                  </a:txBody>
+                  <a:tcPr/>
+                </a:tc>
+                <a:tc>
+                  <a:txBody>
+                    <a:bodyPr/>
+                    <a:lstStyle/>
+                    <a:p>
+                      <a:pPr algn="ctr"/>
+                      <a:r>
+                        <a:rPr lang="en-US" dirty="0"/>
+                        <a:t>0.5</a:t>
+                      </a:r>
+                    </a:p>
+                  </a:txBody>
+                  <a:tcPr/>
+                </a:tc>
+                <a:tc>
+                  <a:txBody>
+                    <a:bodyPr/>
+                    <a:lstStyle/>
+                    <a:p>
+                      <a:pPr algn="ctr"/>
+                      <a:r>
+                        <a:rPr lang="en-US" dirty="0"/>
+                        <a:t>1</a:t>
+                      </a:r>
+                    </a:p>
+                  </a:txBody>
+                  <a:tcPr/>
+                </a:tc>
+                <a:tc>
+                  <a:txBody>
+                    <a:bodyPr/>
+                    <a:lstStyle/>
+                    <a:p>
+                      <a:pPr algn="ctr"/>
+                      <a:r>
+                        <a:rPr lang="en-US" dirty="0"/>
+                        <a:t>1.5</a:t>
+                      </a:r>
+                    </a:p>
+                  </a:txBody>
+                  <a:tcPr/>
+                </a:tc>
+                <a:tc>
+                  <a:txBody>
+                    <a:bodyPr/>
+                    <a:lstStyle/>
+                    <a:p>
+                      <a:pPr algn="ctr"/>
+                      <a:r>
+                        <a:rPr lang="en-US" dirty="0"/>
+                        <a:t>2</a:t>
+                      </a:r>
+                    </a:p>
+                  </a:txBody>
+                  <a:tcPr/>
+                </a:tc>
+                <a:extLst>
+                  <a:ext uri="{0D108BD9-81ED-4DB2-BD59-A6C34878D82A}">
+                    <a16:rowId xmlns:a16="http://schemas.microsoft.com/office/drawing/2014/main" val="4191670207"/>
+                  </a:ext>
+                </a:extLst>
+              </a:tr>
+              <a:tr h="370840">
+                <a:tc>
+                  <a:txBody>
+                    <a:bodyPr/>
+                    <a:lstStyle/>
+                    <a:p>
+                      <a:pPr algn="ctr"/>
+                      <a:r>
+                        <a:rPr lang="en-US" dirty="0"/>
+                        <a:t>0.5</a:t>
+                      </a:r>
+                    </a:p>
+                  </a:txBody>
+                  <a:tcPr/>
+                </a:tc>
+                <a:tc>
+                  <a:txBody>
+                    <a:bodyPr/>
+                    <a:lstStyle/>
+                    <a:p>
+                      <a:pPr algn="ctr"/>
+                      <a:r>
+                        <a:rPr lang="en-US" dirty="0"/>
+                        <a:t>*</a:t>
+                      </a:r>
+                    </a:p>
+                  </a:txBody>
+                  <a:tcPr/>
+                </a:tc>
+                <a:tc>
+                  <a:txBody>
+                    <a:bodyPr/>
+                    <a:lstStyle/>
+                    <a:p>
+                      <a:pPr algn="ctr"/>
+                      <a:endParaRPr lang="en-US"/>
+                    </a:p>
+                  </a:txBody>
+                  <a:tcPr/>
+                </a:tc>
+                <a:tc>
+                  <a:txBody>
+                    <a:bodyPr/>
+                    <a:lstStyle/>
+                    <a:p>
+                      <a:pPr algn="ctr"/>
+                      <a:endParaRPr lang="en-US"/>
+                    </a:p>
+                  </a:txBody>
+                  <a:tcPr/>
+                </a:tc>
+                <a:tc>
+                  <a:txBody>
+                    <a:bodyPr/>
+                    <a:lstStyle/>
+                    <a:p>
+                      <a:pPr algn="ctr"/>
+                      <a:endParaRPr lang="en-US"/>
+                    </a:p>
+                  </a:txBody>
+                  <a:tcPr/>
+                </a:tc>
+                <a:extLst>
+                  <a:ext uri="{0D108BD9-81ED-4DB2-BD59-A6C34878D82A}">
+                    <a16:rowId xmlns:a16="http://schemas.microsoft.com/office/drawing/2014/main" val="2280411846"/>
+                  </a:ext>
+                </a:extLst>
+              </a:tr>
+              <a:tr h="370840">
+                <a:tc>
+                  <a:txBody>
+                    <a:bodyPr/>
+                    <a:lstStyle/>
+                    <a:p>
+                      <a:pPr algn="ctr"/>
+                      <a:r>
+                        <a:rPr lang="en-US" dirty="0"/>
+                        <a:t>1</a:t>
+                      </a:r>
+                    </a:p>
+                  </a:txBody>
+                  <a:tcPr/>
+                </a:tc>
+                <a:tc>
+                  <a:txBody>
+                    <a:bodyPr/>
+                    <a:lstStyle/>
+                    <a:p>
+                      <a:pPr algn="ctr"/>
+                      <a:r>
+                        <a:rPr lang="en-US" dirty="0"/>
+                        <a:t>*</a:t>
+                      </a:r>
+                    </a:p>
+                  </a:txBody>
+                  <a:tcPr>
+                    <a:solidFill>
+                      <a:schemeClr val="accent6">
+                        <a:lumMod val="40000"/>
+                        <a:lumOff val="60000"/>
+                      </a:schemeClr>
+                    </a:solidFill>
+                  </a:tcPr>
+                </a:tc>
+                <a:tc>
+                  <a:txBody>
+                    <a:bodyPr/>
+                    <a:lstStyle/>
+                    <a:p>
+                      <a:pPr algn="ctr"/>
+                      <a:r>
+                        <a:rPr lang="en-US" dirty="0"/>
+                        <a:t>*</a:t>
+                      </a:r>
+                    </a:p>
+                  </a:txBody>
+                  <a:tcPr>
+                    <a:solidFill>
+                      <a:schemeClr val="accent6">
+                        <a:lumMod val="40000"/>
+                        <a:lumOff val="60000"/>
+                      </a:schemeClr>
+                    </a:solidFill>
+                  </a:tcPr>
+                </a:tc>
+                <a:tc>
+                  <a:txBody>
+                    <a:bodyPr/>
+                    <a:lstStyle/>
+                    <a:p>
+                      <a:pPr algn="ctr"/>
+                      <a:endParaRPr lang="en-US" dirty="0"/>
+                    </a:p>
+                  </a:txBody>
+                  <a:tcPr>
+                    <a:solidFill>
+                      <a:schemeClr val="accent6">
+                        <a:lumMod val="40000"/>
+                        <a:lumOff val="60000"/>
+                      </a:schemeClr>
+                    </a:solidFill>
+                  </a:tcPr>
+                </a:tc>
+                <a:tc>
+                  <a:txBody>
+                    <a:bodyPr/>
+                    <a:lstStyle/>
+                    <a:p>
+                      <a:pPr algn="ctr"/>
+                      <a:endParaRPr lang="en-US" dirty="0"/>
+                    </a:p>
+                  </a:txBody>
+                  <a:tcPr/>
+                </a:tc>
+                <a:extLst>
+                  <a:ext uri="{0D108BD9-81ED-4DB2-BD59-A6C34878D82A}">
+                    <a16:rowId xmlns:a16="http://schemas.microsoft.com/office/drawing/2014/main" val="1530262547"/>
+                  </a:ext>
+                </a:extLst>
+              </a:tr>
+              <a:tr h="370840">
+                <a:tc>
+                  <a:txBody>
+                    <a:bodyPr/>
+                    <a:lstStyle/>
+                    <a:p>
+                      <a:pPr algn="ctr"/>
+                      <a:r>
+                        <a:rPr lang="en-US" dirty="0"/>
+                        <a:t>1.5</a:t>
+                      </a:r>
+                    </a:p>
+                  </a:txBody>
+                  <a:tcPr/>
+                </a:tc>
+                <a:tc>
+                  <a:txBody>
+                    <a:bodyPr/>
+                    <a:lstStyle/>
+                    <a:p>
+                      <a:pPr algn="ctr"/>
+                      <a:r>
+                        <a:rPr lang="en-US" dirty="0"/>
+                        <a:t>*</a:t>
+                      </a:r>
+                    </a:p>
+                  </a:txBody>
+                  <a:tcPr>
+                    <a:solidFill>
+                      <a:schemeClr val="accent6">
+                        <a:lumMod val="40000"/>
+                        <a:lumOff val="60000"/>
+                      </a:schemeClr>
+                    </a:solidFill>
+                  </a:tcPr>
+                </a:tc>
+                <a:tc>
+                  <a:txBody>
+                    <a:bodyPr/>
+                    <a:lstStyle/>
+                    <a:p>
+                      <a:pPr algn="ctr"/>
+                      <a:r>
+                        <a:rPr lang="en-US" dirty="0"/>
+                        <a:t>*</a:t>
+                      </a:r>
+                    </a:p>
+                  </a:txBody>
+                  <a:tcPr>
+                    <a:solidFill>
+                      <a:schemeClr val="accent6">
+                        <a:lumMod val="40000"/>
+                        <a:lumOff val="60000"/>
+                      </a:schemeClr>
+                    </a:solidFill>
+                  </a:tcPr>
+                </a:tc>
+                <a:tc>
+                  <a:txBody>
+                    <a:bodyPr/>
+                    <a:lstStyle/>
+                    <a:p>
+                      <a:pPr algn="ctr"/>
+                      <a:r>
+                        <a:rPr lang="en-US" dirty="0"/>
+                        <a:t>*</a:t>
+                      </a:r>
+                    </a:p>
+                  </a:txBody>
+                  <a:tcPr>
+                    <a:solidFill>
+                      <a:schemeClr val="accent6">
+                        <a:lumMod val="40000"/>
+                        <a:lumOff val="60000"/>
+                      </a:schemeClr>
+                    </a:solidFill>
+                  </a:tcPr>
+                </a:tc>
+                <a:tc>
+                  <a:txBody>
+                    <a:bodyPr/>
+                    <a:lstStyle/>
+                    <a:p>
+                      <a:pPr algn="ctr"/>
+                      <a:endParaRPr lang="en-US" dirty="0"/>
+                    </a:p>
+                  </a:txBody>
+                  <a:tcPr/>
+                </a:tc>
+                <a:extLst>
+                  <a:ext uri="{0D108BD9-81ED-4DB2-BD59-A6C34878D82A}">
+                    <a16:rowId xmlns:a16="http://schemas.microsoft.com/office/drawing/2014/main" val="1629365600"/>
+                  </a:ext>
+                </a:extLst>
+              </a:tr>
+              <a:tr h="370840">
+                <a:tc>
+                  <a:txBody>
+                    <a:bodyPr/>
+                    <a:lstStyle/>
+                    <a:p>
+                      <a:pPr algn="ctr"/>
+                      <a:r>
+                        <a:rPr lang="en-US" dirty="0"/>
+                        <a:t>2</a:t>
+                      </a:r>
+                    </a:p>
+                  </a:txBody>
+                  <a:tcPr/>
+                </a:tc>
+                <a:tc>
+                  <a:txBody>
+                    <a:bodyPr/>
+                    <a:lstStyle/>
+                    <a:p>
+                      <a:pPr algn="ctr"/>
+                      <a:r>
+                        <a:rPr lang="en-US" dirty="0"/>
+                        <a:t>*</a:t>
+                      </a:r>
+                    </a:p>
+                  </a:txBody>
+                  <a:tcPr>
+                    <a:solidFill>
+                      <a:schemeClr val="accent6">
+                        <a:lumMod val="40000"/>
+                        <a:lumOff val="60000"/>
+                      </a:schemeClr>
+                    </a:solidFill>
+                  </a:tcPr>
+                </a:tc>
+                <a:tc>
+                  <a:txBody>
+                    <a:bodyPr/>
+                    <a:lstStyle/>
+                    <a:p>
+                      <a:pPr algn="ctr"/>
+                      <a:r>
+                        <a:rPr lang="en-US" dirty="0"/>
+                        <a:t>*</a:t>
+                      </a:r>
+                    </a:p>
+                  </a:txBody>
+                  <a:tcPr>
+                    <a:solidFill>
+                      <a:schemeClr val="accent6">
+                        <a:lumMod val="40000"/>
+                        <a:lumOff val="60000"/>
+                      </a:schemeClr>
+                    </a:solidFill>
+                  </a:tcPr>
+                </a:tc>
+                <a:tc>
+                  <a:txBody>
+                    <a:bodyPr/>
+                    <a:lstStyle/>
+                    <a:p>
+                      <a:pPr algn="ctr"/>
+                      <a:r>
+                        <a:rPr lang="en-US" dirty="0"/>
+                        <a:t>*</a:t>
+                      </a:r>
+                    </a:p>
+                  </a:txBody>
+                  <a:tcPr>
+                    <a:solidFill>
+                      <a:schemeClr val="accent6">
+                        <a:lumMod val="40000"/>
+                        <a:lumOff val="60000"/>
+                      </a:schemeClr>
+                    </a:solidFill>
+                  </a:tcPr>
+                </a:tc>
+                <a:tc>
+                  <a:txBody>
+                    <a:bodyPr/>
+                    <a:lstStyle/>
+                    <a:p>
+                      <a:pPr algn="ctr"/>
+                      <a:r>
+                        <a:rPr lang="en-US" dirty="0"/>
+                        <a:t>*</a:t>
+                      </a:r>
+                    </a:p>
+                  </a:txBody>
+                  <a:tcPr/>
+                </a:tc>
+                <a:extLst>
+                  <a:ext uri="{0D108BD9-81ED-4DB2-BD59-A6C34878D82A}">
+                    <a16:rowId xmlns:a16="http://schemas.microsoft.com/office/drawing/2014/main" val="3209401911"/>
+                  </a:ext>
+                </a:extLst>
+              </a:tr>
+            </a:tbl>
+          </a:graphicData>
+        </a:graphic>
+      </p:graphicFrame>
+      <p:sp>
+        <p:nvSpPr>
+          <p:cNvPr id="6" name="TextBox 5">
+            <a:extLst>
+              <a:ext uri="{FF2B5EF4-FFF2-40B4-BE49-F238E27FC236}">
+                <a16:creationId xmlns:a16="http://schemas.microsoft.com/office/drawing/2014/main" id="{875B93E0-4F6B-6AD7-CAC7-613AB3F4019F}"/>
+              </a:ext>
+            </a:extLst>
+          </p:cNvPr>
+          <p:cNvSpPr txBox="1"/>
+          <p:nvPr/>
+        </p:nvSpPr>
+        <p:spPr>
+          <a:xfrm>
+            <a:off x="3671220" y="4351894"/>
+            <a:ext cx="468398" cy="369332"/>
+          </a:xfrm>
+          <a:prstGeom prst="rect">
+            <a:avLst/>
+          </a:prstGeom>
+          <a:noFill/>
+        </p:spPr>
+        <p:txBody>
+          <a:bodyPr wrap="none" rtlCol="0">
+            <a:spAutoFit/>
+          </a:bodyPr>
+          <a:lstStyle/>
+          <a:p>
+            <a:r>
+              <a:rPr lang="en-US" dirty="0"/>
+              <a:t>C2</a:t>
+            </a:r>
+          </a:p>
+        </p:txBody>
+      </p:sp>
+      <p:sp>
+        <p:nvSpPr>
+          <p:cNvPr id="7" name="TextBox 6">
+            <a:extLst>
+              <a:ext uri="{FF2B5EF4-FFF2-40B4-BE49-F238E27FC236}">
+                <a16:creationId xmlns:a16="http://schemas.microsoft.com/office/drawing/2014/main" id="{386AEC42-251A-A974-74FC-3DB1A405E1B3}"/>
+              </a:ext>
+            </a:extLst>
+          </p:cNvPr>
+          <p:cNvSpPr txBox="1"/>
+          <p:nvPr/>
+        </p:nvSpPr>
+        <p:spPr>
+          <a:xfrm>
+            <a:off x="2827034" y="4845073"/>
+            <a:ext cx="468398" cy="369332"/>
+          </a:xfrm>
+          <a:prstGeom prst="rect">
+            <a:avLst/>
+          </a:prstGeom>
+          <a:noFill/>
+        </p:spPr>
+        <p:txBody>
+          <a:bodyPr wrap="none" rtlCol="0">
+            <a:spAutoFit/>
+          </a:bodyPr>
+          <a:lstStyle/>
+          <a:p>
+            <a:r>
+              <a:rPr lang="en-US" dirty="0"/>
+              <a:t>C1</a:t>
+            </a:r>
+          </a:p>
+        </p:txBody>
+      </p:sp>
+    </p:spTree>
+    <p:extLst>
+      <p:ext uri="{BB962C8B-B14F-4D97-AF65-F5344CB8AC3E}">
+        <p14:creationId xmlns:p14="http://schemas.microsoft.com/office/powerpoint/2010/main" val="1642300644"/>
+      </p:ext>
+    </p:extLst>
+  </p:cSld>
+  <p:clrMapOvr>
+    <a:masterClrMapping/>
+  </p:clrMapOvr>
+</p:sld>
+</file>
+
+<file path=ppt/slides/slide35.xml><?xml version="1.0" encoding="utf-8"?>
+<p:sld xmlns:a="http://schemas.openxmlformats.org/drawingml/2006/main" xmlns:r="http://schemas.openxmlformats.org/officeDocument/2006/relationships" xmlns:p="http://schemas.openxmlformats.org/presentationml/2006/main">
+  <p:cSld>
+    <p:spTree>
+      <p:nvGrpSpPr>
+        <p:cNvPr id="1" name=""/>
+        <p:cNvGrpSpPr/>
+        <p:nvPr/>
+      </p:nvGrpSpPr>
+      <p:grpSpPr>
+        <a:xfrm>
+          <a:off x="0" y="0"/>
+          <a:ext cx="0" cy="0"/>
+          <a:chOff x="0" y="0"/>
+          <a:chExt cx="0" cy="0"/>
+        </a:xfrm>
+      </p:grpSpPr>
+      <p:sp>
+        <p:nvSpPr>
+          <p:cNvPr id="2" name="Title 1">
+            <a:extLst>
+              <a:ext uri="{FF2B5EF4-FFF2-40B4-BE49-F238E27FC236}">
+                <a16:creationId xmlns:a16="http://schemas.microsoft.com/office/drawing/2014/main" id="{88ABCA84-F0B3-F083-35FC-6C2D94DF3B07}"/>
+              </a:ext>
+            </a:extLst>
+          </p:cNvPr>
+          <p:cNvSpPr>
+            <a:spLocks noGrp="1"/>
+          </p:cNvSpPr>
+          <p:nvPr>
+            <p:ph type="title"/>
+          </p:nvPr>
+        </p:nvSpPr>
+        <p:spPr>
+          <a:xfrm>
+            <a:off x="838200" y="-214312"/>
+            <a:ext cx="10515600" cy="1325563"/>
+          </a:xfrm>
+        </p:spPr>
+        <p:txBody>
+          <a:bodyPr>
+            <a:normAutofit/>
+          </a:bodyPr>
+          <a:lstStyle/>
+          <a:p>
+            <a:pPr algn="ctr"/>
+            <a:r>
+              <a:rPr lang="en-US" sz="3000" dirty="0"/>
+              <a:t>Example - Entropy with no assumption</a:t>
+            </a:r>
+          </a:p>
+        </p:txBody>
+      </p:sp>
+      <mc:AlternateContent xmlns:mc="http://schemas.openxmlformats.org/markup-compatibility/2006">
+        <mc:Choice xmlns:a14="http://schemas.microsoft.com/office/drawing/2010/main" Requires="a14">
+          <p:sp>
+            <p:nvSpPr>
+              <p:cNvPr id="3" name="Content Placeholder 2">
+                <a:extLst>
+                  <a:ext uri="{FF2B5EF4-FFF2-40B4-BE49-F238E27FC236}">
+                    <a16:creationId xmlns:a16="http://schemas.microsoft.com/office/drawing/2014/main" id="{5DF251DC-4F64-5D48-6C5F-F604B6F609CD}"/>
+                  </a:ext>
+                </a:extLst>
+              </p:cNvPr>
+              <p:cNvSpPr>
+                <a:spLocks noGrp="1"/>
+              </p:cNvSpPr>
+              <p:nvPr>
+                <p:ph idx="1"/>
+              </p:nvPr>
+            </p:nvSpPr>
+            <p:spPr>
+              <a:xfrm>
+                <a:off x="185738" y="769937"/>
+                <a:ext cx="12006262" cy="5888038"/>
+              </a:xfrm>
+            </p:spPr>
+            <p:txBody>
+              <a:bodyPr>
+                <a:normAutofit fontScale="47500" lnSpcReduction="20000"/>
+              </a:bodyPr>
+              <a:lstStyle/>
+              <a:p>
+                <a:pPr marL="0" indent="0">
+                  <a:buNone/>
+                </a:pPr>
+                <a:endParaRPr lang="en-US" i="1" dirty="0">
+                  <a:latin typeface="Cambria Math" panose="02040503050406030204" pitchFamily="18" charset="0"/>
+                </a:endParaRPr>
+              </a:p>
+              <a:p>
+                <a:pPr marL="0" indent="0">
+                  <a:buNone/>
+                </a:pPr>
+                <a:r>
+                  <a:rPr lang="en-US" sz="3800" dirty="0">
+                    <a:latin typeface="Cambria Math" panose="02040503050406030204" pitchFamily="18" charset="0"/>
+                  </a:rPr>
+                  <a:t>2) How to compute P(c</a:t>
+                </a:r>
+                <a:r>
+                  <a:rPr lang="en-US" sz="3800" baseline="-25000" dirty="0">
+                    <a:latin typeface="Cambria Math" panose="02040503050406030204" pitchFamily="18" charset="0"/>
+                  </a:rPr>
+                  <a:t>i</a:t>
+                </a:r>
+                <a:r>
+                  <a:rPr lang="en-US" sz="3800" dirty="0">
+                    <a:latin typeface="Cambria Math" panose="02040503050406030204" pitchFamily="18" charset="0"/>
+                  </a:rPr>
+                  <a:t> </a:t>
+                </a:r>
+                <a14:m>
+                  <m:oMath xmlns:m="http://schemas.openxmlformats.org/officeDocument/2006/math">
+                    <m:r>
+                      <a:rPr lang="en-US" sz="3800" i="1" dirty="0">
+                        <a:latin typeface="Cambria Math" panose="02040503050406030204" pitchFamily="18" charset="0"/>
+                        <a:ea typeface="Cambria Math" panose="02040503050406030204" pitchFamily="18" charset="0"/>
+                      </a:rPr>
+                      <m:t>≥</m:t>
+                    </m:r>
+                  </m:oMath>
+                </a14:m>
+                <a:r>
+                  <a:rPr lang="en-US" sz="3800" dirty="0">
+                    <a:latin typeface="Cambria Math" panose="02040503050406030204" pitchFamily="18" charset="0"/>
+                  </a:rPr>
+                  <a:t> </a:t>
+                </a:r>
+                <a:r>
+                  <a:rPr lang="en-US" sz="3800" dirty="0" err="1">
+                    <a:latin typeface="Cambria Math" panose="02040503050406030204" pitchFamily="18" charset="0"/>
+                  </a:rPr>
+                  <a:t>c</a:t>
+                </a:r>
+                <a:r>
+                  <a:rPr lang="en-US" sz="3800" baseline="-25000" dirty="0" err="1">
+                    <a:latin typeface="Cambria Math" panose="02040503050406030204" pitchFamily="18" charset="0"/>
+                  </a:rPr>
+                  <a:t>j</a:t>
+                </a:r>
+                <a:r>
+                  <a:rPr lang="en-US" sz="3800" baseline="-25000" dirty="0">
+                    <a:latin typeface="Cambria Math" panose="02040503050406030204" pitchFamily="18" charset="0"/>
+                  </a:rPr>
+                  <a:t> </a:t>
+                </a:r>
+                <a:r>
+                  <a:rPr lang="en-US" sz="3800" dirty="0">
+                    <a:latin typeface="Cambria Math" panose="02040503050406030204" pitchFamily="18" charset="0"/>
+                  </a:rPr>
+                  <a:t>)?</a:t>
+                </a:r>
+              </a:p>
+              <a:p>
+                <a:pPr marL="457200" lvl="1" indent="0">
+                  <a:buNone/>
+                </a:pPr>
+                <a:r>
+                  <a:rPr lang="en-US" sz="3800" dirty="0">
+                    <a:latin typeface="Cambria Math" panose="02040503050406030204" pitchFamily="18" charset="0"/>
+                  </a:rPr>
+                  <a:t>We cannot compute it the same way as with independence assumption. Here is why with an example.</a:t>
+                </a:r>
+              </a:p>
+              <a:p>
+                <a:pPr marL="457200" lvl="1" indent="0">
+                  <a:buNone/>
+                </a:pPr>
+                <a:endParaRPr lang="en-US" sz="3800" dirty="0">
+                  <a:latin typeface="Cambria Math" panose="02040503050406030204" pitchFamily="18" charset="0"/>
+                </a:endParaRPr>
+              </a:p>
+              <a:p>
+                <a:pPr marL="457200" lvl="1" indent="0">
+                  <a:buNone/>
+                </a:pPr>
+                <a:r>
+                  <a:rPr lang="en-US" sz="3800" dirty="0">
+                    <a:solidFill>
+                      <a:srgbClr val="0070C0"/>
+                    </a:solidFill>
+                    <a:latin typeface="Cambria Math" panose="02040503050406030204" pitchFamily="18" charset="0"/>
+                  </a:rPr>
+                  <a:t>Let’s say total score is simply the summation of individual relevance scores:</a:t>
+                </a:r>
+              </a:p>
+              <a:p>
+                <a:pPr marL="457200" lvl="1" indent="0">
+                  <a:buNone/>
+                </a:pPr>
+                <a:r>
+                  <a:rPr lang="en-US" sz="3800" dirty="0">
+                    <a:solidFill>
+                      <a:srgbClr val="0070C0"/>
+                    </a:solidFill>
+                    <a:latin typeface="Cambria Math" panose="02040503050406030204" pitchFamily="18" charset="0"/>
+                    <a:ea typeface="Cambria Math" panose="02040503050406030204" pitchFamily="18" charset="0"/>
+                  </a:rPr>
+                  <a:t>C1 = {d1, d2, d3}, C2. ={d1, d2, d4} --- R(d3) = 0.5, R(d4) = 0.9</a:t>
+                </a:r>
+              </a:p>
+              <a:p>
+                <a:pPr marL="457200" lvl="1" indent="0">
+                  <a:buNone/>
+                </a:pPr>
+                <a:r>
+                  <a:rPr lang="en-US" sz="3800" dirty="0">
+                    <a:solidFill>
+                      <a:srgbClr val="0070C0"/>
+                    </a:solidFill>
+                    <a:latin typeface="Cambria Math" panose="02040503050406030204" pitchFamily="18" charset="0"/>
+                    <a:ea typeface="Cambria Math" panose="02040503050406030204" pitchFamily="18" charset="0"/>
+                  </a:rPr>
+                  <a:t>C1 = (0.5, 2.5), C2 = (0.9, 2.9)</a:t>
+                </a:r>
+              </a:p>
+              <a:p>
+                <a:pPr marL="457200" lvl="1" indent="0">
+                  <a:buNone/>
+                </a:pPr>
+                <a:endParaRPr lang="en-US" sz="3800" dirty="0">
+                  <a:solidFill>
+                    <a:srgbClr val="0070C0"/>
+                  </a:solidFill>
+                  <a:latin typeface="Cambria Math" panose="02040503050406030204" pitchFamily="18" charset="0"/>
+                  <a:ea typeface="Cambria Math" panose="02040503050406030204" pitchFamily="18" charset="0"/>
+                </a:endParaRPr>
+              </a:p>
+              <a:p>
+                <a:pPr marL="457200" lvl="1" indent="0">
+                  <a:buNone/>
+                </a:pPr>
+                <a:endParaRPr lang="en-US" sz="3800" dirty="0">
+                  <a:solidFill>
+                    <a:srgbClr val="0070C0"/>
+                  </a:solidFill>
+                  <a:latin typeface="Cambria Math" panose="02040503050406030204" pitchFamily="18" charset="0"/>
+                  <a:ea typeface="Cambria Math" panose="02040503050406030204" pitchFamily="18" charset="0"/>
+                </a:endParaRPr>
+              </a:p>
+              <a:p>
+                <a:pPr marL="457200" lvl="1" indent="0">
+                  <a:buNone/>
+                </a:pPr>
+                <a:r>
+                  <a:rPr lang="en-US" sz="3800" dirty="0">
+                    <a:solidFill>
+                      <a:srgbClr val="0070C0"/>
+                    </a:solidFill>
+                    <a:latin typeface="Cambria Math" panose="02040503050406030204" pitchFamily="18" charset="0"/>
+                    <a:ea typeface="Cambria Math" panose="02040503050406030204" pitchFamily="18" charset="0"/>
+                  </a:rPr>
+                  <a:t>If we compute </a:t>
+                </a:r>
+                <a:r>
+                  <a:rPr lang="en-US" sz="3800" dirty="0">
+                    <a:solidFill>
+                      <a:srgbClr val="0070C0"/>
+                    </a:solidFill>
+                    <a:latin typeface="Cambria Math" panose="02040503050406030204" pitchFamily="18" charset="0"/>
+                  </a:rPr>
+                  <a:t>P(c</a:t>
+                </a:r>
+                <a:r>
+                  <a:rPr lang="en-US" sz="3800" baseline="-25000" dirty="0">
+                    <a:solidFill>
+                      <a:srgbClr val="0070C0"/>
+                    </a:solidFill>
+                    <a:latin typeface="Cambria Math" panose="02040503050406030204" pitchFamily="18" charset="0"/>
+                  </a:rPr>
+                  <a:t>1</a:t>
+                </a:r>
+                <a:r>
+                  <a:rPr lang="en-US" sz="3800" dirty="0">
+                    <a:solidFill>
+                      <a:srgbClr val="0070C0"/>
+                    </a:solidFill>
+                    <a:latin typeface="Cambria Math" panose="02040503050406030204" pitchFamily="18" charset="0"/>
+                  </a:rPr>
+                  <a:t> </a:t>
+                </a:r>
+                <a14:m>
+                  <m:oMath xmlns:m="http://schemas.openxmlformats.org/officeDocument/2006/math">
+                    <m:r>
+                      <a:rPr lang="en-US" sz="3800" i="1" dirty="0">
+                        <a:solidFill>
+                          <a:srgbClr val="0070C0"/>
+                        </a:solidFill>
+                        <a:latin typeface="Cambria Math" panose="02040503050406030204" pitchFamily="18" charset="0"/>
+                        <a:ea typeface="Cambria Math" panose="02040503050406030204" pitchFamily="18" charset="0"/>
+                      </a:rPr>
+                      <m:t>≥</m:t>
+                    </m:r>
+                  </m:oMath>
+                </a14:m>
+                <a:r>
+                  <a:rPr lang="en-US" sz="3800" dirty="0">
+                    <a:solidFill>
+                      <a:srgbClr val="0070C0"/>
+                    </a:solidFill>
+                    <a:latin typeface="Cambria Math" panose="02040503050406030204" pitchFamily="18" charset="0"/>
+                  </a:rPr>
+                  <a:t> c</a:t>
+                </a:r>
+                <a:r>
+                  <a:rPr lang="en-US" sz="3800" baseline="-25000" dirty="0">
+                    <a:solidFill>
+                      <a:srgbClr val="0070C0"/>
+                    </a:solidFill>
+                    <a:latin typeface="Cambria Math" panose="02040503050406030204" pitchFamily="18" charset="0"/>
+                  </a:rPr>
+                  <a:t>2 </a:t>
+                </a:r>
+                <a:r>
+                  <a:rPr lang="en-US" sz="3800" dirty="0">
+                    <a:solidFill>
+                      <a:srgbClr val="0070C0"/>
+                    </a:solidFill>
+                    <a:latin typeface="Cambria Math" panose="02040503050406030204" pitchFamily="18" charset="0"/>
+                  </a:rPr>
+                  <a:t>) using independence assumption approach, we will have: P(c</a:t>
+                </a:r>
+                <a:r>
+                  <a:rPr lang="en-US" sz="3800" baseline="-25000" dirty="0">
+                    <a:solidFill>
+                      <a:srgbClr val="0070C0"/>
+                    </a:solidFill>
+                    <a:latin typeface="Cambria Math" panose="02040503050406030204" pitchFamily="18" charset="0"/>
+                  </a:rPr>
+                  <a:t>1</a:t>
+                </a:r>
+                <a:r>
+                  <a:rPr lang="en-US" sz="3800" dirty="0">
+                    <a:solidFill>
+                      <a:srgbClr val="0070C0"/>
+                    </a:solidFill>
+                    <a:latin typeface="Cambria Math" panose="02040503050406030204" pitchFamily="18" charset="0"/>
+                  </a:rPr>
+                  <a:t> </a:t>
+                </a:r>
+                <a14:m>
+                  <m:oMath xmlns:m="http://schemas.openxmlformats.org/officeDocument/2006/math">
+                    <m:r>
+                      <a:rPr lang="en-US" sz="3800" i="1" dirty="0">
+                        <a:solidFill>
+                          <a:srgbClr val="0070C0"/>
+                        </a:solidFill>
+                        <a:latin typeface="Cambria Math" panose="02040503050406030204" pitchFamily="18" charset="0"/>
+                        <a:ea typeface="Cambria Math" panose="02040503050406030204" pitchFamily="18" charset="0"/>
+                      </a:rPr>
+                      <m:t>≥</m:t>
+                    </m:r>
+                  </m:oMath>
+                </a14:m>
+                <a:r>
+                  <a:rPr lang="en-US" sz="3800" dirty="0">
+                    <a:solidFill>
+                      <a:srgbClr val="0070C0"/>
+                    </a:solidFill>
+                    <a:latin typeface="Cambria Math" panose="02040503050406030204" pitchFamily="18" charset="0"/>
+                  </a:rPr>
+                  <a:t> c</a:t>
+                </a:r>
+                <a:r>
+                  <a:rPr lang="en-US" sz="3800" baseline="-25000" dirty="0">
+                    <a:solidFill>
+                      <a:srgbClr val="0070C0"/>
+                    </a:solidFill>
+                    <a:latin typeface="Cambria Math" panose="02040503050406030204" pitchFamily="18" charset="0"/>
+                  </a:rPr>
+                  <a:t>2 </a:t>
+                </a:r>
+                <a:r>
+                  <a:rPr lang="en-US" sz="3800" dirty="0">
+                    <a:solidFill>
+                      <a:srgbClr val="0070C0"/>
+                    </a:solidFill>
+                    <a:latin typeface="Cambria Math" panose="02040503050406030204" pitchFamily="18" charset="0"/>
+                  </a:rPr>
+                  <a:t>) &gt; 0</a:t>
+                </a:r>
+              </a:p>
+              <a:p>
+                <a:pPr marL="457200" lvl="1" indent="0">
+                  <a:buNone/>
+                </a:pPr>
+                <a:r>
+                  <a:rPr lang="en-US" sz="3800" dirty="0">
+                    <a:solidFill>
+                      <a:srgbClr val="0070C0"/>
+                    </a:solidFill>
+                    <a:latin typeface="Cambria Math" panose="02040503050406030204" pitchFamily="18" charset="0"/>
+                  </a:rPr>
+                  <a:t> </a:t>
+                </a:r>
+              </a:p>
+              <a:p>
+                <a:pPr marL="457200" lvl="1" indent="0">
+                  <a:buNone/>
+                </a:pPr>
+                <a:r>
+                  <a:rPr lang="en-US" sz="3800" dirty="0">
+                    <a:solidFill>
+                      <a:srgbClr val="0070C0"/>
+                    </a:solidFill>
+                    <a:latin typeface="Cambria Math" panose="02040503050406030204" pitchFamily="18" charset="0"/>
+                  </a:rPr>
+                  <a:t>However: P(c</a:t>
+                </a:r>
+                <a:r>
+                  <a:rPr lang="en-US" sz="3800" baseline="-25000" dirty="0">
+                    <a:solidFill>
+                      <a:srgbClr val="0070C0"/>
+                    </a:solidFill>
+                    <a:latin typeface="Cambria Math" panose="02040503050406030204" pitchFamily="18" charset="0"/>
+                  </a:rPr>
+                  <a:t>1</a:t>
+                </a:r>
+                <a:r>
+                  <a:rPr lang="en-US" sz="3800" dirty="0">
+                    <a:solidFill>
+                      <a:srgbClr val="0070C0"/>
+                    </a:solidFill>
+                    <a:latin typeface="Cambria Math" panose="02040503050406030204" pitchFamily="18" charset="0"/>
+                  </a:rPr>
+                  <a:t> </a:t>
+                </a:r>
+                <a14:m>
+                  <m:oMath xmlns:m="http://schemas.openxmlformats.org/officeDocument/2006/math">
+                    <m:r>
+                      <a:rPr lang="en-US" sz="3800" i="1" dirty="0">
+                        <a:solidFill>
+                          <a:srgbClr val="0070C0"/>
+                        </a:solidFill>
+                        <a:latin typeface="Cambria Math" panose="02040503050406030204" pitchFamily="18" charset="0"/>
+                        <a:ea typeface="Cambria Math" panose="02040503050406030204" pitchFamily="18" charset="0"/>
+                      </a:rPr>
+                      <m:t>≥</m:t>
+                    </m:r>
+                  </m:oMath>
+                </a14:m>
+                <a:r>
+                  <a:rPr lang="en-US" sz="3800" dirty="0">
+                    <a:solidFill>
+                      <a:srgbClr val="0070C0"/>
+                    </a:solidFill>
+                    <a:latin typeface="Cambria Math" panose="02040503050406030204" pitchFamily="18" charset="0"/>
+                  </a:rPr>
+                  <a:t> c</a:t>
+                </a:r>
+                <a:r>
+                  <a:rPr lang="en-US" sz="3800" baseline="-25000" dirty="0">
+                    <a:solidFill>
+                      <a:srgbClr val="0070C0"/>
+                    </a:solidFill>
+                    <a:latin typeface="Cambria Math" panose="02040503050406030204" pitchFamily="18" charset="0"/>
+                  </a:rPr>
+                  <a:t>2 </a:t>
+                </a:r>
+                <a:r>
+                  <a:rPr lang="en-US" sz="3800" dirty="0">
+                    <a:solidFill>
+                      <a:srgbClr val="0070C0"/>
+                    </a:solidFill>
+                    <a:latin typeface="Cambria Math" panose="02040503050406030204" pitchFamily="18" charset="0"/>
+                  </a:rPr>
+                  <a:t>) = 0 because R(d1) and R(d2) is shared between C</a:t>
+                </a:r>
+                <a:r>
+                  <a:rPr lang="en-US" sz="3800" baseline="-25000" dirty="0">
+                    <a:solidFill>
+                      <a:srgbClr val="0070C0"/>
+                    </a:solidFill>
+                    <a:latin typeface="Cambria Math" panose="02040503050406030204" pitchFamily="18" charset="0"/>
+                  </a:rPr>
+                  <a:t>1</a:t>
+                </a:r>
+                <a:r>
+                  <a:rPr lang="en-US" sz="3800" dirty="0">
+                    <a:solidFill>
+                      <a:srgbClr val="0070C0"/>
+                    </a:solidFill>
+                    <a:latin typeface="Cambria Math" panose="02040503050406030204" pitchFamily="18" charset="0"/>
+                  </a:rPr>
+                  <a:t> and C</a:t>
+                </a:r>
+                <a:r>
+                  <a:rPr lang="en-US" sz="3800" baseline="-25000" dirty="0">
+                    <a:solidFill>
+                      <a:srgbClr val="0070C0"/>
+                    </a:solidFill>
+                    <a:latin typeface="Cambria Math" panose="02040503050406030204" pitchFamily="18" charset="0"/>
+                  </a:rPr>
+                  <a:t>2</a:t>
+                </a:r>
+                <a:r>
+                  <a:rPr lang="en-US" sz="3800" dirty="0">
+                    <a:solidFill>
+                      <a:srgbClr val="0070C0"/>
+                    </a:solidFill>
+                    <a:latin typeface="Cambria Math" panose="02040503050406030204" pitchFamily="18" charset="0"/>
+                  </a:rPr>
+                  <a:t> =&gt; C</a:t>
+                </a:r>
+                <a:r>
+                  <a:rPr lang="en-US" sz="3800" baseline="-25000" dirty="0">
+                    <a:solidFill>
+                      <a:srgbClr val="0070C0"/>
+                    </a:solidFill>
+                    <a:latin typeface="Cambria Math" panose="02040503050406030204" pitchFamily="18" charset="0"/>
+                  </a:rPr>
+                  <a:t>1</a:t>
+                </a:r>
+                <a:r>
+                  <a:rPr lang="en-US" sz="3800" dirty="0">
+                    <a:solidFill>
+                      <a:srgbClr val="0070C0"/>
+                    </a:solidFill>
+                    <a:latin typeface="Cambria Math" panose="02040503050406030204" pitchFamily="18" charset="0"/>
+                  </a:rPr>
+                  <a:t> is always going to be smaller than c</a:t>
+                </a:r>
+                <a:r>
+                  <a:rPr lang="en-US" sz="3800" baseline="-25000" dirty="0">
+                    <a:solidFill>
+                      <a:srgbClr val="0070C0"/>
+                    </a:solidFill>
+                    <a:latin typeface="Cambria Math" panose="02040503050406030204" pitchFamily="18" charset="0"/>
+                  </a:rPr>
+                  <a:t>2</a:t>
+                </a:r>
+                <a:r>
+                  <a:rPr lang="en-US" sz="3800" dirty="0">
+                    <a:solidFill>
+                      <a:srgbClr val="0070C0"/>
+                    </a:solidFill>
+                    <a:latin typeface="Cambria Math" panose="02040503050406030204" pitchFamily="18" charset="0"/>
+                  </a:rPr>
+                  <a:t> . </a:t>
+                </a:r>
+              </a:p>
+              <a:p>
+                <a:pPr marL="457200" lvl="1" indent="0">
+                  <a:buNone/>
+                </a:pPr>
+                <a:r>
+                  <a:rPr lang="en-US" sz="3800" dirty="0">
+                    <a:solidFill>
+                      <a:srgbClr val="0070C0"/>
+                    </a:solidFill>
+                    <a:latin typeface="Cambria Math" panose="02040503050406030204" pitchFamily="18" charset="0"/>
+                  </a:rPr>
+                  <a:t>To address this issue, we can temporarily assume R(d1) = R(d2) = 0 =&gt; C1 = (0.5, 0.5), C2 = (0.9, 0.9) =&gt; P(c</a:t>
+                </a:r>
+                <a:r>
+                  <a:rPr lang="en-US" sz="3800" baseline="-25000" dirty="0">
+                    <a:solidFill>
+                      <a:srgbClr val="0070C0"/>
+                    </a:solidFill>
+                    <a:latin typeface="Cambria Math" panose="02040503050406030204" pitchFamily="18" charset="0"/>
+                  </a:rPr>
+                  <a:t>1</a:t>
+                </a:r>
+                <a:r>
+                  <a:rPr lang="en-US" sz="3800" dirty="0">
+                    <a:solidFill>
+                      <a:srgbClr val="0070C0"/>
+                    </a:solidFill>
+                    <a:latin typeface="Cambria Math" panose="02040503050406030204" pitchFamily="18" charset="0"/>
+                  </a:rPr>
+                  <a:t> </a:t>
+                </a:r>
+                <a14:m>
+                  <m:oMath xmlns:m="http://schemas.openxmlformats.org/officeDocument/2006/math">
+                    <m:r>
+                      <a:rPr lang="en-US" sz="3800" i="1" dirty="0">
+                        <a:solidFill>
+                          <a:srgbClr val="0070C0"/>
+                        </a:solidFill>
+                        <a:latin typeface="Cambria Math" panose="02040503050406030204" pitchFamily="18" charset="0"/>
+                        <a:ea typeface="Cambria Math" panose="02040503050406030204" pitchFamily="18" charset="0"/>
+                      </a:rPr>
+                      <m:t>≥</m:t>
+                    </m:r>
+                  </m:oMath>
+                </a14:m>
+                <a:r>
+                  <a:rPr lang="en-US" sz="3800" dirty="0">
+                    <a:solidFill>
+                      <a:srgbClr val="0070C0"/>
+                    </a:solidFill>
+                    <a:latin typeface="Cambria Math" panose="02040503050406030204" pitchFamily="18" charset="0"/>
+                  </a:rPr>
+                  <a:t> c</a:t>
+                </a:r>
+                <a:r>
+                  <a:rPr lang="en-US" sz="3800" baseline="-25000" dirty="0">
+                    <a:solidFill>
+                      <a:srgbClr val="0070C0"/>
+                    </a:solidFill>
+                    <a:latin typeface="Cambria Math" panose="02040503050406030204" pitchFamily="18" charset="0"/>
+                  </a:rPr>
+                  <a:t>2 </a:t>
+                </a:r>
+                <a:r>
+                  <a:rPr lang="en-US" sz="3800" dirty="0">
+                    <a:solidFill>
+                      <a:srgbClr val="0070C0"/>
+                    </a:solidFill>
+                    <a:latin typeface="Cambria Math" panose="02040503050406030204" pitchFamily="18" charset="0"/>
+                  </a:rPr>
+                  <a:t>) = 0 </a:t>
+                </a:r>
+                <a:endParaRPr lang="en-US" sz="3800" dirty="0">
+                  <a:latin typeface="Cambria Math" panose="02040503050406030204" pitchFamily="18" charset="0"/>
+                  <a:ea typeface="Cambria Math" panose="02040503050406030204" pitchFamily="18" charset="0"/>
+                </a:endParaRPr>
+              </a:p>
+              <a:p>
+                <a:pPr marL="457200" lvl="1" indent="0">
+                  <a:buNone/>
+                </a:pPr>
+                <a:endParaRPr lang="en-US" sz="3800" dirty="0">
+                  <a:latin typeface="Cambria Math" panose="02040503050406030204" pitchFamily="18" charset="0"/>
+                  <a:ea typeface="Cambria Math" panose="02040503050406030204" pitchFamily="18" charset="0"/>
+                </a:endParaRPr>
+              </a:p>
+              <a:p>
+                <a:pPr marL="457200" lvl="1" indent="0">
+                  <a:buNone/>
+                </a:pPr>
+                <a:endParaRPr lang="en-US" sz="3800" dirty="0">
+                  <a:latin typeface="Cambria Math" panose="02040503050406030204" pitchFamily="18" charset="0"/>
+                  <a:ea typeface="Cambria Math" panose="02040503050406030204" pitchFamily="18" charset="0"/>
+                </a:endParaRPr>
+              </a:p>
+              <a:p>
+                <a:pPr marL="457200" lvl="1" indent="0">
+                  <a:buNone/>
+                </a:pPr>
+                <a:r>
+                  <a:rPr lang="en-US" sz="4600" b="1" dirty="0">
+                    <a:latin typeface="Cambria Math" panose="02040503050406030204" pitchFamily="18" charset="0"/>
+                  </a:rPr>
+                  <a:t>P(c</a:t>
+                </a:r>
+                <a:r>
+                  <a:rPr lang="en-US" sz="4600" b="1" baseline="-25000" dirty="0">
+                    <a:latin typeface="Cambria Math" panose="02040503050406030204" pitchFamily="18" charset="0"/>
+                  </a:rPr>
+                  <a:t>i</a:t>
+                </a:r>
+                <a:r>
+                  <a:rPr lang="en-US" sz="4600" b="1" dirty="0">
+                    <a:latin typeface="Cambria Math" panose="02040503050406030204" pitchFamily="18" charset="0"/>
+                  </a:rPr>
+                  <a:t> </a:t>
+                </a:r>
+                <a14:m>
+                  <m:oMath xmlns:m="http://schemas.openxmlformats.org/officeDocument/2006/math">
+                    <m:r>
+                      <a:rPr lang="en-US" sz="4600" b="1" i="1" dirty="0">
+                        <a:latin typeface="Cambria Math" panose="02040503050406030204" pitchFamily="18" charset="0"/>
+                        <a:ea typeface="Cambria Math" panose="02040503050406030204" pitchFamily="18" charset="0"/>
+                      </a:rPr>
+                      <m:t>≥</m:t>
+                    </m:r>
+                  </m:oMath>
+                </a14:m>
+                <a:r>
+                  <a:rPr lang="en-US" sz="4600" b="1" dirty="0">
+                    <a:latin typeface="Cambria Math" panose="02040503050406030204" pitchFamily="18" charset="0"/>
+                  </a:rPr>
+                  <a:t> </a:t>
+                </a:r>
+                <a:r>
+                  <a:rPr lang="en-US" sz="4600" b="1" dirty="0" err="1">
+                    <a:latin typeface="Cambria Math" panose="02040503050406030204" pitchFamily="18" charset="0"/>
+                  </a:rPr>
+                  <a:t>c</a:t>
+                </a:r>
+                <a:r>
+                  <a:rPr lang="en-US" sz="4600" b="1" baseline="-25000" dirty="0" err="1">
+                    <a:latin typeface="Cambria Math" panose="02040503050406030204" pitchFamily="18" charset="0"/>
+                  </a:rPr>
+                  <a:t>j</a:t>
+                </a:r>
+                <a:r>
+                  <a:rPr lang="en-US" sz="4600" b="1" baseline="-25000" dirty="0">
+                    <a:latin typeface="Cambria Math" panose="02040503050406030204" pitchFamily="18" charset="0"/>
+                  </a:rPr>
+                  <a:t> </a:t>
+                </a:r>
+                <a:r>
+                  <a:rPr lang="en-US" sz="4600" b="1" dirty="0">
+                    <a:latin typeface="Cambria Math" panose="02040503050406030204" pitchFamily="18" charset="0"/>
+                  </a:rPr>
+                  <a:t>)</a:t>
+                </a:r>
+                <a:r>
+                  <a:rPr lang="en-US" sz="4600" b="1" dirty="0">
+                    <a:latin typeface="Cambria Math" panose="02040503050406030204" pitchFamily="18" charset="0"/>
+                    <a:ea typeface="Cambria Math" panose="02040503050406030204" pitchFamily="18" charset="0"/>
+                  </a:rPr>
+                  <a:t> = P(</a:t>
+                </a:r>
+                <a:r>
+                  <a:rPr lang="en-US" sz="4600" b="1" dirty="0">
+                    <a:latin typeface="Cambria Math" panose="02040503050406030204" pitchFamily="18" charset="0"/>
+                  </a:rPr>
+                  <a:t>c</a:t>
+                </a:r>
+                <a:r>
+                  <a:rPr lang="en-US" sz="4600" b="1" baseline="-25000" dirty="0">
+                    <a:latin typeface="Cambria Math" panose="02040503050406030204" pitchFamily="18" charset="0"/>
+                  </a:rPr>
+                  <a:t>i</a:t>
+                </a:r>
+                <a:r>
+                  <a:rPr lang="en-US" sz="4600" b="1" dirty="0">
+                    <a:latin typeface="Cambria Math" panose="02040503050406030204" pitchFamily="18" charset="0"/>
+                  </a:rPr>
+                  <a:t> </a:t>
+                </a:r>
+                <a14:m>
+                  <m:oMath xmlns:m="http://schemas.openxmlformats.org/officeDocument/2006/math">
+                    <m:r>
+                      <a:rPr lang="en-US" sz="4600" b="1" i="1" dirty="0">
+                        <a:latin typeface="Cambria Math" panose="02040503050406030204" pitchFamily="18" charset="0"/>
+                        <a:ea typeface="Cambria Math" panose="02040503050406030204" pitchFamily="18" charset="0"/>
+                      </a:rPr>
+                      <m:t>≥</m:t>
+                    </m:r>
+                  </m:oMath>
+                </a14:m>
+                <a:r>
+                  <a:rPr lang="en-US" sz="4600" b="1" dirty="0">
+                    <a:latin typeface="Cambria Math" panose="02040503050406030204" pitchFamily="18" charset="0"/>
+                  </a:rPr>
+                  <a:t> </a:t>
+                </a:r>
+                <a:r>
+                  <a:rPr lang="en-US" sz="4600" b="1" dirty="0" err="1">
+                    <a:latin typeface="Cambria Math" panose="02040503050406030204" pitchFamily="18" charset="0"/>
+                  </a:rPr>
+                  <a:t>c</a:t>
+                </a:r>
+                <a:r>
+                  <a:rPr lang="en-US" sz="4600" b="1" baseline="-25000" dirty="0" err="1">
+                    <a:latin typeface="Cambria Math" panose="02040503050406030204" pitchFamily="18" charset="0"/>
+                  </a:rPr>
+                  <a:t>j</a:t>
+                </a:r>
+                <a:r>
+                  <a:rPr lang="en-US" sz="4600" b="1" dirty="0">
+                    <a:latin typeface="Cambria Math" panose="02040503050406030204" pitchFamily="18" charset="0"/>
+                  </a:rPr>
+                  <a:t> | Q ∈(x’</a:t>
+                </a:r>
+                <a:r>
+                  <a:rPr lang="en-US" sz="4600" b="1" dirty="0">
+                    <a:ea typeface="Cambria Math" panose="02040503050406030204" pitchFamily="18" charset="0"/>
+                  </a:rPr>
+                  <a:t> </a:t>
+                </a:r>
+                <a14:m>
+                  <m:oMath xmlns:m="http://schemas.openxmlformats.org/officeDocument/2006/math">
+                    <m:r>
+                      <a:rPr lang="en-US" sz="4600" b="1" i="1">
+                        <a:latin typeface="Cambria Math" panose="02040503050406030204" pitchFamily="18" charset="0"/>
+                        <a:ea typeface="Cambria Math" panose="02040503050406030204" pitchFamily="18" charset="0"/>
+                      </a:rPr>
+                      <m:t>∩</m:t>
+                    </m:r>
+                  </m:oMath>
+                </a14:m>
+                <a:r>
+                  <a:rPr lang="en-US" sz="4600" b="1" dirty="0">
+                    <a:latin typeface="Cambria Math" panose="02040503050406030204" pitchFamily="18" charset="0"/>
+                  </a:rPr>
+                  <a:t> y’) = 0) </a:t>
+                </a:r>
+                <a:endParaRPr lang="en-US" sz="4600" b="1" dirty="0">
+                  <a:latin typeface="Cambria Math" panose="02040503050406030204" pitchFamily="18" charset="0"/>
+                  <a:ea typeface="Cambria Math" panose="02040503050406030204" pitchFamily="18" charset="0"/>
+                </a:endParaRPr>
+              </a:p>
+              <a:p>
+                <a:pPr marL="457200" lvl="1" indent="0">
+                  <a:buNone/>
+                </a:pPr>
+                <a:endParaRPr lang="en-US" sz="3800" dirty="0">
+                  <a:latin typeface="Cambria Math" panose="02040503050406030204" pitchFamily="18" charset="0"/>
+                  <a:ea typeface="Cambria Math" panose="02040503050406030204" pitchFamily="18" charset="0"/>
+                </a:endParaRPr>
+              </a:p>
+              <a:p>
+                <a:pPr marL="457200" lvl="1" indent="0">
+                  <a:buNone/>
+                </a:pPr>
+                <a:r>
+                  <a:rPr lang="en-US" sz="3800" dirty="0">
+                    <a:latin typeface="Cambria Math" panose="02040503050406030204" pitchFamily="18" charset="0"/>
+                    <a:ea typeface="Cambria Math" panose="02040503050406030204" pitchFamily="18" charset="0"/>
+                  </a:rPr>
+                  <a:t>** x’ = set of all questions that are </a:t>
+                </a:r>
+              </a:p>
+              <a:p>
+                <a:pPr marL="457200" lvl="1" indent="0">
+                  <a:buNone/>
+                </a:pPr>
+                <a:r>
+                  <a:rPr lang="en-US" sz="3800" dirty="0">
+                    <a:latin typeface="Cambria Math" panose="02040503050406030204" pitchFamily="18" charset="0"/>
+                    <a:ea typeface="Cambria Math" panose="02040503050406030204" pitchFamily="18" charset="0"/>
+                  </a:rPr>
+                  <a:t>	not called yet and are included in c1</a:t>
+                </a:r>
+              </a:p>
+              <a:p>
+                <a:pPr marL="457200" lvl="1" indent="0">
+                  <a:buNone/>
+                </a:pPr>
+                <a:r>
+                  <a:rPr lang="en-US" sz="3800" dirty="0">
+                    <a:latin typeface="Cambria Math" panose="02040503050406030204" pitchFamily="18" charset="0"/>
+                    <a:ea typeface="Cambria Math" panose="02040503050406030204" pitchFamily="18" charset="0"/>
+                  </a:rPr>
+                  <a:t>**y’ = set of all questions that are </a:t>
+                </a:r>
+              </a:p>
+              <a:p>
+                <a:pPr marL="457200" lvl="1" indent="0">
+                  <a:buNone/>
+                </a:pPr>
+                <a:r>
+                  <a:rPr lang="en-US" sz="3800" dirty="0">
+                    <a:latin typeface="Cambria Math" panose="02040503050406030204" pitchFamily="18" charset="0"/>
+                    <a:ea typeface="Cambria Math" panose="02040503050406030204" pitchFamily="18" charset="0"/>
+                  </a:rPr>
+                  <a:t>	not called yet and are included in c2</a:t>
+                </a:r>
+                <a:endParaRPr lang="en-US" sz="3800" dirty="0"/>
+              </a:p>
+              <a:p>
+                <a:pPr marL="457200" lvl="1" indent="0">
+                  <a:buNone/>
+                </a:pPr>
+                <a:endParaRPr lang="en-US" sz="2200" dirty="0"/>
+              </a:p>
+            </p:txBody>
+          </p:sp>
+        </mc:Choice>
+        <mc:Fallback>
+          <p:sp>
+            <p:nvSpPr>
+              <p:cNvPr id="3" name="Content Placeholder 2">
+                <a:extLst>
+                  <a:ext uri="{FF2B5EF4-FFF2-40B4-BE49-F238E27FC236}">
+                    <a16:creationId xmlns:a16="http://schemas.microsoft.com/office/drawing/2014/main" id="{5DF251DC-4F64-5D48-6C5F-F604B6F609CD}"/>
+                  </a:ext>
+                </a:extLst>
+              </p:cNvPr>
+              <p:cNvSpPr>
+                <a:spLocks noGrp="1" noRot="1" noChangeAspect="1" noMove="1" noResize="1" noEditPoints="1" noAdjustHandles="1" noChangeArrowheads="1" noChangeShapeType="1" noTextEdit="1"/>
+              </p:cNvSpPr>
+              <p:nvPr>
+                <p:ph idx="1"/>
+              </p:nvPr>
+            </p:nvSpPr>
+            <p:spPr>
+              <a:xfrm>
+                <a:off x="185738" y="769937"/>
+                <a:ext cx="12006262" cy="5888038"/>
+              </a:xfrm>
+              <a:blipFill>
+                <a:blip r:embed="rId2"/>
+                <a:stretch>
+                  <a:fillRect l="-422" b="-860"/>
+                </a:stretch>
+              </a:blipFill>
+            </p:spPr>
+            <p:txBody>
+              <a:bodyPr/>
+              <a:lstStyle/>
+              <a:p>
+                <a:r>
+                  <a:rPr lang="en-US">
+                    <a:noFill/>
+                  </a:rPr>
+                  <a:t> </a:t>
+                </a:r>
+              </a:p>
+            </p:txBody>
+          </p:sp>
+        </mc:Fallback>
+      </mc:AlternateContent>
+    </p:spTree>
+    <p:extLst>
+      <p:ext uri="{BB962C8B-B14F-4D97-AF65-F5344CB8AC3E}">
+        <p14:creationId xmlns:p14="http://schemas.microsoft.com/office/powerpoint/2010/main" val="1773564854"/>
+      </p:ext>
+    </p:extLst>
+  </p:cSld>
+  <p:clrMapOvr>
+    <a:masterClrMapping/>
+  </p:clrMapOvr>
+</p:sld>
+</file>
+
+<file path=ppt/slides/slide36.xml><?xml version="1.0" encoding="utf-8"?>
+<p:sld xmlns:a="http://schemas.openxmlformats.org/drawingml/2006/main" xmlns:r="http://schemas.openxmlformats.org/officeDocument/2006/relationships" xmlns:p="http://schemas.openxmlformats.org/presentationml/2006/main">
+  <p:cSld>
+    <p:spTree>
+      <p:nvGrpSpPr>
+        <p:cNvPr id="1" name=""/>
+        <p:cNvGrpSpPr/>
+        <p:nvPr/>
+      </p:nvGrpSpPr>
+      <p:grpSpPr>
+        <a:xfrm>
+          <a:off x="0" y="0"/>
+          <a:ext cx="0" cy="0"/>
+          <a:chOff x="0" y="0"/>
+          <a:chExt cx="0" cy="0"/>
+        </a:xfrm>
+      </p:grpSpPr>
+      <p:sp>
+        <p:nvSpPr>
+          <p:cNvPr id="2" name="Title 1">
+            <a:extLst>
+              <a:ext uri="{FF2B5EF4-FFF2-40B4-BE49-F238E27FC236}">
+                <a16:creationId xmlns:a16="http://schemas.microsoft.com/office/drawing/2014/main" id="{88ABCA84-F0B3-F083-35FC-6C2D94DF3B07}"/>
+              </a:ext>
+            </a:extLst>
+          </p:cNvPr>
+          <p:cNvSpPr>
+            <a:spLocks noGrp="1"/>
+          </p:cNvSpPr>
+          <p:nvPr>
+            <p:ph type="title"/>
+          </p:nvPr>
+        </p:nvSpPr>
+        <p:spPr>
+          <a:xfrm>
+            <a:off x="838199" y="0"/>
+            <a:ext cx="10515600" cy="1325563"/>
+          </a:xfrm>
+        </p:spPr>
+        <p:txBody>
+          <a:bodyPr>
+            <a:normAutofit/>
+          </a:bodyPr>
+          <a:lstStyle/>
+          <a:p>
+            <a:pPr algn="ctr"/>
+            <a:r>
+              <a:rPr lang="en-US" sz="3000" dirty="0"/>
+              <a:t>Example - Entropy with no assumption</a:t>
+            </a:r>
+          </a:p>
+        </p:txBody>
+      </p:sp>
+      <mc:AlternateContent xmlns:mc="http://schemas.openxmlformats.org/markup-compatibility/2006" xmlns:a14="http://schemas.microsoft.com/office/drawing/2010/main">
+        <mc:Choice Requires="a14">
+          <p:sp>
+            <p:nvSpPr>
+              <p:cNvPr id="3" name="Content Placeholder 2">
+                <a:extLst>
+                  <a:ext uri="{FF2B5EF4-FFF2-40B4-BE49-F238E27FC236}">
+                    <a16:creationId xmlns:a16="http://schemas.microsoft.com/office/drawing/2014/main" id="{5DF251DC-4F64-5D48-6C5F-F604B6F609CD}"/>
+                  </a:ext>
+                </a:extLst>
+              </p:cNvPr>
+              <p:cNvSpPr>
+                <a:spLocks noGrp="1"/>
+              </p:cNvSpPr>
+              <p:nvPr>
+                <p:ph idx="1"/>
+              </p:nvPr>
+            </p:nvSpPr>
+            <p:spPr>
+              <a:xfrm>
+                <a:off x="185738" y="769937"/>
+                <a:ext cx="12006262" cy="5318125"/>
+              </a:xfrm>
+            </p:spPr>
+            <p:txBody>
+              <a:bodyPr>
+                <a:normAutofit lnSpcReduction="10000"/>
+              </a:bodyPr>
+              <a:lstStyle/>
+              <a:p>
+                <a:pPr marL="0" indent="0">
+                  <a:buNone/>
+                </a:pPr>
+                <a:endParaRPr lang="en-US" i="1" dirty="0">
+                  <a:latin typeface="Cambria Math" panose="02040503050406030204" pitchFamily="18" charset="0"/>
+                </a:endParaRPr>
+              </a:p>
+              <a:p>
+                <a:pPr marL="0" indent="0">
+                  <a:buNone/>
+                </a:pPr>
+                <a:r>
+                  <a:rPr lang="en-US" dirty="0">
+                    <a:latin typeface="Cambria Math" panose="02040503050406030204" pitchFamily="18" charset="0"/>
+                  </a:rPr>
+                  <a:t>2) How to compute P(c</a:t>
+                </a:r>
+                <a:r>
+                  <a:rPr lang="en-US" baseline="-25000" dirty="0">
+                    <a:latin typeface="Cambria Math" panose="02040503050406030204" pitchFamily="18" charset="0"/>
+                  </a:rPr>
+                  <a:t>i</a:t>
+                </a:r>
+                <a:r>
+                  <a:rPr lang="en-US" dirty="0">
+                    <a:latin typeface="Cambria Math" panose="02040503050406030204" pitchFamily="18" charset="0"/>
+                  </a:rPr>
+                  <a:t> </a:t>
+                </a:r>
+                <a14:m>
+                  <m:oMath xmlns:m="http://schemas.openxmlformats.org/officeDocument/2006/math">
+                    <m:r>
+                      <a:rPr lang="en-US" i="1" dirty="0">
+                        <a:latin typeface="Cambria Math" panose="02040503050406030204" pitchFamily="18" charset="0"/>
+                        <a:ea typeface="Cambria Math" panose="02040503050406030204" pitchFamily="18" charset="0"/>
+                      </a:rPr>
+                      <m:t>≥</m:t>
+                    </m:r>
+                  </m:oMath>
+                </a14:m>
+                <a:r>
+                  <a:rPr lang="en-US" dirty="0">
+                    <a:latin typeface="Cambria Math" panose="02040503050406030204" pitchFamily="18" charset="0"/>
+                  </a:rPr>
+                  <a:t> </a:t>
+                </a:r>
+                <a:r>
+                  <a:rPr lang="en-US" dirty="0" err="1">
+                    <a:latin typeface="Cambria Math" panose="02040503050406030204" pitchFamily="18" charset="0"/>
+                  </a:rPr>
+                  <a:t>c</a:t>
+                </a:r>
+                <a:r>
+                  <a:rPr lang="en-US" baseline="-25000" dirty="0" err="1">
+                    <a:latin typeface="Cambria Math" panose="02040503050406030204" pitchFamily="18" charset="0"/>
+                  </a:rPr>
+                  <a:t>j</a:t>
+                </a:r>
+                <a:r>
+                  <a:rPr lang="en-US" baseline="-25000" dirty="0">
+                    <a:latin typeface="Cambria Math" panose="02040503050406030204" pitchFamily="18" charset="0"/>
+                  </a:rPr>
+                  <a:t> </a:t>
+                </a:r>
+                <a:r>
+                  <a:rPr lang="en-US" dirty="0">
+                    <a:latin typeface="Cambria Math" panose="02040503050406030204" pitchFamily="18" charset="0"/>
+                  </a:rPr>
+                  <a:t>)?</a:t>
+                </a:r>
+              </a:p>
+              <a:p>
+                <a:pPr marL="457200" lvl="1" indent="0">
+                  <a:buNone/>
+                </a:pPr>
+                <a:r>
+                  <a:rPr lang="en-US" dirty="0">
+                    <a:latin typeface="Cambria Math" panose="02040503050406030204" pitchFamily="18" charset="0"/>
+                  </a:rPr>
+                  <a:t>2*m*m Dimensional table (2 Dimensional)</a:t>
+                </a:r>
+              </a:p>
+              <a:p>
+                <a:pPr marL="457200" lvl="1" indent="0">
+                  <a:buNone/>
+                </a:pPr>
+                <a:r>
+                  <a:rPr lang="en-US" dirty="0">
+                    <a:latin typeface="Cambria Math" panose="02040503050406030204" pitchFamily="18" charset="0"/>
+                  </a:rPr>
+                  <a:t>Green region = (LB, UB)</a:t>
+                </a:r>
+                <a:r>
+                  <a:rPr lang="en-US" baseline="-25000" dirty="0">
+                    <a:latin typeface="Cambria Math" panose="02040503050406030204" pitchFamily="18" charset="0"/>
+                  </a:rPr>
+                  <a:t>c1</a:t>
+                </a:r>
+                <a:r>
+                  <a:rPr lang="en-US" dirty="0">
+                    <a:latin typeface="Cambria Math" panose="02040503050406030204" pitchFamily="18" charset="0"/>
+                  </a:rPr>
+                  <a:t> </a:t>
+                </a:r>
+                <a14:m>
+                  <m:oMath xmlns:m="http://schemas.openxmlformats.org/officeDocument/2006/math">
+                    <m:r>
+                      <a:rPr lang="en-US" i="1" smtClean="0">
+                        <a:latin typeface="Cambria Math" panose="02040503050406030204" pitchFamily="18" charset="0"/>
+                        <a:ea typeface="Cambria Math" panose="02040503050406030204" pitchFamily="18" charset="0"/>
+                      </a:rPr>
+                      <m:t>∩</m:t>
+                    </m:r>
+                    <m:r>
+                      <a:rPr lang="en-US" b="0" i="1" smtClean="0">
+                        <a:latin typeface="Cambria Math" panose="02040503050406030204" pitchFamily="18" charset="0"/>
+                        <a:ea typeface="Cambria Math" panose="02040503050406030204" pitchFamily="18" charset="0"/>
+                      </a:rPr>
+                      <m:t> </m:t>
+                    </m:r>
+                  </m:oMath>
+                </a14:m>
+                <a:r>
+                  <a:rPr lang="en-US" dirty="0">
+                    <a:latin typeface="Cambria Math" panose="02040503050406030204" pitchFamily="18" charset="0"/>
+                  </a:rPr>
+                  <a:t>(LB, UB)</a:t>
+                </a:r>
+                <a:r>
+                  <a:rPr lang="en-US" baseline="-25000" dirty="0">
+                    <a:latin typeface="Cambria Math" panose="02040503050406030204" pitchFamily="18" charset="0"/>
+                  </a:rPr>
+                  <a:t>c2</a:t>
+                </a:r>
+                <a:endParaRPr lang="en-US" baseline="-25000" dirty="0">
+                  <a:solidFill>
+                    <a:schemeClr val="accent6">
+                      <a:lumMod val="75000"/>
+                    </a:schemeClr>
+                  </a:solidFill>
+                  <a:latin typeface="Cambria Math" panose="02040503050406030204" pitchFamily="18" charset="0"/>
+                </a:endParaRPr>
+              </a:p>
+              <a:p>
+                <a:pPr marL="457200" lvl="1" indent="0">
+                  <a:buNone/>
+                </a:pPr>
+                <a:r>
+                  <a:rPr lang="en-US" sz="2400" dirty="0">
+                    <a:latin typeface="Cambria Math" panose="02040503050406030204" pitchFamily="18" charset="0"/>
+                  </a:rPr>
+                  <a:t>Orange region</a:t>
+                </a:r>
+              </a:p>
+              <a:p>
+                <a:pPr lvl="2"/>
+                <a:r>
+                  <a:rPr lang="en-US" dirty="0">
+                    <a:latin typeface="Cambria Math" panose="02040503050406030204" pitchFamily="18" charset="0"/>
+                  </a:rPr>
+                  <a:t>New constraint = Assuming all questions from x’ </a:t>
+                </a:r>
+                <a14:m>
+                  <m:oMath xmlns:m="http://schemas.openxmlformats.org/officeDocument/2006/math">
+                    <m:r>
+                      <a:rPr lang="en-US" i="1">
+                        <a:latin typeface="Cambria Math" panose="02040503050406030204" pitchFamily="18" charset="0"/>
+                        <a:ea typeface="Cambria Math" panose="02040503050406030204" pitchFamily="18" charset="0"/>
+                      </a:rPr>
+                      <m:t>∩</m:t>
+                    </m:r>
+                  </m:oMath>
+                </a14:m>
+                <a:r>
+                  <a:rPr lang="en-US" dirty="0">
+                    <a:latin typeface="Cambria Math" panose="02040503050406030204" pitchFamily="18" charset="0"/>
+                  </a:rPr>
+                  <a:t> y’  result in 0</a:t>
+                </a:r>
+              </a:p>
+              <a:p>
+                <a:pPr lvl="2"/>
+                <a:r>
+                  <a:rPr lang="en-US" dirty="0">
+                    <a:latin typeface="Cambria Math" panose="02040503050406030204" pitchFamily="18" charset="0"/>
+                    <a:ea typeface="Cambria Math" panose="02040503050406030204" pitchFamily="18" charset="0"/>
+                  </a:rPr>
+                  <a:t>Orange region = Green region after applying new constraint 	</a:t>
+                </a:r>
+                <a:endParaRPr lang="en-US" sz="1800" dirty="0">
+                  <a:latin typeface="Cambria Math" panose="02040503050406030204" pitchFamily="18" charset="0"/>
+                  <a:ea typeface="Cambria Math" panose="02040503050406030204" pitchFamily="18" charset="0"/>
+                </a:endParaRPr>
+              </a:p>
+              <a:p>
+                <a:pPr marL="457200" lvl="1" indent="0">
+                  <a:buNone/>
+                </a:pPr>
+                <a:r>
+                  <a:rPr lang="en-US" sz="2200" dirty="0">
+                    <a:latin typeface="Cambria Math" panose="02040503050406030204" pitchFamily="18" charset="0"/>
+                    <a:ea typeface="Cambria Math" panose="02040503050406030204" pitchFamily="18" charset="0"/>
+                  </a:rPr>
+                  <a:t>Star region = c</a:t>
+                </a:r>
+                <a:r>
+                  <a:rPr lang="en-US" sz="2200" baseline="-25000" dirty="0">
+                    <a:latin typeface="Cambria Math" panose="02040503050406030204" pitchFamily="18" charset="0"/>
+                    <a:ea typeface="Cambria Math" panose="02040503050406030204" pitchFamily="18" charset="0"/>
+                  </a:rPr>
+                  <a:t>i</a:t>
+                </a:r>
+                <a:r>
+                  <a:rPr lang="en-US" sz="2200" dirty="0">
+                    <a:latin typeface="Cambria Math" panose="02040503050406030204" pitchFamily="18" charset="0"/>
+                    <a:ea typeface="Cambria Math" panose="02040503050406030204" pitchFamily="18" charset="0"/>
+                  </a:rPr>
+                  <a:t> </a:t>
+                </a:r>
+                <a14:m>
+                  <m:oMath xmlns:m="http://schemas.openxmlformats.org/officeDocument/2006/math">
+                    <m:r>
+                      <a:rPr lang="en-US" sz="2200" i="1" dirty="0" smtClean="0">
+                        <a:latin typeface="Cambria Math" panose="02040503050406030204" pitchFamily="18" charset="0"/>
+                        <a:ea typeface="Cambria Math" panose="02040503050406030204" pitchFamily="18" charset="0"/>
+                      </a:rPr>
+                      <m:t>≥</m:t>
+                    </m:r>
+                  </m:oMath>
+                </a14:m>
+                <a:r>
+                  <a:rPr lang="en-US" sz="2200" dirty="0">
+                    <a:latin typeface="Cambria Math" panose="02040503050406030204" pitchFamily="18" charset="0"/>
+                    <a:ea typeface="Cambria Math" panose="02040503050406030204" pitchFamily="18" charset="0"/>
+                  </a:rPr>
+                  <a:t> </a:t>
+                </a:r>
+                <a:r>
+                  <a:rPr lang="en-US" sz="2200" dirty="0" err="1">
+                    <a:latin typeface="Cambria Math" panose="02040503050406030204" pitchFamily="18" charset="0"/>
+                    <a:ea typeface="Cambria Math" panose="02040503050406030204" pitchFamily="18" charset="0"/>
+                  </a:rPr>
+                  <a:t>c</a:t>
+                </a:r>
+                <a:r>
+                  <a:rPr lang="en-US" sz="2200" baseline="-25000" dirty="0" err="1">
+                    <a:latin typeface="Cambria Math" panose="02040503050406030204" pitchFamily="18" charset="0"/>
+                    <a:ea typeface="Cambria Math" panose="02040503050406030204" pitchFamily="18" charset="0"/>
+                  </a:rPr>
+                  <a:t>j</a:t>
+                </a:r>
+                <a:endParaRPr lang="en-US" sz="2200" baseline="-25000" dirty="0">
+                  <a:latin typeface="Cambria Math" panose="02040503050406030204" pitchFamily="18" charset="0"/>
+                  <a:ea typeface="Cambria Math" panose="02040503050406030204" pitchFamily="18" charset="0"/>
+                </a:endParaRPr>
+              </a:p>
+              <a:p>
+                <a:pPr marL="457200" lvl="1" indent="0">
+                  <a:buNone/>
+                </a:pPr>
+                <a:r>
+                  <a:rPr lang="en-US" sz="2200" dirty="0">
+                    <a:latin typeface="Cambria Math" panose="02040503050406030204" pitchFamily="18" charset="0"/>
+                    <a:ea typeface="Cambria Math" panose="02040503050406030204" pitchFamily="18" charset="0"/>
+                  </a:rPr>
+                  <a:t>Result = (Star region </a:t>
+                </a:r>
+                <a14:m>
+                  <m:oMath xmlns:m="http://schemas.openxmlformats.org/officeDocument/2006/math">
+                    <m:r>
+                      <a:rPr lang="en-US" sz="2200" i="1">
+                        <a:latin typeface="Cambria Math" panose="02040503050406030204" pitchFamily="18" charset="0"/>
+                        <a:ea typeface="Cambria Math" panose="02040503050406030204" pitchFamily="18" charset="0"/>
+                      </a:rPr>
+                      <m:t>∩</m:t>
+                    </m:r>
+                  </m:oMath>
+                </a14:m>
+                <a:r>
+                  <a:rPr lang="en-US" sz="2200" dirty="0">
+                    <a:latin typeface="Cambria Math" panose="02040503050406030204" pitchFamily="18" charset="0"/>
+                    <a:ea typeface="Cambria Math" panose="02040503050406030204" pitchFamily="18" charset="0"/>
+                  </a:rPr>
+                  <a:t> Orange region) / Orange region</a:t>
+                </a:r>
+              </a:p>
+              <a:p>
+                <a:pPr marL="457200" lvl="1" indent="0">
+                  <a:buNone/>
+                </a:pPr>
+                <a:endParaRPr lang="en-US" sz="2200" dirty="0">
+                  <a:latin typeface="Cambria Math" panose="02040503050406030204" pitchFamily="18" charset="0"/>
+                  <a:ea typeface="Cambria Math" panose="02040503050406030204" pitchFamily="18" charset="0"/>
+                </a:endParaRPr>
+              </a:p>
+              <a:p>
+                <a:pPr marL="457200" lvl="1" indent="0">
+                  <a:buNone/>
+                </a:pPr>
+                <a:r>
+                  <a:rPr lang="en-US" sz="2200" dirty="0">
+                    <a:latin typeface="Cambria Math" panose="02040503050406030204" pitchFamily="18" charset="0"/>
+                    <a:ea typeface="Cambria Math" panose="02040503050406030204" pitchFamily="18" charset="0"/>
+                  </a:rPr>
+                  <a:t>** This table is just an example 2D table</a:t>
+                </a:r>
+              </a:p>
+              <a:p>
+                <a:pPr marL="457200" lvl="1" indent="0">
+                  <a:buNone/>
+                </a:pPr>
+                <a:r>
+                  <a:rPr lang="en-US" sz="2200" dirty="0">
+                    <a:latin typeface="Cambria Math" panose="02040503050406030204" pitchFamily="18" charset="0"/>
+                    <a:ea typeface="Cambria Math" panose="02040503050406030204" pitchFamily="18" charset="0"/>
+                  </a:rPr>
+                  <a:t>** x’ = set of all questions that are </a:t>
+                </a:r>
+              </a:p>
+              <a:p>
+                <a:pPr marL="457200" lvl="1" indent="0">
+                  <a:buNone/>
+                </a:pPr>
+                <a:r>
+                  <a:rPr lang="en-US" sz="2200" dirty="0">
+                    <a:latin typeface="Cambria Math" panose="02040503050406030204" pitchFamily="18" charset="0"/>
+                    <a:ea typeface="Cambria Math" panose="02040503050406030204" pitchFamily="18" charset="0"/>
+                  </a:rPr>
+                  <a:t>	not called yet and are included in c1</a:t>
+                </a:r>
+              </a:p>
+              <a:p>
+                <a:pPr marL="457200" lvl="1" indent="0">
+                  <a:buNone/>
+                </a:pPr>
+                <a:r>
+                  <a:rPr lang="en-US" sz="2200" dirty="0">
+                    <a:latin typeface="Cambria Math" panose="02040503050406030204" pitchFamily="18" charset="0"/>
+                    <a:ea typeface="Cambria Math" panose="02040503050406030204" pitchFamily="18" charset="0"/>
+                  </a:rPr>
+                  <a:t>**y’ = set of all questions that are </a:t>
+                </a:r>
+              </a:p>
+              <a:p>
+                <a:pPr marL="457200" lvl="1" indent="0">
+                  <a:buNone/>
+                </a:pPr>
+                <a:r>
+                  <a:rPr lang="en-US" sz="2200" dirty="0">
+                    <a:latin typeface="Cambria Math" panose="02040503050406030204" pitchFamily="18" charset="0"/>
+                    <a:ea typeface="Cambria Math" panose="02040503050406030204" pitchFamily="18" charset="0"/>
+                  </a:rPr>
+                  <a:t>	not called yet and are included in c2</a:t>
+                </a:r>
+                <a:endParaRPr lang="en-US" sz="2200" dirty="0"/>
+              </a:p>
+              <a:p>
+                <a:pPr marL="457200" lvl="1" indent="0">
+                  <a:buNone/>
+                </a:pPr>
+                <a:endParaRPr lang="en-US" sz="2200" dirty="0"/>
+              </a:p>
+            </p:txBody>
+          </p:sp>
+        </mc:Choice>
+        <mc:Fallback xmlns="">
+          <p:sp>
+            <p:nvSpPr>
+              <p:cNvPr id="3" name="Content Placeholder 2">
+                <a:extLst>
+                  <a:ext uri="{FF2B5EF4-FFF2-40B4-BE49-F238E27FC236}">
+                    <a16:creationId xmlns:a16="http://schemas.microsoft.com/office/drawing/2014/main" id="{5DF251DC-4F64-5D48-6C5F-F604B6F609CD}"/>
+                  </a:ext>
+                </a:extLst>
+              </p:cNvPr>
+              <p:cNvSpPr>
+                <a:spLocks noGrp="1" noRot="1" noChangeAspect="1" noMove="1" noResize="1" noEditPoints="1" noAdjustHandles="1" noChangeArrowheads="1" noChangeShapeType="1" noTextEdit="1"/>
+              </p:cNvSpPr>
+              <p:nvPr>
+                <p:ph idx="1"/>
+              </p:nvPr>
+            </p:nvSpPr>
+            <p:spPr>
+              <a:xfrm>
+                <a:off x="185738" y="769937"/>
+                <a:ext cx="12006262" cy="5318125"/>
+              </a:xfrm>
+              <a:blipFill>
+                <a:blip r:embed="rId2"/>
+                <a:stretch>
+                  <a:fillRect l="-1056" b="-952"/>
+                </a:stretch>
+              </a:blipFill>
+            </p:spPr>
+            <p:txBody>
+              <a:bodyPr/>
+              <a:lstStyle/>
+              <a:p>
+                <a:r>
+                  <a:rPr lang="en-US">
+                    <a:noFill/>
+                  </a:rPr>
+                  <a:t> </a:t>
+                </a:r>
+              </a:p>
+            </p:txBody>
+          </p:sp>
+        </mc:Fallback>
+      </mc:AlternateContent>
+      <p:graphicFrame>
+        <p:nvGraphicFramePr>
+          <p:cNvPr id="4" name="Table 3">
+            <a:extLst>
+              <a:ext uri="{FF2B5EF4-FFF2-40B4-BE49-F238E27FC236}">
+                <a16:creationId xmlns:a16="http://schemas.microsoft.com/office/drawing/2014/main" id="{1524D826-103C-D069-B991-28C549E293B6}"/>
+              </a:ext>
+            </a:extLst>
+          </p:cNvPr>
+          <p:cNvGraphicFramePr>
+            <a:graphicFrameLocks noGrp="1"/>
+          </p:cNvGraphicFramePr>
+          <p:nvPr/>
+        </p:nvGraphicFramePr>
+        <p:xfrm>
+          <a:off x="6293807" y="4778376"/>
+          <a:ext cx="5433685" cy="1854200"/>
+        </p:xfrm>
+        <a:graphic>
+          <a:graphicData uri="http://schemas.openxmlformats.org/drawingml/2006/table">
+            <a:tbl>
+              <a:tblPr firstRow="1" bandRow="1">
+                <a:tableStyleId>{5C22544A-7EE6-4342-B048-85BDC9FD1C3A}</a:tableStyleId>
+              </a:tblPr>
+              <a:tblGrid>
+                <a:gridCol w="1086737">
+                  <a:extLst>
+                    <a:ext uri="{9D8B030D-6E8A-4147-A177-3AD203B41FA5}">
+                      <a16:colId xmlns:a16="http://schemas.microsoft.com/office/drawing/2014/main" val="152265934"/>
+                    </a:ext>
+                  </a:extLst>
+                </a:gridCol>
+                <a:gridCol w="1086737">
+                  <a:extLst>
+                    <a:ext uri="{9D8B030D-6E8A-4147-A177-3AD203B41FA5}">
+                      <a16:colId xmlns:a16="http://schemas.microsoft.com/office/drawing/2014/main" val="4078968741"/>
+                    </a:ext>
+                  </a:extLst>
+                </a:gridCol>
+                <a:gridCol w="1086737">
+                  <a:extLst>
+                    <a:ext uri="{9D8B030D-6E8A-4147-A177-3AD203B41FA5}">
+                      <a16:colId xmlns:a16="http://schemas.microsoft.com/office/drawing/2014/main" val="1554198573"/>
+                    </a:ext>
+                  </a:extLst>
+                </a:gridCol>
+                <a:gridCol w="1086737">
+                  <a:extLst>
+                    <a:ext uri="{9D8B030D-6E8A-4147-A177-3AD203B41FA5}">
+                      <a16:colId xmlns:a16="http://schemas.microsoft.com/office/drawing/2014/main" val="3614642542"/>
+                    </a:ext>
+                  </a:extLst>
+                </a:gridCol>
+                <a:gridCol w="1086737">
+                  <a:extLst>
+                    <a:ext uri="{9D8B030D-6E8A-4147-A177-3AD203B41FA5}">
+                      <a16:colId xmlns:a16="http://schemas.microsoft.com/office/drawing/2014/main" val="423572014"/>
+                    </a:ext>
+                  </a:extLst>
+                </a:gridCol>
+              </a:tblGrid>
+              <a:tr h="370840">
+                <a:tc>
+                  <a:txBody>
+                    <a:bodyPr/>
+                    <a:lstStyle/>
+                    <a:p>
+                      <a:pPr algn="ctr"/>
+                      <a:endParaRPr lang="en-US" dirty="0"/>
+                    </a:p>
+                  </a:txBody>
+                  <a:tcPr/>
+                </a:tc>
+                <a:tc>
+                  <a:txBody>
+                    <a:bodyPr/>
+                    <a:lstStyle/>
+                    <a:p>
+                      <a:pPr algn="ctr"/>
+                      <a:r>
+                        <a:rPr lang="en-US" dirty="0"/>
+                        <a:t>0.5</a:t>
+                      </a:r>
+                    </a:p>
+                  </a:txBody>
+                  <a:tcPr/>
+                </a:tc>
+                <a:tc>
+                  <a:txBody>
+                    <a:bodyPr/>
+                    <a:lstStyle/>
+                    <a:p>
+                      <a:pPr algn="ctr"/>
+                      <a:r>
+                        <a:rPr lang="en-US" dirty="0"/>
+                        <a:t>1</a:t>
+                      </a:r>
+                    </a:p>
+                  </a:txBody>
+                  <a:tcPr/>
+                </a:tc>
+                <a:tc>
+                  <a:txBody>
+                    <a:bodyPr/>
+                    <a:lstStyle/>
+                    <a:p>
+                      <a:pPr algn="ctr"/>
+                      <a:r>
+                        <a:rPr lang="en-US" dirty="0"/>
+                        <a:t>1.5</a:t>
+                      </a:r>
+                    </a:p>
+                  </a:txBody>
+                  <a:tcPr/>
+                </a:tc>
+                <a:tc>
+                  <a:txBody>
+                    <a:bodyPr/>
+                    <a:lstStyle/>
+                    <a:p>
+                      <a:pPr algn="ctr"/>
+                      <a:r>
+                        <a:rPr lang="en-US" dirty="0"/>
+                        <a:t>2</a:t>
+                      </a:r>
+                    </a:p>
+                  </a:txBody>
+                  <a:tcPr/>
+                </a:tc>
+                <a:extLst>
+                  <a:ext uri="{0D108BD9-81ED-4DB2-BD59-A6C34878D82A}">
+                    <a16:rowId xmlns:a16="http://schemas.microsoft.com/office/drawing/2014/main" val="4191670207"/>
+                  </a:ext>
+                </a:extLst>
+              </a:tr>
+              <a:tr h="370840">
+                <a:tc>
+                  <a:txBody>
+                    <a:bodyPr/>
+                    <a:lstStyle/>
+                    <a:p>
+                      <a:pPr algn="ctr"/>
+                      <a:r>
+                        <a:rPr lang="en-US" dirty="0"/>
+                        <a:t>0.5</a:t>
+                      </a:r>
+                    </a:p>
+                  </a:txBody>
+                  <a:tcPr/>
+                </a:tc>
+                <a:tc>
+                  <a:txBody>
+                    <a:bodyPr/>
+                    <a:lstStyle/>
+                    <a:p>
+                      <a:pPr algn="ctr"/>
+                      <a:r>
+                        <a:rPr lang="en-US" dirty="0"/>
+                        <a:t>*</a:t>
+                      </a:r>
+                    </a:p>
+                  </a:txBody>
+                  <a:tcPr/>
+                </a:tc>
+                <a:tc>
+                  <a:txBody>
+                    <a:bodyPr/>
+                    <a:lstStyle/>
+                    <a:p>
+                      <a:pPr algn="ctr"/>
+                      <a:endParaRPr lang="en-US" dirty="0"/>
+                    </a:p>
+                  </a:txBody>
+                  <a:tcPr/>
+                </a:tc>
+                <a:tc>
+                  <a:txBody>
+                    <a:bodyPr/>
+                    <a:lstStyle/>
+                    <a:p>
+                      <a:pPr algn="ctr"/>
+                      <a:endParaRPr lang="en-US" dirty="0"/>
+                    </a:p>
+                  </a:txBody>
+                  <a:tcPr/>
+                </a:tc>
+                <a:tc>
+                  <a:txBody>
+                    <a:bodyPr/>
+                    <a:lstStyle/>
+                    <a:p>
+                      <a:pPr algn="ctr"/>
+                      <a:endParaRPr lang="en-US" dirty="0"/>
+                    </a:p>
+                  </a:txBody>
+                  <a:tcPr/>
+                </a:tc>
+                <a:extLst>
+                  <a:ext uri="{0D108BD9-81ED-4DB2-BD59-A6C34878D82A}">
+                    <a16:rowId xmlns:a16="http://schemas.microsoft.com/office/drawing/2014/main" val="2280411846"/>
+                  </a:ext>
+                </a:extLst>
+              </a:tr>
+              <a:tr h="370840">
+                <a:tc>
+                  <a:txBody>
+                    <a:bodyPr/>
+                    <a:lstStyle/>
+                    <a:p>
+                      <a:pPr algn="ctr"/>
+                      <a:r>
+                        <a:rPr lang="en-US" dirty="0"/>
+                        <a:t>1</a:t>
+                      </a:r>
+                    </a:p>
+                  </a:txBody>
+                  <a:tcPr/>
+                </a:tc>
+                <a:tc>
+                  <a:txBody>
+                    <a:bodyPr/>
+                    <a:lstStyle/>
+                    <a:p>
+                      <a:pPr algn="ctr"/>
+                      <a:r>
+                        <a:rPr lang="en-US" dirty="0"/>
+                        <a:t>*</a:t>
+                      </a:r>
+                    </a:p>
+                  </a:txBody>
+                  <a:tcPr>
+                    <a:solidFill>
+                      <a:srgbClr val="FFC000"/>
+                    </a:solidFill>
+                  </a:tcPr>
+                </a:tc>
+                <a:tc>
+                  <a:txBody>
+                    <a:bodyPr/>
+                    <a:lstStyle/>
+                    <a:p>
+                      <a:pPr algn="ctr"/>
+                      <a:r>
+                        <a:rPr lang="en-US" dirty="0"/>
+                        <a:t>*</a:t>
+                      </a:r>
+                    </a:p>
+                  </a:txBody>
+                  <a:tcPr>
+                    <a:solidFill>
+                      <a:srgbClr val="FFC000"/>
+                    </a:solidFill>
+                  </a:tcPr>
+                </a:tc>
+                <a:tc>
+                  <a:txBody>
+                    <a:bodyPr/>
+                    <a:lstStyle/>
+                    <a:p>
+                      <a:pPr algn="ctr"/>
+                      <a:endParaRPr lang="en-US" dirty="0"/>
+                    </a:p>
+                  </a:txBody>
+                  <a:tcPr>
+                    <a:solidFill>
+                      <a:schemeClr val="accent6">
+                        <a:lumMod val="40000"/>
+                        <a:lumOff val="60000"/>
+                      </a:schemeClr>
+                    </a:solidFill>
+                  </a:tcPr>
+                </a:tc>
+                <a:tc>
+                  <a:txBody>
+                    <a:bodyPr/>
+                    <a:lstStyle/>
+                    <a:p>
+                      <a:pPr algn="ctr"/>
+                      <a:endParaRPr lang="en-US" dirty="0"/>
+                    </a:p>
+                  </a:txBody>
+                  <a:tcPr/>
+                </a:tc>
+                <a:extLst>
+                  <a:ext uri="{0D108BD9-81ED-4DB2-BD59-A6C34878D82A}">
+                    <a16:rowId xmlns:a16="http://schemas.microsoft.com/office/drawing/2014/main" val="1530262547"/>
+                  </a:ext>
+                </a:extLst>
+              </a:tr>
+              <a:tr h="370840">
+                <a:tc>
+                  <a:txBody>
+                    <a:bodyPr/>
+                    <a:lstStyle/>
+                    <a:p>
+                      <a:pPr algn="ctr"/>
+                      <a:r>
+                        <a:rPr lang="en-US" dirty="0"/>
+                        <a:t>1.5</a:t>
+                      </a:r>
+                    </a:p>
+                  </a:txBody>
+                  <a:tcPr/>
+                </a:tc>
+                <a:tc>
+                  <a:txBody>
+                    <a:bodyPr/>
+                    <a:lstStyle/>
+                    <a:p>
+                      <a:pPr algn="ctr"/>
+                      <a:r>
+                        <a:rPr lang="en-US" dirty="0"/>
+                        <a:t>*</a:t>
+                      </a:r>
+                    </a:p>
+                  </a:txBody>
+                  <a:tcPr>
+                    <a:solidFill>
+                      <a:srgbClr val="FFC000"/>
+                    </a:solidFill>
+                  </a:tcPr>
+                </a:tc>
+                <a:tc>
+                  <a:txBody>
+                    <a:bodyPr/>
+                    <a:lstStyle/>
+                    <a:p>
+                      <a:pPr algn="ctr"/>
+                      <a:r>
+                        <a:rPr lang="en-US" dirty="0"/>
+                        <a:t>*</a:t>
+                      </a:r>
+                    </a:p>
+                  </a:txBody>
+                  <a:tcPr>
+                    <a:solidFill>
+                      <a:srgbClr val="FFC000"/>
+                    </a:solidFill>
+                  </a:tcPr>
+                </a:tc>
+                <a:tc>
+                  <a:txBody>
+                    <a:bodyPr/>
+                    <a:lstStyle/>
+                    <a:p>
+                      <a:pPr algn="ctr"/>
+                      <a:r>
+                        <a:rPr lang="en-US" dirty="0"/>
+                        <a:t>*</a:t>
+                      </a:r>
+                    </a:p>
+                  </a:txBody>
+                  <a:tcPr>
+                    <a:solidFill>
+                      <a:schemeClr val="accent6">
+                        <a:lumMod val="40000"/>
+                        <a:lumOff val="60000"/>
+                      </a:schemeClr>
+                    </a:solidFill>
+                  </a:tcPr>
+                </a:tc>
+                <a:tc>
+                  <a:txBody>
+                    <a:bodyPr/>
+                    <a:lstStyle/>
+                    <a:p>
+                      <a:pPr algn="ctr"/>
+                      <a:endParaRPr lang="en-US" dirty="0"/>
+                    </a:p>
+                  </a:txBody>
+                  <a:tcPr/>
+                </a:tc>
+                <a:extLst>
+                  <a:ext uri="{0D108BD9-81ED-4DB2-BD59-A6C34878D82A}">
+                    <a16:rowId xmlns:a16="http://schemas.microsoft.com/office/drawing/2014/main" val="1629365600"/>
+                  </a:ext>
+                </a:extLst>
+              </a:tr>
+              <a:tr h="370840">
+                <a:tc>
+                  <a:txBody>
+                    <a:bodyPr/>
+                    <a:lstStyle/>
+                    <a:p>
+                      <a:pPr algn="ctr"/>
+                      <a:r>
+                        <a:rPr lang="en-US" dirty="0"/>
+                        <a:t>2</a:t>
+                      </a:r>
+                    </a:p>
+                  </a:txBody>
+                  <a:tcPr/>
+                </a:tc>
+                <a:tc>
+                  <a:txBody>
+                    <a:bodyPr/>
+                    <a:lstStyle/>
+                    <a:p>
+                      <a:pPr algn="ctr"/>
+                      <a:r>
+                        <a:rPr lang="en-US" dirty="0"/>
+                        <a:t>*</a:t>
+                      </a:r>
+                    </a:p>
+                  </a:txBody>
+                  <a:tcPr>
+                    <a:solidFill>
+                      <a:srgbClr val="FFC000"/>
+                    </a:solidFill>
+                  </a:tcPr>
+                </a:tc>
+                <a:tc>
+                  <a:txBody>
+                    <a:bodyPr/>
+                    <a:lstStyle/>
+                    <a:p>
+                      <a:pPr algn="ctr"/>
+                      <a:r>
+                        <a:rPr lang="en-US" dirty="0"/>
+                        <a:t>*</a:t>
+                      </a:r>
+                    </a:p>
+                  </a:txBody>
+                  <a:tcPr>
+                    <a:solidFill>
+                      <a:srgbClr val="FFC000"/>
+                    </a:solidFill>
+                  </a:tcPr>
+                </a:tc>
+                <a:tc>
+                  <a:txBody>
+                    <a:bodyPr/>
+                    <a:lstStyle/>
+                    <a:p>
+                      <a:pPr algn="ctr"/>
+                      <a:r>
+                        <a:rPr lang="en-US" dirty="0"/>
+                        <a:t>*</a:t>
+                      </a:r>
+                    </a:p>
+                  </a:txBody>
+                  <a:tcPr>
+                    <a:solidFill>
+                      <a:schemeClr val="accent6">
+                        <a:lumMod val="40000"/>
+                        <a:lumOff val="60000"/>
+                      </a:schemeClr>
+                    </a:solidFill>
+                  </a:tcPr>
+                </a:tc>
+                <a:tc>
+                  <a:txBody>
+                    <a:bodyPr/>
+                    <a:lstStyle/>
+                    <a:p>
+                      <a:pPr algn="ctr"/>
+                      <a:r>
+                        <a:rPr lang="en-US" dirty="0"/>
+                        <a:t>*</a:t>
+                      </a:r>
+                    </a:p>
+                  </a:txBody>
+                  <a:tcPr/>
+                </a:tc>
+                <a:extLst>
+                  <a:ext uri="{0D108BD9-81ED-4DB2-BD59-A6C34878D82A}">
+                    <a16:rowId xmlns:a16="http://schemas.microsoft.com/office/drawing/2014/main" val="3209401911"/>
+                  </a:ext>
+                </a:extLst>
+              </a:tr>
+            </a:tbl>
+          </a:graphicData>
+        </a:graphic>
+      </p:graphicFrame>
+      <p:sp>
+        <p:nvSpPr>
+          <p:cNvPr id="6" name="TextBox 5">
+            <a:extLst>
+              <a:ext uri="{FF2B5EF4-FFF2-40B4-BE49-F238E27FC236}">
+                <a16:creationId xmlns:a16="http://schemas.microsoft.com/office/drawing/2014/main" id="{875B93E0-4F6B-6AD7-CAC7-613AB3F4019F}"/>
+              </a:ext>
+            </a:extLst>
+          </p:cNvPr>
+          <p:cNvSpPr txBox="1"/>
+          <p:nvPr/>
+        </p:nvSpPr>
+        <p:spPr>
+          <a:xfrm>
+            <a:off x="6585870" y="4409044"/>
+            <a:ext cx="468398" cy="369332"/>
+          </a:xfrm>
+          <a:prstGeom prst="rect">
+            <a:avLst/>
+          </a:prstGeom>
+          <a:noFill/>
+        </p:spPr>
+        <p:txBody>
+          <a:bodyPr wrap="none" rtlCol="0">
+            <a:spAutoFit/>
+          </a:bodyPr>
+          <a:lstStyle/>
+          <a:p>
+            <a:r>
+              <a:rPr lang="en-US" dirty="0"/>
+              <a:t>C2</a:t>
+            </a:r>
+          </a:p>
+        </p:txBody>
+      </p:sp>
+      <p:sp>
+        <p:nvSpPr>
+          <p:cNvPr id="7" name="TextBox 6">
+            <a:extLst>
+              <a:ext uri="{FF2B5EF4-FFF2-40B4-BE49-F238E27FC236}">
+                <a16:creationId xmlns:a16="http://schemas.microsoft.com/office/drawing/2014/main" id="{386AEC42-251A-A974-74FC-3DB1A405E1B3}"/>
+              </a:ext>
+            </a:extLst>
+          </p:cNvPr>
+          <p:cNvSpPr txBox="1"/>
+          <p:nvPr/>
+        </p:nvSpPr>
+        <p:spPr>
+          <a:xfrm>
+            <a:off x="5741684" y="4902223"/>
+            <a:ext cx="468398" cy="369332"/>
+          </a:xfrm>
+          <a:prstGeom prst="rect">
+            <a:avLst/>
+          </a:prstGeom>
+          <a:noFill/>
+        </p:spPr>
+        <p:txBody>
+          <a:bodyPr wrap="none" rtlCol="0">
+            <a:spAutoFit/>
+          </a:bodyPr>
+          <a:lstStyle/>
+          <a:p>
+            <a:r>
+              <a:rPr lang="en-US" dirty="0"/>
+              <a:t>C1</a:t>
+            </a:r>
+          </a:p>
+        </p:txBody>
+      </p:sp>
+      <p:sp>
+        <p:nvSpPr>
+          <p:cNvPr id="8" name="TextBox 7">
+            <a:extLst>
+              <a:ext uri="{FF2B5EF4-FFF2-40B4-BE49-F238E27FC236}">
+                <a16:creationId xmlns:a16="http://schemas.microsoft.com/office/drawing/2014/main" id="{4B0047AF-780B-93AC-9874-E40C85793549}"/>
+              </a:ext>
+            </a:extLst>
+          </p:cNvPr>
+          <p:cNvSpPr txBox="1"/>
+          <p:nvPr/>
+        </p:nvSpPr>
+        <p:spPr>
+          <a:xfrm>
+            <a:off x="8733328" y="4409044"/>
+            <a:ext cx="657552" cy="369332"/>
+          </a:xfrm>
+          <a:prstGeom prst="rect">
+            <a:avLst/>
+          </a:prstGeom>
+          <a:noFill/>
+        </p:spPr>
+        <p:txBody>
+          <a:bodyPr wrap="none" rtlCol="0">
+            <a:spAutoFit/>
+          </a:bodyPr>
+          <a:lstStyle/>
+          <a:p>
+            <a:r>
+              <a:rPr lang="en-US" dirty="0"/>
+              <a:t>P = 1</a:t>
+            </a:r>
+          </a:p>
+        </p:txBody>
+      </p:sp>
+    </p:spTree>
+    <p:extLst>
+      <p:ext uri="{BB962C8B-B14F-4D97-AF65-F5344CB8AC3E}">
+        <p14:creationId xmlns:p14="http://schemas.microsoft.com/office/powerpoint/2010/main" val="3981264527"/>
+      </p:ext>
+    </p:extLst>
+  </p:cSld>
+  <p:clrMapOvr>
+    <a:masterClrMapping/>
+  </p:clrMapOvr>
+</p:sld>
+</file>
+
+<file path=ppt/slides/slide37.xml><?xml version="1.0" encoding="utf-8"?>
+<p:sld xmlns:a="http://schemas.openxmlformats.org/drawingml/2006/main" xmlns:r="http://schemas.openxmlformats.org/officeDocument/2006/relationships" xmlns:p="http://schemas.openxmlformats.org/presentationml/2006/main">
+  <p:cSld>
+    <p:spTree>
+      <p:nvGrpSpPr>
+        <p:cNvPr id="1" name=""/>
+        <p:cNvGrpSpPr/>
+        <p:nvPr/>
+      </p:nvGrpSpPr>
+      <p:grpSpPr>
+        <a:xfrm>
+          <a:off x="0" y="0"/>
+          <a:ext cx="0" cy="0"/>
+          <a:chOff x="0" y="0"/>
+          <a:chExt cx="0" cy="0"/>
+        </a:xfrm>
+      </p:grpSpPr>
+      <p:sp>
+        <p:nvSpPr>
+          <p:cNvPr id="2" name="Title 1">
+            <a:extLst>
+              <a:ext uri="{FF2B5EF4-FFF2-40B4-BE49-F238E27FC236}">
+                <a16:creationId xmlns:a16="http://schemas.microsoft.com/office/drawing/2014/main" id="{88ABCA84-F0B3-F083-35FC-6C2D94DF3B07}"/>
+              </a:ext>
+            </a:extLst>
+          </p:cNvPr>
+          <p:cNvSpPr>
+            <a:spLocks noGrp="1"/>
+          </p:cNvSpPr>
+          <p:nvPr>
+            <p:ph type="title"/>
+          </p:nvPr>
+        </p:nvSpPr>
+        <p:spPr>
+          <a:xfrm>
+            <a:off x="771525" y="-238080"/>
+            <a:ext cx="10515600" cy="1325563"/>
+          </a:xfrm>
+        </p:spPr>
+        <p:txBody>
+          <a:bodyPr/>
+          <a:lstStyle/>
+          <a:p>
+            <a:pPr algn="ctr"/>
+            <a:r>
+              <a:rPr lang="en-US" dirty="0"/>
+              <a:t>Implementation</a:t>
+            </a:r>
+          </a:p>
+        </p:txBody>
+      </p:sp>
+      <mc:AlternateContent xmlns:mc="http://schemas.openxmlformats.org/markup-compatibility/2006" xmlns:a14="http://schemas.microsoft.com/office/drawing/2010/main">
+        <mc:Choice Requires="a14">
+          <p:sp>
+            <p:nvSpPr>
+              <p:cNvPr id="3" name="Content Placeholder 2">
+                <a:extLst>
+                  <a:ext uri="{FF2B5EF4-FFF2-40B4-BE49-F238E27FC236}">
+                    <a16:creationId xmlns:a16="http://schemas.microsoft.com/office/drawing/2014/main" id="{5DF251DC-4F64-5D48-6C5F-F604B6F609CD}"/>
+                  </a:ext>
+                </a:extLst>
+              </p:cNvPr>
+              <p:cNvSpPr>
+                <a:spLocks noGrp="1"/>
+              </p:cNvSpPr>
+              <p:nvPr>
+                <p:ph idx="1"/>
+              </p:nvPr>
+            </p:nvSpPr>
+            <p:spPr>
+              <a:xfrm>
+                <a:off x="371475" y="1325562"/>
+                <a:ext cx="11315700" cy="5318125"/>
+              </a:xfrm>
+            </p:spPr>
+            <p:txBody>
+              <a:bodyPr>
+                <a:normAutofit/>
+              </a:bodyPr>
+              <a:lstStyle/>
+              <a:p>
+                <a:pPr lvl="2"/>
+                <a:endParaRPr lang="en-US" dirty="0"/>
+              </a:p>
+              <a:p>
+                <a:pPr marL="0" indent="0">
+                  <a:buNone/>
+                </a:pPr>
+                <a:endParaRPr lang="en-US" i="1" dirty="0">
+                  <a:latin typeface="Cambria Math" panose="02040503050406030204" pitchFamily="18" charset="0"/>
+                </a:endParaRPr>
+              </a:p>
+              <a:p>
+                <a:pPr marL="0" indent="0">
+                  <a:buNone/>
+                </a:pPr>
+                <a14:m>
+                  <m:oMathPara xmlns:m="http://schemas.openxmlformats.org/officeDocument/2006/math">
+                    <m:oMathParaPr>
+                      <m:jc m:val="centerGroup"/>
+                    </m:oMathParaPr>
+                    <m:oMath xmlns:m="http://schemas.openxmlformats.org/officeDocument/2006/math">
+                      <m:r>
+                        <a:rPr lang="en-US" i="1" dirty="0" smtClean="0">
+                          <a:latin typeface="Cambria Math" panose="02040503050406030204" pitchFamily="18" charset="0"/>
+                        </a:rPr>
+                        <m:t>  </m:t>
+                      </m:r>
+                    </m:oMath>
+                  </m:oMathPara>
+                </a14:m>
+                <a:endParaRPr lang="en-US" dirty="0"/>
+              </a:p>
+            </p:txBody>
+          </p:sp>
+        </mc:Choice>
+        <mc:Fallback xmlns="">
+          <p:sp>
+            <p:nvSpPr>
+              <p:cNvPr id="3" name="Content Placeholder 2">
+                <a:extLst>
+                  <a:ext uri="{FF2B5EF4-FFF2-40B4-BE49-F238E27FC236}">
+                    <a16:creationId xmlns:a16="http://schemas.microsoft.com/office/drawing/2014/main" id="{5DF251DC-4F64-5D48-6C5F-F604B6F609CD}"/>
+                  </a:ext>
+                </a:extLst>
+              </p:cNvPr>
+              <p:cNvSpPr>
+                <a:spLocks noGrp="1" noRot="1" noChangeAspect="1" noMove="1" noResize="1" noEditPoints="1" noAdjustHandles="1" noChangeArrowheads="1" noChangeShapeType="1" noTextEdit="1"/>
+              </p:cNvSpPr>
+              <p:nvPr>
+                <p:ph idx="1"/>
+              </p:nvPr>
+            </p:nvSpPr>
+            <p:spPr>
+              <a:xfrm>
+                <a:off x="371475" y="1325562"/>
+                <a:ext cx="11315700" cy="5318125"/>
+              </a:xfrm>
+              <a:blipFill>
+                <a:blip r:embed="rId2"/>
+                <a:stretch>
+                  <a:fillRect/>
+                </a:stretch>
+              </a:blipFill>
+            </p:spPr>
+            <p:txBody>
+              <a:bodyPr/>
+              <a:lstStyle/>
+              <a:p>
+                <a:r>
+                  <a:rPr lang="en-US">
+                    <a:noFill/>
+                  </a:rPr>
+                  <a:t> </a:t>
+                </a:r>
+              </a:p>
+            </p:txBody>
+          </p:sp>
+        </mc:Fallback>
+      </mc:AlternateContent>
+      <p:sp>
+        <p:nvSpPr>
+          <p:cNvPr id="5" name="TextBox 4">
+            <a:extLst>
+              <a:ext uri="{FF2B5EF4-FFF2-40B4-BE49-F238E27FC236}">
+                <a16:creationId xmlns:a16="http://schemas.microsoft.com/office/drawing/2014/main" id="{C9A8E3C0-1C2E-BEB4-5967-D6C085FEEED1}"/>
+              </a:ext>
+            </a:extLst>
+          </p:cNvPr>
+          <p:cNvSpPr txBox="1"/>
+          <p:nvPr/>
+        </p:nvSpPr>
+        <p:spPr>
+          <a:xfrm>
+            <a:off x="504825" y="891469"/>
+            <a:ext cx="10954078" cy="5909310"/>
+          </a:xfrm>
+          <a:prstGeom prst="rect">
+            <a:avLst/>
+          </a:prstGeom>
+          <a:noFill/>
+        </p:spPr>
+        <p:txBody>
+          <a:bodyPr wrap="square">
+            <a:spAutoFit/>
+          </a:bodyPr>
+          <a:lstStyle/>
+          <a:p>
+            <a:r>
+              <a:rPr lang="en-US" b="1" dirty="0"/>
+              <a:t>Algorithms</a:t>
+            </a:r>
+          </a:p>
+          <a:p>
+            <a:endParaRPr lang="en-US" b="1" dirty="0"/>
+          </a:p>
+          <a:p>
+            <a:pPr marL="800100" lvl="1" indent="-342900">
+              <a:buFont typeface="+mj-lt"/>
+              <a:buAutoNum type="arabicPeriod"/>
+            </a:pPr>
+            <a:r>
+              <a:rPr lang="en-US" b="1" dirty="0"/>
+              <a:t>Exact baseline</a:t>
+            </a:r>
+            <a:r>
+              <a:rPr lang="en-US" dirty="0"/>
+              <a:t>: does all LLM calls, computes exact scores and select the max</a:t>
+            </a:r>
+          </a:p>
+          <a:p>
+            <a:pPr marL="800100" lvl="1" indent="-342900">
+              <a:buFont typeface="+mj-lt"/>
+              <a:buAutoNum type="arabicPeriod"/>
+            </a:pPr>
+            <a:endParaRPr lang="en-US" dirty="0"/>
+          </a:p>
+          <a:p>
+            <a:pPr marL="800100" lvl="1" indent="-342900">
+              <a:buFont typeface="+mj-lt"/>
+              <a:buAutoNum type="arabicPeriod"/>
+            </a:pPr>
+            <a:endParaRPr lang="en-US" dirty="0"/>
+          </a:p>
+          <a:p>
+            <a:pPr marL="800100" lvl="1" indent="-342900">
+              <a:buFont typeface="+mj-lt"/>
+              <a:buAutoNum type="arabicPeriod"/>
+            </a:pPr>
+            <a:endParaRPr lang="en-US" dirty="0"/>
+          </a:p>
+          <a:p>
+            <a:pPr marL="800100" lvl="1" indent="-342900">
+              <a:buFont typeface="+mj-lt"/>
+              <a:buAutoNum type="arabicPeriod"/>
+            </a:pPr>
+            <a:r>
+              <a:rPr lang="en-US" b="1" dirty="0"/>
+              <a:t>Naïve</a:t>
+            </a:r>
+            <a:r>
+              <a:rPr lang="en-US" dirty="0"/>
+              <a:t>: does all LLM calls, uses them one by one to adjust bounds, and selects the remaining one</a:t>
+            </a:r>
+          </a:p>
+          <a:p>
+            <a:pPr marL="800100" lvl="1" indent="-342900">
+              <a:buFont typeface="+mj-lt"/>
+              <a:buAutoNum type="arabicPeriod"/>
+            </a:pPr>
+            <a:endParaRPr lang="en-US" dirty="0"/>
+          </a:p>
+          <a:p>
+            <a:pPr marL="800100" lvl="1" indent="-342900">
+              <a:buFont typeface="+mj-lt"/>
+              <a:buAutoNum type="arabicPeriod"/>
+            </a:pPr>
+            <a:endParaRPr lang="en-US" dirty="0"/>
+          </a:p>
+          <a:p>
+            <a:pPr marL="800100" lvl="1" indent="-342900">
+              <a:buFont typeface="+mj-lt"/>
+              <a:buAutoNum type="arabicPeriod"/>
+            </a:pPr>
+            <a:endParaRPr lang="en-US" dirty="0"/>
+          </a:p>
+          <a:p>
+            <a:pPr marL="800100" lvl="1" indent="-342900">
+              <a:buFont typeface="+mj-lt"/>
+              <a:buAutoNum type="arabicPeriod"/>
+            </a:pPr>
+            <a:endParaRPr lang="en-US" dirty="0"/>
+          </a:p>
+          <a:p>
+            <a:pPr marL="800100" lvl="1" indent="-342900">
+              <a:buFont typeface="+mj-lt"/>
+              <a:buAutoNum type="arabicPeriod"/>
+            </a:pPr>
+            <a:r>
+              <a:rPr lang="en-US" dirty="0"/>
+              <a:t> </a:t>
+            </a:r>
+            <a:r>
+              <a:rPr lang="en-US" b="1" dirty="0"/>
+              <a:t>Min Uncertainty</a:t>
+            </a:r>
+            <a:r>
+              <a:rPr lang="en-US" dirty="0"/>
+              <a:t>: In an iterative process, decides which LLM call to do next, updates bounds, and repeats it till the winner is clear. </a:t>
+            </a:r>
+          </a:p>
+          <a:p>
+            <a:pPr marL="800100" lvl="1" indent="-342900">
+              <a:buFont typeface="+mj-lt"/>
+              <a:buAutoNum type="arabicPeriod"/>
+            </a:pPr>
+            <a:endParaRPr lang="en-US" dirty="0"/>
+          </a:p>
+          <a:p>
+            <a:pPr marL="800100" lvl="1" indent="-342900">
+              <a:buFont typeface="+mj-lt"/>
+              <a:buAutoNum type="arabicPeriod"/>
+            </a:pPr>
+            <a:endParaRPr lang="en-US" dirty="0"/>
+          </a:p>
+          <a:p>
+            <a:pPr marL="800100" lvl="1" indent="-342900">
+              <a:buFont typeface="+mj-lt"/>
+              <a:buAutoNum type="arabicPeriod"/>
+            </a:pPr>
+            <a:endParaRPr lang="en-US" dirty="0"/>
+          </a:p>
+          <a:p>
+            <a:pPr marL="800100" lvl="1" indent="-342900">
+              <a:buFont typeface="+mj-lt"/>
+              <a:buAutoNum type="arabicPeriod"/>
+            </a:pPr>
+            <a:r>
+              <a:rPr lang="en-US" b="1" dirty="0"/>
+              <a:t>Lowest Overlap: </a:t>
+            </a:r>
+            <a:r>
+              <a:rPr lang="en-US" dirty="0"/>
+              <a:t>Choose a candidate where LB has the lowest overlap with the UB of others + largest non-overlapping area</a:t>
+            </a:r>
+          </a:p>
+          <a:p>
+            <a:pPr marL="1257300" lvl="2" indent="-342900">
+              <a:buFont typeface="Arial" panose="020B0604020202020204" pitchFamily="34" charset="0"/>
+              <a:buChar char="•"/>
+            </a:pPr>
+            <a:r>
+              <a:rPr lang="en-US" b="1" dirty="0"/>
+              <a:t>Inside a candidate, it chooses the tuple based on Min Uncertainty approach (Heuristic 1)</a:t>
+            </a:r>
+          </a:p>
+          <a:p>
+            <a:pPr marL="1257300" lvl="2" indent="-342900">
+              <a:buFont typeface="Arial" panose="020B0604020202020204" pitchFamily="34" charset="0"/>
+              <a:buChar char="•"/>
+            </a:pPr>
+            <a:endParaRPr lang="en-US" dirty="0"/>
+          </a:p>
+          <a:p>
+            <a:pPr lvl="1"/>
+            <a:endParaRPr lang="en-US" dirty="0"/>
+          </a:p>
+        </p:txBody>
+      </p:sp>
+    </p:spTree>
+    <p:extLst>
+      <p:ext uri="{BB962C8B-B14F-4D97-AF65-F5344CB8AC3E}">
+        <p14:creationId xmlns:p14="http://schemas.microsoft.com/office/powerpoint/2010/main" val="2714956371"/>
+      </p:ext>
+    </p:extLst>
+  </p:cSld>
+  <p:clrMapOvr>
+    <a:masterClrMapping/>
+  </p:clrMapOvr>
+</p:sld>
+</file>
+
+<file path=ppt/slides/slide38.xml><?xml version="1.0" encoding="utf-8"?>
+<p:sld xmlns:a="http://schemas.openxmlformats.org/drawingml/2006/main" xmlns:r="http://schemas.openxmlformats.org/officeDocument/2006/relationships" xmlns:p="http://schemas.openxmlformats.org/presentationml/2006/main">
+  <p:cSld>
+    <p:spTree>
+      <p:nvGrpSpPr>
+        <p:cNvPr id="1" name=""/>
+        <p:cNvGrpSpPr/>
+        <p:nvPr/>
+      </p:nvGrpSpPr>
+      <p:grpSpPr>
+        <a:xfrm>
+          <a:off x="0" y="0"/>
+          <a:ext cx="0" cy="0"/>
+          <a:chOff x="0" y="0"/>
+          <a:chExt cx="0" cy="0"/>
+        </a:xfrm>
+      </p:grpSpPr>
+      <p:sp>
+        <p:nvSpPr>
+          <p:cNvPr id="2" name="Title 1">
+            <a:extLst>
+              <a:ext uri="{FF2B5EF4-FFF2-40B4-BE49-F238E27FC236}">
+                <a16:creationId xmlns:a16="http://schemas.microsoft.com/office/drawing/2014/main" id="{88ABCA84-F0B3-F083-35FC-6C2D94DF3B07}"/>
+              </a:ext>
+            </a:extLst>
+          </p:cNvPr>
+          <p:cNvSpPr>
+            <a:spLocks noGrp="1"/>
+          </p:cNvSpPr>
+          <p:nvPr>
+            <p:ph type="title"/>
+          </p:nvPr>
+        </p:nvSpPr>
+        <p:spPr>
+          <a:xfrm>
+            <a:off x="771525" y="-238080"/>
+            <a:ext cx="10515600" cy="1325563"/>
+          </a:xfrm>
+        </p:spPr>
+        <p:txBody>
+          <a:bodyPr/>
+          <a:lstStyle/>
+          <a:p>
+            <a:pPr algn="ctr"/>
+            <a:r>
+              <a:rPr lang="en-US" dirty="0"/>
+              <a:t>Implementation</a:t>
+            </a:r>
+          </a:p>
+        </p:txBody>
+      </p:sp>
+      <mc:AlternateContent xmlns:mc="http://schemas.openxmlformats.org/markup-compatibility/2006" xmlns:a14="http://schemas.microsoft.com/office/drawing/2010/main">
+        <mc:Choice Requires="a14">
+          <p:sp>
+            <p:nvSpPr>
+              <p:cNvPr id="3" name="Content Placeholder 2">
+                <a:extLst>
+                  <a:ext uri="{FF2B5EF4-FFF2-40B4-BE49-F238E27FC236}">
+                    <a16:creationId xmlns:a16="http://schemas.microsoft.com/office/drawing/2014/main" id="{5DF251DC-4F64-5D48-6C5F-F604B6F609CD}"/>
+                  </a:ext>
+                </a:extLst>
+              </p:cNvPr>
+              <p:cNvSpPr>
+                <a:spLocks noGrp="1"/>
+              </p:cNvSpPr>
+              <p:nvPr>
+                <p:ph idx="1"/>
+              </p:nvPr>
+            </p:nvSpPr>
+            <p:spPr>
+              <a:xfrm>
+                <a:off x="371475" y="1325562"/>
+                <a:ext cx="11315700" cy="5318125"/>
+              </a:xfrm>
+            </p:spPr>
+            <p:txBody>
+              <a:bodyPr>
+                <a:normAutofit/>
+              </a:bodyPr>
+              <a:lstStyle/>
+              <a:p>
+                <a:pPr lvl="2"/>
+                <a:endParaRPr lang="en-US" dirty="0"/>
+              </a:p>
+              <a:p>
+                <a:pPr marL="0" indent="0">
+                  <a:buNone/>
+                </a:pPr>
+                <a:endParaRPr lang="en-US" i="1" dirty="0">
+                  <a:latin typeface="Cambria Math" panose="02040503050406030204" pitchFamily="18" charset="0"/>
+                </a:endParaRPr>
+              </a:p>
+              <a:p>
+                <a:pPr marL="0" indent="0">
+                  <a:buNone/>
+                </a:pPr>
+                <a14:m>
+                  <m:oMathPara xmlns:m="http://schemas.openxmlformats.org/officeDocument/2006/math">
+                    <m:oMathParaPr>
+                      <m:jc m:val="centerGroup"/>
+                    </m:oMathParaPr>
+                    <m:oMath xmlns:m="http://schemas.openxmlformats.org/officeDocument/2006/math">
+                      <m:r>
+                        <a:rPr lang="en-US" i="1" dirty="0" smtClean="0">
+                          <a:latin typeface="Cambria Math" panose="02040503050406030204" pitchFamily="18" charset="0"/>
+                        </a:rPr>
+                        <m:t>  </m:t>
+                      </m:r>
+                    </m:oMath>
+                  </m:oMathPara>
+                </a14:m>
+                <a:endParaRPr lang="en-US" dirty="0"/>
+              </a:p>
+            </p:txBody>
+          </p:sp>
+        </mc:Choice>
+        <mc:Fallback xmlns="">
+          <p:sp>
+            <p:nvSpPr>
+              <p:cNvPr id="3" name="Content Placeholder 2">
+                <a:extLst>
+                  <a:ext uri="{FF2B5EF4-FFF2-40B4-BE49-F238E27FC236}">
+                    <a16:creationId xmlns:a16="http://schemas.microsoft.com/office/drawing/2014/main" id="{5DF251DC-4F64-5D48-6C5F-F604B6F609CD}"/>
+                  </a:ext>
+                </a:extLst>
+              </p:cNvPr>
+              <p:cNvSpPr>
+                <a:spLocks noGrp="1" noRot="1" noChangeAspect="1" noMove="1" noResize="1" noEditPoints="1" noAdjustHandles="1" noChangeArrowheads="1" noChangeShapeType="1" noTextEdit="1"/>
+              </p:cNvSpPr>
+              <p:nvPr>
+                <p:ph idx="1"/>
+              </p:nvPr>
+            </p:nvSpPr>
+            <p:spPr>
+              <a:xfrm>
+                <a:off x="371475" y="1325562"/>
+                <a:ext cx="11315700" cy="5318125"/>
+              </a:xfrm>
+              <a:blipFill>
+                <a:blip r:embed="rId2"/>
+                <a:stretch>
+                  <a:fillRect/>
+                </a:stretch>
+              </a:blipFill>
+            </p:spPr>
+            <p:txBody>
+              <a:bodyPr/>
+              <a:lstStyle/>
+              <a:p>
+                <a:r>
+                  <a:rPr lang="en-US">
+                    <a:noFill/>
+                  </a:rPr>
+                  <a:t> </a:t>
+                </a:r>
+              </a:p>
+            </p:txBody>
+          </p:sp>
+        </mc:Fallback>
+      </mc:AlternateContent>
+      <p:sp>
+        <p:nvSpPr>
+          <p:cNvPr id="5" name="TextBox 4">
+            <a:extLst>
+              <a:ext uri="{FF2B5EF4-FFF2-40B4-BE49-F238E27FC236}">
+                <a16:creationId xmlns:a16="http://schemas.microsoft.com/office/drawing/2014/main" id="{C9A8E3C0-1C2E-BEB4-5967-D6C085FEEED1}"/>
+              </a:ext>
+            </a:extLst>
+          </p:cNvPr>
+          <p:cNvSpPr txBox="1"/>
+          <p:nvPr/>
+        </p:nvSpPr>
+        <p:spPr>
+          <a:xfrm>
+            <a:off x="504825" y="752970"/>
+            <a:ext cx="10954078" cy="6463308"/>
+          </a:xfrm>
+          <a:prstGeom prst="rect">
+            <a:avLst/>
+          </a:prstGeom>
+          <a:noFill/>
+        </p:spPr>
+        <p:txBody>
+          <a:bodyPr wrap="square">
+            <a:spAutoFit/>
+          </a:bodyPr>
+          <a:lstStyle/>
+          <a:p>
+            <a:pPr marL="1257300" lvl="2" indent="-342900">
+              <a:buFont typeface="Arial" panose="020B0604020202020204" pitchFamily="34" charset="0"/>
+              <a:buChar char="•"/>
+            </a:pPr>
+            <a:endParaRPr lang="en-US" dirty="0"/>
+          </a:p>
+          <a:p>
+            <a:r>
+              <a:rPr lang="en-US" b="1" dirty="0"/>
+              <a:t>LLM calls</a:t>
+            </a:r>
+          </a:p>
+          <a:p>
+            <a:pPr lvl="1"/>
+            <a:r>
+              <a:rPr lang="en-US" dirty="0"/>
+              <a:t>Actual calls using </a:t>
+            </a:r>
+            <a:r>
+              <a:rPr lang="en-US" dirty="0" err="1"/>
+              <a:t>Langchain</a:t>
+            </a:r>
+            <a:endParaRPr lang="en-US" dirty="0"/>
+          </a:p>
+          <a:p>
+            <a:pPr lvl="1"/>
+            <a:r>
+              <a:rPr lang="en-US" dirty="0"/>
+              <a:t>Mocked tables (test purposes)</a:t>
+            </a:r>
+          </a:p>
+          <a:p>
+            <a:endParaRPr lang="en-US" dirty="0"/>
+          </a:p>
+          <a:p>
+            <a:r>
+              <a:rPr lang="en-US" b="1" dirty="0"/>
+              <a:t>Metrics</a:t>
+            </a:r>
+          </a:p>
+          <a:p>
+            <a:pPr lvl="1"/>
+            <a:r>
+              <a:rPr lang="en-US" dirty="0"/>
+              <a:t>Time (duration)</a:t>
+            </a:r>
+          </a:p>
+          <a:p>
+            <a:pPr lvl="1"/>
+            <a:r>
+              <a:rPr lang="en-US" dirty="0"/>
+              <a:t>Cost (LLM calls)</a:t>
+            </a:r>
+          </a:p>
+          <a:p>
+            <a:pPr lvl="1"/>
+            <a:r>
+              <a:rPr lang="en-US" dirty="0"/>
+              <a:t>Quality (correct solution)</a:t>
+            </a:r>
+          </a:p>
+          <a:p>
+            <a:pPr lvl="1"/>
+            <a:r>
+              <a:rPr lang="en-US" dirty="0"/>
+              <a:t>Entropy</a:t>
+            </a:r>
+          </a:p>
+          <a:p>
+            <a:pPr lvl="1"/>
+            <a:endParaRPr lang="en-US" dirty="0"/>
+          </a:p>
+          <a:p>
+            <a:r>
+              <a:rPr lang="en-US" b="1" dirty="0"/>
+              <a:t>Dataset</a:t>
+            </a:r>
+          </a:p>
+          <a:p>
+            <a:pPr lvl="1"/>
+            <a:r>
+              <a:rPr lang="en-US" dirty="0"/>
+              <a:t>Hotel reviews (code implemented – </a:t>
+            </a:r>
+            <a:r>
+              <a:rPr lang="en-US" dirty="0">
+                <a:solidFill>
+                  <a:srgbClr val="FF0000"/>
+                </a:solidFill>
+              </a:rPr>
+              <a:t>not executed yet</a:t>
+            </a:r>
+            <a:r>
+              <a:rPr lang="en-US" dirty="0"/>
+              <a:t>)</a:t>
+            </a:r>
+          </a:p>
+          <a:p>
+            <a:pPr lvl="1"/>
+            <a:r>
+              <a:rPr lang="en-US"/>
+              <a:t>Mocked API </a:t>
+            </a:r>
+            <a:r>
+              <a:rPr lang="en-US" dirty="0"/>
+              <a:t>calls</a:t>
+            </a:r>
+          </a:p>
+          <a:p>
+            <a:pPr lvl="1"/>
+            <a:endParaRPr lang="en-US" dirty="0"/>
+          </a:p>
+          <a:p>
+            <a:pPr lvl="1"/>
+            <a:endParaRPr lang="en-US" dirty="0"/>
+          </a:p>
+          <a:p>
+            <a:pPr marL="285750" indent="-285750">
+              <a:buFont typeface="Arial" panose="020B0604020202020204" pitchFamily="34" charset="0"/>
+              <a:buChar char="•"/>
+            </a:pPr>
+            <a:r>
+              <a:rPr lang="en-US" b="1" dirty="0"/>
+              <a:t>NOTE1</a:t>
+            </a:r>
+            <a:r>
+              <a:rPr lang="en-US" dirty="0"/>
+              <a:t>: We have assumed the cores obtained by LLMS (or fake APIs) are discrete values. This helps us to be able to use the probability computation of our slides in our code. </a:t>
+            </a:r>
+          </a:p>
+          <a:p>
+            <a:pPr marL="285750" indent="-285750">
+              <a:buFont typeface="Arial" panose="020B0604020202020204" pitchFamily="34" charset="0"/>
+              <a:buChar char="•"/>
+            </a:pPr>
+            <a:endParaRPr lang="en-US" dirty="0"/>
+          </a:p>
+          <a:p>
+            <a:pPr marL="285750" indent="-285750">
+              <a:buFont typeface="Arial" panose="020B0604020202020204" pitchFamily="34" charset="0"/>
+              <a:buChar char="•"/>
+            </a:pPr>
+            <a:r>
+              <a:rPr lang="en-US" b="1" dirty="0"/>
+              <a:t>NOTE2</a:t>
+            </a:r>
+            <a:r>
+              <a:rPr lang="en-US" dirty="0"/>
+              <a:t>: The entropy (probabilities) computation is not used in any of the algorithms directly, and the entropy is just being reported. </a:t>
+            </a:r>
+            <a:r>
+              <a:rPr lang="en-US" dirty="0">
+                <a:solidFill>
+                  <a:srgbClr val="FF0000"/>
+                </a:solidFill>
+              </a:rPr>
+              <a:t>Hence, for efficiency purposes, we might want to skip it on actual datasets?</a:t>
+            </a:r>
+          </a:p>
+          <a:p>
+            <a:pPr marL="742950" lvl="1" indent="-285750">
+              <a:buFont typeface="Arial" panose="020B0604020202020204" pitchFamily="34" charset="0"/>
+              <a:buChar char="•"/>
+            </a:pPr>
+            <a:endParaRPr lang="en-US" dirty="0"/>
+          </a:p>
+          <a:p>
+            <a:pPr lvl="1"/>
+            <a:endParaRPr lang="en-US" dirty="0"/>
+          </a:p>
+        </p:txBody>
+      </p:sp>
+    </p:spTree>
+    <p:extLst>
+      <p:ext uri="{BB962C8B-B14F-4D97-AF65-F5344CB8AC3E}">
+        <p14:creationId xmlns:p14="http://schemas.microsoft.com/office/powerpoint/2010/main" val="1880038874"/>
+      </p:ext>
+    </p:extLst>
+  </p:cSld>
+  <p:clrMapOvr>
+    <a:masterClrMapping/>
+  </p:clrMapOvr>
+</p:sld>
+</file>
+
+<file path=ppt/slides/slide39.xml><?xml version="1.0" encoding="utf-8"?>
 <p:sld xmlns:a="http://schemas.openxmlformats.org/drawingml/2006/main" xmlns:r="http://schemas.openxmlformats.org/officeDocument/2006/relationships" xmlns:p="http://schemas.openxmlformats.org/presentationml/2006/main">
   <p:cSld>
     <p:spTree>
@@ -16792,8 +23156,8 @@
         </p:nvSpPr>
         <p:spPr>
           <a:xfrm>
-            <a:off x="504825" y="509617"/>
-            <a:ext cx="10954078" cy="4524315"/>
+            <a:off x="504825" y="117693"/>
+            <a:ext cx="10954078" cy="6740307"/>
           </a:xfrm>
           <a:prstGeom prst="rect">
             <a:avLst/>
@@ -16806,157 +23170,199 @@
           </a:bodyPr>
           <a:lstStyle/>
           <a:p>
-            <a:pPr marL="285750" indent="-285750">
+            <a:r>
+              <a:rPr lang="en-US" b="1" dirty="0"/>
+              <a:t>Cost</a:t>
+            </a:r>
+          </a:p>
+          <a:p>
+            <a:pPr lvl="1"/>
+            <a:r>
+              <a:rPr lang="en-US" dirty="0"/>
+              <a:t>Lowest overlap &lt; </a:t>
+            </a:r>
+            <a:r>
+              <a:rPr lang="en-US" dirty="0" err="1"/>
+              <a:t>Min_Uncertainty</a:t>
+            </a:r>
+            <a:r>
+              <a:rPr lang="en-US" dirty="0"/>
+              <a:t> &lt; Naïve = Baseline --- No. LLM Calls (n = 8, k = 3): </a:t>
+            </a:r>
+          </a:p>
+          <a:p>
+            <a:pPr lvl="1"/>
+            <a:r>
+              <a:rPr lang="en-US" dirty="0"/>
+              <a:t>10 &lt; 20 &lt; 28 &lt; 28</a:t>
+            </a:r>
+            <a:br>
+              <a:rPr lang="en-US" dirty="0"/>
+            </a:br>
+            <a:r>
+              <a:rPr lang="en-US" dirty="0"/>
+              <a:t>24 &lt; 25 &lt; 28 &lt; 28</a:t>
+            </a:r>
+          </a:p>
+          <a:p>
+            <a:pPr lvl="1"/>
+            <a:r>
+              <a:rPr lang="en-US" dirty="0"/>
+              <a:t>8 &lt; 18 &lt; 28 &lt; 28</a:t>
+            </a:r>
+          </a:p>
+          <a:p>
+            <a:endParaRPr lang="en-US" dirty="0"/>
+          </a:p>
+          <a:p>
+            <a:r>
+              <a:rPr lang="en-US" b="1" dirty="0"/>
+              <a:t>Time</a:t>
+            </a:r>
+          </a:p>
+          <a:p>
+            <a:pPr lvl="1"/>
+            <a:r>
+              <a:rPr lang="en-US" dirty="0"/>
+              <a:t>Mocked tables</a:t>
+            </a:r>
+          </a:p>
+          <a:p>
+            <a:pPr lvl="2"/>
+            <a:r>
+              <a:rPr lang="en-US" dirty="0"/>
+              <a:t>Lowest overlap &gt; Min Uncertainty &gt; Baseline &gt; Naïve</a:t>
+            </a:r>
+          </a:p>
+          <a:p>
+            <a:pPr lvl="1"/>
+            <a:r>
+              <a:rPr lang="en-US" dirty="0"/>
+              <a:t>Actual LLMs</a:t>
+            </a:r>
+          </a:p>
+          <a:p>
+            <a:pPr lvl="2"/>
+            <a:r>
+              <a:rPr lang="en-US" dirty="0"/>
+              <a:t>Min Uncertainty </a:t>
+            </a:r>
+            <a:r>
+              <a:rPr lang="en-US" dirty="0">
+                <a:solidFill>
+                  <a:srgbClr val="FF0000"/>
+                </a:solidFill>
+              </a:rPr>
+              <a:t>=</a:t>
+            </a:r>
+            <a:r>
+              <a:rPr lang="en-US" dirty="0"/>
+              <a:t> Lowest overlap &lt; Naive &lt; Baseline</a:t>
+            </a:r>
+          </a:p>
+          <a:p>
+            <a:pPr lvl="2"/>
+            <a:endParaRPr lang="en-US" dirty="0"/>
+          </a:p>
+          <a:p>
+            <a:r>
+              <a:rPr lang="en-US" b="1" dirty="0"/>
+              <a:t>Entropy</a:t>
+            </a:r>
+          </a:p>
+          <a:p>
+            <a:pPr marL="742950" lvl="1" indent="-285750">
               <a:buFont typeface="Arial" panose="020B0604020202020204" pitchFamily="34" charset="0"/>
               <a:buChar char="•"/>
             </a:pPr>
-            <a:endParaRPr lang="en-US" dirty="0"/>
-          </a:p>
-          <a:p>
-            <a:pPr marL="285750" indent="-285750">
+            <a:r>
+              <a:rPr lang="en-US" dirty="0"/>
+              <a:t>The entropy over time ends with zero for all Lowest overlap, min uncertainty, and naïve</a:t>
+            </a:r>
+          </a:p>
+          <a:p>
+            <a:pPr marL="742950" lvl="1" indent="-285750">
               <a:buFont typeface="Arial" panose="020B0604020202020204" pitchFamily="34" charset="0"/>
               <a:buChar char="•"/>
             </a:pPr>
             <a:r>
               <a:rPr lang="en-US" dirty="0"/>
-              <a:t>Next steps:</a:t>
-            </a:r>
-          </a:p>
-          <a:p>
-            <a:pPr marL="285750" indent="-285750">
-              <a:buFont typeface="Arial" panose="020B0604020202020204" pitchFamily="34" charset="0"/>
-              <a:buChar char="•"/>
-            </a:pPr>
+              <a:t>The entropy over time is not monotonic for any of them</a:t>
+            </a:r>
+          </a:p>
+          <a:p>
             <a:endParaRPr lang="en-US" dirty="0"/>
           </a:p>
           <a:p>
-            <a:pPr marL="342900" indent="-342900">
-              <a:buFont typeface="+mj-lt"/>
-              <a:buAutoNum type="arabicPeriod"/>
-            </a:pPr>
+            <a:r>
+              <a:rPr lang="en-US" b="1" dirty="0"/>
+              <a:t>Quality</a:t>
+            </a:r>
+          </a:p>
+          <a:p>
+            <a:pPr lvl="1"/>
             <a:r>
               <a:rPr lang="en-US" dirty="0"/>
-              <a:t>Probability implementation</a:t>
-            </a:r>
-          </a:p>
-          <a:p>
-            <a:pPr marL="800100" lvl="1" indent="-342900">
-              <a:buFont typeface="+mj-lt"/>
-              <a:buAutoNum type="arabicPeriod"/>
-            </a:pPr>
+              <a:t>Mocked tables</a:t>
+            </a:r>
+          </a:p>
+          <a:p>
+            <a:pPr lvl="2"/>
             <a:r>
               <a:rPr lang="en-US" dirty="0"/>
-              <a:t>Discrete with the independence assumption</a:t>
-            </a:r>
-          </a:p>
-          <a:p>
-            <a:pPr marL="800100" lvl="1" indent="-342900">
-              <a:buFont typeface="+mj-lt"/>
-              <a:buAutoNum type="arabicPeriod"/>
-            </a:pPr>
+              <a:t>Min Uncertainty = Baseline = Naïve = Lowest Overlap</a:t>
+            </a:r>
+          </a:p>
+          <a:p>
+            <a:pPr lvl="2"/>
+            <a:endParaRPr lang="en-US" dirty="0"/>
+          </a:p>
+          <a:p>
+            <a:pPr lvl="1"/>
             <a:r>
               <a:rPr lang="en-US" dirty="0"/>
-              <a:t>Generate discrete values for LLM/fake </a:t>
+              <a:t>Actual LLMs</a:t>
+            </a:r>
+          </a:p>
+          <a:p>
+            <a:pPr lvl="2"/>
+            <a:r>
+              <a:rPr lang="en-US" dirty="0"/>
+              <a:t>No guarantee, but we expect to be still equal </a:t>
+            </a:r>
+          </a:p>
+          <a:p>
+            <a:pPr lvl="2"/>
+            <a:r>
+              <a:rPr lang="en-US" b="1" dirty="0">
+                <a:solidFill>
+                  <a:srgbClr val="FF0000"/>
+                </a:solidFill>
+              </a:rPr>
+              <a:t>Second type of uncertainty</a:t>
+            </a:r>
+          </a:p>
+          <a:p>
+            <a:pPr lvl="3"/>
+            <a:r>
+              <a:rPr lang="en-US" dirty="0"/>
+              <a:t>Make use of </a:t>
             </a:r>
             <a:r>
               <a:rPr lang="en-US" dirty="0" err="1"/>
-              <a:t>apis</a:t>
-            </a:r>
-            <a:endParaRPr lang="en-US" dirty="0"/>
-          </a:p>
-          <a:p>
-            <a:pPr marL="342900" indent="-342900">
-              <a:buFont typeface="+mj-lt"/>
-              <a:buAutoNum type="arabicPeriod"/>
-            </a:pPr>
+              <a:t>Langchain</a:t>
+            </a:r>
             <a:r>
               <a:rPr lang="en-US" dirty="0"/>
-              <a:t>Actual dataset</a:t>
-            </a:r>
-          </a:p>
-          <a:p>
-            <a:pPr marL="800100" lvl="1" indent="-342900">
-              <a:buFont typeface="+mj-lt"/>
-              <a:buAutoNum type="arabicPeriod"/>
-            </a:pPr>
-            <a:r>
-              <a:rPr lang="en-US" dirty="0"/>
-              <a:t>Be able to run with hotel dataset</a:t>
-            </a:r>
-          </a:p>
-          <a:p>
-            <a:pPr marL="800100" lvl="1" indent="-342900">
-              <a:buFont typeface="+mj-lt"/>
-              <a:buAutoNum type="arabicPeriod"/>
-            </a:pPr>
-            <a:endParaRPr lang="en-US" dirty="0"/>
-          </a:p>
-          <a:p>
-            <a:pPr marL="800100" lvl="1" indent="-342900">
-              <a:buFont typeface="+mj-lt"/>
-              <a:buAutoNum type="arabicPeriod"/>
-            </a:pPr>
-            <a:endParaRPr lang="en-US" dirty="0"/>
-          </a:p>
-          <a:p>
-            <a:pPr marL="342900" indent="-342900">
-              <a:buFont typeface="+mj-lt"/>
-              <a:buAutoNum type="arabicPeriod"/>
-            </a:pPr>
-            <a:r>
-              <a:rPr lang="en-US" dirty="0"/>
-              <a:t>Implement a few ranking functions</a:t>
-            </a:r>
-          </a:p>
-          <a:p>
-            <a:r>
-              <a:rPr lang="en-US" dirty="0"/>
-              <a:t>Ranking functions:</a:t>
-            </a:r>
-          </a:p>
-          <a:p>
-            <a:pPr marL="285750" indent="-285750">
-              <a:buFont typeface="Arial" panose="020B0604020202020204" pitchFamily="34" charset="0"/>
-              <a:buChar char="•"/>
-            </a:pPr>
-            <a:r>
-              <a:rPr lang="en-US" dirty="0"/>
-              <a:t>MMR</a:t>
-            </a:r>
-          </a:p>
-          <a:p>
-            <a:pPr marL="285750" indent="-285750">
-              <a:buFont typeface="Arial" panose="020B0604020202020204" pitchFamily="34" charset="0"/>
-              <a:buChar char="•"/>
-            </a:pPr>
-            <a:r>
-              <a:rPr lang="en-US" dirty="0"/>
-              <a:t>GMM</a:t>
-            </a:r>
-            <a:br>
-              <a:rPr lang="en-US" dirty="0"/>
-            </a:br>
-            <a:r>
-              <a:rPr lang="en-US" dirty="0">
-                <a:hlinkClick r:id="rId3"/>
-              </a:rPr>
-              <a:t>https://link.springer.com/article/10.1007/s00778-022-00770-0</a:t>
-            </a:r>
-            <a:endParaRPr lang="en-US" dirty="0"/>
-          </a:p>
-          <a:p>
-            <a:pPr marL="342900" indent="-342900">
-              <a:buFont typeface="+mj-lt"/>
-              <a:buAutoNum type="arabicPeriod"/>
-            </a:pPr>
-            <a:endParaRPr lang="en-US" dirty="0"/>
+              <a:t> to reduce that</a:t>
+            </a:r>
           </a:p>
         </p:txBody>
       </p:sp>
     </p:spTree>
     <p:extLst>
       <p:ext uri="{BB962C8B-B14F-4D97-AF65-F5344CB8AC3E}">
-        <p14:creationId xmlns:p14="http://schemas.microsoft.com/office/powerpoint/2010/main" val="530679093"/>
+        <p14:creationId xmlns:p14="http://schemas.microsoft.com/office/powerpoint/2010/main" val="2228420391"/>
       </p:ext>
     </p:extLst>
   </p:cSld>
@@ -17108,6 +23514,315 @@
     <p:extLst>
       <p:ext uri="{BB962C8B-B14F-4D97-AF65-F5344CB8AC3E}">
         <p14:creationId xmlns:p14="http://schemas.microsoft.com/office/powerpoint/2010/main" val="3215356637"/>
+      </p:ext>
+    </p:extLst>
+  </p:cSld>
+  <p:clrMapOvr>
+    <a:masterClrMapping/>
+  </p:clrMapOvr>
+</p:sld>
+</file>
+
+<file path=ppt/slides/slide40.xml><?xml version="1.0" encoding="utf-8"?>
+<p:sld xmlns:a="http://schemas.openxmlformats.org/drawingml/2006/main" xmlns:r="http://schemas.openxmlformats.org/officeDocument/2006/relationships" xmlns:p="http://schemas.openxmlformats.org/presentationml/2006/main" show="0">
+  <p:cSld>
+    <p:spTree>
+      <p:nvGrpSpPr>
+        <p:cNvPr id="1" name=""/>
+        <p:cNvGrpSpPr/>
+        <p:nvPr/>
+      </p:nvGrpSpPr>
+      <p:grpSpPr>
+        <a:xfrm>
+          <a:off x="0" y="0"/>
+          <a:ext cx="0" cy="0"/>
+          <a:chOff x="0" y="0"/>
+          <a:chExt cx="0" cy="0"/>
+        </a:xfrm>
+      </p:grpSpPr>
+      <mc:AlternateContent xmlns:mc="http://schemas.openxmlformats.org/markup-compatibility/2006" xmlns:a14="http://schemas.microsoft.com/office/drawing/2010/main">
+        <mc:Choice Requires="a14">
+          <p:sp>
+            <p:nvSpPr>
+              <p:cNvPr id="3" name="Content Placeholder 2">
+                <a:extLst>
+                  <a:ext uri="{FF2B5EF4-FFF2-40B4-BE49-F238E27FC236}">
+                    <a16:creationId xmlns:a16="http://schemas.microsoft.com/office/drawing/2014/main" id="{5DF251DC-4F64-5D48-6C5F-F604B6F609CD}"/>
+                  </a:ext>
+                </a:extLst>
+              </p:cNvPr>
+              <p:cNvSpPr>
+                <a:spLocks noGrp="1"/>
+              </p:cNvSpPr>
+              <p:nvPr>
+                <p:ph idx="1"/>
+              </p:nvPr>
+            </p:nvSpPr>
+            <p:spPr>
+              <a:xfrm>
+                <a:off x="371475" y="1325562"/>
+                <a:ext cx="11315700" cy="5318125"/>
+              </a:xfrm>
+            </p:spPr>
+            <p:txBody>
+              <a:bodyPr>
+                <a:normAutofit/>
+              </a:bodyPr>
+              <a:lstStyle/>
+              <a:p>
+                <a:pPr lvl="2"/>
+                <a:endParaRPr lang="en-US" dirty="0"/>
+              </a:p>
+              <a:p>
+                <a:pPr marL="0" indent="0">
+                  <a:buNone/>
+                </a:pPr>
+                <a:endParaRPr lang="en-US" i="1" dirty="0">
+                  <a:latin typeface="Cambria Math" panose="02040503050406030204" pitchFamily="18" charset="0"/>
+                </a:endParaRPr>
+              </a:p>
+              <a:p>
+                <a:pPr marL="0" indent="0">
+                  <a:buNone/>
+                </a:pPr>
+                <a14:m>
+                  <m:oMathPara xmlns:m="http://schemas.openxmlformats.org/officeDocument/2006/math">
+                    <m:oMathParaPr>
+                      <m:jc m:val="centerGroup"/>
+                    </m:oMathParaPr>
+                    <m:oMath xmlns:m="http://schemas.openxmlformats.org/officeDocument/2006/math">
+                      <m:r>
+                        <a:rPr lang="en-US" i="1" dirty="0" smtClean="0">
+                          <a:latin typeface="Cambria Math" panose="02040503050406030204" pitchFamily="18" charset="0"/>
+                        </a:rPr>
+                        <m:t>  </m:t>
+                      </m:r>
+                    </m:oMath>
+                  </m:oMathPara>
+                </a14:m>
+                <a:endParaRPr lang="en-US" dirty="0"/>
+              </a:p>
+            </p:txBody>
+          </p:sp>
+        </mc:Choice>
+        <mc:Fallback xmlns="">
+          <p:sp>
+            <p:nvSpPr>
+              <p:cNvPr id="3" name="Content Placeholder 2">
+                <a:extLst>
+                  <a:ext uri="{FF2B5EF4-FFF2-40B4-BE49-F238E27FC236}">
+                    <a16:creationId xmlns:a16="http://schemas.microsoft.com/office/drawing/2014/main" id="{5DF251DC-4F64-5D48-6C5F-F604B6F609CD}"/>
+                  </a:ext>
+                </a:extLst>
+              </p:cNvPr>
+              <p:cNvSpPr>
+                <a:spLocks noGrp="1" noRot="1" noChangeAspect="1" noMove="1" noResize="1" noEditPoints="1" noAdjustHandles="1" noChangeArrowheads="1" noChangeShapeType="1" noTextEdit="1"/>
+              </p:cNvSpPr>
+              <p:nvPr>
+                <p:ph idx="1"/>
+              </p:nvPr>
+            </p:nvSpPr>
+            <p:spPr>
+              <a:xfrm>
+                <a:off x="371475" y="1325562"/>
+                <a:ext cx="11315700" cy="5318125"/>
+              </a:xfrm>
+              <a:blipFill>
+                <a:blip r:embed="rId2"/>
+                <a:stretch>
+                  <a:fillRect/>
+                </a:stretch>
+              </a:blipFill>
+            </p:spPr>
+            <p:txBody>
+              <a:bodyPr/>
+              <a:lstStyle/>
+              <a:p>
+                <a:r>
+                  <a:rPr lang="en-US">
+                    <a:noFill/>
+                  </a:rPr>
+                  <a:t> </a:t>
+                </a:r>
+              </a:p>
+            </p:txBody>
+          </p:sp>
+        </mc:Fallback>
+      </mc:AlternateContent>
+      <p:sp>
+        <p:nvSpPr>
+          <p:cNvPr id="5" name="TextBox 4">
+            <a:extLst>
+              <a:ext uri="{FF2B5EF4-FFF2-40B4-BE49-F238E27FC236}">
+                <a16:creationId xmlns:a16="http://schemas.microsoft.com/office/drawing/2014/main" id="{C9A8E3C0-1C2E-BEB4-5967-D6C085FEEED1}"/>
+              </a:ext>
+            </a:extLst>
+          </p:cNvPr>
+          <p:cNvSpPr txBox="1"/>
+          <p:nvPr/>
+        </p:nvSpPr>
+        <p:spPr>
+          <a:xfrm>
+            <a:off x="504825" y="509617"/>
+            <a:ext cx="10954078" cy="4524315"/>
+          </a:xfrm>
+          <a:prstGeom prst="rect">
+            <a:avLst/>
+          </a:prstGeom>
+          <a:noFill/>
+        </p:spPr>
+        <p:txBody>
+          <a:bodyPr wrap="square">
+            <a:spAutoFit/>
+          </a:bodyPr>
+          <a:lstStyle/>
+          <a:p>
+            <a:pPr marL="285750" indent="-285750">
+              <a:buFont typeface="Arial" panose="020B0604020202020204" pitchFamily="34" charset="0"/>
+              <a:buChar char="•"/>
+            </a:pPr>
+            <a:endParaRPr lang="en-US" dirty="0"/>
+          </a:p>
+          <a:p>
+            <a:pPr marL="285750" indent="-285750">
+              <a:buFont typeface="Arial" panose="020B0604020202020204" pitchFamily="34" charset="0"/>
+              <a:buChar char="•"/>
+            </a:pPr>
+            <a:r>
+              <a:rPr lang="en-US" dirty="0"/>
+              <a:t>Next steps:</a:t>
+            </a:r>
+          </a:p>
+          <a:p>
+            <a:pPr marL="285750" indent="-285750">
+              <a:buFont typeface="Arial" panose="020B0604020202020204" pitchFamily="34" charset="0"/>
+              <a:buChar char="•"/>
+            </a:pPr>
+            <a:endParaRPr lang="en-US" dirty="0"/>
+          </a:p>
+          <a:p>
+            <a:pPr marL="342900" indent="-342900">
+              <a:buFont typeface="+mj-lt"/>
+              <a:buAutoNum type="arabicPeriod"/>
+            </a:pPr>
+            <a:r>
+              <a:rPr lang="en-US" dirty="0"/>
+              <a:t>Probability implementation</a:t>
+            </a:r>
+          </a:p>
+          <a:p>
+            <a:pPr marL="800100" lvl="1" indent="-342900">
+              <a:buFont typeface="+mj-lt"/>
+              <a:buAutoNum type="arabicPeriod"/>
+            </a:pPr>
+            <a:r>
+              <a:rPr lang="en-US" dirty="0"/>
+              <a:t>Discrete with the independence assumption</a:t>
+            </a:r>
+          </a:p>
+          <a:p>
+            <a:pPr marL="800100" lvl="1" indent="-342900">
+              <a:buFont typeface="+mj-lt"/>
+              <a:buAutoNum type="arabicPeriod"/>
+            </a:pPr>
+            <a:r>
+              <a:rPr lang="en-US" dirty="0"/>
+              <a:t>Generate discrete values for LLM/fake APIs</a:t>
+            </a:r>
+          </a:p>
+          <a:p>
+            <a:pPr marL="342900" indent="-342900">
+              <a:buFont typeface="+mj-lt"/>
+              <a:buAutoNum type="arabicPeriod"/>
+            </a:pPr>
+            <a:r>
+              <a:rPr lang="en-US" dirty="0"/>
+              <a:t>Actual dataset</a:t>
+            </a:r>
+          </a:p>
+          <a:p>
+            <a:pPr marL="800100" lvl="1" indent="-342900">
+              <a:buFont typeface="+mj-lt"/>
+              <a:buAutoNum type="arabicPeriod"/>
+            </a:pPr>
+            <a:r>
+              <a:rPr lang="en-US" dirty="0"/>
+              <a:t>Be able to run with hotel dataset</a:t>
+            </a:r>
+          </a:p>
+          <a:p>
+            <a:pPr marL="800100" lvl="1" indent="-342900">
+              <a:buFont typeface="+mj-lt"/>
+              <a:buAutoNum type="arabicPeriod"/>
+            </a:pPr>
+            <a:endParaRPr lang="en-US" dirty="0"/>
+          </a:p>
+          <a:p>
+            <a:pPr marL="800100" lvl="1" indent="-342900">
+              <a:buFont typeface="+mj-lt"/>
+              <a:buAutoNum type="arabicPeriod"/>
+            </a:pPr>
+            <a:endParaRPr lang="en-US" dirty="0"/>
+          </a:p>
+          <a:p>
+            <a:pPr marL="342900" indent="-342900">
+              <a:buFont typeface="+mj-lt"/>
+              <a:buAutoNum type="arabicPeriod"/>
+            </a:pPr>
+            <a:r>
+              <a:rPr lang="en-US" dirty="0"/>
+              <a:t>Implement a few ranking functions</a:t>
+            </a:r>
+          </a:p>
+          <a:p>
+            <a:r>
+              <a:rPr lang="en-US" dirty="0"/>
+              <a:t>Ranking functions:</a:t>
+            </a:r>
+          </a:p>
+          <a:p>
+            <a:pPr marL="285750" indent="-285750">
+              <a:buFont typeface="Arial" panose="020B0604020202020204" pitchFamily="34" charset="0"/>
+              <a:buChar char="•"/>
+            </a:pPr>
+            <a:r>
+              <a:rPr lang="en-US" dirty="0"/>
+              <a:t>MMR</a:t>
+            </a:r>
+          </a:p>
+          <a:p>
+            <a:pPr marL="285750" indent="-285750">
+              <a:buFont typeface="Arial" panose="020B0604020202020204" pitchFamily="34" charset="0"/>
+              <a:buChar char="•"/>
+            </a:pPr>
+            <a:r>
+              <a:rPr lang="en-US" dirty="0"/>
+              <a:t>GMM</a:t>
+            </a:r>
+            <a:br>
+              <a:rPr lang="en-US" dirty="0"/>
+            </a:br>
+            <a:r>
+              <a:rPr lang="en-US" dirty="0">
+                <a:hlinkClick r:id="rId3"/>
+              </a:rPr>
+              <a:t>https://link.springer.com/article/10.1007/s00778-022-00770-0</a:t>
+            </a:r>
+            <a:endParaRPr lang="en-US" dirty="0"/>
+          </a:p>
+          <a:p>
+            <a:pPr marL="342900" indent="-342900">
+              <a:buFont typeface="+mj-lt"/>
+              <a:buAutoNum type="arabicPeriod"/>
+            </a:pPr>
+            <a:endParaRPr lang="en-US" dirty="0"/>
+          </a:p>
+        </p:txBody>
+      </p:sp>
+    </p:spTree>
+    <p:extLst>
+      <p:ext uri="{BB962C8B-B14F-4D97-AF65-F5344CB8AC3E}">
+        <p14:creationId xmlns:p14="http://schemas.microsoft.com/office/powerpoint/2010/main" val="3197687410"/>
       </p:ext>
     </p:extLst>
   </p:cSld>

--- a/rankingwithLLM.pptx
+++ b/rankingwithLLM.pptx
@@ -5,7 +5,7 @@
     <p:sldMasterId id="2147483648" r:id="rId1"/>
   </p:sldMasterIdLst>
   <p:notesMasterIdLst>
-    <p:notesMasterId r:id="rId42"/>
+    <p:notesMasterId r:id="rId44"/>
   </p:notesMasterIdLst>
   <p:sldIdLst>
     <p:sldId id="256" r:id="rId2"/>
@@ -45,9 +45,11 @@
     <p:sldId id="292" r:id="rId36"/>
     <p:sldId id="296" r:id="rId37"/>
     <p:sldId id="293" r:id="rId38"/>
-    <p:sldId id="294" r:id="rId39"/>
-    <p:sldId id="295" r:id="rId40"/>
-    <p:sldId id="297" r:id="rId41"/>
+    <p:sldId id="298" r:id="rId39"/>
+    <p:sldId id="300" r:id="rId40"/>
+    <p:sldId id="294" r:id="rId41"/>
+    <p:sldId id="295" r:id="rId42"/>
+    <p:sldId id="297" r:id="rId43"/>
   </p:sldIdLst>
   <p:sldSz cx="12192000" cy="6858000"/>
   <p:notesSz cx="6858000" cy="9144000"/>
@@ -17973,8 +17975,8 @@
         </p:blipFill>
         <p:spPr>
           <a:xfrm>
-            <a:off x="3622347" y="1325561"/>
-            <a:ext cx="4737100" cy="903287"/>
+            <a:off x="3622347" y="1042989"/>
+            <a:ext cx="4737100" cy="1185860"/>
           </a:xfrm>
           <a:prstGeom prst="rect">
             <a:avLst/>
@@ -22327,7 +22329,7 @@
             <a:pPr algn="ctr"/>
             <a:r>
               <a:rPr lang="en-US" dirty="0"/>
-              <a:t>Implementation</a:t>
+              <a:t>Algorithms</a:t>
             </a:r>
           </a:p>
         </p:txBody>
@@ -22441,195 +22443,1022 @@
           </p:sp>
         </mc:Fallback>
       </mc:AlternateContent>
-      <p:sp>
-        <p:nvSpPr>
-          <p:cNvPr id="5" name="TextBox 4">
-            <a:extLst>
-              <a:ext uri="{FF2B5EF4-FFF2-40B4-BE49-F238E27FC236}">
-                <a16:creationId xmlns:a16="http://schemas.microsoft.com/office/drawing/2014/main" id="{C9A8E3C0-1C2E-BEB4-5967-D6C085FEEED1}"/>
-              </a:ext>
-            </a:extLst>
-          </p:cNvPr>
-          <p:cNvSpPr txBox="1"/>
-          <p:nvPr/>
-        </p:nvSpPr>
-        <p:spPr>
-          <a:xfrm>
-            <a:off x="504825" y="891469"/>
-            <a:ext cx="10954078" cy="5909310"/>
-          </a:xfrm>
-          <a:prstGeom prst="rect">
-            <a:avLst/>
-          </a:prstGeom>
-          <a:noFill/>
-        </p:spPr>
-        <p:txBody>
-          <a:bodyPr wrap="square">
-            <a:spAutoFit/>
-          </a:bodyPr>
-          <a:lstStyle/>
-          <a:p>
-            <a:r>
-              <a:rPr lang="en-US" b="1" dirty="0"/>
-              <a:t>Algorithms</a:t>
-            </a:r>
-          </a:p>
-          <a:p>
-            <a:endParaRPr lang="en-US" b="1" dirty="0"/>
-          </a:p>
-          <a:p>
-            <a:pPr marL="800100" lvl="1" indent="-342900">
-              <a:buFont typeface="+mj-lt"/>
-              <a:buAutoNum type="arabicPeriod"/>
-            </a:pPr>
-            <a:r>
-              <a:rPr lang="en-US" b="1" dirty="0"/>
-              <a:t>Exact baseline</a:t>
-            </a:r>
-            <a:r>
-              <a:rPr lang="en-US" dirty="0"/>
-              <a:t>: does all LLM calls, computes exact scores and select the max</a:t>
-            </a:r>
-          </a:p>
-          <a:p>
-            <a:pPr marL="800100" lvl="1" indent="-342900">
-              <a:buFont typeface="+mj-lt"/>
-              <a:buAutoNum type="arabicPeriod"/>
-            </a:pPr>
-            <a:endParaRPr lang="en-US" dirty="0"/>
-          </a:p>
-          <a:p>
-            <a:pPr marL="800100" lvl="1" indent="-342900">
-              <a:buFont typeface="+mj-lt"/>
-              <a:buAutoNum type="arabicPeriod"/>
-            </a:pPr>
-            <a:endParaRPr lang="en-US" dirty="0"/>
-          </a:p>
-          <a:p>
-            <a:pPr marL="800100" lvl="1" indent="-342900">
-              <a:buFont typeface="+mj-lt"/>
-              <a:buAutoNum type="arabicPeriod"/>
-            </a:pPr>
-            <a:endParaRPr lang="en-US" dirty="0"/>
-          </a:p>
-          <a:p>
-            <a:pPr marL="800100" lvl="1" indent="-342900">
-              <a:buFont typeface="+mj-lt"/>
-              <a:buAutoNum type="arabicPeriod"/>
-            </a:pPr>
-            <a:r>
-              <a:rPr lang="en-US" b="1" dirty="0"/>
-              <a:t>Naïve</a:t>
-            </a:r>
-            <a:r>
-              <a:rPr lang="en-US" dirty="0"/>
-              <a:t>: does all LLM calls, uses them one by one to adjust bounds, and selects the remaining one</a:t>
-            </a:r>
-          </a:p>
-          <a:p>
-            <a:pPr marL="800100" lvl="1" indent="-342900">
-              <a:buFont typeface="+mj-lt"/>
-              <a:buAutoNum type="arabicPeriod"/>
-            </a:pPr>
-            <a:endParaRPr lang="en-US" dirty="0"/>
-          </a:p>
-          <a:p>
-            <a:pPr marL="800100" lvl="1" indent="-342900">
-              <a:buFont typeface="+mj-lt"/>
-              <a:buAutoNum type="arabicPeriod"/>
-            </a:pPr>
-            <a:endParaRPr lang="en-US" dirty="0"/>
-          </a:p>
-          <a:p>
-            <a:pPr marL="800100" lvl="1" indent="-342900">
-              <a:buFont typeface="+mj-lt"/>
-              <a:buAutoNum type="arabicPeriod"/>
-            </a:pPr>
-            <a:endParaRPr lang="en-US" dirty="0"/>
-          </a:p>
-          <a:p>
-            <a:pPr marL="800100" lvl="1" indent="-342900">
-              <a:buFont typeface="+mj-lt"/>
-              <a:buAutoNum type="arabicPeriod"/>
-            </a:pPr>
-            <a:endParaRPr lang="en-US" dirty="0"/>
-          </a:p>
-          <a:p>
-            <a:pPr marL="800100" lvl="1" indent="-342900">
-              <a:buFont typeface="+mj-lt"/>
-              <a:buAutoNum type="arabicPeriod"/>
-            </a:pPr>
-            <a:r>
-              <a:rPr lang="en-US" dirty="0"/>
-              <a:t> </a:t>
-            </a:r>
-            <a:r>
-              <a:rPr lang="en-US" b="1" dirty="0"/>
-              <a:t>Min Uncertainty</a:t>
-            </a:r>
-            <a:r>
-              <a:rPr lang="en-US" dirty="0"/>
-              <a:t>: In an iterative process, decides which LLM call to do next, updates bounds, and repeats it till the winner is clear. </a:t>
-            </a:r>
-          </a:p>
-          <a:p>
-            <a:pPr marL="800100" lvl="1" indent="-342900">
-              <a:buFont typeface="+mj-lt"/>
-              <a:buAutoNum type="arabicPeriod"/>
-            </a:pPr>
-            <a:endParaRPr lang="en-US" dirty="0"/>
-          </a:p>
-          <a:p>
-            <a:pPr marL="800100" lvl="1" indent="-342900">
-              <a:buFont typeface="+mj-lt"/>
-              <a:buAutoNum type="arabicPeriod"/>
-            </a:pPr>
-            <a:endParaRPr lang="en-US" dirty="0"/>
-          </a:p>
-          <a:p>
-            <a:pPr marL="800100" lvl="1" indent="-342900">
-              <a:buFont typeface="+mj-lt"/>
-              <a:buAutoNum type="arabicPeriod"/>
-            </a:pPr>
-            <a:endParaRPr lang="en-US" dirty="0"/>
-          </a:p>
-          <a:p>
-            <a:pPr marL="800100" lvl="1" indent="-342900">
-              <a:buFont typeface="+mj-lt"/>
-              <a:buAutoNum type="arabicPeriod"/>
-            </a:pPr>
-            <a:r>
-              <a:rPr lang="en-US" b="1" dirty="0"/>
-              <a:t>Lowest Overlap: </a:t>
-            </a:r>
-            <a:r>
-              <a:rPr lang="en-US" dirty="0"/>
-              <a:t>Choose a candidate where LB has the lowest overlap with the UB of others + largest non-overlapping area</a:t>
-            </a:r>
-          </a:p>
-          <a:p>
-            <a:pPr marL="1257300" lvl="2" indent="-342900">
-              <a:buFont typeface="Arial" panose="020B0604020202020204" pitchFamily="34" charset="0"/>
-              <a:buChar char="•"/>
-            </a:pPr>
-            <a:r>
-              <a:rPr lang="en-US" b="1" dirty="0"/>
-              <a:t>Inside a candidate, it chooses the tuple based on Min Uncertainty approach (Heuristic 1)</a:t>
-            </a:r>
-          </a:p>
-          <a:p>
-            <a:pPr marL="1257300" lvl="2" indent="-342900">
-              <a:buFont typeface="Arial" panose="020B0604020202020204" pitchFamily="34" charset="0"/>
-              <a:buChar char="•"/>
-            </a:pPr>
-            <a:endParaRPr lang="en-US" dirty="0"/>
-          </a:p>
-          <a:p>
-            <a:pPr lvl="1"/>
-            <a:endParaRPr lang="en-US" dirty="0"/>
-          </a:p>
-        </p:txBody>
-      </p:sp>
+      <mc:AlternateContent xmlns:mc="http://schemas.openxmlformats.org/markup-compatibility/2006">
+        <mc:Choice xmlns:a14="http://schemas.microsoft.com/office/drawing/2010/main" Requires="a14">
+          <p:sp>
+            <p:nvSpPr>
+              <p:cNvPr id="5" name="TextBox 4">
+                <a:extLst>
+                  <a:ext uri="{FF2B5EF4-FFF2-40B4-BE49-F238E27FC236}">
+                    <a16:creationId xmlns:a16="http://schemas.microsoft.com/office/drawing/2014/main" id="{C9A8E3C0-1C2E-BEB4-5967-D6C085FEEED1}"/>
+                  </a:ext>
+                </a:extLst>
+              </p:cNvPr>
+              <p:cNvSpPr txBox="1"/>
+              <p:nvPr/>
+            </p:nvSpPr>
+            <p:spPr>
+              <a:xfrm>
+                <a:off x="504825" y="891469"/>
+                <a:ext cx="10954078" cy="6740307"/>
+              </a:xfrm>
+              <a:prstGeom prst="rect">
+                <a:avLst/>
+              </a:prstGeom>
+              <a:noFill/>
+            </p:spPr>
+            <p:txBody>
+              <a:bodyPr wrap="square">
+                <a:spAutoFit/>
+              </a:bodyPr>
+              <a:lstStyle/>
+              <a:p>
+                <a:r>
+                  <a:rPr lang="en-US" b="1" dirty="0"/>
+                  <a:t>           </a:t>
+                </a:r>
+                <a:r>
+                  <a:rPr lang="en-US" dirty="0"/>
+                  <a:t>T = set of all possible questions = set of all cells in all tables (R and D)</a:t>
+                </a:r>
+              </a:p>
+              <a:p>
+                <a:pPr marL="800100" lvl="1" indent="-342900">
+                  <a:buFont typeface="+mj-lt"/>
+                  <a:buAutoNum type="arabicPeriod"/>
+                </a:pPr>
+                <a:endParaRPr lang="en-US" b="1" dirty="0"/>
+              </a:p>
+              <a:p>
+                <a:pPr marL="800100" lvl="1" indent="-342900">
+                  <a:buFont typeface="+mj-lt"/>
+                  <a:buAutoNum type="arabicPeriod"/>
+                </a:pPr>
+                <a:r>
+                  <a:rPr lang="en-US" b="1" dirty="0"/>
+                  <a:t>Exact baseline</a:t>
+                </a:r>
+                <a:r>
+                  <a:rPr lang="en-US" dirty="0"/>
+                  <a:t>: does all LLM calls, computes exact scores and select the max</a:t>
+                </a:r>
+                <a:endParaRPr lang="en-US" b="0" i="1" dirty="0">
+                  <a:latin typeface="Cambria Math" panose="02040503050406030204" pitchFamily="18" charset="0"/>
+                  <a:ea typeface="Cambria Math" panose="02040503050406030204" pitchFamily="18" charset="0"/>
+                </a:endParaRPr>
+              </a:p>
+              <a:p>
+                <a:pPr lvl="3"/>
+                <a14:m>
+                  <m:oMath xmlns:m="http://schemas.openxmlformats.org/officeDocument/2006/math">
+                    <m:r>
+                      <a:rPr lang="en-US" b="0" i="1" smtClean="0">
+                        <a:latin typeface="Cambria Math" panose="02040503050406030204" pitchFamily="18" charset="0"/>
+                        <a:ea typeface="Cambria Math" panose="02040503050406030204" pitchFamily="18" charset="0"/>
+                      </a:rPr>
+                      <m:t>∀</m:t>
+                    </m:r>
+                    <m:r>
+                      <a:rPr lang="en-US" b="0" i="1" smtClean="0">
+                        <a:latin typeface="Cambria Math" panose="02040503050406030204" pitchFamily="18" charset="0"/>
+                        <a:ea typeface="Cambria Math" panose="02040503050406030204" pitchFamily="18" charset="0"/>
+                      </a:rPr>
+                      <m:t>𝑄</m:t>
+                    </m:r>
+                    <m:r>
+                      <a:rPr lang="en-US" b="0" i="1" smtClean="0">
+                        <a:latin typeface="Cambria Math" panose="02040503050406030204" pitchFamily="18" charset="0"/>
+                        <a:ea typeface="Cambria Math" panose="02040503050406030204" pitchFamily="18" charset="0"/>
+                      </a:rPr>
+                      <m:t>∈</m:t>
+                    </m:r>
+                    <m:r>
+                      <a:rPr lang="en-US" b="0" i="1" smtClean="0">
+                        <a:latin typeface="Cambria Math" panose="02040503050406030204" pitchFamily="18" charset="0"/>
+                        <a:ea typeface="Cambria Math" panose="02040503050406030204" pitchFamily="18" charset="0"/>
+                      </a:rPr>
+                      <m:t>𝑇</m:t>
+                    </m:r>
+                  </m:oMath>
+                </a14:m>
+                <a:r>
+                  <a:rPr lang="en-US" dirty="0"/>
+                  <a:t>=&gt; LLM(Q)</a:t>
+                </a:r>
+              </a:p>
+              <a:p>
+                <a:pPr lvl="3"/>
+                <a14:m>
+                  <m:oMath xmlns:m="http://schemas.openxmlformats.org/officeDocument/2006/math">
+                    <m:r>
+                      <a:rPr lang="en-US" b="0" i="1" smtClean="0">
+                        <a:latin typeface="Cambria Math" panose="02040503050406030204" pitchFamily="18" charset="0"/>
+                        <a:ea typeface="Cambria Math" panose="02040503050406030204" pitchFamily="18" charset="0"/>
+                      </a:rPr>
+                      <m:t> </m:t>
+                    </m:r>
+                    <m:r>
+                      <a:rPr lang="en-US" b="0" i="1" smtClean="0">
+                        <a:latin typeface="Cambria Math" panose="02040503050406030204" pitchFamily="18" charset="0"/>
+                        <a:ea typeface="Cambria Math" panose="02040503050406030204" pitchFamily="18" charset="0"/>
+                      </a:rPr>
+                      <m:t>𝑤𝑖𝑛𝑛𝑒𝑟</m:t>
+                    </m:r>
+                    <m:r>
+                      <a:rPr lang="en-US" b="0" i="1" smtClean="0">
+                        <a:latin typeface="Cambria Math" panose="02040503050406030204" pitchFamily="18" charset="0"/>
+                        <a:ea typeface="Cambria Math" panose="02040503050406030204" pitchFamily="18" charset="0"/>
+                      </a:rPr>
+                      <m:t> = </m:t>
+                    </m:r>
+                    <m:r>
+                      <a:rPr lang="en-US" b="0" i="1" smtClean="0">
+                        <a:latin typeface="Cambria Math" panose="02040503050406030204" pitchFamily="18" charset="0"/>
+                        <a:ea typeface="Cambria Math" panose="02040503050406030204" pitchFamily="18" charset="0"/>
+                      </a:rPr>
+                      <m:t>𝑎𝑟𝑔𝑚𝑎𝑥𝑐</m:t>
+                    </m:r>
+                  </m:oMath>
+                </a14:m>
+                <a:r>
+                  <a:rPr lang="en-US" dirty="0"/>
+                  <a:t> </a:t>
+                </a:r>
+                <a14:m>
+                  <m:oMath xmlns:m="http://schemas.openxmlformats.org/officeDocument/2006/math">
+                    <m:r>
+                      <a:rPr lang="en-US" b="0" i="1" smtClean="0">
+                        <a:latin typeface="Cambria Math" panose="02040503050406030204" pitchFamily="18" charset="0"/>
+                        <a:ea typeface="Cambria Math" panose="02040503050406030204" pitchFamily="18" charset="0"/>
+                      </a:rPr>
+                      <m:t>𝐶𝑜𝑚𝑝𝑢𝑡𝑒</m:t>
+                    </m:r>
+                    <m:r>
+                      <a:rPr lang="en-US" b="0" i="1" smtClean="0">
+                        <a:latin typeface="Cambria Math" panose="02040503050406030204" pitchFamily="18" charset="0"/>
+                        <a:ea typeface="Cambria Math" panose="02040503050406030204" pitchFamily="18" charset="0"/>
+                      </a:rPr>
+                      <m:t>_</m:t>
+                    </m:r>
+                    <m:r>
+                      <a:rPr lang="en-US" b="0" i="1" smtClean="0">
+                        <a:latin typeface="Cambria Math" panose="02040503050406030204" pitchFamily="18" charset="0"/>
+                        <a:ea typeface="Cambria Math" panose="02040503050406030204" pitchFamily="18" charset="0"/>
+                      </a:rPr>
+                      <m:t>𝑒𝑥𝑎𝑐𝑡</m:t>
+                    </m:r>
+                    <m:r>
+                      <a:rPr lang="en-US" b="0" i="1" smtClean="0">
+                        <a:latin typeface="Cambria Math" panose="02040503050406030204" pitchFamily="18" charset="0"/>
+                        <a:ea typeface="Cambria Math" panose="02040503050406030204" pitchFamily="18" charset="0"/>
+                      </a:rPr>
+                      <m:t>_</m:t>
+                    </m:r>
+                    <m:r>
+                      <a:rPr lang="en-US" b="0" i="1" smtClean="0">
+                        <a:latin typeface="Cambria Math" panose="02040503050406030204" pitchFamily="18" charset="0"/>
+                        <a:ea typeface="Cambria Math" panose="02040503050406030204" pitchFamily="18" charset="0"/>
+                      </a:rPr>
+                      <m:t>𝑠𝑐𝑜𝑟𝑒</m:t>
+                    </m:r>
+                    <m:r>
+                      <a:rPr lang="en-US" b="0" i="1" smtClean="0">
+                        <a:latin typeface="Cambria Math" panose="02040503050406030204" pitchFamily="18" charset="0"/>
+                        <a:ea typeface="Cambria Math" panose="02040503050406030204" pitchFamily="18" charset="0"/>
+                      </a:rPr>
+                      <m:t>(</m:t>
+                    </m:r>
+                    <m:r>
+                      <a:rPr lang="en-US" b="0" i="1" smtClean="0">
+                        <a:latin typeface="Cambria Math" panose="02040503050406030204" pitchFamily="18" charset="0"/>
+                        <a:ea typeface="Cambria Math" panose="02040503050406030204" pitchFamily="18" charset="0"/>
+                      </a:rPr>
+                      <m:t>𝑐</m:t>
+                    </m:r>
+                    <m:r>
+                      <a:rPr lang="en-US" b="0" i="1" smtClean="0">
+                        <a:latin typeface="Cambria Math" panose="02040503050406030204" pitchFamily="18" charset="0"/>
+                        <a:ea typeface="Cambria Math" panose="02040503050406030204" pitchFamily="18" charset="0"/>
+                      </a:rPr>
+                      <m:t>) </m:t>
+                    </m:r>
+                  </m:oMath>
+                </a14:m>
+                <a:endParaRPr lang="en-US" dirty="0"/>
+              </a:p>
+              <a:p>
+                <a:pPr marL="800100" lvl="1" indent="-342900">
+                  <a:buFont typeface="+mj-lt"/>
+                  <a:buAutoNum type="arabicPeriod"/>
+                </a:pPr>
+                <a:endParaRPr lang="en-US" dirty="0"/>
+              </a:p>
+              <a:p>
+                <a:pPr marL="800100" lvl="1" indent="-342900">
+                  <a:buFont typeface="+mj-lt"/>
+                  <a:buAutoNum type="arabicPeriod"/>
+                </a:pPr>
+                <a:r>
+                  <a:rPr lang="en-US" b="1" dirty="0"/>
+                  <a:t>Naïve</a:t>
+                </a:r>
+                <a:r>
+                  <a:rPr lang="en-US" dirty="0"/>
+                  <a:t>: does all LLM calls, uses them one by one to adjust bounds, and selects the remaining one</a:t>
+                </a:r>
+              </a:p>
+              <a:p>
+                <a:pPr lvl="3"/>
+                <a:r>
+                  <a:rPr lang="en-US" dirty="0"/>
+                  <a:t> </a:t>
+                </a:r>
+                <a14:m>
+                  <m:oMath xmlns:m="http://schemas.openxmlformats.org/officeDocument/2006/math">
+                    <m:r>
+                      <a:rPr lang="en-US" b="0" i="1" smtClean="0">
+                        <a:latin typeface="Cambria Math" panose="02040503050406030204" pitchFamily="18" charset="0"/>
+                        <a:ea typeface="Cambria Math" panose="02040503050406030204" pitchFamily="18" charset="0"/>
+                      </a:rPr>
+                      <m:t>∀</m:t>
+                    </m:r>
+                    <m:r>
+                      <a:rPr lang="en-US" b="0" i="1" smtClean="0">
+                        <a:latin typeface="Cambria Math" panose="02040503050406030204" pitchFamily="18" charset="0"/>
+                        <a:ea typeface="Cambria Math" panose="02040503050406030204" pitchFamily="18" charset="0"/>
+                      </a:rPr>
+                      <m:t>𝑄</m:t>
+                    </m:r>
+                    <m:r>
+                      <a:rPr lang="en-US" b="0" i="1" smtClean="0">
+                        <a:latin typeface="Cambria Math" panose="02040503050406030204" pitchFamily="18" charset="0"/>
+                        <a:ea typeface="Cambria Math" panose="02040503050406030204" pitchFamily="18" charset="0"/>
+                      </a:rPr>
+                      <m:t>∈</m:t>
+                    </m:r>
+                    <m:r>
+                      <a:rPr lang="en-US" b="0" i="1" smtClean="0">
+                        <a:latin typeface="Cambria Math" panose="02040503050406030204" pitchFamily="18" charset="0"/>
+                        <a:ea typeface="Cambria Math" panose="02040503050406030204" pitchFamily="18" charset="0"/>
+                      </a:rPr>
+                      <m:t>𝑇</m:t>
+                    </m:r>
+                    <m:r>
+                      <a:rPr lang="en-US" b="0" i="1" smtClean="0">
+                        <a:latin typeface="Cambria Math" panose="02040503050406030204" pitchFamily="18" charset="0"/>
+                        <a:ea typeface="Cambria Math" panose="02040503050406030204" pitchFamily="18" charset="0"/>
+                      </a:rPr>
+                      <m:t>: </m:t>
+                    </m:r>
+                  </m:oMath>
+                </a14:m>
+                <a:endParaRPr lang="en-US" b="0" i="1" dirty="0">
+                  <a:latin typeface="Cambria Math" panose="02040503050406030204" pitchFamily="18" charset="0"/>
+                  <a:ea typeface="Cambria Math" panose="02040503050406030204" pitchFamily="18" charset="0"/>
+                </a:endParaRPr>
+              </a:p>
+              <a:p>
+                <a:pPr lvl="3"/>
+                <a:r>
+                  <a:rPr lang="en-US" b="0" dirty="0">
+                    <a:ea typeface="Cambria Math" panose="02040503050406030204" pitchFamily="18" charset="0"/>
+                  </a:rPr>
+                  <a:t>	</a:t>
+                </a:r>
+                <a14:m>
+                  <m:oMath xmlns:m="http://schemas.openxmlformats.org/officeDocument/2006/math">
+                    <m:r>
+                      <a:rPr lang="en-US" b="0" i="1" smtClean="0">
+                        <a:latin typeface="Cambria Math" panose="02040503050406030204" pitchFamily="18" charset="0"/>
+                        <a:ea typeface="Cambria Math" panose="02040503050406030204" pitchFamily="18" charset="0"/>
+                      </a:rPr>
+                      <m:t>𝑟𝑒𝑠𝑢𝑙𝑡</m:t>
+                    </m:r>
+                    <m:r>
+                      <a:rPr lang="en-US" b="0" i="1" smtClean="0">
+                        <a:latin typeface="Cambria Math" panose="02040503050406030204" pitchFamily="18" charset="0"/>
+                        <a:ea typeface="Cambria Math" panose="02040503050406030204" pitchFamily="18" charset="0"/>
+                      </a:rPr>
+                      <m:t>=</m:t>
+                    </m:r>
+                    <m:r>
+                      <a:rPr lang="en-US" b="0" i="1" smtClean="0">
+                        <a:latin typeface="Cambria Math" panose="02040503050406030204" pitchFamily="18" charset="0"/>
+                        <a:ea typeface="Cambria Math" panose="02040503050406030204" pitchFamily="18" charset="0"/>
+                      </a:rPr>
+                      <m:t>𝐿𝐿𝑀</m:t>
+                    </m:r>
+                    <m:r>
+                      <a:rPr lang="en-US" b="0" i="1" smtClean="0">
+                        <a:latin typeface="Cambria Math" panose="02040503050406030204" pitchFamily="18" charset="0"/>
+                        <a:ea typeface="Cambria Math" panose="02040503050406030204" pitchFamily="18" charset="0"/>
+                      </a:rPr>
+                      <m:t>(</m:t>
+                    </m:r>
+                    <m:r>
+                      <a:rPr lang="en-US" b="0" i="1" smtClean="0">
+                        <a:latin typeface="Cambria Math" panose="02040503050406030204" pitchFamily="18" charset="0"/>
+                        <a:ea typeface="Cambria Math" panose="02040503050406030204" pitchFamily="18" charset="0"/>
+                      </a:rPr>
+                      <m:t>𝑄</m:t>
+                    </m:r>
+                    <m:r>
+                      <a:rPr lang="en-US" b="0" i="1" smtClean="0">
+                        <a:latin typeface="Cambria Math" panose="02040503050406030204" pitchFamily="18" charset="0"/>
+                        <a:ea typeface="Cambria Math" panose="02040503050406030204" pitchFamily="18" charset="0"/>
+                      </a:rPr>
+                      <m:t>)</m:t>
+                    </m:r>
+                  </m:oMath>
+                </a14:m>
+                <a:r>
+                  <a:rPr lang="en-US" dirty="0"/>
+                  <a:t> </a:t>
+                </a:r>
+              </a:p>
+              <a:p>
+                <a:pPr lvl="3"/>
+                <a:r>
+                  <a:rPr lang="en-US" b="0" dirty="0">
+                    <a:ea typeface="Cambria Math" panose="02040503050406030204" pitchFamily="18" charset="0"/>
+                  </a:rPr>
+                  <a:t>          </a:t>
+                </a:r>
+                <a14:m>
+                  <m:oMath xmlns:m="http://schemas.openxmlformats.org/officeDocument/2006/math">
+                    <m:r>
+                      <a:rPr lang="en-US" b="0" i="1" smtClean="0">
+                        <a:latin typeface="Cambria Math" panose="02040503050406030204" pitchFamily="18" charset="0"/>
+                        <a:ea typeface="Cambria Math" panose="02040503050406030204" pitchFamily="18" charset="0"/>
+                      </a:rPr>
+                      <m:t>𝑏𝑜𝑢𝑛𝑑𝑠</m:t>
+                    </m:r>
+                    <m:r>
+                      <a:rPr lang="en-US" b="0" i="1" smtClean="0">
+                        <a:latin typeface="Cambria Math" panose="02040503050406030204" pitchFamily="18" charset="0"/>
+                        <a:ea typeface="Cambria Math" panose="02040503050406030204" pitchFamily="18" charset="0"/>
+                      </a:rPr>
+                      <m:t>=</m:t>
+                    </m:r>
+                    <m:r>
+                      <a:rPr lang="en-US" b="0" i="1" smtClean="0">
+                        <a:latin typeface="Cambria Math" panose="02040503050406030204" pitchFamily="18" charset="0"/>
+                        <a:ea typeface="Cambria Math" panose="02040503050406030204" pitchFamily="18" charset="0"/>
+                      </a:rPr>
+                      <m:t>𝑢𝑝𝑑𝑎𝑡𝑒</m:t>
+                    </m:r>
+                    <m:r>
+                      <a:rPr lang="en-US" b="0" i="1" smtClean="0">
+                        <a:latin typeface="Cambria Math" panose="02040503050406030204" pitchFamily="18" charset="0"/>
+                        <a:ea typeface="Cambria Math" panose="02040503050406030204" pitchFamily="18" charset="0"/>
+                      </a:rPr>
+                      <m:t>_</m:t>
+                    </m:r>
+                    <m:r>
+                      <a:rPr lang="en-US" b="0" i="1" smtClean="0">
+                        <a:latin typeface="Cambria Math" panose="02040503050406030204" pitchFamily="18" charset="0"/>
+                        <a:ea typeface="Cambria Math" panose="02040503050406030204" pitchFamily="18" charset="0"/>
+                      </a:rPr>
+                      <m:t>𝑏𝑜𝑢𝑛𝑑𝑠</m:t>
+                    </m:r>
+                    <m:r>
+                      <a:rPr lang="en-US" b="0" i="1" smtClean="0">
+                        <a:latin typeface="Cambria Math" panose="02040503050406030204" pitchFamily="18" charset="0"/>
+                        <a:ea typeface="Cambria Math" panose="02040503050406030204" pitchFamily="18" charset="0"/>
+                      </a:rPr>
+                      <m:t>(</m:t>
+                    </m:r>
+                    <m:r>
+                      <a:rPr lang="en-US" b="0" i="1" smtClean="0">
+                        <a:latin typeface="Cambria Math" panose="02040503050406030204" pitchFamily="18" charset="0"/>
+                        <a:ea typeface="Cambria Math" panose="02040503050406030204" pitchFamily="18" charset="0"/>
+                      </a:rPr>
+                      <m:t>𝑏𝑜𝑢𝑛𝑑𝑠</m:t>
+                    </m:r>
+                    <m:r>
+                      <a:rPr lang="en-US" b="0" i="1" smtClean="0">
+                        <a:latin typeface="Cambria Math" panose="02040503050406030204" pitchFamily="18" charset="0"/>
+                        <a:ea typeface="Cambria Math" panose="02040503050406030204" pitchFamily="18" charset="0"/>
+                      </a:rPr>
+                      <m:t>, </m:t>
+                    </m:r>
+                    <m:r>
+                      <a:rPr lang="en-US" b="0" i="1" smtClean="0">
+                        <a:latin typeface="Cambria Math" panose="02040503050406030204" pitchFamily="18" charset="0"/>
+                        <a:ea typeface="Cambria Math" panose="02040503050406030204" pitchFamily="18" charset="0"/>
+                      </a:rPr>
+                      <m:t>𝑟𝑒𝑠𝑢𝑙𝑡</m:t>
+                    </m:r>
+                    <m:r>
+                      <a:rPr lang="en-US" b="0" i="1" smtClean="0">
+                        <a:latin typeface="Cambria Math" panose="02040503050406030204" pitchFamily="18" charset="0"/>
+                        <a:ea typeface="Cambria Math" panose="02040503050406030204" pitchFamily="18" charset="0"/>
+                      </a:rPr>
+                      <m:t>)</m:t>
+                    </m:r>
+                  </m:oMath>
+                </a14:m>
+                <a:endParaRPr lang="en-US" dirty="0"/>
+              </a:p>
+              <a:p>
+                <a:pPr lvl="3"/>
+                <a14:m>
+                  <m:oMath xmlns:m="http://schemas.openxmlformats.org/officeDocument/2006/math">
+                    <m:r>
+                      <a:rPr lang="en-US" i="1">
+                        <a:latin typeface="Cambria Math" panose="02040503050406030204" pitchFamily="18" charset="0"/>
+                        <a:ea typeface="Cambria Math" panose="02040503050406030204" pitchFamily="18" charset="0"/>
+                      </a:rPr>
+                      <m:t>𝑤𝑖𝑛𝑛𝑒𝑟</m:t>
+                    </m:r>
+                    <m:r>
+                      <a:rPr lang="en-US" i="1">
+                        <a:latin typeface="Cambria Math" panose="02040503050406030204" pitchFamily="18" charset="0"/>
+                        <a:ea typeface="Cambria Math" panose="02040503050406030204" pitchFamily="18" charset="0"/>
+                      </a:rPr>
+                      <m:t> = </m:t>
+                    </m:r>
+                    <m:r>
+                      <a:rPr lang="en-US" i="1">
+                        <a:latin typeface="Cambria Math" panose="02040503050406030204" pitchFamily="18" charset="0"/>
+                        <a:ea typeface="Cambria Math" panose="02040503050406030204" pitchFamily="18" charset="0"/>
+                      </a:rPr>
+                      <m:t>𝑎𝑟𝑔𝑚𝑎𝑥𝑐</m:t>
+                    </m:r>
+                  </m:oMath>
+                </a14:m>
+                <a:r>
+                  <a:rPr lang="en-US" dirty="0"/>
+                  <a:t> </a:t>
+                </a:r>
+                <a14:m>
+                  <m:oMath xmlns:m="http://schemas.openxmlformats.org/officeDocument/2006/math">
+                    <m:r>
+                      <m:rPr>
+                        <m:sty m:val="p"/>
+                      </m:rPr>
+                      <a:rPr lang="en-US" dirty="0">
+                        <a:latin typeface="Cambria Math" panose="02040503050406030204" pitchFamily="18" charset="0"/>
+                        <a:ea typeface="Cambria Math" panose="02040503050406030204" pitchFamily="18" charset="0"/>
+                      </a:rPr>
+                      <m:t>b</m:t>
+                    </m:r>
+                    <m:r>
+                      <m:rPr>
+                        <m:sty m:val="p"/>
+                      </m:rPr>
+                      <a:rPr lang="en-US" b="0" i="0" smtClean="0">
+                        <a:latin typeface="Cambria Math" panose="02040503050406030204" pitchFamily="18" charset="0"/>
+                        <a:ea typeface="Cambria Math" panose="02040503050406030204" pitchFamily="18" charset="0"/>
+                      </a:rPr>
+                      <m:t>o</m:t>
+                    </m:r>
+                    <m:r>
+                      <a:rPr lang="en-US" b="0" i="1" smtClean="0">
+                        <a:latin typeface="Cambria Math" panose="02040503050406030204" pitchFamily="18" charset="0"/>
+                        <a:ea typeface="Cambria Math" panose="02040503050406030204" pitchFamily="18" charset="0"/>
+                      </a:rPr>
+                      <m:t>𝑢𝑛𝑑𝑠</m:t>
+                    </m:r>
+                    <m:r>
+                      <a:rPr lang="en-US" i="1">
+                        <a:latin typeface="Cambria Math" panose="02040503050406030204" pitchFamily="18" charset="0"/>
+                        <a:ea typeface="Cambria Math" panose="02040503050406030204" pitchFamily="18" charset="0"/>
+                      </a:rPr>
+                      <m:t> </m:t>
+                    </m:r>
+                  </m:oMath>
+                </a14:m>
+                <a:endParaRPr lang="en-US" dirty="0"/>
+              </a:p>
+              <a:p>
+                <a:pPr lvl="3"/>
+                <a:endParaRPr lang="en-US" dirty="0"/>
+              </a:p>
+              <a:p>
+                <a:pPr lvl="1"/>
+                <a:r>
+                  <a:rPr lang="en-US" b="1" dirty="0"/>
+                  <a:t>3-4.	 Heuristics</a:t>
+                </a:r>
+                <a:r>
+                  <a:rPr lang="en-US" dirty="0"/>
+                  <a:t>: In an iterative process, decides which LLM call to do next, updates bounds, prunes, and 	repeats it till the winner is clear. </a:t>
+                </a:r>
+              </a:p>
+              <a:p>
+                <a:pPr lvl="1"/>
+                <a:endParaRPr lang="en-US" i="1" dirty="0">
+                  <a:latin typeface="Cambria Math" panose="02040503050406030204" pitchFamily="18" charset="0"/>
+                  <a:ea typeface="Cambria Math" panose="02040503050406030204" pitchFamily="18" charset="0"/>
+                </a:endParaRPr>
+              </a:p>
+              <a:p>
+                <a:pPr lvl="1"/>
+                <a:r>
+                  <a:rPr lang="en-US" b="0" i="1" dirty="0">
+                    <a:latin typeface="Cambria Math" panose="02040503050406030204" pitchFamily="18" charset="0"/>
+                    <a:ea typeface="Cambria Math" panose="02040503050406030204" pitchFamily="18" charset="0"/>
+                  </a:rPr>
+                  <a:t>                  </a:t>
+                </a:r>
+                <a14:m>
+                  <m:oMath xmlns:m="http://schemas.openxmlformats.org/officeDocument/2006/math">
+                    <m:r>
+                      <a:rPr lang="en-US" b="0" i="1" smtClean="0">
+                        <a:latin typeface="Cambria Math" panose="02040503050406030204" pitchFamily="18" charset="0"/>
+                        <a:ea typeface="Cambria Math" panose="02040503050406030204" pitchFamily="18" charset="0"/>
+                      </a:rPr>
+                      <m:t>𝑟𝑒𝑝𝑒𝑎𝑡</m:t>
+                    </m:r>
+                    <m:r>
+                      <a:rPr lang="en-US" b="0" i="1" smtClean="0">
+                        <a:latin typeface="Cambria Math" panose="02040503050406030204" pitchFamily="18" charset="0"/>
+                        <a:ea typeface="Cambria Math" panose="02040503050406030204" pitchFamily="18" charset="0"/>
+                      </a:rPr>
+                      <m:t> </m:t>
+                    </m:r>
+                    <m:r>
+                      <a:rPr lang="en-US" b="0" i="1" smtClean="0">
+                        <a:latin typeface="Cambria Math" panose="02040503050406030204" pitchFamily="18" charset="0"/>
+                        <a:ea typeface="Cambria Math" panose="02040503050406030204" pitchFamily="18" charset="0"/>
+                      </a:rPr>
+                      <m:t>𝑢𝑛𝑡𝑖𝑙</m:t>
+                    </m:r>
+                    <m:r>
+                      <a:rPr lang="en-US" b="0" i="1" smtClean="0">
+                        <a:latin typeface="Cambria Math" panose="02040503050406030204" pitchFamily="18" charset="0"/>
+                        <a:ea typeface="Cambria Math" panose="02040503050406030204" pitchFamily="18" charset="0"/>
+                      </a:rPr>
+                      <m:t> </m:t>
+                    </m:r>
+                    <m:r>
+                      <a:rPr lang="en-US" b="0" i="1" smtClean="0">
+                        <a:latin typeface="Cambria Math" panose="02040503050406030204" pitchFamily="18" charset="0"/>
+                        <a:ea typeface="Cambria Math" panose="02040503050406030204" pitchFamily="18" charset="0"/>
+                      </a:rPr>
+                      <m:t>𝑤𝑖𝑛𝑛𝑒𝑟</m:t>
+                    </m:r>
+                    <m:r>
+                      <a:rPr lang="en-US" b="0" i="1" smtClean="0">
+                        <a:latin typeface="Cambria Math" panose="02040503050406030204" pitchFamily="18" charset="0"/>
+                        <a:ea typeface="Cambria Math" panose="02040503050406030204" pitchFamily="18" charset="0"/>
+                      </a:rPr>
+                      <m:t> </m:t>
+                    </m:r>
+                    <m:r>
+                      <a:rPr lang="en-US" b="0" i="1" smtClean="0">
+                        <a:latin typeface="Cambria Math" panose="02040503050406030204" pitchFamily="18" charset="0"/>
+                        <a:ea typeface="Cambria Math" panose="02040503050406030204" pitchFamily="18" charset="0"/>
+                      </a:rPr>
+                      <m:t>𝑖𝑠</m:t>
+                    </m:r>
+                    <m:r>
+                      <a:rPr lang="en-US" b="0" i="1" smtClean="0">
+                        <a:latin typeface="Cambria Math" panose="02040503050406030204" pitchFamily="18" charset="0"/>
+                        <a:ea typeface="Cambria Math" panose="02040503050406030204" pitchFamily="18" charset="0"/>
+                      </a:rPr>
+                      <m:t> </m:t>
+                    </m:r>
+                    <m:r>
+                      <a:rPr lang="en-US" b="0" i="1" smtClean="0">
+                        <a:latin typeface="Cambria Math" panose="02040503050406030204" pitchFamily="18" charset="0"/>
+                        <a:ea typeface="Cambria Math" panose="02040503050406030204" pitchFamily="18" charset="0"/>
+                      </a:rPr>
+                      <m:t>𝑐𝑙𝑒𝑎𝑟</m:t>
+                    </m:r>
+                    <m:r>
+                      <a:rPr lang="en-US" b="0" i="1" smtClean="0">
+                        <a:latin typeface="Cambria Math" panose="02040503050406030204" pitchFamily="18" charset="0"/>
+                        <a:ea typeface="Cambria Math" panose="02040503050406030204" pitchFamily="18" charset="0"/>
+                      </a:rPr>
+                      <m:t>:</m:t>
+                    </m:r>
+                  </m:oMath>
+                </a14:m>
+                <a:endParaRPr lang="en-US" b="0" i="1" dirty="0">
+                  <a:latin typeface="Cambria Math" panose="02040503050406030204" pitchFamily="18" charset="0"/>
+                  <a:ea typeface="Cambria Math" panose="02040503050406030204" pitchFamily="18" charset="0"/>
+                </a:endParaRPr>
+              </a:p>
+              <a:p>
+                <a:pPr lvl="1"/>
+                <a:r>
+                  <a:rPr lang="en-US" i="1" dirty="0">
+                    <a:latin typeface="Cambria Math" panose="02040503050406030204" pitchFamily="18" charset="0"/>
+                    <a:ea typeface="Cambria Math" panose="02040503050406030204" pitchFamily="18" charset="0"/>
+                  </a:rPr>
+                  <a:t>		</a:t>
+                </a:r>
+                <a14:m>
+                  <m:oMath xmlns:m="http://schemas.openxmlformats.org/officeDocument/2006/math">
+                    <m:r>
+                      <a:rPr lang="en-US" b="0" i="1" smtClean="0">
+                        <a:latin typeface="Cambria Math" panose="02040503050406030204" pitchFamily="18" charset="0"/>
+                        <a:ea typeface="Cambria Math" panose="02040503050406030204" pitchFamily="18" charset="0"/>
+                      </a:rPr>
+                      <m:t>𝑄</m:t>
+                    </m:r>
+                    <m:r>
+                      <a:rPr lang="en-US" b="0" i="1" smtClean="0">
+                        <a:latin typeface="Cambria Math" panose="02040503050406030204" pitchFamily="18" charset="0"/>
+                        <a:ea typeface="Cambria Math" panose="02040503050406030204" pitchFamily="18" charset="0"/>
+                      </a:rPr>
+                      <m:t>=</m:t>
+                    </m:r>
+                    <m:r>
+                      <a:rPr lang="en-US" b="1" i="1" smtClean="0">
+                        <a:solidFill>
+                          <a:srgbClr val="002060"/>
+                        </a:solidFill>
+                        <a:latin typeface="Cambria Math" panose="02040503050406030204" pitchFamily="18" charset="0"/>
+                        <a:ea typeface="Cambria Math" panose="02040503050406030204" pitchFamily="18" charset="0"/>
+                      </a:rPr>
+                      <m:t>𝒔𝒆𝒍𝒆𝒄𝒕</m:t>
+                    </m:r>
+                    <m:r>
+                      <a:rPr lang="en-US" b="1" i="1" smtClean="0">
+                        <a:solidFill>
+                          <a:srgbClr val="002060"/>
+                        </a:solidFill>
+                        <a:latin typeface="Cambria Math" panose="02040503050406030204" pitchFamily="18" charset="0"/>
+                        <a:ea typeface="Cambria Math" panose="02040503050406030204" pitchFamily="18" charset="0"/>
+                      </a:rPr>
+                      <m:t>_</m:t>
+                    </m:r>
+                    <m:r>
+                      <a:rPr lang="en-US" b="1" i="1" smtClean="0">
+                        <a:solidFill>
+                          <a:srgbClr val="002060"/>
+                        </a:solidFill>
+                        <a:latin typeface="Cambria Math" panose="02040503050406030204" pitchFamily="18" charset="0"/>
+                        <a:ea typeface="Cambria Math" panose="02040503050406030204" pitchFamily="18" charset="0"/>
+                      </a:rPr>
+                      <m:t>𝒏𝒆𝒙𝒕</m:t>
+                    </m:r>
+                    <m:r>
+                      <a:rPr lang="en-US" b="1" i="1" smtClean="0">
+                        <a:solidFill>
+                          <a:srgbClr val="002060"/>
+                        </a:solidFill>
+                        <a:latin typeface="Cambria Math" panose="02040503050406030204" pitchFamily="18" charset="0"/>
+                        <a:ea typeface="Cambria Math" panose="02040503050406030204" pitchFamily="18" charset="0"/>
+                      </a:rPr>
+                      <m:t>_</m:t>
+                    </m:r>
+                    <m:r>
+                      <a:rPr lang="en-US" b="1" i="1" smtClean="0">
+                        <a:solidFill>
+                          <a:srgbClr val="002060"/>
+                        </a:solidFill>
+                        <a:latin typeface="Cambria Math" panose="02040503050406030204" pitchFamily="18" charset="0"/>
+                        <a:ea typeface="Cambria Math" panose="02040503050406030204" pitchFamily="18" charset="0"/>
+                      </a:rPr>
+                      <m:t>𝒒𝒖𝒆𝒔𝒕𝒊𝒐𝒏</m:t>
+                    </m:r>
+                    <m:r>
+                      <a:rPr lang="en-US" b="0" i="1" smtClean="0">
+                        <a:latin typeface="Cambria Math" panose="02040503050406030204" pitchFamily="18" charset="0"/>
+                        <a:ea typeface="Cambria Math" panose="02040503050406030204" pitchFamily="18" charset="0"/>
+                      </a:rPr>
+                      <m:t>(</m:t>
+                    </m:r>
+                    <m:r>
+                      <a:rPr lang="en-US" b="0" i="1" smtClean="0">
+                        <a:latin typeface="Cambria Math" panose="02040503050406030204" pitchFamily="18" charset="0"/>
+                        <a:ea typeface="Cambria Math" panose="02040503050406030204" pitchFamily="18" charset="0"/>
+                      </a:rPr>
+                      <m:t>𝑇</m:t>
+                    </m:r>
+                    <m:r>
+                      <a:rPr lang="en-US" b="0" i="1" smtClean="0">
+                        <a:latin typeface="Cambria Math" panose="02040503050406030204" pitchFamily="18" charset="0"/>
+                        <a:ea typeface="Cambria Math" panose="02040503050406030204" pitchFamily="18" charset="0"/>
+                      </a:rPr>
+                      <m:t>)</m:t>
+                    </m:r>
+                  </m:oMath>
+                </a14:m>
+                <a:endParaRPr lang="en-US" b="0" i="1" dirty="0">
+                  <a:latin typeface="Cambria Math" panose="02040503050406030204" pitchFamily="18" charset="0"/>
+                  <a:ea typeface="Cambria Math" panose="02040503050406030204" pitchFamily="18" charset="0"/>
+                </a:endParaRPr>
+              </a:p>
+              <a:p>
+                <a:pPr lvl="3"/>
+                <a:r>
+                  <a:rPr lang="en-US" b="0" dirty="0">
+                    <a:ea typeface="Cambria Math" panose="02040503050406030204" pitchFamily="18" charset="0"/>
+                  </a:rPr>
+                  <a:t>	</a:t>
+                </a:r>
+                <a14:m>
+                  <m:oMath xmlns:m="http://schemas.openxmlformats.org/officeDocument/2006/math">
+                    <m:r>
+                      <a:rPr lang="en-US" b="0" i="1" smtClean="0">
+                        <a:latin typeface="Cambria Math" panose="02040503050406030204" pitchFamily="18" charset="0"/>
+                        <a:ea typeface="Cambria Math" panose="02040503050406030204" pitchFamily="18" charset="0"/>
+                      </a:rPr>
+                      <m:t>𝑟𝑒𝑠𝑢𝑙𝑡</m:t>
+                    </m:r>
+                    <m:r>
+                      <a:rPr lang="en-US" b="0" i="1" smtClean="0">
+                        <a:latin typeface="Cambria Math" panose="02040503050406030204" pitchFamily="18" charset="0"/>
+                        <a:ea typeface="Cambria Math" panose="02040503050406030204" pitchFamily="18" charset="0"/>
+                      </a:rPr>
+                      <m:t>=</m:t>
+                    </m:r>
+                    <m:r>
+                      <a:rPr lang="en-US" b="0" i="1" smtClean="0">
+                        <a:latin typeface="Cambria Math" panose="02040503050406030204" pitchFamily="18" charset="0"/>
+                        <a:ea typeface="Cambria Math" panose="02040503050406030204" pitchFamily="18" charset="0"/>
+                      </a:rPr>
+                      <m:t>𝐿𝐿𝑀</m:t>
+                    </m:r>
+                    <m:r>
+                      <a:rPr lang="en-US" b="0" i="1" smtClean="0">
+                        <a:latin typeface="Cambria Math" panose="02040503050406030204" pitchFamily="18" charset="0"/>
+                        <a:ea typeface="Cambria Math" panose="02040503050406030204" pitchFamily="18" charset="0"/>
+                      </a:rPr>
+                      <m:t>(</m:t>
+                    </m:r>
+                    <m:r>
+                      <a:rPr lang="en-US" b="0" i="1" smtClean="0">
+                        <a:latin typeface="Cambria Math" panose="02040503050406030204" pitchFamily="18" charset="0"/>
+                        <a:ea typeface="Cambria Math" panose="02040503050406030204" pitchFamily="18" charset="0"/>
+                      </a:rPr>
+                      <m:t>𝑄</m:t>
+                    </m:r>
+                    <m:r>
+                      <a:rPr lang="en-US" b="0" i="1" smtClean="0">
+                        <a:latin typeface="Cambria Math" panose="02040503050406030204" pitchFamily="18" charset="0"/>
+                        <a:ea typeface="Cambria Math" panose="02040503050406030204" pitchFamily="18" charset="0"/>
+                      </a:rPr>
+                      <m:t>)</m:t>
+                    </m:r>
+                  </m:oMath>
+                </a14:m>
+                <a:r>
+                  <a:rPr lang="en-US" dirty="0"/>
+                  <a:t> </a:t>
+                </a:r>
+              </a:p>
+              <a:p>
+                <a:pPr lvl="3"/>
+                <a:r>
+                  <a:rPr lang="en-US" b="0" dirty="0">
+                    <a:ea typeface="Cambria Math" panose="02040503050406030204" pitchFamily="18" charset="0"/>
+                  </a:rPr>
+                  <a:t>          </a:t>
+                </a:r>
+                <a14:m>
+                  <m:oMath xmlns:m="http://schemas.openxmlformats.org/officeDocument/2006/math">
+                    <m:r>
+                      <a:rPr lang="en-US" b="0" i="1" smtClean="0">
+                        <a:latin typeface="Cambria Math" panose="02040503050406030204" pitchFamily="18" charset="0"/>
+                        <a:ea typeface="Cambria Math" panose="02040503050406030204" pitchFamily="18" charset="0"/>
+                      </a:rPr>
+                      <m:t>𝑏𝑜𝑢𝑛𝑑𝑠</m:t>
+                    </m:r>
+                    <m:r>
+                      <a:rPr lang="en-US" b="0" i="1" smtClean="0">
+                        <a:latin typeface="Cambria Math" panose="02040503050406030204" pitchFamily="18" charset="0"/>
+                        <a:ea typeface="Cambria Math" panose="02040503050406030204" pitchFamily="18" charset="0"/>
+                      </a:rPr>
+                      <m:t>=</m:t>
+                    </m:r>
+                    <m:r>
+                      <a:rPr lang="en-US" b="0" i="1" smtClean="0">
+                        <a:latin typeface="Cambria Math" panose="02040503050406030204" pitchFamily="18" charset="0"/>
+                        <a:ea typeface="Cambria Math" panose="02040503050406030204" pitchFamily="18" charset="0"/>
+                      </a:rPr>
+                      <m:t>𝑢𝑝𝑑𝑎𝑡𝑒</m:t>
+                    </m:r>
+                    <m:r>
+                      <a:rPr lang="en-US" b="0" i="1" smtClean="0">
+                        <a:latin typeface="Cambria Math" panose="02040503050406030204" pitchFamily="18" charset="0"/>
+                        <a:ea typeface="Cambria Math" panose="02040503050406030204" pitchFamily="18" charset="0"/>
+                      </a:rPr>
+                      <m:t>_</m:t>
+                    </m:r>
+                    <m:r>
+                      <a:rPr lang="en-US" b="0" i="1" smtClean="0">
+                        <a:latin typeface="Cambria Math" panose="02040503050406030204" pitchFamily="18" charset="0"/>
+                        <a:ea typeface="Cambria Math" panose="02040503050406030204" pitchFamily="18" charset="0"/>
+                      </a:rPr>
+                      <m:t>𝑏𝑜𝑢𝑛𝑑𝑠</m:t>
+                    </m:r>
+                    <m:r>
+                      <a:rPr lang="en-US" b="0" i="1" smtClean="0">
+                        <a:latin typeface="Cambria Math" panose="02040503050406030204" pitchFamily="18" charset="0"/>
+                        <a:ea typeface="Cambria Math" panose="02040503050406030204" pitchFamily="18" charset="0"/>
+                      </a:rPr>
+                      <m:t>(</m:t>
+                    </m:r>
+                    <m:r>
+                      <a:rPr lang="en-US" b="0" i="1" smtClean="0">
+                        <a:latin typeface="Cambria Math" panose="02040503050406030204" pitchFamily="18" charset="0"/>
+                        <a:ea typeface="Cambria Math" panose="02040503050406030204" pitchFamily="18" charset="0"/>
+                      </a:rPr>
+                      <m:t>𝑏𝑜𝑢𝑛𝑑𝑠</m:t>
+                    </m:r>
+                    <m:r>
+                      <a:rPr lang="en-US" b="0" i="1" smtClean="0">
+                        <a:latin typeface="Cambria Math" panose="02040503050406030204" pitchFamily="18" charset="0"/>
+                        <a:ea typeface="Cambria Math" panose="02040503050406030204" pitchFamily="18" charset="0"/>
+                      </a:rPr>
+                      <m:t>, </m:t>
+                    </m:r>
+                    <m:r>
+                      <a:rPr lang="en-US" b="0" i="1" smtClean="0">
+                        <a:latin typeface="Cambria Math" panose="02040503050406030204" pitchFamily="18" charset="0"/>
+                        <a:ea typeface="Cambria Math" panose="02040503050406030204" pitchFamily="18" charset="0"/>
+                      </a:rPr>
+                      <m:t>𝑟𝑒𝑠𝑢𝑙𝑡</m:t>
+                    </m:r>
+                    <m:r>
+                      <a:rPr lang="en-US" b="0" i="1" smtClean="0">
+                        <a:latin typeface="Cambria Math" panose="02040503050406030204" pitchFamily="18" charset="0"/>
+                        <a:ea typeface="Cambria Math" panose="02040503050406030204" pitchFamily="18" charset="0"/>
+                      </a:rPr>
+                      <m:t>)</m:t>
+                    </m:r>
+                  </m:oMath>
+                </a14:m>
+                <a:endParaRPr lang="en-US" dirty="0"/>
+              </a:p>
+              <a:p>
+                <a:pPr lvl="3"/>
+                <a:r>
+                  <a:rPr lang="en-US" dirty="0"/>
+                  <a:t>	</a:t>
+                </a:r>
+                <a14:m>
+                  <m:oMath xmlns:m="http://schemas.openxmlformats.org/officeDocument/2006/math">
+                    <m:r>
+                      <m:rPr>
+                        <m:sty m:val="p"/>
+                      </m:rPr>
+                      <a:rPr lang="en-US" b="0" i="0" smtClean="0">
+                        <a:latin typeface="Cambria Math" panose="02040503050406030204" pitchFamily="18" charset="0"/>
+                      </a:rPr>
+                      <m:t>C</m:t>
+                    </m:r>
+                    <m:r>
+                      <a:rPr lang="en-US" b="0" i="0" smtClean="0">
+                        <a:latin typeface="Cambria Math" panose="02040503050406030204" pitchFamily="18" charset="0"/>
+                      </a:rPr>
+                      <m:t>= </m:t>
+                    </m:r>
+                    <m:r>
+                      <a:rPr lang="en-US" b="0" i="1" smtClean="0">
+                        <a:latin typeface="Cambria Math" panose="02040503050406030204" pitchFamily="18" charset="0"/>
+                      </a:rPr>
+                      <m:t>𝑝𝑟𝑢𝑛𝑒</m:t>
+                    </m:r>
+                    <m:r>
+                      <a:rPr lang="en-US" b="0" i="1" smtClean="0">
+                        <a:latin typeface="Cambria Math" panose="02040503050406030204" pitchFamily="18" charset="0"/>
+                      </a:rPr>
+                      <m:t>_</m:t>
+                    </m:r>
+                    <m:r>
+                      <a:rPr lang="en-US" b="0" i="1" smtClean="0">
+                        <a:latin typeface="Cambria Math" panose="02040503050406030204" pitchFamily="18" charset="0"/>
+                      </a:rPr>
+                      <m:t>𝑐𝑎𝑛𝑑𝑖𝑑𝑎𝑡𝑒</m:t>
+                    </m:r>
+                    <m:r>
+                      <a:rPr lang="en-US" b="0" i="1" smtClean="0">
+                        <a:latin typeface="Cambria Math" panose="02040503050406030204" pitchFamily="18" charset="0"/>
+                      </a:rPr>
+                      <m:t>(</m:t>
+                    </m:r>
+                    <m:r>
+                      <a:rPr lang="en-US" b="0" i="1" smtClean="0">
+                        <a:latin typeface="Cambria Math" panose="02040503050406030204" pitchFamily="18" charset="0"/>
+                      </a:rPr>
+                      <m:t>𝐶</m:t>
+                    </m:r>
+                    <m:r>
+                      <a:rPr lang="en-US" b="0" i="1" smtClean="0">
+                        <a:latin typeface="Cambria Math" panose="02040503050406030204" pitchFamily="18" charset="0"/>
+                      </a:rPr>
+                      <m:t>, </m:t>
+                    </m:r>
+                    <m:r>
+                      <a:rPr lang="en-US" b="0" i="1" smtClean="0">
+                        <a:latin typeface="Cambria Math" panose="02040503050406030204" pitchFamily="18" charset="0"/>
+                      </a:rPr>
+                      <m:t>𝑏𝑜𝑢𝑛𝑑𝑠</m:t>
+                    </m:r>
+                    <m:r>
+                      <a:rPr lang="en-US" b="0" i="1" smtClean="0">
+                        <a:latin typeface="Cambria Math" panose="02040503050406030204" pitchFamily="18" charset="0"/>
+                      </a:rPr>
+                      <m:t>)</m:t>
+                    </m:r>
+                  </m:oMath>
+                </a14:m>
+                <a:endParaRPr lang="en-US" dirty="0"/>
+              </a:p>
+              <a:p>
+                <a:pPr lvl="3"/>
+                <a14:m>
+                  <m:oMathPara xmlns:m="http://schemas.openxmlformats.org/officeDocument/2006/math">
+                    <m:oMathParaPr>
+                      <m:jc m:val="left"/>
+                    </m:oMathParaPr>
+                    <m:oMath xmlns:m="http://schemas.openxmlformats.org/officeDocument/2006/math">
+                      <m:r>
+                        <a:rPr lang="en-US" b="0" i="1" smtClean="0">
+                          <a:latin typeface="Cambria Math" panose="02040503050406030204" pitchFamily="18" charset="0"/>
+                        </a:rPr>
+                        <m:t>𝑟𝑒𝑡𝑢𝑟𝑛</m:t>
+                      </m:r>
+                      <m:r>
+                        <a:rPr lang="en-US" b="0" i="1" smtClean="0">
+                          <a:latin typeface="Cambria Math" panose="02040503050406030204" pitchFamily="18" charset="0"/>
+                        </a:rPr>
+                        <m:t> </m:t>
+                      </m:r>
+                      <m:r>
+                        <a:rPr lang="en-US" b="0" i="1" smtClean="0">
+                          <a:latin typeface="Cambria Math" panose="02040503050406030204" pitchFamily="18" charset="0"/>
+                        </a:rPr>
+                        <m:t>𝑤𝑖𝑛𝑛𝑒𝑟</m:t>
+                      </m:r>
+                    </m:oMath>
+                  </m:oMathPara>
+                </a14:m>
+                <a:endParaRPr lang="en-US" dirty="0"/>
+              </a:p>
+              <a:p>
+                <a:pPr marL="800100" lvl="1" indent="-342900">
+                  <a:buFont typeface="+mj-lt"/>
+                  <a:buAutoNum type="arabicPeriod"/>
+                </a:pPr>
+                <a:endParaRPr lang="en-US" dirty="0"/>
+              </a:p>
+              <a:p>
+                <a:pPr marL="1257300" lvl="2" indent="-342900">
+                  <a:buFont typeface="Arial" panose="020B0604020202020204" pitchFamily="34" charset="0"/>
+                  <a:buChar char="•"/>
+                </a:pPr>
+                <a:endParaRPr lang="en-US" dirty="0"/>
+              </a:p>
+              <a:p>
+                <a:pPr lvl="1"/>
+                <a:endParaRPr lang="en-US" dirty="0"/>
+              </a:p>
+            </p:txBody>
+          </p:sp>
+        </mc:Choice>
+        <mc:Fallback>
+          <p:sp>
+            <p:nvSpPr>
+              <p:cNvPr id="5" name="TextBox 4">
+                <a:extLst>
+                  <a:ext uri="{FF2B5EF4-FFF2-40B4-BE49-F238E27FC236}">
+                    <a16:creationId xmlns:a16="http://schemas.microsoft.com/office/drawing/2014/main" id="{C9A8E3C0-1C2E-BEB4-5967-D6C085FEEED1}"/>
+                  </a:ext>
+                </a:extLst>
+              </p:cNvPr>
+              <p:cNvSpPr txBox="1">
+                <a:spLocks noRot="1" noChangeAspect="1" noMove="1" noResize="1" noEditPoints="1" noAdjustHandles="1" noChangeArrowheads="1" noChangeShapeType="1" noTextEdit="1"/>
+              </p:cNvSpPr>
+              <p:nvPr/>
+            </p:nvSpPr>
+            <p:spPr>
+              <a:xfrm>
+                <a:off x="504825" y="891469"/>
+                <a:ext cx="10954078" cy="6740307"/>
+              </a:xfrm>
+              <a:prstGeom prst="rect">
+                <a:avLst/>
+              </a:prstGeom>
+              <a:blipFill>
+                <a:blip r:embed="rId3"/>
+                <a:stretch>
+                  <a:fillRect t="-377" r="-116"/>
+                </a:stretch>
+              </a:blipFill>
+            </p:spPr>
+            <p:txBody>
+              <a:bodyPr/>
+              <a:lstStyle/>
+              <a:p>
+                <a:r>
+                  <a:rPr lang="en-US">
+                    <a:noFill/>
+                  </a:rPr>
+                  <a:t> </a:t>
+                </a:r>
+              </a:p>
+            </p:txBody>
+          </p:sp>
+        </mc:Fallback>
+      </mc:AlternateContent>
     </p:spTree>
     <p:extLst>
       <p:ext uri="{BB962C8B-B14F-4D97-AF65-F5344CB8AC3E}">
@@ -22689,7 +23518,7 @@
             <a:pPr algn="ctr"/>
             <a:r>
               <a:rPr lang="en-US" dirty="0"/>
-              <a:t>Implementation</a:t>
+              <a:t>Algorithms</a:t>
             </a:r>
           </a:p>
         </p:txBody>
@@ -22803,6 +23632,1806 @@
           </p:sp>
         </mc:Fallback>
       </mc:AlternateContent>
+      <mc:AlternateContent xmlns:mc="http://schemas.openxmlformats.org/markup-compatibility/2006">
+        <mc:Choice xmlns:a14="http://schemas.microsoft.com/office/drawing/2010/main" Requires="a14">
+          <p:sp>
+            <p:nvSpPr>
+              <p:cNvPr id="5" name="TextBox 4">
+                <a:extLst>
+                  <a:ext uri="{FF2B5EF4-FFF2-40B4-BE49-F238E27FC236}">
+                    <a16:creationId xmlns:a16="http://schemas.microsoft.com/office/drawing/2014/main" id="{C9A8E3C0-1C2E-BEB4-5967-D6C085FEEED1}"/>
+                  </a:ext>
+                </a:extLst>
+              </p:cNvPr>
+              <p:cNvSpPr txBox="1"/>
+              <p:nvPr/>
+            </p:nvSpPr>
+            <p:spPr>
+              <a:xfrm>
+                <a:off x="504825" y="777169"/>
+                <a:ext cx="10954078" cy="4247317"/>
+              </a:xfrm>
+              <a:prstGeom prst="rect">
+                <a:avLst/>
+              </a:prstGeom>
+              <a:noFill/>
+            </p:spPr>
+            <p:txBody>
+              <a:bodyPr wrap="square">
+                <a:spAutoFit/>
+              </a:bodyPr>
+              <a:lstStyle/>
+              <a:p>
+                <a:pPr lvl="3"/>
+                <a:endParaRPr lang="en-US" dirty="0"/>
+              </a:p>
+              <a:p>
+                <a:pPr marL="800100" lvl="1" indent="-342900">
+                  <a:buAutoNum type="arabicPeriod" startAt="3"/>
+                </a:pPr>
+                <a:r>
+                  <a:rPr lang="en-US" b="1" dirty="0"/>
+                  <a:t>Min Uncertainty</a:t>
+                </a:r>
+                <a:r>
+                  <a:rPr lang="en-US" dirty="0"/>
+                  <a:t>: chooses the question that has the most participation in the overlapping intervals of the candidates</a:t>
+                </a:r>
+              </a:p>
+              <a:p>
+                <a:pPr marL="800100" lvl="1" indent="-342900">
+                  <a:buAutoNum type="arabicPeriod" startAt="3"/>
+                </a:pPr>
+                <a:endParaRPr lang="en-US" dirty="0"/>
+              </a:p>
+              <a:p>
+                <a:pPr lvl="1"/>
+                <a:r>
+                  <a:rPr lang="en-US" dirty="0"/>
+                  <a:t>       </a:t>
+                </a:r>
+                <a14:m>
+                  <m:oMath xmlns:m="http://schemas.openxmlformats.org/officeDocument/2006/math">
+                    <m:r>
+                      <a:rPr lang="en-US" b="0" i="1" smtClean="0">
+                        <a:latin typeface="Cambria Math" panose="02040503050406030204" pitchFamily="18" charset="0"/>
+                      </a:rPr>
+                      <m:t>𝑓𝑜𝑟</m:t>
+                    </m:r>
+                    <m:r>
+                      <a:rPr lang="en-US" b="0" i="1" smtClean="0">
+                        <a:latin typeface="Cambria Math" panose="02040503050406030204" pitchFamily="18" charset="0"/>
+                      </a:rPr>
+                      <m:t> </m:t>
+                    </m:r>
+                    <m:r>
+                      <a:rPr lang="en-US" b="0" i="1" smtClean="0">
+                        <a:latin typeface="Cambria Math" panose="02040503050406030204" pitchFamily="18" charset="0"/>
+                      </a:rPr>
+                      <m:t>𝑒𝑎𝑐h</m:t>
+                    </m:r>
+                    <m:r>
+                      <a:rPr lang="en-US" b="0" i="1" smtClean="0">
+                        <a:latin typeface="Cambria Math" panose="02040503050406030204" pitchFamily="18" charset="0"/>
+                      </a:rPr>
+                      <m:t> </m:t>
+                    </m:r>
+                    <m:r>
+                      <a:rPr lang="en-US" b="0" i="1" smtClean="0">
+                        <a:latin typeface="Cambria Math" panose="02040503050406030204" pitchFamily="18" charset="0"/>
+                      </a:rPr>
+                      <m:t>𝑄</m:t>
+                    </m:r>
+                    <m:r>
+                      <a:rPr lang="en-US" i="1">
+                        <a:latin typeface="Cambria Math" panose="02040503050406030204" pitchFamily="18" charset="0"/>
+                        <a:ea typeface="Cambria Math" panose="02040503050406030204" pitchFamily="18" charset="0"/>
+                      </a:rPr>
+                      <m:t>∈</m:t>
+                    </m:r>
+                    <m:r>
+                      <a:rPr lang="en-US" b="0" i="1" smtClean="0">
+                        <a:latin typeface="Cambria Math" panose="02040503050406030204" pitchFamily="18" charset="0"/>
+                        <a:ea typeface="Cambria Math" panose="02040503050406030204" pitchFamily="18" charset="0"/>
+                      </a:rPr>
+                      <m:t>𝑇</m:t>
+                    </m:r>
+                    <m:r>
+                      <a:rPr lang="en-US" b="0" i="1" smtClean="0">
+                        <a:latin typeface="Cambria Math" panose="02040503050406030204" pitchFamily="18" charset="0"/>
+                        <a:ea typeface="Cambria Math" panose="02040503050406030204" pitchFamily="18" charset="0"/>
+                      </a:rPr>
+                      <m:t>:</m:t>
+                    </m:r>
+                  </m:oMath>
+                </a14:m>
+                <a:endParaRPr lang="en-US" b="0" dirty="0">
+                  <a:ea typeface="Cambria Math" panose="02040503050406030204" pitchFamily="18" charset="0"/>
+                </a:endParaRPr>
+              </a:p>
+              <a:p>
+                <a:pPr lvl="1"/>
+                <a:r>
+                  <a:rPr lang="en-US" dirty="0"/>
+                  <a:t>	</a:t>
+                </a:r>
+                <a14:m>
+                  <m:oMath xmlns:m="http://schemas.openxmlformats.org/officeDocument/2006/math">
+                    <m:r>
+                      <m:rPr>
+                        <m:sty m:val="p"/>
+                      </m:rPr>
+                      <a:rPr lang="en-US" b="0" i="0" smtClean="0">
+                        <a:latin typeface="Cambria Math" panose="02040503050406030204" pitchFamily="18" charset="0"/>
+                      </a:rPr>
+                      <m:t>for</m:t>
+                    </m:r>
+                    <m:r>
+                      <a:rPr lang="en-US" b="0" i="0" smtClean="0">
+                        <a:latin typeface="Cambria Math" panose="02040503050406030204" pitchFamily="18" charset="0"/>
+                      </a:rPr>
+                      <m:t> </m:t>
+                    </m:r>
+                    <m:r>
+                      <m:rPr>
+                        <m:sty m:val="p"/>
+                      </m:rPr>
+                      <a:rPr lang="en-US" b="0" i="0" smtClean="0">
+                        <a:latin typeface="Cambria Math" panose="02040503050406030204" pitchFamily="18" charset="0"/>
+                      </a:rPr>
+                      <m:t>each</m:t>
+                    </m:r>
+                    <m:r>
+                      <a:rPr lang="en-US" b="0" i="0" smtClean="0">
+                        <a:latin typeface="Cambria Math" panose="02040503050406030204" pitchFamily="18" charset="0"/>
+                      </a:rPr>
+                      <m:t> </m:t>
+                    </m:r>
+                    <m:r>
+                      <a:rPr lang="en-US" b="0" i="1" smtClean="0">
+                        <a:latin typeface="Cambria Math" panose="02040503050406030204" pitchFamily="18" charset="0"/>
+                      </a:rPr>
+                      <m:t>𝑐𝑎𝑛𝑑𝑖𝑑𝑎𝑡𝑒</m:t>
+                    </m:r>
+                    <m:r>
+                      <a:rPr lang="en-US" b="0" i="1" smtClean="0">
+                        <a:latin typeface="Cambria Math" panose="02040503050406030204" pitchFamily="18" charset="0"/>
+                      </a:rPr>
+                      <m:t> </m:t>
+                    </m:r>
+                    <m:r>
+                      <a:rPr lang="en-US" b="0" i="1" smtClean="0">
+                        <a:latin typeface="Cambria Math" panose="02040503050406030204" pitchFamily="18" charset="0"/>
+                      </a:rPr>
+                      <m:t>𝑐</m:t>
+                    </m:r>
+                    <m:r>
+                      <a:rPr lang="en-US" b="0" i="1" smtClean="0">
+                        <a:latin typeface="Cambria Math" panose="02040503050406030204" pitchFamily="18" charset="0"/>
+                      </a:rPr>
+                      <m:t> </m:t>
+                    </m:r>
+                    <m:r>
+                      <a:rPr lang="en-US" b="0" i="1" smtClean="0">
+                        <a:latin typeface="Cambria Math" panose="02040503050406030204" pitchFamily="18" charset="0"/>
+                      </a:rPr>
+                      <m:t>𝑡h𝑎𝑡</m:t>
+                    </m:r>
+                    <m:r>
+                      <a:rPr lang="en-US" b="0" i="1" smtClean="0">
+                        <a:latin typeface="Cambria Math" panose="02040503050406030204" pitchFamily="18" charset="0"/>
+                      </a:rPr>
+                      <m:t> </m:t>
+                    </m:r>
+                    <m:r>
+                      <a:rPr lang="en-US" b="0" i="1" smtClean="0">
+                        <a:latin typeface="Cambria Math" panose="02040503050406030204" pitchFamily="18" charset="0"/>
+                      </a:rPr>
+                      <m:t>h𝑎𝑠</m:t>
+                    </m:r>
+                    <m:r>
+                      <a:rPr lang="en-US" b="0" i="1" smtClean="0">
+                        <a:latin typeface="Cambria Math" panose="02040503050406030204" pitchFamily="18" charset="0"/>
+                      </a:rPr>
+                      <m:t> </m:t>
+                    </m:r>
+                    <m:r>
+                      <a:rPr lang="en-US" b="0" i="1" smtClean="0">
+                        <a:latin typeface="Cambria Math" panose="02040503050406030204" pitchFamily="18" charset="0"/>
+                      </a:rPr>
+                      <m:t>𝑄</m:t>
+                    </m:r>
+                    <m:r>
+                      <a:rPr lang="en-US" b="0" i="1" smtClean="0">
+                        <a:latin typeface="Cambria Math" panose="02040503050406030204" pitchFamily="18" charset="0"/>
+                      </a:rPr>
+                      <m:t>:</m:t>
+                    </m:r>
+                  </m:oMath>
+                </a14:m>
+                <a:endParaRPr lang="en-US" b="0" dirty="0"/>
+              </a:p>
+              <a:p>
+                <a:pPr lvl="1"/>
+                <a:r>
+                  <a:rPr lang="en-US" dirty="0"/>
+                  <a:t>	    </a:t>
+                </a:r>
+                <a14:m>
+                  <m:oMath xmlns:m="http://schemas.openxmlformats.org/officeDocument/2006/math">
+                    <m:r>
+                      <a:rPr lang="en-US" b="0" i="1" smtClean="0">
+                        <a:latin typeface="Cambria Math" panose="02040503050406030204" pitchFamily="18" charset="0"/>
+                      </a:rPr>
+                      <m:t>𝑆𝑐𝑜𝑟𝑒</m:t>
+                    </m:r>
+                    <m:r>
+                      <a:rPr lang="en-US" b="0" i="1" baseline="-25000" smtClean="0">
+                        <a:latin typeface="Cambria Math" panose="02040503050406030204" pitchFamily="18" charset="0"/>
+                      </a:rPr>
+                      <m:t>𝑄</m:t>
+                    </m:r>
+                    <m:r>
+                      <a:rPr lang="en-US" b="0" i="1" smtClean="0">
+                        <a:latin typeface="Cambria Math" panose="02040503050406030204" pitchFamily="18" charset="0"/>
+                      </a:rPr>
+                      <m:t>+=</m:t>
+                    </m:r>
+                    <m:nary>
+                      <m:naryPr>
+                        <m:chr m:val="∑"/>
+                        <m:supHide m:val="on"/>
+                        <m:ctrlPr>
+                          <a:rPr lang="en-US" i="1">
+                            <a:latin typeface="Cambria Math" panose="02040503050406030204" pitchFamily="18" charset="0"/>
+                          </a:rPr>
+                        </m:ctrlPr>
+                      </m:naryPr>
+                      <m:sub>
+                        <m:r>
+                          <m:rPr>
+                            <m:brk m:alnAt="7"/>
+                          </m:rPr>
+                          <a:rPr lang="en-US" i="1">
+                            <a:latin typeface="Cambria Math" panose="02040503050406030204" pitchFamily="18" charset="0"/>
+                          </a:rPr>
+                          <m:t>𝑐</m:t>
+                        </m:r>
+                        <m:r>
+                          <a:rPr lang="en-US" i="1">
+                            <a:latin typeface="Cambria Math" panose="02040503050406030204" pitchFamily="18" charset="0"/>
+                          </a:rPr>
+                          <m:t>′</m:t>
+                        </m:r>
+                      </m:sub>
+                      <m:sup/>
+                      <m:e>
+                        <m:r>
+                          <a:rPr lang="en-US" i="1">
+                            <a:latin typeface="Cambria Math" panose="02040503050406030204" pitchFamily="18" charset="0"/>
+                          </a:rPr>
+                          <m:t>𝑜𝑣𝑒𝑟𝑙𝑎𝑝</m:t>
+                        </m:r>
+                        <m:r>
+                          <a:rPr lang="en-US" i="1">
+                            <a:latin typeface="Cambria Math" panose="02040503050406030204" pitchFamily="18" charset="0"/>
+                          </a:rPr>
+                          <m:t>(</m:t>
+                        </m:r>
+                        <m:r>
+                          <a:rPr lang="en-US" i="1">
+                            <a:latin typeface="Cambria Math" panose="02040503050406030204" pitchFamily="18" charset="0"/>
+                          </a:rPr>
+                          <m:t>𝑐</m:t>
+                        </m:r>
+                        <m:r>
+                          <a:rPr lang="en-US" i="1">
+                            <a:latin typeface="Cambria Math" panose="02040503050406030204" pitchFamily="18" charset="0"/>
+                          </a:rPr>
+                          <m:t>, </m:t>
+                        </m:r>
+                        <m:sSup>
+                          <m:sSupPr>
+                            <m:ctrlPr>
+                              <a:rPr lang="en-US" i="1">
+                                <a:latin typeface="Cambria Math" panose="02040503050406030204" pitchFamily="18" charset="0"/>
+                              </a:rPr>
+                            </m:ctrlPr>
+                          </m:sSupPr>
+                          <m:e>
+                            <m:r>
+                              <a:rPr lang="en-US" i="1">
+                                <a:latin typeface="Cambria Math" panose="02040503050406030204" pitchFamily="18" charset="0"/>
+                              </a:rPr>
+                              <m:t>𝑐</m:t>
+                            </m:r>
+                          </m:e>
+                          <m:sup>
+                            <m:r>
+                              <a:rPr lang="en-US" i="1">
+                                <a:latin typeface="Cambria Math" panose="02040503050406030204" pitchFamily="18" charset="0"/>
+                              </a:rPr>
+                              <m:t>′</m:t>
+                            </m:r>
+                          </m:sup>
+                        </m:sSup>
+                        <m:r>
+                          <a:rPr lang="en-US" i="1">
+                            <a:latin typeface="Cambria Math" panose="02040503050406030204" pitchFamily="18" charset="0"/>
+                          </a:rPr>
+                          <m:t>)</m:t>
+                        </m:r>
+                      </m:e>
+                    </m:nary>
+                  </m:oMath>
+                </a14:m>
+                <a:endParaRPr lang="en-US" dirty="0"/>
+              </a:p>
+              <a:p>
+                <a:pPr lvl="1"/>
+                <a:r>
+                  <a:rPr lang="en-US" dirty="0"/>
+                  <a:t>       </a:t>
+                </a:r>
+                <a14:m>
+                  <m:oMath xmlns:m="http://schemas.openxmlformats.org/officeDocument/2006/math">
+                    <m:r>
+                      <a:rPr lang="en-US" b="0" i="1" smtClean="0">
+                        <a:latin typeface="Cambria Math" panose="02040503050406030204" pitchFamily="18" charset="0"/>
+                      </a:rPr>
+                      <m:t>𝑐h𝑜𝑠𝑒𝑛</m:t>
+                    </m:r>
+                    <m:r>
+                      <a:rPr lang="en-US" b="0" i="1" smtClean="0">
+                        <a:latin typeface="Cambria Math" panose="02040503050406030204" pitchFamily="18" charset="0"/>
+                      </a:rPr>
+                      <m:t> </m:t>
+                    </m:r>
+                    <m:r>
+                      <a:rPr lang="en-US" b="0" i="1" smtClean="0">
+                        <a:latin typeface="Cambria Math" panose="02040503050406030204" pitchFamily="18" charset="0"/>
+                      </a:rPr>
+                      <m:t>𝑐𝑎𝑛𝑑𝑖𝑑𝑎𝑡𝑒</m:t>
+                    </m:r>
+                    <m:r>
+                      <a:rPr lang="en-US" b="0" i="1" smtClean="0">
+                        <a:latin typeface="Cambria Math" panose="02040503050406030204" pitchFamily="18" charset="0"/>
+                      </a:rPr>
+                      <m:t>=</m:t>
+                    </m:r>
+                    <m:r>
+                      <a:rPr lang="en-US" b="0" i="1" smtClean="0">
+                        <a:latin typeface="Cambria Math" panose="02040503050406030204" pitchFamily="18" charset="0"/>
+                      </a:rPr>
+                      <m:t>𝑎𝑟𝑔𝑚𝑎𝑥𝑄</m:t>
+                    </m:r>
+                    <m:r>
+                      <a:rPr lang="en-US" b="0" i="1" smtClean="0">
+                        <a:latin typeface="Cambria Math" panose="02040503050406030204" pitchFamily="18" charset="0"/>
+                      </a:rPr>
+                      <m:t> </m:t>
+                    </m:r>
+                    <m:r>
+                      <a:rPr lang="en-US" b="0" i="1" smtClean="0">
+                        <a:latin typeface="Cambria Math" panose="02040503050406030204" pitchFamily="18" charset="0"/>
+                      </a:rPr>
+                      <m:t>𝑆𝑐𝑜𝑟𝑒</m:t>
+                    </m:r>
+                  </m:oMath>
+                </a14:m>
+                <a:endParaRPr lang="en-US" dirty="0"/>
+              </a:p>
+              <a:p>
+                <a:pPr marL="800100" lvl="1" indent="-342900">
+                  <a:buFont typeface="+mj-lt"/>
+                  <a:buAutoNum type="arabicPeriod"/>
+                </a:pPr>
+                <a:endParaRPr lang="en-US" dirty="0"/>
+              </a:p>
+              <a:p>
+                <a:pPr lvl="2"/>
+                <a:r>
+                  <a:rPr lang="en-US" b="0" dirty="0">
+                    <a:ea typeface="Cambria Math" panose="02040503050406030204" pitchFamily="18" charset="0"/>
+                  </a:rPr>
+                  <a:t>	</a:t>
+                </a:r>
+              </a:p>
+              <a:p>
+                <a:pPr lvl="2"/>
+                <a:endParaRPr lang="en-US" b="0" dirty="0"/>
+              </a:p>
+              <a:p>
+                <a:pPr lvl="2"/>
+                <a:endParaRPr lang="en-US" b="0" dirty="0"/>
+              </a:p>
+              <a:p>
+                <a:pPr lvl="2"/>
+                <a:r>
+                  <a:rPr lang="en-US" dirty="0"/>
+                  <a:t>			</a:t>
+                </a:r>
+              </a:p>
+              <a:p>
+                <a:pPr marL="1257300" lvl="2" indent="-342900">
+                  <a:buFont typeface="Arial" panose="020B0604020202020204" pitchFamily="34" charset="0"/>
+                  <a:buChar char="•"/>
+                </a:pPr>
+                <a:endParaRPr lang="en-US" dirty="0"/>
+              </a:p>
+              <a:p>
+                <a:pPr lvl="1"/>
+                <a:endParaRPr lang="en-US" dirty="0"/>
+              </a:p>
+            </p:txBody>
+          </p:sp>
+        </mc:Choice>
+        <mc:Fallback>
+          <p:sp>
+            <p:nvSpPr>
+              <p:cNvPr id="5" name="TextBox 4">
+                <a:extLst>
+                  <a:ext uri="{FF2B5EF4-FFF2-40B4-BE49-F238E27FC236}">
+                    <a16:creationId xmlns:a16="http://schemas.microsoft.com/office/drawing/2014/main" id="{C9A8E3C0-1C2E-BEB4-5967-D6C085FEEED1}"/>
+                  </a:ext>
+                </a:extLst>
+              </p:cNvPr>
+              <p:cNvSpPr txBox="1">
+                <a:spLocks noRot="1" noChangeAspect="1" noMove="1" noResize="1" noEditPoints="1" noAdjustHandles="1" noChangeArrowheads="1" noChangeShapeType="1" noTextEdit="1"/>
+              </p:cNvSpPr>
+              <p:nvPr/>
+            </p:nvSpPr>
+            <p:spPr>
+              <a:xfrm>
+                <a:off x="504825" y="777169"/>
+                <a:ext cx="10954078" cy="4247317"/>
+              </a:xfrm>
+              <a:prstGeom prst="rect">
+                <a:avLst/>
+              </a:prstGeom>
+              <a:blipFill>
+                <a:blip r:embed="rId3"/>
+                <a:stretch>
+                  <a:fillRect/>
+                </a:stretch>
+              </a:blipFill>
+            </p:spPr>
+            <p:txBody>
+              <a:bodyPr/>
+              <a:lstStyle/>
+              <a:p>
+                <a:r>
+                  <a:rPr lang="en-US">
+                    <a:noFill/>
+                  </a:rPr>
+                  <a:t> </a:t>
+                </a:r>
+              </a:p>
+            </p:txBody>
+          </p:sp>
+        </mc:Fallback>
+      </mc:AlternateContent>
+      <p:pic>
+        <p:nvPicPr>
+          <p:cNvPr id="6" name="Picture 5" descr="A black and white image of arrows&#10;&#10;Description automatically generated">
+            <a:extLst>
+              <a:ext uri="{FF2B5EF4-FFF2-40B4-BE49-F238E27FC236}">
+                <a16:creationId xmlns:a16="http://schemas.microsoft.com/office/drawing/2014/main" id="{4421F3B2-BC39-0A76-183F-432FE1D7141A}"/>
+              </a:ext>
+            </a:extLst>
+          </p:cNvPr>
+          <p:cNvPicPr>
+            <a:picLocks noChangeAspect="1"/>
+          </p:cNvPicPr>
+          <p:nvPr/>
+        </p:nvPicPr>
+        <p:blipFill>
+          <a:blip r:embed="rId4"/>
+          <a:stretch>
+            <a:fillRect/>
+          </a:stretch>
+        </p:blipFill>
+        <p:spPr>
+          <a:xfrm>
+            <a:off x="2743200" y="3984624"/>
+            <a:ext cx="6705600" cy="2095500"/>
+          </a:xfrm>
+          <a:prstGeom prst="rect">
+            <a:avLst/>
+          </a:prstGeom>
+        </p:spPr>
+      </p:pic>
+    </p:spTree>
+    <p:extLst>
+      <p:ext uri="{BB962C8B-B14F-4D97-AF65-F5344CB8AC3E}">
+        <p14:creationId xmlns:p14="http://schemas.microsoft.com/office/powerpoint/2010/main" val="489473988"/>
+      </p:ext>
+    </p:extLst>
+  </p:cSld>
+  <p:clrMapOvr>
+    <a:masterClrMapping/>
+  </p:clrMapOvr>
+</p:sld>
+</file>
+
+<file path=ppt/slides/slide39.xml><?xml version="1.0" encoding="utf-8"?>
+<p:sld xmlns:a="http://schemas.openxmlformats.org/drawingml/2006/main" xmlns:r="http://schemas.openxmlformats.org/officeDocument/2006/relationships" xmlns:p="http://schemas.openxmlformats.org/presentationml/2006/main">
+  <p:cSld>
+    <p:spTree>
+      <p:nvGrpSpPr>
+        <p:cNvPr id="1" name=""/>
+        <p:cNvGrpSpPr/>
+        <p:nvPr/>
+      </p:nvGrpSpPr>
+      <p:grpSpPr>
+        <a:xfrm>
+          <a:off x="0" y="0"/>
+          <a:ext cx="0" cy="0"/>
+          <a:chOff x="0" y="0"/>
+          <a:chExt cx="0" cy="0"/>
+        </a:xfrm>
+      </p:grpSpPr>
+      <p:sp>
+        <p:nvSpPr>
+          <p:cNvPr id="2" name="Title 1">
+            <a:extLst>
+              <a:ext uri="{FF2B5EF4-FFF2-40B4-BE49-F238E27FC236}">
+                <a16:creationId xmlns:a16="http://schemas.microsoft.com/office/drawing/2014/main" id="{88ABCA84-F0B3-F083-35FC-6C2D94DF3B07}"/>
+              </a:ext>
+            </a:extLst>
+          </p:cNvPr>
+          <p:cNvSpPr>
+            <a:spLocks noGrp="1"/>
+          </p:cNvSpPr>
+          <p:nvPr>
+            <p:ph type="title"/>
+          </p:nvPr>
+        </p:nvSpPr>
+        <p:spPr>
+          <a:xfrm>
+            <a:off x="771525" y="-238080"/>
+            <a:ext cx="10515600" cy="1325563"/>
+          </a:xfrm>
+        </p:spPr>
+        <p:txBody>
+          <a:bodyPr/>
+          <a:lstStyle/>
+          <a:p>
+            <a:pPr algn="ctr"/>
+            <a:r>
+              <a:rPr lang="en-US" dirty="0"/>
+              <a:t>Algorithms</a:t>
+            </a:r>
+          </a:p>
+        </p:txBody>
+      </p:sp>
+      <mc:AlternateContent xmlns:mc="http://schemas.openxmlformats.org/markup-compatibility/2006" xmlns:a14="http://schemas.microsoft.com/office/drawing/2010/main">
+        <mc:Choice Requires="a14">
+          <p:sp>
+            <p:nvSpPr>
+              <p:cNvPr id="3" name="Content Placeholder 2">
+                <a:extLst>
+                  <a:ext uri="{FF2B5EF4-FFF2-40B4-BE49-F238E27FC236}">
+                    <a16:creationId xmlns:a16="http://schemas.microsoft.com/office/drawing/2014/main" id="{5DF251DC-4F64-5D48-6C5F-F604B6F609CD}"/>
+                  </a:ext>
+                </a:extLst>
+              </p:cNvPr>
+              <p:cNvSpPr>
+                <a:spLocks noGrp="1"/>
+              </p:cNvSpPr>
+              <p:nvPr>
+                <p:ph idx="1"/>
+              </p:nvPr>
+            </p:nvSpPr>
+            <p:spPr>
+              <a:xfrm>
+                <a:off x="371475" y="1325562"/>
+                <a:ext cx="11315700" cy="5318125"/>
+              </a:xfrm>
+            </p:spPr>
+            <p:txBody>
+              <a:bodyPr>
+                <a:normAutofit/>
+              </a:bodyPr>
+              <a:lstStyle/>
+              <a:p>
+                <a:pPr lvl="2"/>
+                <a:endParaRPr lang="en-US" dirty="0"/>
+              </a:p>
+              <a:p>
+                <a:pPr marL="0" indent="0">
+                  <a:buNone/>
+                </a:pPr>
+                <a:endParaRPr lang="en-US" i="1" dirty="0">
+                  <a:latin typeface="Cambria Math" panose="02040503050406030204" pitchFamily="18" charset="0"/>
+                </a:endParaRPr>
+              </a:p>
+              <a:p>
+                <a:pPr marL="0" indent="0">
+                  <a:buNone/>
+                </a:pPr>
+                <a14:m>
+                  <m:oMathPara xmlns:m="http://schemas.openxmlformats.org/officeDocument/2006/math">
+                    <m:oMathParaPr>
+                      <m:jc m:val="centerGroup"/>
+                    </m:oMathParaPr>
+                    <m:oMath xmlns:m="http://schemas.openxmlformats.org/officeDocument/2006/math">
+                      <m:r>
+                        <a:rPr lang="en-US" i="1" dirty="0" smtClean="0">
+                          <a:latin typeface="Cambria Math" panose="02040503050406030204" pitchFamily="18" charset="0"/>
+                        </a:rPr>
+                        <m:t>  </m:t>
+                      </m:r>
+                    </m:oMath>
+                  </m:oMathPara>
+                </a14:m>
+                <a:endParaRPr lang="en-US" dirty="0"/>
+              </a:p>
+            </p:txBody>
+          </p:sp>
+        </mc:Choice>
+        <mc:Fallback xmlns="">
+          <p:sp>
+            <p:nvSpPr>
+              <p:cNvPr id="3" name="Content Placeholder 2">
+                <a:extLst>
+                  <a:ext uri="{FF2B5EF4-FFF2-40B4-BE49-F238E27FC236}">
+                    <a16:creationId xmlns:a16="http://schemas.microsoft.com/office/drawing/2014/main" id="{5DF251DC-4F64-5D48-6C5F-F604B6F609CD}"/>
+                  </a:ext>
+                </a:extLst>
+              </p:cNvPr>
+              <p:cNvSpPr>
+                <a:spLocks noGrp="1" noRot="1" noChangeAspect="1" noMove="1" noResize="1" noEditPoints="1" noAdjustHandles="1" noChangeArrowheads="1" noChangeShapeType="1" noTextEdit="1"/>
+              </p:cNvSpPr>
+              <p:nvPr>
+                <p:ph idx="1"/>
+              </p:nvPr>
+            </p:nvSpPr>
+            <p:spPr>
+              <a:xfrm>
+                <a:off x="371475" y="1325562"/>
+                <a:ext cx="11315700" cy="5318125"/>
+              </a:xfrm>
+              <a:blipFill>
+                <a:blip r:embed="rId2"/>
+                <a:stretch>
+                  <a:fillRect/>
+                </a:stretch>
+              </a:blipFill>
+            </p:spPr>
+            <p:txBody>
+              <a:bodyPr/>
+              <a:lstStyle/>
+              <a:p>
+                <a:r>
+                  <a:rPr lang="en-US">
+                    <a:noFill/>
+                  </a:rPr>
+                  <a:t> </a:t>
+                </a:r>
+              </a:p>
+            </p:txBody>
+          </p:sp>
+        </mc:Fallback>
+      </mc:AlternateContent>
+      <mc:AlternateContent xmlns:mc="http://schemas.openxmlformats.org/markup-compatibility/2006">
+        <mc:Choice xmlns:a14="http://schemas.microsoft.com/office/drawing/2010/main" Requires="a14">
+          <p:sp>
+            <p:nvSpPr>
+              <p:cNvPr id="5" name="TextBox 4">
+                <a:extLst>
+                  <a:ext uri="{FF2B5EF4-FFF2-40B4-BE49-F238E27FC236}">
+                    <a16:creationId xmlns:a16="http://schemas.microsoft.com/office/drawing/2014/main" id="{C9A8E3C0-1C2E-BEB4-5967-D6C085FEEED1}"/>
+                  </a:ext>
+                </a:extLst>
+              </p:cNvPr>
+              <p:cNvSpPr txBox="1"/>
+              <p:nvPr/>
+            </p:nvSpPr>
+            <p:spPr>
+              <a:xfrm>
+                <a:off x="504825" y="777169"/>
+                <a:ext cx="10954078" cy="5078313"/>
+              </a:xfrm>
+              <a:prstGeom prst="rect">
+                <a:avLst/>
+              </a:prstGeom>
+              <a:noFill/>
+            </p:spPr>
+            <p:txBody>
+              <a:bodyPr wrap="square">
+                <a:spAutoFit/>
+              </a:bodyPr>
+              <a:lstStyle/>
+              <a:p>
+                <a:pPr lvl="1"/>
+                <a:endParaRPr lang="en-US" dirty="0"/>
+              </a:p>
+              <a:p>
+                <a:pPr marL="800100" lvl="1" indent="-342900">
+                  <a:buAutoNum type="arabicPeriod" startAt="4"/>
+                </a:pPr>
+                <a:r>
+                  <a:rPr lang="en-US" b="1" dirty="0"/>
+                  <a:t>Lowest Overlap: </a:t>
+                </a:r>
+              </a:p>
+              <a:p>
+                <a:pPr marL="1257300" lvl="2" indent="-342900">
+                  <a:buFont typeface="+mj-lt"/>
+                  <a:buAutoNum type="arabicPeriod"/>
+                </a:pPr>
+                <a:r>
+                  <a:rPr lang="en-US" dirty="0"/>
+                  <a:t>Choose a candidate where </a:t>
+                </a:r>
+                <a:r>
+                  <a:rPr lang="en-US" dirty="0" err="1"/>
+                  <a:t>LB</a:t>
+                </a:r>
+                <a:r>
+                  <a:rPr lang="en-US" baseline="-25000" dirty="0" err="1"/>
+                  <a:t>c</a:t>
+                </a:r>
+                <a:r>
+                  <a:rPr lang="en-US" dirty="0"/>
+                  <a:t> has the lowest overlap with the UB of others + largest non-overlapping area</a:t>
+                </a:r>
+              </a:p>
+              <a:p>
+                <a:pPr marL="1257300" lvl="2" indent="-342900">
+                  <a:buFont typeface="+mj-lt"/>
+                  <a:buAutoNum type="arabicPeriod"/>
+                </a:pPr>
+                <a:r>
+                  <a:rPr lang="en-US" dirty="0"/>
+                  <a:t>After choosing a candidate, it chooses a tuple of that candidate based on Min Uncertainty approach (Algorithm 3)</a:t>
+                </a:r>
+              </a:p>
+              <a:p>
+                <a:pPr lvl="2"/>
+                <a:endParaRPr lang="en-US" dirty="0"/>
+              </a:p>
+              <a:p>
+                <a:pPr lvl="2"/>
+                <a:r>
+                  <a:rPr lang="en-US" b="0" dirty="0"/>
+                  <a:t>    </a:t>
+                </a:r>
+                <a14:m>
+                  <m:oMath xmlns:m="http://schemas.openxmlformats.org/officeDocument/2006/math">
+                    <m:r>
+                      <a:rPr lang="en-US" b="0" i="1" smtClean="0">
+                        <a:latin typeface="Cambria Math" panose="02040503050406030204" pitchFamily="18" charset="0"/>
+                      </a:rPr>
+                      <m:t>𝑐</m:t>
+                    </m:r>
+                    <m:r>
+                      <a:rPr lang="en-US" b="0" i="1" smtClean="0">
+                        <a:latin typeface="Cambria Math" panose="02040503050406030204" pitchFamily="18" charset="0"/>
+                      </a:rPr>
+                      <m:t>= </m:t>
+                    </m:r>
+                    <m:r>
+                      <a:rPr lang="en-US" b="0" i="1" smtClean="0">
+                        <a:latin typeface="Cambria Math" panose="02040503050406030204" pitchFamily="18" charset="0"/>
+                      </a:rPr>
+                      <m:t>𝑎𝑟𝑔𝑚𝑎𝑥𝑐</m:t>
+                    </m:r>
+                    <m:r>
+                      <a:rPr lang="en-US" b="0" i="1" smtClean="0">
+                        <a:latin typeface="Cambria Math" panose="02040503050406030204" pitchFamily="18" charset="0"/>
+                      </a:rPr>
+                      <m:t> </m:t>
+                    </m:r>
+                    <m:d>
+                      <m:dPr>
+                        <m:ctrlPr>
+                          <a:rPr lang="en-US" b="0" i="1" smtClean="0">
+                            <a:latin typeface="Cambria Math" panose="02040503050406030204" pitchFamily="18" charset="0"/>
+                          </a:rPr>
+                        </m:ctrlPr>
+                      </m:dPr>
+                      <m:e>
+                        <m:r>
+                          <a:rPr lang="en-US" b="0" i="1" smtClean="0">
+                            <a:latin typeface="Cambria Math" panose="02040503050406030204" pitchFamily="18" charset="0"/>
+                          </a:rPr>
+                          <m:t>𝑈𝐵</m:t>
+                        </m:r>
+                        <m:r>
+                          <a:rPr lang="en-US" b="0" i="1" baseline="-25000" smtClean="0">
+                            <a:latin typeface="Cambria Math" panose="02040503050406030204" pitchFamily="18" charset="0"/>
+                          </a:rPr>
+                          <m:t>𝑐</m:t>
+                        </m:r>
+                        <m:r>
+                          <a:rPr lang="en-US" b="0" i="1" smtClean="0">
+                            <a:latin typeface="Cambria Math" panose="02040503050406030204" pitchFamily="18" charset="0"/>
+                          </a:rPr>
+                          <m:t> −</m:t>
+                        </m:r>
+                        <m:func>
+                          <m:funcPr>
+                            <m:ctrlPr>
+                              <a:rPr lang="en-US" b="0" i="1" smtClean="0">
+                                <a:latin typeface="Cambria Math" panose="02040503050406030204" pitchFamily="18" charset="0"/>
+                              </a:rPr>
+                            </m:ctrlPr>
+                          </m:funcPr>
+                          <m:fName>
+                            <m:r>
+                              <m:rPr>
+                                <m:sty m:val="p"/>
+                              </m:rPr>
+                              <a:rPr lang="en-US" b="0" i="0" smtClean="0">
+                                <a:latin typeface="Cambria Math" panose="02040503050406030204" pitchFamily="18" charset="0"/>
+                              </a:rPr>
+                              <m:t>max</m:t>
+                            </m:r>
+                          </m:fName>
+                          <m:e>
+                            <m:d>
+                              <m:dPr>
+                                <m:ctrlPr>
+                                  <a:rPr lang="en-US" b="0" i="1" smtClean="0">
+                                    <a:latin typeface="Cambria Math" panose="02040503050406030204" pitchFamily="18" charset="0"/>
+                                  </a:rPr>
+                                </m:ctrlPr>
+                              </m:dPr>
+                              <m:e>
+                                <m:r>
+                                  <a:rPr lang="en-US" b="0" i="1" smtClean="0">
+                                    <a:latin typeface="Cambria Math" panose="02040503050406030204" pitchFamily="18" charset="0"/>
+                                  </a:rPr>
+                                  <m:t>𝑈𝐵</m:t>
+                                </m:r>
+                                <m:sSup>
+                                  <m:sSupPr>
+                                    <m:ctrlPr>
+                                      <a:rPr lang="en-US" b="0" i="1" baseline="-25000" smtClean="0">
+                                        <a:latin typeface="Cambria Math" panose="02040503050406030204" pitchFamily="18" charset="0"/>
+                                      </a:rPr>
+                                    </m:ctrlPr>
+                                  </m:sSupPr>
+                                  <m:e>
+                                    <m:r>
+                                      <a:rPr lang="en-US" b="0" i="1" baseline="-25000" smtClean="0">
+                                        <a:latin typeface="Cambria Math" panose="02040503050406030204" pitchFamily="18" charset="0"/>
+                                      </a:rPr>
+                                      <m:t>𝐶</m:t>
+                                    </m:r>
+                                  </m:e>
+                                  <m:sup>
+                                    <m:r>
+                                      <a:rPr lang="en-US" b="0" i="1" baseline="-25000" smtClean="0">
+                                        <a:latin typeface="Cambria Math" panose="02040503050406030204" pitchFamily="18" charset="0"/>
+                                      </a:rPr>
+                                      <m:t>′</m:t>
+                                    </m:r>
+                                  </m:sup>
+                                </m:sSup>
+                              </m:e>
+                            </m:d>
+                          </m:e>
+                        </m:func>
+                      </m:e>
+                    </m:d>
+                    <m:r>
+                      <a:rPr lang="en-US" b="0" i="1" smtClean="0">
+                        <a:latin typeface="Cambria Math" panose="02040503050406030204" pitchFamily="18" charset="0"/>
+                      </a:rPr>
+                      <m:t>+(</m:t>
+                    </m:r>
+                    <m:d>
+                      <m:dPr>
+                        <m:ctrlPr>
+                          <a:rPr lang="en-US" i="1">
+                            <a:latin typeface="Cambria Math" panose="02040503050406030204" pitchFamily="18" charset="0"/>
+                          </a:rPr>
+                        </m:ctrlPr>
+                      </m:dPr>
+                      <m:e>
+                        <m:r>
+                          <a:rPr lang="en-US" b="0" i="1" smtClean="0">
+                            <a:latin typeface="Cambria Math" panose="02040503050406030204" pitchFamily="18" charset="0"/>
+                          </a:rPr>
+                          <m:t>𝐿</m:t>
+                        </m:r>
+                        <m:r>
+                          <a:rPr lang="en-US" i="1">
+                            <a:latin typeface="Cambria Math" panose="02040503050406030204" pitchFamily="18" charset="0"/>
+                          </a:rPr>
+                          <m:t>𝐵</m:t>
+                        </m:r>
+                        <m:r>
+                          <a:rPr lang="en-US" i="1" baseline="-25000">
+                            <a:latin typeface="Cambria Math" panose="02040503050406030204" pitchFamily="18" charset="0"/>
+                          </a:rPr>
+                          <m:t>𝑐</m:t>
+                        </m:r>
+                        <m:r>
+                          <a:rPr lang="en-US" i="1">
+                            <a:latin typeface="Cambria Math" panose="02040503050406030204" pitchFamily="18" charset="0"/>
+                          </a:rPr>
+                          <m:t> −</m:t>
+                        </m:r>
+                        <m:func>
+                          <m:funcPr>
+                            <m:ctrlPr>
+                              <a:rPr lang="en-US" i="1">
+                                <a:latin typeface="Cambria Math" panose="02040503050406030204" pitchFamily="18" charset="0"/>
+                              </a:rPr>
+                            </m:ctrlPr>
+                          </m:funcPr>
+                          <m:fName>
+                            <m:r>
+                              <m:rPr>
+                                <m:sty m:val="p"/>
+                              </m:rPr>
+                              <a:rPr lang="en-US">
+                                <a:latin typeface="Cambria Math" panose="02040503050406030204" pitchFamily="18" charset="0"/>
+                              </a:rPr>
+                              <m:t>max</m:t>
+                            </m:r>
+                          </m:fName>
+                          <m:e>
+                            <m:d>
+                              <m:dPr>
+                                <m:ctrlPr>
+                                  <a:rPr lang="en-US" i="1">
+                                    <a:latin typeface="Cambria Math" panose="02040503050406030204" pitchFamily="18" charset="0"/>
+                                  </a:rPr>
+                                </m:ctrlPr>
+                              </m:dPr>
+                              <m:e>
+                                <m:r>
+                                  <a:rPr lang="en-US" i="1">
+                                    <a:latin typeface="Cambria Math" panose="02040503050406030204" pitchFamily="18" charset="0"/>
+                                  </a:rPr>
+                                  <m:t>𝑈𝐵</m:t>
+                                </m:r>
+                                <m:sSup>
+                                  <m:sSupPr>
+                                    <m:ctrlPr>
+                                      <a:rPr lang="en-US" i="1" baseline="-25000">
+                                        <a:latin typeface="Cambria Math" panose="02040503050406030204" pitchFamily="18" charset="0"/>
+                                      </a:rPr>
+                                    </m:ctrlPr>
+                                  </m:sSupPr>
+                                  <m:e>
+                                    <m:r>
+                                      <a:rPr lang="en-US" i="1" baseline="-25000">
+                                        <a:latin typeface="Cambria Math" panose="02040503050406030204" pitchFamily="18" charset="0"/>
+                                      </a:rPr>
+                                      <m:t>𝐶</m:t>
+                                    </m:r>
+                                  </m:e>
+                                  <m:sup>
+                                    <m:r>
+                                      <a:rPr lang="en-US" i="1" baseline="-25000">
+                                        <a:latin typeface="Cambria Math" panose="02040503050406030204" pitchFamily="18" charset="0"/>
+                                      </a:rPr>
+                                      <m:t>′</m:t>
+                                    </m:r>
+                                  </m:sup>
+                                </m:sSup>
+                              </m:e>
+                            </m:d>
+                          </m:e>
+                        </m:func>
+                      </m:e>
+                    </m:d>
+                  </m:oMath>
+                </a14:m>
+                <a:endParaRPr lang="en-US" b="0" dirty="0"/>
+              </a:p>
+              <a:p>
+                <a:pPr lvl="2"/>
+                <a14:m>
+                  <m:oMathPara xmlns:m="http://schemas.openxmlformats.org/officeDocument/2006/math">
+                    <m:oMathParaPr>
+                      <m:jc m:val="left"/>
+                    </m:oMathParaPr>
+                    <m:oMath xmlns:m="http://schemas.openxmlformats.org/officeDocument/2006/math">
+                      <m:r>
+                        <a:rPr lang="en-US" b="0" i="1" smtClean="0">
+                          <a:latin typeface="Cambria Math" panose="02040503050406030204" pitchFamily="18" charset="0"/>
+                        </a:rPr>
+                        <m:t>   </m:t>
+                      </m:r>
+                      <m:r>
+                        <a:rPr lang="en-US" b="0" i="1" smtClean="0">
+                          <a:latin typeface="Cambria Math" panose="02040503050406030204" pitchFamily="18" charset="0"/>
+                        </a:rPr>
+                        <m:t>𝑓𝑜𝑟</m:t>
+                      </m:r>
+                      <m:r>
+                        <a:rPr lang="en-US" b="0" i="1" smtClean="0">
+                          <a:latin typeface="Cambria Math" panose="02040503050406030204" pitchFamily="18" charset="0"/>
+                        </a:rPr>
+                        <m:t> </m:t>
+                      </m:r>
+                      <m:r>
+                        <a:rPr lang="en-US" b="0" i="1" smtClean="0">
+                          <a:latin typeface="Cambria Math" panose="02040503050406030204" pitchFamily="18" charset="0"/>
+                        </a:rPr>
+                        <m:t>𝑒𝑎𝑐h</m:t>
+                      </m:r>
+                      <m:r>
+                        <a:rPr lang="en-US" b="0" i="1" smtClean="0">
+                          <a:latin typeface="Cambria Math" panose="02040503050406030204" pitchFamily="18" charset="0"/>
+                        </a:rPr>
+                        <m:t> </m:t>
+                      </m:r>
+                      <m:r>
+                        <a:rPr lang="en-US" b="0" i="1" smtClean="0">
+                          <a:latin typeface="Cambria Math" panose="02040503050406030204" pitchFamily="18" charset="0"/>
+                        </a:rPr>
+                        <m:t>𝑄</m:t>
+                      </m:r>
+                      <m:r>
+                        <a:rPr lang="en-US" i="1">
+                          <a:latin typeface="Cambria Math" panose="02040503050406030204" pitchFamily="18" charset="0"/>
+                          <a:ea typeface="Cambria Math" panose="02040503050406030204" pitchFamily="18" charset="0"/>
+                        </a:rPr>
+                        <m:t>∈</m:t>
+                      </m:r>
+                      <m:r>
+                        <a:rPr lang="en-US" b="0" i="1" smtClean="0">
+                          <a:latin typeface="Cambria Math" panose="02040503050406030204" pitchFamily="18" charset="0"/>
+                          <a:ea typeface="Cambria Math" panose="02040503050406030204" pitchFamily="18" charset="0"/>
+                        </a:rPr>
+                        <m:t>𝐶</m:t>
+                      </m:r>
+                      <m:r>
+                        <a:rPr lang="en-US" b="0" i="1" smtClean="0">
+                          <a:latin typeface="Cambria Math" panose="02040503050406030204" pitchFamily="18" charset="0"/>
+                          <a:ea typeface="Cambria Math" panose="02040503050406030204" pitchFamily="18" charset="0"/>
+                        </a:rPr>
+                        <m:t>:</m:t>
+                      </m:r>
+                    </m:oMath>
+                  </m:oMathPara>
+                </a14:m>
+                <a:endParaRPr lang="en-US" b="0" dirty="0">
+                  <a:ea typeface="Cambria Math" panose="02040503050406030204" pitchFamily="18" charset="0"/>
+                </a:endParaRPr>
+              </a:p>
+              <a:p>
+                <a:pPr lvl="2"/>
+                <a:r>
+                  <a:rPr lang="en-US" dirty="0"/>
+                  <a:t>          </a:t>
+                </a:r>
+                <a14:m>
+                  <m:oMath xmlns:m="http://schemas.openxmlformats.org/officeDocument/2006/math">
+                    <m:r>
+                      <m:rPr>
+                        <m:sty m:val="p"/>
+                      </m:rPr>
+                      <a:rPr lang="en-US" b="0" i="0" smtClean="0">
+                        <a:latin typeface="Cambria Math" panose="02040503050406030204" pitchFamily="18" charset="0"/>
+                      </a:rPr>
+                      <m:t>for</m:t>
+                    </m:r>
+                    <m:r>
+                      <a:rPr lang="en-US" b="0" i="0" smtClean="0">
+                        <a:latin typeface="Cambria Math" panose="02040503050406030204" pitchFamily="18" charset="0"/>
+                      </a:rPr>
+                      <m:t> </m:t>
+                    </m:r>
+                    <m:r>
+                      <m:rPr>
+                        <m:sty m:val="p"/>
+                      </m:rPr>
+                      <a:rPr lang="en-US" b="0" i="0" smtClean="0">
+                        <a:latin typeface="Cambria Math" panose="02040503050406030204" pitchFamily="18" charset="0"/>
+                      </a:rPr>
+                      <m:t>each</m:t>
+                    </m:r>
+                    <m:r>
+                      <a:rPr lang="en-US" b="0" i="0" smtClean="0">
+                        <a:latin typeface="Cambria Math" panose="02040503050406030204" pitchFamily="18" charset="0"/>
+                      </a:rPr>
+                      <m:t> </m:t>
+                    </m:r>
+                    <m:r>
+                      <a:rPr lang="en-US" b="0" i="1" smtClean="0">
+                        <a:latin typeface="Cambria Math" panose="02040503050406030204" pitchFamily="18" charset="0"/>
+                      </a:rPr>
+                      <m:t>𝑐𝑎𝑛𝑑𝑖𝑑𝑎𝑡𝑒</m:t>
+                    </m:r>
+                    <m:r>
+                      <a:rPr lang="en-US" b="0" i="1" smtClean="0">
+                        <a:latin typeface="Cambria Math" panose="02040503050406030204" pitchFamily="18" charset="0"/>
+                      </a:rPr>
+                      <m:t> </m:t>
+                    </m:r>
+                    <m:r>
+                      <a:rPr lang="en-US" b="0" i="1" smtClean="0">
+                        <a:latin typeface="Cambria Math" panose="02040503050406030204" pitchFamily="18" charset="0"/>
+                      </a:rPr>
+                      <m:t>𝑐</m:t>
+                    </m:r>
+                    <m:r>
+                      <a:rPr lang="en-US" b="0" i="1" smtClean="0">
+                        <a:latin typeface="Cambria Math" panose="02040503050406030204" pitchFamily="18" charset="0"/>
+                      </a:rPr>
+                      <m:t>′</m:t>
+                    </m:r>
+                    <m:r>
+                      <a:rPr lang="en-US" b="0" i="1" smtClean="0">
+                        <a:latin typeface="Cambria Math" panose="02040503050406030204" pitchFamily="18" charset="0"/>
+                      </a:rPr>
+                      <m:t> </m:t>
+                    </m:r>
+                    <m:r>
+                      <a:rPr lang="en-US" b="0" i="1" smtClean="0">
+                        <a:latin typeface="Cambria Math" panose="02040503050406030204" pitchFamily="18" charset="0"/>
+                      </a:rPr>
+                      <m:t>𝑡h𝑎𝑡</m:t>
+                    </m:r>
+                    <m:r>
+                      <a:rPr lang="en-US" b="0" i="1" smtClean="0">
+                        <a:latin typeface="Cambria Math" panose="02040503050406030204" pitchFamily="18" charset="0"/>
+                      </a:rPr>
+                      <m:t> </m:t>
+                    </m:r>
+                    <m:r>
+                      <a:rPr lang="en-US" b="0" i="1" smtClean="0">
+                        <a:latin typeface="Cambria Math" panose="02040503050406030204" pitchFamily="18" charset="0"/>
+                      </a:rPr>
+                      <m:t>h𝑎𝑠</m:t>
+                    </m:r>
+                    <m:r>
+                      <a:rPr lang="en-US" b="0" i="1" smtClean="0">
+                        <a:latin typeface="Cambria Math" panose="02040503050406030204" pitchFamily="18" charset="0"/>
+                      </a:rPr>
+                      <m:t> </m:t>
+                    </m:r>
+                    <m:r>
+                      <a:rPr lang="en-US" b="0" i="1" smtClean="0">
+                        <a:latin typeface="Cambria Math" panose="02040503050406030204" pitchFamily="18" charset="0"/>
+                      </a:rPr>
+                      <m:t>𝑄</m:t>
+                    </m:r>
+                    <m:r>
+                      <a:rPr lang="en-US" b="0" i="1" smtClean="0">
+                        <a:latin typeface="Cambria Math" panose="02040503050406030204" pitchFamily="18" charset="0"/>
+                      </a:rPr>
+                      <m:t>:</m:t>
+                    </m:r>
+                  </m:oMath>
+                </a14:m>
+                <a:endParaRPr lang="en-US" b="0" dirty="0">
+                  <a:ea typeface="Cambria Math" panose="02040503050406030204" pitchFamily="18" charset="0"/>
+                </a:endParaRPr>
+              </a:p>
+              <a:p>
+                <a:pPr lvl="2"/>
+                <a:r>
+                  <a:rPr lang="en-US" dirty="0">
+                    <a:ea typeface="Cambria Math" panose="02040503050406030204" pitchFamily="18" charset="0"/>
+                  </a:rPr>
+                  <a:t>	</a:t>
+                </a:r>
+                <a:r>
+                  <a:rPr lang="en-US" b="0" dirty="0"/>
+                  <a:t> </a:t>
+                </a:r>
+                <a14:m>
+                  <m:oMath xmlns:m="http://schemas.openxmlformats.org/officeDocument/2006/math">
+                    <m:r>
+                      <a:rPr lang="en-US" b="0" i="1" smtClean="0">
+                        <a:latin typeface="Cambria Math" panose="02040503050406030204" pitchFamily="18" charset="0"/>
+                      </a:rPr>
+                      <m:t>𝑆𝑐𝑜𝑟𝑒</m:t>
+                    </m:r>
+                    <m:r>
+                      <a:rPr lang="en-US" b="0" i="1" baseline="-25000" smtClean="0">
+                        <a:latin typeface="Cambria Math" panose="02040503050406030204" pitchFamily="18" charset="0"/>
+                      </a:rPr>
+                      <m:t>𝑄</m:t>
+                    </m:r>
+                    <m:r>
+                      <a:rPr lang="en-US" b="0" i="1" smtClean="0">
+                        <a:latin typeface="Cambria Math" panose="02040503050406030204" pitchFamily="18" charset="0"/>
+                      </a:rPr>
+                      <m:t>+= </m:t>
+                    </m:r>
+                    <m:nary>
+                      <m:naryPr>
+                        <m:chr m:val="∑"/>
+                        <m:supHide m:val="on"/>
+                        <m:ctrlPr>
+                          <a:rPr lang="en-US" b="0" i="1" smtClean="0">
+                            <a:latin typeface="Cambria Math" panose="02040503050406030204" pitchFamily="18" charset="0"/>
+                          </a:rPr>
+                        </m:ctrlPr>
+                      </m:naryPr>
+                      <m:sub>
+                        <m:r>
+                          <m:rPr>
+                            <m:brk m:alnAt="7"/>
+                          </m:rPr>
+                          <a:rPr lang="en-US" b="0" i="1" smtClean="0">
+                            <a:latin typeface="Cambria Math" panose="02040503050406030204" pitchFamily="18" charset="0"/>
+                          </a:rPr>
+                          <m:t>𝑐</m:t>
+                        </m:r>
+                        <m:r>
+                          <a:rPr lang="en-US" b="0" i="1" smtClean="0">
+                            <a:latin typeface="Cambria Math" panose="02040503050406030204" pitchFamily="18" charset="0"/>
+                          </a:rPr>
+                          <m:t>′′</m:t>
+                        </m:r>
+                      </m:sub>
+                      <m:sup/>
+                      <m:e>
+                        <m:r>
+                          <a:rPr lang="en-US" b="0" i="1" smtClean="0">
+                            <a:latin typeface="Cambria Math" panose="02040503050406030204" pitchFamily="18" charset="0"/>
+                          </a:rPr>
+                          <m:t>𝑜𝑣𝑒𝑟𝑙𝑎𝑝</m:t>
+                        </m:r>
+                        <m:r>
+                          <a:rPr lang="en-US" b="0" i="1" smtClean="0">
+                            <a:latin typeface="Cambria Math" panose="02040503050406030204" pitchFamily="18" charset="0"/>
+                          </a:rPr>
+                          <m:t>(</m:t>
+                        </m:r>
+                        <m:r>
+                          <a:rPr lang="en-US" b="0" i="1" smtClean="0">
+                            <a:latin typeface="Cambria Math" panose="02040503050406030204" pitchFamily="18" charset="0"/>
+                          </a:rPr>
+                          <m:t>𝑐</m:t>
+                        </m:r>
+                        <m:r>
+                          <a:rPr lang="en-US" b="0" i="1" smtClean="0">
+                            <a:latin typeface="Cambria Math" panose="02040503050406030204" pitchFamily="18" charset="0"/>
+                          </a:rPr>
+                          <m:t>, </m:t>
+                        </m:r>
+                        <m:sSup>
+                          <m:sSupPr>
+                            <m:ctrlPr>
+                              <a:rPr lang="en-US" b="0" i="1" smtClean="0">
+                                <a:latin typeface="Cambria Math" panose="02040503050406030204" pitchFamily="18" charset="0"/>
+                              </a:rPr>
+                            </m:ctrlPr>
+                          </m:sSupPr>
+                          <m:e>
+                            <m:r>
+                              <a:rPr lang="en-US" b="0" i="1" smtClean="0">
+                                <a:latin typeface="Cambria Math" panose="02040503050406030204" pitchFamily="18" charset="0"/>
+                              </a:rPr>
+                              <m:t>𝑐</m:t>
+                            </m:r>
+                          </m:e>
+                          <m:sup>
+                            <m:r>
+                              <a:rPr lang="en-US" b="0" i="1" smtClean="0">
+                                <a:latin typeface="Cambria Math" panose="02040503050406030204" pitchFamily="18" charset="0"/>
+                              </a:rPr>
+                              <m:t>′′</m:t>
+                            </m:r>
+                          </m:sup>
+                        </m:sSup>
+                        <m:r>
+                          <a:rPr lang="en-US" b="0" i="1" smtClean="0">
+                            <a:latin typeface="Cambria Math" panose="02040503050406030204" pitchFamily="18" charset="0"/>
+                          </a:rPr>
+                          <m:t>)</m:t>
+                        </m:r>
+                      </m:e>
+                    </m:nary>
+                  </m:oMath>
+                </a14:m>
+                <a:endParaRPr lang="en-US" b="0" dirty="0">
+                  <a:ea typeface="Cambria Math" panose="02040503050406030204" pitchFamily="18" charset="0"/>
+                </a:endParaRPr>
+              </a:p>
+              <a:p>
+                <a:pPr lvl="2"/>
+                <a14:m>
+                  <m:oMathPara xmlns:m="http://schemas.openxmlformats.org/officeDocument/2006/math">
+                    <m:oMathParaPr>
+                      <m:jc m:val="left"/>
+                    </m:oMathParaPr>
+                    <m:oMath xmlns:m="http://schemas.openxmlformats.org/officeDocument/2006/math">
+                      <m:r>
+                        <a:rPr lang="en-US" b="0" i="1" smtClean="0">
+                          <a:latin typeface="Cambria Math" panose="02040503050406030204" pitchFamily="18" charset="0"/>
+                        </a:rPr>
+                        <m:t>   </m:t>
+                      </m:r>
+                      <m:r>
+                        <a:rPr lang="en-US" b="0" i="1" smtClean="0">
+                          <a:latin typeface="Cambria Math" panose="02040503050406030204" pitchFamily="18" charset="0"/>
+                        </a:rPr>
+                        <m:t>𝑐h𝑜𝑠𝑒𝑛</m:t>
+                      </m:r>
+                      <m:r>
+                        <a:rPr lang="en-US" b="0" i="1" smtClean="0">
+                          <a:latin typeface="Cambria Math" panose="02040503050406030204" pitchFamily="18" charset="0"/>
+                        </a:rPr>
+                        <m:t> </m:t>
+                      </m:r>
+                      <m:r>
+                        <a:rPr lang="en-US" b="0" i="1" smtClean="0">
+                          <a:latin typeface="Cambria Math" panose="02040503050406030204" pitchFamily="18" charset="0"/>
+                        </a:rPr>
+                        <m:t>𝑐𝑎𝑛𝑑𝑖𝑑𝑎𝑡𝑒</m:t>
+                      </m:r>
+                      <m:r>
+                        <a:rPr lang="en-US" b="0" i="1" smtClean="0">
+                          <a:latin typeface="Cambria Math" panose="02040503050406030204" pitchFamily="18" charset="0"/>
+                        </a:rPr>
+                        <m:t>=</m:t>
+                      </m:r>
+                      <m:r>
+                        <a:rPr lang="en-US" b="0" i="1" smtClean="0">
+                          <a:latin typeface="Cambria Math" panose="02040503050406030204" pitchFamily="18" charset="0"/>
+                        </a:rPr>
+                        <m:t>𝑎𝑟𝑔𝑚𝑎𝑥𝑄</m:t>
+                      </m:r>
+                      <m:r>
+                        <a:rPr lang="en-US" b="0" i="1" smtClean="0">
+                          <a:latin typeface="Cambria Math" panose="02040503050406030204" pitchFamily="18" charset="0"/>
+                        </a:rPr>
+                        <m:t> </m:t>
+                      </m:r>
+                      <m:r>
+                        <a:rPr lang="en-US" b="0" i="1" smtClean="0">
+                          <a:latin typeface="Cambria Math" panose="02040503050406030204" pitchFamily="18" charset="0"/>
+                        </a:rPr>
+                        <m:t>𝑆𝑐𝑜𝑟𝑒</m:t>
+                      </m:r>
+                    </m:oMath>
+                  </m:oMathPara>
+                </a14:m>
+                <a:endParaRPr lang="en-US" b="0" dirty="0">
+                  <a:ea typeface="Cambria Math" panose="02040503050406030204" pitchFamily="18" charset="0"/>
+                </a:endParaRPr>
+              </a:p>
+              <a:p>
+                <a:pPr lvl="2"/>
+                <a:r>
+                  <a:rPr lang="en-US" b="0" dirty="0">
+                    <a:ea typeface="Cambria Math" panose="02040503050406030204" pitchFamily="18" charset="0"/>
+                  </a:rPr>
+                  <a:t>	</a:t>
+                </a:r>
+              </a:p>
+              <a:p>
+                <a:pPr lvl="2"/>
+                <a:endParaRPr lang="en-US" b="0" dirty="0"/>
+              </a:p>
+              <a:p>
+                <a:pPr lvl="2"/>
+                <a:endParaRPr lang="en-US" b="0" dirty="0"/>
+              </a:p>
+              <a:p>
+                <a:pPr lvl="2"/>
+                <a:r>
+                  <a:rPr lang="en-US" dirty="0"/>
+                  <a:t>			</a:t>
+                </a:r>
+              </a:p>
+              <a:p>
+                <a:pPr marL="1257300" lvl="2" indent="-342900">
+                  <a:buFont typeface="Arial" panose="020B0604020202020204" pitchFamily="34" charset="0"/>
+                  <a:buChar char="•"/>
+                </a:pPr>
+                <a:endParaRPr lang="en-US" dirty="0"/>
+              </a:p>
+              <a:p>
+                <a:pPr lvl="1"/>
+                <a:endParaRPr lang="en-US" dirty="0"/>
+              </a:p>
+            </p:txBody>
+          </p:sp>
+        </mc:Choice>
+        <mc:Fallback>
+          <p:sp>
+            <p:nvSpPr>
+              <p:cNvPr id="5" name="TextBox 4">
+                <a:extLst>
+                  <a:ext uri="{FF2B5EF4-FFF2-40B4-BE49-F238E27FC236}">
+                    <a16:creationId xmlns:a16="http://schemas.microsoft.com/office/drawing/2014/main" id="{C9A8E3C0-1C2E-BEB4-5967-D6C085FEEED1}"/>
+                  </a:ext>
+                </a:extLst>
+              </p:cNvPr>
+              <p:cNvSpPr txBox="1">
+                <a:spLocks noRot="1" noChangeAspect="1" noMove="1" noResize="1" noEditPoints="1" noAdjustHandles="1" noChangeArrowheads="1" noChangeShapeType="1" noTextEdit="1"/>
+              </p:cNvSpPr>
+              <p:nvPr/>
+            </p:nvSpPr>
+            <p:spPr>
+              <a:xfrm>
+                <a:off x="504825" y="777169"/>
+                <a:ext cx="10954078" cy="5078313"/>
+              </a:xfrm>
+              <a:prstGeom prst="rect">
+                <a:avLst/>
+              </a:prstGeom>
+              <a:blipFill>
+                <a:blip r:embed="rId3"/>
+                <a:stretch>
+                  <a:fillRect/>
+                </a:stretch>
+              </a:blipFill>
+            </p:spPr>
+            <p:txBody>
+              <a:bodyPr/>
+              <a:lstStyle/>
+              <a:p>
+                <a:r>
+                  <a:rPr lang="en-US">
+                    <a:noFill/>
+                  </a:rPr>
+                  <a:t> </a:t>
+                </a:r>
+              </a:p>
+            </p:txBody>
+          </p:sp>
+        </mc:Fallback>
+      </mc:AlternateContent>
+      <p:pic>
+        <p:nvPicPr>
+          <p:cNvPr id="6" name="Picture 5" descr="A diagram of a number of arrows&#10;&#10;Description automatically generated with medium confidence">
+            <a:extLst>
+              <a:ext uri="{FF2B5EF4-FFF2-40B4-BE49-F238E27FC236}">
+                <a16:creationId xmlns:a16="http://schemas.microsoft.com/office/drawing/2014/main" id="{AE4A5464-0EF8-E9C8-2B2A-72A94E974F68}"/>
+              </a:ext>
+            </a:extLst>
+          </p:cNvPr>
+          <p:cNvPicPr>
+            <a:picLocks noChangeAspect="1"/>
+          </p:cNvPicPr>
+          <p:nvPr/>
+        </p:nvPicPr>
+        <p:blipFill>
+          <a:blip r:embed="rId4"/>
+          <a:stretch>
+            <a:fillRect/>
+          </a:stretch>
+        </p:blipFill>
+        <p:spPr>
+          <a:xfrm>
+            <a:off x="3025775" y="4611687"/>
+            <a:ext cx="6007100" cy="2032000"/>
+          </a:xfrm>
+          <a:prstGeom prst="rect">
+            <a:avLst/>
+          </a:prstGeom>
+        </p:spPr>
+      </p:pic>
+    </p:spTree>
+    <p:extLst>
+      <p:ext uri="{BB962C8B-B14F-4D97-AF65-F5344CB8AC3E}">
+        <p14:creationId xmlns:p14="http://schemas.microsoft.com/office/powerpoint/2010/main" val="3906025042"/>
+      </p:ext>
+    </p:extLst>
+  </p:cSld>
+  <p:clrMapOvr>
+    <a:masterClrMapping/>
+  </p:clrMapOvr>
+</p:sld>
+</file>
+
+<file path=ppt/slides/slide4.xml><?xml version="1.0" encoding="utf-8"?>
+<p:sld xmlns:a="http://schemas.openxmlformats.org/drawingml/2006/main" xmlns:r="http://schemas.openxmlformats.org/officeDocument/2006/relationships" xmlns:p="http://schemas.openxmlformats.org/presentationml/2006/main">
+  <p:cSld>
+    <p:spTree>
+      <p:nvGrpSpPr>
+        <p:cNvPr id="1" name=""/>
+        <p:cNvGrpSpPr/>
+        <p:nvPr/>
+      </p:nvGrpSpPr>
+      <p:grpSpPr>
+        <a:xfrm>
+          <a:off x="0" y="0"/>
+          <a:ext cx="0" cy="0"/>
+          <a:chOff x="0" y="0"/>
+          <a:chExt cx="0" cy="0"/>
+        </a:xfrm>
+      </p:grpSpPr>
+      <p:sp>
+        <p:nvSpPr>
+          <p:cNvPr id="2" name="Title 1">
+            <a:extLst>
+              <a:ext uri="{FF2B5EF4-FFF2-40B4-BE49-F238E27FC236}">
+                <a16:creationId xmlns:a16="http://schemas.microsoft.com/office/drawing/2014/main" id="{1CF1F4F0-1400-A7CC-80C6-72BE1DE9BE97}"/>
+              </a:ext>
+            </a:extLst>
+          </p:cNvPr>
+          <p:cNvSpPr>
+            <a:spLocks noGrp="1"/>
+          </p:cNvSpPr>
+          <p:nvPr>
+            <p:ph type="title"/>
+          </p:nvPr>
+        </p:nvSpPr>
+        <p:spPr>
+          <a:xfrm>
+            <a:off x="722587" y="0"/>
+            <a:ext cx="10515600" cy="1325563"/>
+          </a:xfrm>
+        </p:spPr>
+        <p:txBody>
+          <a:bodyPr/>
+          <a:lstStyle/>
+          <a:p>
+            <a:r>
+              <a:rPr lang="en-US" dirty="0"/>
+              <a:t>A running example</a:t>
+            </a:r>
+          </a:p>
+        </p:txBody>
+      </p:sp>
+      <p:sp>
+        <p:nvSpPr>
+          <p:cNvPr id="3" name="Content Placeholder 2">
+            <a:extLst>
+              <a:ext uri="{FF2B5EF4-FFF2-40B4-BE49-F238E27FC236}">
+                <a16:creationId xmlns:a16="http://schemas.microsoft.com/office/drawing/2014/main" id="{4B53C64B-4766-5CBC-80B4-3163999C3ED8}"/>
+              </a:ext>
+            </a:extLst>
+          </p:cNvPr>
+          <p:cNvSpPr>
+            <a:spLocks noGrp="1"/>
+          </p:cNvSpPr>
+          <p:nvPr>
+            <p:ph idx="1"/>
+          </p:nvPr>
+        </p:nvSpPr>
+        <p:spPr>
+          <a:xfrm>
+            <a:off x="722587" y="1079392"/>
+            <a:ext cx="10515600" cy="4351338"/>
+          </a:xfrm>
+        </p:spPr>
+        <p:txBody>
+          <a:bodyPr/>
+          <a:lstStyle/>
+          <a:p>
+            <a:pPr marL="0" indent="0">
+              <a:buNone/>
+            </a:pPr>
+            <a:r>
+              <a:rPr lang="en-US" dirty="0"/>
+              <a:t>N=6, k=3</a:t>
+            </a:r>
+          </a:p>
+          <a:p>
+            <a:pPr marL="0" indent="0">
+              <a:buNone/>
+            </a:pPr>
+            <a:r>
+              <a:rPr lang="en-US" dirty="0"/>
+              <a:t>How to add LB and UB score</a:t>
+            </a:r>
+          </a:p>
+          <a:p>
+            <a:pPr marL="0" indent="0">
+              <a:buNone/>
+            </a:pPr>
+            <a:r>
+              <a:rPr lang="en-US" dirty="0"/>
+              <a:t>What is the uncertainty in the current candidate set?</a:t>
+            </a:r>
+          </a:p>
+          <a:p>
+            <a:pPr marL="0" indent="0">
+              <a:buNone/>
+            </a:pPr>
+            <a:r>
+              <a:rPr lang="en-US" dirty="0"/>
+              <a:t>How do you decide the question that reduces it maximally?</a:t>
+            </a:r>
+          </a:p>
+          <a:p>
+            <a:pPr marL="0" indent="0">
+              <a:buNone/>
+            </a:pPr>
+            <a:r>
+              <a:rPr lang="en-US" dirty="0"/>
+              <a:t>	DIV(</a:t>
+            </a:r>
+            <a:r>
+              <a:rPr lang="en-US" dirty="0" err="1"/>
+              <a:t>a,b</a:t>
+            </a:r>
+            <a:r>
+              <a:rPr lang="en-US" dirty="0"/>
+              <a:t>), DIV(</a:t>
+            </a:r>
+            <a:r>
+              <a:rPr lang="en-US" dirty="0" err="1"/>
+              <a:t>b,c</a:t>
+            </a:r>
+            <a:r>
+              <a:rPr lang="en-US" dirty="0"/>
+              <a:t>) – how one is better than the other?</a:t>
+            </a:r>
+          </a:p>
+        </p:txBody>
+      </p:sp>
+    </p:spTree>
+    <p:extLst>
+      <p:ext uri="{BB962C8B-B14F-4D97-AF65-F5344CB8AC3E}">
+        <p14:creationId xmlns:p14="http://schemas.microsoft.com/office/powerpoint/2010/main" val="3215356637"/>
+      </p:ext>
+    </p:extLst>
+  </p:cSld>
+  <p:clrMapOvr>
+    <a:masterClrMapping/>
+  </p:clrMapOvr>
+</p:sld>
+</file>
+
+<file path=ppt/slides/slide40.xml><?xml version="1.0" encoding="utf-8"?>
+<p:sld xmlns:a="http://schemas.openxmlformats.org/drawingml/2006/main" xmlns:r="http://schemas.openxmlformats.org/officeDocument/2006/relationships" xmlns:p="http://schemas.openxmlformats.org/presentationml/2006/main">
+  <p:cSld>
+    <p:spTree>
+      <p:nvGrpSpPr>
+        <p:cNvPr id="1" name=""/>
+        <p:cNvGrpSpPr/>
+        <p:nvPr/>
+      </p:nvGrpSpPr>
+      <p:grpSpPr>
+        <a:xfrm>
+          <a:off x="0" y="0"/>
+          <a:ext cx="0" cy="0"/>
+          <a:chOff x="0" y="0"/>
+          <a:chExt cx="0" cy="0"/>
+        </a:xfrm>
+      </p:grpSpPr>
+      <p:sp>
+        <p:nvSpPr>
+          <p:cNvPr id="2" name="Title 1">
+            <a:extLst>
+              <a:ext uri="{FF2B5EF4-FFF2-40B4-BE49-F238E27FC236}">
+                <a16:creationId xmlns:a16="http://schemas.microsoft.com/office/drawing/2014/main" id="{88ABCA84-F0B3-F083-35FC-6C2D94DF3B07}"/>
+              </a:ext>
+            </a:extLst>
+          </p:cNvPr>
+          <p:cNvSpPr>
+            <a:spLocks noGrp="1"/>
+          </p:cNvSpPr>
+          <p:nvPr>
+            <p:ph type="title"/>
+          </p:nvPr>
+        </p:nvSpPr>
+        <p:spPr>
+          <a:xfrm>
+            <a:off x="771525" y="-238080"/>
+            <a:ext cx="10515600" cy="1325563"/>
+          </a:xfrm>
+        </p:spPr>
+        <p:txBody>
+          <a:bodyPr/>
+          <a:lstStyle/>
+          <a:p>
+            <a:pPr algn="ctr"/>
+            <a:r>
+              <a:rPr lang="en-US" dirty="0"/>
+              <a:t>Implementation</a:t>
+            </a:r>
+          </a:p>
+        </p:txBody>
+      </p:sp>
+      <mc:AlternateContent xmlns:mc="http://schemas.openxmlformats.org/markup-compatibility/2006" xmlns:a14="http://schemas.microsoft.com/office/drawing/2010/main">
+        <mc:Choice Requires="a14">
+          <p:sp>
+            <p:nvSpPr>
+              <p:cNvPr id="3" name="Content Placeholder 2">
+                <a:extLst>
+                  <a:ext uri="{FF2B5EF4-FFF2-40B4-BE49-F238E27FC236}">
+                    <a16:creationId xmlns:a16="http://schemas.microsoft.com/office/drawing/2014/main" id="{5DF251DC-4F64-5D48-6C5F-F604B6F609CD}"/>
+                  </a:ext>
+                </a:extLst>
+              </p:cNvPr>
+              <p:cNvSpPr>
+                <a:spLocks noGrp="1"/>
+              </p:cNvSpPr>
+              <p:nvPr>
+                <p:ph idx="1"/>
+              </p:nvPr>
+            </p:nvSpPr>
+            <p:spPr>
+              <a:xfrm>
+                <a:off x="371475" y="1325562"/>
+                <a:ext cx="11315700" cy="5318125"/>
+              </a:xfrm>
+            </p:spPr>
+            <p:txBody>
+              <a:bodyPr>
+                <a:normAutofit/>
+              </a:bodyPr>
+              <a:lstStyle/>
+              <a:p>
+                <a:pPr lvl="2"/>
+                <a:endParaRPr lang="en-US" dirty="0"/>
+              </a:p>
+              <a:p>
+                <a:pPr marL="0" indent="0">
+                  <a:buNone/>
+                </a:pPr>
+                <a:endParaRPr lang="en-US" i="1" dirty="0">
+                  <a:latin typeface="Cambria Math" panose="02040503050406030204" pitchFamily="18" charset="0"/>
+                </a:endParaRPr>
+              </a:p>
+              <a:p>
+                <a:pPr marL="0" indent="0">
+                  <a:buNone/>
+                </a:pPr>
+                <a14:m>
+                  <m:oMathPara xmlns:m="http://schemas.openxmlformats.org/officeDocument/2006/math">
+                    <m:oMathParaPr>
+                      <m:jc m:val="centerGroup"/>
+                    </m:oMathParaPr>
+                    <m:oMath xmlns:m="http://schemas.openxmlformats.org/officeDocument/2006/math">
+                      <m:r>
+                        <a:rPr lang="en-US" i="1" dirty="0" smtClean="0">
+                          <a:latin typeface="Cambria Math" panose="02040503050406030204" pitchFamily="18" charset="0"/>
+                        </a:rPr>
+                        <m:t>  </m:t>
+                      </m:r>
+                    </m:oMath>
+                  </m:oMathPara>
+                </a14:m>
+                <a:endParaRPr lang="en-US" dirty="0"/>
+              </a:p>
+            </p:txBody>
+          </p:sp>
+        </mc:Choice>
+        <mc:Fallback xmlns="">
+          <p:sp>
+            <p:nvSpPr>
+              <p:cNvPr id="3" name="Content Placeholder 2">
+                <a:extLst>
+                  <a:ext uri="{FF2B5EF4-FFF2-40B4-BE49-F238E27FC236}">
+                    <a16:creationId xmlns:a16="http://schemas.microsoft.com/office/drawing/2014/main" id="{5DF251DC-4F64-5D48-6C5F-F604B6F609CD}"/>
+                  </a:ext>
+                </a:extLst>
+              </p:cNvPr>
+              <p:cNvSpPr>
+                <a:spLocks noGrp="1" noRot="1" noChangeAspect="1" noMove="1" noResize="1" noEditPoints="1" noAdjustHandles="1" noChangeArrowheads="1" noChangeShapeType="1" noTextEdit="1"/>
+              </p:cNvSpPr>
+              <p:nvPr>
+                <p:ph idx="1"/>
+              </p:nvPr>
+            </p:nvSpPr>
+            <p:spPr>
+              <a:xfrm>
+                <a:off x="371475" y="1325562"/>
+                <a:ext cx="11315700" cy="5318125"/>
+              </a:xfrm>
+              <a:blipFill>
+                <a:blip r:embed="rId2"/>
+                <a:stretch>
+                  <a:fillRect/>
+                </a:stretch>
+              </a:blipFill>
+            </p:spPr>
+            <p:txBody>
+              <a:bodyPr/>
+              <a:lstStyle/>
+              <a:p>
+                <a:r>
+                  <a:rPr lang="en-US">
+                    <a:noFill/>
+                  </a:rPr>
+                  <a:t> </a:t>
+                </a:r>
+              </a:p>
+            </p:txBody>
+          </p:sp>
+        </mc:Fallback>
+      </mc:AlternateContent>
       <p:sp>
         <p:nvSpPr>
           <p:cNvPr id="5" name="TextBox 4">
@@ -22931,12 +25560,8 @@
           <a:p>
             <a:pPr lvl="1"/>
             <a:r>
-              <a:rPr lang="en-US"/>
-              <a:t>Mocked API </a:t>
-            </a:r>
-            <a:r>
               <a:rPr lang="en-US" dirty="0"/>
-              <a:t>calls</a:t>
+              <a:t>Mocked API calls</a:t>
             </a:r>
           </a:p>
           <a:p>
@@ -23016,7 +25641,7 @@
 </p:sld>
 </file>
 
-<file path=ppt/slides/slide39.xml><?xml version="1.0" encoding="utf-8"?>
+<file path=ppt/slides/slide41.xml><?xml version="1.0" encoding="utf-8"?>
 <p:sld xmlns:a="http://schemas.openxmlformats.org/drawingml/2006/main" xmlns:r="http://schemas.openxmlformats.org/officeDocument/2006/relationships" xmlns:p="http://schemas.openxmlformats.org/presentationml/2006/main">
   <p:cSld>
     <p:spTree>
@@ -23372,158 +25997,7 @@
 </p:sld>
 </file>
 
-<file path=ppt/slides/slide4.xml><?xml version="1.0" encoding="utf-8"?>
-<p:sld xmlns:a="http://schemas.openxmlformats.org/drawingml/2006/main" xmlns:r="http://schemas.openxmlformats.org/officeDocument/2006/relationships" xmlns:p="http://schemas.openxmlformats.org/presentationml/2006/main">
-  <p:cSld>
-    <p:spTree>
-      <p:nvGrpSpPr>
-        <p:cNvPr id="1" name=""/>
-        <p:cNvGrpSpPr/>
-        <p:nvPr/>
-      </p:nvGrpSpPr>
-      <p:grpSpPr>
-        <a:xfrm>
-          <a:off x="0" y="0"/>
-          <a:ext cx="0" cy="0"/>
-          <a:chOff x="0" y="0"/>
-          <a:chExt cx="0" cy="0"/>
-        </a:xfrm>
-      </p:grpSpPr>
-      <p:sp>
-        <p:nvSpPr>
-          <p:cNvPr id="2" name="Title 1">
-            <a:extLst>
-              <a:ext uri="{FF2B5EF4-FFF2-40B4-BE49-F238E27FC236}">
-                <a16:creationId xmlns:a16="http://schemas.microsoft.com/office/drawing/2014/main" id="{1CF1F4F0-1400-A7CC-80C6-72BE1DE9BE97}"/>
-              </a:ext>
-            </a:extLst>
-          </p:cNvPr>
-          <p:cNvSpPr>
-            <a:spLocks noGrp="1"/>
-          </p:cNvSpPr>
-          <p:nvPr>
-            <p:ph type="title"/>
-          </p:nvPr>
-        </p:nvSpPr>
-        <p:spPr>
-          <a:xfrm>
-            <a:off x="722587" y="0"/>
-            <a:ext cx="10515600" cy="1325563"/>
-          </a:xfrm>
-        </p:spPr>
-        <p:txBody>
-          <a:bodyPr/>
-          <a:lstStyle/>
-          <a:p>
-            <a:r>
-              <a:rPr lang="en-US" dirty="0"/>
-              <a:t>A running example</a:t>
-            </a:r>
-          </a:p>
-        </p:txBody>
-      </p:sp>
-      <p:sp>
-        <p:nvSpPr>
-          <p:cNvPr id="3" name="Content Placeholder 2">
-            <a:extLst>
-              <a:ext uri="{FF2B5EF4-FFF2-40B4-BE49-F238E27FC236}">
-                <a16:creationId xmlns:a16="http://schemas.microsoft.com/office/drawing/2014/main" id="{4B53C64B-4766-5CBC-80B4-3163999C3ED8}"/>
-              </a:ext>
-            </a:extLst>
-          </p:cNvPr>
-          <p:cNvSpPr>
-            <a:spLocks noGrp="1"/>
-          </p:cNvSpPr>
-          <p:nvPr>
-            <p:ph idx="1"/>
-          </p:nvPr>
-        </p:nvSpPr>
-        <p:spPr>
-          <a:xfrm>
-            <a:off x="722587" y="1079392"/>
-            <a:ext cx="10515600" cy="4351338"/>
-          </a:xfrm>
-        </p:spPr>
-        <p:txBody>
-          <a:bodyPr/>
-          <a:lstStyle/>
-          <a:p>
-            <a:pPr marL="0" indent="0">
-              <a:buNone/>
-            </a:pPr>
-            <a:r>
-              <a:rPr lang="en-US" dirty="0"/>
-              <a:t>N=6, k=3</a:t>
-            </a:r>
-          </a:p>
-          <a:p>
-            <a:pPr marL="0" indent="0">
-              <a:buNone/>
-            </a:pPr>
-            <a:r>
-              <a:rPr lang="en-US" dirty="0"/>
-              <a:t>How to add LB and UB score</a:t>
-            </a:r>
-          </a:p>
-          <a:p>
-            <a:pPr marL="0" indent="0">
-              <a:buNone/>
-            </a:pPr>
-            <a:r>
-              <a:rPr lang="en-US" dirty="0"/>
-              <a:t>What is the uncertainty in the current candidate set?</a:t>
-            </a:r>
-          </a:p>
-          <a:p>
-            <a:pPr marL="0" indent="0">
-              <a:buNone/>
-            </a:pPr>
-            <a:r>
-              <a:rPr lang="en-US" dirty="0"/>
-              <a:t>How do you decide the question that reduces it maximally?</a:t>
-            </a:r>
-          </a:p>
-          <a:p>
-            <a:pPr marL="0" indent="0">
-              <a:buNone/>
-            </a:pPr>
-            <a:r>
-              <a:rPr lang="en-US" dirty="0"/>
-              <a:t>	DIV(</a:t>
-            </a:r>
-            <a:r>
-              <a:rPr lang="en-US" dirty="0" err="1"/>
-              <a:t>a,b</a:t>
-            </a:r>
-            <a:r>
-              <a:rPr lang="en-US" dirty="0"/>
-              <a:t>), DIV(</a:t>
-            </a:r>
-            <a:r>
-              <a:rPr lang="en-US" dirty="0" err="1"/>
-              <a:t>b,c</a:t>
-            </a:r>
-            <a:r>
-              <a:rPr lang="en-US" dirty="0"/>
-              <a:t>) – how one is better than the other?</a:t>
-            </a:r>
-          </a:p>
-        </p:txBody>
-      </p:sp>
-    </p:spTree>
-    <p:extLst>
-      <p:ext uri="{BB962C8B-B14F-4D97-AF65-F5344CB8AC3E}">
-        <p14:creationId xmlns:p14="http://schemas.microsoft.com/office/powerpoint/2010/main" val="3215356637"/>
-      </p:ext>
-    </p:extLst>
-  </p:cSld>
-  <p:clrMapOvr>
-    <a:masterClrMapping/>
-  </p:clrMapOvr>
-</p:sld>
-</file>
-
-<file path=ppt/slides/slide40.xml><?xml version="1.0" encoding="utf-8"?>
+<file path=ppt/slides/slide42.xml><?xml version="1.0" encoding="utf-8"?>
 <p:sld xmlns:a="http://schemas.openxmlformats.org/drawingml/2006/main" xmlns:r="http://schemas.openxmlformats.org/officeDocument/2006/relationships" xmlns:p="http://schemas.openxmlformats.org/presentationml/2006/main" show="0">
   <p:cSld>
     <p:spTree>

--- a/rankingwithLLM.pptx
+++ b/rankingwithLLM.pptx
@@ -5,7 +5,7 @@
     <p:sldMasterId id="2147483648" r:id="rId1"/>
   </p:sldMasterIdLst>
   <p:notesMasterIdLst>
-    <p:notesMasterId r:id="rId44"/>
+    <p:notesMasterId r:id="rId45"/>
   </p:notesMasterIdLst>
   <p:sldIdLst>
     <p:sldId id="256" r:id="rId2"/>
@@ -49,7 +49,8 @@
     <p:sldId id="300" r:id="rId40"/>
     <p:sldId id="294" r:id="rId41"/>
     <p:sldId id="295" r:id="rId42"/>
-    <p:sldId id="297" r:id="rId43"/>
+    <p:sldId id="301" r:id="rId43"/>
+    <p:sldId id="297" r:id="rId44"/>
   </p:sldIdLst>
   <p:sldSz cx="12192000" cy="6858000"/>
   <p:notesSz cx="6858000" cy="9144000"/>
@@ -238,7 +239,7 @@
           <a:p>
             <a:fld id="{DE9DA986-C197-2042-B476-BC36203B606C}" type="datetimeFigureOut">
               <a:rPr lang="en-US" smtClean="0"/>
-              <a:t>9/21/24</a:t>
+              <a:t>9/22/24</a:t>
             </a:fld>
             <a:endParaRPr lang="en-US"/>
           </a:p>
@@ -736,7 +737,7 @@
           <a:p>
             <a:fld id="{70F6711B-007C-4E47-B805-CF8F9D486DA3}" type="datetimeFigureOut">
               <a:rPr lang="en-US" smtClean="0"/>
-              <a:t>9/21/24</a:t>
+              <a:t>9/22/24</a:t>
             </a:fld>
             <a:endParaRPr lang="en-US"/>
           </a:p>
@@ -934,7 +935,7 @@
           <a:p>
             <a:fld id="{70F6711B-007C-4E47-B805-CF8F9D486DA3}" type="datetimeFigureOut">
               <a:rPr lang="en-US" smtClean="0"/>
-              <a:t>9/21/24</a:t>
+              <a:t>9/22/24</a:t>
             </a:fld>
             <a:endParaRPr lang="en-US"/>
           </a:p>
@@ -1142,7 +1143,7 @@
           <a:p>
             <a:fld id="{70F6711B-007C-4E47-B805-CF8F9D486DA3}" type="datetimeFigureOut">
               <a:rPr lang="en-US" smtClean="0"/>
-              <a:t>9/21/24</a:t>
+              <a:t>9/22/24</a:t>
             </a:fld>
             <a:endParaRPr lang="en-US"/>
           </a:p>
@@ -1340,7 +1341,7 @@
           <a:p>
             <a:fld id="{70F6711B-007C-4E47-B805-CF8F9D486DA3}" type="datetimeFigureOut">
               <a:rPr lang="en-US" smtClean="0"/>
-              <a:t>9/21/24</a:t>
+              <a:t>9/22/24</a:t>
             </a:fld>
             <a:endParaRPr lang="en-US"/>
           </a:p>
@@ -1615,7 +1616,7 @@
           <a:p>
             <a:fld id="{70F6711B-007C-4E47-B805-CF8F9D486DA3}" type="datetimeFigureOut">
               <a:rPr lang="en-US" smtClean="0"/>
-              <a:t>9/21/24</a:t>
+              <a:t>9/22/24</a:t>
             </a:fld>
             <a:endParaRPr lang="en-US"/>
           </a:p>
@@ -1880,7 +1881,7 @@
           <a:p>
             <a:fld id="{70F6711B-007C-4E47-B805-CF8F9D486DA3}" type="datetimeFigureOut">
               <a:rPr lang="en-US" smtClean="0"/>
-              <a:t>9/21/24</a:t>
+              <a:t>9/22/24</a:t>
             </a:fld>
             <a:endParaRPr lang="en-US"/>
           </a:p>
@@ -2292,7 +2293,7 @@
           <a:p>
             <a:fld id="{70F6711B-007C-4E47-B805-CF8F9D486DA3}" type="datetimeFigureOut">
               <a:rPr lang="en-US" smtClean="0"/>
-              <a:t>9/21/24</a:t>
+              <a:t>9/22/24</a:t>
             </a:fld>
             <a:endParaRPr lang="en-US"/>
           </a:p>
@@ -2433,7 +2434,7 @@
           <a:p>
             <a:fld id="{70F6711B-007C-4E47-B805-CF8F9D486DA3}" type="datetimeFigureOut">
               <a:rPr lang="en-US" smtClean="0"/>
-              <a:t>9/21/24</a:t>
+              <a:t>9/22/24</a:t>
             </a:fld>
             <a:endParaRPr lang="en-US"/>
           </a:p>
@@ -2546,7 +2547,7 @@
           <a:p>
             <a:fld id="{70F6711B-007C-4E47-B805-CF8F9D486DA3}" type="datetimeFigureOut">
               <a:rPr lang="en-US" smtClean="0"/>
-              <a:t>9/21/24</a:t>
+              <a:t>9/22/24</a:t>
             </a:fld>
             <a:endParaRPr lang="en-US"/>
           </a:p>
@@ -2857,7 +2858,7 @@
           <a:p>
             <a:fld id="{70F6711B-007C-4E47-B805-CF8F9D486DA3}" type="datetimeFigureOut">
               <a:rPr lang="en-US" smtClean="0"/>
-              <a:t>9/21/24</a:t>
+              <a:t>9/22/24</a:t>
             </a:fld>
             <a:endParaRPr lang="en-US"/>
           </a:p>
@@ -3145,7 +3146,7 @@
           <a:p>
             <a:fld id="{70F6711B-007C-4E47-B805-CF8F9D486DA3}" type="datetimeFigureOut">
               <a:rPr lang="en-US" smtClean="0"/>
-              <a:t>9/21/24</a:t>
+              <a:t>9/22/24</a:t>
             </a:fld>
             <a:endParaRPr lang="en-US"/>
           </a:p>
@@ -3386,7 +3387,7 @@
           <a:p>
             <a:fld id="{70F6711B-007C-4E47-B805-CF8F9D486DA3}" type="datetimeFigureOut">
               <a:rPr lang="en-US" smtClean="0"/>
-              <a:t>9/21/24</a:t>
+              <a:t>9/22/24</a:t>
             </a:fld>
             <a:endParaRPr lang="en-US"/>
           </a:p>
@@ -17130,8 +17131,8 @@
           </a:p>
         </p:txBody>
       </p:sp>
-      <mc:AlternateContent xmlns:mc="http://schemas.openxmlformats.org/markup-compatibility/2006">
-        <mc:Choice xmlns:a14="http://schemas.microsoft.com/office/drawing/2010/main" Requires="a14">
+      <mc:AlternateContent xmlns:mc="http://schemas.openxmlformats.org/markup-compatibility/2006" xmlns:a14="http://schemas.microsoft.com/office/drawing/2010/main">
+        <mc:Choice Requires="a14">
           <p:sp>
             <p:nvSpPr>
               <p:cNvPr id="3" name="Content Placeholder 2">
@@ -17273,13 +17274,7 @@
                           <a:rPr lang="en-US" sz="2000" b="0" i="1" smtClean="0">
                             <a:latin typeface="Cambria Math" panose="02040503050406030204" pitchFamily="18" charset="0"/>
                           </a:rPr>
-                          <m:t>𝐶</m:t>
-                        </m:r>
-                        <m:r>
-                          <a:rPr lang="en-US" sz="2000" b="0" i="1" baseline="-25000" smtClean="0">
-                            <a:latin typeface="Cambria Math" panose="02040503050406030204" pitchFamily="18" charset="0"/>
-                          </a:rPr>
-                          <m:t>𝑖</m:t>
+                          <m:t>𝐶𝑖</m:t>
                         </m:r>
                         <m:r>
                           <a:rPr lang="en-US" sz="2000" b="0" i="1" smtClean="0">
@@ -17291,13 +17286,7 @@
                           <a:rPr lang="en-US" sz="2000" b="0" i="1" smtClean="0">
                             <a:latin typeface="Cambria Math" panose="02040503050406030204" pitchFamily="18" charset="0"/>
                           </a:rPr>
-                          <m:t>𝐶</m:t>
-                        </m:r>
-                        <m:r>
-                          <a:rPr lang="en-US" sz="2000" b="0" i="1" baseline="-25000" smtClean="0">
-                            <a:latin typeface="Cambria Math" panose="02040503050406030204" pitchFamily="18" charset="0"/>
-                          </a:rPr>
-                          <m:t>𝑗</m:t>
+                          <m:t>𝐶𝑗</m:t>
                         </m:r>
                         <m:r>
                           <a:rPr lang="en-US" sz="2000" b="0" i="1" smtClean="0">
@@ -17909,7 +17898,7 @@
             </p:txBody>
           </p:sp>
         </mc:Choice>
-        <mc:Fallback>
+        <mc:Fallback xmlns="">
           <p:sp>
             <p:nvSpPr>
               <p:cNvPr id="3" name="Content Placeholder 2">
@@ -18561,8 +18550,8 @@
         </p:nvSpPr>
         <p:spPr>
           <a:xfrm>
-            <a:off x="3447740" y="1845050"/>
-            <a:ext cx="468398" cy="369332"/>
+            <a:off x="5317581" y="1765947"/>
+            <a:ext cx="1556836" cy="369332"/>
           </a:xfrm>
           <a:prstGeom prst="rect">
             <a:avLst/>
@@ -18577,7 +18566,7 @@
           <a:p>
             <a:r>
               <a:rPr lang="en-US" dirty="0"/>
-              <a:t>C2</a:t>
+              <a:t>C2 = (0.5, 1.5)</a:t>
             </a:r>
           </a:p>
         </p:txBody>
@@ -18596,8 +18585,8 @@
         </p:nvSpPr>
         <p:spPr>
           <a:xfrm>
-            <a:off x="2649362" y="2214382"/>
-            <a:ext cx="468398" cy="369332"/>
+            <a:off x="1991437" y="3059668"/>
+            <a:ext cx="1178528" cy="369332"/>
           </a:xfrm>
           <a:prstGeom prst="rect">
             <a:avLst/>
@@ -18612,7 +18601,7 @@
           <a:p>
             <a:r>
               <a:rPr lang="en-US" dirty="0"/>
-              <a:t>C1</a:t>
+              <a:t>C1 = (1, 2)</a:t>
             </a:r>
           </a:p>
         </p:txBody>
@@ -18631,7 +18620,7 @@
         </p:nvSpPr>
         <p:spPr>
           <a:xfrm>
-            <a:off x="5137243" y="1470158"/>
+            <a:off x="5137242" y="4051901"/>
             <a:ext cx="1917513" cy="369332"/>
           </a:xfrm>
           <a:prstGeom prst="rect">
@@ -18668,7 +18657,7 @@
             </p:nvSpPr>
             <p:spPr>
               <a:xfrm>
-                <a:off x="2759349" y="4415672"/>
+                <a:off x="2759347" y="4948838"/>
                 <a:ext cx="6673302" cy="1877437"/>
               </a:xfrm>
               <a:prstGeom prst="rect">
@@ -18780,7 +18769,7 @@
             </p:nvSpPr>
             <p:spPr>
               <a:xfrm>
-                <a:off x="2759349" y="4415672"/>
+                <a:off x="2759347" y="4948838"/>
                 <a:ext cx="6673302" cy="1877437"/>
               </a:xfrm>
               <a:prstGeom prst="rect">
@@ -20340,8 +20329,8 @@
           </a:p>
         </p:txBody>
       </p:sp>
-      <mc:AlternateContent xmlns:mc="http://schemas.openxmlformats.org/markup-compatibility/2006">
-        <mc:Choice xmlns:a14="http://schemas.microsoft.com/office/drawing/2010/main" Requires="a14">
+      <mc:AlternateContent xmlns:mc="http://schemas.openxmlformats.org/markup-compatibility/2006" xmlns:a14="http://schemas.microsoft.com/office/drawing/2010/main">
+        <mc:Choice Requires="a14">
           <p:sp>
             <p:nvSpPr>
               <p:cNvPr id="3" name="Content Placeholder 2">
@@ -21142,7 +21131,7 @@
             </p:txBody>
           </p:sp>
         </mc:Choice>
-        <mc:Fallback>
+        <mc:Fallback xmlns="">
           <p:sp>
             <p:nvSpPr>
               <p:cNvPr id="3" name="Content Placeholder 2">
@@ -22443,8 +22432,8 @@
           </p:sp>
         </mc:Fallback>
       </mc:AlternateContent>
-      <mc:AlternateContent xmlns:mc="http://schemas.openxmlformats.org/markup-compatibility/2006">
-        <mc:Choice xmlns:a14="http://schemas.microsoft.com/office/drawing/2010/main" Requires="a14">
+      <mc:AlternateContent xmlns:mc="http://schemas.openxmlformats.org/markup-compatibility/2006" xmlns:a14="http://schemas.microsoft.com/office/drawing/2010/main">
+        <mc:Choice Requires="a14">
           <p:sp>
             <p:nvSpPr>
               <p:cNvPr id="5" name="TextBox 4">
@@ -23414,7 +23403,7 @@
             </p:txBody>
           </p:sp>
         </mc:Choice>
-        <mc:Fallback>
+        <mc:Fallback xmlns="">
           <p:sp>
             <p:nvSpPr>
               <p:cNvPr id="5" name="TextBox 4">
@@ -24133,7 +24122,7 @@
         </p:blipFill>
         <p:spPr>
           <a:xfrm>
-            <a:off x="2743200" y="3984624"/>
+            <a:off x="2743200" y="3944235"/>
             <a:ext cx="6705600" cy="2095500"/>
           </a:xfrm>
           <a:prstGeom prst="rect">
@@ -24758,13 +24747,7 @@
                       <a:rPr lang="en-US" b="0" i="1" smtClean="0">
                         <a:latin typeface="Cambria Math" panose="02040503050406030204" pitchFamily="18" charset="0"/>
                       </a:rPr>
-                      <m:t>′</m:t>
-                    </m:r>
-                    <m:r>
-                      <a:rPr lang="en-US" b="0" i="1" smtClean="0">
-                        <a:latin typeface="Cambria Math" panose="02040503050406030204" pitchFamily="18" charset="0"/>
-                      </a:rPr>
-                      <m:t> </m:t>
+                      <m:t>′ </m:t>
                     </m:r>
                     <m:r>
                       <a:rPr lang="en-US" b="0" i="1" smtClean="0">
@@ -24886,6 +24869,12 @@
                             <a:latin typeface="Cambria Math" panose="02040503050406030204" pitchFamily="18" charset="0"/>
                           </a:rPr>
                           <m:t>𝑐</m:t>
+                        </m:r>
+                        <m:r>
+                          <a:rPr lang="en-US" b="0" i="1" smtClean="0">
+                            <a:latin typeface="Cambria Math" panose="02040503050406030204" pitchFamily="18" charset="0"/>
+                          </a:rPr>
+                          <m:t>′</m:t>
                         </m:r>
                         <m:r>
                           <a:rPr lang="en-US" b="0" i="1" smtClean="0">
@@ -25542,19 +25531,7 @@
             <a:pPr lvl="1"/>
             <a:r>
               <a:rPr lang="en-US" dirty="0"/>
-              <a:t>Hotel reviews (code implemented – </a:t>
-            </a:r>
-            <a:r>
-              <a:rPr lang="en-US" dirty="0">
-                <a:solidFill>
-                  <a:srgbClr val="FF0000"/>
-                </a:solidFill>
-              </a:rPr>
-              <a:t>not executed yet</a:t>
-            </a:r>
-            <a:r>
-              <a:rPr lang="en-US" dirty="0"/>
-              <a:t>)</a:t>
+              <a:t>Hotel reviews </a:t>
             </a:r>
           </a:p>
           <a:p>
@@ -25870,19 +25847,7 @@
             <a:pPr lvl="2"/>
             <a:r>
               <a:rPr lang="en-US" dirty="0"/>
-              <a:t>Min Uncertainty </a:t>
-            </a:r>
-            <a:r>
-              <a:rPr lang="en-US" dirty="0">
-                <a:solidFill>
-                  <a:srgbClr val="FF0000"/>
-                </a:solidFill>
-              </a:rPr>
-              <a:t>=</a:t>
-            </a:r>
-            <a:r>
-              <a:rPr lang="en-US" dirty="0"/>
-              <a:t> Lowest overlap &lt; Naive &lt; Baseline</a:t>
+              <a:t>Lowest overlap &lt;= Lowest overlap &lt; Naive &lt; Baseline</a:t>
             </a:r>
           </a:p>
           <a:p>
@@ -25998,6 +25963,556 @@
 </file>
 
 <file path=ppt/slides/slide42.xml><?xml version="1.0" encoding="utf-8"?>
+<p:sld xmlns:a="http://schemas.openxmlformats.org/drawingml/2006/main" xmlns:r="http://schemas.openxmlformats.org/officeDocument/2006/relationships" xmlns:p="http://schemas.openxmlformats.org/presentationml/2006/main">
+  <p:cSld>
+    <p:spTree>
+      <p:nvGrpSpPr>
+        <p:cNvPr id="1" name=""/>
+        <p:cNvGrpSpPr/>
+        <p:nvPr/>
+      </p:nvGrpSpPr>
+      <p:grpSpPr>
+        <a:xfrm>
+          <a:off x="0" y="0"/>
+          <a:ext cx="0" cy="0"/>
+          <a:chOff x="0" y="0"/>
+          <a:chExt cx="0" cy="0"/>
+        </a:xfrm>
+      </p:grpSpPr>
+      <mc:AlternateContent xmlns:mc="http://schemas.openxmlformats.org/markup-compatibility/2006">
+        <mc:Choice xmlns:a14="http://schemas.microsoft.com/office/drawing/2010/main" Requires="a14">
+          <p:sp>
+            <p:nvSpPr>
+              <p:cNvPr id="3" name="Content Placeholder 2">
+                <a:extLst>
+                  <a:ext uri="{FF2B5EF4-FFF2-40B4-BE49-F238E27FC236}">
+                    <a16:creationId xmlns:a16="http://schemas.microsoft.com/office/drawing/2014/main" id="{5DF251DC-4F64-5D48-6C5F-F604B6F609CD}"/>
+                  </a:ext>
+                </a:extLst>
+              </p:cNvPr>
+              <p:cNvSpPr>
+                <a:spLocks noGrp="1"/>
+              </p:cNvSpPr>
+              <p:nvPr>
+                <p:ph idx="1"/>
+              </p:nvPr>
+            </p:nvSpPr>
+            <p:spPr>
+              <a:xfrm>
+                <a:off x="371475" y="1325562"/>
+                <a:ext cx="11315700" cy="5318125"/>
+              </a:xfrm>
+            </p:spPr>
+            <p:txBody>
+              <a:bodyPr>
+                <a:normAutofit/>
+              </a:bodyPr>
+              <a:lstStyle/>
+              <a:p>
+                <a:pPr marL="0" indent="0">
+                  <a:buNone/>
+                </a:pPr>
+                <a:endParaRPr lang="en-US" i="1" dirty="0">
+                  <a:latin typeface="Cambria Math" panose="02040503050406030204" pitchFamily="18" charset="0"/>
+                </a:endParaRPr>
+              </a:p>
+              <a:p>
+                <a:pPr marL="0" indent="0">
+                  <a:buNone/>
+                </a:pPr>
+                <a14:m>
+                  <m:oMathPara xmlns:m="http://schemas.openxmlformats.org/officeDocument/2006/math">
+                    <m:oMathParaPr>
+                      <m:jc m:val="centerGroup"/>
+                    </m:oMathParaPr>
+                    <m:oMath xmlns:m="http://schemas.openxmlformats.org/officeDocument/2006/math">
+                      <m:r>
+                        <a:rPr lang="en-US" i="1" dirty="0" smtClean="0">
+                          <a:latin typeface="Cambria Math" panose="02040503050406030204" pitchFamily="18" charset="0"/>
+                        </a:rPr>
+                        <m:t>  </m:t>
+                      </m:r>
+                    </m:oMath>
+                  </m:oMathPara>
+                </a14:m>
+                <a:endParaRPr lang="en-US" dirty="0"/>
+              </a:p>
+            </p:txBody>
+          </p:sp>
+        </mc:Choice>
+        <mc:Fallback>
+          <p:sp>
+            <p:nvSpPr>
+              <p:cNvPr id="3" name="Content Placeholder 2">
+                <a:extLst>
+                  <a:ext uri="{FF2B5EF4-FFF2-40B4-BE49-F238E27FC236}">
+                    <a16:creationId xmlns:a16="http://schemas.microsoft.com/office/drawing/2014/main" id="{5DF251DC-4F64-5D48-6C5F-F604B6F609CD}"/>
+                  </a:ext>
+                </a:extLst>
+              </p:cNvPr>
+              <p:cNvSpPr>
+                <a:spLocks noGrp="1" noRot="1" noChangeAspect="1" noMove="1" noResize="1" noEditPoints="1" noAdjustHandles="1" noChangeArrowheads="1" noChangeShapeType="1" noTextEdit="1"/>
+              </p:cNvSpPr>
+              <p:nvPr>
+                <p:ph idx="1"/>
+              </p:nvPr>
+            </p:nvSpPr>
+            <p:spPr>
+              <a:xfrm>
+                <a:off x="371475" y="1325562"/>
+                <a:ext cx="11315700" cy="5318125"/>
+              </a:xfrm>
+              <a:blipFill>
+                <a:blip r:embed="rId2"/>
+                <a:stretch>
+                  <a:fillRect/>
+                </a:stretch>
+              </a:blipFill>
+            </p:spPr>
+            <p:txBody>
+              <a:bodyPr/>
+              <a:lstStyle/>
+              <a:p>
+                <a:r>
+                  <a:rPr lang="en-US">
+                    <a:noFill/>
+                  </a:rPr>
+                  <a:t> </a:t>
+                </a:r>
+              </a:p>
+            </p:txBody>
+          </p:sp>
+        </mc:Fallback>
+      </mc:AlternateContent>
+      <p:sp>
+        <p:nvSpPr>
+          <p:cNvPr id="5" name="TextBox 4">
+            <a:extLst>
+              <a:ext uri="{FF2B5EF4-FFF2-40B4-BE49-F238E27FC236}">
+                <a16:creationId xmlns:a16="http://schemas.microsoft.com/office/drawing/2014/main" id="{C9A8E3C0-1C2E-BEB4-5967-D6C085FEEED1}"/>
+              </a:ext>
+            </a:extLst>
+          </p:cNvPr>
+          <p:cNvSpPr txBox="1"/>
+          <p:nvPr/>
+        </p:nvSpPr>
+        <p:spPr>
+          <a:xfrm>
+            <a:off x="504825" y="669320"/>
+            <a:ext cx="10954078" cy="523220"/>
+          </a:xfrm>
+          <a:prstGeom prst="rect">
+            <a:avLst/>
+          </a:prstGeom>
+          <a:noFill/>
+        </p:spPr>
+        <p:txBody>
+          <a:bodyPr wrap="square">
+            <a:spAutoFit/>
+          </a:bodyPr>
+          <a:lstStyle/>
+          <a:p>
+            <a:pPr algn="ctr"/>
+            <a:r>
+              <a:rPr lang="en-US" sz="2800" b="1" dirty="0"/>
+              <a:t>Experiment – Hotel reviews dataset</a:t>
+            </a:r>
+          </a:p>
+        </p:txBody>
+      </p:sp>
+      <p:graphicFrame>
+        <p:nvGraphicFramePr>
+          <p:cNvPr id="4" name="Table 3">
+            <a:extLst>
+              <a:ext uri="{FF2B5EF4-FFF2-40B4-BE49-F238E27FC236}">
+                <a16:creationId xmlns:a16="http://schemas.microsoft.com/office/drawing/2014/main" id="{242CD9FD-7B5F-39BA-8A7E-A4D081B8E8F7}"/>
+              </a:ext>
+            </a:extLst>
+          </p:cNvPr>
+          <p:cNvGraphicFramePr>
+            <a:graphicFrameLocks noGrp="1"/>
+          </p:cNvGraphicFramePr>
+          <p:nvPr>
+            <p:extLst>
+              <p:ext uri="{D42A27DB-BD31-4B8C-83A1-F6EECF244321}">
+                <p14:modId xmlns:p14="http://schemas.microsoft.com/office/powerpoint/2010/main" val="372179041"/>
+              </p:ext>
+            </p:extLst>
+          </p:nvPr>
+        </p:nvGraphicFramePr>
+        <p:xfrm>
+          <a:off x="2347282" y="2368550"/>
+          <a:ext cx="7269164" cy="2643190"/>
+        </p:xfrm>
+        <a:graphic>
+          <a:graphicData uri="http://schemas.openxmlformats.org/drawingml/2006/table">
+            <a:tbl>
+              <a:tblPr firstRow="1" bandRow="1">
+                <a:tableStyleId>{5C22544A-7EE6-4342-B048-85BDC9FD1C3A}</a:tableStyleId>
+              </a:tblPr>
+              <a:tblGrid>
+                <a:gridCol w="1817291">
+                  <a:extLst>
+                    <a:ext uri="{9D8B030D-6E8A-4147-A177-3AD203B41FA5}">
+                      <a16:colId xmlns:a16="http://schemas.microsoft.com/office/drawing/2014/main" val="3296493149"/>
+                    </a:ext>
+                  </a:extLst>
+                </a:gridCol>
+                <a:gridCol w="1817291">
+                  <a:extLst>
+                    <a:ext uri="{9D8B030D-6E8A-4147-A177-3AD203B41FA5}">
+                      <a16:colId xmlns:a16="http://schemas.microsoft.com/office/drawing/2014/main" val="2396105733"/>
+                    </a:ext>
+                  </a:extLst>
+                </a:gridCol>
+                <a:gridCol w="1817291">
+                  <a:extLst>
+                    <a:ext uri="{9D8B030D-6E8A-4147-A177-3AD203B41FA5}">
+                      <a16:colId xmlns:a16="http://schemas.microsoft.com/office/drawing/2014/main" val="1177188248"/>
+                    </a:ext>
+                  </a:extLst>
+                </a:gridCol>
+                <a:gridCol w="1817291">
+                  <a:extLst>
+                    <a:ext uri="{9D8B030D-6E8A-4147-A177-3AD203B41FA5}">
+                      <a16:colId xmlns:a16="http://schemas.microsoft.com/office/drawing/2014/main" val="2153461163"/>
+                    </a:ext>
+                  </a:extLst>
+                </a:gridCol>
+              </a:tblGrid>
+              <a:tr h="528638">
+                <a:tc>
+                  <a:txBody>
+                    <a:bodyPr/>
+                    <a:lstStyle/>
+                    <a:p>
+                      <a:pPr algn="ctr"/>
+                      <a:r>
+                        <a:rPr lang="en-US" dirty="0"/>
+                        <a:t>N = 6, k = 3</a:t>
+                      </a:r>
+                    </a:p>
+                  </a:txBody>
+                  <a:tcPr anchor="ctr"/>
+                </a:tc>
+                <a:tc>
+                  <a:txBody>
+                    <a:bodyPr/>
+                    <a:lstStyle/>
+                    <a:p>
+                      <a:pPr algn="ctr"/>
+                      <a:r>
+                        <a:rPr lang="en-US" dirty="0"/>
+                        <a:t>Best candidate</a:t>
+                      </a:r>
+                    </a:p>
+                  </a:txBody>
+                  <a:tcPr anchor="ctr"/>
+                </a:tc>
+                <a:tc>
+                  <a:txBody>
+                    <a:bodyPr/>
+                    <a:lstStyle/>
+                    <a:p>
+                      <a:pPr algn="ctr"/>
+                      <a:r>
+                        <a:rPr lang="en-US" dirty="0"/>
+                        <a:t>Time (s)</a:t>
+                      </a:r>
+                    </a:p>
+                  </a:txBody>
+                  <a:tcPr anchor="ctr"/>
+                </a:tc>
+                <a:tc>
+                  <a:txBody>
+                    <a:bodyPr/>
+                    <a:lstStyle/>
+                    <a:p>
+                      <a:pPr algn="ctr"/>
+                      <a:r>
+                        <a:rPr lang="en-US" dirty="0"/>
+                        <a:t>API Calls</a:t>
+                      </a:r>
+                    </a:p>
+                  </a:txBody>
+                  <a:tcPr anchor="ctr"/>
+                </a:tc>
+                <a:extLst>
+                  <a:ext uri="{0D108BD9-81ED-4DB2-BD59-A6C34878D82A}">
+                    <a16:rowId xmlns:a16="http://schemas.microsoft.com/office/drawing/2014/main" val="3762350530"/>
+                  </a:ext>
+                </a:extLst>
+              </a:tr>
+              <a:tr h="528638">
+                <a:tc>
+                  <a:txBody>
+                    <a:bodyPr/>
+                    <a:lstStyle/>
+                    <a:p>
+                      <a:pPr algn="ctr"/>
+                      <a:r>
+                        <a:rPr lang="en-US" dirty="0"/>
+                        <a:t>Exact Baseline</a:t>
+                      </a:r>
+                    </a:p>
+                  </a:txBody>
+                  <a:tcPr anchor="ctr"/>
+                </a:tc>
+                <a:tc>
+                  <a:txBody>
+                    <a:bodyPr/>
+                    <a:lstStyle/>
+                    <a:p>
+                      <a:pPr algn="ctr"/>
+                      <a:r>
+                        <a:rPr lang="en-US" dirty="0"/>
+                        <a:t>0, 1, 2</a:t>
+                      </a:r>
+                    </a:p>
+                  </a:txBody>
+                  <a:tcPr anchor="ctr"/>
+                </a:tc>
+                <a:tc>
+                  <a:txBody>
+                    <a:bodyPr/>
+                    <a:lstStyle/>
+                    <a:p>
+                      <a:pPr algn="ctr"/>
+                      <a:r>
+                        <a:rPr lang="en-US" dirty="0"/>
+                        <a:t>41</a:t>
+                      </a:r>
+                    </a:p>
+                  </a:txBody>
+                  <a:tcPr anchor="ctr"/>
+                </a:tc>
+                <a:tc>
+                  <a:txBody>
+                    <a:bodyPr/>
+                    <a:lstStyle/>
+                    <a:p>
+                      <a:pPr algn="ctr"/>
+                      <a:r>
+                        <a:rPr lang="en-US" dirty="0"/>
+                        <a:t>15</a:t>
+                      </a:r>
+                    </a:p>
+                  </a:txBody>
+                  <a:tcPr anchor="ctr"/>
+                </a:tc>
+                <a:extLst>
+                  <a:ext uri="{0D108BD9-81ED-4DB2-BD59-A6C34878D82A}">
+                    <a16:rowId xmlns:a16="http://schemas.microsoft.com/office/drawing/2014/main" val="2549820114"/>
+                  </a:ext>
+                </a:extLst>
+              </a:tr>
+              <a:tr h="528638">
+                <a:tc>
+                  <a:txBody>
+                    <a:bodyPr/>
+                    <a:lstStyle/>
+                    <a:p>
+                      <a:pPr algn="ctr"/>
+                      <a:r>
+                        <a:rPr lang="en-US" dirty="0"/>
+                        <a:t>Naive</a:t>
+                      </a:r>
+                    </a:p>
+                  </a:txBody>
+                  <a:tcPr anchor="ctr"/>
+                </a:tc>
+                <a:tc>
+                  <a:txBody>
+                    <a:bodyPr/>
+                    <a:lstStyle/>
+                    <a:p>
+                      <a:pPr algn="ctr"/>
+                      <a:r>
+                        <a:rPr lang="en-US" dirty="0"/>
+                        <a:t>0, 1, 5</a:t>
+                      </a:r>
+                    </a:p>
+                  </a:txBody>
+                  <a:tcPr anchor="ctr"/>
+                </a:tc>
+                <a:tc>
+                  <a:txBody>
+                    <a:bodyPr/>
+                    <a:lstStyle/>
+                    <a:p>
+                      <a:pPr algn="ctr"/>
+                      <a:r>
+                        <a:rPr lang="en-US" dirty="0"/>
+                        <a:t>38</a:t>
+                      </a:r>
+                    </a:p>
+                  </a:txBody>
+                  <a:tcPr anchor="ctr"/>
+                </a:tc>
+                <a:tc>
+                  <a:txBody>
+                    <a:bodyPr/>
+                    <a:lstStyle/>
+                    <a:p>
+                      <a:pPr algn="ctr"/>
+                      <a:r>
+                        <a:rPr lang="en-US" dirty="0"/>
+                        <a:t>15</a:t>
+                      </a:r>
+                    </a:p>
+                  </a:txBody>
+                  <a:tcPr anchor="ctr"/>
+                </a:tc>
+                <a:extLst>
+                  <a:ext uri="{0D108BD9-81ED-4DB2-BD59-A6C34878D82A}">
+                    <a16:rowId xmlns:a16="http://schemas.microsoft.com/office/drawing/2014/main" val="216292760"/>
+                  </a:ext>
+                </a:extLst>
+              </a:tr>
+              <a:tr h="528638">
+                <a:tc>
+                  <a:txBody>
+                    <a:bodyPr/>
+                    <a:lstStyle/>
+                    <a:p>
+                      <a:pPr algn="ctr"/>
+                      <a:r>
+                        <a:rPr lang="en-US" dirty="0"/>
+                        <a:t>Min Uncertainty</a:t>
+                      </a:r>
+                    </a:p>
+                  </a:txBody>
+                  <a:tcPr anchor="ctr"/>
+                </a:tc>
+                <a:tc>
+                  <a:txBody>
+                    <a:bodyPr/>
+                    <a:lstStyle/>
+                    <a:p>
+                      <a:pPr algn="ctr"/>
+                      <a:r>
+                        <a:rPr lang="en-US" dirty="0"/>
+                        <a:t>0, 1, 5</a:t>
+                      </a:r>
+                    </a:p>
+                  </a:txBody>
+                  <a:tcPr anchor="ctr"/>
+                </a:tc>
+                <a:tc>
+                  <a:txBody>
+                    <a:bodyPr/>
+                    <a:lstStyle/>
+                    <a:p>
+                      <a:pPr algn="ctr"/>
+                      <a:r>
+                        <a:rPr lang="en-US" dirty="0"/>
+                        <a:t>14</a:t>
+                      </a:r>
+                    </a:p>
+                  </a:txBody>
+                  <a:tcPr anchor="ctr"/>
+                </a:tc>
+                <a:tc>
+                  <a:txBody>
+                    <a:bodyPr/>
+                    <a:lstStyle/>
+                    <a:p>
+                      <a:pPr algn="ctr"/>
+                      <a:r>
+                        <a:rPr lang="en-US" dirty="0"/>
+                        <a:t>11</a:t>
+                      </a:r>
+                    </a:p>
+                  </a:txBody>
+                  <a:tcPr anchor="ctr"/>
+                </a:tc>
+                <a:extLst>
+                  <a:ext uri="{0D108BD9-81ED-4DB2-BD59-A6C34878D82A}">
+                    <a16:rowId xmlns:a16="http://schemas.microsoft.com/office/drawing/2014/main" val="540505624"/>
+                  </a:ext>
+                </a:extLst>
+              </a:tr>
+              <a:tr h="528638">
+                <a:tc>
+                  <a:txBody>
+                    <a:bodyPr/>
+                    <a:lstStyle/>
+                    <a:p>
+                      <a:pPr algn="ctr"/>
+                      <a:r>
+                        <a:rPr lang="en-US" dirty="0"/>
+                        <a:t>Lowest Overlap</a:t>
+                      </a:r>
+                    </a:p>
+                  </a:txBody>
+                  <a:tcPr anchor="ctr"/>
+                </a:tc>
+                <a:tc>
+                  <a:txBody>
+                    <a:bodyPr/>
+                    <a:lstStyle/>
+                    <a:p>
+                      <a:pPr algn="ctr"/>
+                      <a:r>
+                        <a:rPr lang="en-US" dirty="0"/>
+                        <a:t>0, 2, 5</a:t>
+                      </a:r>
+                    </a:p>
+                  </a:txBody>
+                  <a:tcPr anchor="ctr"/>
+                </a:tc>
+                <a:tc>
+                  <a:txBody>
+                    <a:bodyPr/>
+                    <a:lstStyle/>
+                    <a:p>
+                      <a:pPr algn="ctr"/>
+                      <a:r>
+                        <a:rPr lang="en-US" dirty="0"/>
+                        <a:t>10</a:t>
+                      </a:r>
+                    </a:p>
+                  </a:txBody>
+                  <a:tcPr anchor="ctr"/>
+                </a:tc>
+                <a:tc>
+                  <a:txBody>
+                    <a:bodyPr/>
+                    <a:lstStyle/>
+                    <a:p>
+                      <a:pPr algn="ctr"/>
+                      <a:r>
+                        <a:rPr lang="en-US" dirty="0"/>
+                        <a:t>8</a:t>
+                      </a:r>
+                    </a:p>
+                  </a:txBody>
+                  <a:tcPr anchor="ctr"/>
+                </a:tc>
+                <a:extLst>
+                  <a:ext uri="{0D108BD9-81ED-4DB2-BD59-A6C34878D82A}">
+                    <a16:rowId xmlns:a16="http://schemas.microsoft.com/office/drawing/2014/main" val="1852632737"/>
+                  </a:ext>
+                </a:extLst>
+              </a:tr>
+            </a:tbl>
+          </a:graphicData>
+        </a:graphic>
+      </p:graphicFrame>
+    </p:spTree>
+    <p:extLst>
+      <p:ext uri="{BB962C8B-B14F-4D97-AF65-F5344CB8AC3E}">
+        <p14:creationId xmlns:p14="http://schemas.microsoft.com/office/powerpoint/2010/main" val="3119983161"/>
+      </p:ext>
+    </p:extLst>
+  </p:cSld>
+  <p:clrMapOvr>
+    <a:masterClrMapping/>
+  </p:clrMapOvr>
+</p:sld>
+</file>
+
+<file path=ppt/slides/slide43.xml><?xml version="1.0" encoding="utf-8"?>
 <p:sld xmlns:a="http://schemas.openxmlformats.org/drawingml/2006/main" xmlns:r="http://schemas.openxmlformats.org/officeDocument/2006/relationships" xmlns:p="http://schemas.openxmlformats.org/presentationml/2006/main" show="0">
   <p:cSld>
     <p:spTree>

--- a/rankingwithLLM.pptx
+++ b/rankingwithLLM.pptx
@@ -5,7 +5,7 @@
     <p:sldMasterId id="2147483648" r:id="rId1"/>
   </p:sldMasterIdLst>
   <p:notesMasterIdLst>
-    <p:notesMasterId r:id="rId45"/>
+    <p:notesMasterId r:id="rId47"/>
   </p:notesMasterIdLst>
   <p:sldIdLst>
     <p:sldId id="256" r:id="rId2"/>
@@ -50,7 +50,9 @@
     <p:sldId id="294" r:id="rId41"/>
     <p:sldId id="295" r:id="rId42"/>
     <p:sldId id="301" r:id="rId43"/>
-    <p:sldId id="297" r:id="rId44"/>
+    <p:sldId id="302" r:id="rId44"/>
+    <p:sldId id="303" r:id="rId45"/>
+    <p:sldId id="297" r:id="rId46"/>
   </p:sldIdLst>
   <p:sldSz cx="12192000" cy="6858000"/>
   <p:notesSz cx="6858000" cy="9144000"/>
@@ -239,7 +241,7 @@
           <a:p>
             <a:fld id="{DE9DA986-C197-2042-B476-BC36203B606C}" type="datetimeFigureOut">
               <a:rPr lang="en-US" smtClean="0"/>
-              <a:t>9/22/24</a:t>
+              <a:t>9/25/24</a:t>
             </a:fld>
             <a:endParaRPr lang="en-US"/>
           </a:p>
@@ -737,7 +739,7 @@
           <a:p>
             <a:fld id="{70F6711B-007C-4E47-B805-CF8F9D486DA3}" type="datetimeFigureOut">
               <a:rPr lang="en-US" smtClean="0"/>
-              <a:t>9/22/24</a:t>
+              <a:t>9/25/24</a:t>
             </a:fld>
             <a:endParaRPr lang="en-US"/>
           </a:p>
@@ -935,7 +937,7 @@
           <a:p>
             <a:fld id="{70F6711B-007C-4E47-B805-CF8F9D486DA3}" type="datetimeFigureOut">
               <a:rPr lang="en-US" smtClean="0"/>
-              <a:t>9/22/24</a:t>
+              <a:t>9/25/24</a:t>
             </a:fld>
             <a:endParaRPr lang="en-US"/>
           </a:p>
@@ -1143,7 +1145,7 @@
           <a:p>
             <a:fld id="{70F6711B-007C-4E47-B805-CF8F9D486DA3}" type="datetimeFigureOut">
               <a:rPr lang="en-US" smtClean="0"/>
-              <a:t>9/22/24</a:t>
+              <a:t>9/25/24</a:t>
             </a:fld>
             <a:endParaRPr lang="en-US"/>
           </a:p>
@@ -1341,7 +1343,7 @@
           <a:p>
             <a:fld id="{70F6711B-007C-4E47-B805-CF8F9D486DA3}" type="datetimeFigureOut">
               <a:rPr lang="en-US" smtClean="0"/>
-              <a:t>9/22/24</a:t>
+              <a:t>9/25/24</a:t>
             </a:fld>
             <a:endParaRPr lang="en-US"/>
           </a:p>
@@ -1616,7 +1618,7 @@
           <a:p>
             <a:fld id="{70F6711B-007C-4E47-B805-CF8F9D486DA3}" type="datetimeFigureOut">
               <a:rPr lang="en-US" smtClean="0"/>
-              <a:t>9/22/24</a:t>
+              <a:t>9/25/24</a:t>
             </a:fld>
             <a:endParaRPr lang="en-US"/>
           </a:p>
@@ -1881,7 +1883,7 @@
           <a:p>
             <a:fld id="{70F6711B-007C-4E47-B805-CF8F9D486DA3}" type="datetimeFigureOut">
               <a:rPr lang="en-US" smtClean="0"/>
-              <a:t>9/22/24</a:t>
+              <a:t>9/25/24</a:t>
             </a:fld>
             <a:endParaRPr lang="en-US"/>
           </a:p>
@@ -2293,7 +2295,7 @@
           <a:p>
             <a:fld id="{70F6711B-007C-4E47-B805-CF8F9D486DA3}" type="datetimeFigureOut">
               <a:rPr lang="en-US" smtClean="0"/>
-              <a:t>9/22/24</a:t>
+              <a:t>9/25/24</a:t>
             </a:fld>
             <a:endParaRPr lang="en-US"/>
           </a:p>
@@ -2434,7 +2436,7 @@
           <a:p>
             <a:fld id="{70F6711B-007C-4E47-B805-CF8F9D486DA3}" type="datetimeFigureOut">
               <a:rPr lang="en-US" smtClean="0"/>
-              <a:t>9/22/24</a:t>
+              <a:t>9/25/24</a:t>
             </a:fld>
             <a:endParaRPr lang="en-US"/>
           </a:p>
@@ -2547,7 +2549,7 @@
           <a:p>
             <a:fld id="{70F6711B-007C-4E47-B805-CF8F9D486DA3}" type="datetimeFigureOut">
               <a:rPr lang="en-US" smtClean="0"/>
-              <a:t>9/22/24</a:t>
+              <a:t>9/25/24</a:t>
             </a:fld>
             <a:endParaRPr lang="en-US"/>
           </a:p>
@@ -2858,7 +2860,7 @@
           <a:p>
             <a:fld id="{70F6711B-007C-4E47-B805-CF8F9D486DA3}" type="datetimeFigureOut">
               <a:rPr lang="en-US" smtClean="0"/>
-              <a:t>9/22/24</a:t>
+              <a:t>9/25/24</a:t>
             </a:fld>
             <a:endParaRPr lang="en-US"/>
           </a:p>
@@ -3146,7 +3148,7 @@
           <a:p>
             <a:fld id="{70F6711B-007C-4E47-B805-CF8F9D486DA3}" type="datetimeFigureOut">
               <a:rPr lang="en-US" smtClean="0"/>
-              <a:t>9/22/24</a:t>
+              <a:t>9/25/24</a:t>
             </a:fld>
             <a:endParaRPr lang="en-US"/>
           </a:p>
@@ -3387,7 +3389,7 @@
           <a:p>
             <a:fld id="{70F6711B-007C-4E47-B805-CF8F9D486DA3}" type="datetimeFigureOut">
               <a:rPr lang="en-US" smtClean="0"/>
-              <a:t>9/22/24</a:t>
+              <a:t>9/25/24</a:t>
             </a:fld>
             <a:endParaRPr lang="en-US"/>
           </a:p>
@@ -18641,8 +18643,8 @@
           </a:p>
         </p:txBody>
       </p:sp>
-      <mc:AlternateContent xmlns:mc="http://schemas.openxmlformats.org/markup-compatibility/2006">
-        <mc:Choice xmlns:a14="http://schemas.microsoft.com/office/drawing/2010/main" Requires="a14">
+      <mc:AlternateContent xmlns:mc="http://schemas.openxmlformats.org/markup-compatibility/2006" xmlns:a14="http://schemas.microsoft.com/office/drawing/2010/main">
+        <mc:Choice Requires="a14">
           <p:sp>
             <p:nvSpPr>
               <p:cNvPr id="10" name="TextBox 9">
@@ -18752,7 +18754,7 @@
             </p:txBody>
           </p:sp>
         </mc:Choice>
-        <mc:Fallback>
+        <mc:Fallback xmlns="">
           <p:sp>
             <p:nvSpPr>
               <p:cNvPr id="10" name="TextBox 9">
@@ -23621,8 +23623,8 @@
           </p:sp>
         </mc:Fallback>
       </mc:AlternateContent>
-      <mc:AlternateContent xmlns:mc="http://schemas.openxmlformats.org/markup-compatibility/2006">
-        <mc:Choice xmlns:a14="http://schemas.microsoft.com/office/drawing/2010/main" Requires="a14">
+      <mc:AlternateContent xmlns:mc="http://schemas.openxmlformats.org/markup-compatibility/2006" xmlns:a14="http://schemas.microsoft.com/office/drawing/2010/main">
+        <mc:Choice Requires="a14">
           <p:sp>
             <p:nvSpPr>
               <p:cNvPr id="5" name="TextBox 4">
@@ -24055,7 +24057,7 @@
             </p:txBody>
           </p:sp>
         </mc:Choice>
-        <mc:Fallback>
+        <mc:Fallback xmlns="">
           <p:sp>
             <p:nvSpPr>
               <p:cNvPr id="5" name="TextBox 4">
@@ -24303,8 +24305,8 @@
           </p:sp>
         </mc:Fallback>
       </mc:AlternateContent>
-      <mc:AlternateContent xmlns:mc="http://schemas.openxmlformats.org/markup-compatibility/2006">
-        <mc:Choice xmlns:a14="http://schemas.microsoft.com/office/drawing/2010/main" Requires="a14">
+      <mc:AlternateContent xmlns:mc="http://schemas.openxmlformats.org/markup-compatibility/2006" xmlns:a14="http://schemas.microsoft.com/office/drawing/2010/main">
+        <mc:Choice Requires="a14">
           <p:sp>
             <p:nvSpPr>
               <p:cNvPr id="5" name="TextBox 4">
@@ -24874,13 +24876,7 @@
                           <a:rPr lang="en-US" b="0" i="1" smtClean="0">
                             <a:latin typeface="Cambria Math" panose="02040503050406030204" pitchFamily="18" charset="0"/>
                           </a:rPr>
-                          <m:t>′</m:t>
-                        </m:r>
-                        <m:r>
-                          <a:rPr lang="en-US" b="0" i="1" smtClean="0">
-                            <a:latin typeface="Cambria Math" panose="02040503050406030204" pitchFamily="18" charset="0"/>
-                          </a:rPr>
-                          <m:t>, </m:t>
+                          <m:t>′, </m:t>
                         </m:r>
                         <m:sSup>
                           <m:sSupPr>
@@ -25022,7 +25018,7 @@
             </p:txBody>
           </p:sp>
         </mc:Choice>
-        <mc:Fallback>
+        <mc:Fallback xmlns="">
           <p:sp>
             <p:nvSpPr>
               <p:cNvPr id="5" name="TextBox 4">
@@ -25979,8 +25975,8 @@
           <a:chExt cx="0" cy="0"/>
         </a:xfrm>
       </p:grpSpPr>
-      <mc:AlternateContent xmlns:mc="http://schemas.openxmlformats.org/markup-compatibility/2006">
-        <mc:Choice xmlns:a14="http://schemas.microsoft.com/office/drawing/2010/main" Requires="a14">
+      <mc:AlternateContent xmlns:mc="http://schemas.openxmlformats.org/markup-compatibility/2006" xmlns:a14="http://schemas.microsoft.com/office/drawing/2010/main">
+        <mc:Choice Requires="a14">
           <p:sp>
             <p:nvSpPr>
               <p:cNvPr id="3" name="Content Placeholder 2">
@@ -26040,7 +26036,7 @@
             </p:txBody>
           </p:sp>
         </mc:Choice>
-        <mc:Fallback>
+        <mc:Fallback xmlns="">
           <p:sp>
             <p:nvSpPr>
               <p:cNvPr id="3" name="Content Placeholder 2">
@@ -26513,6 +26509,423 @@
 </file>
 
 <file path=ppt/slides/slide43.xml><?xml version="1.0" encoding="utf-8"?>
+<p:sld xmlns:a="http://schemas.openxmlformats.org/drawingml/2006/main" xmlns:r="http://schemas.openxmlformats.org/officeDocument/2006/relationships" xmlns:p="http://schemas.openxmlformats.org/presentationml/2006/main">
+  <p:cSld>
+    <p:spTree>
+      <p:nvGrpSpPr>
+        <p:cNvPr id="1" name=""/>
+        <p:cNvGrpSpPr/>
+        <p:nvPr/>
+      </p:nvGrpSpPr>
+      <p:grpSpPr>
+        <a:xfrm>
+          <a:off x="0" y="0"/>
+          <a:ext cx="0" cy="0"/>
+          <a:chOff x="0" y="0"/>
+          <a:chExt cx="0" cy="0"/>
+        </a:xfrm>
+      </p:grpSpPr>
+      <p:sp>
+        <p:nvSpPr>
+          <p:cNvPr id="2" name="Title 1">
+            <a:extLst>
+              <a:ext uri="{FF2B5EF4-FFF2-40B4-BE49-F238E27FC236}">
+                <a16:creationId xmlns:a16="http://schemas.microsoft.com/office/drawing/2014/main" id="{D4D5B90F-97F0-36B8-B920-4482673B0AA4}"/>
+              </a:ext>
+            </a:extLst>
+          </p:cNvPr>
+          <p:cNvSpPr>
+            <a:spLocks noGrp="1"/>
+          </p:cNvSpPr>
+          <p:nvPr>
+            <p:ph type="title"/>
+          </p:nvPr>
+        </p:nvSpPr>
+        <p:spPr/>
+        <p:txBody>
+          <a:bodyPr/>
+          <a:lstStyle/>
+          <a:p>
+            <a:r>
+              <a:rPr lang="en-US" dirty="0"/>
+              <a:t>Top-K Set vs Top-K Ranking</a:t>
+            </a:r>
+          </a:p>
+        </p:txBody>
+      </p:sp>
+      <p:sp>
+        <p:nvSpPr>
+          <p:cNvPr id="3" name="Content Placeholder 2">
+            <a:extLst>
+              <a:ext uri="{FF2B5EF4-FFF2-40B4-BE49-F238E27FC236}">
+                <a16:creationId xmlns:a16="http://schemas.microsoft.com/office/drawing/2014/main" id="{43E70B52-2A4C-8C28-2632-408047962205}"/>
+              </a:ext>
+            </a:extLst>
+          </p:cNvPr>
+          <p:cNvSpPr>
+            <a:spLocks noGrp="1"/>
+          </p:cNvSpPr>
+          <p:nvPr>
+            <p:ph idx="1"/>
+          </p:nvPr>
+        </p:nvSpPr>
+        <p:spPr/>
+        <p:txBody>
+          <a:bodyPr>
+            <a:normAutofit/>
+          </a:bodyPr>
+          <a:lstStyle/>
+          <a:p>
+            <a:r>
+              <a:rPr lang="en-US" sz="2400" dirty="0"/>
+              <a:t>So far, we are doing top-k Set</a:t>
+            </a:r>
+          </a:p>
+          <a:p>
+            <a:r>
+              <a:rPr lang="en-US" sz="2400" dirty="0"/>
+              <a:t>Top-k Ranking:</a:t>
+            </a:r>
+          </a:p>
+          <a:p>
+            <a:pPr lvl="1"/>
+            <a:r>
+              <a:rPr lang="en-US" dirty="0"/>
+              <a:t>Challenge</a:t>
+            </a:r>
+          </a:p>
+          <a:p>
+            <a:pPr lvl="2"/>
+            <a:r>
+              <a:rPr lang="en-US" dirty="0"/>
+              <a:t>In top-k set =&gt; </a:t>
+            </a:r>
+            <a:r>
+              <a:rPr lang="en-US" dirty="0" err="1"/>
+              <a:t>nCk</a:t>
+            </a:r>
+            <a:r>
+              <a:rPr lang="en-US" dirty="0"/>
+              <a:t> candidates </a:t>
+            </a:r>
+          </a:p>
+          <a:p>
+            <a:pPr lvl="2"/>
+            <a:r>
+              <a:rPr lang="en-US" dirty="0"/>
+              <a:t>In top-k ranking =&gt; (</a:t>
+            </a:r>
+            <a:r>
+              <a:rPr lang="en-US" dirty="0" err="1"/>
+              <a:t>nCk</a:t>
+            </a:r>
+            <a:r>
+              <a:rPr lang="en-US" dirty="0"/>
+              <a:t>)! Which is extremely numerous</a:t>
+            </a:r>
+          </a:p>
+          <a:p>
+            <a:pPr lvl="1"/>
+            <a:r>
+              <a:rPr lang="en-US" dirty="0"/>
+              <a:t>Solution</a:t>
+            </a:r>
+          </a:p>
+          <a:p>
+            <a:pPr marL="1371600" lvl="2" indent="-457200">
+              <a:buFont typeface="+mj-lt"/>
+              <a:buAutoNum type="arabicPeriod"/>
+            </a:pPr>
+            <a:r>
+              <a:rPr lang="en-US" dirty="0"/>
+              <a:t>Keep </a:t>
+            </a:r>
+            <a:r>
+              <a:rPr lang="en-US" dirty="0" err="1"/>
+              <a:t>nCk</a:t>
+            </a:r>
+            <a:r>
+              <a:rPr lang="en-US" dirty="0"/>
+              <a:t> candidates</a:t>
+            </a:r>
+          </a:p>
+          <a:p>
+            <a:pPr marL="1371600" lvl="2" indent="-457200">
+              <a:buFont typeface="+mj-lt"/>
+              <a:buAutoNum type="arabicPeriod"/>
+            </a:pPr>
+            <a:r>
+              <a:rPr lang="en-US" dirty="0"/>
+              <a:t>Find top-k set</a:t>
+            </a:r>
+          </a:p>
+          <a:p>
+            <a:pPr marL="1371600" lvl="2" indent="-457200">
+              <a:buFont typeface="+mj-lt"/>
+              <a:buAutoNum type="arabicPeriod"/>
+            </a:pPr>
+            <a:r>
+              <a:rPr lang="en-US" dirty="0"/>
+              <a:t>Use LLM to sort them</a:t>
+            </a:r>
+          </a:p>
+          <a:p>
+            <a:pPr lvl="3"/>
+            <a:r>
+              <a:rPr lang="en-US" dirty="0"/>
+              <a:t>Use new type of question from LLM (d1 vs d2)</a:t>
+            </a:r>
+          </a:p>
+          <a:p>
+            <a:pPr lvl="3"/>
+            <a:r>
+              <a:rPr lang="en-US" dirty="0"/>
+              <a:t>We need further assumptions (e.g. Transitivity: if d1 &gt; d2 and d2 &gt; d3 =&gt; d1 &gt; 3 doesn’t need to be asked)</a:t>
+            </a:r>
+          </a:p>
+          <a:p>
+            <a:pPr lvl="2"/>
+            <a:endParaRPr lang="en-US" dirty="0"/>
+          </a:p>
+        </p:txBody>
+      </p:sp>
+    </p:spTree>
+    <p:extLst>
+      <p:ext uri="{BB962C8B-B14F-4D97-AF65-F5344CB8AC3E}">
+        <p14:creationId xmlns:p14="http://schemas.microsoft.com/office/powerpoint/2010/main" val="140891708"/>
+      </p:ext>
+    </p:extLst>
+  </p:cSld>
+  <p:clrMapOvr>
+    <a:masterClrMapping/>
+  </p:clrMapOvr>
+</p:sld>
+</file>
+
+<file path=ppt/slides/slide44.xml><?xml version="1.0" encoding="utf-8"?>
+<p:sld xmlns:a="http://schemas.openxmlformats.org/drawingml/2006/main" xmlns:r="http://schemas.openxmlformats.org/officeDocument/2006/relationships" xmlns:p="http://schemas.openxmlformats.org/presentationml/2006/main" show="0">
+  <p:cSld>
+    <p:spTree>
+      <p:nvGrpSpPr>
+        <p:cNvPr id="1" name="">
+          <a:extLst>
+            <a:ext uri="{FF2B5EF4-FFF2-40B4-BE49-F238E27FC236}">
+              <a16:creationId xmlns:a16="http://schemas.microsoft.com/office/drawing/2014/main" id="{78CBA96A-7B8B-C24C-5FE2-9DC04AB6760C}"/>
+            </a:ext>
+          </a:extLst>
+        </p:cNvPr>
+        <p:cNvGrpSpPr/>
+        <p:nvPr/>
+      </p:nvGrpSpPr>
+      <p:grpSpPr>
+        <a:xfrm>
+          <a:off x="0" y="0"/>
+          <a:ext cx="0" cy="0"/>
+          <a:chOff x="0" y="0"/>
+          <a:chExt cx="0" cy="0"/>
+        </a:xfrm>
+      </p:grpSpPr>
+      <p:sp>
+        <p:nvSpPr>
+          <p:cNvPr id="2" name="Title 1">
+            <a:extLst>
+              <a:ext uri="{FF2B5EF4-FFF2-40B4-BE49-F238E27FC236}">
+                <a16:creationId xmlns:a16="http://schemas.microsoft.com/office/drawing/2014/main" id="{FD97D55B-A8B9-DDC4-4100-870D554AB85F}"/>
+              </a:ext>
+            </a:extLst>
+          </p:cNvPr>
+          <p:cNvSpPr>
+            <a:spLocks noGrp="1"/>
+          </p:cNvSpPr>
+          <p:nvPr>
+            <p:ph type="title"/>
+          </p:nvPr>
+        </p:nvSpPr>
+        <p:spPr/>
+        <p:txBody>
+          <a:bodyPr/>
+          <a:lstStyle/>
+          <a:p>
+            <a:r>
+              <a:rPr lang="en-US" dirty="0"/>
+              <a:t>Write Paper</a:t>
+            </a:r>
+          </a:p>
+        </p:txBody>
+      </p:sp>
+      <p:sp>
+        <p:nvSpPr>
+          <p:cNvPr id="3" name="Content Placeholder 2">
+            <a:extLst>
+              <a:ext uri="{FF2B5EF4-FFF2-40B4-BE49-F238E27FC236}">
+                <a16:creationId xmlns:a16="http://schemas.microsoft.com/office/drawing/2014/main" id="{C121F85D-040B-73E5-B53C-267686DAC3B8}"/>
+              </a:ext>
+            </a:extLst>
+          </p:cNvPr>
+          <p:cNvSpPr>
+            <a:spLocks noGrp="1"/>
+          </p:cNvSpPr>
+          <p:nvPr>
+            <p:ph idx="1"/>
+          </p:nvPr>
+        </p:nvSpPr>
+        <p:spPr/>
+        <p:txBody>
+          <a:bodyPr>
+            <a:normAutofit fontScale="77500" lnSpcReduction="20000"/>
+          </a:bodyPr>
+          <a:lstStyle/>
+          <a:p>
+            <a:r>
+              <a:rPr lang="en-US" dirty="0"/>
+              <a:t>Leverage </a:t>
+            </a:r>
+            <a:r>
+              <a:rPr lang="en-US" dirty="0" err="1"/>
+              <a:t>llms</a:t>
+            </a:r>
+            <a:r>
+              <a:rPr lang="en-US" dirty="0"/>
+              <a:t> to retrieve answers </a:t>
+            </a:r>
+          </a:p>
+          <a:p>
+            <a:r>
+              <a:rPr lang="en-US" dirty="0"/>
+              <a:t>What is a question to the </a:t>
+            </a:r>
+            <a:r>
+              <a:rPr lang="en-US" dirty="0" err="1"/>
+              <a:t>llm</a:t>
+            </a:r>
+            <a:r>
+              <a:rPr lang="en-US" dirty="0"/>
+              <a:t>?</a:t>
+            </a:r>
+          </a:p>
+          <a:p>
+            <a:r>
+              <a:rPr lang="en-US" dirty="0"/>
+              <a:t>Data model: records + documents + query + scoring function</a:t>
+            </a:r>
+          </a:p>
+          <a:p>
+            <a:r>
+              <a:rPr lang="en-US" dirty="0"/>
+              <a:t>Top-k set vs top-k ranking</a:t>
+            </a:r>
+          </a:p>
+          <a:p>
+            <a:r>
+              <a:rPr lang="en-US" dirty="0"/>
+              <a:t>Interaction model</a:t>
+            </a:r>
+          </a:p>
+          <a:p>
+            <a:pPr marL="914400" lvl="1" indent="-457200">
+              <a:buFont typeface="+mj-lt"/>
+              <a:buAutoNum type="arabicPeriod"/>
+            </a:pPr>
+            <a:r>
+              <a:rPr lang="en-US" dirty="0" err="1"/>
+              <a:t>llm</a:t>
+            </a:r>
+            <a:r>
+              <a:rPr lang="en-US" dirty="0"/>
+              <a:t> returns exact score to question</a:t>
+            </a:r>
+          </a:p>
+          <a:p>
+            <a:pPr marL="914400" lvl="1" indent="-457200">
+              <a:buFont typeface="+mj-lt"/>
+              <a:buAutoNum type="arabicPeriod"/>
+            </a:pPr>
+            <a:r>
+              <a:rPr lang="en-US" dirty="0"/>
+              <a:t>Given two pairs to </a:t>
+            </a:r>
+            <a:r>
+              <a:rPr lang="en-US" dirty="0" err="1"/>
+              <a:t>llm</a:t>
+            </a:r>
+            <a:r>
+              <a:rPr lang="en-US" dirty="0"/>
+              <a:t>, which one is better?</a:t>
+            </a:r>
+          </a:p>
+          <a:p>
+            <a:pPr marL="914400" lvl="1" indent="-457200">
+              <a:buFont typeface="+mj-lt"/>
+              <a:buAutoNum type="arabicPeriod"/>
+            </a:pPr>
+            <a:r>
+              <a:rPr lang="en-US" dirty="0"/>
+              <a:t>LLM return score a score range</a:t>
+            </a:r>
+          </a:p>
+          <a:p>
+            <a:pPr marL="914400" lvl="1" indent="-457200">
+              <a:buFont typeface="+mj-lt"/>
+              <a:buAutoNum type="arabicPeriod"/>
+            </a:pPr>
+            <a:endParaRPr lang="en-US" dirty="0"/>
+          </a:p>
+          <a:p>
+            <a:r>
+              <a:rPr lang="en-US" dirty="0"/>
+              <a:t>Goal: calls to </a:t>
+            </a:r>
+            <a:r>
+              <a:rPr lang="en-US" dirty="0" err="1"/>
+              <a:t>llm</a:t>
+            </a:r>
+            <a:r>
+              <a:rPr lang="en-US" dirty="0"/>
+              <a:t> is expensive, and goal is to take a ranking function and use oracles </a:t>
+            </a:r>
+            <a:r>
+              <a:rPr lang="en-US" dirty="0" err="1"/>
+              <a:t>s.t</a:t>
+            </a:r>
+            <a:r>
+              <a:rPr lang="en-US" dirty="0"/>
+              <a:t> they return same answer with the case of naïve approach calling all questions</a:t>
+            </a:r>
+          </a:p>
+          <a:p>
+            <a:r>
+              <a:rPr lang="en-US" dirty="0"/>
+              <a:t>Which question to ask?</a:t>
+            </a:r>
+          </a:p>
+          <a:p>
+            <a:pPr lvl="1"/>
+            <a:r>
+              <a:rPr lang="en-US" dirty="0"/>
+              <a:t>Next single question VS Next K </a:t>
+            </a:r>
+            <a:r>
+              <a:rPr lang="en-US" dirty="0" err="1"/>
+              <a:t>quesitons</a:t>
+            </a:r>
+            <a:endParaRPr lang="en-US" dirty="0"/>
+          </a:p>
+        </p:txBody>
+      </p:sp>
+    </p:spTree>
+    <p:extLst>
+      <p:ext uri="{BB962C8B-B14F-4D97-AF65-F5344CB8AC3E}">
+        <p14:creationId xmlns:p14="http://schemas.microsoft.com/office/powerpoint/2010/main" val="1034902676"/>
+      </p:ext>
+    </p:extLst>
+  </p:cSld>
+  <p:clrMapOvr>
+    <a:masterClrMapping/>
+  </p:clrMapOvr>
+</p:sld>
+</file>
+
+<file path=ppt/slides/slide45.xml><?xml version="1.0" encoding="utf-8"?>
 <p:sld xmlns:a="http://schemas.openxmlformats.org/drawingml/2006/main" xmlns:r="http://schemas.openxmlformats.org/officeDocument/2006/relationships" xmlns:p="http://schemas.openxmlformats.org/presentationml/2006/main" show="0">
   <p:cSld>
     <p:spTree>

--- a/rankingwithLLM.pptx
+++ b/rankingwithLLM.pptx
@@ -241,7 +241,7 @@
           <a:p>
             <a:fld id="{DE9DA986-C197-2042-B476-BC36203B606C}" type="datetimeFigureOut">
               <a:rPr lang="en-US" smtClean="0"/>
-              <a:t>9/25/24</a:t>
+              <a:t>9/26/24</a:t>
             </a:fld>
             <a:endParaRPr lang="en-US"/>
           </a:p>
@@ -739,7 +739,7 @@
           <a:p>
             <a:fld id="{70F6711B-007C-4E47-B805-CF8F9D486DA3}" type="datetimeFigureOut">
               <a:rPr lang="en-US" smtClean="0"/>
-              <a:t>9/25/24</a:t>
+              <a:t>9/26/24</a:t>
             </a:fld>
             <a:endParaRPr lang="en-US"/>
           </a:p>
@@ -937,7 +937,7 @@
           <a:p>
             <a:fld id="{70F6711B-007C-4E47-B805-CF8F9D486DA3}" type="datetimeFigureOut">
               <a:rPr lang="en-US" smtClean="0"/>
-              <a:t>9/25/24</a:t>
+              <a:t>9/26/24</a:t>
             </a:fld>
             <a:endParaRPr lang="en-US"/>
           </a:p>
@@ -1145,7 +1145,7 @@
           <a:p>
             <a:fld id="{70F6711B-007C-4E47-B805-CF8F9D486DA3}" type="datetimeFigureOut">
               <a:rPr lang="en-US" smtClean="0"/>
-              <a:t>9/25/24</a:t>
+              <a:t>9/26/24</a:t>
             </a:fld>
             <a:endParaRPr lang="en-US"/>
           </a:p>
@@ -1343,7 +1343,7 @@
           <a:p>
             <a:fld id="{70F6711B-007C-4E47-B805-CF8F9D486DA3}" type="datetimeFigureOut">
               <a:rPr lang="en-US" smtClean="0"/>
-              <a:t>9/25/24</a:t>
+              <a:t>9/26/24</a:t>
             </a:fld>
             <a:endParaRPr lang="en-US"/>
           </a:p>
@@ -1618,7 +1618,7 @@
           <a:p>
             <a:fld id="{70F6711B-007C-4E47-B805-CF8F9D486DA3}" type="datetimeFigureOut">
               <a:rPr lang="en-US" smtClean="0"/>
-              <a:t>9/25/24</a:t>
+              <a:t>9/26/24</a:t>
             </a:fld>
             <a:endParaRPr lang="en-US"/>
           </a:p>
@@ -1883,7 +1883,7 @@
           <a:p>
             <a:fld id="{70F6711B-007C-4E47-B805-CF8F9D486DA3}" type="datetimeFigureOut">
               <a:rPr lang="en-US" smtClean="0"/>
-              <a:t>9/25/24</a:t>
+              <a:t>9/26/24</a:t>
             </a:fld>
             <a:endParaRPr lang="en-US"/>
           </a:p>
@@ -2295,7 +2295,7 @@
           <a:p>
             <a:fld id="{70F6711B-007C-4E47-B805-CF8F9D486DA3}" type="datetimeFigureOut">
               <a:rPr lang="en-US" smtClean="0"/>
-              <a:t>9/25/24</a:t>
+              <a:t>9/26/24</a:t>
             </a:fld>
             <a:endParaRPr lang="en-US"/>
           </a:p>
@@ -2436,7 +2436,7 @@
           <a:p>
             <a:fld id="{70F6711B-007C-4E47-B805-CF8F9D486DA3}" type="datetimeFigureOut">
               <a:rPr lang="en-US" smtClean="0"/>
-              <a:t>9/25/24</a:t>
+              <a:t>9/26/24</a:t>
             </a:fld>
             <a:endParaRPr lang="en-US"/>
           </a:p>
@@ -2549,7 +2549,7 @@
           <a:p>
             <a:fld id="{70F6711B-007C-4E47-B805-CF8F9D486DA3}" type="datetimeFigureOut">
               <a:rPr lang="en-US" smtClean="0"/>
-              <a:t>9/25/24</a:t>
+              <a:t>9/26/24</a:t>
             </a:fld>
             <a:endParaRPr lang="en-US"/>
           </a:p>
@@ -2860,7 +2860,7 @@
           <a:p>
             <a:fld id="{70F6711B-007C-4E47-B805-CF8F9D486DA3}" type="datetimeFigureOut">
               <a:rPr lang="en-US" smtClean="0"/>
-              <a:t>9/25/24</a:t>
+              <a:t>9/26/24</a:t>
             </a:fld>
             <a:endParaRPr lang="en-US"/>
           </a:p>
@@ -3148,7 +3148,7 @@
           <a:p>
             <a:fld id="{70F6711B-007C-4E47-B805-CF8F9D486DA3}" type="datetimeFigureOut">
               <a:rPr lang="en-US" smtClean="0"/>
-              <a:t>9/25/24</a:t>
+              <a:t>9/26/24</a:t>
             </a:fld>
             <a:endParaRPr lang="en-US"/>
           </a:p>
@@ -3389,7 +3389,7 @@
           <a:p>
             <a:fld id="{70F6711B-007C-4E47-B805-CF8F9D486DA3}" type="datetimeFigureOut">
               <a:rPr lang="en-US" smtClean="0"/>
-              <a:t>9/25/24</a:t>
+              <a:t>9/26/24</a:t>
             </a:fld>
             <a:endParaRPr lang="en-US"/>
           </a:p>
@@ -25556,7 +25556,7 @@
             </a:r>
             <a:r>
               <a:rPr lang="en-US" dirty="0"/>
-              <a:t>: We have assumed the cores obtained by LLMS (or fake APIs) are discrete values. This helps us to be able to use the probability computation of our slides in our code. </a:t>
+              <a:t>: We have assumed the scores obtained by LLMS (or fake APIs) are discrete values. This helps us to be able to use the probability computation of our slides in our code. </a:t>
             </a:r>
           </a:p>
           <a:p>
